--- a/document/บทที่ 1/บทที่ 1.pptx
+++ b/document/บทที่ 1/บทที่ 1.pptx
@@ -5,16 +5,18 @@
     <p:sldMasterId id="2147483648" r:id="rId1"/>
   </p:sldMasterIdLst>
   <p:notesMasterIdLst>
-    <p:notesMasterId r:id="rId6"/>
+    <p:notesMasterId r:id="rId8"/>
   </p:notesMasterIdLst>
   <p:handoutMasterIdLst>
-    <p:handoutMasterId r:id="rId7"/>
+    <p:handoutMasterId r:id="rId9"/>
   </p:handoutMasterIdLst>
   <p:sldIdLst>
     <p:sldId id="256" r:id="rId2"/>
     <p:sldId id="259" r:id="rId3"/>
-    <p:sldId id="260" r:id="rId4"/>
-    <p:sldId id="261" r:id="rId5"/>
+    <p:sldId id="262" r:id="rId4"/>
+    <p:sldId id="263" r:id="rId5"/>
+    <p:sldId id="260" r:id="rId6"/>
+    <p:sldId id="261" r:id="rId7"/>
   </p:sldIdLst>
   <p:sldSz cx="9144000" cy="6858000" type="screen4x3"/>
   <p:notesSz cx="6858000" cy="9144000"/>
@@ -176,7 +178,1505 @@
 </p:presentation>
 </file>
 
+<file path=ppt/revisionInfo.xml><?xml version="1.0" encoding="utf-8"?>
+<p1510:revInfo xmlns:a="http://schemas.openxmlformats.org/drawingml/2006/main" xmlns:r="http://schemas.openxmlformats.org/officeDocument/2006/relationships" xmlns:p1510="http://schemas.microsoft.com/office/powerpoint/2015/10/main"/>
+</file>
+
 <file path=ppt/diagrams/colors1.xml><?xml version="1.0" encoding="utf-8"?>
+<dgm:colorsDef xmlns:dgm="http://schemas.openxmlformats.org/drawingml/2006/diagram" xmlns:a="http://schemas.openxmlformats.org/drawingml/2006/main" uniqueId="urn:microsoft.com/office/officeart/2005/8/colors/accent1_2">
+  <dgm:title val=""/>
+  <dgm:desc val=""/>
+  <dgm:catLst>
+    <dgm:cat type="accent1" pri="11200"/>
+  </dgm:catLst>
+  <dgm:styleLbl name="node0">
+    <dgm:fillClrLst meth="repeat">
+      <a:schemeClr val="accent1"/>
+    </dgm:fillClrLst>
+    <dgm:linClrLst meth="repeat">
+      <a:schemeClr val="lt1"/>
+    </dgm:linClrLst>
+    <dgm:effectClrLst/>
+    <dgm:txLinClrLst/>
+    <dgm:txFillClrLst/>
+    <dgm:txEffectClrLst/>
+  </dgm:styleLbl>
+  <dgm:styleLbl name="alignNode1">
+    <dgm:fillClrLst meth="repeat">
+      <a:schemeClr val="accent1"/>
+    </dgm:fillClrLst>
+    <dgm:linClrLst meth="repeat">
+      <a:schemeClr val="accent1"/>
+    </dgm:linClrLst>
+    <dgm:effectClrLst/>
+    <dgm:txLinClrLst/>
+    <dgm:txFillClrLst/>
+    <dgm:txEffectClrLst/>
+  </dgm:styleLbl>
+  <dgm:styleLbl name="node1">
+    <dgm:fillClrLst meth="repeat">
+      <a:schemeClr val="accent1"/>
+    </dgm:fillClrLst>
+    <dgm:linClrLst meth="repeat">
+      <a:schemeClr val="lt1"/>
+    </dgm:linClrLst>
+    <dgm:effectClrLst/>
+    <dgm:txLinClrLst/>
+    <dgm:txFillClrLst/>
+    <dgm:txEffectClrLst/>
+  </dgm:styleLbl>
+  <dgm:styleLbl name="lnNode1">
+    <dgm:fillClrLst meth="repeat">
+      <a:schemeClr val="accent1"/>
+    </dgm:fillClrLst>
+    <dgm:linClrLst meth="repeat">
+      <a:schemeClr val="lt1"/>
+    </dgm:linClrLst>
+    <dgm:effectClrLst/>
+    <dgm:txLinClrLst/>
+    <dgm:txFillClrLst/>
+    <dgm:txEffectClrLst/>
+  </dgm:styleLbl>
+  <dgm:styleLbl name="vennNode1">
+    <dgm:fillClrLst meth="repeat">
+      <a:schemeClr val="accent1">
+        <a:alpha val="50000"/>
+      </a:schemeClr>
+    </dgm:fillClrLst>
+    <dgm:linClrLst meth="repeat">
+      <a:schemeClr val="lt1"/>
+    </dgm:linClrLst>
+    <dgm:effectClrLst/>
+    <dgm:txLinClrLst/>
+    <dgm:txFillClrLst/>
+    <dgm:txEffectClrLst/>
+  </dgm:styleLbl>
+  <dgm:styleLbl name="node2">
+    <dgm:fillClrLst meth="repeat">
+      <a:schemeClr val="accent1"/>
+    </dgm:fillClrLst>
+    <dgm:linClrLst meth="repeat">
+      <a:schemeClr val="lt1"/>
+    </dgm:linClrLst>
+    <dgm:effectClrLst/>
+    <dgm:txLinClrLst/>
+    <dgm:txFillClrLst/>
+    <dgm:txEffectClrLst/>
+  </dgm:styleLbl>
+  <dgm:styleLbl name="node3">
+    <dgm:fillClrLst meth="repeat">
+      <a:schemeClr val="accent1"/>
+    </dgm:fillClrLst>
+    <dgm:linClrLst meth="repeat">
+      <a:schemeClr val="lt1"/>
+    </dgm:linClrLst>
+    <dgm:effectClrLst/>
+    <dgm:txLinClrLst/>
+    <dgm:txFillClrLst/>
+    <dgm:txEffectClrLst/>
+  </dgm:styleLbl>
+  <dgm:styleLbl name="node4">
+    <dgm:fillClrLst meth="repeat">
+      <a:schemeClr val="accent1"/>
+    </dgm:fillClrLst>
+    <dgm:linClrLst meth="repeat">
+      <a:schemeClr val="lt1"/>
+    </dgm:linClrLst>
+    <dgm:effectClrLst/>
+    <dgm:txLinClrLst/>
+    <dgm:txFillClrLst/>
+    <dgm:txEffectClrLst/>
+  </dgm:styleLbl>
+  <dgm:styleLbl name="fgImgPlace1">
+    <dgm:fillClrLst meth="repeat">
+      <a:schemeClr val="accent1">
+        <a:tint val="50000"/>
+      </a:schemeClr>
+    </dgm:fillClrLst>
+    <dgm:linClrLst meth="repeat">
+      <a:schemeClr val="lt1"/>
+    </dgm:linClrLst>
+    <dgm:effectClrLst/>
+    <dgm:txLinClrLst/>
+    <dgm:txFillClrLst meth="repeat">
+      <a:schemeClr val="lt1"/>
+    </dgm:txFillClrLst>
+    <dgm:txEffectClrLst/>
+  </dgm:styleLbl>
+  <dgm:styleLbl name="alignImgPlace1">
+    <dgm:fillClrLst meth="repeat">
+      <a:schemeClr val="accent1">
+        <a:tint val="50000"/>
+      </a:schemeClr>
+    </dgm:fillClrLst>
+    <dgm:linClrLst meth="repeat">
+      <a:schemeClr val="lt1"/>
+    </dgm:linClrLst>
+    <dgm:effectClrLst/>
+    <dgm:txLinClrLst/>
+    <dgm:txFillClrLst meth="repeat">
+      <a:schemeClr val="lt1"/>
+    </dgm:txFillClrLst>
+    <dgm:txEffectClrLst/>
+  </dgm:styleLbl>
+  <dgm:styleLbl name="bgImgPlace1">
+    <dgm:fillClrLst meth="repeat">
+      <a:schemeClr val="accent1">
+        <a:tint val="50000"/>
+      </a:schemeClr>
+    </dgm:fillClrLst>
+    <dgm:linClrLst meth="repeat">
+      <a:schemeClr val="lt1"/>
+    </dgm:linClrLst>
+    <dgm:effectClrLst/>
+    <dgm:txLinClrLst/>
+    <dgm:txFillClrLst meth="repeat">
+      <a:schemeClr val="lt1"/>
+    </dgm:txFillClrLst>
+    <dgm:txEffectClrLst/>
+  </dgm:styleLbl>
+  <dgm:styleLbl name="sibTrans2D1">
+    <dgm:fillClrLst meth="repeat">
+      <a:schemeClr val="accent1">
+        <a:tint val="60000"/>
+      </a:schemeClr>
+    </dgm:fillClrLst>
+    <dgm:linClrLst meth="repeat">
+      <a:schemeClr val="accent1">
+        <a:tint val="60000"/>
+      </a:schemeClr>
+    </dgm:linClrLst>
+    <dgm:effectClrLst/>
+    <dgm:txLinClrLst/>
+    <dgm:txFillClrLst/>
+    <dgm:txEffectClrLst/>
+  </dgm:styleLbl>
+  <dgm:styleLbl name="fgSibTrans2D1">
+    <dgm:fillClrLst meth="repeat">
+      <a:schemeClr val="accent1">
+        <a:tint val="60000"/>
+      </a:schemeClr>
+    </dgm:fillClrLst>
+    <dgm:linClrLst meth="repeat">
+      <a:schemeClr val="accent1">
+        <a:tint val="60000"/>
+      </a:schemeClr>
+    </dgm:linClrLst>
+    <dgm:effectClrLst/>
+    <dgm:txLinClrLst/>
+    <dgm:txFillClrLst/>
+    <dgm:txEffectClrLst/>
+  </dgm:styleLbl>
+  <dgm:styleLbl name="bgSibTrans2D1">
+    <dgm:fillClrLst meth="repeat">
+      <a:schemeClr val="accent1">
+        <a:tint val="60000"/>
+      </a:schemeClr>
+    </dgm:fillClrLst>
+    <dgm:linClrLst meth="repeat">
+      <a:schemeClr val="accent1">
+        <a:tint val="60000"/>
+      </a:schemeClr>
+    </dgm:linClrLst>
+    <dgm:effectClrLst/>
+    <dgm:txLinClrLst/>
+    <dgm:txFillClrLst/>
+    <dgm:txEffectClrLst/>
+  </dgm:styleLbl>
+  <dgm:styleLbl name="sibTrans1D1">
+    <dgm:fillClrLst meth="repeat">
+      <a:schemeClr val="accent1"/>
+    </dgm:fillClrLst>
+    <dgm:linClrLst meth="repeat">
+      <a:schemeClr val="accent1"/>
+    </dgm:linClrLst>
+    <dgm:effectClrLst/>
+    <dgm:txLinClrLst/>
+    <dgm:txFillClrLst meth="repeat">
+      <a:schemeClr val="tx1"/>
+    </dgm:txFillClrLst>
+    <dgm:txEffectClrLst/>
+  </dgm:styleLbl>
+  <dgm:styleLbl name="callout">
+    <dgm:fillClrLst meth="repeat">
+      <a:schemeClr val="accent1"/>
+    </dgm:fillClrLst>
+    <dgm:linClrLst meth="repeat">
+      <a:schemeClr val="accent1">
+        <a:tint val="50000"/>
+      </a:schemeClr>
+    </dgm:linClrLst>
+    <dgm:effectClrLst/>
+    <dgm:txLinClrLst/>
+    <dgm:txFillClrLst meth="repeat">
+      <a:schemeClr val="tx1"/>
+    </dgm:txFillClrLst>
+    <dgm:txEffectClrLst/>
+  </dgm:styleLbl>
+  <dgm:styleLbl name="asst0">
+    <dgm:fillClrLst meth="repeat">
+      <a:schemeClr val="accent1"/>
+    </dgm:fillClrLst>
+    <dgm:linClrLst meth="repeat">
+      <a:schemeClr val="lt1"/>
+    </dgm:linClrLst>
+    <dgm:effectClrLst/>
+    <dgm:txLinClrLst/>
+    <dgm:txFillClrLst/>
+    <dgm:txEffectClrLst/>
+  </dgm:styleLbl>
+  <dgm:styleLbl name="asst1">
+    <dgm:fillClrLst meth="repeat">
+      <a:schemeClr val="accent1"/>
+    </dgm:fillClrLst>
+    <dgm:linClrLst meth="repeat">
+      <a:schemeClr val="lt1"/>
+    </dgm:linClrLst>
+    <dgm:effectClrLst/>
+    <dgm:txLinClrLst/>
+    <dgm:txFillClrLst/>
+    <dgm:txEffectClrLst/>
+  </dgm:styleLbl>
+  <dgm:styleLbl name="asst2">
+    <dgm:fillClrLst meth="repeat">
+      <a:schemeClr val="accent1"/>
+    </dgm:fillClrLst>
+    <dgm:linClrLst meth="repeat">
+      <a:schemeClr val="lt1"/>
+    </dgm:linClrLst>
+    <dgm:effectClrLst/>
+    <dgm:txLinClrLst/>
+    <dgm:txFillClrLst/>
+    <dgm:txEffectClrLst/>
+  </dgm:styleLbl>
+  <dgm:styleLbl name="asst3">
+    <dgm:fillClrLst meth="repeat">
+      <a:schemeClr val="accent1"/>
+    </dgm:fillClrLst>
+    <dgm:linClrLst meth="repeat">
+      <a:schemeClr val="lt1"/>
+    </dgm:linClrLst>
+    <dgm:effectClrLst/>
+    <dgm:txLinClrLst/>
+    <dgm:txFillClrLst/>
+    <dgm:txEffectClrLst/>
+  </dgm:styleLbl>
+  <dgm:styleLbl name="asst4">
+    <dgm:fillClrLst meth="repeat">
+      <a:schemeClr val="accent1"/>
+    </dgm:fillClrLst>
+    <dgm:linClrLst meth="repeat">
+      <a:schemeClr val="lt1"/>
+    </dgm:linClrLst>
+    <dgm:effectClrLst/>
+    <dgm:txLinClrLst/>
+    <dgm:txFillClrLst/>
+    <dgm:txEffectClrLst/>
+  </dgm:styleLbl>
+  <dgm:styleLbl name="parChTrans2D1">
+    <dgm:fillClrLst meth="repeat">
+      <a:schemeClr val="accent1">
+        <a:tint val="60000"/>
+      </a:schemeClr>
+    </dgm:fillClrLst>
+    <dgm:linClrLst meth="repeat">
+      <a:schemeClr val="accent1">
+        <a:tint val="60000"/>
+      </a:schemeClr>
+    </dgm:linClrLst>
+    <dgm:effectClrLst/>
+    <dgm:txLinClrLst/>
+    <dgm:txFillClrLst meth="repeat">
+      <a:schemeClr val="lt1"/>
+    </dgm:txFillClrLst>
+    <dgm:txEffectClrLst/>
+  </dgm:styleLbl>
+  <dgm:styleLbl name="parChTrans2D2">
+    <dgm:fillClrLst meth="repeat">
+      <a:schemeClr val="accent1"/>
+    </dgm:fillClrLst>
+    <dgm:linClrLst meth="repeat">
+      <a:schemeClr val="accent1"/>
+    </dgm:linClrLst>
+    <dgm:effectClrLst/>
+    <dgm:txLinClrLst/>
+    <dgm:txFillClrLst meth="repeat">
+      <a:schemeClr val="lt1"/>
+    </dgm:txFillClrLst>
+    <dgm:txEffectClrLst/>
+  </dgm:styleLbl>
+  <dgm:styleLbl name="parChTrans2D3">
+    <dgm:fillClrLst meth="repeat">
+      <a:schemeClr val="accent1"/>
+    </dgm:fillClrLst>
+    <dgm:linClrLst meth="repeat">
+      <a:schemeClr val="accent1"/>
+    </dgm:linClrLst>
+    <dgm:effectClrLst/>
+    <dgm:txLinClrLst/>
+    <dgm:txFillClrLst meth="repeat">
+      <a:schemeClr val="lt1"/>
+    </dgm:txFillClrLst>
+    <dgm:txEffectClrLst/>
+  </dgm:styleLbl>
+  <dgm:styleLbl name="parChTrans2D4">
+    <dgm:fillClrLst meth="repeat">
+      <a:schemeClr val="accent1"/>
+    </dgm:fillClrLst>
+    <dgm:linClrLst meth="repeat">
+      <a:schemeClr val="accent1"/>
+    </dgm:linClrLst>
+    <dgm:effectClrLst/>
+    <dgm:txLinClrLst/>
+    <dgm:txFillClrLst meth="repeat">
+      <a:schemeClr val="lt1"/>
+    </dgm:txFillClrLst>
+    <dgm:txEffectClrLst/>
+  </dgm:styleLbl>
+  <dgm:styleLbl name="parChTrans1D1">
+    <dgm:fillClrLst meth="repeat">
+      <a:schemeClr val="accent1"/>
+    </dgm:fillClrLst>
+    <dgm:linClrLst meth="repeat">
+      <a:schemeClr val="accent1">
+        <a:shade val="60000"/>
+      </a:schemeClr>
+    </dgm:linClrLst>
+    <dgm:effectClrLst/>
+    <dgm:txLinClrLst/>
+    <dgm:txFillClrLst meth="repeat">
+      <a:schemeClr val="tx1"/>
+    </dgm:txFillClrLst>
+    <dgm:txEffectClrLst/>
+  </dgm:styleLbl>
+  <dgm:styleLbl name="parChTrans1D2">
+    <dgm:fillClrLst meth="repeat">
+      <a:schemeClr val="accent1"/>
+    </dgm:fillClrLst>
+    <dgm:linClrLst meth="repeat">
+      <a:schemeClr val="accent1">
+        <a:shade val="60000"/>
+      </a:schemeClr>
+    </dgm:linClrLst>
+    <dgm:effectClrLst/>
+    <dgm:txLinClrLst/>
+    <dgm:txFillClrLst meth="repeat">
+      <a:schemeClr val="tx1"/>
+    </dgm:txFillClrLst>
+    <dgm:txEffectClrLst/>
+  </dgm:styleLbl>
+  <dgm:styleLbl name="parChTrans1D3">
+    <dgm:fillClrLst meth="repeat">
+      <a:schemeClr val="accent1"/>
+    </dgm:fillClrLst>
+    <dgm:linClrLst meth="repeat">
+      <a:schemeClr val="accent1">
+        <a:shade val="80000"/>
+      </a:schemeClr>
+    </dgm:linClrLst>
+    <dgm:effectClrLst/>
+    <dgm:txLinClrLst/>
+    <dgm:txFillClrLst meth="repeat">
+      <a:schemeClr val="tx1"/>
+    </dgm:txFillClrLst>
+    <dgm:txEffectClrLst/>
+  </dgm:styleLbl>
+  <dgm:styleLbl name="parChTrans1D4">
+    <dgm:fillClrLst meth="repeat">
+      <a:schemeClr val="accent1"/>
+    </dgm:fillClrLst>
+    <dgm:linClrLst meth="repeat">
+      <a:schemeClr val="accent1">
+        <a:shade val="80000"/>
+      </a:schemeClr>
+    </dgm:linClrLst>
+    <dgm:effectClrLst/>
+    <dgm:txLinClrLst/>
+    <dgm:txFillClrLst meth="repeat">
+      <a:schemeClr val="tx1"/>
+    </dgm:txFillClrLst>
+    <dgm:txEffectClrLst/>
+  </dgm:styleLbl>
+  <dgm:styleLbl name="fgAcc1">
+    <dgm:fillClrLst meth="repeat">
+      <a:schemeClr val="lt1">
+        <a:alpha val="90000"/>
+      </a:schemeClr>
+    </dgm:fillClrLst>
+    <dgm:linClrLst meth="repeat">
+      <a:schemeClr val="accent1"/>
+    </dgm:linClrLst>
+    <dgm:effectClrLst/>
+    <dgm:txLinClrLst/>
+    <dgm:txFillClrLst meth="repeat">
+      <a:schemeClr val="dk1"/>
+    </dgm:txFillClrLst>
+    <dgm:txEffectClrLst/>
+  </dgm:styleLbl>
+  <dgm:styleLbl name="conFgAcc1">
+    <dgm:fillClrLst meth="repeat">
+      <a:schemeClr val="lt1">
+        <a:alpha val="90000"/>
+      </a:schemeClr>
+    </dgm:fillClrLst>
+    <dgm:linClrLst meth="repeat">
+      <a:schemeClr val="accent1"/>
+    </dgm:linClrLst>
+    <dgm:effectClrLst/>
+    <dgm:txLinClrLst/>
+    <dgm:txFillClrLst meth="repeat">
+      <a:schemeClr val="dk1"/>
+    </dgm:txFillClrLst>
+    <dgm:txEffectClrLst/>
+  </dgm:styleLbl>
+  <dgm:styleLbl name="alignAcc1">
+    <dgm:fillClrLst meth="repeat">
+      <a:schemeClr val="lt1">
+        <a:alpha val="90000"/>
+      </a:schemeClr>
+    </dgm:fillClrLst>
+    <dgm:linClrLst meth="repeat">
+      <a:schemeClr val="accent1"/>
+    </dgm:linClrLst>
+    <dgm:effectClrLst/>
+    <dgm:txLinClrLst/>
+    <dgm:txFillClrLst meth="repeat">
+      <a:schemeClr val="dk1"/>
+    </dgm:txFillClrLst>
+    <dgm:txEffectClrLst/>
+  </dgm:styleLbl>
+  <dgm:styleLbl name="trAlignAcc1">
+    <dgm:fillClrLst meth="repeat">
+      <a:schemeClr val="lt1">
+        <a:alpha val="40000"/>
+      </a:schemeClr>
+    </dgm:fillClrLst>
+    <dgm:linClrLst meth="repeat">
+      <a:schemeClr val="accent1"/>
+    </dgm:linClrLst>
+    <dgm:effectClrLst/>
+    <dgm:txLinClrLst/>
+    <dgm:txFillClrLst meth="repeat">
+      <a:schemeClr val="dk1"/>
+    </dgm:txFillClrLst>
+    <dgm:txEffectClrLst/>
+  </dgm:styleLbl>
+  <dgm:styleLbl name="bgAcc1">
+    <dgm:fillClrLst meth="repeat">
+      <a:schemeClr val="lt1">
+        <a:alpha val="90000"/>
+      </a:schemeClr>
+    </dgm:fillClrLst>
+    <dgm:linClrLst meth="repeat">
+      <a:schemeClr val="accent1"/>
+    </dgm:linClrLst>
+    <dgm:effectClrLst/>
+    <dgm:txLinClrLst/>
+    <dgm:txFillClrLst meth="repeat">
+      <a:schemeClr val="dk1"/>
+    </dgm:txFillClrLst>
+    <dgm:txEffectClrLst/>
+  </dgm:styleLbl>
+  <dgm:styleLbl name="solidFgAcc1">
+    <dgm:fillClrLst meth="repeat">
+      <a:schemeClr val="lt1"/>
+    </dgm:fillClrLst>
+    <dgm:linClrLst meth="repeat">
+      <a:schemeClr val="accent1"/>
+    </dgm:linClrLst>
+    <dgm:effectClrLst/>
+    <dgm:txLinClrLst/>
+    <dgm:txFillClrLst meth="repeat">
+      <a:schemeClr val="dk1"/>
+    </dgm:txFillClrLst>
+    <dgm:txEffectClrLst/>
+  </dgm:styleLbl>
+  <dgm:styleLbl name="solidAlignAcc1">
+    <dgm:fillClrLst meth="repeat">
+      <a:schemeClr val="lt1"/>
+    </dgm:fillClrLst>
+    <dgm:linClrLst meth="repeat">
+      <a:schemeClr val="accent1"/>
+    </dgm:linClrLst>
+    <dgm:effectClrLst/>
+    <dgm:txLinClrLst/>
+    <dgm:txFillClrLst meth="repeat">
+      <a:schemeClr val="dk1"/>
+    </dgm:txFillClrLst>
+    <dgm:txEffectClrLst/>
+  </dgm:styleLbl>
+  <dgm:styleLbl name="solidBgAcc1">
+    <dgm:fillClrLst meth="repeat">
+      <a:schemeClr val="lt1"/>
+    </dgm:fillClrLst>
+    <dgm:linClrLst meth="repeat">
+      <a:schemeClr val="accent1"/>
+    </dgm:linClrLst>
+    <dgm:effectClrLst/>
+    <dgm:txLinClrLst/>
+    <dgm:txFillClrLst meth="repeat">
+      <a:schemeClr val="dk1"/>
+    </dgm:txFillClrLst>
+    <dgm:txEffectClrLst/>
+  </dgm:styleLbl>
+  <dgm:styleLbl name="fgAccFollowNode1">
+    <dgm:fillClrLst meth="repeat">
+      <a:schemeClr val="accent1">
+        <a:alpha val="90000"/>
+        <a:tint val="40000"/>
+      </a:schemeClr>
+    </dgm:fillClrLst>
+    <dgm:linClrLst meth="repeat">
+      <a:schemeClr val="accent1">
+        <a:alpha val="90000"/>
+        <a:tint val="40000"/>
+      </a:schemeClr>
+    </dgm:linClrLst>
+    <dgm:effectClrLst/>
+    <dgm:txLinClrLst/>
+    <dgm:txFillClrLst meth="repeat">
+      <a:schemeClr val="dk1"/>
+    </dgm:txFillClrLst>
+    <dgm:txEffectClrLst/>
+  </dgm:styleLbl>
+  <dgm:styleLbl name="alignAccFollowNode1">
+    <dgm:fillClrLst meth="repeat">
+      <a:schemeClr val="accent1">
+        <a:alpha val="90000"/>
+        <a:tint val="40000"/>
+      </a:schemeClr>
+    </dgm:fillClrLst>
+    <dgm:linClrLst meth="repeat">
+      <a:schemeClr val="accent1">
+        <a:alpha val="90000"/>
+        <a:tint val="40000"/>
+      </a:schemeClr>
+    </dgm:linClrLst>
+    <dgm:effectClrLst/>
+    <dgm:txLinClrLst/>
+    <dgm:txFillClrLst meth="repeat">
+      <a:schemeClr val="dk1"/>
+    </dgm:txFillClrLst>
+    <dgm:txEffectClrLst/>
+  </dgm:styleLbl>
+  <dgm:styleLbl name="bgAccFollowNode1">
+    <dgm:fillClrLst meth="repeat">
+      <a:schemeClr val="accent1">
+        <a:alpha val="90000"/>
+        <a:tint val="40000"/>
+      </a:schemeClr>
+    </dgm:fillClrLst>
+    <dgm:linClrLst meth="repeat">
+      <a:schemeClr val="accent1">
+        <a:alpha val="90000"/>
+        <a:tint val="40000"/>
+      </a:schemeClr>
+    </dgm:linClrLst>
+    <dgm:effectClrLst/>
+    <dgm:txLinClrLst/>
+    <dgm:txFillClrLst meth="repeat">
+      <a:schemeClr val="dk1"/>
+    </dgm:txFillClrLst>
+    <dgm:txEffectClrLst/>
+  </dgm:styleLbl>
+  <dgm:styleLbl name="fgAcc0">
+    <dgm:fillClrLst meth="repeat">
+      <a:schemeClr val="lt1">
+        <a:alpha val="90000"/>
+      </a:schemeClr>
+    </dgm:fillClrLst>
+    <dgm:linClrLst meth="repeat">
+      <a:schemeClr val="accent1"/>
+    </dgm:linClrLst>
+    <dgm:effectClrLst/>
+    <dgm:txLinClrLst/>
+    <dgm:txFillClrLst meth="repeat">
+      <a:schemeClr val="dk1"/>
+    </dgm:txFillClrLst>
+    <dgm:txEffectClrLst/>
+  </dgm:styleLbl>
+  <dgm:styleLbl name="fgAcc2">
+    <dgm:fillClrLst meth="repeat">
+      <a:schemeClr val="lt1">
+        <a:alpha val="90000"/>
+      </a:schemeClr>
+    </dgm:fillClrLst>
+    <dgm:linClrLst meth="repeat">
+      <a:schemeClr val="accent1"/>
+    </dgm:linClrLst>
+    <dgm:effectClrLst/>
+    <dgm:txLinClrLst/>
+    <dgm:txFillClrLst meth="repeat">
+      <a:schemeClr val="dk1"/>
+    </dgm:txFillClrLst>
+    <dgm:txEffectClrLst/>
+  </dgm:styleLbl>
+  <dgm:styleLbl name="fgAcc3">
+    <dgm:fillClrLst meth="repeat">
+      <a:schemeClr val="lt1">
+        <a:alpha val="90000"/>
+      </a:schemeClr>
+    </dgm:fillClrLst>
+    <dgm:linClrLst meth="repeat">
+      <a:schemeClr val="accent1"/>
+    </dgm:linClrLst>
+    <dgm:effectClrLst/>
+    <dgm:txLinClrLst/>
+    <dgm:txFillClrLst meth="repeat">
+      <a:schemeClr val="dk1"/>
+    </dgm:txFillClrLst>
+    <dgm:txEffectClrLst/>
+  </dgm:styleLbl>
+  <dgm:styleLbl name="fgAcc4">
+    <dgm:fillClrLst meth="repeat">
+      <a:schemeClr val="lt1">
+        <a:alpha val="90000"/>
+      </a:schemeClr>
+    </dgm:fillClrLst>
+    <dgm:linClrLst meth="repeat">
+      <a:schemeClr val="accent1"/>
+    </dgm:linClrLst>
+    <dgm:effectClrLst/>
+    <dgm:txLinClrLst/>
+    <dgm:txFillClrLst meth="repeat">
+      <a:schemeClr val="dk1"/>
+    </dgm:txFillClrLst>
+    <dgm:txEffectClrLst/>
+  </dgm:styleLbl>
+  <dgm:styleLbl name="bgShp">
+    <dgm:fillClrLst meth="repeat">
+      <a:schemeClr val="accent1">
+        <a:tint val="40000"/>
+      </a:schemeClr>
+    </dgm:fillClrLst>
+    <dgm:linClrLst meth="repeat">
+      <a:schemeClr val="accent1"/>
+    </dgm:linClrLst>
+    <dgm:effectClrLst/>
+    <dgm:txLinClrLst/>
+    <dgm:txFillClrLst meth="repeat">
+      <a:schemeClr val="dk1"/>
+    </dgm:txFillClrLst>
+    <dgm:txEffectClrLst/>
+  </dgm:styleLbl>
+  <dgm:styleLbl name="dkBgShp">
+    <dgm:fillClrLst meth="repeat">
+      <a:schemeClr val="accent1">
+        <a:shade val="80000"/>
+      </a:schemeClr>
+    </dgm:fillClrLst>
+    <dgm:linClrLst meth="repeat">
+      <a:schemeClr val="accent1"/>
+    </dgm:linClrLst>
+    <dgm:effectClrLst/>
+    <dgm:txLinClrLst/>
+    <dgm:txFillClrLst meth="repeat">
+      <a:schemeClr val="lt1"/>
+    </dgm:txFillClrLst>
+    <dgm:txEffectClrLst/>
+  </dgm:styleLbl>
+  <dgm:styleLbl name="trBgShp">
+    <dgm:fillClrLst meth="repeat">
+      <a:schemeClr val="accent1">
+        <a:tint val="50000"/>
+        <a:alpha val="40000"/>
+      </a:schemeClr>
+    </dgm:fillClrLst>
+    <dgm:linClrLst meth="repeat">
+      <a:schemeClr val="accent1"/>
+    </dgm:linClrLst>
+    <dgm:effectClrLst/>
+    <dgm:txLinClrLst/>
+    <dgm:txFillClrLst meth="repeat">
+      <a:schemeClr val="lt1"/>
+    </dgm:txFillClrLst>
+    <dgm:txEffectClrLst/>
+  </dgm:styleLbl>
+  <dgm:styleLbl name="fgShp">
+    <dgm:fillClrLst meth="repeat">
+      <a:schemeClr val="accent1">
+        <a:tint val="60000"/>
+      </a:schemeClr>
+    </dgm:fillClrLst>
+    <dgm:linClrLst meth="repeat">
+      <a:schemeClr val="lt1"/>
+    </dgm:linClrLst>
+    <dgm:effectClrLst/>
+    <dgm:txLinClrLst/>
+    <dgm:txFillClrLst meth="repeat">
+      <a:schemeClr val="dk1"/>
+    </dgm:txFillClrLst>
+    <dgm:txEffectClrLst/>
+  </dgm:styleLbl>
+  <dgm:styleLbl name="revTx">
+    <dgm:fillClrLst meth="repeat">
+      <a:schemeClr val="lt1">
+        <a:alpha val="0"/>
+      </a:schemeClr>
+    </dgm:fillClrLst>
+    <dgm:linClrLst meth="repeat">
+      <a:schemeClr val="dk1">
+        <a:alpha val="0"/>
+      </a:schemeClr>
+    </dgm:linClrLst>
+    <dgm:effectClrLst/>
+    <dgm:txLinClrLst/>
+    <dgm:txFillClrLst meth="repeat">
+      <a:schemeClr val="tx1"/>
+    </dgm:txFillClrLst>
+    <dgm:txEffectClrLst/>
+  </dgm:styleLbl>
+</dgm:colorsDef>
+</file>
+
+<file path=ppt/diagrams/colors2.xml><?xml version="1.0" encoding="utf-8"?>
+<dgm:colorsDef xmlns:dgm="http://schemas.openxmlformats.org/drawingml/2006/diagram" xmlns:a="http://schemas.openxmlformats.org/drawingml/2006/main" uniqueId="urn:microsoft.com/office/officeart/2005/8/colors/accent1_2">
+  <dgm:title val=""/>
+  <dgm:desc val=""/>
+  <dgm:catLst>
+    <dgm:cat type="accent1" pri="11200"/>
+  </dgm:catLst>
+  <dgm:styleLbl name="node0">
+    <dgm:fillClrLst meth="repeat">
+      <a:schemeClr val="accent1"/>
+    </dgm:fillClrLst>
+    <dgm:linClrLst meth="repeat">
+      <a:schemeClr val="lt1"/>
+    </dgm:linClrLst>
+    <dgm:effectClrLst/>
+    <dgm:txLinClrLst/>
+    <dgm:txFillClrLst/>
+    <dgm:txEffectClrLst/>
+  </dgm:styleLbl>
+  <dgm:styleLbl name="alignNode1">
+    <dgm:fillClrLst meth="repeat">
+      <a:schemeClr val="accent1"/>
+    </dgm:fillClrLst>
+    <dgm:linClrLst meth="repeat">
+      <a:schemeClr val="accent1"/>
+    </dgm:linClrLst>
+    <dgm:effectClrLst/>
+    <dgm:txLinClrLst/>
+    <dgm:txFillClrLst/>
+    <dgm:txEffectClrLst/>
+  </dgm:styleLbl>
+  <dgm:styleLbl name="node1">
+    <dgm:fillClrLst meth="repeat">
+      <a:schemeClr val="accent1"/>
+    </dgm:fillClrLst>
+    <dgm:linClrLst meth="repeat">
+      <a:schemeClr val="lt1"/>
+    </dgm:linClrLst>
+    <dgm:effectClrLst/>
+    <dgm:txLinClrLst/>
+    <dgm:txFillClrLst/>
+    <dgm:txEffectClrLst/>
+  </dgm:styleLbl>
+  <dgm:styleLbl name="lnNode1">
+    <dgm:fillClrLst meth="repeat">
+      <a:schemeClr val="accent1"/>
+    </dgm:fillClrLst>
+    <dgm:linClrLst meth="repeat">
+      <a:schemeClr val="lt1"/>
+    </dgm:linClrLst>
+    <dgm:effectClrLst/>
+    <dgm:txLinClrLst/>
+    <dgm:txFillClrLst/>
+    <dgm:txEffectClrLst/>
+  </dgm:styleLbl>
+  <dgm:styleLbl name="vennNode1">
+    <dgm:fillClrLst meth="repeat">
+      <a:schemeClr val="accent1">
+        <a:alpha val="50000"/>
+      </a:schemeClr>
+    </dgm:fillClrLst>
+    <dgm:linClrLst meth="repeat">
+      <a:schemeClr val="lt1"/>
+    </dgm:linClrLst>
+    <dgm:effectClrLst/>
+    <dgm:txLinClrLst/>
+    <dgm:txFillClrLst/>
+    <dgm:txEffectClrLst/>
+  </dgm:styleLbl>
+  <dgm:styleLbl name="node2">
+    <dgm:fillClrLst meth="repeat">
+      <a:schemeClr val="accent1"/>
+    </dgm:fillClrLst>
+    <dgm:linClrLst meth="repeat">
+      <a:schemeClr val="lt1"/>
+    </dgm:linClrLst>
+    <dgm:effectClrLst/>
+    <dgm:txLinClrLst/>
+    <dgm:txFillClrLst/>
+    <dgm:txEffectClrLst/>
+  </dgm:styleLbl>
+  <dgm:styleLbl name="node3">
+    <dgm:fillClrLst meth="repeat">
+      <a:schemeClr val="accent1"/>
+    </dgm:fillClrLst>
+    <dgm:linClrLst meth="repeat">
+      <a:schemeClr val="lt1"/>
+    </dgm:linClrLst>
+    <dgm:effectClrLst/>
+    <dgm:txLinClrLst/>
+    <dgm:txFillClrLst/>
+    <dgm:txEffectClrLst/>
+  </dgm:styleLbl>
+  <dgm:styleLbl name="node4">
+    <dgm:fillClrLst meth="repeat">
+      <a:schemeClr val="accent1"/>
+    </dgm:fillClrLst>
+    <dgm:linClrLst meth="repeat">
+      <a:schemeClr val="lt1"/>
+    </dgm:linClrLst>
+    <dgm:effectClrLst/>
+    <dgm:txLinClrLst/>
+    <dgm:txFillClrLst/>
+    <dgm:txEffectClrLst/>
+  </dgm:styleLbl>
+  <dgm:styleLbl name="fgImgPlace1">
+    <dgm:fillClrLst meth="repeat">
+      <a:schemeClr val="accent1">
+        <a:tint val="50000"/>
+      </a:schemeClr>
+    </dgm:fillClrLst>
+    <dgm:linClrLst meth="repeat">
+      <a:schemeClr val="lt1"/>
+    </dgm:linClrLst>
+    <dgm:effectClrLst/>
+    <dgm:txLinClrLst/>
+    <dgm:txFillClrLst meth="repeat">
+      <a:schemeClr val="lt1"/>
+    </dgm:txFillClrLst>
+    <dgm:txEffectClrLst/>
+  </dgm:styleLbl>
+  <dgm:styleLbl name="alignImgPlace1">
+    <dgm:fillClrLst meth="repeat">
+      <a:schemeClr val="accent1">
+        <a:tint val="50000"/>
+      </a:schemeClr>
+    </dgm:fillClrLst>
+    <dgm:linClrLst meth="repeat">
+      <a:schemeClr val="lt1"/>
+    </dgm:linClrLst>
+    <dgm:effectClrLst/>
+    <dgm:txLinClrLst/>
+    <dgm:txFillClrLst meth="repeat">
+      <a:schemeClr val="lt1"/>
+    </dgm:txFillClrLst>
+    <dgm:txEffectClrLst/>
+  </dgm:styleLbl>
+  <dgm:styleLbl name="bgImgPlace1">
+    <dgm:fillClrLst meth="repeat">
+      <a:schemeClr val="accent1">
+        <a:tint val="50000"/>
+      </a:schemeClr>
+    </dgm:fillClrLst>
+    <dgm:linClrLst meth="repeat">
+      <a:schemeClr val="lt1"/>
+    </dgm:linClrLst>
+    <dgm:effectClrLst/>
+    <dgm:txLinClrLst/>
+    <dgm:txFillClrLst meth="repeat">
+      <a:schemeClr val="lt1"/>
+    </dgm:txFillClrLst>
+    <dgm:txEffectClrLst/>
+  </dgm:styleLbl>
+  <dgm:styleLbl name="sibTrans2D1">
+    <dgm:fillClrLst meth="repeat">
+      <a:schemeClr val="accent1">
+        <a:tint val="60000"/>
+      </a:schemeClr>
+    </dgm:fillClrLst>
+    <dgm:linClrLst meth="repeat">
+      <a:schemeClr val="accent1">
+        <a:tint val="60000"/>
+      </a:schemeClr>
+    </dgm:linClrLst>
+    <dgm:effectClrLst/>
+    <dgm:txLinClrLst/>
+    <dgm:txFillClrLst/>
+    <dgm:txEffectClrLst/>
+  </dgm:styleLbl>
+  <dgm:styleLbl name="fgSibTrans2D1">
+    <dgm:fillClrLst meth="repeat">
+      <a:schemeClr val="accent1">
+        <a:tint val="60000"/>
+      </a:schemeClr>
+    </dgm:fillClrLst>
+    <dgm:linClrLst meth="repeat">
+      <a:schemeClr val="accent1">
+        <a:tint val="60000"/>
+      </a:schemeClr>
+    </dgm:linClrLst>
+    <dgm:effectClrLst/>
+    <dgm:txLinClrLst/>
+    <dgm:txFillClrLst/>
+    <dgm:txEffectClrLst/>
+  </dgm:styleLbl>
+  <dgm:styleLbl name="bgSibTrans2D1">
+    <dgm:fillClrLst meth="repeat">
+      <a:schemeClr val="accent1">
+        <a:tint val="60000"/>
+      </a:schemeClr>
+    </dgm:fillClrLst>
+    <dgm:linClrLst meth="repeat">
+      <a:schemeClr val="accent1">
+        <a:tint val="60000"/>
+      </a:schemeClr>
+    </dgm:linClrLst>
+    <dgm:effectClrLst/>
+    <dgm:txLinClrLst/>
+    <dgm:txFillClrLst/>
+    <dgm:txEffectClrLst/>
+  </dgm:styleLbl>
+  <dgm:styleLbl name="sibTrans1D1">
+    <dgm:fillClrLst meth="repeat">
+      <a:schemeClr val="accent1"/>
+    </dgm:fillClrLst>
+    <dgm:linClrLst meth="repeat">
+      <a:schemeClr val="accent1"/>
+    </dgm:linClrLst>
+    <dgm:effectClrLst/>
+    <dgm:txLinClrLst/>
+    <dgm:txFillClrLst meth="repeat">
+      <a:schemeClr val="tx1"/>
+    </dgm:txFillClrLst>
+    <dgm:txEffectClrLst/>
+  </dgm:styleLbl>
+  <dgm:styleLbl name="callout">
+    <dgm:fillClrLst meth="repeat">
+      <a:schemeClr val="accent1"/>
+    </dgm:fillClrLst>
+    <dgm:linClrLst meth="repeat">
+      <a:schemeClr val="accent1">
+        <a:tint val="50000"/>
+      </a:schemeClr>
+    </dgm:linClrLst>
+    <dgm:effectClrLst/>
+    <dgm:txLinClrLst/>
+    <dgm:txFillClrLst meth="repeat">
+      <a:schemeClr val="tx1"/>
+    </dgm:txFillClrLst>
+    <dgm:txEffectClrLst/>
+  </dgm:styleLbl>
+  <dgm:styleLbl name="asst0">
+    <dgm:fillClrLst meth="repeat">
+      <a:schemeClr val="accent1"/>
+    </dgm:fillClrLst>
+    <dgm:linClrLst meth="repeat">
+      <a:schemeClr val="lt1"/>
+    </dgm:linClrLst>
+    <dgm:effectClrLst/>
+    <dgm:txLinClrLst/>
+    <dgm:txFillClrLst/>
+    <dgm:txEffectClrLst/>
+  </dgm:styleLbl>
+  <dgm:styleLbl name="asst1">
+    <dgm:fillClrLst meth="repeat">
+      <a:schemeClr val="accent1"/>
+    </dgm:fillClrLst>
+    <dgm:linClrLst meth="repeat">
+      <a:schemeClr val="lt1"/>
+    </dgm:linClrLst>
+    <dgm:effectClrLst/>
+    <dgm:txLinClrLst/>
+    <dgm:txFillClrLst/>
+    <dgm:txEffectClrLst/>
+  </dgm:styleLbl>
+  <dgm:styleLbl name="asst2">
+    <dgm:fillClrLst meth="repeat">
+      <a:schemeClr val="accent1"/>
+    </dgm:fillClrLst>
+    <dgm:linClrLst meth="repeat">
+      <a:schemeClr val="lt1"/>
+    </dgm:linClrLst>
+    <dgm:effectClrLst/>
+    <dgm:txLinClrLst/>
+    <dgm:txFillClrLst/>
+    <dgm:txEffectClrLst/>
+  </dgm:styleLbl>
+  <dgm:styleLbl name="asst3">
+    <dgm:fillClrLst meth="repeat">
+      <a:schemeClr val="accent1"/>
+    </dgm:fillClrLst>
+    <dgm:linClrLst meth="repeat">
+      <a:schemeClr val="lt1"/>
+    </dgm:linClrLst>
+    <dgm:effectClrLst/>
+    <dgm:txLinClrLst/>
+    <dgm:txFillClrLst/>
+    <dgm:txEffectClrLst/>
+  </dgm:styleLbl>
+  <dgm:styleLbl name="asst4">
+    <dgm:fillClrLst meth="repeat">
+      <a:schemeClr val="accent1"/>
+    </dgm:fillClrLst>
+    <dgm:linClrLst meth="repeat">
+      <a:schemeClr val="lt1"/>
+    </dgm:linClrLst>
+    <dgm:effectClrLst/>
+    <dgm:txLinClrLst/>
+    <dgm:txFillClrLst/>
+    <dgm:txEffectClrLst/>
+  </dgm:styleLbl>
+  <dgm:styleLbl name="parChTrans2D1">
+    <dgm:fillClrLst meth="repeat">
+      <a:schemeClr val="accent1">
+        <a:tint val="60000"/>
+      </a:schemeClr>
+    </dgm:fillClrLst>
+    <dgm:linClrLst meth="repeat">
+      <a:schemeClr val="accent1">
+        <a:tint val="60000"/>
+      </a:schemeClr>
+    </dgm:linClrLst>
+    <dgm:effectClrLst/>
+    <dgm:txLinClrLst/>
+    <dgm:txFillClrLst meth="repeat">
+      <a:schemeClr val="lt1"/>
+    </dgm:txFillClrLst>
+    <dgm:txEffectClrLst/>
+  </dgm:styleLbl>
+  <dgm:styleLbl name="parChTrans2D2">
+    <dgm:fillClrLst meth="repeat">
+      <a:schemeClr val="accent1"/>
+    </dgm:fillClrLst>
+    <dgm:linClrLst meth="repeat">
+      <a:schemeClr val="accent1"/>
+    </dgm:linClrLst>
+    <dgm:effectClrLst/>
+    <dgm:txLinClrLst/>
+    <dgm:txFillClrLst meth="repeat">
+      <a:schemeClr val="lt1"/>
+    </dgm:txFillClrLst>
+    <dgm:txEffectClrLst/>
+  </dgm:styleLbl>
+  <dgm:styleLbl name="parChTrans2D3">
+    <dgm:fillClrLst meth="repeat">
+      <a:schemeClr val="accent1"/>
+    </dgm:fillClrLst>
+    <dgm:linClrLst meth="repeat">
+      <a:schemeClr val="accent1"/>
+    </dgm:linClrLst>
+    <dgm:effectClrLst/>
+    <dgm:txLinClrLst/>
+    <dgm:txFillClrLst meth="repeat">
+      <a:schemeClr val="lt1"/>
+    </dgm:txFillClrLst>
+    <dgm:txEffectClrLst/>
+  </dgm:styleLbl>
+  <dgm:styleLbl name="parChTrans2D4">
+    <dgm:fillClrLst meth="repeat">
+      <a:schemeClr val="accent1"/>
+    </dgm:fillClrLst>
+    <dgm:linClrLst meth="repeat">
+      <a:schemeClr val="accent1"/>
+    </dgm:linClrLst>
+    <dgm:effectClrLst/>
+    <dgm:txLinClrLst/>
+    <dgm:txFillClrLst meth="repeat">
+      <a:schemeClr val="lt1"/>
+    </dgm:txFillClrLst>
+    <dgm:txEffectClrLst/>
+  </dgm:styleLbl>
+  <dgm:styleLbl name="parChTrans1D1">
+    <dgm:fillClrLst meth="repeat">
+      <a:schemeClr val="accent1"/>
+    </dgm:fillClrLst>
+    <dgm:linClrLst meth="repeat">
+      <a:schemeClr val="accent1">
+        <a:shade val="60000"/>
+      </a:schemeClr>
+    </dgm:linClrLst>
+    <dgm:effectClrLst/>
+    <dgm:txLinClrLst/>
+    <dgm:txFillClrLst meth="repeat">
+      <a:schemeClr val="tx1"/>
+    </dgm:txFillClrLst>
+    <dgm:txEffectClrLst/>
+  </dgm:styleLbl>
+  <dgm:styleLbl name="parChTrans1D2">
+    <dgm:fillClrLst meth="repeat">
+      <a:schemeClr val="accent1"/>
+    </dgm:fillClrLst>
+    <dgm:linClrLst meth="repeat">
+      <a:schemeClr val="accent1">
+        <a:shade val="60000"/>
+      </a:schemeClr>
+    </dgm:linClrLst>
+    <dgm:effectClrLst/>
+    <dgm:txLinClrLst/>
+    <dgm:txFillClrLst meth="repeat">
+      <a:schemeClr val="tx1"/>
+    </dgm:txFillClrLst>
+    <dgm:txEffectClrLst/>
+  </dgm:styleLbl>
+  <dgm:styleLbl name="parChTrans1D3">
+    <dgm:fillClrLst meth="repeat">
+      <a:schemeClr val="accent1"/>
+    </dgm:fillClrLst>
+    <dgm:linClrLst meth="repeat">
+      <a:schemeClr val="accent1">
+        <a:shade val="80000"/>
+      </a:schemeClr>
+    </dgm:linClrLst>
+    <dgm:effectClrLst/>
+    <dgm:txLinClrLst/>
+    <dgm:txFillClrLst meth="repeat">
+      <a:schemeClr val="tx1"/>
+    </dgm:txFillClrLst>
+    <dgm:txEffectClrLst/>
+  </dgm:styleLbl>
+  <dgm:styleLbl name="parChTrans1D4">
+    <dgm:fillClrLst meth="repeat">
+      <a:schemeClr val="accent1"/>
+    </dgm:fillClrLst>
+    <dgm:linClrLst meth="repeat">
+      <a:schemeClr val="accent1">
+        <a:shade val="80000"/>
+      </a:schemeClr>
+    </dgm:linClrLst>
+    <dgm:effectClrLst/>
+    <dgm:txLinClrLst/>
+    <dgm:txFillClrLst meth="repeat">
+      <a:schemeClr val="tx1"/>
+    </dgm:txFillClrLst>
+    <dgm:txEffectClrLst/>
+  </dgm:styleLbl>
+  <dgm:styleLbl name="fgAcc1">
+    <dgm:fillClrLst meth="repeat">
+      <a:schemeClr val="lt1">
+        <a:alpha val="90000"/>
+      </a:schemeClr>
+    </dgm:fillClrLst>
+    <dgm:linClrLst meth="repeat">
+      <a:schemeClr val="accent1"/>
+    </dgm:linClrLst>
+    <dgm:effectClrLst/>
+    <dgm:txLinClrLst/>
+    <dgm:txFillClrLst meth="repeat">
+      <a:schemeClr val="dk1"/>
+    </dgm:txFillClrLst>
+    <dgm:txEffectClrLst/>
+  </dgm:styleLbl>
+  <dgm:styleLbl name="conFgAcc1">
+    <dgm:fillClrLst meth="repeat">
+      <a:schemeClr val="lt1">
+        <a:alpha val="90000"/>
+      </a:schemeClr>
+    </dgm:fillClrLst>
+    <dgm:linClrLst meth="repeat">
+      <a:schemeClr val="accent1"/>
+    </dgm:linClrLst>
+    <dgm:effectClrLst/>
+    <dgm:txLinClrLst/>
+    <dgm:txFillClrLst meth="repeat">
+      <a:schemeClr val="dk1"/>
+    </dgm:txFillClrLst>
+    <dgm:txEffectClrLst/>
+  </dgm:styleLbl>
+  <dgm:styleLbl name="alignAcc1">
+    <dgm:fillClrLst meth="repeat">
+      <a:schemeClr val="lt1">
+        <a:alpha val="90000"/>
+      </a:schemeClr>
+    </dgm:fillClrLst>
+    <dgm:linClrLst meth="repeat">
+      <a:schemeClr val="accent1"/>
+    </dgm:linClrLst>
+    <dgm:effectClrLst/>
+    <dgm:txLinClrLst/>
+    <dgm:txFillClrLst meth="repeat">
+      <a:schemeClr val="dk1"/>
+    </dgm:txFillClrLst>
+    <dgm:txEffectClrLst/>
+  </dgm:styleLbl>
+  <dgm:styleLbl name="trAlignAcc1">
+    <dgm:fillClrLst meth="repeat">
+      <a:schemeClr val="lt1">
+        <a:alpha val="40000"/>
+      </a:schemeClr>
+    </dgm:fillClrLst>
+    <dgm:linClrLst meth="repeat">
+      <a:schemeClr val="accent1"/>
+    </dgm:linClrLst>
+    <dgm:effectClrLst/>
+    <dgm:txLinClrLst/>
+    <dgm:txFillClrLst meth="repeat">
+      <a:schemeClr val="dk1"/>
+    </dgm:txFillClrLst>
+    <dgm:txEffectClrLst/>
+  </dgm:styleLbl>
+  <dgm:styleLbl name="bgAcc1">
+    <dgm:fillClrLst meth="repeat">
+      <a:schemeClr val="lt1">
+        <a:alpha val="90000"/>
+      </a:schemeClr>
+    </dgm:fillClrLst>
+    <dgm:linClrLst meth="repeat">
+      <a:schemeClr val="accent1"/>
+    </dgm:linClrLst>
+    <dgm:effectClrLst/>
+    <dgm:txLinClrLst/>
+    <dgm:txFillClrLst meth="repeat">
+      <a:schemeClr val="dk1"/>
+    </dgm:txFillClrLst>
+    <dgm:txEffectClrLst/>
+  </dgm:styleLbl>
+  <dgm:styleLbl name="solidFgAcc1">
+    <dgm:fillClrLst meth="repeat">
+      <a:schemeClr val="lt1"/>
+    </dgm:fillClrLst>
+    <dgm:linClrLst meth="repeat">
+      <a:schemeClr val="accent1"/>
+    </dgm:linClrLst>
+    <dgm:effectClrLst/>
+    <dgm:txLinClrLst/>
+    <dgm:txFillClrLst meth="repeat">
+      <a:schemeClr val="dk1"/>
+    </dgm:txFillClrLst>
+    <dgm:txEffectClrLst/>
+  </dgm:styleLbl>
+  <dgm:styleLbl name="solidAlignAcc1">
+    <dgm:fillClrLst meth="repeat">
+      <a:schemeClr val="lt1"/>
+    </dgm:fillClrLst>
+    <dgm:linClrLst meth="repeat">
+      <a:schemeClr val="accent1"/>
+    </dgm:linClrLst>
+    <dgm:effectClrLst/>
+    <dgm:txLinClrLst/>
+    <dgm:txFillClrLst meth="repeat">
+      <a:schemeClr val="dk1"/>
+    </dgm:txFillClrLst>
+    <dgm:txEffectClrLst/>
+  </dgm:styleLbl>
+  <dgm:styleLbl name="solidBgAcc1">
+    <dgm:fillClrLst meth="repeat">
+      <a:schemeClr val="lt1"/>
+    </dgm:fillClrLst>
+    <dgm:linClrLst meth="repeat">
+      <a:schemeClr val="accent1"/>
+    </dgm:linClrLst>
+    <dgm:effectClrLst/>
+    <dgm:txLinClrLst/>
+    <dgm:txFillClrLst meth="repeat">
+      <a:schemeClr val="dk1"/>
+    </dgm:txFillClrLst>
+    <dgm:txEffectClrLst/>
+  </dgm:styleLbl>
+  <dgm:styleLbl name="fgAccFollowNode1">
+    <dgm:fillClrLst meth="repeat">
+      <a:schemeClr val="accent1">
+        <a:alpha val="90000"/>
+        <a:tint val="40000"/>
+      </a:schemeClr>
+    </dgm:fillClrLst>
+    <dgm:linClrLst meth="repeat">
+      <a:schemeClr val="accent1">
+        <a:alpha val="90000"/>
+        <a:tint val="40000"/>
+      </a:schemeClr>
+    </dgm:linClrLst>
+    <dgm:effectClrLst/>
+    <dgm:txLinClrLst/>
+    <dgm:txFillClrLst meth="repeat">
+      <a:schemeClr val="dk1"/>
+    </dgm:txFillClrLst>
+    <dgm:txEffectClrLst/>
+  </dgm:styleLbl>
+  <dgm:styleLbl name="alignAccFollowNode1">
+    <dgm:fillClrLst meth="repeat">
+      <a:schemeClr val="accent1">
+        <a:alpha val="90000"/>
+        <a:tint val="40000"/>
+      </a:schemeClr>
+    </dgm:fillClrLst>
+    <dgm:linClrLst meth="repeat">
+      <a:schemeClr val="accent1">
+        <a:alpha val="90000"/>
+        <a:tint val="40000"/>
+      </a:schemeClr>
+    </dgm:linClrLst>
+    <dgm:effectClrLst/>
+    <dgm:txLinClrLst/>
+    <dgm:txFillClrLst meth="repeat">
+      <a:schemeClr val="dk1"/>
+    </dgm:txFillClrLst>
+    <dgm:txEffectClrLst/>
+  </dgm:styleLbl>
+  <dgm:styleLbl name="bgAccFollowNode1">
+    <dgm:fillClrLst meth="repeat">
+      <a:schemeClr val="accent1">
+        <a:alpha val="90000"/>
+        <a:tint val="40000"/>
+      </a:schemeClr>
+    </dgm:fillClrLst>
+    <dgm:linClrLst meth="repeat">
+      <a:schemeClr val="accent1">
+        <a:alpha val="90000"/>
+        <a:tint val="40000"/>
+      </a:schemeClr>
+    </dgm:linClrLst>
+    <dgm:effectClrLst/>
+    <dgm:txLinClrLst/>
+    <dgm:txFillClrLst meth="repeat">
+      <a:schemeClr val="dk1"/>
+    </dgm:txFillClrLst>
+    <dgm:txEffectClrLst/>
+  </dgm:styleLbl>
+  <dgm:styleLbl name="fgAcc0">
+    <dgm:fillClrLst meth="repeat">
+      <a:schemeClr val="lt1">
+        <a:alpha val="90000"/>
+      </a:schemeClr>
+    </dgm:fillClrLst>
+    <dgm:linClrLst meth="repeat">
+      <a:schemeClr val="accent1"/>
+    </dgm:linClrLst>
+    <dgm:effectClrLst/>
+    <dgm:txLinClrLst/>
+    <dgm:txFillClrLst meth="repeat">
+      <a:schemeClr val="dk1"/>
+    </dgm:txFillClrLst>
+    <dgm:txEffectClrLst/>
+  </dgm:styleLbl>
+  <dgm:styleLbl name="fgAcc2">
+    <dgm:fillClrLst meth="repeat">
+      <a:schemeClr val="lt1">
+        <a:alpha val="90000"/>
+      </a:schemeClr>
+    </dgm:fillClrLst>
+    <dgm:linClrLst meth="repeat">
+      <a:schemeClr val="accent1"/>
+    </dgm:linClrLst>
+    <dgm:effectClrLst/>
+    <dgm:txLinClrLst/>
+    <dgm:txFillClrLst meth="repeat">
+      <a:schemeClr val="dk1"/>
+    </dgm:txFillClrLst>
+    <dgm:txEffectClrLst/>
+  </dgm:styleLbl>
+  <dgm:styleLbl name="fgAcc3">
+    <dgm:fillClrLst meth="repeat">
+      <a:schemeClr val="lt1">
+        <a:alpha val="90000"/>
+      </a:schemeClr>
+    </dgm:fillClrLst>
+    <dgm:linClrLst meth="repeat">
+      <a:schemeClr val="accent1"/>
+    </dgm:linClrLst>
+    <dgm:effectClrLst/>
+    <dgm:txLinClrLst/>
+    <dgm:txFillClrLst meth="repeat">
+      <a:schemeClr val="dk1"/>
+    </dgm:txFillClrLst>
+    <dgm:txEffectClrLst/>
+  </dgm:styleLbl>
+  <dgm:styleLbl name="fgAcc4">
+    <dgm:fillClrLst meth="repeat">
+      <a:schemeClr val="lt1">
+        <a:alpha val="90000"/>
+      </a:schemeClr>
+    </dgm:fillClrLst>
+    <dgm:linClrLst meth="repeat">
+      <a:schemeClr val="accent1"/>
+    </dgm:linClrLst>
+    <dgm:effectClrLst/>
+    <dgm:txLinClrLst/>
+    <dgm:txFillClrLst meth="repeat">
+      <a:schemeClr val="dk1"/>
+    </dgm:txFillClrLst>
+    <dgm:txEffectClrLst/>
+  </dgm:styleLbl>
+  <dgm:styleLbl name="bgShp">
+    <dgm:fillClrLst meth="repeat">
+      <a:schemeClr val="accent1">
+        <a:tint val="40000"/>
+      </a:schemeClr>
+    </dgm:fillClrLst>
+    <dgm:linClrLst meth="repeat">
+      <a:schemeClr val="accent1"/>
+    </dgm:linClrLst>
+    <dgm:effectClrLst/>
+    <dgm:txLinClrLst/>
+    <dgm:txFillClrLst meth="repeat">
+      <a:schemeClr val="dk1"/>
+    </dgm:txFillClrLst>
+    <dgm:txEffectClrLst/>
+  </dgm:styleLbl>
+  <dgm:styleLbl name="dkBgShp">
+    <dgm:fillClrLst meth="repeat">
+      <a:schemeClr val="accent1">
+        <a:shade val="80000"/>
+      </a:schemeClr>
+    </dgm:fillClrLst>
+    <dgm:linClrLst meth="repeat">
+      <a:schemeClr val="accent1"/>
+    </dgm:linClrLst>
+    <dgm:effectClrLst/>
+    <dgm:txLinClrLst/>
+    <dgm:txFillClrLst meth="repeat">
+      <a:schemeClr val="lt1"/>
+    </dgm:txFillClrLst>
+    <dgm:txEffectClrLst/>
+  </dgm:styleLbl>
+  <dgm:styleLbl name="trBgShp">
+    <dgm:fillClrLst meth="repeat">
+      <a:schemeClr val="accent1">
+        <a:tint val="50000"/>
+        <a:alpha val="40000"/>
+      </a:schemeClr>
+    </dgm:fillClrLst>
+    <dgm:linClrLst meth="repeat">
+      <a:schemeClr val="accent1"/>
+    </dgm:linClrLst>
+    <dgm:effectClrLst/>
+    <dgm:txLinClrLst/>
+    <dgm:txFillClrLst meth="repeat">
+      <a:schemeClr val="lt1"/>
+    </dgm:txFillClrLst>
+    <dgm:txEffectClrLst/>
+  </dgm:styleLbl>
+  <dgm:styleLbl name="fgShp">
+    <dgm:fillClrLst meth="repeat">
+      <a:schemeClr val="accent1">
+        <a:tint val="60000"/>
+      </a:schemeClr>
+    </dgm:fillClrLst>
+    <dgm:linClrLst meth="repeat">
+      <a:schemeClr val="lt1"/>
+    </dgm:linClrLst>
+    <dgm:effectClrLst/>
+    <dgm:txLinClrLst/>
+    <dgm:txFillClrLst meth="repeat">
+      <a:schemeClr val="dk1"/>
+    </dgm:txFillClrLst>
+    <dgm:txEffectClrLst/>
+  </dgm:styleLbl>
+  <dgm:styleLbl name="revTx">
+    <dgm:fillClrLst meth="repeat">
+      <a:schemeClr val="lt1">
+        <a:alpha val="0"/>
+      </a:schemeClr>
+    </dgm:fillClrLst>
+    <dgm:linClrLst meth="repeat">
+      <a:schemeClr val="dk1">
+        <a:alpha val="0"/>
+      </a:schemeClr>
+    </dgm:linClrLst>
+    <dgm:effectClrLst/>
+    <dgm:txLinClrLst/>
+    <dgm:txFillClrLst meth="repeat">
+      <a:schemeClr val="tx1"/>
+    </dgm:txFillClrLst>
+    <dgm:txEffectClrLst/>
+  </dgm:styleLbl>
+</dgm:colorsDef>
+</file>
+
+<file path=ppt/diagrams/colors3.xml><?xml version="1.0" encoding="utf-8"?>
 <dgm:colorsDef xmlns:dgm="http://schemas.openxmlformats.org/drawingml/2006/diagram" xmlns:a="http://schemas.openxmlformats.org/drawingml/2006/main" uniqueId="urn:microsoft.com/office/officeart/2005/8/colors/accent1_2">
   <dgm:title val=""/>
   <dgm:desc val=""/>
@@ -1994,6 +3494,566 @@
   <dgm:extLst>
     <a:ext uri="http://schemas.microsoft.com/office/drawing/2008/diagram">
       <dsp:dataModelExt xmlns:dsp="http://schemas.microsoft.com/office/drawing/2008/diagram" relId="rId6" minVer="http://schemas.openxmlformats.org/drawingml/2006/diagram"/>
+    </a:ext>
+  </dgm:extLst>
+</dgm:dataModel>
+</file>
+
+<file path=ppt/diagrams/data2.xml><?xml version="1.0" encoding="utf-8"?>
+<dgm:dataModel xmlns:dgm="http://schemas.openxmlformats.org/drawingml/2006/diagram" xmlns:a="http://schemas.openxmlformats.org/drawingml/2006/main">
+  <dgm:ptLst>
+    <dgm:pt modelId="{63B6859F-497B-4D18-900D-46C191DE6763}" type="doc">
+      <dgm:prSet loTypeId="urn:microsoft.com/office/officeart/2009/3/layout/DescendingProcess" loCatId="process" qsTypeId="urn:microsoft.com/office/officeart/2005/8/quickstyle/simple1" qsCatId="simple" csTypeId="urn:microsoft.com/office/officeart/2005/8/colors/accent1_2" csCatId="accent1" phldr="1"/>
+      <dgm:spPr/>
+      <dgm:t>
+        <a:bodyPr/>
+        <a:lstStyle/>
+        <a:p>
+          <a:endParaRPr lang="en-US"/>
+        </a:p>
+      </dgm:t>
+    </dgm:pt>
+    <dgm:pt modelId="{0022519D-CCC8-4F1D-881E-32920F49334C}">
+      <dgm:prSet phldrT="[Text]"/>
+      <dgm:spPr/>
+      <dgm:t>
+        <a:bodyPr/>
+        <a:lstStyle/>
+        <a:p>
+          <a:endParaRPr lang="en-US" dirty="0"/>
+        </a:p>
+      </dgm:t>
+    </dgm:pt>
+    <dgm:pt modelId="{F475D665-5421-4A5D-81D2-920E82C3F334}" type="sibTrans" cxnId="{98A5B8CD-577D-450B-A22C-8F9722325B69}">
+      <dgm:prSet/>
+      <dgm:spPr/>
+      <dgm:t>
+        <a:bodyPr/>
+        <a:lstStyle/>
+        <a:p>
+          <a:endParaRPr lang="en-US"/>
+        </a:p>
+      </dgm:t>
+    </dgm:pt>
+    <dgm:pt modelId="{A9588FCB-B36C-4CEA-9E74-409BB45249B7}" type="parTrans" cxnId="{98A5B8CD-577D-450B-A22C-8F9722325B69}">
+      <dgm:prSet/>
+      <dgm:spPr/>
+      <dgm:t>
+        <a:bodyPr/>
+        <a:lstStyle/>
+        <a:p>
+          <a:endParaRPr lang="en-US"/>
+        </a:p>
+      </dgm:t>
+    </dgm:pt>
+    <dgm:pt modelId="{756032C4-C92C-4061-8F95-F837B823D549}" type="pres">
+      <dgm:prSet presAssocID="{63B6859F-497B-4D18-900D-46C191DE6763}" presName="Name0" presStyleCnt="0">
+        <dgm:presLayoutVars>
+          <dgm:chMax val="7"/>
+          <dgm:chPref val="5"/>
+        </dgm:presLayoutVars>
+      </dgm:prSet>
+      <dgm:spPr/>
+    </dgm:pt>
+    <dgm:pt modelId="{0657B8E5-5FB2-4E92-BF58-DF3D891800AE}" type="pres">
+      <dgm:prSet presAssocID="{63B6859F-497B-4D18-900D-46C191DE6763}" presName="arrowNode" presStyleLbl="node1" presStyleIdx="0" presStyleCnt="1" custLinFactNeighborX="-9081" custLinFactNeighborY="-8009"/>
+      <dgm:spPr>
+        <a:solidFill>
+          <a:schemeClr val="bg1">
+            <a:lumMod val="75000"/>
+          </a:schemeClr>
+        </a:solidFill>
+      </dgm:spPr>
+    </dgm:pt>
+    <dgm:pt modelId="{53172D6F-4B65-4823-A501-D6C0DB30DFDB}" type="pres">
+      <dgm:prSet presAssocID="{0022519D-CCC8-4F1D-881E-32920F49334C}" presName="txNode1" presStyleLbl="revTx" presStyleIdx="0" presStyleCnt="1" custScaleX="82715" custLinFactNeighborX="74553" custLinFactNeighborY="72696">
+        <dgm:presLayoutVars>
+          <dgm:bulletEnabled val="1"/>
+        </dgm:presLayoutVars>
+      </dgm:prSet>
+      <dgm:spPr/>
+    </dgm:pt>
+  </dgm:ptLst>
+  <dgm:cxnLst>
+    <dgm:cxn modelId="{341FA010-0623-4367-8AFF-4006450211B1}" type="presOf" srcId="{63B6859F-497B-4D18-900D-46C191DE6763}" destId="{756032C4-C92C-4061-8F95-F837B823D549}" srcOrd="0" destOrd="0" presId="urn:microsoft.com/office/officeart/2009/3/layout/DescendingProcess"/>
+    <dgm:cxn modelId="{98A5B8CD-577D-450B-A22C-8F9722325B69}" srcId="{63B6859F-497B-4D18-900D-46C191DE6763}" destId="{0022519D-CCC8-4F1D-881E-32920F49334C}" srcOrd="0" destOrd="0" parTransId="{A9588FCB-B36C-4CEA-9E74-409BB45249B7}" sibTransId="{F475D665-5421-4A5D-81D2-920E82C3F334}"/>
+    <dgm:cxn modelId="{2098FAEF-E44E-47C5-A93D-C97ED5712C50}" type="presOf" srcId="{0022519D-CCC8-4F1D-881E-32920F49334C}" destId="{53172D6F-4B65-4823-A501-D6C0DB30DFDB}" srcOrd="0" destOrd="0" presId="urn:microsoft.com/office/officeart/2009/3/layout/DescendingProcess"/>
+    <dgm:cxn modelId="{725FE2B3-6679-4D28-96A0-485FFC111590}" type="presParOf" srcId="{756032C4-C92C-4061-8F95-F837B823D549}" destId="{0657B8E5-5FB2-4E92-BF58-DF3D891800AE}" srcOrd="0" destOrd="0" presId="urn:microsoft.com/office/officeart/2009/3/layout/DescendingProcess"/>
+    <dgm:cxn modelId="{1705E8E3-6802-4E3D-8094-280AC6B44DEB}" type="presParOf" srcId="{756032C4-C92C-4061-8F95-F837B823D549}" destId="{53172D6F-4B65-4823-A501-D6C0DB30DFDB}" srcOrd="1" destOrd="0" presId="urn:microsoft.com/office/officeart/2009/3/layout/DescendingProcess"/>
+  </dgm:cxnLst>
+  <dgm:bg/>
+  <dgm:whole/>
+  <dgm:extLst>
+    <a:ext uri="http://schemas.microsoft.com/office/drawing/2008/diagram">
+      <dsp:dataModelExt xmlns:dsp="http://schemas.microsoft.com/office/drawing/2008/diagram" relId="rId8" minVer="http://schemas.openxmlformats.org/drawingml/2006/diagram"/>
+    </a:ext>
+  </dgm:extLst>
+</dgm:dataModel>
+</file>
+
+<file path=ppt/diagrams/data3.xml><?xml version="1.0" encoding="utf-8"?>
+<dgm:dataModel xmlns:dgm="http://schemas.openxmlformats.org/drawingml/2006/diagram" xmlns:a="http://schemas.openxmlformats.org/drawingml/2006/main">
+  <dgm:ptLst>
+    <dgm:pt modelId="{7F133638-A913-4191-8026-251F240B3119}" type="doc">
+      <dgm:prSet loTypeId="urn:microsoft.com/office/officeart/2005/8/layout/hProcess11" loCatId="process" qsTypeId="urn:microsoft.com/office/officeart/2005/8/quickstyle/simple1" qsCatId="simple" csTypeId="urn:microsoft.com/office/officeart/2005/8/colors/accent1_2" csCatId="accent1" phldr="1"/>
+      <dgm:spPr/>
+    </dgm:pt>
+    <dgm:pt modelId="{5924B359-D8A7-46CF-8DB5-1831EA6E09DB}">
+      <dgm:prSet phldrT="[Text]"/>
+      <dgm:spPr/>
+      <dgm:t>
+        <a:bodyPr/>
+        <a:lstStyle/>
+        <a:p>
+          <a:r>
+            <a:rPr lang="en-US" dirty="0"/>
+            <a:t> </a:t>
+          </a:r>
+        </a:p>
+      </dgm:t>
+    </dgm:pt>
+    <dgm:pt modelId="{17D86D60-30BF-415B-BAF8-96E9C0227D9F}" type="parTrans" cxnId="{B577CA29-6DD8-4603-B8B6-C4A45B33310C}">
+      <dgm:prSet/>
+      <dgm:spPr/>
+      <dgm:t>
+        <a:bodyPr/>
+        <a:lstStyle/>
+        <a:p>
+          <a:endParaRPr lang="en-US"/>
+        </a:p>
+      </dgm:t>
+    </dgm:pt>
+    <dgm:pt modelId="{4B3FB064-9947-4BF1-927C-12CCF5610580}" type="sibTrans" cxnId="{B577CA29-6DD8-4603-B8B6-C4A45B33310C}">
+      <dgm:prSet/>
+      <dgm:spPr/>
+      <dgm:t>
+        <a:bodyPr/>
+        <a:lstStyle/>
+        <a:p>
+          <a:endParaRPr lang="en-US"/>
+        </a:p>
+      </dgm:t>
+    </dgm:pt>
+    <dgm:pt modelId="{2F57B829-2537-4D87-9E8F-432FB9F48130}">
+      <dgm:prSet phldrT="[Text]"/>
+      <dgm:spPr/>
+      <dgm:t>
+        <a:bodyPr/>
+        <a:lstStyle/>
+        <a:p>
+          <a:r>
+            <a:rPr lang="en-US" dirty="0"/>
+            <a:t> </a:t>
+          </a:r>
+        </a:p>
+      </dgm:t>
+    </dgm:pt>
+    <dgm:pt modelId="{4B05FE4F-E07D-42C1-A31C-5083A6BEC001}" type="parTrans" cxnId="{71C43EBD-5971-40C2-B788-F330EEA80414}">
+      <dgm:prSet/>
+      <dgm:spPr/>
+      <dgm:t>
+        <a:bodyPr/>
+        <a:lstStyle/>
+        <a:p>
+          <a:endParaRPr lang="en-US"/>
+        </a:p>
+      </dgm:t>
+    </dgm:pt>
+    <dgm:pt modelId="{FE0BBC87-6E09-420E-ADA4-AC84C1DBF9FF}" type="sibTrans" cxnId="{71C43EBD-5971-40C2-B788-F330EEA80414}">
+      <dgm:prSet/>
+      <dgm:spPr/>
+      <dgm:t>
+        <a:bodyPr/>
+        <a:lstStyle/>
+        <a:p>
+          <a:endParaRPr lang="en-US"/>
+        </a:p>
+      </dgm:t>
+    </dgm:pt>
+    <dgm:pt modelId="{2960BCB4-C970-4810-933A-FC79BCFA6C8D}">
+      <dgm:prSet phldrT="[Text]"/>
+      <dgm:spPr/>
+      <dgm:t>
+        <a:bodyPr/>
+        <a:lstStyle/>
+        <a:p>
+          <a:r>
+            <a:rPr lang="en-US" dirty="0"/>
+            <a:t> </a:t>
+          </a:r>
+        </a:p>
+      </dgm:t>
+    </dgm:pt>
+    <dgm:pt modelId="{F22A73DA-6186-4970-B028-BD5609732A20}" type="sibTrans" cxnId="{B4E3D218-E349-4FEE-832E-634B04ABC532}">
+      <dgm:prSet/>
+      <dgm:spPr/>
+      <dgm:t>
+        <a:bodyPr/>
+        <a:lstStyle/>
+        <a:p>
+          <a:endParaRPr lang="en-US"/>
+        </a:p>
+      </dgm:t>
+    </dgm:pt>
+    <dgm:pt modelId="{0637AF96-9B22-4818-BF1F-55463DD349E1}" type="parTrans" cxnId="{B4E3D218-E349-4FEE-832E-634B04ABC532}">
+      <dgm:prSet/>
+      <dgm:spPr/>
+      <dgm:t>
+        <a:bodyPr/>
+        <a:lstStyle/>
+        <a:p>
+          <a:endParaRPr lang="en-US"/>
+        </a:p>
+      </dgm:t>
+    </dgm:pt>
+    <dgm:pt modelId="{3C4BCC7F-00CF-4FE0-829A-3A3443DD08A1}">
+      <dgm:prSet phldrT="[Text]"/>
+      <dgm:spPr/>
+      <dgm:t>
+        <a:bodyPr/>
+        <a:lstStyle/>
+        <a:p>
+          <a:endParaRPr lang="en-US" dirty="0"/>
+        </a:p>
+      </dgm:t>
+    </dgm:pt>
+    <dgm:pt modelId="{2953F1F3-02A1-41A3-B34D-684D553F2F61}" type="parTrans" cxnId="{CCB34809-0C54-4FA4-9D9C-3A92552C5F50}">
+      <dgm:prSet/>
+      <dgm:spPr/>
+      <dgm:t>
+        <a:bodyPr/>
+        <a:lstStyle/>
+        <a:p>
+          <a:endParaRPr lang="en-US"/>
+        </a:p>
+      </dgm:t>
+    </dgm:pt>
+    <dgm:pt modelId="{F6EFB62F-2F07-4318-B960-59BCAB133160}" type="sibTrans" cxnId="{CCB34809-0C54-4FA4-9D9C-3A92552C5F50}">
+      <dgm:prSet/>
+      <dgm:spPr/>
+      <dgm:t>
+        <a:bodyPr/>
+        <a:lstStyle/>
+        <a:p>
+          <a:endParaRPr lang="en-US"/>
+        </a:p>
+      </dgm:t>
+    </dgm:pt>
+    <dgm:pt modelId="{E7F157AD-D46A-4083-A6B5-1A0DCF064560}">
+      <dgm:prSet phldrT="[Text]"/>
+      <dgm:spPr/>
+      <dgm:t>
+        <a:bodyPr/>
+        <a:lstStyle/>
+        <a:p>
+          <a:endParaRPr lang="en-US" dirty="0"/>
+        </a:p>
+      </dgm:t>
+    </dgm:pt>
+    <dgm:pt modelId="{D32231D6-18F0-4A28-824F-0DC4AFBC8A82}" type="parTrans" cxnId="{E22D1975-7415-4FAC-A8C2-18FD980BFAE6}">
+      <dgm:prSet/>
+      <dgm:spPr/>
+      <dgm:t>
+        <a:bodyPr/>
+        <a:lstStyle/>
+        <a:p>
+          <a:endParaRPr lang="en-US"/>
+        </a:p>
+      </dgm:t>
+    </dgm:pt>
+    <dgm:pt modelId="{CA6A1DE7-B93B-4185-AEF8-AE0F5B2B812C}" type="sibTrans" cxnId="{E22D1975-7415-4FAC-A8C2-18FD980BFAE6}">
+      <dgm:prSet/>
+      <dgm:spPr/>
+      <dgm:t>
+        <a:bodyPr/>
+        <a:lstStyle/>
+        <a:p>
+          <a:endParaRPr lang="en-US"/>
+        </a:p>
+      </dgm:t>
+    </dgm:pt>
+    <dgm:pt modelId="{C1053D8C-82E5-410C-BC12-7AB038B3B44D}" type="pres">
+      <dgm:prSet presAssocID="{7F133638-A913-4191-8026-251F240B3119}" presName="Name0" presStyleCnt="0">
+        <dgm:presLayoutVars>
+          <dgm:dir/>
+          <dgm:resizeHandles val="exact"/>
+        </dgm:presLayoutVars>
+      </dgm:prSet>
+      <dgm:spPr/>
+    </dgm:pt>
+    <dgm:pt modelId="{12F3A5DE-ED67-44F6-B776-1ED4425A7F9D}" type="pres">
+      <dgm:prSet presAssocID="{7F133638-A913-4191-8026-251F240B3119}" presName="arrow" presStyleLbl="bgShp" presStyleIdx="0" presStyleCnt="1"/>
+      <dgm:spPr>
+        <a:solidFill>
+          <a:srgbClr val="00B0F0"/>
+        </a:solidFill>
+      </dgm:spPr>
+    </dgm:pt>
+    <dgm:pt modelId="{9095FB2E-7C8E-4AE0-BB41-DB02E05ECEB3}" type="pres">
+      <dgm:prSet presAssocID="{7F133638-A913-4191-8026-251F240B3119}" presName="points" presStyleCnt="0"/>
+      <dgm:spPr/>
+    </dgm:pt>
+    <dgm:pt modelId="{72F8E74D-6D96-43B2-9A59-C907B37E2E46}" type="pres">
+      <dgm:prSet presAssocID="{2960BCB4-C970-4810-933A-FC79BCFA6C8D}" presName="compositeA" presStyleCnt="0"/>
+      <dgm:spPr/>
+    </dgm:pt>
+    <dgm:pt modelId="{D8EE56E2-1596-4A95-948F-F5939294F5AE}" type="pres">
+      <dgm:prSet presAssocID="{2960BCB4-C970-4810-933A-FC79BCFA6C8D}" presName="textA" presStyleLbl="revTx" presStyleIdx="0" presStyleCnt="5">
+        <dgm:presLayoutVars>
+          <dgm:bulletEnabled val="1"/>
+        </dgm:presLayoutVars>
+      </dgm:prSet>
+      <dgm:spPr/>
+    </dgm:pt>
+    <dgm:pt modelId="{D214C946-F86B-4BB9-9234-A8285BAC810D}" type="pres">
+      <dgm:prSet presAssocID="{2960BCB4-C970-4810-933A-FC79BCFA6C8D}" presName="circleA" presStyleLbl="node1" presStyleIdx="0" presStyleCnt="5"/>
+      <dgm:spPr>
+        <a:xfrm>
+          <a:off x="821507" y="1631473"/>
+          <a:ext cx="362549" cy="362549"/>
+        </a:xfrm>
+        <a:prstGeom prst="ellipse">
+          <a:avLst/>
+        </a:prstGeom>
+        <a:solidFill>
+          <a:srgbClr val="FFFFFF"/>
+        </a:solidFill>
+        <a:ln w="12700" cap="flat" cmpd="sng" algn="ctr">
+          <a:solidFill>
+            <a:srgbClr val="FFFFFF">
+              <a:hueOff val="0"/>
+              <a:satOff val="0"/>
+              <a:lumOff val="0"/>
+              <a:alphaOff val="0"/>
+            </a:srgbClr>
+          </a:solidFill>
+          <a:prstDash val="solid"/>
+          <a:miter lim="800000"/>
+        </a:ln>
+        <a:effectLst/>
+      </dgm:spPr>
+    </dgm:pt>
+    <dgm:pt modelId="{14CF28CC-3FDA-43DB-8F5B-054DCD576490}" type="pres">
+      <dgm:prSet presAssocID="{2960BCB4-C970-4810-933A-FC79BCFA6C8D}" presName="spaceA" presStyleCnt="0"/>
+      <dgm:spPr/>
+    </dgm:pt>
+    <dgm:pt modelId="{6108858A-964C-490F-BF4F-32041B61B526}" type="pres">
+      <dgm:prSet presAssocID="{F22A73DA-6186-4970-B028-BD5609732A20}" presName="space" presStyleCnt="0"/>
+      <dgm:spPr/>
+    </dgm:pt>
+    <dgm:pt modelId="{38BF86AA-37E0-4FF4-A48A-147BB669C13A}" type="pres">
+      <dgm:prSet presAssocID="{5924B359-D8A7-46CF-8DB5-1831EA6E09DB}" presName="compositeB" presStyleCnt="0"/>
+      <dgm:spPr/>
+    </dgm:pt>
+    <dgm:pt modelId="{9AECD0B5-E139-4707-B4A3-328B7B5A01C0}" type="pres">
+      <dgm:prSet presAssocID="{5924B359-D8A7-46CF-8DB5-1831EA6E09DB}" presName="textB" presStyleLbl="revTx" presStyleIdx="1" presStyleCnt="5">
+        <dgm:presLayoutVars>
+          <dgm:bulletEnabled val="1"/>
+        </dgm:presLayoutVars>
+      </dgm:prSet>
+      <dgm:spPr/>
+    </dgm:pt>
+    <dgm:pt modelId="{BED8B5DA-58C2-478A-AD8A-64DE19D38179}" type="pres">
+      <dgm:prSet presAssocID="{5924B359-D8A7-46CF-8DB5-1831EA6E09DB}" presName="circleB" presStyleLbl="node1" presStyleIdx="1" presStyleCnt="5"/>
+      <dgm:spPr>
+        <a:xfrm>
+          <a:off x="2920987" y="1631473"/>
+          <a:ext cx="362549" cy="362549"/>
+        </a:xfrm>
+        <a:prstGeom prst="ellipse">
+          <a:avLst/>
+        </a:prstGeom>
+        <a:solidFill>
+          <a:srgbClr val="FFFFFF"/>
+        </a:solidFill>
+        <a:ln w="12700" cap="flat" cmpd="sng" algn="ctr">
+          <a:solidFill>
+            <a:srgbClr val="FFFFFF">
+              <a:hueOff val="0"/>
+              <a:satOff val="0"/>
+              <a:lumOff val="0"/>
+              <a:alphaOff val="0"/>
+            </a:srgbClr>
+          </a:solidFill>
+          <a:prstDash val="solid"/>
+          <a:miter lim="800000"/>
+        </a:ln>
+        <a:effectLst/>
+      </dgm:spPr>
+    </dgm:pt>
+    <dgm:pt modelId="{AD142D1F-6058-41CF-9959-DF1B0EAB0AD2}" type="pres">
+      <dgm:prSet presAssocID="{5924B359-D8A7-46CF-8DB5-1831EA6E09DB}" presName="spaceB" presStyleCnt="0"/>
+      <dgm:spPr/>
+    </dgm:pt>
+    <dgm:pt modelId="{EE766078-400B-4898-BDF8-AF844482ACD1}" type="pres">
+      <dgm:prSet presAssocID="{4B3FB064-9947-4BF1-927C-12CCF5610580}" presName="space" presStyleCnt="0"/>
+      <dgm:spPr/>
+    </dgm:pt>
+    <dgm:pt modelId="{72C8CC9B-AF77-45E9-A093-E243C614A9EB}" type="pres">
+      <dgm:prSet presAssocID="{2F57B829-2537-4D87-9E8F-432FB9F48130}" presName="compositeA" presStyleCnt="0"/>
+      <dgm:spPr/>
+    </dgm:pt>
+    <dgm:pt modelId="{75B9C140-7C8D-4D3F-854C-E26480A6DA7C}" type="pres">
+      <dgm:prSet presAssocID="{2F57B829-2537-4D87-9E8F-432FB9F48130}" presName="textA" presStyleLbl="revTx" presStyleIdx="2" presStyleCnt="5">
+        <dgm:presLayoutVars>
+          <dgm:bulletEnabled val="1"/>
+        </dgm:presLayoutVars>
+      </dgm:prSet>
+      <dgm:spPr/>
+    </dgm:pt>
+    <dgm:pt modelId="{7172A374-C6CE-41C7-A6E7-81A78E8F2518}" type="pres">
+      <dgm:prSet presAssocID="{2F57B829-2537-4D87-9E8F-432FB9F48130}" presName="circleA" presStyleLbl="node1" presStyleIdx="2" presStyleCnt="5"/>
+      <dgm:spPr>
+        <a:solidFill>
+          <a:schemeClr val="bg1"/>
+        </a:solidFill>
+      </dgm:spPr>
+    </dgm:pt>
+    <dgm:pt modelId="{3D46EA3E-5053-4DCE-84CD-9725082BD093}" type="pres">
+      <dgm:prSet presAssocID="{2F57B829-2537-4D87-9E8F-432FB9F48130}" presName="spaceA" presStyleCnt="0"/>
+      <dgm:spPr/>
+    </dgm:pt>
+    <dgm:pt modelId="{BFEC941E-ACF4-4683-941D-01AEB0F58B04}" type="pres">
+      <dgm:prSet presAssocID="{FE0BBC87-6E09-420E-ADA4-AC84C1DBF9FF}" presName="space" presStyleCnt="0"/>
+      <dgm:spPr/>
+    </dgm:pt>
+    <dgm:pt modelId="{5E22DD23-F8BD-48D0-B3A7-084CF4C57719}" type="pres">
+      <dgm:prSet presAssocID="{E7F157AD-D46A-4083-A6B5-1A0DCF064560}" presName="compositeB" presStyleCnt="0"/>
+      <dgm:spPr/>
+    </dgm:pt>
+    <dgm:pt modelId="{ADD23692-1F80-46AF-8694-CE8143F94499}" type="pres">
+      <dgm:prSet presAssocID="{E7F157AD-D46A-4083-A6B5-1A0DCF064560}" presName="textB" presStyleLbl="revTx" presStyleIdx="3" presStyleCnt="5">
+        <dgm:presLayoutVars>
+          <dgm:bulletEnabled val="1"/>
+        </dgm:presLayoutVars>
+      </dgm:prSet>
+      <dgm:spPr/>
+    </dgm:pt>
+    <dgm:pt modelId="{ABB71908-B048-4523-BB4E-E1B7691F23B5}" type="pres">
+      <dgm:prSet presAssocID="{E7F157AD-D46A-4083-A6B5-1A0DCF064560}" presName="circleB" presStyleLbl="node1" presStyleIdx="3" presStyleCnt="5"/>
+      <dgm:spPr>
+        <a:xfrm>
+          <a:off x="5003236" y="1631473"/>
+          <a:ext cx="362549" cy="362549"/>
+        </a:xfrm>
+        <a:prstGeom prst="ellipse">
+          <a:avLst/>
+        </a:prstGeom>
+        <a:solidFill>
+          <a:srgbClr val="FFFFFF"/>
+        </a:solidFill>
+        <a:ln w="12700" cap="flat" cmpd="sng" algn="ctr">
+          <a:solidFill>
+            <a:srgbClr val="FFFFFF">
+              <a:hueOff val="0"/>
+              <a:satOff val="0"/>
+              <a:lumOff val="0"/>
+              <a:alphaOff val="0"/>
+            </a:srgbClr>
+          </a:solidFill>
+          <a:prstDash val="solid"/>
+          <a:miter lim="800000"/>
+        </a:ln>
+        <a:effectLst/>
+      </dgm:spPr>
+    </dgm:pt>
+    <dgm:pt modelId="{BE95BE96-CD5B-47FD-B08A-C34DF8B41A30}" type="pres">
+      <dgm:prSet presAssocID="{E7F157AD-D46A-4083-A6B5-1A0DCF064560}" presName="spaceB" presStyleCnt="0"/>
+      <dgm:spPr/>
+    </dgm:pt>
+    <dgm:pt modelId="{02AA987E-E941-454D-BF4E-9E2CE939A8D2}" type="pres">
+      <dgm:prSet presAssocID="{CA6A1DE7-B93B-4185-AEF8-AE0F5B2B812C}" presName="space" presStyleCnt="0"/>
+      <dgm:spPr/>
+    </dgm:pt>
+    <dgm:pt modelId="{ABD1B685-FF79-4ED2-B07E-89C3667A52CB}" type="pres">
+      <dgm:prSet presAssocID="{3C4BCC7F-00CF-4FE0-829A-3A3443DD08A1}" presName="compositeA" presStyleCnt="0"/>
+      <dgm:spPr/>
+    </dgm:pt>
+    <dgm:pt modelId="{3EB77BB9-39AB-429F-92FF-39C04440BE64}" type="pres">
+      <dgm:prSet presAssocID="{3C4BCC7F-00CF-4FE0-829A-3A3443DD08A1}" presName="textA" presStyleLbl="revTx" presStyleIdx="4" presStyleCnt="5">
+        <dgm:presLayoutVars>
+          <dgm:bulletEnabled val="1"/>
+        </dgm:presLayoutVars>
+      </dgm:prSet>
+      <dgm:spPr/>
+    </dgm:pt>
+    <dgm:pt modelId="{7C59B82E-BE94-44F8-A4AC-253A5AC64A10}" type="pres">
+      <dgm:prSet presAssocID="{3C4BCC7F-00CF-4FE0-829A-3A3443DD08A1}" presName="circleA" presStyleLbl="node1" presStyleIdx="4" presStyleCnt="5"/>
+      <dgm:spPr>
+        <a:xfrm>
+          <a:off x="6493737" y="1631473"/>
+          <a:ext cx="362549" cy="362549"/>
+        </a:xfrm>
+        <a:prstGeom prst="ellipse">
+          <a:avLst/>
+        </a:prstGeom>
+        <a:solidFill>
+          <a:srgbClr val="FFFFFF"/>
+        </a:solidFill>
+        <a:ln w="12700" cap="flat" cmpd="sng" algn="ctr">
+          <a:solidFill>
+            <a:srgbClr val="FFFFFF">
+              <a:hueOff val="0"/>
+              <a:satOff val="0"/>
+              <a:lumOff val="0"/>
+              <a:alphaOff val="0"/>
+            </a:srgbClr>
+          </a:solidFill>
+          <a:prstDash val="solid"/>
+          <a:miter lim="800000"/>
+        </a:ln>
+        <a:effectLst/>
+      </dgm:spPr>
+    </dgm:pt>
+    <dgm:pt modelId="{86F92862-EF9D-421B-ACED-060F03F13508}" type="pres">
+      <dgm:prSet presAssocID="{3C4BCC7F-00CF-4FE0-829A-3A3443DD08A1}" presName="spaceA" presStyleCnt="0"/>
+      <dgm:spPr/>
+    </dgm:pt>
+  </dgm:ptLst>
+  <dgm:cxnLst>
+    <dgm:cxn modelId="{CCB34809-0C54-4FA4-9D9C-3A92552C5F50}" srcId="{7F133638-A913-4191-8026-251F240B3119}" destId="{3C4BCC7F-00CF-4FE0-829A-3A3443DD08A1}" srcOrd="4" destOrd="0" parTransId="{2953F1F3-02A1-41A3-B34D-684D553F2F61}" sibTransId="{F6EFB62F-2F07-4318-B960-59BCAB133160}"/>
+    <dgm:cxn modelId="{E9FEE913-0EA2-4BC0-AD5E-459A19D683C6}" type="presOf" srcId="{E7F157AD-D46A-4083-A6B5-1A0DCF064560}" destId="{ADD23692-1F80-46AF-8694-CE8143F94499}" srcOrd="0" destOrd="0" presId="urn:microsoft.com/office/officeart/2005/8/layout/hProcess11"/>
+    <dgm:cxn modelId="{B4E3D218-E349-4FEE-832E-634B04ABC532}" srcId="{7F133638-A913-4191-8026-251F240B3119}" destId="{2960BCB4-C970-4810-933A-FC79BCFA6C8D}" srcOrd="0" destOrd="0" parTransId="{0637AF96-9B22-4818-BF1F-55463DD349E1}" sibTransId="{F22A73DA-6186-4970-B028-BD5609732A20}"/>
+    <dgm:cxn modelId="{DB62BC1E-5431-4697-B57A-E061460D4B7B}" type="presOf" srcId="{7F133638-A913-4191-8026-251F240B3119}" destId="{C1053D8C-82E5-410C-BC12-7AB038B3B44D}" srcOrd="0" destOrd="0" presId="urn:microsoft.com/office/officeart/2005/8/layout/hProcess11"/>
+    <dgm:cxn modelId="{B577CA29-6DD8-4603-B8B6-C4A45B33310C}" srcId="{7F133638-A913-4191-8026-251F240B3119}" destId="{5924B359-D8A7-46CF-8DB5-1831EA6E09DB}" srcOrd="1" destOrd="0" parTransId="{17D86D60-30BF-415B-BAF8-96E9C0227D9F}" sibTransId="{4B3FB064-9947-4BF1-927C-12CCF5610580}"/>
+    <dgm:cxn modelId="{AD03243E-6E37-45D5-9CC3-ABD429473B43}" type="presOf" srcId="{3C4BCC7F-00CF-4FE0-829A-3A3443DD08A1}" destId="{3EB77BB9-39AB-429F-92FF-39C04440BE64}" srcOrd="0" destOrd="0" presId="urn:microsoft.com/office/officeart/2005/8/layout/hProcess11"/>
+    <dgm:cxn modelId="{7850BB5F-BEC9-491B-8CD2-975BABDCEA33}" type="presOf" srcId="{2960BCB4-C970-4810-933A-FC79BCFA6C8D}" destId="{D8EE56E2-1596-4A95-948F-F5939294F5AE}" srcOrd="0" destOrd="0" presId="urn:microsoft.com/office/officeart/2005/8/layout/hProcess11"/>
+    <dgm:cxn modelId="{E22D1975-7415-4FAC-A8C2-18FD980BFAE6}" srcId="{7F133638-A913-4191-8026-251F240B3119}" destId="{E7F157AD-D46A-4083-A6B5-1A0DCF064560}" srcOrd="3" destOrd="0" parTransId="{D32231D6-18F0-4A28-824F-0DC4AFBC8A82}" sibTransId="{CA6A1DE7-B93B-4185-AEF8-AE0F5B2B812C}"/>
+    <dgm:cxn modelId="{4691F59C-1E73-4A7F-9FC4-FC3F5C9AF782}" type="presOf" srcId="{5924B359-D8A7-46CF-8DB5-1831EA6E09DB}" destId="{9AECD0B5-E139-4707-B4A3-328B7B5A01C0}" srcOrd="0" destOrd="0" presId="urn:microsoft.com/office/officeart/2005/8/layout/hProcess11"/>
+    <dgm:cxn modelId="{71C43EBD-5971-40C2-B788-F330EEA80414}" srcId="{7F133638-A913-4191-8026-251F240B3119}" destId="{2F57B829-2537-4D87-9E8F-432FB9F48130}" srcOrd="2" destOrd="0" parTransId="{4B05FE4F-E07D-42C1-A31C-5083A6BEC001}" sibTransId="{FE0BBC87-6E09-420E-ADA4-AC84C1DBF9FF}"/>
+    <dgm:cxn modelId="{E3E18AD0-0118-4135-9B78-B91D38C70C13}" type="presOf" srcId="{2F57B829-2537-4D87-9E8F-432FB9F48130}" destId="{75B9C140-7C8D-4D3F-854C-E26480A6DA7C}" srcOrd="0" destOrd="0" presId="urn:microsoft.com/office/officeart/2005/8/layout/hProcess11"/>
+    <dgm:cxn modelId="{F437306F-36C8-4156-A392-6C4313170513}" type="presParOf" srcId="{C1053D8C-82E5-410C-BC12-7AB038B3B44D}" destId="{12F3A5DE-ED67-44F6-B776-1ED4425A7F9D}" srcOrd="0" destOrd="0" presId="urn:microsoft.com/office/officeart/2005/8/layout/hProcess11"/>
+    <dgm:cxn modelId="{2EB9A781-B57A-413B-895B-685C1F74A49D}" type="presParOf" srcId="{C1053D8C-82E5-410C-BC12-7AB038B3B44D}" destId="{9095FB2E-7C8E-4AE0-BB41-DB02E05ECEB3}" srcOrd="1" destOrd="0" presId="urn:microsoft.com/office/officeart/2005/8/layout/hProcess11"/>
+    <dgm:cxn modelId="{CBEA5CC5-AAFA-4403-8A3B-CE673689055D}" type="presParOf" srcId="{9095FB2E-7C8E-4AE0-BB41-DB02E05ECEB3}" destId="{72F8E74D-6D96-43B2-9A59-C907B37E2E46}" srcOrd="0" destOrd="0" presId="urn:microsoft.com/office/officeart/2005/8/layout/hProcess11"/>
+    <dgm:cxn modelId="{213D8072-1385-4650-9ADD-78BBFC2423B8}" type="presParOf" srcId="{72F8E74D-6D96-43B2-9A59-C907B37E2E46}" destId="{D8EE56E2-1596-4A95-948F-F5939294F5AE}" srcOrd="0" destOrd="0" presId="urn:microsoft.com/office/officeart/2005/8/layout/hProcess11"/>
+    <dgm:cxn modelId="{F1E4B7F9-8202-4963-AD22-8E072247E026}" type="presParOf" srcId="{72F8E74D-6D96-43B2-9A59-C907B37E2E46}" destId="{D214C946-F86B-4BB9-9234-A8285BAC810D}" srcOrd="1" destOrd="0" presId="urn:microsoft.com/office/officeart/2005/8/layout/hProcess11"/>
+    <dgm:cxn modelId="{53A948B5-4C61-47DE-AC94-9BA9671B0A3E}" type="presParOf" srcId="{72F8E74D-6D96-43B2-9A59-C907B37E2E46}" destId="{14CF28CC-3FDA-43DB-8F5B-054DCD576490}" srcOrd="2" destOrd="0" presId="urn:microsoft.com/office/officeart/2005/8/layout/hProcess11"/>
+    <dgm:cxn modelId="{E7992972-4E55-45EF-8E5C-0442E468684E}" type="presParOf" srcId="{9095FB2E-7C8E-4AE0-BB41-DB02E05ECEB3}" destId="{6108858A-964C-490F-BF4F-32041B61B526}" srcOrd="1" destOrd="0" presId="urn:microsoft.com/office/officeart/2005/8/layout/hProcess11"/>
+    <dgm:cxn modelId="{6A9DD169-FE98-467C-8A3F-FFD1448D65AB}" type="presParOf" srcId="{9095FB2E-7C8E-4AE0-BB41-DB02E05ECEB3}" destId="{38BF86AA-37E0-4FF4-A48A-147BB669C13A}" srcOrd="2" destOrd="0" presId="urn:microsoft.com/office/officeart/2005/8/layout/hProcess11"/>
+    <dgm:cxn modelId="{2CBE7AAC-6672-44BB-B331-A6425E8B3876}" type="presParOf" srcId="{38BF86AA-37E0-4FF4-A48A-147BB669C13A}" destId="{9AECD0B5-E139-4707-B4A3-328B7B5A01C0}" srcOrd="0" destOrd="0" presId="urn:microsoft.com/office/officeart/2005/8/layout/hProcess11"/>
+    <dgm:cxn modelId="{4F08056D-2DC8-4864-9EEB-7265A219758F}" type="presParOf" srcId="{38BF86AA-37E0-4FF4-A48A-147BB669C13A}" destId="{BED8B5DA-58C2-478A-AD8A-64DE19D38179}" srcOrd="1" destOrd="0" presId="urn:microsoft.com/office/officeart/2005/8/layout/hProcess11"/>
+    <dgm:cxn modelId="{0165E2DC-1E73-4716-8E11-D1F3BAE56421}" type="presParOf" srcId="{38BF86AA-37E0-4FF4-A48A-147BB669C13A}" destId="{AD142D1F-6058-41CF-9959-DF1B0EAB0AD2}" srcOrd="2" destOrd="0" presId="urn:microsoft.com/office/officeart/2005/8/layout/hProcess11"/>
+    <dgm:cxn modelId="{093637F1-7BDA-403F-B935-7BE2EDE5BDE6}" type="presParOf" srcId="{9095FB2E-7C8E-4AE0-BB41-DB02E05ECEB3}" destId="{EE766078-400B-4898-BDF8-AF844482ACD1}" srcOrd="3" destOrd="0" presId="urn:microsoft.com/office/officeart/2005/8/layout/hProcess11"/>
+    <dgm:cxn modelId="{FA3F417C-1B07-4870-9D8A-18889DF0E420}" type="presParOf" srcId="{9095FB2E-7C8E-4AE0-BB41-DB02E05ECEB3}" destId="{72C8CC9B-AF77-45E9-A093-E243C614A9EB}" srcOrd="4" destOrd="0" presId="urn:microsoft.com/office/officeart/2005/8/layout/hProcess11"/>
+    <dgm:cxn modelId="{BCF79157-D720-4740-B3CC-3EBCB0C66A6F}" type="presParOf" srcId="{72C8CC9B-AF77-45E9-A093-E243C614A9EB}" destId="{75B9C140-7C8D-4D3F-854C-E26480A6DA7C}" srcOrd="0" destOrd="0" presId="urn:microsoft.com/office/officeart/2005/8/layout/hProcess11"/>
+    <dgm:cxn modelId="{2ABD2250-02C4-4603-BC78-002F17ED7735}" type="presParOf" srcId="{72C8CC9B-AF77-45E9-A093-E243C614A9EB}" destId="{7172A374-C6CE-41C7-A6E7-81A78E8F2518}" srcOrd="1" destOrd="0" presId="urn:microsoft.com/office/officeart/2005/8/layout/hProcess11"/>
+    <dgm:cxn modelId="{81368433-238C-4B83-BDF1-5C4FA1462D0A}" type="presParOf" srcId="{72C8CC9B-AF77-45E9-A093-E243C614A9EB}" destId="{3D46EA3E-5053-4DCE-84CD-9725082BD093}" srcOrd="2" destOrd="0" presId="urn:microsoft.com/office/officeart/2005/8/layout/hProcess11"/>
+    <dgm:cxn modelId="{A6C61F91-D0F7-41DB-ACC1-A6FBF305D1BA}" type="presParOf" srcId="{9095FB2E-7C8E-4AE0-BB41-DB02E05ECEB3}" destId="{BFEC941E-ACF4-4683-941D-01AEB0F58B04}" srcOrd="5" destOrd="0" presId="urn:microsoft.com/office/officeart/2005/8/layout/hProcess11"/>
+    <dgm:cxn modelId="{B8FE905D-54AD-4090-8B0A-BB39CC3B1529}" type="presParOf" srcId="{9095FB2E-7C8E-4AE0-BB41-DB02E05ECEB3}" destId="{5E22DD23-F8BD-48D0-B3A7-084CF4C57719}" srcOrd="6" destOrd="0" presId="urn:microsoft.com/office/officeart/2005/8/layout/hProcess11"/>
+    <dgm:cxn modelId="{5A4248D4-F940-488A-8A21-63D5B947A90D}" type="presParOf" srcId="{5E22DD23-F8BD-48D0-B3A7-084CF4C57719}" destId="{ADD23692-1F80-46AF-8694-CE8143F94499}" srcOrd="0" destOrd="0" presId="urn:microsoft.com/office/officeart/2005/8/layout/hProcess11"/>
+    <dgm:cxn modelId="{FBED1268-5BA6-4471-96CE-25DDEFF5C1BD}" type="presParOf" srcId="{5E22DD23-F8BD-48D0-B3A7-084CF4C57719}" destId="{ABB71908-B048-4523-BB4E-E1B7691F23B5}" srcOrd="1" destOrd="0" presId="urn:microsoft.com/office/officeart/2005/8/layout/hProcess11"/>
+    <dgm:cxn modelId="{D1A7BC41-724D-4BBF-95D9-BB18CA659C0D}" type="presParOf" srcId="{5E22DD23-F8BD-48D0-B3A7-084CF4C57719}" destId="{BE95BE96-CD5B-47FD-B08A-C34DF8B41A30}" srcOrd="2" destOrd="0" presId="urn:microsoft.com/office/officeart/2005/8/layout/hProcess11"/>
+    <dgm:cxn modelId="{3A2A12ED-CB7E-4031-8890-E3AF350D706A}" type="presParOf" srcId="{9095FB2E-7C8E-4AE0-BB41-DB02E05ECEB3}" destId="{02AA987E-E941-454D-BF4E-9E2CE939A8D2}" srcOrd="7" destOrd="0" presId="urn:microsoft.com/office/officeart/2005/8/layout/hProcess11"/>
+    <dgm:cxn modelId="{8F1F1124-9470-499C-87BC-ED947CC71499}" type="presParOf" srcId="{9095FB2E-7C8E-4AE0-BB41-DB02E05ECEB3}" destId="{ABD1B685-FF79-4ED2-B07E-89C3667A52CB}" srcOrd="8" destOrd="0" presId="urn:microsoft.com/office/officeart/2005/8/layout/hProcess11"/>
+    <dgm:cxn modelId="{C116AE7E-584B-4367-894F-8246C6179C49}" type="presParOf" srcId="{ABD1B685-FF79-4ED2-B07E-89C3667A52CB}" destId="{3EB77BB9-39AB-429F-92FF-39C04440BE64}" srcOrd="0" destOrd="0" presId="urn:microsoft.com/office/officeart/2005/8/layout/hProcess11"/>
+    <dgm:cxn modelId="{AA8885FA-1323-40FF-856B-F6BBDF812EDE}" type="presParOf" srcId="{ABD1B685-FF79-4ED2-B07E-89C3667A52CB}" destId="{7C59B82E-BE94-44F8-A4AC-253A5AC64A10}" srcOrd="1" destOrd="0" presId="urn:microsoft.com/office/officeart/2005/8/layout/hProcess11"/>
+    <dgm:cxn modelId="{635CAE26-BEC7-4CF3-99D4-A0FFE293136C}" type="presParOf" srcId="{ABD1B685-FF79-4ED2-B07E-89C3667A52CB}" destId="{86F92862-EF9D-421B-ACED-060F03F13508}" srcOrd="2" destOrd="0" presId="urn:microsoft.com/office/officeart/2005/8/layout/hProcess11"/>
+  </dgm:cxnLst>
+  <dgm:bg/>
+  <dgm:whole/>
+  <dgm:extLst>
+    <a:ext uri="http://schemas.microsoft.com/office/drawing/2008/diagram">
+      <dsp:dataModelExt xmlns:dsp="http://schemas.microsoft.com/office/drawing/2008/diagram" relId="rId8" minVer="http://schemas.openxmlformats.org/drawingml/2006/diagram"/>
     </a:ext>
   </dgm:extLst>
 </dgm:dataModel>
@@ -3397,6 +5457,690 @@
           <a:scrgbClr r="0" g="0" b="0"/>
         </a:effectRef>
         <a:fontRef idx="minor"/>
+      </dsp:style>
+    </dsp:sp>
+  </dsp:spTree>
+</dsp:drawing>
+</file>
+
+<file path=ppt/diagrams/drawing2.xml><?xml version="1.0" encoding="utf-8"?>
+<dsp:drawing xmlns:dgm="http://schemas.openxmlformats.org/drawingml/2006/diagram" xmlns:dsp="http://schemas.microsoft.com/office/drawing/2008/diagram" xmlns:a="http://schemas.openxmlformats.org/drawingml/2006/main">
+  <dsp:spTree>
+    <dsp:nvGrpSpPr>
+      <dsp:cNvPr id="0" name=""/>
+      <dsp:cNvGrpSpPr/>
+    </dsp:nvGrpSpPr>
+    <dsp:grpSpPr/>
+    <dsp:sp modelId="{0657B8E5-5FB2-4E92-BF58-DF3D891800AE}">
+      <dsp:nvSpPr>
+        <dsp:cNvPr id="0" name=""/>
+        <dsp:cNvSpPr/>
+      </dsp:nvSpPr>
+      <dsp:spPr>
+        <a:xfrm rot="4396374">
+          <a:off x="1074377" y="808704"/>
+          <a:ext cx="3508285" cy="2446591"/>
+        </a:xfrm>
+        <a:prstGeom prst="swooshArrow">
+          <a:avLst>
+            <a:gd name="adj1" fmla="val 16310"/>
+            <a:gd name="adj2" fmla="val 31370"/>
+          </a:avLst>
+        </a:prstGeom>
+        <a:solidFill>
+          <a:schemeClr val="bg1">
+            <a:lumMod val="75000"/>
+          </a:schemeClr>
+        </a:solidFill>
+        <a:ln w="12700" cap="flat" cmpd="sng" algn="ctr">
+          <a:solidFill>
+            <a:schemeClr val="lt1">
+              <a:hueOff val="0"/>
+              <a:satOff val="0"/>
+              <a:lumOff val="0"/>
+              <a:alphaOff val="0"/>
+            </a:schemeClr>
+          </a:solidFill>
+          <a:prstDash val="solid"/>
+          <a:miter lim="800000"/>
+        </a:ln>
+        <a:effectLst/>
+      </dsp:spPr>
+      <dsp:style>
+        <a:lnRef idx="2">
+          <a:scrgbClr r="0" g="0" b="0"/>
+        </a:lnRef>
+        <a:fillRef idx="1">
+          <a:scrgbClr r="0" g="0" b="0"/>
+        </a:fillRef>
+        <a:effectRef idx="0">
+          <a:scrgbClr r="0" g="0" b="0"/>
+        </a:effectRef>
+        <a:fontRef idx="minor">
+          <a:schemeClr val="lt1"/>
+        </a:fontRef>
+      </dsp:style>
+    </dsp:sp>
+    <dsp:sp modelId="{53172D6F-4B65-4823-A501-D6C0DB30DFDB}">
+      <dsp:nvSpPr>
+        <dsp:cNvPr id="0" name=""/>
+        <dsp:cNvSpPr/>
+      </dsp:nvSpPr>
+      <dsp:spPr>
+        <a:xfrm>
+          <a:off x="2519753" y="472698"/>
+          <a:ext cx="1368145" cy="650240"/>
+        </a:xfrm>
+        <a:prstGeom prst="rect">
+          <a:avLst/>
+        </a:prstGeom>
+        <a:noFill/>
+        <a:ln>
+          <a:noFill/>
+        </a:ln>
+        <a:effectLst/>
+      </dsp:spPr>
+      <dsp:style>
+        <a:lnRef idx="0">
+          <a:scrgbClr r="0" g="0" b="0"/>
+        </a:lnRef>
+        <a:fillRef idx="0">
+          <a:scrgbClr r="0" g="0" b="0"/>
+        </a:fillRef>
+        <a:effectRef idx="0">
+          <a:scrgbClr r="0" g="0" b="0"/>
+        </a:effectRef>
+        <a:fontRef idx="minor"/>
+      </dsp:style>
+      <dsp:txBody>
+        <a:bodyPr spcFirstLastPara="0" vert="horz" wrap="square" lIns="52070" tIns="52070" rIns="52070" bIns="52070" numCol="1" spcCol="1270" anchor="b" anchorCtr="0">
+          <a:noAutofit/>
+        </a:bodyPr>
+        <a:lstStyle/>
+        <a:p>
+          <a:pPr marL="0" lvl="0" indent="0" algn="ctr" defTabSz="1822450">
+            <a:lnSpc>
+              <a:spcPct val="90000"/>
+            </a:lnSpc>
+            <a:spcBef>
+              <a:spcPct val="0"/>
+            </a:spcBef>
+            <a:spcAft>
+              <a:spcPct val="35000"/>
+            </a:spcAft>
+            <a:buNone/>
+          </a:pPr>
+          <a:endParaRPr lang="en-US" sz="4100" kern="1200" dirty="0"/>
+        </a:p>
+      </dsp:txBody>
+      <dsp:txXfrm>
+        <a:off x="2519753" y="472698"/>
+        <a:ext cx="1368145" cy="650240"/>
+      </dsp:txXfrm>
+    </dsp:sp>
+  </dsp:spTree>
+</dsp:drawing>
+</file>
+
+<file path=ppt/diagrams/drawing3.xml><?xml version="1.0" encoding="utf-8"?>
+<dsp:drawing xmlns:dgm="http://schemas.openxmlformats.org/drawingml/2006/diagram" xmlns:dsp="http://schemas.microsoft.com/office/drawing/2008/diagram" xmlns:a="http://schemas.openxmlformats.org/drawingml/2006/main">
+  <dsp:spTree>
+    <dsp:nvGrpSpPr>
+      <dsp:cNvPr id="0" name=""/>
+      <dsp:cNvGrpSpPr/>
+    </dsp:nvGrpSpPr>
+    <dsp:grpSpPr/>
+    <dsp:sp modelId="{12F3A5DE-ED67-44F6-B776-1ED4425A7F9D}">
+      <dsp:nvSpPr>
+        <dsp:cNvPr id="0" name=""/>
+        <dsp:cNvSpPr/>
+      </dsp:nvSpPr>
+      <dsp:spPr>
+        <a:xfrm>
+          <a:off x="0" y="1087648"/>
+          <a:ext cx="8208912" cy="1450198"/>
+        </a:xfrm>
+        <a:prstGeom prst="notchedRightArrow">
+          <a:avLst/>
+        </a:prstGeom>
+        <a:solidFill>
+          <a:srgbClr val="00B0F0"/>
+        </a:solidFill>
+        <a:ln>
+          <a:noFill/>
+        </a:ln>
+        <a:effectLst/>
+      </dsp:spPr>
+      <dsp:style>
+        <a:lnRef idx="0">
+          <a:scrgbClr r="0" g="0" b="0"/>
+        </a:lnRef>
+        <a:fillRef idx="1">
+          <a:scrgbClr r="0" g="0" b="0"/>
+        </a:fillRef>
+        <a:effectRef idx="0">
+          <a:scrgbClr r="0" g="0" b="0"/>
+        </a:effectRef>
+        <a:fontRef idx="minor"/>
+      </dsp:style>
+    </dsp:sp>
+    <dsp:sp modelId="{D8EE56E2-1596-4A95-948F-F5939294F5AE}">
+      <dsp:nvSpPr>
+        <dsp:cNvPr id="0" name=""/>
+        <dsp:cNvSpPr/>
+      </dsp:nvSpPr>
+      <dsp:spPr>
+        <a:xfrm>
+          <a:off x="3246" y="0"/>
+          <a:ext cx="1419524" cy="1450198"/>
+        </a:xfrm>
+        <a:prstGeom prst="rect">
+          <a:avLst/>
+        </a:prstGeom>
+        <a:noFill/>
+        <a:ln>
+          <a:noFill/>
+        </a:ln>
+        <a:effectLst/>
+      </dsp:spPr>
+      <dsp:style>
+        <a:lnRef idx="0">
+          <a:scrgbClr r="0" g="0" b="0"/>
+        </a:lnRef>
+        <a:fillRef idx="0">
+          <a:scrgbClr r="0" g="0" b="0"/>
+        </a:fillRef>
+        <a:effectRef idx="0">
+          <a:scrgbClr r="0" g="0" b="0"/>
+        </a:effectRef>
+        <a:fontRef idx="minor"/>
+      </dsp:style>
+      <dsp:txBody>
+        <a:bodyPr spcFirstLastPara="0" vert="horz" wrap="square" lIns="369824" tIns="369824" rIns="369824" bIns="369824" numCol="1" spcCol="1270" anchor="b" anchorCtr="0">
+          <a:noAutofit/>
+        </a:bodyPr>
+        <a:lstStyle/>
+        <a:p>
+          <a:pPr marL="0" lvl="0" indent="0" algn="ctr" defTabSz="2311400">
+            <a:lnSpc>
+              <a:spcPct val="90000"/>
+            </a:lnSpc>
+            <a:spcBef>
+              <a:spcPct val="0"/>
+            </a:spcBef>
+            <a:spcAft>
+              <a:spcPct val="35000"/>
+            </a:spcAft>
+            <a:buNone/>
+          </a:pPr>
+          <a:r>
+            <a:rPr lang="en-US" sz="5200" kern="1200" dirty="0"/>
+            <a:t> </a:t>
+          </a:r>
+        </a:p>
+      </dsp:txBody>
+      <dsp:txXfrm>
+        <a:off x="3246" y="0"/>
+        <a:ext cx="1419524" cy="1450198"/>
+      </dsp:txXfrm>
+    </dsp:sp>
+    <dsp:sp modelId="{D214C946-F86B-4BB9-9234-A8285BAC810D}">
+      <dsp:nvSpPr>
+        <dsp:cNvPr id="0" name=""/>
+        <dsp:cNvSpPr/>
+      </dsp:nvSpPr>
+      <dsp:spPr>
+        <a:xfrm>
+          <a:off x="531734" y="1631473"/>
+          <a:ext cx="362549" cy="362549"/>
+        </a:xfrm>
+        <a:prstGeom prst="ellipse">
+          <a:avLst/>
+        </a:prstGeom>
+        <a:solidFill>
+          <a:srgbClr val="FFFFFF"/>
+        </a:solidFill>
+        <a:ln w="12700" cap="flat" cmpd="sng" algn="ctr">
+          <a:solidFill>
+            <a:srgbClr val="FFFFFF">
+              <a:hueOff val="0"/>
+              <a:satOff val="0"/>
+              <a:lumOff val="0"/>
+              <a:alphaOff val="0"/>
+            </a:srgbClr>
+          </a:solidFill>
+          <a:prstDash val="solid"/>
+          <a:miter lim="800000"/>
+        </a:ln>
+        <a:effectLst/>
+      </dsp:spPr>
+      <dsp:style>
+        <a:lnRef idx="2">
+          <a:scrgbClr r="0" g="0" b="0"/>
+        </a:lnRef>
+        <a:fillRef idx="1">
+          <a:scrgbClr r="0" g="0" b="0"/>
+        </a:fillRef>
+        <a:effectRef idx="0">
+          <a:scrgbClr r="0" g="0" b="0"/>
+        </a:effectRef>
+        <a:fontRef idx="minor">
+          <a:schemeClr val="lt1"/>
+        </a:fontRef>
+      </dsp:style>
+    </dsp:sp>
+    <dsp:sp modelId="{9AECD0B5-E139-4707-B4A3-328B7B5A01C0}">
+      <dsp:nvSpPr>
+        <dsp:cNvPr id="0" name=""/>
+        <dsp:cNvSpPr/>
+      </dsp:nvSpPr>
+      <dsp:spPr>
+        <a:xfrm>
+          <a:off x="1493747" y="2175297"/>
+          <a:ext cx="1419524" cy="1450198"/>
+        </a:xfrm>
+        <a:prstGeom prst="rect">
+          <a:avLst/>
+        </a:prstGeom>
+        <a:noFill/>
+        <a:ln>
+          <a:noFill/>
+        </a:ln>
+        <a:effectLst/>
+      </dsp:spPr>
+      <dsp:style>
+        <a:lnRef idx="0">
+          <a:scrgbClr r="0" g="0" b="0"/>
+        </a:lnRef>
+        <a:fillRef idx="0">
+          <a:scrgbClr r="0" g="0" b="0"/>
+        </a:fillRef>
+        <a:effectRef idx="0">
+          <a:scrgbClr r="0" g="0" b="0"/>
+        </a:effectRef>
+        <a:fontRef idx="minor"/>
+      </dsp:style>
+      <dsp:txBody>
+        <a:bodyPr spcFirstLastPara="0" vert="horz" wrap="square" lIns="369824" tIns="369824" rIns="369824" bIns="369824" numCol="1" spcCol="1270" anchor="t" anchorCtr="0">
+          <a:noAutofit/>
+        </a:bodyPr>
+        <a:lstStyle/>
+        <a:p>
+          <a:pPr marL="0" lvl="0" indent="0" algn="ctr" defTabSz="2311400">
+            <a:lnSpc>
+              <a:spcPct val="90000"/>
+            </a:lnSpc>
+            <a:spcBef>
+              <a:spcPct val="0"/>
+            </a:spcBef>
+            <a:spcAft>
+              <a:spcPct val="35000"/>
+            </a:spcAft>
+            <a:buNone/>
+          </a:pPr>
+          <a:r>
+            <a:rPr lang="en-US" sz="5200" kern="1200" dirty="0"/>
+            <a:t> </a:t>
+          </a:r>
+        </a:p>
+      </dsp:txBody>
+      <dsp:txXfrm>
+        <a:off x="1493747" y="2175297"/>
+        <a:ext cx="1419524" cy="1450198"/>
+      </dsp:txXfrm>
+    </dsp:sp>
+    <dsp:sp modelId="{BED8B5DA-58C2-478A-AD8A-64DE19D38179}">
+      <dsp:nvSpPr>
+        <dsp:cNvPr id="0" name=""/>
+        <dsp:cNvSpPr/>
+      </dsp:nvSpPr>
+      <dsp:spPr>
+        <a:xfrm>
+          <a:off x="2022234" y="1631473"/>
+          <a:ext cx="362549" cy="362549"/>
+        </a:xfrm>
+        <a:prstGeom prst="ellipse">
+          <a:avLst/>
+        </a:prstGeom>
+        <a:solidFill>
+          <a:srgbClr val="FFFFFF"/>
+        </a:solidFill>
+        <a:ln w="12700" cap="flat" cmpd="sng" algn="ctr">
+          <a:solidFill>
+            <a:srgbClr val="FFFFFF">
+              <a:hueOff val="0"/>
+              <a:satOff val="0"/>
+              <a:lumOff val="0"/>
+              <a:alphaOff val="0"/>
+            </a:srgbClr>
+          </a:solidFill>
+          <a:prstDash val="solid"/>
+          <a:miter lim="800000"/>
+        </a:ln>
+        <a:effectLst/>
+      </dsp:spPr>
+      <dsp:style>
+        <a:lnRef idx="2">
+          <a:scrgbClr r="0" g="0" b="0"/>
+        </a:lnRef>
+        <a:fillRef idx="1">
+          <a:scrgbClr r="0" g="0" b="0"/>
+        </a:fillRef>
+        <a:effectRef idx="0">
+          <a:scrgbClr r="0" g="0" b="0"/>
+        </a:effectRef>
+        <a:fontRef idx="minor">
+          <a:schemeClr val="lt1"/>
+        </a:fontRef>
+      </dsp:style>
+    </dsp:sp>
+    <dsp:sp modelId="{75B9C140-7C8D-4D3F-854C-E26480A6DA7C}">
+      <dsp:nvSpPr>
+        <dsp:cNvPr id="0" name=""/>
+        <dsp:cNvSpPr/>
+      </dsp:nvSpPr>
+      <dsp:spPr>
+        <a:xfrm>
+          <a:off x="2984248" y="0"/>
+          <a:ext cx="1419524" cy="1450198"/>
+        </a:xfrm>
+        <a:prstGeom prst="rect">
+          <a:avLst/>
+        </a:prstGeom>
+        <a:noFill/>
+        <a:ln>
+          <a:noFill/>
+        </a:ln>
+        <a:effectLst/>
+      </dsp:spPr>
+      <dsp:style>
+        <a:lnRef idx="0">
+          <a:scrgbClr r="0" g="0" b="0"/>
+        </a:lnRef>
+        <a:fillRef idx="0">
+          <a:scrgbClr r="0" g="0" b="0"/>
+        </a:fillRef>
+        <a:effectRef idx="0">
+          <a:scrgbClr r="0" g="0" b="0"/>
+        </a:effectRef>
+        <a:fontRef idx="minor"/>
+      </dsp:style>
+      <dsp:txBody>
+        <a:bodyPr spcFirstLastPara="0" vert="horz" wrap="square" lIns="369824" tIns="369824" rIns="369824" bIns="369824" numCol="1" spcCol="1270" anchor="b" anchorCtr="0">
+          <a:noAutofit/>
+        </a:bodyPr>
+        <a:lstStyle/>
+        <a:p>
+          <a:pPr marL="0" lvl="0" indent="0" algn="ctr" defTabSz="2311400">
+            <a:lnSpc>
+              <a:spcPct val="90000"/>
+            </a:lnSpc>
+            <a:spcBef>
+              <a:spcPct val="0"/>
+            </a:spcBef>
+            <a:spcAft>
+              <a:spcPct val="35000"/>
+            </a:spcAft>
+            <a:buNone/>
+          </a:pPr>
+          <a:r>
+            <a:rPr lang="en-US" sz="5200" kern="1200" dirty="0"/>
+            <a:t> </a:t>
+          </a:r>
+        </a:p>
+      </dsp:txBody>
+      <dsp:txXfrm>
+        <a:off x="2984248" y="0"/>
+        <a:ext cx="1419524" cy="1450198"/>
+      </dsp:txXfrm>
+    </dsp:sp>
+    <dsp:sp modelId="{7172A374-C6CE-41C7-A6E7-81A78E8F2518}">
+      <dsp:nvSpPr>
+        <dsp:cNvPr id="0" name=""/>
+        <dsp:cNvSpPr/>
+      </dsp:nvSpPr>
+      <dsp:spPr>
+        <a:xfrm>
+          <a:off x="3512735" y="1631473"/>
+          <a:ext cx="362549" cy="362549"/>
+        </a:xfrm>
+        <a:prstGeom prst="ellipse">
+          <a:avLst/>
+        </a:prstGeom>
+        <a:solidFill>
+          <a:schemeClr val="bg1"/>
+        </a:solidFill>
+        <a:ln w="12700" cap="flat" cmpd="sng" algn="ctr">
+          <a:solidFill>
+            <a:schemeClr val="lt1">
+              <a:hueOff val="0"/>
+              <a:satOff val="0"/>
+              <a:lumOff val="0"/>
+              <a:alphaOff val="0"/>
+            </a:schemeClr>
+          </a:solidFill>
+          <a:prstDash val="solid"/>
+          <a:miter lim="800000"/>
+        </a:ln>
+        <a:effectLst/>
+      </dsp:spPr>
+      <dsp:style>
+        <a:lnRef idx="2">
+          <a:scrgbClr r="0" g="0" b="0"/>
+        </a:lnRef>
+        <a:fillRef idx="1">
+          <a:scrgbClr r="0" g="0" b="0"/>
+        </a:fillRef>
+        <a:effectRef idx="0">
+          <a:scrgbClr r="0" g="0" b="0"/>
+        </a:effectRef>
+        <a:fontRef idx="minor">
+          <a:schemeClr val="lt1"/>
+        </a:fontRef>
+      </dsp:style>
+    </dsp:sp>
+    <dsp:sp modelId="{ADD23692-1F80-46AF-8694-CE8143F94499}">
+      <dsp:nvSpPr>
+        <dsp:cNvPr id="0" name=""/>
+        <dsp:cNvSpPr/>
+      </dsp:nvSpPr>
+      <dsp:spPr>
+        <a:xfrm>
+          <a:off x="4474748" y="2175297"/>
+          <a:ext cx="1419524" cy="1450198"/>
+        </a:xfrm>
+        <a:prstGeom prst="rect">
+          <a:avLst/>
+        </a:prstGeom>
+        <a:noFill/>
+        <a:ln>
+          <a:noFill/>
+        </a:ln>
+        <a:effectLst/>
+      </dsp:spPr>
+      <dsp:style>
+        <a:lnRef idx="0">
+          <a:scrgbClr r="0" g="0" b="0"/>
+        </a:lnRef>
+        <a:fillRef idx="0">
+          <a:scrgbClr r="0" g="0" b="0"/>
+        </a:fillRef>
+        <a:effectRef idx="0">
+          <a:scrgbClr r="0" g="0" b="0"/>
+        </a:effectRef>
+        <a:fontRef idx="minor"/>
+      </dsp:style>
+      <dsp:txBody>
+        <a:bodyPr spcFirstLastPara="0" vert="horz" wrap="square" lIns="369824" tIns="369824" rIns="369824" bIns="369824" numCol="1" spcCol="1270" anchor="t" anchorCtr="0">
+          <a:noAutofit/>
+        </a:bodyPr>
+        <a:lstStyle/>
+        <a:p>
+          <a:pPr marL="0" lvl="0" indent="0" algn="ctr" defTabSz="2311400">
+            <a:lnSpc>
+              <a:spcPct val="90000"/>
+            </a:lnSpc>
+            <a:spcBef>
+              <a:spcPct val="0"/>
+            </a:spcBef>
+            <a:spcAft>
+              <a:spcPct val="35000"/>
+            </a:spcAft>
+            <a:buNone/>
+          </a:pPr>
+          <a:endParaRPr lang="en-US" sz="5200" kern="1200" dirty="0"/>
+        </a:p>
+      </dsp:txBody>
+      <dsp:txXfrm>
+        <a:off x="4474748" y="2175297"/>
+        <a:ext cx="1419524" cy="1450198"/>
+      </dsp:txXfrm>
+    </dsp:sp>
+    <dsp:sp modelId="{ABB71908-B048-4523-BB4E-E1B7691F23B5}">
+      <dsp:nvSpPr>
+        <dsp:cNvPr id="0" name=""/>
+        <dsp:cNvSpPr/>
+      </dsp:nvSpPr>
+      <dsp:spPr>
+        <a:xfrm>
+          <a:off x="5003236" y="1631473"/>
+          <a:ext cx="362549" cy="362549"/>
+        </a:xfrm>
+        <a:prstGeom prst="ellipse">
+          <a:avLst/>
+        </a:prstGeom>
+        <a:solidFill>
+          <a:srgbClr val="FFFFFF"/>
+        </a:solidFill>
+        <a:ln w="12700" cap="flat" cmpd="sng" algn="ctr">
+          <a:solidFill>
+            <a:srgbClr val="FFFFFF">
+              <a:hueOff val="0"/>
+              <a:satOff val="0"/>
+              <a:lumOff val="0"/>
+              <a:alphaOff val="0"/>
+            </a:srgbClr>
+          </a:solidFill>
+          <a:prstDash val="solid"/>
+          <a:miter lim="800000"/>
+        </a:ln>
+        <a:effectLst/>
+      </dsp:spPr>
+      <dsp:style>
+        <a:lnRef idx="2">
+          <a:scrgbClr r="0" g="0" b="0"/>
+        </a:lnRef>
+        <a:fillRef idx="1">
+          <a:scrgbClr r="0" g="0" b="0"/>
+        </a:fillRef>
+        <a:effectRef idx="0">
+          <a:scrgbClr r="0" g="0" b="0"/>
+        </a:effectRef>
+        <a:fontRef idx="minor">
+          <a:schemeClr val="lt1"/>
+        </a:fontRef>
+      </dsp:style>
+    </dsp:sp>
+    <dsp:sp modelId="{3EB77BB9-39AB-429F-92FF-39C04440BE64}">
+      <dsp:nvSpPr>
+        <dsp:cNvPr id="0" name=""/>
+        <dsp:cNvSpPr/>
+      </dsp:nvSpPr>
+      <dsp:spPr>
+        <a:xfrm>
+          <a:off x="5965249" y="0"/>
+          <a:ext cx="1419524" cy="1450198"/>
+        </a:xfrm>
+        <a:prstGeom prst="rect">
+          <a:avLst/>
+        </a:prstGeom>
+        <a:noFill/>
+        <a:ln>
+          <a:noFill/>
+        </a:ln>
+        <a:effectLst/>
+      </dsp:spPr>
+      <dsp:style>
+        <a:lnRef idx="0">
+          <a:scrgbClr r="0" g="0" b="0"/>
+        </a:lnRef>
+        <a:fillRef idx="0">
+          <a:scrgbClr r="0" g="0" b="0"/>
+        </a:fillRef>
+        <a:effectRef idx="0">
+          <a:scrgbClr r="0" g="0" b="0"/>
+        </a:effectRef>
+        <a:fontRef idx="minor"/>
+      </dsp:style>
+      <dsp:txBody>
+        <a:bodyPr spcFirstLastPara="0" vert="horz" wrap="square" lIns="369824" tIns="369824" rIns="369824" bIns="369824" numCol="1" spcCol="1270" anchor="b" anchorCtr="0">
+          <a:noAutofit/>
+        </a:bodyPr>
+        <a:lstStyle/>
+        <a:p>
+          <a:pPr marL="0" lvl="0" indent="0" algn="ctr" defTabSz="2311400">
+            <a:lnSpc>
+              <a:spcPct val="90000"/>
+            </a:lnSpc>
+            <a:spcBef>
+              <a:spcPct val="0"/>
+            </a:spcBef>
+            <a:spcAft>
+              <a:spcPct val="35000"/>
+            </a:spcAft>
+            <a:buNone/>
+          </a:pPr>
+          <a:endParaRPr lang="en-US" sz="5200" kern="1200" dirty="0"/>
+        </a:p>
+      </dsp:txBody>
+      <dsp:txXfrm>
+        <a:off x="5965249" y="0"/>
+        <a:ext cx="1419524" cy="1450198"/>
+      </dsp:txXfrm>
+    </dsp:sp>
+    <dsp:sp modelId="{7C59B82E-BE94-44F8-A4AC-253A5AC64A10}">
+      <dsp:nvSpPr>
+        <dsp:cNvPr id="0" name=""/>
+        <dsp:cNvSpPr/>
+      </dsp:nvSpPr>
+      <dsp:spPr>
+        <a:xfrm>
+          <a:off x="6493737" y="1631473"/>
+          <a:ext cx="362549" cy="362549"/>
+        </a:xfrm>
+        <a:prstGeom prst="ellipse">
+          <a:avLst/>
+        </a:prstGeom>
+        <a:solidFill>
+          <a:srgbClr val="FFFFFF"/>
+        </a:solidFill>
+        <a:ln w="12700" cap="flat" cmpd="sng" algn="ctr">
+          <a:solidFill>
+            <a:srgbClr val="FFFFFF">
+              <a:hueOff val="0"/>
+              <a:satOff val="0"/>
+              <a:lumOff val="0"/>
+              <a:alphaOff val="0"/>
+            </a:srgbClr>
+          </a:solidFill>
+          <a:prstDash val="solid"/>
+          <a:miter lim="800000"/>
+        </a:ln>
+        <a:effectLst/>
+      </dsp:spPr>
+      <dsp:style>
+        <a:lnRef idx="2">
+          <a:scrgbClr r="0" g="0" b="0"/>
+        </a:lnRef>
+        <a:fillRef idx="1">
+          <a:scrgbClr r="0" g="0" b="0"/>
+        </a:fillRef>
+        <a:effectRef idx="0">
+          <a:scrgbClr r="0" g="0" b="0"/>
+        </a:effectRef>
+        <a:fontRef idx="minor">
+          <a:schemeClr val="lt1"/>
+        </a:fontRef>
       </dsp:style>
     </dsp:sp>
   </dsp:spTree>
@@ -5373,7 +8117,3027 @@
 </dgm:layoutDef>
 </file>
 
+<file path=ppt/diagrams/layout2.xml><?xml version="1.0" encoding="utf-8"?>
+<dgm:layoutDef xmlns:dgm="http://schemas.openxmlformats.org/drawingml/2006/diagram" xmlns:a="http://schemas.openxmlformats.org/drawingml/2006/main" uniqueId="urn:microsoft.com/office/officeart/2009/3/layout/DescendingProcess">
+  <dgm:title val=""/>
+  <dgm:desc val=""/>
+  <dgm:catLst>
+    <dgm:cat type="process" pri="23500"/>
+  </dgm:catLst>
+  <dgm:sampData>
+    <dgm:dataModel>
+      <dgm:ptLst>
+        <dgm:pt modelId="0" type="doc"/>
+        <dgm:pt modelId="1">
+          <dgm:prSet phldr="1"/>
+        </dgm:pt>
+        <dgm:pt modelId="2">
+          <dgm:prSet phldr="1"/>
+        </dgm:pt>
+        <dgm:pt modelId="3">
+          <dgm:prSet phldr="1"/>
+        </dgm:pt>
+        <dgm:pt modelId="4">
+          <dgm:prSet phldr="1"/>
+        </dgm:pt>
+        <dgm:pt modelId="5">
+          <dgm:prSet phldr="1"/>
+        </dgm:pt>
+      </dgm:ptLst>
+      <dgm:cxnLst>
+        <dgm:cxn modelId="6" srcId="0" destId="1" srcOrd="0" destOrd="0"/>
+        <dgm:cxn modelId="7" srcId="0" destId="2" srcOrd="1" destOrd="0"/>
+        <dgm:cxn modelId="8" srcId="0" destId="3" srcOrd="2" destOrd="0"/>
+        <dgm:cxn modelId="9" srcId="0" destId="4" srcOrd="3" destOrd="0"/>
+        <dgm:cxn modelId="10" srcId="0" destId="5" srcOrd="4" destOrd="0"/>
+      </dgm:cxnLst>
+      <dgm:bg/>
+      <dgm:whole/>
+    </dgm:dataModel>
+  </dgm:sampData>
+  <dgm:styleData>
+    <dgm:dataModel>
+      <dgm:ptLst>
+        <dgm:pt modelId="0" type="doc"/>
+        <dgm:pt modelId="1">
+          <dgm:prSet phldr="1"/>
+        </dgm:pt>
+        <dgm:pt modelId="2">
+          <dgm:prSet phldr="1"/>
+        </dgm:pt>
+        <dgm:pt modelId="3">
+          <dgm:prSet phldr="1"/>
+        </dgm:pt>
+      </dgm:ptLst>
+      <dgm:cxnLst>
+        <dgm:cxn modelId="4" srcId="0" destId="1" srcOrd="0" destOrd="0"/>
+        <dgm:cxn modelId="5" srcId="0" destId="2" srcOrd="1" destOrd="0"/>
+        <dgm:cxn modelId="6" srcId="0" destId="3" srcOrd="2" destOrd="0"/>
+      </dgm:cxnLst>
+      <dgm:bg/>
+      <dgm:whole/>
+    </dgm:dataModel>
+  </dgm:styleData>
+  <dgm:clrData>
+    <dgm:dataModel>
+      <dgm:ptLst>
+        <dgm:pt modelId="0" type="doc"/>
+        <dgm:pt modelId="1">
+          <dgm:prSet phldr="1"/>
+        </dgm:pt>
+        <dgm:pt modelId="2">
+          <dgm:prSet phldr="1"/>
+        </dgm:pt>
+        <dgm:pt modelId="3">
+          <dgm:prSet phldr="1"/>
+        </dgm:pt>
+      </dgm:ptLst>
+      <dgm:cxnLst>
+        <dgm:cxn modelId="4" srcId="0" destId="1" srcOrd="0" destOrd="0"/>
+        <dgm:cxn modelId="5" srcId="0" destId="2" srcOrd="1" destOrd="0"/>
+        <dgm:cxn modelId="6" srcId="0" destId="3" srcOrd="2" destOrd="0"/>
+      </dgm:cxnLst>
+      <dgm:bg/>
+      <dgm:whole/>
+    </dgm:dataModel>
+  </dgm:clrData>
+  <dgm:layoutNode name="Name0">
+    <dgm:varLst>
+      <dgm:chMax val="7"/>
+      <dgm:chPref val="5"/>
+    </dgm:varLst>
+    <dgm:alg type="composite">
+      <dgm:param type="ar" val="1.1"/>
+    </dgm:alg>
+    <dgm:shape xmlns:r="http://schemas.openxmlformats.org/officeDocument/2006/relationships" r:blip="">
+      <dgm:adjLst/>
+    </dgm:shape>
+    <dgm:choose name="Name1">
+      <dgm:if name="Name2" axis="ch" ptType="node" func="cnt" op="equ" val="1">
+        <dgm:constrLst>
+          <dgm:constr type="primFontSz" for="ch" ptType="node" op="equ" val="65"/>
+          <dgm:constr type="w" for="ch" forName="arrowNode" refType="w" fact="0.75"/>
+          <dgm:constr type="h" for="ch" forName="arrowNode" refType="h"/>
+          <dgm:constr type="l" for="ch" forName="arrowNode" refType="w" fact="0.07"/>
+          <dgm:constr type="t" for="ch" forName="arrowNode"/>
+          <dgm:constr type="l" for="ch" forName="txNode1" refType="w" fact="0"/>
+          <dgm:constr type="t" for="ch" forName="txNode1" refType="h" fact="0"/>
+          <dgm:constr type="r" for="ch" forName="txNode1" refType="w" fact="0.37"/>
+          <dgm:constr type="h" for="ch" forName="txNode1" refType="h" fact="0.16"/>
+        </dgm:constrLst>
+      </dgm:if>
+      <dgm:if name="Name3" axis="ch" ptType="node" func="cnt" op="equ" val="2">
+        <dgm:constrLst>
+          <dgm:constr type="primFontSz" for="ch" ptType="node" op="equ" val="65"/>
+          <dgm:constr type="w" for="ch" forName="arrowNode" refType="w" fact="0.75"/>
+          <dgm:constr type="h" for="ch" forName="arrowNode" refType="h"/>
+          <dgm:constr type="l" for="ch" forName="arrowNode" refType="w" fact="0.07"/>
+          <dgm:constr type="t" for="ch" forName="arrowNode"/>
+          <dgm:constr type="l" for="ch" forName="txNode1" refType="w" fact="0"/>
+          <dgm:constr type="t" for="ch" forName="txNode1" refType="h" fact="0"/>
+          <dgm:constr type="r" for="ch" forName="txNode1" refType="w" fact="0.37"/>
+          <dgm:constr type="h" for="ch" forName="txNode1" refType="h" fact="0.16"/>
+          <dgm:constr type="l" for="ch" forName="txNode2" refType="w" fact="0.5"/>
+          <dgm:constr type="b" for="ch" forName="txNode2" refType="h"/>
+          <dgm:constr type="r" for="ch" forName="txNode2" refType="w"/>
+          <dgm:constr type="h" for="ch" forName="txNode2" refType="h" fact="0.16"/>
+        </dgm:constrLst>
+      </dgm:if>
+      <dgm:if name="Name4" axis="ch" ptType="node" func="cnt" op="equ" val="3">
+        <dgm:constrLst>
+          <dgm:constr type="primFontSz" for="ch" ptType="node" op="equ" val="65"/>
+          <dgm:constr type="w" for="ch" forName="arrowNode" refType="w" fact="0.75"/>
+          <dgm:constr type="h" for="ch" forName="arrowNode" refType="h"/>
+          <dgm:constr type="l" for="ch" forName="arrowNode" refType="w" fact="0.07"/>
+          <dgm:constr type="t" for="ch" forName="arrowNode"/>
+          <dgm:constr type="l" for="ch" forName="txNode1" refType="w" fact="0"/>
+          <dgm:constr type="t" for="ch" forName="txNode1" refType="h" fact="0"/>
+          <dgm:constr type="r" for="ch" forName="txNode1" refType="w" fact="0.37"/>
+          <dgm:constr type="h" for="ch" forName="txNode1" refType="h" fact="0.16"/>
+          <dgm:constr type="l" for="ch" forName="txNode2" refType="w" fact="0.56"/>
+          <dgm:constr type="ctrY" for="ch" forName="txNode2" refType="h" fact="0.3992"/>
+          <dgm:constr type="r" for="ch" forName="txNode2" refType="w"/>
+          <dgm:constr type="h" for="ch" forName="txNode2" refType="h" fact="0.16"/>
+          <dgm:constr type="l" for="ch" forName="txNode3" refType="w" fact="0.5"/>
+          <dgm:constr type="b" for="ch" forName="txNode3" refType="h"/>
+          <dgm:constr type="r" for="ch" forName="txNode3" refType="w"/>
+          <dgm:constr type="h" for="ch" forName="txNode3" refType="h" fact="0.16"/>
+          <dgm:constr type="ctrX" for="ch" forName="dotNode2" refType="w" fact="0.4782"/>
+          <dgm:constr type="ctrY" for="ch" forName="dotNode2" refType="h" fact="0.3992"/>
+          <dgm:constr type="h" for="ch" forName="dotNode2" refType="h" fact="0.0218"/>
+          <dgm:constr type="w" for="ch" forName="dotNode2" refType="h" refFor="ch" refForName="dotNode2"/>
+        </dgm:constrLst>
+      </dgm:if>
+      <dgm:if name="Name5" axis="ch" ptType="node" func="cnt" op="equ" val="4">
+        <dgm:constrLst>
+          <dgm:constr type="primFontSz" for="ch" ptType="node" op="equ" val="65"/>
+          <dgm:constr type="w" for="ch" forName="arrowNode" refType="w" fact="0.75"/>
+          <dgm:constr type="h" for="ch" forName="arrowNode" refType="h"/>
+          <dgm:constr type="l" for="ch" forName="arrowNode" refType="w" fact="0.07"/>
+          <dgm:constr type="t" for="ch" forName="arrowNode"/>
+          <dgm:constr type="l" for="ch" forName="txNode1" refType="w" fact="0"/>
+          <dgm:constr type="t" for="ch" forName="txNode1" refType="h" fact="0"/>
+          <dgm:constr type="r" for="ch" forName="txNode1" refType="w" fact="0.37"/>
+          <dgm:constr type="h" for="ch" forName="txNode1" refType="h" fact="0.16"/>
+          <dgm:constr type="l" for="ch" forName="txNode2" refType="w" fact="0.49"/>
+          <dgm:constr type="ctrY" for="ch" forName="txNode2" refType="h" fact="0.3153"/>
+          <dgm:constr type="r" for="ch" forName="txNode2" refType="w"/>
+          <dgm:constr type="h" for="ch" forName="txNode2" refType="h" fact="0.16"/>
+          <dgm:constr type="l" for="ch" forName="txNode3" refType="w" fact="0"/>
+          <dgm:constr type="ctrY" for="ch" forName="txNode3" refType="h" fact="0.5004"/>
+          <dgm:constr type="r" for="ch" forName="txNode3" refType="w" fact="0.5"/>
+          <dgm:constr type="h" for="ch" forName="txNode3" refType="h" fact="0.16"/>
+          <dgm:constr type="l" for="ch" forName="txNode4" refType="w" fact="0.5"/>
+          <dgm:constr type="b" for="ch" forName="txNode4" refType="h"/>
+          <dgm:constr type="r" for="ch" forName="txNode4" refType="w"/>
+          <dgm:constr type="h" for="ch" forName="txNode4" refType="h" fact="0.16"/>
+          <dgm:constr type="ctrX" for="ch" forName="dotNode2" refType="w" fact="0.39"/>
+          <dgm:constr type="ctrY" for="ch" forName="dotNode2" refType="h" fact="0.3153"/>
+          <dgm:constr type="h" for="ch" forName="dotNode2" refType="h" fact="0.0218"/>
+          <dgm:constr type="w" for="ch" forName="dotNode2" refType="h" refFor="ch" refForName="dotNode2"/>
+          <dgm:constr type="ctrX" for="ch" forName="dotNode3" refType="w" fact="0.5626"/>
+          <dgm:constr type="ctrY" for="ch" forName="dotNode3" refType="h" fact="0.5004"/>
+          <dgm:constr type="h" for="ch" forName="dotNode3" refType="h" fact="0.0218"/>
+          <dgm:constr type="w" for="ch" forName="dotNode3" refType="h" refFor="ch" refForName="dotNode3"/>
+        </dgm:constrLst>
+      </dgm:if>
+      <dgm:if name="Name6" axis="ch" ptType="node" func="cnt" op="equ" val="5">
+        <dgm:constrLst>
+          <dgm:constr type="primFontSz" for="ch" ptType="node" op="equ" val="65"/>
+          <dgm:constr type="w" for="ch" forName="arrowNode" refType="w" fact="0.75"/>
+          <dgm:constr type="h" for="ch" forName="arrowNode" refType="h"/>
+          <dgm:constr type="l" for="ch" forName="arrowNode" refType="w" fact="0.07"/>
+          <dgm:constr type="t" for="ch" forName="arrowNode"/>
+          <dgm:constr type="l" for="ch" forName="txNode1" refType="w" fact="0"/>
+          <dgm:constr type="t" for="ch" forName="txNode1" refType="h" fact="0"/>
+          <dgm:constr type="r" for="ch" forName="txNode1" refType="w" fact="0.37"/>
+          <dgm:constr type="h" for="ch" forName="txNode1" refType="h" fact="0.16"/>
+          <dgm:constr type="l" for="ch" forName="txNode2" refType="w" fact="0.46"/>
+          <dgm:constr type="ctrY" for="ch" forName="txNode2" refType="h" fact="0.2885"/>
+          <dgm:constr type="r" for="ch" forName="txNode2" refType="w"/>
+          <dgm:constr type="h" for="ch" forName="txNode2" refType="h" fact="0.16"/>
+          <dgm:constr type="l" for="ch" forName="txNode3" refType="w" fact="0"/>
+          <dgm:constr type="ctrY" for="ch" forName="txNode3" refType="h" fact="0.4089"/>
+          <dgm:constr type="r" for="ch" forName="txNode3" refType="w" fact="0.43"/>
+          <dgm:constr type="h" for="ch" forName="txNode3" refType="h" fact="0.16"/>
+          <dgm:constr type="l" for="ch" forName="txNode4" refType="w" fact="0.67"/>
+          <dgm:constr type="ctrY" for="ch" forName="txNode4" refType="h" fact="0.5497"/>
+          <dgm:constr type="r" for="ch" forName="txNode4" refType="w"/>
+          <dgm:constr type="h" for="ch" forName="txNode4" refType="h" fact="0.16"/>
+          <dgm:constr type="l" for="ch" forName="txNode5" refType="w" fact="0.5"/>
+          <dgm:constr type="b" for="ch" forName="txNode5" refType="h"/>
+          <dgm:constr type="r" for="ch" forName="txNode5" refType="w"/>
+          <dgm:constr type="h" for="ch" forName="txNode5" refType="h" fact="0.16"/>
+          <dgm:constr type="ctrX" for="ch" forName="dotNode2" refType="w" fact="0.3565"/>
+          <dgm:constr type="ctrY" for="ch" forName="dotNode2" refType="h" fact="0.2885"/>
+          <dgm:constr type="h" for="ch" forName="dotNode2" refType="h" fact="0.0218"/>
+          <dgm:constr type="w" for="ch" forName="dotNode2" refType="h" refFor="ch" refForName="dotNode2"/>
+          <dgm:constr type="ctrX" for="ch" forName="dotNode3" refType="w" fact="0.4922"/>
+          <dgm:constr type="ctrY" for="ch" forName="dotNode3" refType="h" fact="0.4089"/>
+          <dgm:constr type="h" for="ch" forName="dotNode3" refType="h" fact="0.0218"/>
+          <dgm:constr type="w" for="ch" forName="dotNode3" refType="h" refFor="ch" refForName="dotNode3"/>
+          <dgm:constr type="ctrX" for="ch" forName="dotNode4" refType="w" fact="0.5939"/>
+          <dgm:constr type="ctrY" for="ch" forName="dotNode4" refType="h" fact="0.5497"/>
+          <dgm:constr type="h" for="ch" forName="dotNode4" refType="h" fact="0.0218"/>
+          <dgm:constr type="w" for="ch" forName="dotNode4" refType="h" refFor="ch" refForName="dotNode4"/>
+        </dgm:constrLst>
+      </dgm:if>
+      <dgm:if name="Name7" axis="ch" ptType="node" func="cnt" op="equ" val="6">
+        <dgm:constrLst>
+          <dgm:constr type="primFontSz" for="ch" ptType="node" op="equ" val="65"/>
+          <dgm:constr type="w" for="ch" forName="arrowNode" refType="w" fact="0.75"/>
+          <dgm:constr type="h" for="ch" forName="arrowNode" refType="h"/>
+          <dgm:constr type="l" for="ch" forName="arrowNode" refType="w" fact="0.07"/>
+          <dgm:constr type="t" for="ch" forName="arrowNode"/>
+          <dgm:constr type="l" for="ch" forName="txNode1" refType="w" fact="0"/>
+          <dgm:constr type="t" for="ch" forName="txNode1" refType="h" fact="0"/>
+          <dgm:constr type="r" for="ch" forName="txNode1" refType="w" fact="0.37"/>
+          <dgm:constr type="h" for="ch" forName="txNode1" refType="h" fact="0.16"/>
+          <dgm:constr type="l" for="ch" forName="txNode2" refType="w" fact="0.45"/>
+          <dgm:constr type="ctrY" for="ch" forName="txNode2" refType="h" fact="0.2693"/>
+          <dgm:constr type="r" for="ch" forName="txNode2" refType="w"/>
+          <dgm:constr type="h" for="ch" forName="txNode2" refType="h" fact="0.16"/>
+          <dgm:constr type="l" for="ch" forName="txNode3" refType="w" fact="0"/>
+          <dgm:constr type="ctrY" for="ch" forName="txNode3" refType="h" fact="0.3638"/>
+          <dgm:constr type="r" for="ch" forName="txNode3" refType="w" fact="0.37"/>
+          <dgm:constr type="h" for="ch" forName="txNode3" refType="h" fact="0.16"/>
+          <dgm:constr type="l" for="ch" forName="txNode4" refType="w" fact="0.63"/>
+          <dgm:constr type="ctrY" for="ch" forName="txNode4" refType="h" fact="0.4744"/>
+          <dgm:constr type="r" for="ch" forName="txNode4" refType="w"/>
+          <dgm:constr type="h" for="ch" forName="txNode4" refType="h" fact="0.16"/>
+          <dgm:constr type="l" for="ch" forName="txNode5" refType="w" fact="0"/>
+          <dgm:constr type="ctrY" for="ch" forName="txNode5" refType="h" fact="0.5961"/>
+          <dgm:constr type="r" for="ch" forName="txNode5" refType="w" fact="0.55"/>
+          <dgm:constr type="h" for="ch" forName="txNode5" refType="h" fact="0.16"/>
+          <dgm:constr type="l" for="ch" forName="txNode6" refType="w" fact="0.5"/>
+          <dgm:constr type="b" for="ch" forName="txNode6" refType="h"/>
+          <dgm:constr type="r" for="ch" forName="txNode6" refType="w"/>
+          <dgm:constr type="h" for="ch" forName="txNode6" refType="h" fact="0.16"/>
+          <dgm:constr type="ctrX" for="ch" forName="dotNode2" refType="w" fact="0.33"/>
+          <dgm:constr type="ctrY" for="ch" forName="dotNode2" refType="h" fact="0.2693"/>
+          <dgm:constr type="h" for="ch" forName="dotNode2" refType="h" fact="0.0218"/>
+          <dgm:constr type="w" for="ch" forName="dotNode2" refType="h" refFor="ch" refForName="dotNode2"/>
+          <dgm:constr type="ctrX" for="ch" forName="dotNode3" refType="w" fact="0.4419"/>
+          <dgm:constr type="ctrY" for="ch" forName="dotNode3" refType="h" fact="0.3638"/>
+          <dgm:constr type="h" for="ch" forName="dotNode3" refType="h" fact="0.0218"/>
+          <dgm:constr type="w" for="ch" forName="dotNode3" refType="h" refFor="ch" refForName="dotNode3"/>
+          <dgm:constr type="ctrX" for="ch" forName="dotNode4" refType="w" fact="0.5425"/>
+          <dgm:constr type="ctrY" for="ch" forName="dotNode4" refType="h" fact="0.4744"/>
+          <dgm:constr type="h" for="ch" forName="dotNode4" refType="h" fact="0.0218"/>
+          <dgm:constr type="w" for="ch" forName="dotNode4" refType="h" refFor="ch" refForName="dotNode4"/>
+          <dgm:constr type="ctrX" for="ch" forName="dotNode5" refType="w" fact="0.6153"/>
+          <dgm:constr type="ctrY" for="ch" forName="dotNode5" refType="h" fact="0.5961"/>
+          <dgm:constr type="h" for="ch" forName="dotNode5" refType="h" fact="0.0218"/>
+          <dgm:constr type="w" for="ch" forName="dotNode5" refType="h" refFor="ch" refForName="dotNode5"/>
+        </dgm:constrLst>
+      </dgm:if>
+      <dgm:else name="Name8">
+        <dgm:constrLst>
+          <dgm:constr type="primFontSz" for="ch" ptType="node" op="equ" val="65"/>
+          <dgm:constr type="w" for="ch" forName="arrowNode" refType="w" fact="0.75"/>
+          <dgm:constr type="h" for="ch" forName="arrowNode" refType="h"/>
+          <dgm:constr type="l" for="ch" forName="arrowNode" refType="w" fact="0.07"/>
+          <dgm:constr type="t" for="ch" forName="arrowNode"/>
+          <dgm:constr type="l" for="ch" forName="txNode1" refType="w" fact="0"/>
+          <dgm:constr type="t" for="ch" forName="txNode1" refType="h" fact="0"/>
+          <dgm:constr type="r" for="ch" forName="txNode1" refType="w" fact="0.37"/>
+          <dgm:constr type="h" for="ch" forName="txNode1" refType="h" fact="0.16"/>
+          <dgm:constr type="l" for="ch" forName="txNode2" refType="w" fact="0.44"/>
+          <dgm:constr type="ctrY" for="ch" forName="txNode2" refType="h" fact="0.2693"/>
+          <dgm:constr type="r" for="ch" forName="txNode2" refType="w"/>
+          <dgm:constr type="h" for="ch" forName="txNode2" refType="h" fact="0.16"/>
+          <dgm:constr type="l" for="ch" forName="txNode3" refType="w" fact="0"/>
+          <dgm:constr type="ctrY" for="ch" forName="txNode3" refType="h" fact="0.3424"/>
+          <dgm:constr type="r" for="ch" forName="txNode3" refType="w" fact="0.33"/>
+          <dgm:constr type="h" for="ch" forName="txNode3" refType="h" fact="0.16"/>
+          <dgm:constr type="l" for="ch" forName="txNode4" refType="w" fact="0.61"/>
+          <dgm:constr type="ctrY" for="ch" forName="txNode4" refType="h" fact="0.4276"/>
+          <dgm:constr type="r" for="ch" forName="txNode4" refType="w"/>
+          <dgm:constr type="h" for="ch" forName="txNode4" refType="h" fact="0.16"/>
+          <dgm:constr type="l" for="ch" forName="txNode5" refType="w" fact="0"/>
+          <dgm:constr type="ctrY" for="ch" forName="txNode5" refType="h" fact="0.5218"/>
+          <dgm:constr type="r" for="ch" forName="txNode5" refType="w" fact="0.5"/>
+          <dgm:constr type="h" for="ch" forName="txNode5" refType="h" fact="0.16"/>
+          <dgm:constr type="l" for="ch" forName="txNode6" refType="w" fact="0.71"/>
+          <dgm:constr type="ctrY" for="ch" forName="txNode6" refType="h" fact="0.6179"/>
+          <dgm:constr type="r" for="ch" forName="txNode6" refType="w"/>
+          <dgm:constr type="h" for="ch" forName="txNode6" refType="h" fact="0.16"/>
+          <dgm:constr type="l" for="ch" forName="txNode7" refType="w" fact="0.5"/>
+          <dgm:constr type="b" for="ch" forName="txNode7" refType="h"/>
+          <dgm:constr type="r" for="ch" forName="txNode7" refType="w"/>
+          <dgm:constr type="h" for="ch" forName="txNode7" refType="h" fact="0.16"/>
+          <dgm:constr type="ctrX" for="ch" forName="dotNode2" refType="w" fact="0.33"/>
+          <dgm:constr type="ctrY" for="ch" forName="dotNode2" refType="h" fact="0.2693"/>
+          <dgm:constr type="h" for="ch" forName="dotNode2" refType="h" fact="0.0218"/>
+          <dgm:constr type="w" for="ch" forName="dotNode2" refType="h" refFor="ch" refForName="dotNode2"/>
+          <dgm:constr type="ctrX" for="ch" forName="dotNode3" refType="w" fact="0.425"/>
+          <dgm:constr type="ctrY" for="ch" forName="dotNode3" refType="h" fact="0.3424"/>
+          <dgm:constr type="h" for="ch" forName="dotNode3" refType="h" fact="0.0218"/>
+          <dgm:constr type="w" for="ch" forName="dotNode3" refType="h" refFor="ch" refForName="dotNode3"/>
+          <dgm:constr type="ctrX" for="ch" forName="dotNode4" refType="w" fact="0.505"/>
+          <dgm:constr type="ctrY" for="ch" forName="dotNode4" refType="h" fact="0.4276"/>
+          <dgm:constr type="h" for="ch" forName="dotNode4" refType="h" fact="0.0218"/>
+          <dgm:constr type="w" for="ch" forName="dotNode4" refType="h" refFor="ch" refForName="dotNode4"/>
+          <dgm:constr type="ctrX" for="ch" forName="dotNode5" refType="w" fact="0.5742"/>
+          <dgm:constr type="ctrY" for="ch" forName="dotNode5" refType="h" fact="0.5218"/>
+          <dgm:constr type="h" for="ch" forName="dotNode5" refType="h" fact="0.0218"/>
+          <dgm:constr type="w" for="ch" forName="dotNode5" refType="h" refFor="ch" refForName="dotNode5"/>
+          <dgm:constr type="ctrX" for="ch" forName="dotNode6" refType="w" fact="0.63"/>
+          <dgm:constr type="ctrY" for="ch" forName="dotNode6" refType="h" fact="0.6179"/>
+          <dgm:constr type="h" for="ch" forName="dotNode6" refType="h" fact="0.0218"/>
+          <dgm:constr type="w" for="ch" forName="dotNode6" refType="h" refFor="ch" refForName="dotNode6"/>
+        </dgm:constrLst>
+      </dgm:else>
+    </dgm:choose>
+    <dgm:forEach name="Name9" axis="self" ptType="parTrans">
+      <dgm:forEach name="Name10" axis="self" ptType="sibTrans" st="2">
+        <dgm:forEach name="dotRepeat" axis="self">
+          <dgm:layoutNode name="dotRepeatNode" styleLbl="fgShp">
+            <dgm:alg type="sp"/>
+            <dgm:shape xmlns:r="http://schemas.openxmlformats.org/officeDocument/2006/relationships" type="ellipse" r:blip="">
+              <dgm:adjLst/>
+            </dgm:shape>
+            <dgm:presOf axis="self"/>
+          </dgm:layoutNode>
+        </dgm:forEach>
+      </dgm:forEach>
+    </dgm:forEach>
+    <dgm:choose name="Name11">
+      <dgm:if name="Name12" axis="ch" ptType="node" func="cnt" op="gte" val="1">
+        <dgm:layoutNode name="arrowNode" styleLbl="node1">
+          <dgm:alg type="sp"/>
+          <dgm:shape xmlns:r="http://schemas.openxmlformats.org/officeDocument/2006/relationships" rot="73.2729" type="swooshArrow" r:blip="">
+            <dgm:adjLst>
+              <dgm:adj idx="1" val="0.1631"/>
+              <dgm:adj idx="2" val="0.3137"/>
+            </dgm:adjLst>
+          </dgm:shape>
+          <dgm:presOf/>
+        </dgm:layoutNode>
+      </dgm:if>
+      <dgm:else name="Name13"/>
+    </dgm:choose>
+    <dgm:forEach name="Name14" axis="ch" ptType="node" cnt="1">
+      <dgm:layoutNode name="txNode1" styleLbl="revTx">
+        <dgm:varLst>
+          <dgm:bulletEnabled val="1"/>
+        </dgm:varLst>
+        <dgm:alg type="tx">
+          <dgm:param type="txAnchorVert" val="b"/>
+        </dgm:alg>
+        <dgm:shape xmlns:r="http://schemas.openxmlformats.org/officeDocument/2006/relationships" type="rect" r:blip="" zOrderOff="10">
+          <dgm:adjLst/>
+        </dgm:shape>
+        <dgm:presOf axis="desOrSelf" ptType="node"/>
+        <dgm:constrLst>
+          <dgm:constr type="lMarg" refType="primFontSz" fact="0.1"/>
+          <dgm:constr type="rMarg" refType="primFontSz" fact="0.1"/>
+          <dgm:constr type="tMarg" refType="primFontSz" fact="0.1"/>
+          <dgm:constr type="bMarg" refType="primFontSz" fact="0.1"/>
+        </dgm:constrLst>
+        <dgm:ruleLst>
+          <dgm:rule type="primFontSz" val="5" fact="NaN" max="NaN"/>
+        </dgm:ruleLst>
+      </dgm:layoutNode>
+    </dgm:forEach>
+    <dgm:forEach name="Name15" axis="ch" ptType="node" st="2" cnt="1">
+      <dgm:layoutNode name="txNode2" styleLbl="revTx">
+        <dgm:varLst>
+          <dgm:bulletEnabled val="1"/>
+        </dgm:varLst>
+        <dgm:choose name="Name16">
+          <dgm:if name="Name17" axis="self" ptType="node" func="revPos" op="equ" val="1">
+            <dgm:alg type="tx">
+              <dgm:param type="txAnchorVert" val="t"/>
+            </dgm:alg>
+          </dgm:if>
+          <dgm:if name="Name18" axis="self" ptType="node" func="posOdd" op="equ" val="1">
+            <dgm:alg type="tx">
+              <dgm:param type="parTxLTRAlign" val="r"/>
+              <dgm:param type="parTxRTLAlign" val="r"/>
+            </dgm:alg>
+          </dgm:if>
+          <dgm:else name="Name19">
+            <dgm:alg type="tx">
+              <dgm:param type="parTxLTRAlign" val="l"/>
+              <dgm:param type="parTxRTLAlign" val="l"/>
+            </dgm:alg>
+          </dgm:else>
+        </dgm:choose>
+        <dgm:shape xmlns:r="http://schemas.openxmlformats.org/officeDocument/2006/relationships" type="rect" r:blip="" zOrderOff="10">
+          <dgm:adjLst/>
+        </dgm:shape>
+        <dgm:presOf axis="desOrSelf" ptType="node"/>
+        <dgm:constrLst>
+          <dgm:constr type="lMarg" refType="primFontSz" fact="0.1"/>
+          <dgm:constr type="rMarg" refType="primFontSz" fact="0.1"/>
+          <dgm:constr type="tMarg" refType="primFontSz" fact="0.1"/>
+          <dgm:constr type="bMarg" refType="primFontSz" fact="0.1"/>
+        </dgm:constrLst>
+        <dgm:ruleLst>
+          <dgm:rule type="primFontSz" val="5" fact="NaN" max="NaN"/>
+        </dgm:ruleLst>
+      </dgm:layoutNode>
+      <dgm:choose name="Name20">
+        <dgm:if name="Name21" axis="par ch" ptType="all node" func="cnt" op="neq" val="2">
+          <dgm:forEach name="Name22" axis="follow" ptType="sibTrans" cnt="1">
+            <dgm:layoutNode name="dotNode2">
+              <dgm:alg type="sp"/>
+              <dgm:shape xmlns:r="http://schemas.openxmlformats.org/officeDocument/2006/relationships" r:blip="">
+                <dgm:adjLst/>
+              </dgm:shape>
+              <dgm:presOf/>
+              <dgm:forEach name="Name23" ref="dotRepeat"/>
+            </dgm:layoutNode>
+          </dgm:forEach>
+        </dgm:if>
+        <dgm:else name="Name24"/>
+      </dgm:choose>
+    </dgm:forEach>
+    <dgm:forEach name="Name25" axis="ch" ptType="node" st="3" cnt="1">
+      <dgm:layoutNode name="txNode3" styleLbl="revTx">
+        <dgm:varLst>
+          <dgm:bulletEnabled val="1"/>
+        </dgm:varLst>
+        <dgm:choose name="Name26">
+          <dgm:if name="Name27" axis="self" ptType="node" func="revPos" op="equ" val="1">
+            <dgm:alg type="tx">
+              <dgm:param type="txAnchorVert" val="t"/>
+            </dgm:alg>
+          </dgm:if>
+          <dgm:if name="Name28" axis="self" ptType="node" func="posOdd" op="equ" val="1">
+            <dgm:alg type="tx">
+              <dgm:param type="parTxLTRAlign" val="r"/>
+              <dgm:param type="parTxRTLAlign" val="r"/>
+            </dgm:alg>
+          </dgm:if>
+          <dgm:else name="Name29">
+            <dgm:alg type="tx">
+              <dgm:param type="parTxLTRAlign" val="l"/>
+              <dgm:param type="parTxRTLAlign" val="l"/>
+            </dgm:alg>
+          </dgm:else>
+        </dgm:choose>
+        <dgm:shape xmlns:r="http://schemas.openxmlformats.org/officeDocument/2006/relationships" type="rect" r:blip="" zOrderOff="10">
+          <dgm:adjLst/>
+        </dgm:shape>
+        <dgm:presOf axis="desOrSelf" ptType="node"/>
+        <dgm:constrLst>
+          <dgm:constr type="lMarg" refType="primFontSz" fact="0.1"/>
+          <dgm:constr type="rMarg" refType="primFontSz" fact="0.1"/>
+          <dgm:constr type="tMarg" refType="primFontSz" fact="0.1"/>
+          <dgm:constr type="bMarg" refType="primFontSz" fact="0.1"/>
+        </dgm:constrLst>
+        <dgm:ruleLst>
+          <dgm:rule type="primFontSz" val="5" fact="NaN" max="NaN"/>
+        </dgm:ruleLst>
+      </dgm:layoutNode>
+      <dgm:choose name="Name30">
+        <dgm:if name="Name31" axis="par ch" ptType="all node" func="cnt" op="neq" val="3">
+          <dgm:forEach name="Name32" axis="follow" ptType="sibTrans" cnt="1">
+            <dgm:layoutNode name="dotNode3">
+              <dgm:alg type="sp"/>
+              <dgm:shape xmlns:r="http://schemas.openxmlformats.org/officeDocument/2006/relationships" r:blip="">
+                <dgm:adjLst/>
+              </dgm:shape>
+              <dgm:presOf/>
+              <dgm:forEach name="Name33" ref="dotRepeat"/>
+            </dgm:layoutNode>
+          </dgm:forEach>
+        </dgm:if>
+        <dgm:else name="Name34"/>
+      </dgm:choose>
+    </dgm:forEach>
+    <dgm:forEach name="Name35" axis="ch" ptType="node" st="4" cnt="1">
+      <dgm:layoutNode name="txNode4" styleLbl="revTx">
+        <dgm:varLst>
+          <dgm:bulletEnabled val="1"/>
+        </dgm:varLst>
+        <dgm:choose name="Name36">
+          <dgm:if name="Name37" axis="self" ptType="node" func="revPos" op="equ" val="1">
+            <dgm:alg type="tx">
+              <dgm:param type="txAnchorVert" val="t"/>
+            </dgm:alg>
+          </dgm:if>
+          <dgm:if name="Name38" axis="self" ptType="node" func="posOdd" op="equ" val="1">
+            <dgm:alg type="tx">
+              <dgm:param type="parTxLTRAlign" val="r"/>
+              <dgm:param type="parTxRTLAlign" val="r"/>
+            </dgm:alg>
+          </dgm:if>
+          <dgm:else name="Name39">
+            <dgm:alg type="tx">
+              <dgm:param type="parTxLTRAlign" val="l"/>
+              <dgm:param type="parTxRTLAlign" val="l"/>
+            </dgm:alg>
+          </dgm:else>
+        </dgm:choose>
+        <dgm:shape xmlns:r="http://schemas.openxmlformats.org/officeDocument/2006/relationships" type="rect" r:blip="" zOrderOff="10">
+          <dgm:adjLst/>
+        </dgm:shape>
+        <dgm:presOf axis="desOrSelf" ptType="node"/>
+        <dgm:constrLst>
+          <dgm:constr type="lMarg" refType="primFontSz" fact="0.1"/>
+          <dgm:constr type="rMarg" refType="primFontSz" fact="0.1"/>
+          <dgm:constr type="tMarg" refType="primFontSz" fact="0.1"/>
+          <dgm:constr type="bMarg" refType="primFontSz" fact="0.1"/>
+        </dgm:constrLst>
+        <dgm:ruleLst>
+          <dgm:rule type="primFontSz" val="5" fact="NaN" max="NaN"/>
+        </dgm:ruleLst>
+      </dgm:layoutNode>
+      <dgm:choose name="Name40">
+        <dgm:if name="Name41" axis="par ch" ptType="all node" func="cnt" op="neq" val="4">
+          <dgm:forEach name="Name42" axis="follow" ptType="sibTrans" cnt="1">
+            <dgm:layoutNode name="dotNode4">
+              <dgm:alg type="sp"/>
+              <dgm:shape xmlns:r="http://schemas.openxmlformats.org/officeDocument/2006/relationships" r:blip="">
+                <dgm:adjLst/>
+              </dgm:shape>
+              <dgm:presOf/>
+              <dgm:forEach name="Name43" ref="dotRepeat"/>
+            </dgm:layoutNode>
+          </dgm:forEach>
+        </dgm:if>
+        <dgm:else name="Name44"/>
+      </dgm:choose>
+    </dgm:forEach>
+    <dgm:forEach name="Name45" axis="ch" ptType="node" st="5" cnt="1">
+      <dgm:layoutNode name="txNode5" styleLbl="revTx">
+        <dgm:varLst>
+          <dgm:bulletEnabled val="1"/>
+        </dgm:varLst>
+        <dgm:choose name="Name46">
+          <dgm:if name="Name47" axis="self" ptType="node" func="revPos" op="equ" val="1">
+            <dgm:alg type="tx">
+              <dgm:param type="txAnchorVert" val="t"/>
+            </dgm:alg>
+          </dgm:if>
+          <dgm:if name="Name48" axis="self" ptType="node" func="posOdd" op="equ" val="1">
+            <dgm:alg type="tx">
+              <dgm:param type="parTxLTRAlign" val="r"/>
+              <dgm:param type="parTxRTLAlign" val="r"/>
+            </dgm:alg>
+          </dgm:if>
+          <dgm:else name="Name49">
+            <dgm:alg type="tx">
+              <dgm:param type="parTxLTRAlign" val="l"/>
+              <dgm:param type="parTxRTLAlign" val="l"/>
+            </dgm:alg>
+          </dgm:else>
+        </dgm:choose>
+        <dgm:shape xmlns:r="http://schemas.openxmlformats.org/officeDocument/2006/relationships" type="rect" r:blip="" zOrderOff="10">
+          <dgm:adjLst/>
+        </dgm:shape>
+        <dgm:presOf axis="desOrSelf" ptType="node"/>
+        <dgm:constrLst>
+          <dgm:constr type="lMarg" refType="primFontSz" fact="0.1"/>
+          <dgm:constr type="rMarg" refType="primFontSz" fact="0.1"/>
+          <dgm:constr type="tMarg" refType="primFontSz" fact="0.1"/>
+          <dgm:constr type="bMarg" refType="primFontSz" fact="0.1"/>
+        </dgm:constrLst>
+        <dgm:ruleLst>
+          <dgm:rule type="primFontSz" val="5" fact="NaN" max="NaN"/>
+        </dgm:ruleLst>
+      </dgm:layoutNode>
+      <dgm:choose name="Name50">
+        <dgm:if name="Name51" axis="par ch" ptType="all node" func="cnt" op="neq" val="5">
+          <dgm:forEach name="Name52" axis="follow" ptType="sibTrans" cnt="1">
+            <dgm:layoutNode name="dotNode5">
+              <dgm:alg type="sp"/>
+              <dgm:shape xmlns:r="http://schemas.openxmlformats.org/officeDocument/2006/relationships" r:blip="">
+                <dgm:adjLst/>
+              </dgm:shape>
+              <dgm:presOf/>
+              <dgm:forEach name="Name53" ref="dotRepeat"/>
+            </dgm:layoutNode>
+          </dgm:forEach>
+        </dgm:if>
+        <dgm:else name="Name54"/>
+      </dgm:choose>
+    </dgm:forEach>
+    <dgm:forEach name="Name55" axis="ch" ptType="node" st="6" cnt="1">
+      <dgm:layoutNode name="txNode6" styleLbl="revTx">
+        <dgm:varLst>
+          <dgm:bulletEnabled val="1"/>
+        </dgm:varLst>
+        <dgm:choose name="Name56">
+          <dgm:if name="Name57" axis="self" ptType="node" func="revPos" op="equ" val="1">
+            <dgm:alg type="tx">
+              <dgm:param type="txAnchorVert" val="t"/>
+            </dgm:alg>
+          </dgm:if>
+          <dgm:if name="Name58" axis="self" ptType="node" func="posOdd" op="equ" val="1">
+            <dgm:alg type="tx">
+              <dgm:param type="parTxLTRAlign" val="r"/>
+              <dgm:param type="parTxRTLAlign" val="r"/>
+            </dgm:alg>
+          </dgm:if>
+          <dgm:else name="Name59">
+            <dgm:alg type="tx">
+              <dgm:param type="parTxLTRAlign" val="l"/>
+              <dgm:param type="parTxRTLAlign" val="l"/>
+            </dgm:alg>
+          </dgm:else>
+        </dgm:choose>
+        <dgm:shape xmlns:r="http://schemas.openxmlformats.org/officeDocument/2006/relationships" type="rect" r:blip="" zOrderOff="10">
+          <dgm:adjLst/>
+        </dgm:shape>
+        <dgm:presOf axis="desOrSelf" ptType="node"/>
+        <dgm:constrLst>
+          <dgm:constr type="lMarg" refType="primFontSz" fact="0.1"/>
+          <dgm:constr type="rMarg" refType="primFontSz" fact="0.1"/>
+          <dgm:constr type="tMarg" refType="primFontSz" fact="0.1"/>
+          <dgm:constr type="bMarg" refType="primFontSz" fact="0.1"/>
+        </dgm:constrLst>
+        <dgm:ruleLst>
+          <dgm:rule type="primFontSz" val="5" fact="NaN" max="NaN"/>
+        </dgm:ruleLst>
+      </dgm:layoutNode>
+      <dgm:choose name="Name60">
+        <dgm:if name="Name61" axis="par ch" ptType="all node" func="cnt" op="neq" val="6">
+          <dgm:forEach name="Name62" axis="follow" ptType="sibTrans" cnt="1">
+            <dgm:layoutNode name="dotNode6">
+              <dgm:alg type="sp"/>
+              <dgm:shape xmlns:r="http://schemas.openxmlformats.org/officeDocument/2006/relationships" r:blip="">
+                <dgm:adjLst/>
+              </dgm:shape>
+              <dgm:presOf/>
+              <dgm:forEach name="Name63" ref="dotRepeat"/>
+            </dgm:layoutNode>
+          </dgm:forEach>
+        </dgm:if>
+        <dgm:else name="Name64"/>
+      </dgm:choose>
+    </dgm:forEach>
+    <dgm:forEach name="Name65" axis="ch" ptType="node" st="7" cnt="1">
+      <dgm:layoutNode name="txNode7" styleLbl="revTx">
+        <dgm:varLst>
+          <dgm:bulletEnabled val="1"/>
+        </dgm:varLst>
+        <dgm:alg type="tx">
+          <dgm:param type="txAnchorVert" val="t"/>
+        </dgm:alg>
+        <dgm:shape xmlns:r="http://schemas.openxmlformats.org/officeDocument/2006/relationships" type="rect" r:blip="" zOrderOff="10">
+          <dgm:adjLst/>
+        </dgm:shape>
+        <dgm:presOf axis="desOrSelf" ptType="node"/>
+        <dgm:constrLst>
+          <dgm:constr type="lMarg" refType="primFontSz" fact="0.1"/>
+          <dgm:constr type="rMarg" refType="primFontSz" fact="0.1"/>
+          <dgm:constr type="tMarg" refType="primFontSz" fact="0.1"/>
+          <dgm:constr type="bMarg" refType="primFontSz" fact="0.1"/>
+        </dgm:constrLst>
+        <dgm:ruleLst>
+          <dgm:rule type="primFontSz" val="5" fact="NaN" max="NaN"/>
+        </dgm:ruleLst>
+      </dgm:layoutNode>
+    </dgm:forEach>
+  </dgm:layoutNode>
+</dgm:layoutDef>
+</file>
+
+<file path=ppt/diagrams/layout3.xml><?xml version="1.0" encoding="utf-8"?>
+<dgm:layoutDef xmlns:dgm="http://schemas.openxmlformats.org/drawingml/2006/diagram" xmlns:a="http://schemas.openxmlformats.org/drawingml/2006/main" uniqueId="urn:microsoft.com/office/officeart/2005/8/layout/hProcess11">
+  <dgm:title val=""/>
+  <dgm:desc val=""/>
+  <dgm:catLst>
+    <dgm:cat type="process" pri="8000"/>
+    <dgm:cat type="convert" pri="14000"/>
+  </dgm:catLst>
+  <dgm:sampData useDef="1">
+    <dgm:dataModel>
+      <dgm:ptLst/>
+      <dgm:bg/>
+      <dgm:whole/>
+    </dgm:dataModel>
+  </dgm:sampData>
+  <dgm:styleData>
+    <dgm:dataModel>
+      <dgm:ptLst>
+        <dgm:pt modelId="0" type="doc"/>
+        <dgm:pt modelId="1"/>
+        <dgm:pt modelId="2"/>
+      </dgm:ptLst>
+      <dgm:cxnLst>
+        <dgm:cxn modelId="4" srcId="0" destId="1" srcOrd="0" destOrd="0"/>
+        <dgm:cxn modelId="5" srcId="0" destId="2" srcOrd="1" destOrd="0"/>
+      </dgm:cxnLst>
+      <dgm:bg/>
+      <dgm:whole/>
+    </dgm:dataModel>
+  </dgm:styleData>
+  <dgm:clrData>
+    <dgm:dataModel>
+      <dgm:ptLst>
+        <dgm:pt modelId="0" type="doc"/>
+        <dgm:pt modelId="1"/>
+        <dgm:pt modelId="2"/>
+        <dgm:pt modelId="3"/>
+        <dgm:pt modelId="4"/>
+      </dgm:ptLst>
+      <dgm:cxnLst>
+        <dgm:cxn modelId="5" srcId="0" destId="1" srcOrd="0" destOrd="0"/>
+        <dgm:cxn modelId="6" srcId="0" destId="2" srcOrd="1" destOrd="0"/>
+        <dgm:cxn modelId="7" srcId="0" destId="3" srcOrd="2" destOrd="0"/>
+        <dgm:cxn modelId="8" srcId="0" destId="4" srcOrd="3" destOrd="0"/>
+      </dgm:cxnLst>
+      <dgm:bg/>
+      <dgm:whole/>
+    </dgm:dataModel>
+  </dgm:clrData>
+  <dgm:layoutNode name="Name0">
+    <dgm:varLst>
+      <dgm:dir/>
+      <dgm:resizeHandles val="exact"/>
+    </dgm:varLst>
+    <dgm:alg type="composite"/>
+    <dgm:shape xmlns:r="http://schemas.openxmlformats.org/officeDocument/2006/relationships" r:blip="">
+      <dgm:adjLst/>
+    </dgm:shape>
+    <dgm:presOf/>
+    <dgm:choose name="Name1">
+      <dgm:if name="Name2" func="var" arg="dir" op="equ" val="norm">
+        <dgm:constrLst>
+          <dgm:constr type="w" for="ch" forName="arrow" refType="w"/>
+          <dgm:constr type="h" for="ch" forName="arrow" refType="h" fact="0.4"/>
+          <dgm:constr type="ctrY" for="ch" forName="arrow" refType="h" fact="0.5"/>
+          <dgm:constr type="l" for="ch" forName="arrow"/>
+          <dgm:constr type="w" for="ch" forName="points" refType="w" fact="0.9"/>
+          <dgm:constr type="h" for="ch" forName="points" refType="h"/>
+          <dgm:constr type="t" for="ch" forName="points"/>
+          <dgm:constr type="l" for="ch" forName="points"/>
+        </dgm:constrLst>
+      </dgm:if>
+      <dgm:else name="Name3">
+        <dgm:constrLst>
+          <dgm:constr type="w" for="ch" forName="arrow" refType="w"/>
+          <dgm:constr type="h" for="ch" forName="arrow" refType="h" fact="0.4"/>
+          <dgm:constr type="ctrY" for="ch" forName="arrow" refType="h" fact="0.5"/>
+          <dgm:constr type="r" for="ch" forName="arrow" refType="w"/>
+          <dgm:constr type="w" for="ch" forName="points" refType="w" fact="0.9"/>
+          <dgm:constr type="h" for="ch" forName="points" refType="h"/>
+          <dgm:constr type="t" for="ch" forName="points"/>
+          <dgm:constr type="r" for="ch" forName="points" refType="w"/>
+        </dgm:constrLst>
+      </dgm:else>
+    </dgm:choose>
+    <dgm:ruleLst/>
+    <dgm:layoutNode name="arrow" styleLbl="bgShp">
+      <dgm:alg type="sp"/>
+      <dgm:choose name="Name4">
+        <dgm:if name="Name5" func="var" arg="dir" op="equ" val="norm">
+          <dgm:shape xmlns:r="http://schemas.openxmlformats.org/officeDocument/2006/relationships" type="notchedRightArrow" r:blip="">
+            <dgm:adjLst/>
+          </dgm:shape>
+        </dgm:if>
+        <dgm:else name="Name6">
+          <dgm:shape xmlns:r="http://schemas.openxmlformats.org/officeDocument/2006/relationships" rot="180" type="notchedRightArrow" r:blip="">
+            <dgm:adjLst/>
+          </dgm:shape>
+        </dgm:else>
+      </dgm:choose>
+      <dgm:presOf/>
+      <dgm:constrLst/>
+      <dgm:ruleLst/>
+    </dgm:layoutNode>
+    <dgm:layoutNode name="points">
+      <dgm:choose name="Name7">
+        <dgm:if name="Name8" func="var" arg="dir" op="equ" val="norm">
+          <dgm:alg type="lin">
+            <dgm:param type="linDir" val="fromL"/>
+          </dgm:alg>
+        </dgm:if>
+        <dgm:else name="Name9">
+          <dgm:alg type="lin">
+            <dgm:param type="linDir" val="fromR"/>
+          </dgm:alg>
+        </dgm:else>
+      </dgm:choose>
+      <dgm:shape xmlns:r="http://schemas.openxmlformats.org/officeDocument/2006/relationships" r:blip="">
+        <dgm:adjLst/>
+      </dgm:shape>
+      <dgm:presOf/>
+      <dgm:constrLst>
+        <dgm:constr type="w" for="ch" forName="compositeA" refType="w"/>
+        <dgm:constr type="h" for="ch" forName="compositeA" refType="h"/>
+        <dgm:constr type="w" for="ch" forName="compositeB" refType="w" refFor="ch" refForName="compositeA" op="equ"/>
+        <dgm:constr type="h" for="ch" forName="compositeB" refType="h" refFor="ch" refForName="compositeA" op="equ"/>
+        <dgm:constr type="primFontSz" for="des" ptType="node" op="equ" val="65"/>
+        <dgm:constr type="w" for="ch" forName="space" refType="w" refFor="ch" refForName="compositeA" op="equ" fact="0.05"/>
+      </dgm:constrLst>
+      <dgm:ruleLst/>
+      <dgm:forEach name="Name10" axis="ch" ptType="node">
+        <dgm:choose name="Name11">
+          <dgm:if name="Name12" axis="self" ptType="node" func="posOdd" op="equ" val="1">
+            <dgm:layoutNode name="compositeA">
+              <dgm:alg type="composite"/>
+              <dgm:shape xmlns:r="http://schemas.openxmlformats.org/officeDocument/2006/relationships" r:blip="">
+                <dgm:adjLst/>
+              </dgm:shape>
+              <dgm:presOf/>
+              <dgm:constrLst>
+                <dgm:constr type="w" for="ch" forName="textA" refType="w"/>
+                <dgm:constr type="h" for="ch" forName="textA" refType="h" fact="0.4"/>
+                <dgm:constr type="t" for="ch" forName="textA"/>
+                <dgm:constr type="l" for="ch" forName="textA"/>
+                <dgm:constr type="h" for="ch" forName="circleA" refType="h" fact="0.1"/>
+                <dgm:constr type="h" for="ch" forName="circleA" refType="w" op="lte"/>
+                <dgm:constr type="w" for="ch" forName="circleA" refType="h" refFor="ch" refForName="circleA" op="equ"/>
+                <dgm:constr type="ctrY" for="ch" forName="circleA" refType="h" fact="0.5"/>
+                <dgm:constr type="ctrX" for="ch" forName="circleA" refType="w" refFor="ch" refForName="textA" fact="0.5"/>
+                <dgm:constr type="w" for="ch" forName="spaceA" refType="w"/>
+                <dgm:constr type="h" for="ch" forName="spaceA" refType="h" fact="0.4"/>
+                <dgm:constr type="b" for="ch" forName="spaceA" refType="h"/>
+                <dgm:constr type="l" for="ch" forName="spaceA"/>
+              </dgm:constrLst>
+              <dgm:ruleLst/>
+              <dgm:layoutNode name="textA" styleLbl="revTx">
+                <dgm:varLst>
+                  <dgm:bulletEnabled val="1"/>
+                </dgm:varLst>
+                <dgm:alg type="tx">
+                  <dgm:param type="txAnchorVert" val="b"/>
+                  <dgm:param type="txAnchorVertCh" val="b"/>
+                  <dgm:param type="txAnchorHorzCh" val="ctr"/>
+                </dgm:alg>
+                <dgm:shape xmlns:r="http://schemas.openxmlformats.org/officeDocument/2006/relationships" type="rect" r:blip="">
+                  <dgm:adjLst/>
+                </dgm:shape>
+                <dgm:presOf axis="desOrSelf" ptType="node"/>
+                <dgm:constrLst/>
+                <dgm:ruleLst>
+                  <dgm:rule type="primFontSz" val="5" fact="NaN" max="NaN"/>
+                </dgm:ruleLst>
+              </dgm:layoutNode>
+              <dgm:layoutNode name="circleA">
+                <dgm:alg type="sp"/>
+                <dgm:shape xmlns:r="http://schemas.openxmlformats.org/officeDocument/2006/relationships" type="ellipse" r:blip="">
+                  <dgm:adjLst/>
+                </dgm:shape>
+                <dgm:presOf/>
+                <dgm:constrLst/>
+                <dgm:ruleLst/>
+              </dgm:layoutNode>
+              <dgm:layoutNode name="spaceA">
+                <dgm:alg type="sp"/>
+                <dgm:shape xmlns:r="http://schemas.openxmlformats.org/officeDocument/2006/relationships" r:blip="">
+                  <dgm:adjLst/>
+                </dgm:shape>
+                <dgm:presOf/>
+                <dgm:constrLst/>
+                <dgm:ruleLst/>
+              </dgm:layoutNode>
+            </dgm:layoutNode>
+          </dgm:if>
+          <dgm:else name="Name13">
+            <dgm:layoutNode name="compositeB">
+              <dgm:alg type="composite"/>
+              <dgm:shape xmlns:r="http://schemas.openxmlformats.org/officeDocument/2006/relationships" r:blip="">
+                <dgm:adjLst/>
+              </dgm:shape>
+              <dgm:presOf/>
+              <dgm:constrLst>
+                <dgm:constr type="w" for="ch" forName="textB" refType="w"/>
+                <dgm:constr type="h" for="ch" forName="textB" refType="h" fact="0.4"/>
+                <dgm:constr type="b" for="ch" forName="textB" refType="h"/>
+                <dgm:constr type="l" for="ch" forName="textB"/>
+                <dgm:constr type="h" for="ch" forName="circleB" refType="h" fact="0.1"/>
+                <dgm:constr type="w" for="ch" forName="circleB" refType="h" refFor="ch" refForName="circleB" op="equ"/>
+                <dgm:constr type="h" for="ch" forName="circleB" refType="w" op="lte"/>
+                <dgm:constr type="ctrY" for="ch" forName="circleB" refType="h" fact="0.5"/>
+                <dgm:constr type="ctrX" for="ch" forName="circleB" refType="w" refFor="ch" refForName="textB" fact="0.5"/>
+                <dgm:constr type="w" for="ch" forName="spaceB" refType="w"/>
+                <dgm:constr type="h" for="ch" forName="spaceB" refType="h" fact="0.4"/>
+                <dgm:constr type="t" for="ch" forName="spaceB"/>
+                <dgm:constr type="l" for="ch" forName="spaceB"/>
+              </dgm:constrLst>
+              <dgm:ruleLst/>
+              <dgm:layoutNode name="textB" styleLbl="revTx">
+                <dgm:varLst>
+                  <dgm:bulletEnabled val="1"/>
+                </dgm:varLst>
+                <dgm:alg type="tx">
+                  <dgm:param type="txAnchorVert" val="t"/>
+                  <dgm:param type="txAnchorVertCh" val="t"/>
+                  <dgm:param type="txAnchorHorzCh" val="ctr"/>
+                </dgm:alg>
+                <dgm:shape xmlns:r="http://schemas.openxmlformats.org/officeDocument/2006/relationships" type="rect" r:blip="">
+                  <dgm:adjLst/>
+                </dgm:shape>
+                <dgm:presOf axis="desOrSelf" ptType="node"/>
+                <dgm:constrLst/>
+                <dgm:ruleLst>
+                  <dgm:rule type="primFontSz" val="5" fact="NaN" max="NaN"/>
+                </dgm:ruleLst>
+              </dgm:layoutNode>
+              <dgm:layoutNode name="circleB">
+                <dgm:alg type="sp"/>
+                <dgm:shape xmlns:r="http://schemas.openxmlformats.org/officeDocument/2006/relationships" type="ellipse" r:blip="">
+                  <dgm:adjLst/>
+                </dgm:shape>
+                <dgm:presOf/>
+                <dgm:constrLst/>
+                <dgm:ruleLst/>
+              </dgm:layoutNode>
+              <dgm:layoutNode name="spaceB">
+                <dgm:alg type="sp"/>
+                <dgm:shape xmlns:r="http://schemas.openxmlformats.org/officeDocument/2006/relationships" r:blip="">
+                  <dgm:adjLst/>
+                </dgm:shape>
+                <dgm:presOf/>
+                <dgm:constrLst/>
+                <dgm:ruleLst/>
+              </dgm:layoutNode>
+            </dgm:layoutNode>
+          </dgm:else>
+        </dgm:choose>
+        <dgm:forEach name="Name14" axis="followSib" ptType="sibTrans" cnt="1">
+          <dgm:layoutNode name="space">
+            <dgm:alg type="sp"/>
+            <dgm:shape xmlns:r="http://schemas.openxmlformats.org/officeDocument/2006/relationships" r:blip="">
+              <dgm:adjLst/>
+            </dgm:shape>
+            <dgm:presOf/>
+            <dgm:constrLst/>
+            <dgm:ruleLst/>
+          </dgm:layoutNode>
+        </dgm:forEach>
+      </dgm:forEach>
+    </dgm:layoutNode>
+  </dgm:layoutNode>
+</dgm:layoutDef>
+</file>
+
 <file path=ppt/diagrams/quickStyle1.xml><?xml version="1.0" encoding="utf-8"?>
+<dgm:styleDef xmlns:dgm="http://schemas.openxmlformats.org/drawingml/2006/diagram" xmlns:a="http://schemas.openxmlformats.org/drawingml/2006/main" uniqueId="urn:microsoft.com/office/officeart/2005/8/quickstyle/simple1">
+  <dgm:title val=""/>
+  <dgm:desc val=""/>
+  <dgm:catLst>
+    <dgm:cat type="simple" pri="10100"/>
+  </dgm:catLst>
+  <dgm:scene3d>
+    <a:camera prst="orthographicFront"/>
+    <a:lightRig rig="threePt" dir="t"/>
+  </dgm:scene3d>
+  <dgm:styleLbl name="node0">
+    <dgm:scene3d>
+      <a:camera prst="orthographicFront"/>
+      <a:lightRig rig="threePt" dir="t"/>
+    </dgm:scene3d>
+    <dgm:sp3d/>
+    <dgm:txPr/>
+    <dgm:style>
+      <a:lnRef idx="2">
+        <a:scrgbClr r="0" g="0" b="0"/>
+      </a:lnRef>
+      <a:fillRef idx="1">
+        <a:scrgbClr r="0" g="0" b="0"/>
+      </a:fillRef>
+      <a:effectRef idx="0">
+        <a:scrgbClr r="0" g="0" b="0"/>
+      </a:effectRef>
+      <a:fontRef idx="minor">
+        <a:schemeClr val="lt1"/>
+      </a:fontRef>
+    </dgm:style>
+  </dgm:styleLbl>
+  <dgm:styleLbl name="lnNode1">
+    <dgm:scene3d>
+      <a:camera prst="orthographicFront"/>
+      <a:lightRig rig="threePt" dir="t"/>
+    </dgm:scene3d>
+    <dgm:sp3d/>
+    <dgm:txPr/>
+    <dgm:style>
+      <a:lnRef idx="2">
+        <a:scrgbClr r="0" g="0" b="0"/>
+      </a:lnRef>
+      <a:fillRef idx="1">
+        <a:scrgbClr r="0" g="0" b="0"/>
+      </a:fillRef>
+      <a:effectRef idx="0">
+        <a:scrgbClr r="0" g="0" b="0"/>
+      </a:effectRef>
+      <a:fontRef idx="minor">
+        <a:schemeClr val="lt1"/>
+      </a:fontRef>
+    </dgm:style>
+  </dgm:styleLbl>
+  <dgm:styleLbl name="vennNode1">
+    <dgm:scene3d>
+      <a:camera prst="orthographicFront"/>
+      <a:lightRig rig="threePt" dir="t"/>
+    </dgm:scene3d>
+    <dgm:sp3d/>
+    <dgm:txPr/>
+    <dgm:style>
+      <a:lnRef idx="2">
+        <a:scrgbClr r="0" g="0" b="0"/>
+      </a:lnRef>
+      <a:fillRef idx="1">
+        <a:scrgbClr r="0" g="0" b="0"/>
+      </a:fillRef>
+      <a:effectRef idx="0">
+        <a:scrgbClr r="0" g="0" b="0"/>
+      </a:effectRef>
+      <a:fontRef idx="minor">
+        <a:schemeClr val="tx1"/>
+      </a:fontRef>
+    </dgm:style>
+  </dgm:styleLbl>
+  <dgm:styleLbl name="alignNode1">
+    <dgm:scene3d>
+      <a:camera prst="orthographicFront"/>
+      <a:lightRig rig="threePt" dir="t"/>
+    </dgm:scene3d>
+    <dgm:sp3d/>
+    <dgm:txPr/>
+    <dgm:style>
+      <a:lnRef idx="2">
+        <a:scrgbClr r="0" g="0" b="0"/>
+      </a:lnRef>
+      <a:fillRef idx="1">
+        <a:scrgbClr r="0" g="0" b="0"/>
+      </a:fillRef>
+      <a:effectRef idx="0">
+        <a:scrgbClr r="0" g="0" b="0"/>
+      </a:effectRef>
+      <a:fontRef idx="minor">
+        <a:schemeClr val="lt1"/>
+      </a:fontRef>
+    </dgm:style>
+  </dgm:styleLbl>
+  <dgm:styleLbl name="node1">
+    <dgm:scene3d>
+      <a:camera prst="orthographicFront"/>
+      <a:lightRig rig="threePt" dir="t"/>
+    </dgm:scene3d>
+    <dgm:sp3d/>
+    <dgm:txPr/>
+    <dgm:style>
+      <a:lnRef idx="2">
+        <a:scrgbClr r="0" g="0" b="0"/>
+      </a:lnRef>
+      <a:fillRef idx="1">
+        <a:scrgbClr r="0" g="0" b="0"/>
+      </a:fillRef>
+      <a:effectRef idx="0">
+        <a:scrgbClr r="0" g="0" b="0"/>
+      </a:effectRef>
+      <a:fontRef idx="minor">
+        <a:schemeClr val="lt1"/>
+      </a:fontRef>
+    </dgm:style>
+  </dgm:styleLbl>
+  <dgm:styleLbl name="node2">
+    <dgm:scene3d>
+      <a:camera prst="orthographicFront"/>
+      <a:lightRig rig="threePt" dir="t"/>
+    </dgm:scene3d>
+    <dgm:sp3d/>
+    <dgm:txPr/>
+    <dgm:style>
+      <a:lnRef idx="2">
+        <a:scrgbClr r="0" g="0" b="0"/>
+      </a:lnRef>
+      <a:fillRef idx="1">
+        <a:scrgbClr r="0" g="0" b="0"/>
+      </a:fillRef>
+      <a:effectRef idx="0">
+        <a:scrgbClr r="0" g="0" b="0"/>
+      </a:effectRef>
+      <a:fontRef idx="minor">
+        <a:schemeClr val="lt1"/>
+      </a:fontRef>
+    </dgm:style>
+  </dgm:styleLbl>
+  <dgm:styleLbl name="node3">
+    <dgm:scene3d>
+      <a:camera prst="orthographicFront"/>
+      <a:lightRig rig="threePt" dir="t"/>
+    </dgm:scene3d>
+    <dgm:sp3d/>
+    <dgm:txPr/>
+    <dgm:style>
+      <a:lnRef idx="2">
+        <a:scrgbClr r="0" g="0" b="0"/>
+      </a:lnRef>
+      <a:fillRef idx="1">
+        <a:scrgbClr r="0" g="0" b="0"/>
+      </a:fillRef>
+      <a:effectRef idx="0">
+        <a:scrgbClr r="0" g="0" b="0"/>
+      </a:effectRef>
+      <a:fontRef idx="minor">
+        <a:schemeClr val="lt1"/>
+      </a:fontRef>
+    </dgm:style>
+  </dgm:styleLbl>
+  <dgm:styleLbl name="node4">
+    <dgm:scene3d>
+      <a:camera prst="orthographicFront"/>
+      <a:lightRig rig="threePt" dir="t"/>
+    </dgm:scene3d>
+    <dgm:sp3d/>
+    <dgm:txPr/>
+    <dgm:style>
+      <a:lnRef idx="2">
+        <a:scrgbClr r="0" g="0" b="0"/>
+      </a:lnRef>
+      <a:fillRef idx="1">
+        <a:scrgbClr r="0" g="0" b="0"/>
+      </a:fillRef>
+      <a:effectRef idx="0">
+        <a:scrgbClr r="0" g="0" b="0"/>
+      </a:effectRef>
+      <a:fontRef idx="minor">
+        <a:schemeClr val="lt1"/>
+      </a:fontRef>
+    </dgm:style>
+  </dgm:styleLbl>
+  <dgm:styleLbl name="fgImgPlace1">
+    <dgm:scene3d>
+      <a:camera prst="orthographicFront"/>
+      <a:lightRig rig="threePt" dir="t"/>
+    </dgm:scene3d>
+    <dgm:sp3d/>
+    <dgm:txPr/>
+    <dgm:style>
+      <a:lnRef idx="2">
+        <a:scrgbClr r="0" g="0" b="0"/>
+      </a:lnRef>
+      <a:fillRef idx="1">
+        <a:scrgbClr r="0" g="0" b="0"/>
+      </a:fillRef>
+      <a:effectRef idx="0">
+        <a:scrgbClr r="0" g="0" b="0"/>
+      </a:effectRef>
+      <a:fontRef idx="minor"/>
+    </dgm:style>
+  </dgm:styleLbl>
+  <dgm:styleLbl name="alignImgPlace1">
+    <dgm:scene3d>
+      <a:camera prst="orthographicFront"/>
+      <a:lightRig rig="threePt" dir="t"/>
+    </dgm:scene3d>
+    <dgm:sp3d/>
+    <dgm:txPr/>
+    <dgm:style>
+      <a:lnRef idx="2">
+        <a:scrgbClr r="0" g="0" b="0"/>
+      </a:lnRef>
+      <a:fillRef idx="1">
+        <a:scrgbClr r="0" g="0" b="0"/>
+      </a:fillRef>
+      <a:effectRef idx="0">
+        <a:scrgbClr r="0" g="0" b="0"/>
+      </a:effectRef>
+      <a:fontRef idx="minor"/>
+    </dgm:style>
+  </dgm:styleLbl>
+  <dgm:styleLbl name="bgImgPlace1">
+    <dgm:scene3d>
+      <a:camera prst="orthographicFront"/>
+      <a:lightRig rig="threePt" dir="t"/>
+    </dgm:scene3d>
+    <dgm:sp3d/>
+    <dgm:txPr/>
+    <dgm:style>
+      <a:lnRef idx="2">
+        <a:scrgbClr r="0" g="0" b="0"/>
+      </a:lnRef>
+      <a:fillRef idx="1">
+        <a:scrgbClr r="0" g="0" b="0"/>
+      </a:fillRef>
+      <a:effectRef idx="0">
+        <a:scrgbClr r="0" g="0" b="0"/>
+      </a:effectRef>
+      <a:fontRef idx="minor"/>
+    </dgm:style>
+  </dgm:styleLbl>
+  <dgm:styleLbl name="sibTrans2D1">
+    <dgm:scene3d>
+      <a:camera prst="orthographicFront"/>
+      <a:lightRig rig="threePt" dir="t"/>
+    </dgm:scene3d>
+    <dgm:sp3d/>
+    <dgm:txPr/>
+    <dgm:style>
+      <a:lnRef idx="0">
+        <a:scrgbClr r="0" g="0" b="0"/>
+      </a:lnRef>
+      <a:fillRef idx="1">
+        <a:scrgbClr r="0" g="0" b="0"/>
+      </a:fillRef>
+      <a:effectRef idx="0">
+        <a:scrgbClr r="0" g="0" b="0"/>
+      </a:effectRef>
+      <a:fontRef idx="minor">
+        <a:schemeClr val="lt1"/>
+      </a:fontRef>
+    </dgm:style>
+  </dgm:styleLbl>
+  <dgm:styleLbl name="fgSibTrans2D1">
+    <dgm:scene3d>
+      <a:camera prst="orthographicFront"/>
+      <a:lightRig rig="threePt" dir="t"/>
+    </dgm:scene3d>
+    <dgm:sp3d/>
+    <dgm:txPr/>
+    <dgm:style>
+      <a:lnRef idx="0">
+        <a:scrgbClr r="0" g="0" b="0"/>
+      </a:lnRef>
+      <a:fillRef idx="1">
+        <a:scrgbClr r="0" g="0" b="0"/>
+      </a:fillRef>
+      <a:effectRef idx="0">
+        <a:scrgbClr r="0" g="0" b="0"/>
+      </a:effectRef>
+      <a:fontRef idx="minor">
+        <a:schemeClr val="lt1"/>
+      </a:fontRef>
+    </dgm:style>
+  </dgm:styleLbl>
+  <dgm:styleLbl name="bgSibTrans2D1">
+    <dgm:scene3d>
+      <a:camera prst="orthographicFront"/>
+      <a:lightRig rig="threePt" dir="t"/>
+    </dgm:scene3d>
+    <dgm:sp3d/>
+    <dgm:txPr/>
+    <dgm:style>
+      <a:lnRef idx="0">
+        <a:scrgbClr r="0" g="0" b="0"/>
+      </a:lnRef>
+      <a:fillRef idx="1">
+        <a:scrgbClr r="0" g="0" b="0"/>
+      </a:fillRef>
+      <a:effectRef idx="0">
+        <a:scrgbClr r="0" g="0" b="0"/>
+      </a:effectRef>
+      <a:fontRef idx="minor">
+        <a:schemeClr val="lt1"/>
+      </a:fontRef>
+    </dgm:style>
+  </dgm:styleLbl>
+  <dgm:styleLbl name="sibTrans1D1">
+    <dgm:scene3d>
+      <a:camera prst="orthographicFront"/>
+      <a:lightRig rig="threePt" dir="t"/>
+    </dgm:scene3d>
+    <dgm:sp3d/>
+    <dgm:txPr/>
+    <dgm:style>
+      <a:lnRef idx="1">
+        <a:scrgbClr r="0" g="0" b="0"/>
+      </a:lnRef>
+      <a:fillRef idx="0">
+        <a:scrgbClr r="0" g="0" b="0"/>
+      </a:fillRef>
+      <a:effectRef idx="0">
+        <a:scrgbClr r="0" g="0" b="0"/>
+      </a:effectRef>
+      <a:fontRef idx="minor"/>
+    </dgm:style>
+  </dgm:styleLbl>
+  <dgm:styleLbl name="callout">
+    <dgm:scene3d>
+      <a:camera prst="orthographicFront"/>
+      <a:lightRig rig="threePt" dir="t"/>
+    </dgm:scene3d>
+    <dgm:sp3d/>
+    <dgm:txPr/>
+    <dgm:style>
+      <a:lnRef idx="2">
+        <a:scrgbClr r="0" g="0" b="0"/>
+      </a:lnRef>
+      <a:fillRef idx="1">
+        <a:scrgbClr r="0" g="0" b="0"/>
+      </a:fillRef>
+      <a:effectRef idx="0">
+        <a:scrgbClr r="0" g="0" b="0"/>
+      </a:effectRef>
+      <a:fontRef idx="minor"/>
+    </dgm:style>
+  </dgm:styleLbl>
+  <dgm:styleLbl name="asst0">
+    <dgm:scene3d>
+      <a:camera prst="orthographicFront"/>
+      <a:lightRig rig="threePt" dir="t"/>
+    </dgm:scene3d>
+    <dgm:sp3d/>
+    <dgm:txPr/>
+    <dgm:style>
+      <a:lnRef idx="2">
+        <a:scrgbClr r="0" g="0" b="0"/>
+      </a:lnRef>
+      <a:fillRef idx="1">
+        <a:scrgbClr r="0" g="0" b="0"/>
+      </a:fillRef>
+      <a:effectRef idx="0">
+        <a:scrgbClr r="0" g="0" b="0"/>
+      </a:effectRef>
+      <a:fontRef idx="minor">
+        <a:schemeClr val="lt1"/>
+      </a:fontRef>
+    </dgm:style>
+  </dgm:styleLbl>
+  <dgm:styleLbl name="asst1">
+    <dgm:scene3d>
+      <a:camera prst="orthographicFront"/>
+      <a:lightRig rig="threePt" dir="t"/>
+    </dgm:scene3d>
+    <dgm:sp3d/>
+    <dgm:txPr/>
+    <dgm:style>
+      <a:lnRef idx="2">
+        <a:scrgbClr r="0" g="0" b="0"/>
+      </a:lnRef>
+      <a:fillRef idx="1">
+        <a:scrgbClr r="0" g="0" b="0"/>
+      </a:fillRef>
+      <a:effectRef idx="0">
+        <a:scrgbClr r="0" g="0" b="0"/>
+      </a:effectRef>
+      <a:fontRef idx="minor">
+        <a:schemeClr val="lt1"/>
+      </a:fontRef>
+    </dgm:style>
+  </dgm:styleLbl>
+  <dgm:styleLbl name="asst2">
+    <dgm:scene3d>
+      <a:camera prst="orthographicFront"/>
+      <a:lightRig rig="threePt" dir="t"/>
+    </dgm:scene3d>
+    <dgm:sp3d/>
+    <dgm:txPr/>
+    <dgm:style>
+      <a:lnRef idx="2">
+        <a:scrgbClr r="0" g="0" b="0"/>
+      </a:lnRef>
+      <a:fillRef idx="1">
+        <a:scrgbClr r="0" g="0" b="0"/>
+      </a:fillRef>
+      <a:effectRef idx="0">
+        <a:scrgbClr r="0" g="0" b="0"/>
+      </a:effectRef>
+      <a:fontRef idx="minor">
+        <a:schemeClr val="lt1"/>
+      </a:fontRef>
+    </dgm:style>
+  </dgm:styleLbl>
+  <dgm:styleLbl name="asst3">
+    <dgm:scene3d>
+      <a:camera prst="orthographicFront"/>
+      <a:lightRig rig="threePt" dir="t"/>
+    </dgm:scene3d>
+    <dgm:sp3d/>
+    <dgm:txPr/>
+    <dgm:style>
+      <a:lnRef idx="2">
+        <a:scrgbClr r="0" g="0" b="0"/>
+      </a:lnRef>
+      <a:fillRef idx="1">
+        <a:scrgbClr r="0" g="0" b="0"/>
+      </a:fillRef>
+      <a:effectRef idx="0">
+        <a:scrgbClr r="0" g="0" b="0"/>
+      </a:effectRef>
+      <a:fontRef idx="minor">
+        <a:schemeClr val="lt1"/>
+      </a:fontRef>
+    </dgm:style>
+  </dgm:styleLbl>
+  <dgm:styleLbl name="asst4">
+    <dgm:scene3d>
+      <a:camera prst="orthographicFront"/>
+      <a:lightRig rig="threePt" dir="t"/>
+    </dgm:scene3d>
+    <dgm:sp3d/>
+    <dgm:txPr/>
+    <dgm:style>
+      <a:lnRef idx="2">
+        <a:scrgbClr r="0" g="0" b="0"/>
+      </a:lnRef>
+      <a:fillRef idx="1">
+        <a:scrgbClr r="0" g="0" b="0"/>
+      </a:fillRef>
+      <a:effectRef idx="0">
+        <a:scrgbClr r="0" g="0" b="0"/>
+      </a:effectRef>
+      <a:fontRef idx="minor">
+        <a:schemeClr val="lt1"/>
+      </a:fontRef>
+    </dgm:style>
+  </dgm:styleLbl>
+  <dgm:styleLbl name="parChTrans2D1">
+    <dgm:scene3d>
+      <a:camera prst="orthographicFront"/>
+      <a:lightRig rig="threePt" dir="t"/>
+    </dgm:scene3d>
+    <dgm:sp3d/>
+    <dgm:txPr/>
+    <dgm:style>
+      <a:lnRef idx="2">
+        <a:scrgbClr r="0" g="0" b="0"/>
+      </a:lnRef>
+      <a:fillRef idx="1">
+        <a:scrgbClr r="0" g="0" b="0"/>
+      </a:fillRef>
+      <a:effectRef idx="0">
+        <a:scrgbClr r="0" g="0" b="0"/>
+      </a:effectRef>
+      <a:fontRef idx="minor">
+        <a:schemeClr val="lt1"/>
+      </a:fontRef>
+    </dgm:style>
+  </dgm:styleLbl>
+  <dgm:styleLbl name="parChTrans2D2">
+    <dgm:scene3d>
+      <a:camera prst="orthographicFront"/>
+      <a:lightRig rig="threePt" dir="t"/>
+    </dgm:scene3d>
+    <dgm:sp3d/>
+    <dgm:txPr/>
+    <dgm:style>
+      <a:lnRef idx="2">
+        <a:scrgbClr r="0" g="0" b="0"/>
+      </a:lnRef>
+      <a:fillRef idx="1">
+        <a:scrgbClr r="0" g="0" b="0"/>
+      </a:fillRef>
+      <a:effectRef idx="0">
+        <a:scrgbClr r="0" g="0" b="0"/>
+      </a:effectRef>
+      <a:fontRef idx="minor">
+        <a:schemeClr val="lt1"/>
+      </a:fontRef>
+    </dgm:style>
+  </dgm:styleLbl>
+  <dgm:styleLbl name="parChTrans2D3">
+    <dgm:scene3d>
+      <a:camera prst="orthographicFront"/>
+      <a:lightRig rig="threePt" dir="t"/>
+    </dgm:scene3d>
+    <dgm:sp3d/>
+    <dgm:txPr/>
+    <dgm:style>
+      <a:lnRef idx="2">
+        <a:scrgbClr r="0" g="0" b="0"/>
+      </a:lnRef>
+      <a:fillRef idx="1">
+        <a:scrgbClr r="0" g="0" b="0"/>
+      </a:fillRef>
+      <a:effectRef idx="0">
+        <a:scrgbClr r="0" g="0" b="0"/>
+      </a:effectRef>
+      <a:fontRef idx="minor">
+        <a:schemeClr val="lt1"/>
+      </a:fontRef>
+    </dgm:style>
+  </dgm:styleLbl>
+  <dgm:styleLbl name="parChTrans2D4">
+    <dgm:scene3d>
+      <a:camera prst="orthographicFront"/>
+      <a:lightRig rig="threePt" dir="t"/>
+    </dgm:scene3d>
+    <dgm:sp3d/>
+    <dgm:txPr/>
+    <dgm:style>
+      <a:lnRef idx="2">
+        <a:scrgbClr r="0" g="0" b="0"/>
+      </a:lnRef>
+      <a:fillRef idx="1">
+        <a:scrgbClr r="0" g="0" b="0"/>
+      </a:fillRef>
+      <a:effectRef idx="0">
+        <a:scrgbClr r="0" g="0" b="0"/>
+      </a:effectRef>
+      <a:fontRef idx="minor">
+        <a:schemeClr val="lt1"/>
+      </a:fontRef>
+    </dgm:style>
+  </dgm:styleLbl>
+  <dgm:styleLbl name="parChTrans1D1">
+    <dgm:scene3d>
+      <a:camera prst="orthographicFront"/>
+      <a:lightRig rig="threePt" dir="t"/>
+    </dgm:scene3d>
+    <dgm:sp3d/>
+    <dgm:txPr/>
+    <dgm:style>
+      <a:lnRef idx="2">
+        <a:scrgbClr r="0" g="0" b="0"/>
+      </a:lnRef>
+      <a:fillRef idx="0">
+        <a:scrgbClr r="0" g="0" b="0"/>
+      </a:fillRef>
+      <a:effectRef idx="0">
+        <a:scrgbClr r="0" g="0" b="0"/>
+      </a:effectRef>
+      <a:fontRef idx="minor"/>
+    </dgm:style>
+  </dgm:styleLbl>
+  <dgm:styleLbl name="parChTrans1D2">
+    <dgm:scene3d>
+      <a:camera prst="orthographicFront"/>
+      <a:lightRig rig="threePt" dir="t"/>
+    </dgm:scene3d>
+    <dgm:sp3d/>
+    <dgm:txPr/>
+    <dgm:style>
+      <a:lnRef idx="2">
+        <a:scrgbClr r="0" g="0" b="0"/>
+      </a:lnRef>
+      <a:fillRef idx="0">
+        <a:scrgbClr r="0" g="0" b="0"/>
+      </a:fillRef>
+      <a:effectRef idx="0">
+        <a:scrgbClr r="0" g="0" b="0"/>
+      </a:effectRef>
+      <a:fontRef idx="minor"/>
+    </dgm:style>
+  </dgm:styleLbl>
+  <dgm:styleLbl name="parChTrans1D3">
+    <dgm:scene3d>
+      <a:camera prst="orthographicFront"/>
+      <a:lightRig rig="threePt" dir="t"/>
+    </dgm:scene3d>
+    <dgm:sp3d/>
+    <dgm:txPr/>
+    <dgm:style>
+      <a:lnRef idx="2">
+        <a:scrgbClr r="0" g="0" b="0"/>
+      </a:lnRef>
+      <a:fillRef idx="0">
+        <a:scrgbClr r="0" g="0" b="0"/>
+      </a:fillRef>
+      <a:effectRef idx="0">
+        <a:scrgbClr r="0" g="0" b="0"/>
+      </a:effectRef>
+      <a:fontRef idx="minor"/>
+    </dgm:style>
+  </dgm:styleLbl>
+  <dgm:styleLbl name="parChTrans1D4">
+    <dgm:scene3d>
+      <a:camera prst="orthographicFront"/>
+      <a:lightRig rig="threePt" dir="t"/>
+    </dgm:scene3d>
+    <dgm:sp3d/>
+    <dgm:txPr/>
+    <dgm:style>
+      <a:lnRef idx="2">
+        <a:scrgbClr r="0" g="0" b="0"/>
+      </a:lnRef>
+      <a:fillRef idx="0">
+        <a:scrgbClr r="0" g="0" b="0"/>
+      </a:fillRef>
+      <a:effectRef idx="0">
+        <a:scrgbClr r="0" g="0" b="0"/>
+      </a:effectRef>
+      <a:fontRef idx="minor"/>
+    </dgm:style>
+  </dgm:styleLbl>
+  <dgm:styleLbl name="fgAcc1">
+    <dgm:scene3d>
+      <a:camera prst="orthographicFront"/>
+      <a:lightRig rig="threePt" dir="t"/>
+    </dgm:scene3d>
+    <dgm:sp3d/>
+    <dgm:txPr/>
+    <dgm:style>
+      <a:lnRef idx="2">
+        <a:scrgbClr r="0" g="0" b="0"/>
+      </a:lnRef>
+      <a:fillRef idx="1">
+        <a:scrgbClr r="0" g="0" b="0"/>
+      </a:fillRef>
+      <a:effectRef idx="0">
+        <a:scrgbClr r="0" g="0" b="0"/>
+      </a:effectRef>
+      <a:fontRef idx="minor"/>
+    </dgm:style>
+  </dgm:styleLbl>
+  <dgm:styleLbl name="conFgAcc1">
+    <dgm:scene3d>
+      <a:camera prst="orthographicFront"/>
+      <a:lightRig rig="threePt" dir="t"/>
+    </dgm:scene3d>
+    <dgm:sp3d/>
+    <dgm:txPr/>
+    <dgm:style>
+      <a:lnRef idx="2">
+        <a:scrgbClr r="0" g="0" b="0"/>
+      </a:lnRef>
+      <a:fillRef idx="1">
+        <a:scrgbClr r="0" g="0" b="0"/>
+      </a:fillRef>
+      <a:effectRef idx="0">
+        <a:scrgbClr r="0" g="0" b="0"/>
+      </a:effectRef>
+      <a:fontRef idx="minor"/>
+    </dgm:style>
+  </dgm:styleLbl>
+  <dgm:styleLbl name="alignAcc1">
+    <dgm:scene3d>
+      <a:camera prst="orthographicFront"/>
+      <a:lightRig rig="threePt" dir="t"/>
+    </dgm:scene3d>
+    <dgm:sp3d/>
+    <dgm:txPr/>
+    <dgm:style>
+      <a:lnRef idx="2">
+        <a:scrgbClr r="0" g="0" b="0"/>
+      </a:lnRef>
+      <a:fillRef idx="1">
+        <a:scrgbClr r="0" g="0" b="0"/>
+      </a:fillRef>
+      <a:effectRef idx="0">
+        <a:scrgbClr r="0" g="0" b="0"/>
+      </a:effectRef>
+      <a:fontRef idx="minor"/>
+    </dgm:style>
+  </dgm:styleLbl>
+  <dgm:styleLbl name="trAlignAcc1">
+    <dgm:scene3d>
+      <a:camera prst="orthographicFront"/>
+      <a:lightRig rig="threePt" dir="t"/>
+    </dgm:scene3d>
+    <dgm:sp3d/>
+    <dgm:txPr/>
+    <dgm:style>
+      <a:lnRef idx="1">
+        <a:scrgbClr r="0" g="0" b="0"/>
+      </a:lnRef>
+      <a:fillRef idx="1">
+        <a:scrgbClr r="0" g="0" b="0"/>
+      </a:fillRef>
+      <a:effectRef idx="0">
+        <a:scrgbClr r="0" g="0" b="0"/>
+      </a:effectRef>
+      <a:fontRef idx="minor"/>
+    </dgm:style>
+  </dgm:styleLbl>
+  <dgm:styleLbl name="bgAcc1">
+    <dgm:scene3d>
+      <a:camera prst="orthographicFront"/>
+      <a:lightRig rig="threePt" dir="t"/>
+    </dgm:scene3d>
+    <dgm:sp3d/>
+    <dgm:txPr/>
+    <dgm:style>
+      <a:lnRef idx="2">
+        <a:scrgbClr r="0" g="0" b="0"/>
+      </a:lnRef>
+      <a:fillRef idx="1">
+        <a:scrgbClr r="0" g="0" b="0"/>
+      </a:fillRef>
+      <a:effectRef idx="0">
+        <a:scrgbClr r="0" g="0" b="0"/>
+      </a:effectRef>
+      <a:fontRef idx="minor"/>
+    </dgm:style>
+  </dgm:styleLbl>
+  <dgm:styleLbl name="solidFgAcc1">
+    <dgm:scene3d>
+      <a:camera prst="orthographicFront"/>
+      <a:lightRig rig="threePt" dir="t"/>
+    </dgm:scene3d>
+    <dgm:sp3d/>
+    <dgm:txPr/>
+    <dgm:style>
+      <a:lnRef idx="2">
+        <a:scrgbClr r="0" g="0" b="0"/>
+      </a:lnRef>
+      <a:fillRef idx="1">
+        <a:scrgbClr r="0" g="0" b="0"/>
+      </a:fillRef>
+      <a:effectRef idx="0">
+        <a:scrgbClr r="0" g="0" b="0"/>
+      </a:effectRef>
+      <a:fontRef idx="minor"/>
+    </dgm:style>
+  </dgm:styleLbl>
+  <dgm:styleLbl name="solidAlignAcc1">
+    <dgm:scene3d>
+      <a:camera prst="orthographicFront"/>
+      <a:lightRig rig="threePt" dir="t"/>
+    </dgm:scene3d>
+    <dgm:sp3d/>
+    <dgm:txPr/>
+    <dgm:style>
+      <a:lnRef idx="2">
+        <a:scrgbClr r="0" g="0" b="0"/>
+      </a:lnRef>
+      <a:fillRef idx="1">
+        <a:scrgbClr r="0" g="0" b="0"/>
+      </a:fillRef>
+      <a:effectRef idx="0">
+        <a:scrgbClr r="0" g="0" b="0"/>
+      </a:effectRef>
+      <a:fontRef idx="minor"/>
+    </dgm:style>
+  </dgm:styleLbl>
+  <dgm:styleLbl name="solidBgAcc1">
+    <dgm:scene3d>
+      <a:camera prst="orthographicFront"/>
+      <a:lightRig rig="threePt" dir="t"/>
+    </dgm:scene3d>
+    <dgm:sp3d/>
+    <dgm:txPr/>
+    <dgm:style>
+      <a:lnRef idx="2">
+        <a:scrgbClr r="0" g="0" b="0"/>
+      </a:lnRef>
+      <a:fillRef idx="1">
+        <a:scrgbClr r="0" g="0" b="0"/>
+      </a:fillRef>
+      <a:effectRef idx="0">
+        <a:scrgbClr r="0" g="0" b="0"/>
+      </a:effectRef>
+      <a:fontRef idx="minor"/>
+    </dgm:style>
+  </dgm:styleLbl>
+  <dgm:styleLbl name="fgAccFollowNode1">
+    <dgm:scene3d>
+      <a:camera prst="orthographicFront"/>
+      <a:lightRig rig="threePt" dir="t"/>
+    </dgm:scene3d>
+    <dgm:sp3d/>
+    <dgm:txPr/>
+    <dgm:style>
+      <a:lnRef idx="2">
+        <a:scrgbClr r="0" g="0" b="0"/>
+      </a:lnRef>
+      <a:fillRef idx="1">
+        <a:scrgbClr r="0" g="0" b="0"/>
+      </a:fillRef>
+      <a:effectRef idx="0">
+        <a:scrgbClr r="0" g="0" b="0"/>
+      </a:effectRef>
+      <a:fontRef idx="minor"/>
+    </dgm:style>
+  </dgm:styleLbl>
+  <dgm:styleLbl name="alignAccFollowNode1">
+    <dgm:scene3d>
+      <a:camera prst="orthographicFront"/>
+      <a:lightRig rig="threePt" dir="t"/>
+    </dgm:scene3d>
+    <dgm:sp3d/>
+    <dgm:txPr/>
+    <dgm:style>
+      <a:lnRef idx="2">
+        <a:scrgbClr r="0" g="0" b="0"/>
+      </a:lnRef>
+      <a:fillRef idx="1">
+        <a:scrgbClr r="0" g="0" b="0"/>
+      </a:fillRef>
+      <a:effectRef idx="0">
+        <a:scrgbClr r="0" g="0" b="0"/>
+      </a:effectRef>
+      <a:fontRef idx="minor"/>
+    </dgm:style>
+  </dgm:styleLbl>
+  <dgm:styleLbl name="bgAccFollowNode1">
+    <dgm:scene3d>
+      <a:camera prst="orthographicFront"/>
+      <a:lightRig rig="threePt" dir="t"/>
+    </dgm:scene3d>
+    <dgm:sp3d/>
+    <dgm:txPr/>
+    <dgm:style>
+      <a:lnRef idx="2">
+        <a:scrgbClr r="0" g="0" b="0"/>
+      </a:lnRef>
+      <a:fillRef idx="1">
+        <a:scrgbClr r="0" g="0" b="0"/>
+      </a:fillRef>
+      <a:effectRef idx="0">
+        <a:scrgbClr r="0" g="0" b="0"/>
+      </a:effectRef>
+      <a:fontRef idx="minor"/>
+    </dgm:style>
+  </dgm:styleLbl>
+  <dgm:styleLbl name="fgAcc0">
+    <dgm:scene3d>
+      <a:camera prst="orthographicFront"/>
+      <a:lightRig rig="threePt" dir="t"/>
+    </dgm:scene3d>
+    <dgm:sp3d/>
+    <dgm:txPr/>
+    <dgm:style>
+      <a:lnRef idx="2">
+        <a:scrgbClr r="0" g="0" b="0"/>
+      </a:lnRef>
+      <a:fillRef idx="1">
+        <a:scrgbClr r="0" g="0" b="0"/>
+      </a:fillRef>
+      <a:effectRef idx="0">
+        <a:scrgbClr r="0" g="0" b="0"/>
+      </a:effectRef>
+      <a:fontRef idx="minor"/>
+    </dgm:style>
+  </dgm:styleLbl>
+  <dgm:styleLbl name="fgAcc2">
+    <dgm:scene3d>
+      <a:camera prst="orthographicFront"/>
+      <a:lightRig rig="threePt" dir="t"/>
+    </dgm:scene3d>
+    <dgm:sp3d/>
+    <dgm:txPr/>
+    <dgm:style>
+      <a:lnRef idx="2">
+        <a:scrgbClr r="0" g="0" b="0"/>
+      </a:lnRef>
+      <a:fillRef idx="1">
+        <a:scrgbClr r="0" g="0" b="0"/>
+      </a:fillRef>
+      <a:effectRef idx="0">
+        <a:scrgbClr r="0" g="0" b="0"/>
+      </a:effectRef>
+      <a:fontRef idx="minor"/>
+    </dgm:style>
+  </dgm:styleLbl>
+  <dgm:styleLbl name="fgAcc3">
+    <dgm:scene3d>
+      <a:camera prst="orthographicFront"/>
+      <a:lightRig rig="threePt" dir="t"/>
+    </dgm:scene3d>
+    <dgm:sp3d/>
+    <dgm:txPr/>
+    <dgm:style>
+      <a:lnRef idx="2">
+        <a:scrgbClr r="0" g="0" b="0"/>
+      </a:lnRef>
+      <a:fillRef idx="1">
+        <a:scrgbClr r="0" g="0" b="0"/>
+      </a:fillRef>
+      <a:effectRef idx="0">
+        <a:scrgbClr r="0" g="0" b="0"/>
+      </a:effectRef>
+      <a:fontRef idx="minor"/>
+    </dgm:style>
+  </dgm:styleLbl>
+  <dgm:styleLbl name="fgAcc4">
+    <dgm:scene3d>
+      <a:camera prst="orthographicFront"/>
+      <a:lightRig rig="threePt" dir="t"/>
+    </dgm:scene3d>
+    <dgm:sp3d/>
+    <dgm:txPr/>
+    <dgm:style>
+      <a:lnRef idx="2">
+        <a:scrgbClr r="0" g="0" b="0"/>
+      </a:lnRef>
+      <a:fillRef idx="1">
+        <a:scrgbClr r="0" g="0" b="0"/>
+      </a:fillRef>
+      <a:effectRef idx="0">
+        <a:scrgbClr r="0" g="0" b="0"/>
+      </a:effectRef>
+      <a:fontRef idx="minor"/>
+    </dgm:style>
+  </dgm:styleLbl>
+  <dgm:styleLbl name="bgShp">
+    <dgm:scene3d>
+      <a:camera prst="orthographicFront"/>
+      <a:lightRig rig="threePt" dir="t"/>
+    </dgm:scene3d>
+    <dgm:sp3d/>
+    <dgm:txPr/>
+    <dgm:style>
+      <a:lnRef idx="0">
+        <a:scrgbClr r="0" g="0" b="0"/>
+      </a:lnRef>
+      <a:fillRef idx="1">
+        <a:scrgbClr r="0" g="0" b="0"/>
+      </a:fillRef>
+      <a:effectRef idx="0">
+        <a:scrgbClr r="0" g="0" b="0"/>
+      </a:effectRef>
+      <a:fontRef idx="minor"/>
+    </dgm:style>
+  </dgm:styleLbl>
+  <dgm:styleLbl name="dkBgShp">
+    <dgm:scene3d>
+      <a:camera prst="orthographicFront"/>
+      <a:lightRig rig="threePt" dir="t"/>
+    </dgm:scene3d>
+    <dgm:sp3d/>
+    <dgm:txPr/>
+    <dgm:style>
+      <a:lnRef idx="0">
+        <a:scrgbClr r="0" g="0" b="0"/>
+      </a:lnRef>
+      <a:fillRef idx="1">
+        <a:scrgbClr r="0" g="0" b="0"/>
+      </a:fillRef>
+      <a:effectRef idx="0">
+        <a:scrgbClr r="0" g="0" b="0"/>
+      </a:effectRef>
+      <a:fontRef idx="minor"/>
+    </dgm:style>
+  </dgm:styleLbl>
+  <dgm:styleLbl name="trBgShp">
+    <dgm:scene3d>
+      <a:camera prst="orthographicFront"/>
+      <a:lightRig rig="threePt" dir="t"/>
+    </dgm:scene3d>
+    <dgm:sp3d/>
+    <dgm:txPr/>
+    <dgm:style>
+      <a:lnRef idx="0">
+        <a:scrgbClr r="0" g="0" b="0"/>
+      </a:lnRef>
+      <a:fillRef idx="1">
+        <a:scrgbClr r="0" g="0" b="0"/>
+      </a:fillRef>
+      <a:effectRef idx="0">
+        <a:scrgbClr r="0" g="0" b="0"/>
+      </a:effectRef>
+      <a:fontRef idx="minor"/>
+    </dgm:style>
+  </dgm:styleLbl>
+  <dgm:styleLbl name="fgShp">
+    <dgm:scene3d>
+      <a:camera prst="orthographicFront"/>
+      <a:lightRig rig="threePt" dir="t"/>
+    </dgm:scene3d>
+    <dgm:sp3d/>
+    <dgm:txPr/>
+    <dgm:style>
+      <a:lnRef idx="2">
+        <a:scrgbClr r="0" g="0" b="0"/>
+      </a:lnRef>
+      <a:fillRef idx="1">
+        <a:scrgbClr r="0" g="0" b="0"/>
+      </a:fillRef>
+      <a:effectRef idx="0">
+        <a:scrgbClr r="0" g="0" b="0"/>
+      </a:effectRef>
+      <a:fontRef idx="minor"/>
+    </dgm:style>
+  </dgm:styleLbl>
+  <dgm:styleLbl name="revTx">
+    <dgm:scene3d>
+      <a:camera prst="orthographicFront"/>
+      <a:lightRig rig="threePt" dir="t"/>
+    </dgm:scene3d>
+    <dgm:sp3d/>
+    <dgm:txPr/>
+    <dgm:style>
+      <a:lnRef idx="0">
+        <a:scrgbClr r="0" g="0" b="0"/>
+      </a:lnRef>
+      <a:fillRef idx="0">
+        <a:scrgbClr r="0" g="0" b="0"/>
+      </a:fillRef>
+      <a:effectRef idx="0">
+        <a:scrgbClr r="0" g="0" b="0"/>
+      </a:effectRef>
+      <a:fontRef idx="minor"/>
+    </dgm:style>
+  </dgm:styleLbl>
+</dgm:styleDef>
+</file>
+
+<file path=ppt/diagrams/quickStyle2.xml><?xml version="1.0" encoding="utf-8"?>
+<dgm:styleDef xmlns:dgm="http://schemas.openxmlformats.org/drawingml/2006/diagram" xmlns:a="http://schemas.openxmlformats.org/drawingml/2006/main" uniqueId="urn:microsoft.com/office/officeart/2005/8/quickstyle/simple1">
+  <dgm:title val=""/>
+  <dgm:desc val=""/>
+  <dgm:catLst>
+    <dgm:cat type="simple" pri="10100"/>
+  </dgm:catLst>
+  <dgm:scene3d>
+    <a:camera prst="orthographicFront"/>
+    <a:lightRig rig="threePt" dir="t"/>
+  </dgm:scene3d>
+  <dgm:styleLbl name="node0">
+    <dgm:scene3d>
+      <a:camera prst="orthographicFront"/>
+      <a:lightRig rig="threePt" dir="t"/>
+    </dgm:scene3d>
+    <dgm:sp3d/>
+    <dgm:txPr/>
+    <dgm:style>
+      <a:lnRef idx="2">
+        <a:scrgbClr r="0" g="0" b="0"/>
+      </a:lnRef>
+      <a:fillRef idx="1">
+        <a:scrgbClr r="0" g="0" b="0"/>
+      </a:fillRef>
+      <a:effectRef idx="0">
+        <a:scrgbClr r="0" g="0" b="0"/>
+      </a:effectRef>
+      <a:fontRef idx="minor">
+        <a:schemeClr val="lt1"/>
+      </a:fontRef>
+    </dgm:style>
+  </dgm:styleLbl>
+  <dgm:styleLbl name="lnNode1">
+    <dgm:scene3d>
+      <a:camera prst="orthographicFront"/>
+      <a:lightRig rig="threePt" dir="t"/>
+    </dgm:scene3d>
+    <dgm:sp3d/>
+    <dgm:txPr/>
+    <dgm:style>
+      <a:lnRef idx="2">
+        <a:scrgbClr r="0" g="0" b="0"/>
+      </a:lnRef>
+      <a:fillRef idx="1">
+        <a:scrgbClr r="0" g="0" b="0"/>
+      </a:fillRef>
+      <a:effectRef idx="0">
+        <a:scrgbClr r="0" g="0" b="0"/>
+      </a:effectRef>
+      <a:fontRef idx="minor">
+        <a:schemeClr val="lt1"/>
+      </a:fontRef>
+    </dgm:style>
+  </dgm:styleLbl>
+  <dgm:styleLbl name="vennNode1">
+    <dgm:scene3d>
+      <a:camera prst="orthographicFront"/>
+      <a:lightRig rig="threePt" dir="t"/>
+    </dgm:scene3d>
+    <dgm:sp3d/>
+    <dgm:txPr/>
+    <dgm:style>
+      <a:lnRef idx="2">
+        <a:scrgbClr r="0" g="0" b="0"/>
+      </a:lnRef>
+      <a:fillRef idx="1">
+        <a:scrgbClr r="0" g="0" b="0"/>
+      </a:fillRef>
+      <a:effectRef idx="0">
+        <a:scrgbClr r="0" g="0" b="0"/>
+      </a:effectRef>
+      <a:fontRef idx="minor">
+        <a:schemeClr val="tx1"/>
+      </a:fontRef>
+    </dgm:style>
+  </dgm:styleLbl>
+  <dgm:styleLbl name="alignNode1">
+    <dgm:scene3d>
+      <a:camera prst="orthographicFront"/>
+      <a:lightRig rig="threePt" dir="t"/>
+    </dgm:scene3d>
+    <dgm:sp3d/>
+    <dgm:txPr/>
+    <dgm:style>
+      <a:lnRef idx="2">
+        <a:scrgbClr r="0" g="0" b="0"/>
+      </a:lnRef>
+      <a:fillRef idx="1">
+        <a:scrgbClr r="0" g="0" b="0"/>
+      </a:fillRef>
+      <a:effectRef idx="0">
+        <a:scrgbClr r="0" g="0" b="0"/>
+      </a:effectRef>
+      <a:fontRef idx="minor">
+        <a:schemeClr val="lt1"/>
+      </a:fontRef>
+    </dgm:style>
+  </dgm:styleLbl>
+  <dgm:styleLbl name="node1">
+    <dgm:scene3d>
+      <a:camera prst="orthographicFront"/>
+      <a:lightRig rig="threePt" dir="t"/>
+    </dgm:scene3d>
+    <dgm:sp3d/>
+    <dgm:txPr/>
+    <dgm:style>
+      <a:lnRef idx="2">
+        <a:scrgbClr r="0" g="0" b="0"/>
+      </a:lnRef>
+      <a:fillRef idx="1">
+        <a:scrgbClr r="0" g="0" b="0"/>
+      </a:fillRef>
+      <a:effectRef idx="0">
+        <a:scrgbClr r="0" g="0" b="0"/>
+      </a:effectRef>
+      <a:fontRef idx="minor">
+        <a:schemeClr val="lt1"/>
+      </a:fontRef>
+    </dgm:style>
+  </dgm:styleLbl>
+  <dgm:styleLbl name="node2">
+    <dgm:scene3d>
+      <a:camera prst="orthographicFront"/>
+      <a:lightRig rig="threePt" dir="t"/>
+    </dgm:scene3d>
+    <dgm:sp3d/>
+    <dgm:txPr/>
+    <dgm:style>
+      <a:lnRef idx="2">
+        <a:scrgbClr r="0" g="0" b="0"/>
+      </a:lnRef>
+      <a:fillRef idx="1">
+        <a:scrgbClr r="0" g="0" b="0"/>
+      </a:fillRef>
+      <a:effectRef idx="0">
+        <a:scrgbClr r="0" g="0" b="0"/>
+      </a:effectRef>
+      <a:fontRef idx="minor">
+        <a:schemeClr val="lt1"/>
+      </a:fontRef>
+    </dgm:style>
+  </dgm:styleLbl>
+  <dgm:styleLbl name="node3">
+    <dgm:scene3d>
+      <a:camera prst="orthographicFront"/>
+      <a:lightRig rig="threePt" dir="t"/>
+    </dgm:scene3d>
+    <dgm:sp3d/>
+    <dgm:txPr/>
+    <dgm:style>
+      <a:lnRef idx="2">
+        <a:scrgbClr r="0" g="0" b="0"/>
+      </a:lnRef>
+      <a:fillRef idx="1">
+        <a:scrgbClr r="0" g="0" b="0"/>
+      </a:fillRef>
+      <a:effectRef idx="0">
+        <a:scrgbClr r="0" g="0" b="0"/>
+      </a:effectRef>
+      <a:fontRef idx="minor">
+        <a:schemeClr val="lt1"/>
+      </a:fontRef>
+    </dgm:style>
+  </dgm:styleLbl>
+  <dgm:styleLbl name="node4">
+    <dgm:scene3d>
+      <a:camera prst="orthographicFront"/>
+      <a:lightRig rig="threePt" dir="t"/>
+    </dgm:scene3d>
+    <dgm:sp3d/>
+    <dgm:txPr/>
+    <dgm:style>
+      <a:lnRef idx="2">
+        <a:scrgbClr r="0" g="0" b="0"/>
+      </a:lnRef>
+      <a:fillRef idx="1">
+        <a:scrgbClr r="0" g="0" b="0"/>
+      </a:fillRef>
+      <a:effectRef idx="0">
+        <a:scrgbClr r="0" g="0" b="0"/>
+      </a:effectRef>
+      <a:fontRef idx="minor">
+        <a:schemeClr val="lt1"/>
+      </a:fontRef>
+    </dgm:style>
+  </dgm:styleLbl>
+  <dgm:styleLbl name="fgImgPlace1">
+    <dgm:scene3d>
+      <a:camera prst="orthographicFront"/>
+      <a:lightRig rig="threePt" dir="t"/>
+    </dgm:scene3d>
+    <dgm:sp3d/>
+    <dgm:txPr/>
+    <dgm:style>
+      <a:lnRef idx="2">
+        <a:scrgbClr r="0" g="0" b="0"/>
+      </a:lnRef>
+      <a:fillRef idx="1">
+        <a:scrgbClr r="0" g="0" b="0"/>
+      </a:fillRef>
+      <a:effectRef idx="0">
+        <a:scrgbClr r="0" g="0" b="0"/>
+      </a:effectRef>
+      <a:fontRef idx="minor"/>
+    </dgm:style>
+  </dgm:styleLbl>
+  <dgm:styleLbl name="alignImgPlace1">
+    <dgm:scene3d>
+      <a:camera prst="orthographicFront"/>
+      <a:lightRig rig="threePt" dir="t"/>
+    </dgm:scene3d>
+    <dgm:sp3d/>
+    <dgm:txPr/>
+    <dgm:style>
+      <a:lnRef idx="2">
+        <a:scrgbClr r="0" g="0" b="0"/>
+      </a:lnRef>
+      <a:fillRef idx="1">
+        <a:scrgbClr r="0" g="0" b="0"/>
+      </a:fillRef>
+      <a:effectRef idx="0">
+        <a:scrgbClr r="0" g="0" b="0"/>
+      </a:effectRef>
+      <a:fontRef idx="minor"/>
+    </dgm:style>
+  </dgm:styleLbl>
+  <dgm:styleLbl name="bgImgPlace1">
+    <dgm:scene3d>
+      <a:camera prst="orthographicFront"/>
+      <a:lightRig rig="threePt" dir="t"/>
+    </dgm:scene3d>
+    <dgm:sp3d/>
+    <dgm:txPr/>
+    <dgm:style>
+      <a:lnRef idx="2">
+        <a:scrgbClr r="0" g="0" b="0"/>
+      </a:lnRef>
+      <a:fillRef idx="1">
+        <a:scrgbClr r="0" g="0" b="0"/>
+      </a:fillRef>
+      <a:effectRef idx="0">
+        <a:scrgbClr r="0" g="0" b="0"/>
+      </a:effectRef>
+      <a:fontRef idx="minor"/>
+    </dgm:style>
+  </dgm:styleLbl>
+  <dgm:styleLbl name="sibTrans2D1">
+    <dgm:scene3d>
+      <a:camera prst="orthographicFront"/>
+      <a:lightRig rig="threePt" dir="t"/>
+    </dgm:scene3d>
+    <dgm:sp3d/>
+    <dgm:txPr/>
+    <dgm:style>
+      <a:lnRef idx="0">
+        <a:scrgbClr r="0" g="0" b="0"/>
+      </a:lnRef>
+      <a:fillRef idx="1">
+        <a:scrgbClr r="0" g="0" b="0"/>
+      </a:fillRef>
+      <a:effectRef idx="0">
+        <a:scrgbClr r="0" g="0" b="0"/>
+      </a:effectRef>
+      <a:fontRef idx="minor">
+        <a:schemeClr val="lt1"/>
+      </a:fontRef>
+    </dgm:style>
+  </dgm:styleLbl>
+  <dgm:styleLbl name="fgSibTrans2D1">
+    <dgm:scene3d>
+      <a:camera prst="orthographicFront"/>
+      <a:lightRig rig="threePt" dir="t"/>
+    </dgm:scene3d>
+    <dgm:sp3d/>
+    <dgm:txPr/>
+    <dgm:style>
+      <a:lnRef idx="0">
+        <a:scrgbClr r="0" g="0" b="0"/>
+      </a:lnRef>
+      <a:fillRef idx="1">
+        <a:scrgbClr r="0" g="0" b="0"/>
+      </a:fillRef>
+      <a:effectRef idx="0">
+        <a:scrgbClr r="0" g="0" b="0"/>
+      </a:effectRef>
+      <a:fontRef idx="minor">
+        <a:schemeClr val="lt1"/>
+      </a:fontRef>
+    </dgm:style>
+  </dgm:styleLbl>
+  <dgm:styleLbl name="bgSibTrans2D1">
+    <dgm:scene3d>
+      <a:camera prst="orthographicFront"/>
+      <a:lightRig rig="threePt" dir="t"/>
+    </dgm:scene3d>
+    <dgm:sp3d/>
+    <dgm:txPr/>
+    <dgm:style>
+      <a:lnRef idx="0">
+        <a:scrgbClr r="0" g="0" b="0"/>
+      </a:lnRef>
+      <a:fillRef idx="1">
+        <a:scrgbClr r="0" g="0" b="0"/>
+      </a:fillRef>
+      <a:effectRef idx="0">
+        <a:scrgbClr r="0" g="0" b="0"/>
+      </a:effectRef>
+      <a:fontRef idx="minor">
+        <a:schemeClr val="lt1"/>
+      </a:fontRef>
+    </dgm:style>
+  </dgm:styleLbl>
+  <dgm:styleLbl name="sibTrans1D1">
+    <dgm:scene3d>
+      <a:camera prst="orthographicFront"/>
+      <a:lightRig rig="threePt" dir="t"/>
+    </dgm:scene3d>
+    <dgm:sp3d/>
+    <dgm:txPr/>
+    <dgm:style>
+      <a:lnRef idx="1">
+        <a:scrgbClr r="0" g="0" b="0"/>
+      </a:lnRef>
+      <a:fillRef idx="0">
+        <a:scrgbClr r="0" g="0" b="0"/>
+      </a:fillRef>
+      <a:effectRef idx="0">
+        <a:scrgbClr r="0" g="0" b="0"/>
+      </a:effectRef>
+      <a:fontRef idx="minor"/>
+    </dgm:style>
+  </dgm:styleLbl>
+  <dgm:styleLbl name="callout">
+    <dgm:scene3d>
+      <a:camera prst="orthographicFront"/>
+      <a:lightRig rig="threePt" dir="t"/>
+    </dgm:scene3d>
+    <dgm:sp3d/>
+    <dgm:txPr/>
+    <dgm:style>
+      <a:lnRef idx="2">
+        <a:scrgbClr r="0" g="0" b="0"/>
+      </a:lnRef>
+      <a:fillRef idx="1">
+        <a:scrgbClr r="0" g="0" b="0"/>
+      </a:fillRef>
+      <a:effectRef idx="0">
+        <a:scrgbClr r="0" g="0" b="0"/>
+      </a:effectRef>
+      <a:fontRef idx="minor"/>
+    </dgm:style>
+  </dgm:styleLbl>
+  <dgm:styleLbl name="asst0">
+    <dgm:scene3d>
+      <a:camera prst="orthographicFront"/>
+      <a:lightRig rig="threePt" dir="t"/>
+    </dgm:scene3d>
+    <dgm:sp3d/>
+    <dgm:txPr/>
+    <dgm:style>
+      <a:lnRef idx="2">
+        <a:scrgbClr r="0" g="0" b="0"/>
+      </a:lnRef>
+      <a:fillRef idx="1">
+        <a:scrgbClr r="0" g="0" b="0"/>
+      </a:fillRef>
+      <a:effectRef idx="0">
+        <a:scrgbClr r="0" g="0" b="0"/>
+      </a:effectRef>
+      <a:fontRef idx="minor">
+        <a:schemeClr val="lt1"/>
+      </a:fontRef>
+    </dgm:style>
+  </dgm:styleLbl>
+  <dgm:styleLbl name="asst1">
+    <dgm:scene3d>
+      <a:camera prst="orthographicFront"/>
+      <a:lightRig rig="threePt" dir="t"/>
+    </dgm:scene3d>
+    <dgm:sp3d/>
+    <dgm:txPr/>
+    <dgm:style>
+      <a:lnRef idx="2">
+        <a:scrgbClr r="0" g="0" b="0"/>
+      </a:lnRef>
+      <a:fillRef idx="1">
+        <a:scrgbClr r="0" g="0" b="0"/>
+      </a:fillRef>
+      <a:effectRef idx="0">
+        <a:scrgbClr r="0" g="0" b="0"/>
+      </a:effectRef>
+      <a:fontRef idx="minor">
+        <a:schemeClr val="lt1"/>
+      </a:fontRef>
+    </dgm:style>
+  </dgm:styleLbl>
+  <dgm:styleLbl name="asst2">
+    <dgm:scene3d>
+      <a:camera prst="orthographicFront"/>
+      <a:lightRig rig="threePt" dir="t"/>
+    </dgm:scene3d>
+    <dgm:sp3d/>
+    <dgm:txPr/>
+    <dgm:style>
+      <a:lnRef idx="2">
+        <a:scrgbClr r="0" g="0" b="0"/>
+      </a:lnRef>
+      <a:fillRef idx="1">
+        <a:scrgbClr r="0" g="0" b="0"/>
+      </a:fillRef>
+      <a:effectRef idx="0">
+        <a:scrgbClr r="0" g="0" b="0"/>
+      </a:effectRef>
+      <a:fontRef idx="minor">
+        <a:schemeClr val="lt1"/>
+      </a:fontRef>
+    </dgm:style>
+  </dgm:styleLbl>
+  <dgm:styleLbl name="asst3">
+    <dgm:scene3d>
+      <a:camera prst="orthographicFront"/>
+      <a:lightRig rig="threePt" dir="t"/>
+    </dgm:scene3d>
+    <dgm:sp3d/>
+    <dgm:txPr/>
+    <dgm:style>
+      <a:lnRef idx="2">
+        <a:scrgbClr r="0" g="0" b="0"/>
+      </a:lnRef>
+      <a:fillRef idx="1">
+        <a:scrgbClr r="0" g="0" b="0"/>
+      </a:fillRef>
+      <a:effectRef idx="0">
+        <a:scrgbClr r="0" g="0" b="0"/>
+      </a:effectRef>
+      <a:fontRef idx="minor">
+        <a:schemeClr val="lt1"/>
+      </a:fontRef>
+    </dgm:style>
+  </dgm:styleLbl>
+  <dgm:styleLbl name="asst4">
+    <dgm:scene3d>
+      <a:camera prst="orthographicFront"/>
+      <a:lightRig rig="threePt" dir="t"/>
+    </dgm:scene3d>
+    <dgm:sp3d/>
+    <dgm:txPr/>
+    <dgm:style>
+      <a:lnRef idx="2">
+        <a:scrgbClr r="0" g="0" b="0"/>
+      </a:lnRef>
+      <a:fillRef idx="1">
+        <a:scrgbClr r="0" g="0" b="0"/>
+      </a:fillRef>
+      <a:effectRef idx="0">
+        <a:scrgbClr r="0" g="0" b="0"/>
+      </a:effectRef>
+      <a:fontRef idx="minor">
+        <a:schemeClr val="lt1"/>
+      </a:fontRef>
+    </dgm:style>
+  </dgm:styleLbl>
+  <dgm:styleLbl name="parChTrans2D1">
+    <dgm:scene3d>
+      <a:camera prst="orthographicFront"/>
+      <a:lightRig rig="threePt" dir="t"/>
+    </dgm:scene3d>
+    <dgm:sp3d/>
+    <dgm:txPr/>
+    <dgm:style>
+      <a:lnRef idx="2">
+        <a:scrgbClr r="0" g="0" b="0"/>
+      </a:lnRef>
+      <a:fillRef idx="1">
+        <a:scrgbClr r="0" g="0" b="0"/>
+      </a:fillRef>
+      <a:effectRef idx="0">
+        <a:scrgbClr r="0" g="0" b="0"/>
+      </a:effectRef>
+      <a:fontRef idx="minor">
+        <a:schemeClr val="lt1"/>
+      </a:fontRef>
+    </dgm:style>
+  </dgm:styleLbl>
+  <dgm:styleLbl name="parChTrans2D2">
+    <dgm:scene3d>
+      <a:camera prst="orthographicFront"/>
+      <a:lightRig rig="threePt" dir="t"/>
+    </dgm:scene3d>
+    <dgm:sp3d/>
+    <dgm:txPr/>
+    <dgm:style>
+      <a:lnRef idx="2">
+        <a:scrgbClr r="0" g="0" b="0"/>
+      </a:lnRef>
+      <a:fillRef idx="1">
+        <a:scrgbClr r="0" g="0" b="0"/>
+      </a:fillRef>
+      <a:effectRef idx="0">
+        <a:scrgbClr r="0" g="0" b="0"/>
+      </a:effectRef>
+      <a:fontRef idx="minor">
+        <a:schemeClr val="lt1"/>
+      </a:fontRef>
+    </dgm:style>
+  </dgm:styleLbl>
+  <dgm:styleLbl name="parChTrans2D3">
+    <dgm:scene3d>
+      <a:camera prst="orthographicFront"/>
+      <a:lightRig rig="threePt" dir="t"/>
+    </dgm:scene3d>
+    <dgm:sp3d/>
+    <dgm:txPr/>
+    <dgm:style>
+      <a:lnRef idx="2">
+        <a:scrgbClr r="0" g="0" b="0"/>
+      </a:lnRef>
+      <a:fillRef idx="1">
+        <a:scrgbClr r="0" g="0" b="0"/>
+      </a:fillRef>
+      <a:effectRef idx="0">
+        <a:scrgbClr r="0" g="0" b="0"/>
+      </a:effectRef>
+      <a:fontRef idx="minor">
+        <a:schemeClr val="lt1"/>
+      </a:fontRef>
+    </dgm:style>
+  </dgm:styleLbl>
+  <dgm:styleLbl name="parChTrans2D4">
+    <dgm:scene3d>
+      <a:camera prst="orthographicFront"/>
+      <a:lightRig rig="threePt" dir="t"/>
+    </dgm:scene3d>
+    <dgm:sp3d/>
+    <dgm:txPr/>
+    <dgm:style>
+      <a:lnRef idx="2">
+        <a:scrgbClr r="0" g="0" b="0"/>
+      </a:lnRef>
+      <a:fillRef idx="1">
+        <a:scrgbClr r="0" g="0" b="0"/>
+      </a:fillRef>
+      <a:effectRef idx="0">
+        <a:scrgbClr r="0" g="0" b="0"/>
+      </a:effectRef>
+      <a:fontRef idx="minor">
+        <a:schemeClr val="lt1"/>
+      </a:fontRef>
+    </dgm:style>
+  </dgm:styleLbl>
+  <dgm:styleLbl name="parChTrans1D1">
+    <dgm:scene3d>
+      <a:camera prst="orthographicFront"/>
+      <a:lightRig rig="threePt" dir="t"/>
+    </dgm:scene3d>
+    <dgm:sp3d/>
+    <dgm:txPr/>
+    <dgm:style>
+      <a:lnRef idx="2">
+        <a:scrgbClr r="0" g="0" b="0"/>
+      </a:lnRef>
+      <a:fillRef idx="0">
+        <a:scrgbClr r="0" g="0" b="0"/>
+      </a:fillRef>
+      <a:effectRef idx="0">
+        <a:scrgbClr r="0" g="0" b="0"/>
+      </a:effectRef>
+      <a:fontRef idx="minor"/>
+    </dgm:style>
+  </dgm:styleLbl>
+  <dgm:styleLbl name="parChTrans1D2">
+    <dgm:scene3d>
+      <a:camera prst="orthographicFront"/>
+      <a:lightRig rig="threePt" dir="t"/>
+    </dgm:scene3d>
+    <dgm:sp3d/>
+    <dgm:txPr/>
+    <dgm:style>
+      <a:lnRef idx="2">
+        <a:scrgbClr r="0" g="0" b="0"/>
+      </a:lnRef>
+      <a:fillRef idx="0">
+        <a:scrgbClr r="0" g="0" b="0"/>
+      </a:fillRef>
+      <a:effectRef idx="0">
+        <a:scrgbClr r="0" g="0" b="0"/>
+      </a:effectRef>
+      <a:fontRef idx="minor"/>
+    </dgm:style>
+  </dgm:styleLbl>
+  <dgm:styleLbl name="parChTrans1D3">
+    <dgm:scene3d>
+      <a:camera prst="orthographicFront"/>
+      <a:lightRig rig="threePt" dir="t"/>
+    </dgm:scene3d>
+    <dgm:sp3d/>
+    <dgm:txPr/>
+    <dgm:style>
+      <a:lnRef idx="2">
+        <a:scrgbClr r="0" g="0" b="0"/>
+      </a:lnRef>
+      <a:fillRef idx="0">
+        <a:scrgbClr r="0" g="0" b="0"/>
+      </a:fillRef>
+      <a:effectRef idx="0">
+        <a:scrgbClr r="0" g="0" b="0"/>
+      </a:effectRef>
+      <a:fontRef idx="minor"/>
+    </dgm:style>
+  </dgm:styleLbl>
+  <dgm:styleLbl name="parChTrans1D4">
+    <dgm:scene3d>
+      <a:camera prst="orthographicFront"/>
+      <a:lightRig rig="threePt" dir="t"/>
+    </dgm:scene3d>
+    <dgm:sp3d/>
+    <dgm:txPr/>
+    <dgm:style>
+      <a:lnRef idx="2">
+        <a:scrgbClr r="0" g="0" b="0"/>
+      </a:lnRef>
+      <a:fillRef idx="0">
+        <a:scrgbClr r="0" g="0" b="0"/>
+      </a:fillRef>
+      <a:effectRef idx="0">
+        <a:scrgbClr r="0" g="0" b="0"/>
+      </a:effectRef>
+      <a:fontRef idx="minor"/>
+    </dgm:style>
+  </dgm:styleLbl>
+  <dgm:styleLbl name="fgAcc1">
+    <dgm:scene3d>
+      <a:camera prst="orthographicFront"/>
+      <a:lightRig rig="threePt" dir="t"/>
+    </dgm:scene3d>
+    <dgm:sp3d/>
+    <dgm:txPr/>
+    <dgm:style>
+      <a:lnRef idx="2">
+        <a:scrgbClr r="0" g="0" b="0"/>
+      </a:lnRef>
+      <a:fillRef idx="1">
+        <a:scrgbClr r="0" g="0" b="0"/>
+      </a:fillRef>
+      <a:effectRef idx="0">
+        <a:scrgbClr r="0" g="0" b="0"/>
+      </a:effectRef>
+      <a:fontRef idx="minor"/>
+    </dgm:style>
+  </dgm:styleLbl>
+  <dgm:styleLbl name="conFgAcc1">
+    <dgm:scene3d>
+      <a:camera prst="orthographicFront"/>
+      <a:lightRig rig="threePt" dir="t"/>
+    </dgm:scene3d>
+    <dgm:sp3d/>
+    <dgm:txPr/>
+    <dgm:style>
+      <a:lnRef idx="2">
+        <a:scrgbClr r="0" g="0" b="0"/>
+      </a:lnRef>
+      <a:fillRef idx="1">
+        <a:scrgbClr r="0" g="0" b="0"/>
+      </a:fillRef>
+      <a:effectRef idx="0">
+        <a:scrgbClr r="0" g="0" b="0"/>
+      </a:effectRef>
+      <a:fontRef idx="minor"/>
+    </dgm:style>
+  </dgm:styleLbl>
+  <dgm:styleLbl name="alignAcc1">
+    <dgm:scene3d>
+      <a:camera prst="orthographicFront"/>
+      <a:lightRig rig="threePt" dir="t"/>
+    </dgm:scene3d>
+    <dgm:sp3d/>
+    <dgm:txPr/>
+    <dgm:style>
+      <a:lnRef idx="2">
+        <a:scrgbClr r="0" g="0" b="0"/>
+      </a:lnRef>
+      <a:fillRef idx="1">
+        <a:scrgbClr r="0" g="0" b="0"/>
+      </a:fillRef>
+      <a:effectRef idx="0">
+        <a:scrgbClr r="0" g="0" b="0"/>
+      </a:effectRef>
+      <a:fontRef idx="minor"/>
+    </dgm:style>
+  </dgm:styleLbl>
+  <dgm:styleLbl name="trAlignAcc1">
+    <dgm:scene3d>
+      <a:camera prst="orthographicFront"/>
+      <a:lightRig rig="threePt" dir="t"/>
+    </dgm:scene3d>
+    <dgm:sp3d/>
+    <dgm:txPr/>
+    <dgm:style>
+      <a:lnRef idx="1">
+        <a:scrgbClr r="0" g="0" b="0"/>
+      </a:lnRef>
+      <a:fillRef idx="1">
+        <a:scrgbClr r="0" g="0" b="0"/>
+      </a:fillRef>
+      <a:effectRef idx="0">
+        <a:scrgbClr r="0" g="0" b="0"/>
+      </a:effectRef>
+      <a:fontRef idx="minor"/>
+    </dgm:style>
+  </dgm:styleLbl>
+  <dgm:styleLbl name="bgAcc1">
+    <dgm:scene3d>
+      <a:camera prst="orthographicFront"/>
+      <a:lightRig rig="threePt" dir="t"/>
+    </dgm:scene3d>
+    <dgm:sp3d/>
+    <dgm:txPr/>
+    <dgm:style>
+      <a:lnRef idx="2">
+        <a:scrgbClr r="0" g="0" b="0"/>
+      </a:lnRef>
+      <a:fillRef idx="1">
+        <a:scrgbClr r="0" g="0" b="0"/>
+      </a:fillRef>
+      <a:effectRef idx="0">
+        <a:scrgbClr r="0" g="0" b="0"/>
+      </a:effectRef>
+      <a:fontRef idx="minor"/>
+    </dgm:style>
+  </dgm:styleLbl>
+  <dgm:styleLbl name="solidFgAcc1">
+    <dgm:scene3d>
+      <a:camera prst="orthographicFront"/>
+      <a:lightRig rig="threePt" dir="t"/>
+    </dgm:scene3d>
+    <dgm:sp3d/>
+    <dgm:txPr/>
+    <dgm:style>
+      <a:lnRef idx="2">
+        <a:scrgbClr r="0" g="0" b="0"/>
+      </a:lnRef>
+      <a:fillRef idx="1">
+        <a:scrgbClr r="0" g="0" b="0"/>
+      </a:fillRef>
+      <a:effectRef idx="0">
+        <a:scrgbClr r="0" g="0" b="0"/>
+      </a:effectRef>
+      <a:fontRef idx="minor"/>
+    </dgm:style>
+  </dgm:styleLbl>
+  <dgm:styleLbl name="solidAlignAcc1">
+    <dgm:scene3d>
+      <a:camera prst="orthographicFront"/>
+      <a:lightRig rig="threePt" dir="t"/>
+    </dgm:scene3d>
+    <dgm:sp3d/>
+    <dgm:txPr/>
+    <dgm:style>
+      <a:lnRef idx="2">
+        <a:scrgbClr r="0" g="0" b="0"/>
+      </a:lnRef>
+      <a:fillRef idx="1">
+        <a:scrgbClr r="0" g="0" b="0"/>
+      </a:fillRef>
+      <a:effectRef idx="0">
+        <a:scrgbClr r="0" g="0" b="0"/>
+      </a:effectRef>
+      <a:fontRef idx="minor"/>
+    </dgm:style>
+  </dgm:styleLbl>
+  <dgm:styleLbl name="solidBgAcc1">
+    <dgm:scene3d>
+      <a:camera prst="orthographicFront"/>
+      <a:lightRig rig="threePt" dir="t"/>
+    </dgm:scene3d>
+    <dgm:sp3d/>
+    <dgm:txPr/>
+    <dgm:style>
+      <a:lnRef idx="2">
+        <a:scrgbClr r="0" g="0" b="0"/>
+      </a:lnRef>
+      <a:fillRef idx="1">
+        <a:scrgbClr r="0" g="0" b="0"/>
+      </a:fillRef>
+      <a:effectRef idx="0">
+        <a:scrgbClr r="0" g="0" b="0"/>
+      </a:effectRef>
+      <a:fontRef idx="minor"/>
+    </dgm:style>
+  </dgm:styleLbl>
+  <dgm:styleLbl name="fgAccFollowNode1">
+    <dgm:scene3d>
+      <a:camera prst="orthographicFront"/>
+      <a:lightRig rig="threePt" dir="t"/>
+    </dgm:scene3d>
+    <dgm:sp3d/>
+    <dgm:txPr/>
+    <dgm:style>
+      <a:lnRef idx="2">
+        <a:scrgbClr r="0" g="0" b="0"/>
+      </a:lnRef>
+      <a:fillRef idx="1">
+        <a:scrgbClr r="0" g="0" b="0"/>
+      </a:fillRef>
+      <a:effectRef idx="0">
+        <a:scrgbClr r="0" g="0" b="0"/>
+      </a:effectRef>
+      <a:fontRef idx="minor"/>
+    </dgm:style>
+  </dgm:styleLbl>
+  <dgm:styleLbl name="alignAccFollowNode1">
+    <dgm:scene3d>
+      <a:camera prst="orthographicFront"/>
+      <a:lightRig rig="threePt" dir="t"/>
+    </dgm:scene3d>
+    <dgm:sp3d/>
+    <dgm:txPr/>
+    <dgm:style>
+      <a:lnRef idx="2">
+        <a:scrgbClr r="0" g="0" b="0"/>
+      </a:lnRef>
+      <a:fillRef idx="1">
+        <a:scrgbClr r="0" g="0" b="0"/>
+      </a:fillRef>
+      <a:effectRef idx="0">
+        <a:scrgbClr r="0" g="0" b="0"/>
+      </a:effectRef>
+      <a:fontRef idx="minor"/>
+    </dgm:style>
+  </dgm:styleLbl>
+  <dgm:styleLbl name="bgAccFollowNode1">
+    <dgm:scene3d>
+      <a:camera prst="orthographicFront"/>
+      <a:lightRig rig="threePt" dir="t"/>
+    </dgm:scene3d>
+    <dgm:sp3d/>
+    <dgm:txPr/>
+    <dgm:style>
+      <a:lnRef idx="2">
+        <a:scrgbClr r="0" g="0" b="0"/>
+      </a:lnRef>
+      <a:fillRef idx="1">
+        <a:scrgbClr r="0" g="0" b="0"/>
+      </a:fillRef>
+      <a:effectRef idx="0">
+        <a:scrgbClr r="0" g="0" b="0"/>
+      </a:effectRef>
+      <a:fontRef idx="minor"/>
+    </dgm:style>
+  </dgm:styleLbl>
+  <dgm:styleLbl name="fgAcc0">
+    <dgm:scene3d>
+      <a:camera prst="orthographicFront"/>
+      <a:lightRig rig="threePt" dir="t"/>
+    </dgm:scene3d>
+    <dgm:sp3d/>
+    <dgm:txPr/>
+    <dgm:style>
+      <a:lnRef idx="2">
+        <a:scrgbClr r="0" g="0" b="0"/>
+      </a:lnRef>
+      <a:fillRef idx="1">
+        <a:scrgbClr r="0" g="0" b="0"/>
+      </a:fillRef>
+      <a:effectRef idx="0">
+        <a:scrgbClr r="0" g="0" b="0"/>
+      </a:effectRef>
+      <a:fontRef idx="minor"/>
+    </dgm:style>
+  </dgm:styleLbl>
+  <dgm:styleLbl name="fgAcc2">
+    <dgm:scene3d>
+      <a:camera prst="orthographicFront"/>
+      <a:lightRig rig="threePt" dir="t"/>
+    </dgm:scene3d>
+    <dgm:sp3d/>
+    <dgm:txPr/>
+    <dgm:style>
+      <a:lnRef idx="2">
+        <a:scrgbClr r="0" g="0" b="0"/>
+      </a:lnRef>
+      <a:fillRef idx="1">
+        <a:scrgbClr r="0" g="0" b="0"/>
+      </a:fillRef>
+      <a:effectRef idx="0">
+        <a:scrgbClr r="0" g="0" b="0"/>
+      </a:effectRef>
+      <a:fontRef idx="minor"/>
+    </dgm:style>
+  </dgm:styleLbl>
+  <dgm:styleLbl name="fgAcc3">
+    <dgm:scene3d>
+      <a:camera prst="orthographicFront"/>
+      <a:lightRig rig="threePt" dir="t"/>
+    </dgm:scene3d>
+    <dgm:sp3d/>
+    <dgm:txPr/>
+    <dgm:style>
+      <a:lnRef idx="2">
+        <a:scrgbClr r="0" g="0" b="0"/>
+      </a:lnRef>
+      <a:fillRef idx="1">
+        <a:scrgbClr r="0" g="0" b="0"/>
+      </a:fillRef>
+      <a:effectRef idx="0">
+        <a:scrgbClr r="0" g="0" b="0"/>
+      </a:effectRef>
+      <a:fontRef idx="minor"/>
+    </dgm:style>
+  </dgm:styleLbl>
+  <dgm:styleLbl name="fgAcc4">
+    <dgm:scene3d>
+      <a:camera prst="orthographicFront"/>
+      <a:lightRig rig="threePt" dir="t"/>
+    </dgm:scene3d>
+    <dgm:sp3d/>
+    <dgm:txPr/>
+    <dgm:style>
+      <a:lnRef idx="2">
+        <a:scrgbClr r="0" g="0" b="0"/>
+      </a:lnRef>
+      <a:fillRef idx="1">
+        <a:scrgbClr r="0" g="0" b="0"/>
+      </a:fillRef>
+      <a:effectRef idx="0">
+        <a:scrgbClr r="0" g="0" b="0"/>
+      </a:effectRef>
+      <a:fontRef idx="minor"/>
+    </dgm:style>
+  </dgm:styleLbl>
+  <dgm:styleLbl name="bgShp">
+    <dgm:scene3d>
+      <a:camera prst="orthographicFront"/>
+      <a:lightRig rig="threePt" dir="t"/>
+    </dgm:scene3d>
+    <dgm:sp3d/>
+    <dgm:txPr/>
+    <dgm:style>
+      <a:lnRef idx="0">
+        <a:scrgbClr r="0" g="0" b="0"/>
+      </a:lnRef>
+      <a:fillRef idx="1">
+        <a:scrgbClr r="0" g="0" b="0"/>
+      </a:fillRef>
+      <a:effectRef idx="0">
+        <a:scrgbClr r="0" g="0" b="0"/>
+      </a:effectRef>
+      <a:fontRef idx="minor"/>
+    </dgm:style>
+  </dgm:styleLbl>
+  <dgm:styleLbl name="dkBgShp">
+    <dgm:scene3d>
+      <a:camera prst="orthographicFront"/>
+      <a:lightRig rig="threePt" dir="t"/>
+    </dgm:scene3d>
+    <dgm:sp3d/>
+    <dgm:txPr/>
+    <dgm:style>
+      <a:lnRef idx="0">
+        <a:scrgbClr r="0" g="0" b="0"/>
+      </a:lnRef>
+      <a:fillRef idx="1">
+        <a:scrgbClr r="0" g="0" b="0"/>
+      </a:fillRef>
+      <a:effectRef idx="0">
+        <a:scrgbClr r="0" g="0" b="0"/>
+      </a:effectRef>
+      <a:fontRef idx="minor"/>
+    </dgm:style>
+  </dgm:styleLbl>
+  <dgm:styleLbl name="trBgShp">
+    <dgm:scene3d>
+      <a:camera prst="orthographicFront"/>
+      <a:lightRig rig="threePt" dir="t"/>
+    </dgm:scene3d>
+    <dgm:sp3d/>
+    <dgm:txPr/>
+    <dgm:style>
+      <a:lnRef idx="0">
+        <a:scrgbClr r="0" g="0" b="0"/>
+      </a:lnRef>
+      <a:fillRef idx="1">
+        <a:scrgbClr r="0" g="0" b="0"/>
+      </a:fillRef>
+      <a:effectRef idx="0">
+        <a:scrgbClr r="0" g="0" b="0"/>
+      </a:effectRef>
+      <a:fontRef idx="minor"/>
+    </dgm:style>
+  </dgm:styleLbl>
+  <dgm:styleLbl name="fgShp">
+    <dgm:scene3d>
+      <a:camera prst="orthographicFront"/>
+      <a:lightRig rig="threePt" dir="t"/>
+    </dgm:scene3d>
+    <dgm:sp3d/>
+    <dgm:txPr/>
+    <dgm:style>
+      <a:lnRef idx="2">
+        <a:scrgbClr r="0" g="0" b="0"/>
+      </a:lnRef>
+      <a:fillRef idx="1">
+        <a:scrgbClr r="0" g="0" b="0"/>
+      </a:fillRef>
+      <a:effectRef idx="0">
+        <a:scrgbClr r="0" g="0" b="0"/>
+      </a:effectRef>
+      <a:fontRef idx="minor"/>
+    </dgm:style>
+  </dgm:styleLbl>
+  <dgm:styleLbl name="revTx">
+    <dgm:scene3d>
+      <a:camera prst="orthographicFront"/>
+      <a:lightRig rig="threePt" dir="t"/>
+    </dgm:scene3d>
+    <dgm:sp3d/>
+    <dgm:txPr/>
+    <dgm:style>
+      <a:lnRef idx="0">
+        <a:scrgbClr r="0" g="0" b="0"/>
+      </a:lnRef>
+      <a:fillRef idx="0">
+        <a:scrgbClr r="0" g="0" b="0"/>
+      </a:fillRef>
+      <a:effectRef idx="0">
+        <a:scrgbClr r="0" g="0" b="0"/>
+      </a:effectRef>
+      <a:fontRef idx="minor"/>
+    </dgm:style>
+  </dgm:styleLbl>
+</dgm:styleDef>
+</file>
+
+<file path=ppt/diagrams/quickStyle3.xml><?xml version="1.0" encoding="utf-8"?>
 <dgm:styleDef xmlns:dgm="http://schemas.openxmlformats.org/drawingml/2006/diagram" xmlns:a="http://schemas.openxmlformats.org/drawingml/2006/main" uniqueId="urn:microsoft.com/office/officeart/2005/8/quickstyle/simple1">
   <dgm:title val=""/>
   <dgm:desc val=""/>
@@ -6621,7 +12385,7 @@
             </a:extLst>
           </p:cNvPr>
           <p:cNvSpPr>
-            <a:spLocks noRot="1" noChangeArrowheads="1" noTextEdit="1"/>
+            <a:spLocks noGrp="1" noRot="1" noChangeAspect="1" noChangeArrowheads="1" noTextEdit="1"/>
           </p:cNvSpPr>
           <p:nvPr>
             <p:ph type="sldImg" idx="2"/>
@@ -9464,7 +15228,7 @@
             <p:ph idx="1"/>
             <p:extLst>
               <p:ext uri="{D42A27DB-BD31-4B8C-83A1-F6EECF244321}">
-                <p14:modId xmlns:p14="http://schemas.microsoft.com/office/powerpoint/2010/main" val="601084036"/>
+                <p14:modId xmlns:p14="http://schemas.microsoft.com/office/powerpoint/2010/main" val="910599060"/>
               </p:ext>
             </p:extLst>
           </p:nvPr>
@@ -9554,6 +15318,1240 @@
 </file>
 
 <file path=ppt/slides/slide3.xml><?xml version="1.0" encoding="utf-8"?>
+<p:sld xmlns:a="http://schemas.openxmlformats.org/drawingml/2006/main" xmlns:r="http://schemas.openxmlformats.org/officeDocument/2006/relationships" xmlns:p="http://schemas.openxmlformats.org/presentationml/2006/main">
+  <p:cSld>
+    <p:spTree>
+      <p:nvGrpSpPr>
+        <p:cNvPr id="1" name=""/>
+        <p:cNvGrpSpPr/>
+        <p:nvPr/>
+      </p:nvGrpSpPr>
+      <p:grpSpPr>
+        <a:xfrm>
+          <a:off x="0" y="0"/>
+          <a:ext cx="0" cy="0"/>
+          <a:chOff x="0" y="0"/>
+          <a:chExt cx="0" cy="0"/>
+        </a:xfrm>
+      </p:grpSpPr>
+      <p:sp>
+        <p:nvSpPr>
+          <p:cNvPr id="17" name="TextBox 16">
+            <a:extLst>
+              <a:ext uri="{FF2B5EF4-FFF2-40B4-BE49-F238E27FC236}">
+                <a16:creationId xmlns:a16="http://schemas.microsoft.com/office/drawing/2014/main" id="{61E97FBE-7171-432F-A852-0A455BD7CC60}"/>
+              </a:ext>
+            </a:extLst>
+          </p:cNvPr>
+          <p:cNvSpPr txBox="1"/>
+          <p:nvPr/>
+        </p:nvSpPr>
+        <p:spPr>
+          <a:xfrm>
+            <a:off x="4514230" y="334397"/>
+            <a:ext cx="3744416" cy="646331"/>
+          </a:xfrm>
+          <a:prstGeom prst="rect">
+            <a:avLst/>
+          </a:prstGeom>
+          <a:noFill/>
+        </p:spPr>
+        <p:txBody>
+          <a:bodyPr wrap="square" rtlCol="0">
+            <a:spAutoFit/>
+          </a:bodyPr>
+          <a:lstStyle/>
+          <a:p>
+            <a:pPr algn="ctr"/>
+            <a:r>
+              <a:rPr lang="en-US" sz="3600" dirty="0">
+                <a:latin typeface="TH Sarabun New" panose="020B0500040200020003" pitchFamily="34" charset="-34"/>
+                <a:cs typeface="TH Sarabun New" panose="020B0500040200020003" pitchFamily="34" charset="-34"/>
+              </a:rPr>
+              <a:t>Introduction</a:t>
+            </a:r>
+            <a:endParaRPr lang="th-TH" sz="3600" dirty="0">
+              <a:latin typeface="TH Sarabun New" panose="020B0500040200020003" pitchFamily="34" charset="-34"/>
+              <a:cs typeface="TH Sarabun New" panose="020B0500040200020003" pitchFamily="34" charset="-34"/>
+            </a:endParaRPr>
+          </a:p>
+        </p:txBody>
+      </p:sp>
+      <p:pic>
+        <p:nvPicPr>
+          <p:cNvPr id="15" name="Graphic 14" descr="Pencil">
+            <a:extLst>
+              <a:ext uri="{FF2B5EF4-FFF2-40B4-BE49-F238E27FC236}">
+                <a16:creationId xmlns:a16="http://schemas.microsoft.com/office/drawing/2014/main" id="{1682B19D-471D-430F-ACB7-F5AC1EEBA49F}"/>
+              </a:ext>
+            </a:extLst>
+          </p:cNvPr>
+          <p:cNvPicPr>
+            <a:picLocks noChangeAspect="1"/>
+          </p:cNvPicPr>
+          <p:nvPr/>
+        </p:nvPicPr>
+        <p:blipFill>
+          <a:blip r:embed="rId2">
+            <a:extLst>
+              <a:ext uri="{28A0092B-C50C-407E-A947-70E740481C1C}">
+                <a14:useLocalDpi xmlns:a14="http://schemas.microsoft.com/office/drawing/2010/main" val="0"/>
+              </a:ext>
+              <a:ext uri="{96DAC541-7B7A-43D3-8B79-37D633B846F1}">
+                <asvg:svgBlip xmlns:asvg="http://schemas.microsoft.com/office/drawing/2016/SVG/main" r:embed="rId3"/>
+              </a:ext>
+            </a:extLst>
+          </a:blip>
+          <a:stretch>
+            <a:fillRect/>
+          </a:stretch>
+        </p:blipFill>
+        <p:spPr>
+          <a:xfrm>
+            <a:off x="8330654" y="-18092"/>
+            <a:ext cx="864096" cy="864096"/>
+          </a:xfrm>
+          <a:prstGeom prst="rect">
+            <a:avLst/>
+          </a:prstGeom>
+        </p:spPr>
+      </p:pic>
+      <p:sp>
+        <p:nvSpPr>
+          <p:cNvPr id="24" name="TextBox 23">
+            <a:extLst>
+              <a:ext uri="{FF2B5EF4-FFF2-40B4-BE49-F238E27FC236}">
+                <a16:creationId xmlns:a16="http://schemas.microsoft.com/office/drawing/2014/main" id="{B7025EDA-AF24-4907-A52B-C32AE8B3D367}"/>
+              </a:ext>
+            </a:extLst>
+          </p:cNvPr>
+          <p:cNvSpPr txBox="1"/>
+          <p:nvPr/>
+        </p:nvSpPr>
+        <p:spPr>
+          <a:xfrm>
+            <a:off x="1115616" y="2276872"/>
+            <a:ext cx="1872208" cy="369332"/>
+          </a:xfrm>
+          <a:prstGeom prst="rect">
+            <a:avLst/>
+          </a:prstGeom>
+          <a:noFill/>
+        </p:spPr>
+        <p:txBody>
+          <a:bodyPr wrap="square" rtlCol="0">
+            <a:spAutoFit/>
+          </a:bodyPr>
+          <a:lstStyle/>
+          <a:p>
+            <a:r>
+              <a:rPr lang="en-US" dirty="0"/>
+              <a:t>In The Past . . .</a:t>
+            </a:r>
+            <a:endParaRPr lang="th-TH" dirty="0"/>
+          </a:p>
+        </p:txBody>
+      </p:sp>
+      <p:graphicFrame>
+        <p:nvGraphicFramePr>
+          <p:cNvPr id="25" name="Diagram 24">
+            <a:extLst>
+              <a:ext uri="{FF2B5EF4-FFF2-40B4-BE49-F238E27FC236}">
+                <a16:creationId xmlns:a16="http://schemas.microsoft.com/office/drawing/2014/main" id="{874C9990-510D-4DE5-AF43-19071C38A1E9}"/>
+              </a:ext>
+            </a:extLst>
+          </p:cNvPr>
+          <p:cNvGraphicFramePr/>
+          <p:nvPr>
+            <p:extLst>
+              <p:ext uri="{D42A27DB-BD31-4B8C-83A1-F6EECF244321}">
+                <p14:modId xmlns:p14="http://schemas.microsoft.com/office/powerpoint/2010/main" val="1471484978"/>
+              </p:ext>
+            </p:extLst>
+          </p:nvPr>
+        </p:nvGraphicFramePr>
+        <p:xfrm>
+          <a:off x="1763688" y="1916832"/>
+          <a:ext cx="6096000" cy="4064000"/>
+        </p:xfrm>
+        <a:graphic>
+          <a:graphicData uri="http://schemas.openxmlformats.org/drawingml/2006/diagram">
+            <dgm:relIds xmlns:dgm="http://schemas.openxmlformats.org/drawingml/2006/diagram" xmlns:r="http://schemas.openxmlformats.org/officeDocument/2006/relationships" r:dm="rId4" r:lo="rId5" r:qs="rId6" r:cs="rId7"/>
+          </a:graphicData>
+        </a:graphic>
+      </p:graphicFrame>
+      <p:pic>
+        <p:nvPicPr>
+          <p:cNvPr id="31" name="Picture 30">
+            <a:extLst>
+              <a:ext uri="{FF2B5EF4-FFF2-40B4-BE49-F238E27FC236}">
+                <a16:creationId xmlns:a16="http://schemas.microsoft.com/office/drawing/2014/main" id="{6A22013E-45EB-4BAF-B855-FFA42A2D559F}"/>
+              </a:ext>
+            </a:extLst>
+          </p:cNvPr>
+          <p:cNvPicPr>
+            <a:picLocks noChangeAspect="1"/>
+          </p:cNvPicPr>
+          <p:nvPr/>
+        </p:nvPicPr>
+        <p:blipFill>
+          <a:blip r:embed="rId9">
+            <a:extLst>
+              <a:ext uri="{28A0092B-C50C-407E-A947-70E740481C1C}">
+                <a14:useLocalDpi xmlns:a14="http://schemas.microsoft.com/office/drawing/2010/main" val="0"/>
+              </a:ext>
+            </a:extLst>
+          </a:blip>
+          <a:stretch>
+            <a:fillRect/>
+          </a:stretch>
+        </p:blipFill>
+        <p:spPr>
+          <a:xfrm>
+            <a:off x="4811688" y="2145288"/>
+            <a:ext cx="2313432" cy="1286256"/>
+          </a:xfrm>
+          <a:prstGeom prst="ellipse">
+            <a:avLst/>
+          </a:prstGeom>
+          <a:ln>
+            <a:noFill/>
+          </a:ln>
+          <a:effectLst>
+            <a:softEdge rad="112500"/>
+          </a:effectLst>
+        </p:spPr>
+      </p:pic>
+      <p:grpSp>
+        <p:nvGrpSpPr>
+          <p:cNvPr id="38" name="Group 37">
+            <a:extLst>
+              <a:ext uri="{FF2B5EF4-FFF2-40B4-BE49-F238E27FC236}">
+                <a16:creationId xmlns:a16="http://schemas.microsoft.com/office/drawing/2014/main" id="{AC19FF5F-5B25-44CA-ADA9-6DDF22608EC3}"/>
+              </a:ext>
+            </a:extLst>
+          </p:cNvPr>
+          <p:cNvGrpSpPr/>
+          <p:nvPr/>
+        </p:nvGrpSpPr>
+        <p:grpSpPr>
+          <a:xfrm>
+            <a:off x="6732240" y="1165684"/>
+            <a:ext cx="1660644" cy="1214264"/>
+            <a:chOff x="6732240" y="1165684"/>
+            <a:chExt cx="1660644" cy="1214264"/>
+          </a:xfrm>
+        </p:grpSpPr>
+        <p:sp>
+          <p:nvSpPr>
+            <p:cNvPr id="33" name="Oval 32">
+              <a:extLst>
+                <a:ext uri="{FF2B5EF4-FFF2-40B4-BE49-F238E27FC236}">
+                  <a16:creationId xmlns:a16="http://schemas.microsoft.com/office/drawing/2014/main" id="{B8F1EDF3-93F3-43AE-976D-DB33C7DEAC84}"/>
+                </a:ext>
+              </a:extLst>
+            </p:cNvPr>
+            <p:cNvSpPr/>
+            <p:nvPr/>
+          </p:nvSpPr>
+          <p:spPr bwMode="auto">
+            <a:xfrm>
+              <a:off x="6732240" y="2123564"/>
+              <a:ext cx="81300" cy="81300"/>
+            </a:xfrm>
+            <a:prstGeom prst="ellipse">
+              <a:avLst/>
+            </a:prstGeom>
+            <a:solidFill>
+              <a:schemeClr val="bg1"/>
+            </a:solidFill>
+            <a:ln w="9525" cap="flat" cmpd="sng" algn="ctr">
+              <a:solidFill>
+                <a:schemeClr val="tx1"/>
+              </a:solidFill>
+              <a:prstDash val="solid"/>
+              <a:round/>
+              <a:headEnd type="none" w="med" len="med"/>
+              <a:tailEnd type="none" w="med" len="med"/>
+            </a:ln>
+            <a:effectLst/>
+            <a:extLst/>
+          </p:spPr>
+          <p:txBody>
+            <a:bodyPr vert="horz" wrap="square" lIns="91440" tIns="45720" rIns="91440" bIns="45720" numCol="1" rtlCol="0" anchor="t" anchorCtr="0" compatLnSpc="1">
+              <a:prstTxWarp prst="textNoShape">
+                <a:avLst/>
+              </a:prstTxWarp>
+            </a:bodyPr>
+            <a:lstStyle/>
+            <a:p>
+              <a:pPr marL="0" marR="0" indent="0" algn="l" defTabSz="914400" rtl="0" eaLnBrk="1" fontAlgn="base" latinLnBrk="0" hangingPunct="1">
+                <a:lnSpc>
+                  <a:spcPct val="100000"/>
+                </a:lnSpc>
+                <a:spcBef>
+                  <a:spcPct val="0"/>
+                </a:spcBef>
+                <a:spcAft>
+                  <a:spcPct val="0"/>
+                </a:spcAft>
+                <a:buClrTx/>
+                <a:buSzTx/>
+                <a:buFontTx/>
+                <a:buNone/>
+                <a:tabLst/>
+              </a:pPr>
+              <a:endParaRPr kumimoji="0" lang="th-TH" sz="1800" b="1" i="0" u="none" strike="noStrike" cap="none" normalizeH="0" baseline="0">
+                <a:ln>
+                  <a:noFill/>
+                </a:ln>
+                <a:solidFill>
+                  <a:schemeClr val="tx1"/>
+                </a:solidFill>
+                <a:effectLst/>
+                <a:latin typeface="Arial" panose="020B0604020202020204" pitchFamily="34" charset="0"/>
+              </a:endParaRPr>
+            </a:p>
+          </p:txBody>
+        </p:sp>
+        <p:sp>
+          <p:nvSpPr>
+            <p:cNvPr id="34" name="Oval 33">
+              <a:extLst>
+                <a:ext uri="{FF2B5EF4-FFF2-40B4-BE49-F238E27FC236}">
+                  <a16:creationId xmlns:a16="http://schemas.microsoft.com/office/drawing/2014/main" id="{240CF15C-A657-4C2E-884E-AFE81025B385}"/>
+                </a:ext>
+              </a:extLst>
+            </p:cNvPr>
+            <p:cNvSpPr/>
+            <p:nvPr/>
+          </p:nvSpPr>
+          <p:spPr bwMode="auto">
+            <a:xfrm>
+              <a:off x="6836820" y="1949776"/>
+              <a:ext cx="129952" cy="129952"/>
+            </a:xfrm>
+            <a:prstGeom prst="ellipse">
+              <a:avLst/>
+            </a:prstGeom>
+            <a:solidFill>
+              <a:schemeClr val="bg1"/>
+            </a:solidFill>
+            <a:ln w="9525" cap="flat" cmpd="sng" algn="ctr">
+              <a:solidFill>
+                <a:schemeClr val="tx1"/>
+              </a:solidFill>
+              <a:prstDash val="solid"/>
+              <a:round/>
+              <a:headEnd type="none" w="med" len="med"/>
+              <a:tailEnd type="none" w="med" len="med"/>
+            </a:ln>
+            <a:effectLst/>
+            <a:extLst/>
+          </p:spPr>
+          <p:txBody>
+            <a:bodyPr vert="horz" wrap="square" lIns="91440" tIns="45720" rIns="91440" bIns="45720" numCol="1" rtlCol="0" anchor="t" anchorCtr="0" compatLnSpc="1">
+              <a:prstTxWarp prst="textNoShape">
+                <a:avLst/>
+              </a:prstTxWarp>
+            </a:bodyPr>
+            <a:lstStyle/>
+            <a:p>
+              <a:pPr marL="0" marR="0" indent="0" algn="l" defTabSz="914400" rtl="0" eaLnBrk="1" fontAlgn="base" latinLnBrk="0" hangingPunct="1">
+                <a:lnSpc>
+                  <a:spcPct val="100000"/>
+                </a:lnSpc>
+                <a:spcBef>
+                  <a:spcPct val="0"/>
+                </a:spcBef>
+                <a:spcAft>
+                  <a:spcPct val="0"/>
+                </a:spcAft>
+                <a:buClrTx/>
+                <a:buSzTx/>
+                <a:buFontTx/>
+                <a:buNone/>
+                <a:tabLst/>
+              </a:pPr>
+              <a:endParaRPr kumimoji="0" lang="th-TH" sz="1800" b="1" i="0" u="none" strike="noStrike" cap="none" normalizeH="0" baseline="0">
+                <a:ln>
+                  <a:noFill/>
+                </a:ln>
+                <a:solidFill>
+                  <a:schemeClr val="tx1"/>
+                </a:solidFill>
+                <a:effectLst/>
+                <a:latin typeface="Arial" panose="020B0604020202020204" pitchFamily="34" charset="0"/>
+              </a:endParaRPr>
+            </a:p>
+          </p:txBody>
+        </p:sp>
+        <p:sp>
+          <p:nvSpPr>
+            <p:cNvPr id="35" name="Oval 34">
+              <a:extLst>
+                <a:ext uri="{FF2B5EF4-FFF2-40B4-BE49-F238E27FC236}">
+                  <a16:creationId xmlns:a16="http://schemas.microsoft.com/office/drawing/2014/main" id="{F63CE2B0-EC55-4E56-B00B-EB21C382AEA0}"/>
+                </a:ext>
+              </a:extLst>
+            </p:cNvPr>
+            <p:cNvSpPr/>
+            <p:nvPr/>
+          </p:nvSpPr>
+          <p:spPr bwMode="auto">
+            <a:xfrm>
+              <a:off x="7020272" y="1772816"/>
+              <a:ext cx="158348" cy="158348"/>
+            </a:xfrm>
+            <a:prstGeom prst="ellipse">
+              <a:avLst/>
+            </a:prstGeom>
+            <a:solidFill>
+              <a:schemeClr val="bg1"/>
+            </a:solidFill>
+            <a:ln w="9525" cap="flat" cmpd="sng" algn="ctr">
+              <a:solidFill>
+                <a:schemeClr val="tx1"/>
+              </a:solidFill>
+              <a:prstDash val="solid"/>
+              <a:round/>
+              <a:headEnd type="none" w="med" len="med"/>
+              <a:tailEnd type="none" w="med" len="med"/>
+            </a:ln>
+            <a:effectLst/>
+            <a:extLst/>
+          </p:spPr>
+          <p:txBody>
+            <a:bodyPr vert="horz" wrap="square" lIns="91440" tIns="45720" rIns="91440" bIns="45720" numCol="1" rtlCol="0" anchor="t" anchorCtr="0" compatLnSpc="1">
+              <a:prstTxWarp prst="textNoShape">
+                <a:avLst/>
+              </a:prstTxWarp>
+            </a:bodyPr>
+            <a:lstStyle/>
+            <a:p>
+              <a:pPr marL="0" marR="0" indent="0" algn="l" defTabSz="914400" rtl="0" eaLnBrk="1" fontAlgn="base" latinLnBrk="0" hangingPunct="1">
+                <a:lnSpc>
+                  <a:spcPct val="100000"/>
+                </a:lnSpc>
+                <a:spcBef>
+                  <a:spcPct val="0"/>
+                </a:spcBef>
+                <a:spcAft>
+                  <a:spcPct val="0"/>
+                </a:spcAft>
+                <a:buClrTx/>
+                <a:buSzTx/>
+                <a:buFontTx/>
+                <a:buNone/>
+                <a:tabLst/>
+              </a:pPr>
+              <a:endParaRPr kumimoji="0" lang="th-TH" sz="1800" b="1" i="0" u="none" strike="noStrike" cap="none" normalizeH="0" baseline="0">
+                <a:ln>
+                  <a:noFill/>
+                </a:ln>
+                <a:solidFill>
+                  <a:schemeClr val="tx1"/>
+                </a:solidFill>
+                <a:effectLst/>
+                <a:latin typeface="Arial" panose="020B0604020202020204" pitchFamily="34" charset="0"/>
+              </a:endParaRPr>
+            </a:p>
+          </p:txBody>
+        </p:sp>
+        <p:pic>
+          <p:nvPicPr>
+            <p:cNvPr id="37" name="Picture 36">
+              <a:extLst>
+                <a:ext uri="{FF2B5EF4-FFF2-40B4-BE49-F238E27FC236}">
+                  <a16:creationId xmlns:a16="http://schemas.microsoft.com/office/drawing/2014/main" id="{B6E6FEC5-97FA-401A-910E-F264EDEF5895}"/>
+                </a:ext>
+              </a:extLst>
+            </p:cNvPr>
+            <p:cNvPicPr>
+              <a:picLocks noChangeAspect="1"/>
+            </p:cNvPicPr>
+            <p:nvPr/>
+          </p:nvPicPr>
+          <p:blipFill>
+            <a:blip r:embed="rId10">
+              <a:extLst>
+                <a:ext uri="{28A0092B-C50C-407E-A947-70E740481C1C}">
+                  <a14:useLocalDpi xmlns:a14="http://schemas.microsoft.com/office/drawing/2010/main" val="0"/>
+                </a:ext>
+              </a:extLst>
+            </a:blip>
+            <a:stretch>
+              <a:fillRect/>
+            </a:stretch>
+          </p:blipFill>
+          <p:spPr>
+            <a:xfrm>
+              <a:off x="7178620" y="1165684"/>
+              <a:ext cx="1214264" cy="1214264"/>
+            </a:xfrm>
+            <a:prstGeom prst="rect">
+              <a:avLst/>
+            </a:prstGeom>
+          </p:spPr>
+        </p:pic>
+      </p:grpSp>
+      <p:cxnSp>
+        <p:nvCxnSpPr>
+          <p:cNvPr id="21" name="Straight Connector 20">
+            <a:extLst>
+              <a:ext uri="{FF2B5EF4-FFF2-40B4-BE49-F238E27FC236}">
+                <a16:creationId xmlns:a16="http://schemas.microsoft.com/office/drawing/2014/main" id="{EA74A633-B3B7-4EA4-A383-D446E3317571}"/>
+              </a:ext>
+            </a:extLst>
+          </p:cNvPr>
+          <p:cNvCxnSpPr>
+            <a:cxnSpLocks/>
+          </p:cNvCxnSpPr>
+          <p:nvPr/>
+        </p:nvCxnSpPr>
+        <p:spPr bwMode="auto">
+          <a:xfrm flipH="1" flipV="1">
+            <a:off x="4355976" y="764704"/>
+            <a:ext cx="4046686" cy="9292"/>
+          </a:xfrm>
+          <a:prstGeom prst="line">
+            <a:avLst/>
+          </a:prstGeom>
+          <a:solidFill>
+            <a:schemeClr val="accent1"/>
+          </a:solidFill>
+          <a:ln w="25400" cap="flat" cmpd="sng" algn="ctr">
+            <a:solidFill>
+              <a:schemeClr val="tx1">
+                <a:lumMod val="50000"/>
+              </a:schemeClr>
+            </a:solidFill>
+            <a:prstDash val="solid"/>
+            <a:round/>
+            <a:headEnd type="none" w="med" len="med"/>
+            <a:tailEnd type="oval" w="med" len="med"/>
+          </a:ln>
+          <a:effectLst/>
+          <a:extLst>
+            <a:ext uri="{AF507438-7753-43E0-B8FC-AC1667EBCBE1}">
+              <a14:hiddenEffects xmlns:a14="http://schemas.microsoft.com/office/drawing/2010/main">
+                <a:effectLst>
+                  <a:outerShdw dist="35921" dir="2700000" algn="ctr" rotWithShape="0">
+                    <a:schemeClr val="bg2"/>
+                  </a:outerShdw>
+                </a:effectLst>
+              </a14:hiddenEffects>
+            </a:ext>
+          </a:extLst>
+        </p:spPr>
+      </p:cxnSp>
+      <p:pic>
+        <p:nvPicPr>
+          <p:cNvPr id="40" name="Picture 39">
+            <a:extLst>
+              <a:ext uri="{FF2B5EF4-FFF2-40B4-BE49-F238E27FC236}">
+                <a16:creationId xmlns:a16="http://schemas.microsoft.com/office/drawing/2014/main" id="{C3C8D6D2-1277-42DE-B258-290F420B53D9}"/>
+              </a:ext>
+            </a:extLst>
+          </p:cNvPr>
+          <p:cNvPicPr>
+            <a:picLocks noChangeAspect="1"/>
+          </p:cNvPicPr>
+          <p:nvPr/>
+        </p:nvPicPr>
+        <p:blipFill>
+          <a:blip r:embed="rId11">
+            <a:extLst>
+              <a:ext uri="{28A0092B-C50C-407E-A947-70E740481C1C}">
+                <a14:useLocalDpi xmlns:a14="http://schemas.microsoft.com/office/drawing/2010/main" val="0"/>
+              </a:ext>
+            </a:extLst>
+          </a:blip>
+          <a:stretch>
+            <a:fillRect/>
+          </a:stretch>
+        </p:blipFill>
+        <p:spPr>
+          <a:xfrm>
+            <a:off x="2267744" y="3284984"/>
+            <a:ext cx="1677062" cy="1257797"/>
+          </a:xfrm>
+          <a:prstGeom prst="ellipse">
+            <a:avLst/>
+          </a:prstGeom>
+          <a:ln>
+            <a:noFill/>
+          </a:ln>
+          <a:effectLst>
+            <a:softEdge rad="112500"/>
+          </a:effectLst>
+        </p:spPr>
+      </p:pic>
+    </p:spTree>
+    <p:extLst>
+      <p:ext uri="{BB962C8B-B14F-4D97-AF65-F5344CB8AC3E}">
+        <p14:creationId xmlns:p14="http://schemas.microsoft.com/office/powerpoint/2010/main" val="26833366"/>
+      </p:ext>
+    </p:extLst>
+  </p:cSld>
+  <p:clrMapOvr>
+    <a:masterClrMapping/>
+  </p:clrMapOvr>
+  <p:timing>
+    <p:tnLst>
+      <p:par>
+        <p:cTn id="1" dur="indefinite" restart="never" nodeType="tmRoot">
+          <p:childTnLst>
+            <p:seq concurrent="1" nextAc="seek">
+              <p:cTn id="2" dur="indefinite" nodeType="mainSeq">
+                <p:childTnLst>
+                  <p:par>
+                    <p:cTn id="3" fill="hold">
+                      <p:stCondLst>
+                        <p:cond delay="indefinite"/>
+                      </p:stCondLst>
+                      <p:childTnLst>
+                        <p:par>
+                          <p:cTn id="4" fill="hold">
+                            <p:stCondLst>
+                              <p:cond delay="0"/>
+                            </p:stCondLst>
+                            <p:childTnLst>
+                              <p:par>
+                                <p:cTn id="5" presetID="10" presetClass="entr" presetSubtype="0" fill="hold" grpId="0" nodeType="clickEffect">
+                                  <p:stCondLst>
+                                    <p:cond delay="0"/>
+                                  </p:stCondLst>
+                                  <p:childTnLst>
+                                    <p:set>
+                                      <p:cBhvr>
+                                        <p:cTn id="6" dur="1" fill="hold">
+                                          <p:stCondLst>
+                                            <p:cond delay="0"/>
+                                          </p:stCondLst>
+                                        </p:cTn>
+                                        <p:tgtEl>
+                                          <p:spTgt spid="24"/>
+                                        </p:tgtEl>
+                                        <p:attrNameLst>
+                                          <p:attrName>style.visibility</p:attrName>
+                                        </p:attrNameLst>
+                                      </p:cBhvr>
+                                      <p:to>
+                                        <p:strVal val="visible"/>
+                                      </p:to>
+                                    </p:set>
+                                    <p:animEffect transition="in" filter="fade">
+                                      <p:cBhvr>
+                                        <p:cTn id="7" dur="500"/>
+                                        <p:tgtEl>
+                                          <p:spTgt spid="24"/>
+                                        </p:tgtEl>
+                                      </p:cBhvr>
+                                    </p:animEffect>
+                                  </p:childTnLst>
+                                </p:cTn>
+                              </p:par>
+                            </p:childTnLst>
+                          </p:cTn>
+                        </p:par>
+                        <p:par>
+                          <p:cTn id="8" fill="hold">
+                            <p:stCondLst>
+                              <p:cond delay="500"/>
+                            </p:stCondLst>
+                            <p:childTnLst>
+                              <p:par>
+                                <p:cTn id="9" presetID="22" presetClass="entr" presetSubtype="1" fill="hold" grpId="0" nodeType="afterEffect">
+                                  <p:stCondLst>
+                                    <p:cond delay="0"/>
+                                  </p:stCondLst>
+                                  <p:childTnLst>
+                                    <p:set>
+                                      <p:cBhvr>
+                                        <p:cTn id="10" dur="1" fill="hold">
+                                          <p:stCondLst>
+                                            <p:cond delay="0"/>
+                                          </p:stCondLst>
+                                        </p:cTn>
+                                        <p:tgtEl>
+                                          <p:spTgt spid="25"/>
+                                        </p:tgtEl>
+                                        <p:attrNameLst>
+                                          <p:attrName>style.visibility</p:attrName>
+                                        </p:attrNameLst>
+                                      </p:cBhvr>
+                                      <p:to>
+                                        <p:strVal val="visible"/>
+                                      </p:to>
+                                    </p:set>
+                                    <p:animEffect transition="in" filter="wipe(up)">
+                                      <p:cBhvr>
+                                        <p:cTn id="11" dur="500"/>
+                                        <p:tgtEl>
+                                          <p:spTgt spid="25"/>
+                                        </p:tgtEl>
+                                      </p:cBhvr>
+                                    </p:animEffect>
+                                  </p:childTnLst>
+                                </p:cTn>
+                              </p:par>
+                            </p:childTnLst>
+                          </p:cTn>
+                        </p:par>
+                      </p:childTnLst>
+                    </p:cTn>
+                  </p:par>
+                  <p:par>
+                    <p:cTn id="12" fill="hold">
+                      <p:stCondLst>
+                        <p:cond delay="indefinite"/>
+                      </p:stCondLst>
+                      <p:childTnLst>
+                        <p:par>
+                          <p:cTn id="13" fill="hold">
+                            <p:stCondLst>
+                              <p:cond delay="0"/>
+                            </p:stCondLst>
+                            <p:childTnLst>
+                              <p:par>
+                                <p:cTn id="14" presetID="21" presetClass="entr" presetSubtype="1" fill="hold" nodeType="clickEffect">
+                                  <p:stCondLst>
+                                    <p:cond delay="0"/>
+                                  </p:stCondLst>
+                                  <p:childTnLst>
+                                    <p:set>
+                                      <p:cBhvr>
+                                        <p:cTn id="15" dur="1" fill="hold">
+                                          <p:stCondLst>
+                                            <p:cond delay="0"/>
+                                          </p:stCondLst>
+                                        </p:cTn>
+                                        <p:tgtEl>
+                                          <p:spTgt spid="31"/>
+                                        </p:tgtEl>
+                                        <p:attrNameLst>
+                                          <p:attrName>style.visibility</p:attrName>
+                                        </p:attrNameLst>
+                                      </p:cBhvr>
+                                      <p:to>
+                                        <p:strVal val="visible"/>
+                                      </p:to>
+                                    </p:set>
+                                    <p:animEffect transition="in" filter="wheel(1)">
+                                      <p:cBhvr>
+                                        <p:cTn id="16" dur="1000"/>
+                                        <p:tgtEl>
+                                          <p:spTgt spid="31"/>
+                                        </p:tgtEl>
+                                      </p:cBhvr>
+                                    </p:animEffect>
+                                  </p:childTnLst>
+                                </p:cTn>
+                              </p:par>
+                            </p:childTnLst>
+                          </p:cTn>
+                        </p:par>
+                      </p:childTnLst>
+                    </p:cTn>
+                  </p:par>
+                  <p:par>
+                    <p:cTn id="17" fill="hold">
+                      <p:stCondLst>
+                        <p:cond delay="indefinite"/>
+                      </p:stCondLst>
+                      <p:childTnLst>
+                        <p:par>
+                          <p:cTn id="18" fill="hold">
+                            <p:stCondLst>
+                              <p:cond delay="0"/>
+                            </p:stCondLst>
+                            <p:childTnLst>
+                              <p:par>
+                                <p:cTn id="19" presetID="22" presetClass="entr" presetSubtype="8" fill="hold" nodeType="clickEffect">
+                                  <p:stCondLst>
+                                    <p:cond delay="0"/>
+                                  </p:stCondLst>
+                                  <p:childTnLst>
+                                    <p:set>
+                                      <p:cBhvr>
+                                        <p:cTn id="20" dur="1" fill="hold">
+                                          <p:stCondLst>
+                                            <p:cond delay="0"/>
+                                          </p:stCondLst>
+                                        </p:cTn>
+                                        <p:tgtEl>
+                                          <p:spTgt spid="38"/>
+                                        </p:tgtEl>
+                                        <p:attrNameLst>
+                                          <p:attrName>style.visibility</p:attrName>
+                                        </p:attrNameLst>
+                                      </p:cBhvr>
+                                      <p:to>
+                                        <p:strVal val="visible"/>
+                                      </p:to>
+                                    </p:set>
+                                    <p:animEffect transition="in" filter="wipe(left)">
+                                      <p:cBhvr>
+                                        <p:cTn id="21" dur="500"/>
+                                        <p:tgtEl>
+                                          <p:spTgt spid="38"/>
+                                        </p:tgtEl>
+                                      </p:cBhvr>
+                                    </p:animEffect>
+                                  </p:childTnLst>
+                                </p:cTn>
+                              </p:par>
+                            </p:childTnLst>
+                          </p:cTn>
+                        </p:par>
+                      </p:childTnLst>
+                    </p:cTn>
+                  </p:par>
+                  <p:par>
+                    <p:cTn id="22" fill="hold">
+                      <p:stCondLst>
+                        <p:cond delay="indefinite"/>
+                      </p:stCondLst>
+                      <p:childTnLst>
+                        <p:par>
+                          <p:cTn id="23" fill="hold">
+                            <p:stCondLst>
+                              <p:cond delay="0"/>
+                            </p:stCondLst>
+                            <p:childTnLst>
+                              <p:par>
+                                <p:cTn id="24" presetID="53" presetClass="entr" presetSubtype="16" fill="hold" nodeType="clickEffect">
+                                  <p:stCondLst>
+                                    <p:cond delay="0"/>
+                                  </p:stCondLst>
+                                  <p:childTnLst>
+                                    <p:set>
+                                      <p:cBhvr>
+                                        <p:cTn id="25" dur="1" fill="hold">
+                                          <p:stCondLst>
+                                            <p:cond delay="0"/>
+                                          </p:stCondLst>
+                                        </p:cTn>
+                                        <p:tgtEl>
+                                          <p:spTgt spid="40"/>
+                                        </p:tgtEl>
+                                        <p:attrNameLst>
+                                          <p:attrName>style.visibility</p:attrName>
+                                        </p:attrNameLst>
+                                      </p:cBhvr>
+                                      <p:to>
+                                        <p:strVal val="visible"/>
+                                      </p:to>
+                                    </p:set>
+                                    <p:anim calcmode="lin" valueType="num">
+                                      <p:cBhvr>
+                                        <p:cTn id="26" dur="500" fill="hold"/>
+                                        <p:tgtEl>
+                                          <p:spTgt spid="40"/>
+                                        </p:tgtEl>
+                                        <p:attrNameLst>
+                                          <p:attrName>ppt_w</p:attrName>
+                                        </p:attrNameLst>
+                                      </p:cBhvr>
+                                      <p:tavLst>
+                                        <p:tav tm="0">
+                                          <p:val>
+                                            <p:fltVal val="0"/>
+                                          </p:val>
+                                        </p:tav>
+                                        <p:tav tm="100000">
+                                          <p:val>
+                                            <p:strVal val="#ppt_w"/>
+                                          </p:val>
+                                        </p:tav>
+                                      </p:tavLst>
+                                    </p:anim>
+                                    <p:anim calcmode="lin" valueType="num">
+                                      <p:cBhvr>
+                                        <p:cTn id="27" dur="500" fill="hold"/>
+                                        <p:tgtEl>
+                                          <p:spTgt spid="40"/>
+                                        </p:tgtEl>
+                                        <p:attrNameLst>
+                                          <p:attrName>ppt_h</p:attrName>
+                                        </p:attrNameLst>
+                                      </p:cBhvr>
+                                      <p:tavLst>
+                                        <p:tav tm="0">
+                                          <p:val>
+                                            <p:fltVal val="0"/>
+                                          </p:val>
+                                        </p:tav>
+                                        <p:tav tm="100000">
+                                          <p:val>
+                                            <p:strVal val="#ppt_h"/>
+                                          </p:val>
+                                        </p:tav>
+                                      </p:tavLst>
+                                    </p:anim>
+                                    <p:animEffect transition="in" filter="fade">
+                                      <p:cBhvr>
+                                        <p:cTn id="28" dur="500"/>
+                                        <p:tgtEl>
+                                          <p:spTgt spid="40"/>
+                                        </p:tgtEl>
+                                      </p:cBhvr>
+                                    </p:animEffect>
+                                  </p:childTnLst>
+                                </p:cTn>
+                              </p:par>
+                            </p:childTnLst>
+                          </p:cTn>
+                        </p:par>
+                      </p:childTnLst>
+                    </p:cTn>
+                  </p:par>
+                </p:childTnLst>
+              </p:cTn>
+              <p:prevCondLst>
+                <p:cond evt="onPrev" delay="0">
+                  <p:tgtEl>
+                    <p:sldTgt/>
+                  </p:tgtEl>
+                </p:cond>
+              </p:prevCondLst>
+              <p:nextCondLst>
+                <p:cond evt="onNext" delay="0">
+                  <p:tgtEl>
+                    <p:sldTgt/>
+                  </p:tgtEl>
+                </p:cond>
+              </p:nextCondLst>
+            </p:seq>
+          </p:childTnLst>
+        </p:cTn>
+      </p:par>
+    </p:tnLst>
+    <p:bldLst>
+      <p:bldP spid="24" grpId="0"/>
+      <p:bldGraphic spid="25" grpId="0">
+        <p:bldAsOne/>
+      </p:bldGraphic>
+    </p:bldLst>
+  </p:timing>
+</p:sld>
+</file>
+
+<file path=ppt/slides/slide4.xml><?xml version="1.0" encoding="utf-8"?>
+<p:sld xmlns:a="http://schemas.openxmlformats.org/drawingml/2006/main" xmlns:r="http://schemas.openxmlformats.org/officeDocument/2006/relationships" xmlns:p="http://schemas.openxmlformats.org/presentationml/2006/main">
+  <p:cSld>
+    <p:spTree>
+      <p:nvGrpSpPr>
+        <p:cNvPr id="1" name=""/>
+        <p:cNvGrpSpPr/>
+        <p:nvPr/>
+      </p:nvGrpSpPr>
+      <p:grpSpPr>
+        <a:xfrm>
+          <a:off x="0" y="0"/>
+          <a:ext cx="0" cy="0"/>
+          <a:chOff x="0" y="0"/>
+          <a:chExt cx="0" cy="0"/>
+        </a:xfrm>
+      </p:grpSpPr>
+      <p:sp>
+        <p:nvSpPr>
+          <p:cNvPr id="17" name="TextBox 16">
+            <a:extLst>
+              <a:ext uri="{FF2B5EF4-FFF2-40B4-BE49-F238E27FC236}">
+                <a16:creationId xmlns:a16="http://schemas.microsoft.com/office/drawing/2014/main" id="{61E97FBE-7171-432F-A852-0A455BD7CC60}"/>
+              </a:ext>
+            </a:extLst>
+          </p:cNvPr>
+          <p:cNvSpPr txBox="1"/>
+          <p:nvPr/>
+        </p:nvSpPr>
+        <p:spPr>
+          <a:xfrm>
+            <a:off x="4514230" y="334397"/>
+            <a:ext cx="3744416" cy="646331"/>
+          </a:xfrm>
+          <a:prstGeom prst="rect">
+            <a:avLst/>
+          </a:prstGeom>
+          <a:noFill/>
+        </p:spPr>
+        <p:txBody>
+          <a:bodyPr wrap="square" rtlCol="0">
+            <a:spAutoFit/>
+          </a:bodyPr>
+          <a:lstStyle/>
+          <a:p>
+            <a:pPr algn="ctr"/>
+            <a:r>
+              <a:rPr lang="en-US" sz="3600" dirty="0">
+                <a:latin typeface="TH Sarabun New" panose="020B0500040200020003" pitchFamily="34" charset="-34"/>
+                <a:cs typeface="TH Sarabun New" panose="020B0500040200020003" pitchFamily="34" charset="-34"/>
+              </a:rPr>
+              <a:t>Introduction</a:t>
+            </a:r>
+            <a:endParaRPr lang="th-TH" sz="3600" dirty="0">
+              <a:latin typeface="TH Sarabun New" panose="020B0500040200020003" pitchFamily="34" charset="-34"/>
+              <a:cs typeface="TH Sarabun New" panose="020B0500040200020003" pitchFamily="34" charset="-34"/>
+            </a:endParaRPr>
+          </a:p>
+        </p:txBody>
+      </p:sp>
+      <p:pic>
+        <p:nvPicPr>
+          <p:cNvPr id="15" name="Graphic 14" descr="Pencil">
+            <a:extLst>
+              <a:ext uri="{FF2B5EF4-FFF2-40B4-BE49-F238E27FC236}">
+                <a16:creationId xmlns:a16="http://schemas.microsoft.com/office/drawing/2014/main" id="{1682B19D-471D-430F-ACB7-F5AC1EEBA49F}"/>
+              </a:ext>
+            </a:extLst>
+          </p:cNvPr>
+          <p:cNvPicPr>
+            <a:picLocks noChangeAspect="1"/>
+          </p:cNvPicPr>
+          <p:nvPr/>
+        </p:nvPicPr>
+        <p:blipFill>
+          <a:blip r:embed="rId2">
+            <a:extLst>
+              <a:ext uri="{28A0092B-C50C-407E-A947-70E740481C1C}">
+                <a14:useLocalDpi xmlns:a14="http://schemas.microsoft.com/office/drawing/2010/main" val="0"/>
+              </a:ext>
+              <a:ext uri="{96DAC541-7B7A-43D3-8B79-37D633B846F1}">
+                <asvg:svgBlip xmlns:asvg="http://schemas.microsoft.com/office/drawing/2016/SVG/main" r:embed="rId3"/>
+              </a:ext>
+            </a:extLst>
+          </a:blip>
+          <a:stretch>
+            <a:fillRect/>
+          </a:stretch>
+        </p:blipFill>
+        <p:spPr>
+          <a:xfrm>
+            <a:off x="8330654" y="-18092"/>
+            <a:ext cx="864096" cy="864096"/>
+          </a:xfrm>
+          <a:prstGeom prst="rect">
+            <a:avLst/>
+          </a:prstGeom>
+        </p:spPr>
+      </p:pic>
+      <p:sp>
+        <p:nvSpPr>
+          <p:cNvPr id="24" name="TextBox 23">
+            <a:extLst>
+              <a:ext uri="{FF2B5EF4-FFF2-40B4-BE49-F238E27FC236}">
+                <a16:creationId xmlns:a16="http://schemas.microsoft.com/office/drawing/2014/main" id="{B7025EDA-AF24-4907-A52B-C32AE8B3D367}"/>
+              </a:ext>
+            </a:extLst>
+          </p:cNvPr>
+          <p:cNvSpPr txBox="1"/>
+          <p:nvPr/>
+        </p:nvSpPr>
+        <p:spPr>
+          <a:xfrm>
+            <a:off x="4825417" y="834971"/>
+            <a:ext cx="3122042" cy="369332"/>
+          </a:xfrm>
+          <a:prstGeom prst="rect">
+            <a:avLst/>
+          </a:prstGeom>
+          <a:noFill/>
+        </p:spPr>
+        <p:txBody>
+          <a:bodyPr wrap="square" rtlCol="0">
+            <a:spAutoFit/>
+          </a:bodyPr>
+          <a:lstStyle/>
+          <a:p>
+            <a:pPr algn="ctr"/>
+            <a:r>
+              <a:rPr lang="en-US" dirty="0"/>
+              <a:t>From past to present</a:t>
+            </a:r>
+            <a:endParaRPr lang="th-TH" dirty="0"/>
+          </a:p>
+        </p:txBody>
+      </p:sp>
+      <p:cxnSp>
+        <p:nvCxnSpPr>
+          <p:cNvPr id="21" name="Straight Connector 20">
+            <a:extLst>
+              <a:ext uri="{FF2B5EF4-FFF2-40B4-BE49-F238E27FC236}">
+                <a16:creationId xmlns:a16="http://schemas.microsoft.com/office/drawing/2014/main" id="{EA74A633-B3B7-4EA4-A383-D446E3317571}"/>
+              </a:ext>
+            </a:extLst>
+          </p:cNvPr>
+          <p:cNvCxnSpPr>
+            <a:cxnSpLocks/>
+          </p:cNvCxnSpPr>
+          <p:nvPr/>
+        </p:nvCxnSpPr>
+        <p:spPr bwMode="auto">
+          <a:xfrm flipH="1" flipV="1">
+            <a:off x="4355976" y="764704"/>
+            <a:ext cx="4046686" cy="9292"/>
+          </a:xfrm>
+          <a:prstGeom prst="line">
+            <a:avLst/>
+          </a:prstGeom>
+          <a:solidFill>
+            <a:schemeClr val="accent1"/>
+          </a:solidFill>
+          <a:ln w="25400" cap="flat" cmpd="sng" algn="ctr">
+            <a:solidFill>
+              <a:schemeClr val="tx1">
+                <a:lumMod val="50000"/>
+              </a:schemeClr>
+            </a:solidFill>
+            <a:prstDash val="solid"/>
+            <a:round/>
+            <a:headEnd type="none" w="med" len="med"/>
+            <a:tailEnd type="oval" w="med" len="med"/>
+          </a:ln>
+          <a:effectLst/>
+          <a:extLst>
+            <a:ext uri="{AF507438-7753-43E0-B8FC-AC1667EBCBE1}">
+              <a14:hiddenEffects xmlns:a14="http://schemas.microsoft.com/office/drawing/2010/main">
+                <a:effectLst>
+                  <a:outerShdw dist="35921" dir="2700000" algn="ctr" rotWithShape="0">
+                    <a:schemeClr val="bg2"/>
+                  </a:outerShdw>
+                </a:effectLst>
+              </a14:hiddenEffects>
+            </a:ext>
+          </a:extLst>
+        </p:spPr>
+      </p:cxnSp>
+      <p:graphicFrame>
+        <p:nvGraphicFramePr>
+          <p:cNvPr id="2" name="Diagram 1">
+            <a:extLst>
+              <a:ext uri="{FF2B5EF4-FFF2-40B4-BE49-F238E27FC236}">
+                <a16:creationId xmlns:a16="http://schemas.microsoft.com/office/drawing/2014/main" id="{62CDBACA-BD4A-49D5-A523-CCE166303891}"/>
+              </a:ext>
+            </a:extLst>
+          </p:cNvPr>
+          <p:cNvGraphicFramePr/>
+          <p:nvPr>
+            <p:extLst>
+              <p:ext uri="{D42A27DB-BD31-4B8C-83A1-F6EECF244321}">
+                <p14:modId xmlns:p14="http://schemas.microsoft.com/office/powerpoint/2010/main" val="1244300663"/>
+              </p:ext>
+            </p:extLst>
+          </p:nvPr>
+        </p:nvGraphicFramePr>
+        <p:xfrm>
+          <a:off x="539552" y="1752939"/>
+          <a:ext cx="8208912" cy="3625496"/>
+        </p:xfrm>
+        <a:graphic>
+          <a:graphicData uri="http://schemas.openxmlformats.org/drawingml/2006/diagram">
+            <dgm:relIds xmlns:dgm="http://schemas.openxmlformats.org/drawingml/2006/diagram" xmlns:r="http://schemas.openxmlformats.org/officeDocument/2006/relationships" r:dm="rId4" r:lo="rId5" r:qs="rId6" r:cs="rId7"/>
+          </a:graphicData>
+        </a:graphic>
+      </p:graphicFrame>
+    </p:spTree>
+    <p:extLst>
+      <p:ext uri="{BB962C8B-B14F-4D97-AF65-F5344CB8AC3E}">
+        <p14:creationId xmlns:p14="http://schemas.microsoft.com/office/powerpoint/2010/main" val="1019138484"/>
+      </p:ext>
+    </p:extLst>
+  </p:cSld>
+  <p:clrMapOvr>
+    <a:masterClrMapping/>
+  </p:clrMapOvr>
+  <p:timing>
+    <p:tnLst>
+      <p:par>
+        <p:cTn id="1" dur="indefinite" restart="never" nodeType="tmRoot">
+          <p:childTnLst>
+            <p:seq concurrent="1" nextAc="seek">
+              <p:cTn id="2" dur="indefinite" nodeType="mainSeq">
+                <p:childTnLst>
+                  <p:par>
+                    <p:cTn id="3" fill="hold">
+                      <p:stCondLst>
+                        <p:cond delay="indefinite"/>
+                      </p:stCondLst>
+                      <p:childTnLst>
+                        <p:par>
+                          <p:cTn id="4" fill="hold">
+                            <p:stCondLst>
+                              <p:cond delay="0"/>
+                            </p:stCondLst>
+                            <p:childTnLst>
+                              <p:par>
+                                <p:cTn id="5" presetID="10" presetClass="entr" presetSubtype="0" fill="hold" grpId="0" nodeType="clickEffect">
+                                  <p:stCondLst>
+                                    <p:cond delay="0"/>
+                                  </p:stCondLst>
+                                  <p:childTnLst>
+                                    <p:set>
+                                      <p:cBhvr>
+                                        <p:cTn id="6" dur="1" fill="hold">
+                                          <p:stCondLst>
+                                            <p:cond delay="0"/>
+                                          </p:stCondLst>
+                                        </p:cTn>
+                                        <p:tgtEl>
+                                          <p:spTgt spid="24"/>
+                                        </p:tgtEl>
+                                        <p:attrNameLst>
+                                          <p:attrName>style.visibility</p:attrName>
+                                        </p:attrNameLst>
+                                      </p:cBhvr>
+                                      <p:to>
+                                        <p:strVal val="visible"/>
+                                      </p:to>
+                                    </p:set>
+                                    <p:animEffect transition="in" filter="fade">
+                                      <p:cBhvr>
+                                        <p:cTn id="7" dur="500"/>
+                                        <p:tgtEl>
+                                          <p:spTgt spid="24"/>
+                                        </p:tgtEl>
+                                      </p:cBhvr>
+                                    </p:animEffect>
+                                  </p:childTnLst>
+                                </p:cTn>
+                              </p:par>
+                            </p:childTnLst>
+                          </p:cTn>
+                        </p:par>
+                      </p:childTnLst>
+                    </p:cTn>
+                  </p:par>
+                </p:childTnLst>
+              </p:cTn>
+              <p:prevCondLst>
+                <p:cond evt="onPrev" delay="0">
+                  <p:tgtEl>
+                    <p:sldTgt/>
+                  </p:tgtEl>
+                </p:cond>
+              </p:prevCondLst>
+              <p:nextCondLst>
+                <p:cond evt="onNext" delay="0">
+                  <p:tgtEl>
+                    <p:sldTgt/>
+                  </p:tgtEl>
+                </p:cond>
+              </p:nextCondLst>
+            </p:seq>
+          </p:childTnLst>
+        </p:cTn>
+      </p:par>
+    </p:tnLst>
+    <p:bldLst>
+      <p:bldP spid="24" grpId="0"/>
+    </p:bldLst>
+  </p:timing>
+</p:sld>
+</file>
+
+<file path=ppt/slides/slide5.xml><?xml version="1.0" encoding="utf-8"?>
 <p:sld xmlns:a="http://schemas.openxmlformats.org/drawingml/2006/main" xmlns:r="http://schemas.openxmlformats.org/officeDocument/2006/relationships" xmlns:p="http://schemas.openxmlformats.org/presentationml/2006/main">
   <p:cSld>
     <p:spTree>
@@ -11257,7 +18255,7 @@
 </p:sld>
 </file>
 
-<file path=ppt/slides/slide4.xml><?xml version="1.0" encoding="utf-8"?>
+<file path=ppt/slides/slide6.xml><?xml version="1.0" encoding="utf-8"?>
 <p:sld xmlns:a="http://schemas.openxmlformats.org/drawingml/2006/main" xmlns:r="http://schemas.openxmlformats.org/officeDocument/2006/relationships" xmlns:p="http://schemas.openxmlformats.org/presentationml/2006/main">
   <p:cSld>
     <p:spTree>
@@ -11274,92 +18272,6 @@
           <a:chExt cx="0" cy="0"/>
         </a:xfrm>
       </p:grpSpPr>
-      <p:sp>
-        <p:nvSpPr>
-          <p:cNvPr id="26" name="Hexagon 25">
-            <a:extLst>
-              <a:ext uri="{FF2B5EF4-FFF2-40B4-BE49-F238E27FC236}">
-                <a16:creationId xmlns:a16="http://schemas.microsoft.com/office/drawing/2014/main" id="{EC93C414-DD40-41C2-8AC1-39FE53D30460}"/>
-              </a:ext>
-            </a:extLst>
-          </p:cNvPr>
-          <p:cNvSpPr/>
-          <p:nvPr/>
-        </p:nvSpPr>
-        <p:spPr>
-          <a:xfrm>
-            <a:off x="5580112" y="4101094"/>
-            <a:ext cx="1313759" cy="1128106"/>
-          </a:xfrm>
-          <a:prstGeom prst="hexagon">
-            <a:avLst>
-              <a:gd name="adj" fmla="val 25000"/>
-              <a:gd name="vf" fmla="val 115470"/>
-            </a:avLst>
-          </a:prstGeom>
-          <a:solidFill>
-            <a:srgbClr val="9B6902">
-              <a:lumMod val="40000"/>
-              <a:lumOff val="60000"/>
-            </a:srgbClr>
-          </a:solidFill>
-          <a:ln w="12700" cap="flat" cmpd="sng" algn="ctr">
-            <a:solidFill>
-              <a:srgbClr val="9B6902">
-                <a:lumMod val="20000"/>
-                <a:lumOff val="80000"/>
-              </a:srgbClr>
-            </a:solidFill>
-            <a:prstDash val="solid"/>
-            <a:miter lim="800000"/>
-          </a:ln>
-          <a:effectLst/>
-        </p:spPr>
-        <p:style>
-          <a:lnRef idx="2">
-            <a:scrgbClr r="0" g="0" b="0"/>
-          </a:lnRef>
-          <a:fillRef idx="1">
-            <a:scrgbClr r="0" g="0" b="0"/>
-          </a:fillRef>
-          <a:effectRef idx="0">
-            <a:scrgbClr r="0" g="0" b="0"/>
-          </a:effectRef>
-          <a:fontRef idx="minor">
-            <a:schemeClr val="dk1">
-              <a:hueOff val="0"/>
-              <a:satOff val="0"/>
-              <a:lumOff val="0"/>
-              <a:alphaOff val="0"/>
-            </a:schemeClr>
-          </a:fontRef>
-        </p:style>
-      </p:sp>
-      <p:sp>
-        <p:nvSpPr>
-          <p:cNvPr id="2" name="Content Placeholder 1">
-            <a:extLst>
-              <a:ext uri="{FF2B5EF4-FFF2-40B4-BE49-F238E27FC236}">
-                <a16:creationId xmlns:a16="http://schemas.microsoft.com/office/drawing/2014/main" id="{9BE7A2A6-E4EF-4BE7-B973-6E4656253629}"/>
-              </a:ext>
-            </a:extLst>
-          </p:cNvPr>
-          <p:cNvSpPr>
-            <a:spLocks noGrp="1"/>
-          </p:cNvSpPr>
-          <p:nvPr>
-            <p:ph idx="1"/>
-          </p:nvPr>
-        </p:nvSpPr>
-        <p:spPr/>
-        <p:txBody>
-          <a:bodyPr/>
-          <a:lstStyle/>
-          <a:p>
-            <a:endParaRPr lang="th-TH"/>
-          </a:p>
-        </p:txBody>
-      </p:sp>
     </p:spTree>
     <p:extLst>
       <p:ext uri="{BB962C8B-B14F-4D97-AF65-F5344CB8AC3E}">
@@ -11370,13 +18282,13 @@
   <p:clrMapOvr>
     <a:masterClrMapping/>
   </p:clrMapOvr>
-  <mc:AlternateContent xmlns:mc="http://schemas.openxmlformats.org/markup-compatibility/2006">
-    <mc:Choice xmlns:p159="http://schemas.microsoft.com/office/powerpoint/2015/09/main" Requires="p159">
+  <mc:AlternateContent xmlns:mc="http://schemas.openxmlformats.org/markup-compatibility/2006" xmlns:p159="http://schemas.microsoft.com/office/powerpoint/2015/09/main">
+    <mc:Choice Requires="p159">
       <p:transition xmlns:p14="http://schemas.microsoft.com/office/powerpoint/2010/main" spd="slow" p14:dur="2000">
         <p159:morph option="byObject"/>
       </p:transition>
     </mc:Choice>
-    <mc:Fallback>
+    <mc:Fallback xmlns="">
       <p:transition spd="slow">
         <p:fade/>
       </p:transition>

--- a/document/บทที่ 1/บทที่ 1.pptx
+++ b/document/บทที่ 1/บทที่ 1.pptx
@@ -1676,1830 +1676,7 @@
 </dgm:colorsDef>
 </file>
 
-<file path=ppt/diagrams/colors3.xml><?xml version="1.0" encoding="utf-8"?>
-<dgm:colorsDef xmlns:dgm="http://schemas.openxmlformats.org/drawingml/2006/diagram" xmlns:a="http://schemas.openxmlformats.org/drawingml/2006/main" uniqueId="urn:microsoft.com/office/officeart/2005/8/colors/accent1_2">
-  <dgm:title val=""/>
-  <dgm:desc val=""/>
-  <dgm:catLst>
-    <dgm:cat type="accent1" pri="11200"/>
-  </dgm:catLst>
-  <dgm:styleLbl name="node0">
-    <dgm:fillClrLst meth="repeat">
-      <a:schemeClr val="accent1"/>
-    </dgm:fillClrLst>
-    <dgm:linClrLst meth="repeat">
-      <a:schemeClr val="lt1"/>
-    </dgm:linClrLst>
-    <dgm:effectClrLst/>
-    <dgm:txLinClrLst/>
-    <dgm:txFillClrLst/>
-    <dgm:txEffectClrLst/>
-  </dgm:styleLbl>
-  <dgm:styleLbl name="alignNode1">
-    <dgm:fillClrLst meth="repeat">
-      <a:schemeClr val="accent1"/>
-    </dgm:fillClrLst>
-    <dgm:linClrLst meth="repeat">
-      <a:schemeClr val="accent1"/>
-    </dgm:linClrLst>
-    <dgm:effectClrLst/>
-    <dgm:txLinClrLst/>
-    <dgm:txFillClrLst/>
-    <dgm:txEffectClrLst/>
-  </dgm:styleLbl>
-  <dgm:styleLbl name="node1">
-    <dgm:fillClrLst meth="repeat">
-      <a:schemeClr val="accent1"/>
-    </dgm:fillClrLst>
-    <dgm:linClrLst meth="repeat">
-      <a:schemeClr val="lt1"/>
-    </dgm:linClrLst>
-    <dgm:effectClrLst/>
-    <dgm:txLinClrLst/>
-    <dgm:txFillClrLst/>
-    <dgm:txEffectClrLst/>
-  </dgm:styleLbl>
-  <dgm:styleLbl name="lnNode1">
-    <dgm:fillClrLst meth="repeat">
-      <a:schemeClr val="accent1"/>
-    </dgm:fillClrLst>
-    <dgm:linClrLst meth="repeat">
-      <a:schemeClr val="lt1"/>
-    </dgm:linClrLst>
-    <dgm:effectClrLst/>
-    <dgm:txLinClrLst/>
-    <dgm:txFillClrLst/>
-    <dgm:txEffectClrLst/>
-  </dgm:styleLbl>
-  <dgm:styleLbl name="vennNode1">
-    <dgm:fillClrLst meth="repeat">
-      <a:schemeClr val="accent1">
-        <a:alpha val="50000"/>
-      </a:schemeClr>
-    </dgm:fillClrLst>
-    <dgm:linClrLst meth="repeat">
-      <a:schemeClr val="lt1"/>
-    </dgm:linClrLst>
-    <dgm:effectClrLst/>
-    <dgm:txLinClrLst/>
-    <dgm:txFillClrLst/>
-    <dgm:txEffectClrLst/>
-  </dgm:styleLbl>
-  <dgm:styleLbl name="node2">
-    <dgm:fillClrLst meth="repeat">
-      <a:schemeClr val="accent1"/>
-    </dgm:fillClrLst>
-    <dgm:linClrLst meth="repeat">
-      <a:schemeClr val="lt1"/>
-    </dgm:linClrLst>
-    <dgm:effectClrLst/>
-    <dgm:txLinClrLst/>
-    <dgm:txFillClrLst/>
-    <dgm:txEffectClrLst/>
-  </dgm:styleLbl>
-  <dgm:styleLbl name="node3">
-    <dgm:fillClrLst meth="repeat">
-      <a:schemeClr val="accent1"/>
-    </dgm:fillClrLst>
-    <dgm:linClrLst meth="repeat">
-      <a:schemeClr val="lt1"/>
-    </dgm:linClrLst>
-    <dgm:effectClrLst/>
-    <dgm:txLinClrLst/>
-    <dgm:txFillClrLst/>
-    <dgm:txEffectClrLst/>
-  </dgm:styleLbl>
-  <dgm:styleLbl name="node4">
-    <dgm:fillClrLst meth="repeat">
-      <a:schemeClr val="accent1"/>
-    </dgm:fillClrLst>
-    <dgm:linClrLst meth="repeat">
-      <a:schemeClr val="lt1"/>
-    </dgm:linClrLst>
-    <dgm:effectClrLst/>
-    <dgm:txLinClrLst/>
-    <dgm:txFillClrLst/>
-    <dgm:txEffectClrLst/>
-  </dgm:styleLbl>
-  <dgm:styleLbl name="fgImgPlace1">
-    <dgm:fillClrLst meth="repeat">
-      <a:schemeClr val="accent1">
-        <a:tint val="50000"/>
-      </a:schemeClr>
-    </dgm:fillClrLst>
-    <dgm:linClrLst meth="repeat">
-      <a:schemeClr val="lt1"/>
-    </dgm:linClrLst>
-    <dgm:effectClrLst/>
-    <dgm:txLinClrLst/>
-    <dgm:txFillClrLst meth="repeat">
-      <a:schemeClr val="lt1"/>
-    </dgm:txFillClrLst>
-    <dgm:txEffectClrLst/>
-  </dgm:styleLbl>
-  <dgm:styleLbl name="alignImgPlace1">
-    <dgm:fillClrLst meth="repeat">
-      <a:schemeClr val="accent1">
-        <a:tint val="50000"/>
-      </a:schemeClr>
-    </dgm:fillClrLst>
-    <dgm:linClrLst meth="repeat">
-      <a:schemeClr val="lt1"/>
-    </dgm:linClrLst>
-    <dgm:effectClrLst/>
-    <dgm:txLinClrLst/>
-    <dgm:txFillClrLst meth="repeat">
-      <a:schemeClr val="lt1"/>
-    </dgm:txFillClrLst>
-    <dgm:txEffectClrLst/>
-  </dgm:styleLbl>
-  <dgm:styleLbl name="bgImgPlace1">
-    <dgm:fillClrLst meth="repeat">
-      <a:schemeClr val="accent1">
-        <a:tint val="50000"/>
-      </a:schemeClr>
-    </dgm:fillClrLst>
-    <dgm:linClrLst meth="repeat">
-      <a:schemeClr val="lt1"/>
-    </dgm:linClrLst>
-    <dgm:effectClrLst/>
-    <dgm:txLinClrLst/>
-    <dgm:txFillClrLst meth="repeat">
-      <a:schemeClr val="lt1"/>
-    </dgm:txFillClrLst>
-    <dgm:txEffectClrLst/>
-  </dgm:styleLbl>
-  <dgm:styleLbl name="sibTrans2D1">
-    <dgm:fillClrLst meth="repeat">
-      <a:schemeClr val="accent1">
-        <a:tint val="60000"/>
-      </a:schemeClr>
-    </dgm:fillClrLst>
-    <dgm:linClrLst meth="repeat">
-      <a:schemeClr val="accent1">
-        <a:tint val="60000"/>
-      </a:schemeClr>
-    </dgm:linClrLst>
-    <dgm:effectClrLst/>
-    <dgm:txLinClrLst/>
-    <dgm:txFillClrLst/>
-    <dgm:txEffectClrLst/>
-  </dgm:styleLbl>
-  <dgm:styleLbl name="fgSibTrans2D1">
-    <dgm:fillClrLst meth="repeat">
-      <a:schemeClr val="accent1">
-        <a:tint val="60000"/>
-      </a:schemeClr>
-    </dgm:fillClrLst>
-    <dgm:linClrLst meth="repeat">
-      <a:schemeClr val="accent1">
-        <a:tint val="60000"/>
-      </a:schemeClr>
-    </dgm:linClrLst>
-    <dgm:effectClrLst/>
-    <dgm:txLinClrLst/>
-    <dgm:txFillClrLst/>
-    <dgm:txEffectClrLst/>
-  </dgm:styleLbl>
-  <dgm:styleLbl name="bgSibTrans2D1">
-    <dgm:fillClrLst meth="repeat">
-      <a:schemeClr val="accent1">
-        <a:tint val="60000"/>
-      </a:schemeClr>
-    </dgm:fillClrLst>
-    <dgm:linClrLst meth="repeat">
-      <a:schemeClr val="accent1">
-        <a:tint val="60000"/>
-      </a:schemeClr>
-    </dgm:linClrLst>
-    <dgm:effectClrLst/>
-    <dgm:txLinClrLst/>
-    <dgm:txFillClrLst/>
-    <dgm:txEffectClrLst/>
-  </dgm:styleLbl>
-  <dgm:styleLbl name="sibTrans1D1">
-    <dgm:fillClrLst meth="repeat">
-      <a:schemeClr val="accent1"/>
-    </dgm:fillClrLst>
-    <dgm:linClrLst meth="repeat">
-      <a:schemeClr val="accent1"/>
-    </dgm:linClrLst>
-    <dgm:effectClrLst/>
-    <dgm:txLinClrLst/>
-    <dgm:txFillClrLst meth="repeat">
-      <a:schemeClr val="tx1"/>
-    </dgm:txFillClrLst>
-    <dgm:txEffectClrLst/>
-  </dgm:styleLbl>
-  <dgm:styleLbl name="callout">
-    <dgm:fillClrLst meth="repeat">
-      <a:schemeClr val="accent1"/>
-    </dgm:fillClrLst>
-    <dgm:linClrLst meth="repeat">
-      <a:schemeClr val="accent1">
-        <a:tint val="50000"/>
-      </a:schemeClr>
-    </dgm:linClrLst>
-    <dgm:effectClrLst/>
-    <dgm:txLinClrLst/>
-    <dgm:txFillClrLst meth="repeat">
-      <a:schemeClr val="tx1"/>
-    </dgm:txFillClrLst>
-    <dgm:txEffectClrLst/>
-  </dgm:styleLbl>
-  <dgm:styleLbl name="asst0">
-    <dgm:fillClrLst meth="repeat">
-      <a:schemeClr val="accent1"/>
-    </dgm:fillClrLst>
-    <dgm:linClrLst meth="repeat">
-      <a:schemeClr val="lt1"/>
-    </dgm:linClrLst>
-    <dgm:effectClrLst/>
-    <dgm:txLinClrLst/>
-    <dgm:txFillClrLst/>
-    <dgm:txEffectClrLst/>
-  </dgm:styleLbl>
-  <dgm:styleLbl name="asst1">
-    <dgm:fillClrLst meth="repeat">
-      <a:schemeClr val="accent1"/>
-    </dgm:fillClrLst>
-    <dgm:linClrLst meth="repeat">
-      <a:schemeClr val="lt1"/>
-    </dgm:linClrLst>
-    <dgm:effectClrLst/>
-    <dgm:txLinClrLst/>
-    <dgm:txFillClrLst/>
-    <dgm:txEffectClrLst/>
-  </dgm:styleLbl>
-  <dgm:styleLbl name="asst2">
-    <dgm:fillClrLst meth="repeat">
-      <a:schemeClr val="accent1"/>
-    </dgm:fillClrLst>
-    <dgm:linClrLst meth="repeat">
-      <a:schemeClr val="lt1"/>
-    </dgm:linClrLst>
-    <dgm:effectClrLst/>
-    <dgm:txLinClrLst/>
-    <dgm:txFillClrLst/>
-    <dgm:txEffectClrLst/>
-  </dgm:styleLbl>
-  <dgm:styleLbl name="asst3">
-    <dgm:fillClrLst meth="repeat">
-      <a:schemeClr val="accent1"/>
-    </dgm:fillClrLst>
-    <dgm:linClrLst meth="repeat">
-      <a:schemeClr val="lt1"/>
-    </dgm:linClrLst>
-    <dgm:effectClrLst/>
-    <dgm:txLinClrLst/>
-    <dgm:txFillClrLst/>
-    <dgm:txEffectClrLst/>
-  </dgm:styleLbl>
-  <dgm:styleLbl name="asst4">
-    <dgm:fillClrLst meth="repeat">
-      <a:schemeClr val="accent1"/>
-    </dgm:fillClrLst>
-    <dgm:linClrLst meth="repeat">
-      <a:schemeClr val="lt1"/>
-    </dgm:linClrLst>
-    <dgm:effectClrLst/>
-    <dgm:txLinClrLst/>
-    <dgm:txFillClrLst/>
-    <dgm:txEffectClrLst/>
-  </dgm:styleLbl>
-  <dgm:styleLbl name="parChTrans2D1">
-    <dgm:fillClrLst meth="repeat">
-      <a:schemeClr val="accent1">
-        <a:tint val="60000"/>
-      </a:schemeClr>
-    </dgm:fillClrLst>
-    <dgm:linClrLst meth="repeat">
-      <a:schemeClr val="accent1">
-        <a:tint val="60000"/>
-      </a:schemeClr>
-    </dgm:linClrLst>
-    <dgm:effectClrLst/>
-    <dgm:txLinClrLst/>
-    <dgm:txFillClrLst meth="repeat">
-      <a:schemeClr val="lt1"/>
-    </dgm:txFillClrLst>
-    <dgm:txEffectClrLst/>
-  </dgm:styleLbl>
-  <dgm:styleLbl name="parChTrans2D2">
-    <dgm:fillClrLst meth="repeat">
-      <a:schemeClr val="accent1"/>
-    </dgm:fillClrLst>
-    <dgm:linClrLst meth="repeat">
-      <a:schemeClr val="accent1"/>
-    </dgm:linClrLst>
-    <dgm:effectClrLst/>
-    <dgm:txLinClrLst/>
-    <dgm:txFillClrLst meth="repeat">
-      <a:schemeClr val="lt1"/>
-    </dgm:txFillClrLst>
-    <dgm:txEffectClrLst/>
-  </dgm:styleLbl>
-  <dgm:styleLbl name="parChTrans2D3">
-    <dgm:fillClrLst meth="repeat">
-      <a:schemeClr val="accent1"/>
-    </dgm:fillClrLst>
-    <dgm:linClrLst meth="repeat">
-      <a:schemeClr val="accent1"/>
-    </dgm:linClrLst>
-    <dgm:effectClrLst/>
-    <dgm:txLinClrLst/>
-    <dgm:txFillClrLst meth="repeat">
-      <a:schemeClr val="lt1"/>
-    </dgm:txFillClrLst>
-    <dgm:txEffectClrLst/>
-  </dgm:styleLbl>
-  <dgm:styleLbl name="parChTrans2D4">
-    <dgm:fillClrLst meth="repeat">
-      <a:schemeClr val="accent1"/>
-    </dgm:fillClrLst>
-    <dgm:linClrLst meth="repeat">
-      <a:schemeClr val="accent1"/>
-    </dgm:linClrLst>
-    <dgm:effectClrLst/>
-    <dgm:txLinClrLst/>
-    <dgm:txFillClrLst meth="repeat">
-      <a:schemeClr val="lt1"/>
-    </dgm:txFillClrLst>
-    <dgm:txEffectClrLst/>
-  </dgm:styleLbl>
-  <dgm:styleLbl name="parChTrans1D1">
-    <dgm:fillClrLst meth="repeat">
-      <a:schemeClr val="accent1"/>
-    </dgm:fillClrLst>
-    <dgm:linClrLst meth="repeat">
-      <a:schemeClr val="accent1">
-        <a:shade val="60000"/>
-      </a:schemeClr>
-    </dgm:linClrLst>
-    <dgm:effectClrLst/>
-    <dgm:txLinClrLst/>
-    <dgm:txFillClrLst meth="repeat">
-      <a:schemeClr val="tx1"/>
-    </dgm:txFillClrLst>
-    <dgm:txEffectClrLst/>
-  </dgm:styleLbl>
-  <dgm:styleLbl name="parChTrans1D2">
-    <dgm:fillClrLst meth="repeat">
-      <a:schemeClr val="accent1"/>
-    </dgm:fillClrLst>
-    <dgm:linClrLst meth="repeat">
-      <a:schemeClr val="accent1">
-        <a:shade val="60000"/>
-      </a:schemeClr>
-    </dgm:linClrLst>
-    <dgm:effectClrLst/>
-    <dgm:txLinClrLst/>
-    <dgm:txFillClrLst meth="repeat">
-      <a:schemeClr val="tx1"/>
-    </dgm:txFillClrLst>
-    <dgm:txEffectClrLst/>
-  </dgm:styleLbl>
-  <dgm:styleLbl name="parChTrans1D3">
-    <dgm:fillClrLst meth="repeat">
-      <a:schemeClr val="accent1"/>
-    </dgm:fillClrLst>
-    <dgm:linClrLst meth="repeat">
-      <a:schemeClr val="accent1">
-        <a:shade val="80000"/>
-      </a:schemeClr>
-    </dgm:linClrLst>
-    <dgm:effectClrLst/>
-    <dgm:txLinClrLst/>
-    <dgm:txFillClrLst meth="repeat">
-      <a:schemeClr val="tx1"/>
-    </dgm:txFillClrLst>
-    <dgm:txEffectClrLst/>
-  </dgm:styleLbl>
-  <dgm:styleLbl name="parChTrans1D4">
-    <dgm:fillClrLst meth="repeat">
-      <a:schemeClr val="accent1"/>
-    </dgm:fillClrLst>
-    <dgm:linClrLst meth="repeat">
-      <a:schemeClr val="accent1">
-        <a:shade val="80000"/>
-      </a:schemeClr>
-    </dgm:linClrLst>
-    <dgm:effectClrLst/>
-    <dgm:txLinClrLst/>
-    <dgm:txFillClrLst meth="repeat">
-      <a:schemeClr val="tx1"/>
-    </dgm:txFillClrLst>
-    <dgm:txEffectClrLst/>
-  </dgm:styleLbl>
-  <dgm:styleLbl name="fgAcc1">
-    <dgm:fillClrLst meth="repeat">
-      <a:schemeClr val="lt1">
-        <a:alpha val="90000"/>
-      </a:schemeClr>
-    </dgm:fillClrLst>
-    <dgm:linClrLst meth="repeat">
-      <a:schemeClr val="accent1"/>
-    </dgm:linClrLst>
-    <dgm:effectClrLst/>
-    <dgm:txLinClrLst/>
-    <dgm:txFillClrLst meth="repeat">
-      <a:schemeClr val="dk1"/>
-    </dgm:txFillClrLst>
-    <dgm:txEffectClrLst/>
-  </dgm:styleLbl>
-  <dgm:styleLbl name="conFgAcc1">
-    <dgm:fillClrLst meth="repeat">
-      <a:schemeClr val="lt1">
-        <a:alpha val="90000"/>
-      </a:schemeClr>
-    </dgm:fillClrLst>
-    <dgm:linClrLst meth="repeat">
-      <a:schemeClr val="accent1"/>
-    </dgm:linClrLst>
-    <dgm:effectClrLst/>
-    <dgm:txLinClrLst/>
-    <dgm:txFillClrLst meth="repeat">
-      <a:schemeClr val="dk1"/>
-    </dgm:txFillClrLst>
-    <dgm:txEffectClrLst/>
-  </dgm:styleLbl>
-  <dgm:styleLbl name="alignAcc1">
-    <dgm:fillClrLst meth="repeat">
-      <a:schemeClr val="lt1">
-        <a:alpha val="90000"/>
-      </a:schemeClr>
-    </dgm:fillClrLst>
-    <dgm:linClrLst meth="repeat">
-      <a:schemeClr val="accent1"/>
-    </dgm:linClrLst>
-    <dgm:effectClrLst/>
-    <dgm:txLinClrLst/>
-    <dgm:txFillClrLst meth="repeat">
-      <a:schemeClr val="dk1"/>
-    </dgm:txFillClrLst>
-    <dgm:txEffectClrLst/>
-  </dgm:styleLbl>
-  <dgm:styleLbl name="trAlignAcc1">
-    <dgm:fillClrLst meth="repeat">
-      <a:schemeClr val="lt1">
-        <a:alpha val="40000"/>
-      </a:schemeClr>
-    </dgm:fillClrLst>
-    <dgm:linClrLst meth="repeat">
-      <a:schemeClr val="accent1"/>
-    </dgm:linClrLst>
-    <dgm:effectClrLst/>
-    <dgm:txLinClrLst/>
-    <dgm:txFillClrLst meth="repeat">
-      <a:schemeClr val="dk1"/>
-    </dgm:txFillClrLst>
-    <dgm:txEffectClrLst/>
-  </dgm:styleLbl>
-  <dgm:styleLbl name="bgAcc1">
-    <dgm:fillClrLst meth="repeat">
-      <a:schemeClr val="lt1">
-        <a:alpha val="90000"/>
-      </a:schemeClr>
-    </dgm:fillClrLst>
-    <dgm:linClrLst meth="repeat">
-      <a:schemeClr val="accent1"/>
-    </dgm:linClrLst>
-    <dgm:effectClrLst/>
-    <dgm:txLinClrLst/>
-    <dgm:txFillClrLst meth="repeat">
-      <a:schemeClr val="dk1"/>
-    </dgm:txFillClrLst>
-    <dgm:txEffectClrLst/>
-  </dgm:styleLbl>
-  <dgm:styleLbl name="solidFgAcc1">
-    <dgm:fillClrLst meth="repeat">
-      <a:schemeClr val="lt1"/>
-    </dgm:fillClrLst>
-    <dgm:linClrLst meth="repeat">
-      <a:schemeClr val="accent1"/>
-    </dgm:linClrLst>
-    <dgm:effectClrLst/>
-    <dgm:txLinClrLst/>
-    <dgm:txFillClrLst meth="repeat">
-      <a:schemeClr val="dk1"/>
-    </dgm:txFillClrLst>
-    <dgm:txEffectClrLst/>
-  </dgm:styleLbl>
-  <dgm:styleLbl name="solidAlignAcc1">
-    <dgm:fillClrLst meth="repeat">
-      <a:schemeClr val="lt1"/>
-    </dgm:fillClrLst>
-    <dgm:linClrLst meth="repeat">
-      <a:schemeClr val="accent1"/>
-    </dgm:linClrLst>
-    <dgm:effectClrLst/>
-    <dgm:txLinClrLst/>
-    <dgm:txFillClrLst meth="repeat">
-      <a:schemeClr val="dk1"/>
-    </dgm:txFillClrLst>
-    <dgm:txEffectClrLst/>
-  </dgm:styleLbl>
-  <dgm:styleLbl name="solidBgAcc1">
-    <dgm:fillClrLst meth="repeat">
-      <a:schemeClr val="lt1"/>
-    </dgm:fillClrLst>
-    <dgm:linClrLst meth="repeat">
-      <a:schemeClr val="accent1"/>
-    </dgm:linClrLst>
-    <dgm:effectClrLst/>
-    <dgm:txLinClrLst/>
-    <dgm:txFillClrLst meth="repeat">
-      <a:schemeClr val="dk1"/>
-    </dgm:txFillClrLst>
-    <dgm:txEffectClrLst/>
-  </dgm:styleLbl>
-  <dgm:styleLbl name="fgAccFollowNode1">
-    <dgm:fillClrLst meth="repeat">
-      <a:schemeClr val="accent1">
-        <a:alpha val="90000"/>
-        <a:tint val="40000"/>
-      </a:schemeClr>
-    </dgm:fillClrLst>
-    <dgm:linClrLst meth="repeat">
-      <a:schemeClr val="accent1">
-        <a:alpha val="90000"/>
-        <a:tint val="40000"/>
-      </a:schemeClr>
-    </dgm:linClrLst>
-    <dgm:effectClrLst/>
-    <dgm:txLinClrLst/>
-    <dgm:txFillClrLst meth="repeat">
-      <a:schemeClr val="dk1"/>
-    </dgm:txFillClrLst>
-    <dgm:txEffectClrLst/>
-  </dgm:styleLbl>
-  <dgm:styleLbl name="alignAccFollowNode1">
-    <dgm:fillClrLst meth="repeat">
-      <a:schemeClr val="accent1">
-        <a:alpha val="90000"/>
-        <a:tint val="40000"/>
-      </a:schemeClr>
-    </dgm:fillClrLst>
-    <dgm:linClrLst meth="repeat">
-      <a:schemeClr val="accent1">
-        <a:alpha val="90000"/>
-        <a:tint val="40000"/>
-      </a:schemeClr>
-    </dgm:linClrLst>
-    <dgm:effectClrLst/>
-    <dgm:txLinClrLst/>
-    <dgm:txFillClrLst meth="repeat">
-      <a:schemeClr val="dk1"/>
-    </dgm:txFillClrLst>
-    <dgm:txEffectClrLst/>
-  </dgm:styleLbl>
-  <dgm:styleLbl name="bgAccFollowNode1">
-    <dgm:fillClrLst meth="repeat">
-      <a:schemeClr val="accent1">
-        <a:alpha val="90000"/>
-        <a:tint val="40000"/>
-      </a:schemeClr>
-    </dgm:fillClrLst>
-    <dgm:linClrLst meth="repeat">
-      <a:schemeClr val="accent1">
-        <a:alpha val="90000"/>
-        <a:tint val="40000"/>
-      </a:schemeClr>
-    </dgm:linClrLst>
-    <dgm:effectClrLst/>
-    <dgm:txLinClrLst/>
-    <dgm:txFillClrLst meth="repeat">
-      <a:schemeClr val="dk1"/>
-    </dgm:txFillClrLst>
-    <dgm:txEffectClrLst/>
-  </dgm:styleLbl>
-  <dgm:styleLbl name="fgAcc0">
-    <dgm:fillClrLst meth="repeat">
-      <a:schemeClr val="lt1">
-        <a:alpha val="90000"/>
-      </a:schemeClr>
-    </dgm:fillClrLst>
-    <dgm:linClrLst meth="repeat">
-      <a:schemeClr val="accent1"/>
-    </dgm:linClrLst>
-    <dgm:effectClrLst/>
-    <dgm:txLinClrLst/>
-    <dgm:txFillClrLst meth="repeat">
-      <a:schemeClr val="dk1"/>
-    </dgm:txFillClrLst>
-    <dgm:txEffectClrLst/>
-  </dgm:styleLbl>
-  <dgm:styleLbl name="fgAcc2">
-    <dgm:fillClrLst meth="repeat">
-      <a:schemeClr val="lt1">
-        <a:alpha val="90000"/>
-      </a:schemeClr>
-    </dgm:fillClrLst>
-    <dgm:linClrLst meth="repeat">
-      <a:schemeClr val="accent1"/>
-    </dgm:linClrLst>
-    <dgm:effectClrLst/>
-    <dgm:txLinClrLst/>
-    <dgm:txFillClrLst meth="repeat">
-      <a:schemeClr val="dk1"/>
-    </dgm:txFillClrLst>
-    <dgm:txEffectClrLst/>
-  </dgm:styleLbl>
-  <dgm:styleLbl name="fgAcc3">
-    <dgm:fillClrLst meth="repeat">
-      <a:schemeClr val="lt1">
-        <a:alpha val="90000"/>
-      </a:schemeClr>
-    </dgm:fillClrLst>
-    <dgm:linClrLst meth="repeat">
-      <a:schemeClr val="accent1"/>
-    </dgm:linClrLst>
-    <dgm:effectClrLst/>
-    <dgm:txLinClrLst/>
-    <dgm:txFillClrLst meth="repeat">
-      <a:schemeClr val="dk1"/>
-    </dgm:txFillClrLst>
-    <dgm:txEffectClrLst/>
-  </dgm:styleLbl>
-  <dgm:styleLbl name="fgAcc4">
-    <dgm:fillClrLst meth="repeat">
-      <a:schemeClr val="lt1">
-        <a:alpha val="90000"/>
-      </a:schemeClr>
-    </dgm:fillClrLst>
-    <dgm:linClrLst meth="repeat">
-      <a:schemeClr val="accent1"/>
-    </dgm:linClrLst>
-    <dgm:effectClrLst/>
-    <dgm:txLinClrLst/>
-    <dgm:txFillClrLst meth="repeat">
-      <a:schemeClr val="dk1"/>
-    </dgm:txFillClrLst>
-    <dgm:txEffectClrLst/>
-  </dgm:styleLbl>
-  <dgm:styleLbl name="bgShp">
-    <dgm:fillClrLst meth="repeat">
-      <a:schemeClr val="accent1">
-        <a:tint val="40000"/>
-      </a:schemeClr>
-    </dgm:fillClrLst>
-    <dgm:linClrLst meth="repeat">
-      <a:schemeClr val="accent1"/>
-    </dgm:linClrLst>
-    <dgm:effectClrLst/>
-    <dgm:txLinClrLst/>
-    <dgm:txFillClrLst meth="repeat">
-      <a:schemeClr val="dk1"/>
-    </dgm:txFillClrLst>
-    <dgm:txEffectClrLst/>
-  </dgm:styleLbl>
-  <dgm:styleLbl name="dkBgShp">
-    <dgm:fillClrLst meth="repeat">
-      <a:schemeClr val="accent1">
-        <a:shade val="80000"/>
-      </a:schemeClr>
-    </dgm:fillClrLst>
-    <dgm:linClrLst meth="repeat">
-      <a:schemeClr val="accent1"/>
-    </dgm:linClrLst>
-    <dgm:effectClrLst/>
-    <dgm:txLinClrLst/>
-    <dgm:txFillClrLst meth="repeat">
-      <a:schemeClr val="lt1"/>
-    </dgm:txFillClrLst>
-    <dgm:txEffectClrLst/>
-  </dgm:styleLbl>
-  <dgm:styleLbl name="trBgShp">
-    <dgm:fillClrLst meth="repeat">
-      <a:schemeClr val="accent1">
-        <a:tint val="50000"/>
-        <a:alpha val="40000"/>
-      </a:schemeClr>
-    </dgm:fillClrLst>
-    <dgm:linClrLst meth="repeat">
-      <a:schemeClr val="accent1"/>
-    </dgm:linClrLst>
-    <dgm:effectClrLst/>
-    <dgm:txLinClrLst/>
-    <dgm:txFillClrLst meth="repeat">
-      <a:schemeClr val="lt1"/>
-    </dgm:txFillClrLst>
-    <dgm:txEffectClrLst/>
-  </dgm:styleLbl>
-  <dgm:styleLbl name="fgShp">
-    <dgm:fillClrLst meth="repeat">
-      <a:schemeClr val="accent1">
-        <a:tint val="60000"/>
-      </a:schemeClr>
-    </dgm:fillClrLst>
-    <dgm:linClrLst meth="repeat">
-      <a:schemeClr val="lt1"/>
-    </dgm:linClrLst>
-    <dgm:effectClrLst/>
-    <dgm:txLinClrLst/>
-    <dgm:txFillClrLst meth="repeat">
-      <a:schemeClr val="dk1"/>
-    </dgm:txFillClrLst>
-    <dgm:txEffectClrLst/>
-  </dgm:styleLbl>
-  <dgm:styleLbl name="revTx">
-    <dgm:fillClrLst meth="repeat">
-      <a:schemeClr val="lt1">
-        <a:alpha val="0"/>
-      </a:schemeClr>
-    </dgm:fillClrLst>
-    <dgm:linClrLst meth="repeat">
-      <a:schemeClr val="dk1">
-        <a:alpha val="0"/>
-      </a:schemeClr>
-    </dgm:linClrLst>
-    <dgm:effectClrLst/>
-    <dgm:txLinClrLst/>
-    <dgm:txFillClrLst meth="repeat">
-      <a:schemeClr val="tx1"/>
-    </dgm:txFillClrLst>
-    <dgm:txEffectClrLst/>
-  </dgm:styleLbl>
-</dgm:colorsDef>
-</file>
-
 <file path=ppt/diagrams/data1.xml><?xml version="1.0" encoding="utf-8"?>
-<dgm:dataModel xmlns:dgm="http://schemas.openxmlformats.org/drawingml/2006/diagram" xmlns:a="http://schemas.openxmlformats.org/drawingml/2006/main">
-  <dgm:ptLst>
-    <dgm:pt modelId="{8F681283-7DBC-4B3F-AEAA-62EC5F9D2432}" type="doc">
-      <dgm:prSet loTypeId="urn:microsoft.com/office/officeart/2008/layout/HexagonCluster" loCatId="relationship" qsTypeId="urn:microsoft.com/office/officeart/2005/8/quickstyle/simple1" qsCatId="simple" csTypeId="urn:microsoft.com/office/officeart/2005/8/colors/accent1_2" csCatId="accent1" phldr="1"/>
-      <dgm:spPr/>
-      <dgm:t>
-        <a:bodyPr/>
-        <a:lstStyle/>
-        <a:p>
-          <a:endParaRPr lang="en-US"/>
-        </a:p>
-      </dgm:t>
-    </dgm:pt>
-    <dgm:pt modelId="{3EED11D5-8B98-4F9E-8096-A6E509E058D6}">
-      <dgm:prSet/>
-      <dgm:spPr>
-        <a:solidFill>
-          <a:srgbClr val="9B6902">
-            <a:lumMod val="40000"/>
-            <a:lumOff val="60000"/>
-          </a:srgbClr>
-        </a:solidFill>
-        <a:ln w="12700" cap="flat" cmpd="sng" algn="ctr">
-          <a:solidFill>
-            <a:srgbClr val="9B6902">
-              <a:lumMod val="20000"/>
-              <a:lumOff val="80000"/>
-            </a:srgbClr>
-          </a:solidFill>
-          <a:prstDash val="solid"/>
-          <a:miter lim="800000"/>
-        </a:ln>
-        <a:effectLst/>
-      </dgm:spPr>
-      <dgm:t>
-        <a:bodyPr/>
-        <a:lstStyle/>
-        <a:p>
-          <a:endParaRPr lang="en-US" dirty="0"/>
-        </a:p>
-      </dgm:t>
-    </dgm:pt>
-    <dgm:pt modelId="{E4E36636-4186-4EC6-B91C-90C50D6B1852}" type="parTrans" cxnId="{ED7A9001-A888-4480-977C-153DB311311F}">
-      <dgm:prSet/>
-      <dgm:spPr/>
-      <dgm:t>
-        <a:bodyPr/>
-        <a:lstStyle/>
-        <a:p>
-          <a:endParaRPr lang="en-US"/>
-        </a:p>
-      </dgm:t>
-    </dgm:pt>
-    <dgm:pt modelId="{5AAED0B0-6004-4FFF-91E5-FDA906EF2D53}" type="sibTrans" cxnId="{ED7A9001-A888-4480-977C-153DB311311F}">
-      <dgm:prSet/>
-      <dgm:spPr>
-        <a:solidFill>
-          <a:schemeClr val="bg2">
-            <a:lumMod val="40000"/>
-            <a:lumOff val="60000"/>
-          </a:schemeClr>
-        </a:solidFill>
-        <a:ln>
-          <a:solidFill>
-            <a:schemeClr val="bg2">
-              <a:lumMod val="20000"/>
-              <a:lumOff val="80000"/>
-            </a:schemeClr>
-          </a:solidFill>
-        </a:ln>
-      </dgm:spPr>
-      <dgm:t>
-        <a:bodyPr/>
-        <a:lstStyle/>
-        <a:p>
-          <a:endParaRPr lang="en-US"/>
-        </a:p>
-      </dgm:t>
-    </dgm:pt>
-    <dgm:pt modelId="{D73E95DD-1799-4293-A32F-237523EAFD61}">
-      <dgm:prSet phldrT="[Text]" custT="1"/>
-      <dgm:spPr>
-        <a:solidFill>
-          <a:srgbClr val="9B6902">
-            <a:lumMod val="40000"/>
-            <a:lumOff val="60000"/>
-          </a:srgbClr>
-        </a:solidFill>
-        <a:ln w="12700" cap="flat" cmpd="sng" algn="ctr">
-          <a:solidFill>
-            <a:srgbClr val="9B6902">
-              <a:lumMod val="20000"/>
-              <a:lumOff val="80000"/>
-            </a:srgbClr>
-          </a:solidFill>
-          <a:prstDash val="solid"/>
-          <a:miter lim="800000"/>
-        </a:ln>
-        <a:effectLst/>
-      </dgm:spPr>
-      <dgm:t>
-        <a:bodyPr spcFirstLastPara="0" vert="horz" wrap="square" lIns="0" tIns="15240" rIns="0" bIns="15240" numCol="1" spcCol="1270" anchor="ctr" anchorCtr="0"/>
-        <a:lstStyle/>
-        <a:p>
-          <a:pPr marL="0" lvl="0" indent="0" algn="ctr" defTabSz="533400">
-            <a:lnSpc>
-              <a:spcPct val="90000"/>
-            </a:lnSpc>
-            <a:spcBef>
-              <a:spcPct val="0"/>
-            </a:spcBef>
-            <a:spcAft>
-              <a:spcPct val="35000"/>
-            </a:spcAft>
-            <a:buNone/>
-          </a:pPr>
-          <a:endParaRPr lang="en-US" sz="1200" kern="1200" dirty="0">
-            <a:solidFill>
-              <a:srgbClr val="FFFFFF"/>
-            </a:solidFill>
-            <a:latin typeface="Arial"/>
-            <a:ea typeface="+mn-ea"/>
-            <a:cs typeface="+mn-cs"/>
-          </a:endParaRPr>
-        </a:p>
-      </dgm:t>
-    </dgm:pt>
-    <dgm:pt modelId="{FBDE328C-6FCA-4AEC-B634-2965427D6B94}" type="sibTrans" cxnId="{85E1C8B7-FDD9-4073-AD34-59E8AF3C938A}">
-      <dgm:prSet/>
-      <dgm:spPr>
-        <a:solidFill>
-          <a:srgbClr val="9B6902">
-            <a:lumMod val="40000"/>
-            <a:lumOff val="60000"/>
-          </a:srgbClr>
-        </a:solidFill>
-        <a:ln w="12700" cap="flat" cmpd="sng" algn="ctr">
-          <a:solidFill>
-            <a:srgbClr val="9B6902">
-              <a:lumMod val="20000"/>
-              <a:lumOff val="80000"/>
-            </a:srgbClr>
-          </a:solidFill>
-          <a:prstDash val="solid"/>
-          <a:miter lim="800000"/>
-        </a:ln>
-        <a:effectLst/>
-      </dgm:spPr>
-      <dgm:t>
-        <a:bodyPr/>
-        <a:lstStyle/>
-        <a:p>
-          <a:pPr marL="0" lvl="0" indent="0" algn="ctr" defTabSz="533400">
-            <a:lnSpc>
-              <a:spcPct val="90000"/>
-            </a:lnSpc>
-            <a:spcBef>
-              <a:spcPct val="0"/>
-            </a:spcBef>
-            <a:spcAft>
-              <a:spcPct val="35000"/>
-            </a:spcAft>
-            <a:buNone/>
-          </a:pPr>
-          <a:endParaRPr lang="en-US" sz="1200" kern="1200">
-            <a:solidFill>
-              <a:srgbClr val="FFFFFF"/>
-            </a:solidFill>
-            <a:latin typeface="Arial"/>
-            <a:ea typeface="+mn-ea"/>
-            <a:cs typeface="+mn-cs"/>
-          </a:endParaRPr>
-        </a:p>
-      </dgm:t>
-    </dgm:pt>
-    <dgm:pt modelId="{984CDC54-A4CA-47F1-ADFA-4FDC0030FE81}" type="parTrans" cxnId="{85E1C8B7-FDD9-4073-AD34-59E8AF3C938A}">
-      <dgm:prSet/>
-      <dgm:spPr/>
-      <dgm:t>
-        <a:bodyPr/>
-        <a:lstStyle/>
-        <a:p>
-          <a:endParaRPr lang="en-US"/>
-        </a:p>
-      </dgm:t>
-    </dgm:pt>
-    <dgm:pt modelId="{69AEA204-D5F0-4C71-AB55-7EED93D1EC3E}">
-      <dgm:prSet phldrT="[Text]" custT="1"/>
-      <dgm:spPr>
-        <a:solidFill>
-          <a:srgbClr val="9B6902">
-            <a:lumMod val="40000"/>
-            <a:lumOff val="60000"/>
-          </a:srgbClr>
-        </a:solidFill>
-        <a:ln w="12700" cap="flat" cmpd="sng" algn="ctr">
-          <a:solidFill>
-            <a:srgbClr val="9B6902">
-              <a:lumMod val="20000"/>
-              <a:lumOff val="80000"/>
-            </a:srgbClr>
-          </a:solidFill>
-          <a:prstDash val="solid"/>
-          <a:miter lim="800000"/>
-        </a:ln>
-        <a:effectLst/>
-      </dgm:spPr>
-      <dgm:t>
-        <a:bodyPr spcFirstLastPara="0" vert="horz" wrap="square" lIns="0" tIns="15240" rIns="0" bIns="15240" numCol="1" spcCol="1270" anchor="ctr" anchorCtr="0"/>
-        <a:lstStyle/>
-        <a:p>
-          <a:pPr marL="0" lvl="0" indent="0" algn="ctr" defTabSz="533400">
-            <a:lnSpc>
-              <a:spcPct val="90000"/>
-            </a:lnSpc>
-            <a:spcBef>
-              <a:spcPct val="0"/>
-            </a:spcBef>
-            <a:spcAft>
-              <a:spcPct val="35000"/>
-            </a:spcAft>
-            <a:buNone/>
-          </a:pPr>
-          <a:endParaRPr lang="en-US" sz="1200" kern="1200" dirty="0">
-            <a:solidFill>
-              <a:srgbClr val="FFFFFF"/>
-            </a:solidFill>
-            <a:latin typeface="Arial"/>
-            <a:ea typeface="+mn-ea"/>
-            <a:cs typeface="+mn-cs"/>
-          </a:endParaRPr>
-        </a:p>
-      </dgm:t>
-    </dgm:pt>
-    <dgm:pt modelId="{85B1ABB8-F1CE-4D8C-A258-273F707A32FF}" type="sibTrans" cxnId="{944C1173-E431-4D2E-9A19-433AD365B496}">
-      <dgm:prSet/>
-      <dgm:spPr>
-        <a:solidFill>
-          <a:srgbClr val="9B6902">
-            <a:lumMod val="40000"/>
-            <a:lumOff val="60000"/>
-          </a:srgbClr>
-        </a:solidFill>
-        <a:ln w="12700" cap="flat" cmpd="sng" algn="ctr">
-          <a:solidFill>
-            <a:srgbClr val="9B6902">
-              <a:lumMod val="20000"/>
-              <a:lumOff val="80000"/>
-            </a:srgbClr>
-          </a:solidFill>
-          <a:prstDash val="solid"/>
-          <a:miter lim="800000"/>
-        </a:ln>
-        <a:effectLst/>
-      </dgm:spPr>
-      <dgm:t>
-        <a:bodyPr spcFirstLastPara="0" vert="horz" wrap="square" lIns="0" tIns="15240" rIns="0" bIns="15240" numCol="1" spcCol="1270" anchor="ctr" anchorCtr="0"/>
-        <a:lstStyle/>
-        <a:p>
-          <a:pPr marL="0" lvl="0" indent="0" algn="ctr" defTabSz="533400">
-            <a:lnSpc>
-              <a:spcPct val="90000"/>
-            </a:lnSpc>
-            <a:spcBef>
-              <a:spcPct val="0"/>
-            </a:spcBef>
-            <a:spcAft>
-              <a:spcPct val="35000"/>
-            </a:spcAft>
-            <a:buNone/>
-          </a:pPr>
-          <a:endParaRPr lang="en-US" sz="1200" kern="1200">
-            <a:solidFill>
-              <a:srgbClr val="FFFFFF"/>
-            </a:solidFill>
-            <a:latin typeface="Arial"/>
-            <a:ea typeface="+mn-ea"/>
-            <a:cs typeface="+mn-cs"/>
-          </a:endParaRPr>
-        </a:p>
-      </dgm:t>
-    </dgm:pt>
-    <dgm:pt modelId="{CF906745-7B6B-47E2-B9E9-0121BDD219F6}" type="parTrans" cxnId="{944C1173-E431-4D2E-9A19-433AD365B496}">
-      <dgm:prSet/>
-      <dgm:spPr/>
-      <dgm:t>
-        <a:bodyPr/>
-        <a:lstStyle/>
-        <a:p>
-          <a:endParaRPr lang="en-US"/>
-        </a:p>
-      </dgm:t>
-    </dgm:pt>
-    <dgm:pt modelId="{3E34E4F5-AA01-4A29-B3C3-3974E4F1AAB6}">
-      <dgm:prSet phldrT="[Text]" custT="1"/>
-      <dgm:spPr>
-        <a:solidFill>
-          <a:srgbClr val="F4860C"/>
-        </a:solidFill>
-        <a:ln w="12700" cap="flat" cmpd="sng" algn="ctr">
-          <a:solidFill>
-            <a:srgbClr val="9B6902">
-              <a:lumMod val="20000"/>
-              <a:lumOff val="80000"/>
-            </a:srgbClr>
-          </a:solidFill>
-          <a:prstDash val="solid"/>
-          <a:miter lim="800000"/>
-        </a:ln>
-        <a:effectLst/>
-      </dgm:spPr>
-      <dgm:t>
-        <a:bodyPr spcFirstLastPara="0" vert="horz" wrap="square" lIns="0" tIns="15240" rIns="0" bIns="15240" numCol="1" spcCol="1270" anchor="ctr" anchorCtr="0"/>
-        <a:lstStyle/>
-        <a:p>
-          <a:pPr marL="0" lvl="0" indent="0" algn="ctr" defTabSz="533400">
-            <a:lnSpc>
-              <a:spcPct val="90000"/>
-            </a:lnSpc>
-            <a:spcBef>
-              <a:spcPct val="0"/>
-            </a:spcBef>
-            <a:spcAft>
-              <a:spcPct val="35000"/>
-            </a:spcAft>
-            <a:buNone/>
-          </a:pPr>
-          <a:r>
-            <a:rPr lang="en-US" sz="2000" b="1" kern="1200" dirty="0">
-              <a:solidFill>
-                <a:srgbClr val="FFFFFF"/>
-              </a:solidFill>
-              <a:latin typeface="TH Sarabun New" panose="020B0500040200020003" pitchFamily="34" charset="-34"/>
-              <a:ea typeface="+mn-ea"/>
-              <a:cs typeface="TH Sarabun New" panose="020B0500040200020003" pitchFamily="34" charset="-34"/>
-            </a:rPr>
-            <a:t>Introduction</a:t>
-          </a:r>
-          <a:endParaRPr lang="en-US" sz="1200" b="1" kern="1200" dirty="0">
-            <a:solidFill>
-              <a:srgbClr val="FFFFFF"/>
-            </a:solidFill>
-            <a:latin typeface="TH Sarabun New" panose="020B0500040200020003" pitchFamily="34" charset="-34"/>
-            <a:ea typeface="+mn-ea"/>
-            <a:cs typeface="TH Sarabun New" panose="020B0500040200020003" pitchFamily="34" charset="-34"/>
-          </a:endParaRPr>
-        </a:p>
-      </dgm:t>
-    </dgm:pt>
-    <dgm:pt modelId="{2DC6309E-26E3-40B8-A321-1F5B0AB01057}" type="sibTrans" cxnId="{395C3858-EEFC-4041-B85B-827AFD42F282}">
-      <dgm:prSet/>
-      <dgm:spPr>
-        <a:solidFill>
-          <a:srgbClr val="9B6902">
-            <a:lumMod val="40000"/>
-            <a:lumOff val="60000"/>
-          </a:srgbClr>
-        </a:solidFill>
-        <a:ln w="12700" cap="flat" cmpd="sng" algn="ctr">
-          <a:solidFill>
-            <a:srgbClr val="9B6902">
-              <a:lumMod val="20000"/>
-              <a:lumOff val="80000"/>
-            </a:srgbClr>
-          </a:solidFill>
-          <a:prstDash val="solid"/>
-          <a:miter lim="800000"/>
-        </a:ln>
-        <a:effectLst/>
-      </dgm:spPr>
-      <dgm:t>
-        <a:bodyPr spcFirstLastPara="0" vert="horz" wrap="square" lIns="0" tIns="15240" rIns="0" bIns="15240" numCol="1" spcCol="1270" anchor="ctr" anchorCtr="0"/>
-        <a:lstStyle/>
-        <a:p>
-          <a:pPr marL="0" lvl="0" indent="0" algn="ctr" defTabSz="533400">
-            <a:lnSpc>
-              <a:spcPct val="90000"/>
-            </a:lnSpc>
-            <a:spcBef>
-              <a:spcPct val="0"/>
-            </a:spcBef>
-            <a:spcAft>
-              <a:spcPct val="35000"/>
-            </a:spcAft>
-            <a:buNone/>
-          </a:pPr>
-          <a:endParaRPr lang="en-US" sz="1200" kern="1200">
-            <a:solidFill>
-              <a:srgbClr val="FFFFFF"/>
-            </a:solidFill>
-            <a:latin typeface="Arial"/>
-            <a:ea typeface="+mn-ea"/>
-            <a:cs typeface="+mn-cs"/>
-          </a:endParaRPr>
-        </a:p>
-      </dgm:t>
-    </dgm:pt>
-    <dgm:pt modelId="{42D18DBA-EFFE-4EFD-BE12-2595838678C5}" type="parTrans" cxnId="{395C3858-EEFC-4041-B85B-827AFD42F282}">
-      <dgm:prSet/>
-      <dgm:spPr/>
-      <dgm:t>
-        <a:bodyPr/>
-        <a:lstStyle/>
-        <a:p>
-          <a:endParaRPr lang="en-US"/>
-        </a:p>
-      </dgm:t>
-    </dgm:pt>
-    <dgm:pt modelId="{9482831F-1FFF-4B00-91D7-500353D8E4B2}">
-      <dgm:prSet phldrT="[Text]" custT="1"/>
-      <dgm:spPr>
-        <a:solidFill>
-          <a:srgbClr val="000000">
-            <a:lumMod val="75000"/>
-            <a:lumOff val="25000"/>
-          </a:srgbClr>
-        </a:solidFill>
-        <a:ln w="12700" cap="flat" cmpd="sng" algn="ctr">
-          <a:solidFill>
-            <a:srgbClr val="9B6902">
-              <a:lumMod val="20000"/>
-              <a:lumOff val="80000"/>
-            </a:srgbClr>
-          </a:solidFill>
-          <a:prstDash val="solid"/>
-          <a:miter lim="800000"/>
-        </a:ln>
-        <a:effectLst/>
-      </dgm:spPr>
-      <dgm:t>
-        <a:bodyPr spcFirstLastPara="0" vert="horz" wrap="square" lIns="0" tIns="15240" rIns="0" bIns="15240" numCol="1" spcCol="1270" anchor="ctr" anchorCtr="0"/>
-        <a:lstStyle/>
-        <a:p>
-          <a:pPr marL="0" lvl="0" indent="0" algn="ctr" defTabSz="533400">
-            <a:lnSpc>
-              <a:spcPct val="90000"/>
-            </a:lnSpc>
-            <a:spcBef>
-              <a:spcPct val="0"/>
-            </a:spcBef>
-            <a:spcAft>
-              <a:spcPct val="35000"/>
-            </a:spcAft>
-            <a:buNone/>
-          </a:pPr>
-          <a:r>
-            <a:rPr lang="en-US" sz="2000" b="1" kern="1200" dirty="0">
-              <a:solidFill>
-                <a:srgbClr val="FFFFFF"/>
-              </a:solidFill>
-              <a:latin typeface="TH Sarabun New" panose="020B0500040200020003" pitchFamily="34" charset="-34"/>
-              <a:ea typeface="+mn-ea"/>
-              <a:cs typeface="TH Sarabun New" panose="020B0500040200020003" pitchFamily="34" charset="-34"/>
-            </a:rPr>
-            <a:t>Objective</a:t>
-          </a:r>
-          <a:endParaRPr lang="en-US" sz="1200" b="1" kern="1200" dirty="0">
-            <a:solidFill>
-              <a:srgbClr val="FFFFFF"/>
-            </a:solidFill>
-            <a:latin typeface="TH Sarabun New" panose="020B0500040200020003" pitchFamily="34" charset="-34"/>
-            <a:ea typeface="+mn-ea"/>
-            <a:cs typeface="TH Sarabun New" panose="020B0500040200020003" pitchFamily="34" charset="-34"/>
-          </a:endParaRPr>
-        </a:p>
-      </dgm:t>
-    </dgm:pt>
-    <dgm:pt modelId="{5446C2BB-84DE-435B-A0EB-42E04F56B83F}" type="parTrans" cxnId="{F06989C7-95FC-4F8F-A495-F49D86DDB724}">
-      <dgm:prSet/>
-      <dgm:spPr/>
-      <dgm:t>
-        <a:bodyPr/>
-        <a:lstStyle/>
-        <a:p>
-          <a:endParaRPr lang="en-US"/>
-        </a:p>
-      </dgm:t>
-    </dgm:pt>
-    <dgm:pt modelId="{14B2C072-631E-4531-AFE0-F2B02E67D8D7}" type="sibTrans" cxnId="{F06989C7-95FC-4F8F-A495-F49D86DDB724}">
-      <dgm:prSet/>
-      <dgm:spPr>
-        <a:solidFill>
-          <a:srgbClr val="9B6902">
-            <a:lumMod val="40000"/>
-            <a:lumOff val="60000"/>
-          </a:srgbClr>
-        </a:solidFill>
-        <a:ln w="12700" cap="flat" cmpd="sng" algn="ctr">
-          <a:solidFill>
-            <a:srgbClr val="9B6902">
-              <a:lumMod val="20000"/>
-              <a:lumOff val="80000"/>
-            </a:srgbClr>
-          </a:solidFill>
-          <a:prstDash val="solid"/>
-          <a:miter lim="800000"/>
-        </a:ln>
-        <a:effectLst/>
-      </dgm:spPr>
-      <dgm:t>
-        <a:bodyPr spcFirstLastPara="0" vert="horz" wrap="square" lIns="0" tIns="15240" rIns="0" bIns="15240" numCol="1" spcCol="1270" anchor="ctr" anchorCtr="0"/>
-        <a:lstStyle/>
-        <a:p>
-          <a:pPr marL="0" lvl="0" indent="0" algn="ctr" defTabSz="533400">
-            <a:lnSpc>
-              <a:spcPct val="90000"/>
-            </a:lnSpc>
-            <a:spcBef>
-              <a:spcPct val="0"/>
-            </a:spcBef>
-            <a:spcAft>
-              <a:spcPct val="35000"/>
-            </a:spcAft>
-            <a:buNone/>
-          </a:pPr>
-          <a:endParaRPr lang="en-US" sz="1200" kern="1200">
-            <a:solidFill>
-              <a:srgbClr val="FFFFFF"/>
-            </a:solidFill>
-            <a:latin typeface="Arial"/>
-            <a:ea typeface="+mn-ea"/>
-            <a:cs typeface="+mn-cs"/>
-          </a:endParaRPr>
-        </a:p>
-      </dgm:t>
-    </dgm:pt>
-    <dgm:pt modelId="{DCB709D9-FEC3-40F3-83A5-3EDC02C6B6E8}">
-      <dgm:prSet phldrT="[Text]" custT="1"/>
-      <dgm:spPr>
-        <a:solidFill>
-          <a:srgbClr val="00B0F0"/>
-        </a:solidFill>
-        <a:ln w="12700" cap="flat" cmpd="sng" algn="ctr">
-          <a:solidFill>
-            <a:srgbClr val="9B6902">
-              <a:lumMod val="20000"/>
-              <a:lumOff val="80000"/>
-            </a:srgbClr>
-          </a:solidFill>
-          <a:prstDash val="solid"/>
-          <a:miter lim="800000"/>
-        </a:ln>
-        <a:effectLst/>
-      </dgm:spPr>
-      <dgm:t>
-        <a:bodyPr spcFirstLastPara="0" vert="horz" wrap="square" lIns="0" tIns="15240" rIns="0" bIns="15240" numCol="1" spcCol="1270" anchor="ctr" anchorCtr="0"/>
-        <a:lstStyle/>
-        <a:p>
-          <a:pPr marL="0" lvl="0" indent="0" algn="ctr" defTabSz="533400">
-            <a:lnSpc>
-              <a:spcPct val="90000"/>
-            </a:lnSpc>
-            <a:spcBef>
-              <a:spcPct val="0"/>
-            </a:spcBef>
-            <a:spcAft>
-              <a:spcPct val="35000"/>
-            </a:spcAft>
-            <a:buNone/>
-          </a:pPr>
-          <a:r>
-            <a:rPr lang="en-US" sz="2000" b="1" kern="1200" dirty="0">
-              <a:solidFill>
-                <a:srgbClr val="FFFFFF"/>
-              </a:solidFill>
-              <a:latin typeface="TH Sarabun New" panose="020B0500040200020003" pitchFamily="34" charset="-34"/>
-              <a:ea typeface="+mn-ea"/>
-              <a:cs typeface="TH Sarabun New" panose="020B0500040200020003" pitchFamily="34" charset="-34"/>
-            </a:rPr>
-            <a:t>Strategy</a:t>
-          </a:r>
-        </a:p>
-      </dgm:t>
-    </dgm:pt>
-    <dgm:pt modelId="{00925B1A-A3BA-4E46-B961-653EC2989937}" type="parTrans" cxnId="{2307A8A4-092B-40E6-AB39-95532207D17E}">
-      <dgm:prSet/>
-      <dgm:spPr/>
-      <dgm:t>
-        <a:bodyPr/>
-        <a:lstStyle/>
-        <a:p>
-          <a:endParaRPr lang="en-US"/>
-        </a:p>
-      </dgm:t>
-    </dgm:pt>
-    <dgm:pt modelId="{60F55A19-46AC-476D-AF15-23A987572F10}" type="sibTrans" cxnId="{2307A8A4-092B-40E6-AB39-95532207D17E}">
-      <dgm:prSet/>
-      <dgm:spPr>
-        <a:solidFill>
-          <a:srgbClr val="9B6902">
-            <a:lumMod val="40000"/>
-            <a:lumOff val="60000"/>
-          </a:srgbClr>
-        </a:solidFill>
-        <a:ln w="12700" cap="flat" cmpd="sng" algn="ctr">
-          <a:solidFill>
-            <a:srgbClr val="9B6902">
-              <a:lumMod val="20000"/>
-              <a:lumOff val="80000"/>
-            </a:srgbClr>
-          </a:solidFill>
-          <a:prstDash val="solid"/>
-          <a:miter lim="800000"/>
-        </a:ln>
-        <a:effectLst/>
-      </dgm:spPr>
-      <dgm:t>
-        <a:bodyPr/>
-        <a:lstStyle/>
-        <a:p>
-          <a:pPr marL="0" lvl="0" indent="0" algn="ctr" defTabSz="533400">
-            <a:lnSpc>
-              <a:spcPct val="90000"/>
-            </a:lnSpc>
-            <a:spcBef>
-              <a:spcPct val="0"/>
-            </a:spcBef>
-            <a:spcAft>
-              <a:spcPct val="35000"/>
-            </a:spcAft>
-            <a:buNone/>
-          </a:pPr>
-          <a:endParaRPr lang="en-US" sz="1200" kern="1200">
-            <a:solidFill>
-              <a:srgbClr val="FFFFFF"/>
-            </a:solidFill>
-            <a:latin typeface="Arial"/>
-            <a:ea typeface="+mn-ea"/>
-            <a:cs typeface="+mn-cs"/>
-          </a:endParaRPr>
-        </a:p>
-      </dgm:t>
-    </dgm:pt>
-    <dgm:pt modelId="{64C4962E-1FEE-4FB7-B9E6-0C9FA514BAAF}" type="pres">
-      <dgm:prSet presAssocID="{8F681283-7DBC-4B3F-AEAA-62EC5F9D2432}" presName="Name0" presStyleCnt="0">
-        <dgm:presLayoutVars>
-          <dgm:chMax val="21"/>
-          <dgm:chPref val="21"/>
-        </dgm:presLayoutVars>
-      </dgm:prSet>
-      <dgm:spPr/>
-    </dgm:pt>
-    <dgm:pt modelId="{5677E022-BE67-4947-B5F8-5E4C69A854AC}" type="pres">
-      <dgm:prSet presAssocID="{3EED11D5-8B98-4F9E-8096-A6E509E058D6}" presName="text1" presStyleCnt="0"/>
-      <dgm:spPr/>
-    </dgm:pt>
-    <dgm:pt modelId="{C139775D-76CE-43C6-AC2F-6C8478E1ED18}" type="pres">
-      <dgm:prSet presAssocID="{3EED11D5-8B98-4F9E-8096-A6E509E058D6}" presName="textRepeatNode" presStyleLbl="alignNode1" presStyleIdx="0" presStyleCnt="6">
-        <dgm:presLayoutVars>
-          <dgm:chMax val="0"/>
-          <dgm:chPref val="0"/>
-          <dgm:bulletEnabled val="1"/>
-        </dgm:presLayoutVars>
-      </dgm:prSet>
-      <dgm:spPr>
-        <a:xfrm>
-          <a:off x="1993354" y="1744237"/>
-          <a:ext cx="1238035" cy="1062710"/>
-        </a:xfrm>
-        <a:prstGeom prst="hexagon">
-          <a:avLst>
-            <a:gd name="adj" fmla="val 25000"/>
-            <a:gd name="vf" fmla="val 115470"/>
-          </a:avLst>
-        </a:prstGeom>
-      </dgm:spPr>
-    </dgm:pt>
-    <dgm:pt modelId="{85DF3A78-0035-4496-85F8-0B1627E42432}" type="pres">
-      <dgm:prSet presAssocID="{3EED11D5-8B98-4F9E-8096-A6E509E058D6}" presName="textaccent1" presStyleCnt="0"/>
-      <dgm:spPr/>
-    </dgm:pt>
-    <dgm:pt modelId="{56A983CD-0F05-40ED-9BE7-58A1A94DE68D}" type="pres">
-      <dgm:prSet presAssocID="{3EED11D5-8B98-4F9E-8096-A6E509E058D6}" presName="accentRepeatNode" presStyleLbl="solidAlignAcc1" presStyleIdx="0" presStyleCnt="12"/>
-      <dgm:spPr/>
-    </dgm:pt>
-    <dgm:pt modelId="{B7F1E64D-88D7-47AB-B034-662B92923008}" type="pres">
-      <dgm:prSet presAssocID="{5AAED0B0-6004-4FFF-91E5-FDA906EF2D53}" presName="image1" presStyleCnt="0"/>
-      <dgm:spPr/>
-    </dgm:pt>
-    <dgm:pt modelId="{24FE4D2B-8FE9-40DE-BB03-25F5C22DB603}" type="pres">
-      <dgm:prSet presAssocID="{5AAED0B0-6004-4FFF-91E5-FDA906EF2D53}" presName="imageRepeatNode" presStyleLbl="alignAcc1" presStyleIdx="0" presStyleCnt="6"/>
-      <dgm:spPr/>
-    </dgm:pt>
-    <dgm:pt modelId="{2E77F997-E880-4DF6-894B-D81C1EECD15D}" type="pres">
-      <dgm:prSet presAssocID="{5AAED0B0-6004-4FFF-91E5-FDA906EF2D53}" presName="imageaccent1" presStyleCnt="0"/>
-      <dgm:spPr/>
-    </dgm:pt>
-    <dgm:pt modelId="{D564589C-79E6-461A-9F83-B2E1827C8695}" type="pres">
-      <dgm:prSet presAssocID="{5AAED0B0-6004-4FFF-91E5-FDA906EF2D53}" presName="accentRepeatNode" presStyleLbl="solidAlignAcc1" presStyleIdx="1" presStyleCnt="12"/>
-      <dgm:spPr/>
-    </dgm:pt>
-    <dgm:pt modelId="{7E7E6251-9B2E-427A-A848-DAE4AE25447F}" type="pres">
-      <dgm:prSet presAssocID="{69AEA204-D5F0-4C71-AB55-7EED93D1EC3E}" presName="text2" presStyleCnt="0"/>
-      <dgm:spPr/>
-    </dgm:pt>
-    <dgm:pt modelId="{F9F28046-F150-46B4-8A66-8BA335F0D741}" type="pres">
-      <dgm:prSet presAssocID="{69AEA204-D5F0-4C71-AB55-7EED93D1EC3E}" presName="textRepeatNode" presStyleLbl="alignNode1" presStyleIdx="1" presStyleCnt="6" custLinFactNeighborX="2022" custLinFactNeighborY="-4188">
-        <dgm:presLayoutVars>
-          <dgm:chMax val="0"/>
-          <dgm:chPref val="0"/>
-          <dgm:bulletEnabled val="1"/>
-        </dgm:presLayoutVars>
-      </dgm:prSet>
-      <dgm:spPr>
-        <a:xfrm>
-          <a:off x="2880324" y="792090"/>
-          <a:ext cx="867247" cy="744683"/>
-        </a:xfrm>
-        <a:prstGeom prst="hexagon">
-          <a:avLst>
-            <a:gd name="adj" fmla="val 25000"/>
-            <a:gd name="vf" fmla="val 115470"/>
-          </a:avLst>
-        </a:prstGeom>
-      </dgm:spPr>
-    </dgm:pt>
-    <dgm:pt modelId="{D22FB115-725C-4D5D-9D6E-4F53F4B5156D}" type="pres">
-      <dgm:prSet presAssocID="{69AEA204-D5F0-4C71-AB55-7EED93D1EC3E}" presName="textaccent2" presStyleCnt="0"/>
-      <dgm:spPr/>
-    </dgm:pt>
-    <dgm:pt modelId="{4B29973E-D87F-4B3C-B7D8-416E48BF4A8C}" type="pres">
-      <dgm:prSet presAssocID="{69AEA204-D5F0-4C71-AB55-7EED93D1EC3E}" presName="accentRepeatNode" presStyleLbl="solidAlignAcc1" presStyleIdx="2" presStyleCnt="12"/>
-      <dgm:spPr/>
-    </dgm:pt>
-    <dgm:pt modelId="{3E395155-8CC2-4243-A32F-78090E884B58}" type="pres">
-      <dgm:prSet presAssocID="{85B1ABB8-F1CE-4D8C-A258-273F707A32FF}" presName="image2" presStyleCnt="0"/>
-      <dgm:spPr/>
-    </dgm:pt>
-    <dgm:pt modelId="{DE8F3EC1-4C00-42A3-BFDE-6E2A60FC77C5}" type="pres">
-      <dgm:prSet presAssocID="{85B1ABB8-F1CE-4D8C-A258-273F707A32FF}" presName="imageRepeatNode" presStyleLbl="alignAcc1" presStyleIdx="1" presStyleCnt="6"/>
-      <dgm:spPr>
-        <a:xfrm>
-          <a:off x="4098559" y="1742553"/>
-          <a:ext cx="1238035" cy="1062710"/>
-        </a:xfrm>
-        <a:prstGeom prst="hexagon">
-          <a:avLst>
-            <a:gd name="adj" fmla="val 25000"/>
-            <a:gd name="vf" fmla="val 115470"/>
-          </a:avLst>
-        </a:prstGeom>
-      </dgm:spPr>
-    </dgm:pt>
-    <dgm:pt modelId="{A71531BE-5206-4784-8810-6D8A0727C424}" type="pres">
-      <dgm:prSet presAssocID="{85B1ABB8-F1CE-4D8C-A258-273F707A32FF}" presName="imageaccent2" presStyleCnt="0"/>
-      <dgm:spPr/>
-    </dgm:pt>
-    <dgm:pt modelId="{C9999CA7-F74D-48F9-924A-5D63EFCE6C14}" type="pres">
-      <dgm:prSet presAssocID="{85B1ABB8-F1CE-4D8C-A258-273F707A32FF}" presName="accentRepeatNode" presStyleLbl="solidAlignAcc1" presStyleIdx="3" presStyleCnt="12"/>
-      <dgm:spPr/>
-    </dgm:pt>
-    <dgm:pt modelId="{6ED702A8-3A19-45FC-838D-DF2F69C8DB2D}" type="pres">
-      <dgm:prSet presAssocID="{3E34E4F5-AA01-4A29-B3C3-3974E4F1AAB6}" presName="text3" presStyleCnt="0"/>
-      <dgm:spPr/>
-    </dgm:pt>
-    <dgm:pt modelId="{BD4D259C-3A20-4E06-8471-D8F736C1A29B}" type="pres">
-      <dgm:prSet presAssocID="{3E34E4F5-AA01-4A29-B3C3-3974E4F1AAB6}" presName="textRepeatNode" presStyleLbl="alignNode1" presStyleIdx="2" presStyleCnt="6" custScaleX="110754" custScaleY="110754">
-        <dgm:presLayoutVars>
-          <dgm:chMax val="0"/>
-          <dgm:chPref val="0"/>
-          <dgm:bulletEnabled val="1"/>
-        </dgm:presLayoutVars>
-      </dgm:prSet>
-      <dgm:spPr>
-        <a:xfrm>
-          <a:off x="1993354" y="585810"/>
-          <a:ext cx="1238035" cy="1062710"/>
-        </a:xfrm>
-        <a:prstGeom prst="hexagon">
-          <a:avLst>
-            <a:gd name="adj" fmla="val 25000"/>
-            <a:gd name="vf" fmla="val 115470"/>
-          </a:avLst>
-        </a:prstGeom>
-      </dgm:spPr>
-    </dgm:pt>
-    <dgm:pt modelId="{15565CA0-E964-4165-B720-511E7A24AC46}" type="pres">
-      <dgm:prSet presAssocID="{3E34E4F5-AA01-4A29-B3C3-3974E4F1AAB6}" presName="textaccent3" presStyleCnt="0"/>
-      <dgm:spPr/>
-    </dgm:pt>
-    <dgm:pt modelId="{CA141AC9-663C-4986-A56D-1CF651EB0DE9}" type="pres">
-      <dgm:prSet presAssocID="{3E34E4F5-AA01-4A29-B3C3-3974E4F1AAB6}" presName="accentRepeatNode" presStyleLbl="solidAlignAcc1" presStyleIdx="4" presStyleCnt="12"/>
-      <dgm:spPr/>
-    </dgm:pt>
-    <dgm:pt modelId="{AE513BC0-AE63-47B2-A20E-E931DE57F6AB}" type="pres">
-      <dgm:prSet presAssocID="{2DC6309E-26E3-40B8-A321-1F5B0AB01057}" presName="image3" presStyleCnt="0"/>
-      <dgm:spPr/>
-    </dgm:pt>
-    <dgm:pt modelId="{9C6D30F3-D42A-4938-8346-7C653B606776}" type="pres">
-      <dgm:prSet presAssocID="{2DC6309E-26E3-40B8-A321-1F5B0AB01057}" presName="imageRepeatNode" presStyleLbl="alignAcc1" presStyleIdx="2" presStyleCnt="6"/>
-      <dgm:spPr>
-        <a:xfrm>
-          <a:off x="2862788" y="0"/>
-          <a:ext cx="867247" cy="744683"/>
-        </a:xfrm>
-        <a:prstGeom prst="hexagon">
-          <a:avLst>
-            <a:gd name="adj" fmla="val 25000"/>
-            <a:gd name="vf" fmla="val 115470"/>
-          </a:avLst>
-        </a:prstGeom>
-      </dgm:spPr>
-    </dgm:pt>
-    <dgm:pt modelId="{ED89A282-E752-4B4F-A46A-BCCF35E66358}" type="pres">
-      <dgm:prSet presAssocID="{2DC6309E-26E3-40B8-A321-1F5B0AB01057}" presName="imageaccent3" presStyleCnt="0"/>
-      <dgm:spPr/>
-    </dgm:pt>
-    <dgm:pt modelId="{A6B8AEBB-05EA-428B-9824-08330AEBB905}" type="pres">
-      <dgm:prSet presAssocID="{2DC6309E-26E3-40B8-A321-1F5B0AB01057}" presName="accentRepeatNode" presStyleLbl="solidAlignAcc1" presStyleIdx="5" presStyleCnt="12"/>
-      <dgm:spPr/>
-    </dgm:pt>
-    <dgm:pt modelId="{4E35BA8B-36C1-4083-9CE4-79A07089FDE7}" type="pres">
-      <dgm:prSet presAssocID="{DCB709D9-FEC3-40F3-83A5-3EDC02C6B6E8}" presName="text4" presStyleCnt="0"/>
-      <dgm:spPr/>
-    </dgm:pt>
-    <dgm:pt modelId="{DB26BC3E-D2B6-49A5-B23A-7631F33F8A92}" type="pres">
-      <dgm:prSet presAssocID="{DCB709D9-FEC3-40F3-83A5-3EDC02C6B6E8}" presName="textRepeatNode" presStyleLbl="alignNode1" presStyleIdx="3" presStyleCnt="6" custScaleX="102493" custScaleY="102493" custLinFactNeighborX="1962">
-        <dgm:presLayoutVars>
-          <dgm:chMax val="0"/>
-          <dgm:chPref val="0"/>
-          <dgm:bulletEnabled val="1"/>
-        </dgm:presLayoutVars>
-      </dgm:prSet>
-      <dgm:spPr>
-        <a:xfrm>
-          <a:off x="3608639" y="412340"/>
-          <a:ext cx="867247" cy="744683"/>
-        </a:xfrm>
-        <a:prstGeom prst="hexagon">
-          <a:avLst>
-            <a:gd name="adj" fmla="val 25000"/>
-            <a:gd name="vf" fmla="val 115470"/>
-          </a:avLst>
-        </a:prstGeom>
-      </dgm:spPr>
-    </dgm:pt>
-    <dgm:pt modelId="{3C5CEBB2-8884-4B36-BF1D-E8B6B86255A9}" type="pres">
-      <dgm:prSet presAssocID="{DCB709D9-FEC3-40F3-83A5-3EDC02C6B6E8}" presName="textaccent4" presStyleCnt="0"/>
-      <dgm:spPr/>
-    </dgm:pt>
-    <dgm:pt modelId="{6067403D-85E6-4B0B-B938-E5E57B3CCE73}" type="pres">
-      <dgm:prSet presAssocID="{DCB709D9-FEC3-40F3-83A5-3EDC02C6B6E8}" presName="accentRepeatNode" presStyleLbl="solidAlignAcc1" presStyleIdx="6" presStyleCnt="12"/>
-      <dgm:spPr/>
-    </dgm:pt>
-    <dgm:pt modelId="{B1B1270D-3A5B-4A3C-96CD-131B7F3E3BF1}" type="pres">
-      <dgm:prSet presAssocID="{60F55A19-46AC-476D-AF15-23A987572F10}" presName="image4" presStyleCnt="0"/>
-      <dgm:spPr/>
-    </dgm:pt>
-    <dgm:pt modelId="{86707E95-CFFF-45FD-A45D-3C01545AAA32}" type="pres">
-      <dgm:prSet presAssocID="{60F55A19-46AC-476D-AF15-23A987572F10}" presName="imageRepeatNode" presStyleLbl="alignAcc1" presStyleIdx="3" presStyleCnt="6"/>
-      <dgm:spPr>
-        <a:xfrm>
-          <a:off x="4354950" y="831137"/>
-          <a:ext cx="867247" cy="744683"/>
-        </a:xfrm>
-        <a:prstGeom prst="hexagon">
-          <a:avLst>
-            <a:gd name="adj" fmla="val 25000"/>
-            <a:gd name="vf" fmla="val 115470"/>
-          </a:avLst>
-        </a:prstGeom>
-      </dgm:spPr>
-    </dgm:pt>
-    <dgm:pt modelId="{11D42115-4FB3-4B0A-BE24-BA4B190B1324}" type="pres">
-      <dgm:prSet presAssocID="{60F55A19-46AC-476D-AF15-23A987572F10}" presName="imageaccent4" presStyleCnt="0"/>
-      <dgm:spPr/>
-    </dgm:pt>
-    <dgm:pt modelId="{92F5C774-6944-4441-B90D-7442190EB174}" type="pres">
-      <dgm:prSet presAssocID="{60F55A19-46AC-476D-AF15-23A987572F10}" presName="accentRepeatNode" presStyleLbl="solidAlignAcc1" presStyleIdx="7" presStyleCnt="12"/>
-      <dgm:spPr/>
-    </dgm:pt>
-    <dgm:pt modelId="{D0352245-B62D-4DBD-BF17-B0D63B1AF38A}" type="pres">
-      <dgm:prSet presAssocID="{D73E95DD-1799-4293-A32F-237523EAFD61}" presName="text5" presStyleCnt="0"/>
-      <dgm:spPr/>
-    </dgm:pt>
-    <dgm:pt modelId="{3064A0C8-A758-4C70-8865-E915B38F0496}" type="pres">
-      <dgm:prSet presAssocID="{D73E95DD-1799-4293-A32F-237523EAFD61}" presName="textRepeatNode" presStyleLbl="alignNode1" presStyleIdx="4" presStyleCnt="6">
-        <dgm:presLayoutVars>
-          <dgm:chMax val="0"/>
-          <dgm:chPref val="0"/>
-          <dgm:bulletEnabled val="1"/>
-        </dgm:presLayoutVars>
-      </dgm:prSet>
-      <dgm:spPr>
-        <a:xfrm>
-          <a:off x="4734327" y="8871"/>
-          <a:ext cx="978908" cy="840563"/>
-        </a:xfrm>
-        <a:prstGeom prst="hexagon">
-          <a:avLst>
-            <a:gd name="adj" fmla="val 25000"/>
-            <a:gd name="vf" fmla="val 115470"/>
-          </a:avLst>
-        </a:prstGeom>
-      </dgm:spPr>
-    </dgm:pt>
-    <dgm:pt modelId="{B3B93B0E-3F99-4B4B-B44C-DD408E9E8356}" type="pres">
-      <dgm:prSet presAssocID="{D73E95DD-1799-4293-A32F-237523EAFD61}" presName="textaccent5" presStyleCnt="0"/>
-      <dgm:spPr/>
-    </dgm:pt>
-    <dgm:pt modelId="{88035C0C-CAD0-4C6C-85A2-7360AB2D09C0}" type="pres">
-      <dgm:prSet presAssocID="{D73E95DD-1799-4293-A32F-237523EAFD61}" presName="accentRepeatNode" presStyleLbl="solidAlignAcc1" presStyleIdx="8" presStyleCnt="12"/>
-      <dgm:spPr/>
-    </dgm:pt>
-    <dgm:pt modelId="{D640E3CF-393A-4AF4-918B-D55F9E127B4E}" type="pres">
-      <dgm:prSet presAssocID="{FBDE328C-6FCA-4AEC-B634-2965427D6B94}" presName="image5" presStyleCnt="0"/>
-      <dgm:spPr/>
-    </dgm:pt>
-    <dgm:pt modelId="{F9DC9470-A5C5-4F5D-B3A2-68E26F0AF801}" type="pres">
-      <dgm:prSet presAssocID="{FBDE328C-6FCA-4AEC-B634-2965427D6B94}" presName="imageRepeatNode" presStyleLbl="alignAcc1" presStyleIdx="4" presStyleCnt="6"/>
-      <dgm:spPr>
-        <a:xfrm>
-          <a:off x="5158252" y="1168251"/>
-          <a:ext cx="1238035" cy="1062710"/>
-        </a:xfrm>
-        <a:prstGeom prst="hexagon">
-          <a:avLst>
-            <a:gd name="adj" fmla="val 25000"/>
-            <a:gd name="vf" fmla="val 115470"/>
-          </a:avLst>
-        </a:prstGeom>
-      </dgm:spPr>
-    </dgm:pt>
-    <dgm:pt modelId="{59ACF9CE-A728-43EB-ABFD-0DE9F354E0C7}" type="pres">
-      <dgm:prSet presAssocID="{FBDE328C-6FCA-4AEC-B634-2965427D6B94}" presName="imageaccent5" presStyleCnt="0"/>
-      <dgm:spPr/>
-    </dgm:pt>
-    <dgm:pt modelId="{984CD97F-72B4-4E11-A835-139ABE1B03FD}" type="pres">
-      <dgm:prSet presAssocID="{FBDE328C-6FCA-4AEC-B634-2965427D6B94}" presName="accentRepeatNode" presStyleLbl="solidAlignAcc1" presStyleIdx="9" presStyleCnt="12"/>
-      <dgm:spPr/>
-    </dgm:pt>
-    <dgm:pt modelId="{02A1F4D2-4BD7-4905-BD69-5C1ACA657A17}" type="pres">
-      <dgm:prSet presAssocID="{9482831F-1FFF-4B00-91D7-500353D8E4B2}" presName="text6" presStyleCnt="0"/>
-      <dgm:spPr/>
-    </dgm:pt>
-    <dgm:pt modelId="{CF5DC1A2-69F3-4FF7-BBCB-CB5EFC8E88F3}" type="pres">
-      <dgm:prSet presAssocID="{9482831F-1FFF-4B00-91D7-500353D8E4B2}" presName="textRepeatNode" presStyleLbl="alignNode1" presStyleIdx="5" presStyleCnt="6" custScaleX="97931" custScaleY="97931" custLinFactNeighborX="-2522">
-        <dgm:presLayoutVars>
-          <dgm:chMax val="0"/>
-          <dgm:chPref val="0"/>
-          <dgm:bulletEnabled val="1"/>
-        </dgm:presLayoutVars>
-      </dgm:prSet>
-      <dgm:spPr>
-        <a:xfrm>
-          <a:off x="2861868" y="1648239"/>
-          <a:ext cx="867247" cy="744683"/>
-        </a:xfrm>
-        <a:prstGeom prst="hexagon">
-          <a:avLst>
-            <a:gd name="adj" fmla="val 25000"/>
-            <a:gd name="vf" fmla="val 115470"/>
-          </a:avLst>
-        </a:prstGeom>
-      </dgm:spPr>
-    </dgm:pt>
-    <dgm:pt modelId="{C3AD0AFE-F75E-4362-804E-BB0F87118E76}" type="pres">
-      <dgm:prSet presAssocID="{9482831F-1FFF-4B00-91D7-500353D8E4B2}" presName="textaccent6" presStyleCnt="0"/>
-      <dgm:spPr/>
-    </dgm:pt>
-    <dgm:pt modelId="{0A637DFC-71D5-4FFF-9347-A5280C8A8C69}" type="pres">
-      <dgm:prSet presAssocID="{9482831F-1FFF-4B00-91D7-500353D8E4B2}" presName="accentRepeatNode" presStyleLbl="solidAlignAcc1" presStyleIdx="10" presStyleCnt="12"/>
-      <dgm:spPr/>
-    </dgm:pt>
-    <dgm:pt modelId="{44312017-15EF-4072-82C7-0B79E48380C8}" type="pres">
-      <dgm:prSet presAssocID="{14B2C072-631E-4531-AFE0-F2B02E67D8D7}" presName="image6" presStyleCnt="0"/>
-      <dgm:spPr/>
-    </dgm:pt>
-    <dgm:pt modelId="{7D0CA2D6-86C0-4503-BDD4-61A9125E7656}" type="pres">
-      <dgm:prSet presAssocID="{14B2C072-631E-4531-AFE0-F2B02E67D8D7}" presName="imageRepeatNode" presStyleLbl="alignAcc1" presStyleIdx="5" presStyleCnt="6" custLinFactX="-72000" custLinFactNeighborX="-100000" custLinFactNeighborY="-9758"/>
-      <dgm:spPr>
-        <a:xfrm>
-          <a:off x="2116017" y="2062264"/>
-          <a:ext cx="867247" cy="744683"/>
-        </a:xfrm>
-        <a:prstGeom prst="hexagon">
-          <a:avLst>
-            <a:gd name="adj" fmla="val 25000"/>
-            <a:gd name="vf" fmla="val 115470"/>
-          </a:avLst>
-        </a:prstGeom>
-      </dgm:spPr>
-    </dgm:pt>
-    <dgm:pt modelId="{7B072454-5CB9-4516-A534-C3D3B702B72A}" type="pres">
-      <dgm:prSet presAssocID="{14B2C072-631E-4531-AFE0-F2B02E67D8D7}" presName="imageaccent6" presStyleCnt="0"/>
-      <dgm:spPr/>
-    </dgm:pt>
-    <dgm:pt modelId="{2FFDFAAA-B845-40C8-8954-F44DF0B462F6}" type="pres">
-      <dgm:prSet presAssocID="{14B2C072-631E-4531-AFE0-F2B02E67D8D7}" presName="accentRepeatNode" presStyleLbl="solidAlignAcc1" presStyleIdx="11" presStyleCnt="12"/>
-      <dgm:spPr/>
-    </dgm:pt>
-  </dgm:ptLst>
-  <dgm:cxnLst>
-    <dgm:cxn modelId="{ED7A9001-A888-4480-977C-153DB311311F}" srcId="{8F681283-7DBC-4B3F-AEAA-62EC5F9D2432}" destId="{3EED11D5-8B98-4F9E-8096-A6E509E058D6}" srcOrd="0" destOrd="0" parTransId="{E4E36636-4186-4EC6-B91C-90C50D6B1852}" sibTransId="{5AAED0B0-6004-4FFF-91E5-FDA906EF2D53}"/>
-    <dgm:cxn modelId="{2B5FD004-5D85-43E5-B855-21218ACA5596}" type="presOf" srcId="{60F55A19-46AC-476D-AF15-23A987572F10}" destId="{86707E95-CFFF-45FD-A45D-3C01545AAA32}" srcOrd="0" destOrd="0" presId="urn:microsoft.com/office/officeart/2008/layout/HexagonCluster"/>
-    <dgm:cxn modelId="{B9E0840A-E5CE-4BB4-B93A-6938A8C025AD}" type="presOf" srcId="{3E34E4F5-AA01-4A29-B3C3-3974E4F1AAB6}" destId="{BD4D259C-3A20-4E06-8471-D8F736C1A29B}" srcOrd="0" destOrd="0" presId="urn:microsoft.com/office/officeart/2008/layout/HexagonCluster"/>
-    <dgm:cxn modelId="{6353FA1A-5806-48C5-8369-434F79477732}" type="presOf" srcId="{85B1ABB8-F1CE-4D8C-A258-273F707A32FF}" destId="{DE8F3EC1-4C00-42A3-BFDE-6E2A60FC77C5}" srcOrd="0" destOrd="0" presId="urn:microsoft.com/office/officeart/2008/layout/HexagonCluster"/>
-    <dgm:cxn modelId="{4CEC2627-6B73-4327-8B3C-A6474E42F4F7}" type="presOf" srcId="{DCB709D9-FEC3-40F3-83A5-3EDC02C6B6E8}" destId="{DB26BC3E-D2B6-49A5-B23A-7631F33F8A92}" srcOrd="0" destOrd="0" presId="urn:microsoft.com/office/officeart/2008/layout/HexagonCluster"/>
-    <dgm:cxn modelId="{0DFF2638-9285-4F25-9EC9-874D3DF82C81}" type="presOf" srcId="{9482831F-1FFF-4B00-91D7-500353D8E4B2}" destId="{CF5DC1A2-69F3-4FF7-BBCB-CB5EFC8E88F3}" srcOrd="0" destOrd="0" presId="urn:microsoft.com/office/officeart/2008/layout/HexagonCluster"/>
-    <dgm:cxn modelId="{6BB95F61-E364-4713-8716-EAC814EBACC2}" type="presOf" srcId="{14B2C072-631E-4531-AFE0-F2B02E67D8D7}" destId="{7D0CA2D6-86C0-4503-BDD4-61A9125E7656}" srcOrd="0" destOrd="0" presId="urn:microsoft.com/office/officeart/2008/layout/HexagonCluster"/>
-    <dgm:cxn modelId="{EC4C074A-6295-4C95-9D5D-6F9CBAB2F447}" type="presOf" srcId="{D73E95DD-1799-4293-A32F-237523EAFD61}" destId="{3064A0C8-A758-4C70-8865-E915B38F0496}" srcOrd="0" destOrd="0" presId="urn:microsoft.com/office/officeart/2008/layout/HexagonCluster"/>
-    <dgm:cxn modelId="{A5DEB04F-CBBC-4C02-B3AA-E9FE0422A3DD}" type="presOf" srcId="{2DC6309E-26E3-40B8-A321-1F5B0AB01057}" destId="{9C6D30F3-D42A-4938-8346-7C653B606776}" srcOrd="0" destOrd="0" presId="urn:microsoft.com/office/officeart/2008/layout/HexagonCluster"/>
-    <dgm:cxn modelId="{944C1173-E431-4D2E-9A19-433AD365B496}" srcId="{8F681283-7DBC-4B3F-AEAA-62EC5F9D2432}" destId="{69AEA204-D5F0-4C71-AB55-7EED93D1EC3E}" srcOrd="1" destOrd="0" parTransId="{CF906745-7B6B-47E2-B9E9-0121BDD219F6}" sibTransId="{85B1ABB8-F1CE-4D8C-A258-273F707A32FF}"/>
-    <dgm:cxn modelId="{395C3858-EEFC-4041-B85B-827AFD42F282}" srcId="{8F681283-7DBC-4B3F-AEAA-62EC5F9D2432}" destId="{3E34E4F5-AA01-4A29-B3C3-3974E4F1AAB6}" srcOrd="2" destOrd="0" parTransId="{42D18DBA-EFFE-4EFD-BE12-2595838678C5}" sibTransId="{2DC6309E-26E3-40B8-A321-1F5B0AB01057}"/>
-    <dgm:cxn modelId="{38FDDB89-7674-497D-A040-3100919F6232}" type="presOf" srcId="{FBDE328C-6FCA-4AEC-B634-2965427D6B94}" destId="{F9DC9470-A5C5-4F5D-B3A2-68E26F0AF801}" srcOrd="0" destOrd="0" presId="urn:microsoft.com/office/officeart/2008/layout/HexagonCluster"/>
-    <dgm:cxn modelId="{0606429A-5B87-4FEC-8E92-DF9440175728}" type="presOf" srcId="{8F681283-7DBC-4B3F-AEAA-62EC5F9D2432}" destId="{64C4962E-1FEE-4FB7-B9E6-0C9FA514BAAF}" srcOrd="0" destOrd="0" presId="urn:microsoft.com/office/officeart/2008/layout/HexagonCluster"/>
-    <dgm:cxn modelId="{2307A8A4-092B-40E6-AB39-95532207D17E}" srcId="{8F681283-7DBC-4B3F-AEAA-62EC5F9D2432}" destId="{DCB709D9-FEC3-40F3-83A5-3EDC02C6B6E8}" srcOrd="3" destOrd="0" parTransId="{00925B1A-A3BA-4E46-B961-653EC2989937}" sibTransId="{60F55A19-46AC-476D-AF15-23A987572F10}"/>
-    <dgm:cxn modelId="{072F59AC-4AD9-4E96-828F-2F0EC1B2CC4E}" type="presOf" srcId="{5AAED0B0-6004-4FFF-91E5-FDA906EF2D53}" destId="{24FE4D2B-8FE9-40DE-BB03-25F5C22DB603}" srcOrd="0" destOrd="0" presId="urn:microsoft.com/office/officeart/2008/layout/HexagonCluster"/>
-    <dgm:cxn modelId="{22C64EB7-25F1-4237-8880-80112B5FF3FE}" type="presOf" srcId="{69AEA204-D5F0-4C71-AB55-7EED93D1EC3E}" destId="{F9F28046-F150-46B4-8A66-8BA335F0D741}" srcOrd="0" destOrd="0" presId="urn:microsoft.com/office/officeart/2008/layout/HexagonCluster"/>
-    <dgm:cxn modelId="{85E1C8B7-FDD9-4073-AD34-59E8AF3C938A}" srcId="{8F681283-7DBC-4B3F-AEAA-62EC5F9D2432}" destId="{D73E95DD-1799-4293-A32F-237523EAFD61}" srcOrd="4" destOrd="0" parTransId="{984CDC54-A4CA-47F1-ADFA-4FDC0030FE81}" sibTransId="{FBDE328C-6FCA-4AEC-B634-2965427D6B94}"/>
-    <dgm:cxn modelId="{F06989C7-95FC-4F8F-A495-F49D86DDB724}" srcId="{8F681283-7DBC-4B3F-AEAA-62EC5F9D2432}" destId="{9482831F-1FFF-4B00-91D7-500353D8E4B2}" srcOrd="5" destOrd="0" parTransId="{5446C2BB-84DE-435B-A0EB-42E04F56B83F}" sibTransId="{14B2C072-631E-4531-AFE0-F2B02E67D8D7}"/>
-    <dgm:cxn modelId="{E78DDDE9-C728-4FA9-B684-60EBB5DB43BC}" type="presOf" srcId="{3EED11D5-8B98-4F9E-8096-A6E509E058D6}" destId="{C139775D-76CE-43C6-AC2F-6C8478E1ED18}" srcOrd="0" destOrd="0" presId="urn:microsoft.com/office/officeart/2008/layout/HexagonCluster"/>
-    <dgm:cxn modelId="{FDF282CA-A4F4-43A9-B84C-9AAC59FAC760}" type="presParOf" srcId="{64C4962E-1FEE-4FB7-B9E6-0C9FA514BAAF}" destId="{5677E022-BE67-4947-B5F8-5E4C69A854AC}" srcOrd="0" destOrd="0" presId="urn:microsoft.com/office/officeart/2008/layout/HexagonCluster"/>
-    <dgm:cxn modelId="{668894AF-6648-4418-AAB0-A995E34EB1D3}" type="presParOf" srcId="{5677E022-BE67-4947-B5F8-5E4C69A854AC}" destId="{C139775D-76CE-43C6-AC2F-6C8478E1ED18}" srcOrd="0" destOrd="0" presId="urn:microsoft.com/office/officeart/2008/layout/HexagonCluster"/>
-    <dgm:cxn modelId="{10A7F58B-B1DE-487E-923C-8EA16FB72B4D}" type="presParOf" srcId="{64C4962E-1FEE-4FB7-B9E6-0C9FA514BAAF}" destId="{85DF3A78-0035-4496-85F8-0B1627E42432}" srcOrd="1" destOrd="0" presId="urn:microsoft.com/office/officeart/2008/layout/HexagonCluster"/>
-    <dgm:cxn modelId="{63C32ED6-9BF7-4B89-855C-4DE316D2DC9C}" type="presParOf" srcId="{85DF3A78-0035-4496-85F8-0B1627E42432}" destId="{56A983CD-0F05-40ED-9BE7-58A1A94DE68D}" srcOrd="0" destOrd="0" presId="urn:microsoft.com/office/officeart/2008/layout/HexagonCluster"/>
-    <dgm:cxn modelId="{453AAD75-9FC1-462F-87EF-ADD86CFFFB24}" type="presParOf" srcId="{64C4962E-1FEE-4FB7-B9E6-0C9FA514BAAF}" destId="{B7F1E64D-88D7-47AB-B034-662B92923008}" srcOrd="2" destOrd="0" presId="urn:microsoft.com/office/officeart/2008/layout/HexagonCluster"/>
-    <dgm:cxn modelId="{B7C8C753-F7A4-40FE-BC86-D6C8E0F0D093}" type="presParOf" srcId="{B7F1E64D-88D7-47AB-B034-662B92923008}" destId="{24FE4D2B-8FE9-40DE-BB03-25F5C22DB603}" srcOrd="0" destOrd="0" presId="urn:microsoft.com/office/officeart/2008/layout/HexagonCluster"/>
-    <dgm:cxn modelId="{82372D85-64C8-40E5-B6F0-08E31F73E77F}" type="presParOf" srcId="{64C4962E-1FEE-4FB7-B9E6-0C9FA514BAAF}" destId="{2E77F997-E880-4DF6-894B-D81C1EECD15D}" srcOrd="3" destOrd="0" presId="urn:microsoft.com/office/officeart/2008/layout/HexagonCluster"/>
-    <dgm:cxn modelId="{AB95660E-0777-49D7-9BA1-85ECCD8C22E0}" type="presParOf" srcId="{2E77F997-E880-4DF6-894B-D81C1EECD15D}" destId="{D564589C-79E6-461A-9F83-B2E1827C8695}" srcOrd="0" destOrd="0" presId="urn:microsoft.com/office/officeart/2008/layout/HexagonCluster"/>
-    <dgm:cxn modelId="{9919332C-9C65-456A-B0B3-9896995E6A8D}" type="presParOf" srcId="{64C4962E-1FEE-4FB7-B9E6-0C9FA514BAAF}" destId="{7E7E6251-9B2E-427A-A848-DAE4AE25447F}" srcOrd="4" destOrd="0" presId="urn:microsoft.com/office/officeart/2008/layout/HexagonCluster"/>
-    <dgm:cxn modelId="{6B457496-B612-48CE-A73E-A195CD2CA3FF}" type="presParOf" srcId="{7E7E6251-9B2E-427A-A848-DAE4AE25447F}" destId="{F9F28046-F150-46B4-8A66-8BA335F0D741}" srcOrd="0" destOrd="0" presId="urn:microsoft.com/office/officeart/2008/layout/HexagonCluster"/>
-    <dgm:cxn modelId="{1EDFAFC4-C961-4AD4-A662-61E66B8279D0}" type="presParOf" srcId="{64C4962E-1FEE-4FB7-B9E6-0C9FA514BAAF}" destId="{D22FB115-725C-4D5D-9D6E-4F53F4B5156D}" srcOrd="5" destOrd="0" presId="urn:microsoft.com/office/officeart/2008/layout/HexagonCluster"/>
-    <dgm:cxn modelId="{6FA26A27-5162-4C41-863C-B6900D17F872}" type="presParOf" srcId="{D22FB115-725C-4D5D-9D6E-4F53F4B5156D}" destId="{4B29973E-D87F-4B3C-B7D8-416E48BF4A8C}" srcOrd="0" destOrd="0" presId="urn:microsoft.com/office/officeart/2008/layout/HexagonCluster"/>
-    <dgm:cxn modelId="{BB1FE5DA-F1C9-41BE-BB98-FA35CDB64BD9}" type="presParOf" srcId="{64C4962E-1FEE-4FB7-B9E6-0C9FA514BAAF}" destId="{3E395155-8CC2-4243-A32F-78090E884B58}" srcOrd="6" destOrd="0" presId="urn:microsoft.com/office/officeart/2008/layout/HexagonCluster"/>
-    <dgm:cxn modelId="{5106B5F5-C666-42D6-AE51-E0F66094CD5B}" type="presParOf" srcId="{3E395155-8CC2-4243-A32F-78090E884B58}" destId="{DE8F3EC1-4C00-42A3-BFDE-6E2A60FC77C5}" srcOrd="0" destOrd="0" presId="urn:microsoft.com/office/officeart/2008/layout/HexagonCluster"/>
-    <dgm:cxn modelId="{4B585261-50DB-49C9-B70E-EAE5035B1E11}" type="presParOf" srcId="{64C4962E-1FEE-4FB7-B9E6-0C9FA514BAAF}" destId="{A71531BE-5206-4784-8810-6D8A0727C424}" srcOrd="7" destOrd="0" presId="urn:microsoft.com/office/officeart/2008/layout/HexagonCluster"/>
-    <dgm:cxn modelId="{C4310DAE-73D2-4F66-A893-273F85251318}" type="presParOf" srcId="{A71531BE-5206-4784-8810-6D8A0727C424}" destId="{C9999CA7-F74D-48F9-924A-5D63EFCE6C14}" srcOrd="0" destOrd="0" presId="urn:microsoft.com/office/officeart/2008/layout/HexagonCluster"/>
-    <dgm:cxn modelId="{882C0127-C007-4F8D-ACD9-091FAF10101A}" type="presParOf" srcId="{64C4962E-1FEE-4FB7-B9E6-0C9FA514BAAF}" destId="{6ED702A8-3A19-45FC-838D-DF2F69C8DB2D}" srcOrd="8" destOrd="0" presId="urn:microsoft.com/office/officeart/2008/layout/HexagonCluster"/>
-    <dgm:cxn modelId="{9F665D61-AEFE-42F7-90CC-98FC54BCA2BA}" type="presParOf" srcId="{6ED702A8-3A19-45FC-838D-DF2F69C8DB2D}" destId="{BD4D259C-3A20-4E06-8471-D8F736C1A29B}" srcOrd="0" destOrd="0" presId="urn:microsoft.com/office/officeart/2008/layout/HexagonCluster"/>
-    <dgm:cxn modelId="{D143CCC8-D814-4134-8DCC-466DECF82A44}" type="presParOf" srcId="{64C4962E-1FEE-4FB7-B9E6-0C9FA514BAAF}" destId="{15565CA0-E964-4165-B720-511E7A24AC46}" srcOrd="9" destOrd="0" presId="urn:microsoft.com/office/officeart/2008/layout/HexagonCluster"/>
-    <dgm:cxn modelId="{EB1A94B7-9DFE-49E0-95B9-32658450BDE3}" type="presParOf" srcId="{15565CA0-E964-4165-B720-511E7A24AC46}" destId="{CA141AC9-663C-4986-A56D-1CF651EB0DE9}" srcOrd="0" destOrd="0" presId="urn:microsoft.com/office/officeart/2008/layout/HexagonCluster"/>
-    <dgm:cxn modelId="{0350F02A-28D5-48EA-B2BB-87D273EA2414}" type="presParOf" srcId="{64C4962E-1FEE-4FB7-B9E6-0C9FA514BAAF}" destId="{AE513BC0-AE63-47B2-A20E-E931DE57F6AB}" srcOrd="10" destOrd="0" presId="urn:microsoft.com/office/officeart/2008/layout/HexagonCluster"/>
-    <dgm:cxn modelId="{8750AA75-9D19-4060-924B-D6D01F0540AF}" type="presParOf" srcId="{AE513BC0-AE63-47B2-A20E-E931DE57F6AB}" destId="{9C6D30F3-D42A-4938-8346-7C653B606776}" srcOrd="0" destOrd="0" presId="urn:microsoft.com/office/officeart/2008/layout/HexagonCluster"/>
-    <dgm:cxn modelId="{24E37E75-AF05-467F-9967-E6076B1E06D7}" type="presParOf" srcId="{64C4962E-1FEE-4FB7-B9E6-0C9FA514BAAF}" destId="{ED89A282-E752-4B4F-A46A-BCCF35E66358}" srcOrd="11" destOrd="0" presId="urn:microsoft.com/office/officeart/2008/layout/HexagonCluster"/>
-    <dgm:cxn modelId="{B8272F04-9AAC-455E-9F2B-B418074B2062}" type="presParOf" srcId="{ED89A282-E752-4B4F-A46A-BCCF35E66358}" destId="{A6B8AEBB-05EA-428B-9824-08330AEBB905}" srcOrd="0" destOrd="0" presId="urn:microsoft.com/office/officeart/2008/layout/HexagonCluster"/>
-    <dgm:cxn modelId="{5690593F-0028-4130-B35C-0FD8DB614127}" type="presParOf" srcId="{64C4962E-1FEE-4FB7-B9E6-0C9FA514BAAF}" destId="{4E35BA8B-36C1-4083-9CE4-79A07089FDE7}" srcOrd="12" destOrd="0" presId="urn:microsoft.com/office/officeart/2008/layout/HexagonCluster"/>
-    <dgm:cxn modelId="{8EDB9E5B-604D-47B0-AB94-3D43352133C8}" type="presParOf" srcId="{4E35BA8B-36C1-4083-9CE4-79A07089FDE7}" destId="{DB26BC3E-D2B6-49A5-B23A-7631F33F8A92}" srcOrd="0" destOrd="0" presId="urn:microsoft.com/office/officeart/2008/layout/HexagonCluster"/>
-    <dgm:cxn modelId="{2D0E8D0B-81DF-4224-8567-3022A0C30EB4}" type="presParOf" srcId="{64C4962E-1FEE-4FB7-B9E6-0C9FA514BAAF}" destId="{3C5CEBB2-8884-4B36-BF1D-E8B6B86255A9}" srcOrd="13" destOrd="0" presId="urn:microsoft.com/office/officeart/2008/layout/HexagonCluster"/>
-    <dgm:cxn modelId="{FD8C43ED-29A1-4B6A-B498-D0B141C2C58C}" type="presParOf" srcId="{3C5CEBB2-8884-4B36-BF1D-E8B6B86255A9}" destId="{6067403D-85E6-4B0B-B938-E5E57B3CCE73}" srcOrd="0" destOrd="0" presId="urn:microsoft.com/office/officeart/2008/layout/HexagonCluster"/>
-    <dgm:cxn modelId="{E5DFFE3D-B794-4045-8577-7678AA8FC245}" type="presParOf" srcId="{64C4962E-1FEE-4FB7-B9E6-0C9FA514BAAF}" destId="{B1B1270D-3A5B-4A3C-96CD-131B7F3E3BF1}" srcOrd="14" destOrd="0" presId="urn:microsoft.com/office/officeart/2008/layout/HexagonCluster"/>
-    <dgm:cxn modelId="{0312D129-3E7E-4802-AB7F-1A32C68FDC9A}" type="presParOf" srcId="{B1B1270D-3A5B-4A3C-96CD-131B7F3E3BF1}" destId="{86707E95-CFFF-45FD-A45D-3C01545AAA32}" srcOrd="0" destOrd="0" presId="urn:microsoft.com/office/officeart/2008/layout/HexagonCluster"/>
-    <dgm:cxn modelId="{07A0609B-E9E1-4BE5-A1AF-CB74380D5C74}" type="presParOf" srcId="{64C4962E-1FEE-4FB7-B9E6-0C9FA514BAAF}" destId="{11D42115-4FB3-4B0A-BE24-BA4B190B1324}" srcOrd="15" destOrd="0" presId="urn:microsoft.com/office/officeart/2008/layout/HexagonCluster"/>
-    <dgm:cxn modelId="{29F731B6-4F41-4EF2-8654-07159A167986}" type="presParOf" srcId="{11D42115-4FB3-4B0A-BE24-BA4B190B1324}" destId="{92F5C774-6944-4441-B90D-7442190EB174}" srcOrd="0" destOrd="0" presId="urn:microsoft.com/office/officeart/2008/layout/HexagonCluster"/>
-    <dgm:cxn modelId="{7CF0CC5F-F9CC-46BC-B31E-AB00FFED5D3A}" type="presParOf" srcId="{64C4962E-1FEE-4FB7-B9E6-0C9FA514BAAF}" destId="{D0352245-B62D-4DBD-BF17-B0D63B1AF38A}" srcOrd="16" destOrd="0" presId="urn:microsoft.com/office/officeart/2008/layout/HexagonCluster"/>
-    <dgm:cxn modelId="{3092E36E-0BD6-4943-9F19-AB770C1CE519}" type="presParOf" srcId="{D0352245-B62D-4DBD-BF17-B0D63B1AF38A}" destId="{3064A0C8-A758-4C70-8865-E915B38F0496}" srcOrd="0" destOrd="0" presId="urn:microsoft.com/office/officeart/2008/layout/HexagonCluster"/>
-    <dgm:cxn modelId="{AEFB17C6-C00B-444F-BDDF-788B4E0E4AEA}" type="presParOf" srcId="{64C4962E-1FEE-4FB7-B9E6-0C9FA514BAAF}" destId="{B3B93B0E-3F99-4B4B-B44C-DD408E9E8356}" srcOrd="17" destOrd="0" presId="urn:microsoft.com/office/officeart/2008/layout/HexagonCluster"/>
-    <dgm:cxn modelId="{F72DA424-EE30-4492-BE76-6516A1951C58}" type="presParOf" srcId="{B3B93B0E-3F99-4B4B-B44C-DD408E9E8356}" destId="{88035C0C-CAD0-4C6C-85A2-7360AB2D09C0}" srcOrd="0" destOrd="0" presId="urn:microsoft.com/office/officeart/2008/layout/HexagonCluster"/>
-    <dgm:cxn modelId="{26CC9F07-FACC-4347-BA7B-BEC7E1D29BD3}" type="presParOf" srcId="{64C4962E-1FEE-4FB7-B9E6-0C9FA514BAAF}" destId="{D640E3CF-393A-4AF4-918B-D55F9E127B4E}" srcOrd="18" destOrd="0" presId="urn:microsoft.com/office/officeart/2008/layout/HexagonCluster"/>
-    <dgm:cxn modelId="{3E282203-024A-42C1-81C3-0837D8AF8183}" type="presParOf" srcId="{D640E3CF-393A-4AF4-918B-D55F9E127B4E}" destId="{F9DC9470-A5C5-4F5D-B3A2-68E26F0AF801}" srcOrd="0" destOrd="0" presId="urn:microsoft.com/office/officeart/2008/layout/HexagonCluster"/>
-    <dgm:cxn modelId="{7C4A0245-E1ED-49E6-869F-6FBE6912674A}" type="presParOf" srcId="{64C4962E-1FEE-4FB7-B9E6-0C9FA514BAAF}" destId="{59ACF9CE-A728-43EB-ABFD-0DE9F354E0C7}" srcOrd="19" destOrd="0" presId="urn:microsoft.com/office/officeart/2008/layout/HexagonCluster"/>
-    <dgm:cxn modelId="{196D273E-5B1C-4FD6-812B-19130759A86F}" type="presParOf" srcId="{59ACF9CE-A728-43EB-ABFD-0DE9F354E0C7}" destId="{984CD97F-72B4-4E11-A835-139ABE1B03FD}" srcOrd="0" destOrd="0" presId="urn:microsoft.com/office/officeart/2008/layout/HexagonCluster"/>
-    <dgm:cxn modelId="{A7819A7E-186F-48FB-AA7E-4222221EA3D5}" type="presParOf" srcId="{64C4962E-1FEE-4FB7-B9E6-0C9FA514BAAF}" destId="{02A1F4D2-4BD7-4905-BD69-5C1ACA657A17}" srcOrd="20" destOrd="0" presId="urn:microsoft.com/office/officeart/2008/layout/HexagonCluster"/>
-    <dgm:cxn modelId="{B4E428DC-045A-492A-8C05-349A7D778606}" type="presParOf" srcId="{02A1F4D2-4BD7-4905-BD69-5C1ACA657A17}" destId="{CF5DC1A2-69F3-4FF7-BBCB-CB5EFC8E88F3}" srcOrd="0" destOrd="0" presId="urn:microsoft.com/office/officeart/2008/layout/HexagonCluster"/>
-    <dgm:cxn modelId="{6C67CB44-125B-44C8-9111-8EE18C310F40}" type="presParOf" srcId="{64C4962E-1FEE-4FB7-B9E6-0C9FA514BAAF}" destId="{C3AD0AFE-F75E-4362-804E-BB0F87118E76}" srcOrd="21" destOrd="0" presId="urn:microsoft.com/office/officeart/2008/layout/HexagonCluster"/>
-    <dgm:cxn modelId="{050ACBEE-F3D6-421A-A39C-CEA42E84926B}" type="presParOf" srcId="{C3AD0AFE-F75E-4362-804E-BB0F87118E76}" destId="{0A637DFC-71D5-4FFF-9347-A5280C8A8C69}" srcOrd="0" destOrd="0" presId="urn:microsoft.com/office/officeart/2008/layout/HexagonCluster"/>
-    <dgm:cxn modelId="{5BB007DB-3550-4000-BA8C-424B1FB4D9A0}" type="presParOf" srcId="{64C4962E-1FEE-4FB7-B9E6-0C9FA514BAAF}" destId="{44312017-15EF-4072-82C7-0B79E48380C8}" srcOrd="22" destOrd="0" presId="urn:microsoft.com/office/officeart/2008/layout/HexagonCluster"/>
-    <dgm:cxn modelId="{29E4932F-8A21-44C8-8E4F-C3E93A593639}" type="presParOf" srcId="{44312017-15EF-4072-82C7-0B79E48380C8}" destId="{7D0CA2D6-86C0-4503-BDD4-61A9125E7656}" srcOrd="0" destOrd="0" presId="urn:microsoft.com/office/officeart/2008/layout/HexagonCluster"/>
-    <dgm:cxn modelId="{CD278D85-2A72-4A9C-A7D1-8290702966BB}" type="presParOf" srcId="{64C4962E-1FEE-4FB7-B9E6-0C9FA514BAAF}" destId="{7B072454-5CB9-4516-A534-C3D3B702B72A}" srcOrd="23" destOrd="0" presId="urn:microsoft.com/office/officeart/2008/layout/HexagonCluster"/>
-    <dgm:cxn modelId="{E6D0AB57-BF26-48F5-8E45-26D5C6883579}" type="presParOf" srcId="{7B072454-5CB9-4516-A534-C3D3B702B72A}" destId="{2FFDFAAA-B845-40C8-8954-F44DF0B462F6}" srcOrd="0" destOrd="0" presId="urn:microsoft.com/office/officeart/2008/layout/HexagonCluster"/>
-  </dgm:cxnLst>
-  <dgm:bg/>
-  <dgm:whole>
-    <a:ln>
-      <a:noFill/>
-    </a:ln>
-  </dgm:whole>
-  <dgm:extLst>
-    <a:ext uri="http://schemas.microsoft.com/office/drawing/2008/diagram">
-      <dsp:dataModelExt xmlns:dsp="http://schemas.microsoft.com/office/drawing/2008/diagram" relId="rId6" minVer="http://schemas.openxmlformats.org/drawingml/2006/diagram"/>
-    </a:ext>
-  </dgm:extLst>
-</dgm:dataModel>
-</file>
-
-<file path=ppt/diagrams/data2.xml><?xml version="1.0" encoding="utf-8"?>
 <dgm:dataModel xmlns:dgm="http://schemas.openxmlformats.org/drawingml/2006/diagram" xmlns:a="http://schemas.openxmlformats.org/drawingml/2006/main">
   <dgm:ptLst>
     <dgm:pt modelId="{63B6859F-497B-4D18-900D-46C191DE6763}" type="doc">
@@ -3591,7 +1768,7 @@
 </dgm:dataModel>
 </file>
 
-<file path=ppt/diagrams/data3.xml><?xml version="1.0" encoding="utf-8"?>
+<file path=ppt/diagrams/data2.xml><?xml version="1.0" encoding="utf-8"?>
 <dgm:dataModel xmlns:dgm="http://schemas.openxmlformats.org/drawingml/2006/diagram" xmlns:a="http://schemas.openxmlformats.org/drawingml/2006/main">
   <dgm:ptLst>
     <dgm:pt modelId="{7F133638-A913-4191-8026-251F240B3119}" type="doc">
@@ -4067,1410 +2244,6 @@
       <dsp:cNvGrpSpPr/>
     </dsp:nvGrpSpPr>
     <dsp:grpSpPr/>
-    <dsp:sp modelId="{C139775D-76CE-43C6-AC2F-6C8478E1ED18}">
-      <dsp:nvSpPr>
-        <dsp:cNvPr id="0" name=""/>
-        <dsp:cNvSpPr/>
-      </dsp:nvSpPr>
-      <dsp:spPr>
-        <a:xfrm>
-          <a:off x="2428844" y="2080743"/>
-          <a:ext cx="1458600" cy="1252478"/>
-        </a:xfrm>
-        <a:prstGeom prst="hexagon">
-          <a:avLst>
-            <a:gd name="adj" fmla="val 25000"/>
-            <a:gd name="vf" fmla="val 115470"/>
-          </a:avLst>
-        </a:prstGeom>
-        <a:solidFill>
-          <a:srgbClr val="9B6902">
-            <a:lumMod val="40000"/>
-            <a:lumOff val="60000"/>
-          </a:srgbClr>
-        </a:solidFill>
-        <a:ln w="12700" cap="flat" cmpd="sng" algn="ctr">
-          <a:solidFill>
-            <a:srgbClr val="9B6902">
-              <a:lumMod val="20000"/>
-              <a:lumOff val="80000"/>
-            </a:srgbClr>
-          </a:solidFill>
-          <a:prstDash val="solid"/>
-          <a:miter lim="800000"/>
-        </a:ln>
-        <a:effectLst/>
-      </dsp:spPr>
-      <dsp:style>
-        <a:lnRef idx="2">
-          <a:scrgbClr r="0" g="0" b="0"/>
-        </a:lnRef>
-        <a:fillRef idx="1">
-          <a:scrgbClr r="0" g="0" b="0"/>
-        </a:fillRef>
-        <a:effectRef idx="0">
-          <a:scrgbClr r="0" g="0" b="0"/>
-        </a:effectRef>
-        <a:fontRef idx="minor">
-          <a:schemeClr val="lt1"/>
-        </a:fontRef>
-      </dsp:style>
-      <dsp:txBody>
-        <a:bodyPr spcFirstLastPara="0" vert="horz" wrap="square" lIns="0" tIns="69850" rIns="0" bIns="69850" numCol="1" spcCol="1270" anchor="ctr" anchorCtr="0">
-          <a:noAutofit/>
-        </a:bodyPr>
-        <a:lstStyle/>
-        <a:p>
-          <a:pPr marL="0" lvl="0" indent="0" algn="ctr" defTabSz="2444750">
-            <a:lnSpc>
-              <a:spcPct val="90000"/>
-            </a:lnSpc>
-            <a:spcBef>
-              <a:spcPct val="0"/>
-            </a:spcBef>
-            <a:spcAft>
-              <a:spcPct val="35000"/>
-            </a:spcAft>
-            <a:buNone/>
-          </a:pPr>
-          <a:endParaRPr lang="en-US" sz="5500" kern="1200" dirty="0"/>
-        </a:p>
-      </dsp:txBody>
-      <dsp:txXfrm>
-        <a:off x="2654767" y="2274740"/>
-        <a:ext cx="1006754" cy="864484"/>
-      </dsp:txXfrm>
-    </dsp:sp>
-    <dsp:sp modelId="{56A983CD-0F05-40ED-9BE7-58A1A94DE68D}">
-      <dsp:nvSpPr>
-        <dsp:cNvPr id="0" name=""/>
-        <dsp:cNvSpPr/>
-      </dsp:nvSpPr>
-      <dsp:spPr>
-        <a:xfrm>
-          <a:off x="2463647" y="2640850"/>
-          <a:ext cx="170144" cy="146781"/>
-        </a:xfrm>
-        <a:prstGeom prst="hexagon">
-          <a:avLst>
-            <a:gd name="adj" fmla="val 25000"/>
-            <a:gd name="vf" fmla="val 115470"/>
-          </a:avLst>
-        </a:prstGeom>
-        <a:solidFill>
-          <a:schemeClr val="lt1">
-            <a:hueOff val="0"/>
-            <a:satOff val="0"/>
-            <a:lumOff val="0"/>
-            <a:alphaOff val="0"/>
-          </a:schemeClr>
-        </a:solidFill>
-        <a:ln w="12700" cap="flat" cmpd="sng" algn="ctr">
-          <a:solidFill>
-            <a:schemeClr val="accent1">
-              <a:hueOff val="0"/>
-              <a:satOff val="0"/>
-              <a:lumOff val="0"/>
-              <a:alphaOff val="0"/>
-            </a:schemeClr>
-          </a:solidFill>
-          <a:prstDash val="solid"/>
-          <a:miter lim="800000"/>
-        </a:ln>
-        <a:effectLst/>
-      </dsp:spPr>
-      <dsp:style>
-        <a:lnRef idx="2">
-          <a:scrgbClr r="0" g="0" b="0"/>
-        </a:lnRef>
-        <a:fillRef idx="1">
-          <a:scrgbClr r="0" g="0" b="0"/>
-        </a:fillRef>
-        <a:effectRef idx="0">
-          <a:scrgbClr r="0" g="0" b="0"/>
-        </a:effectRef>
-        <a:fontRef idx="minor"/>
-      </dsp:style>
-    </dsp:sp>
-    <dsp:sp modelId="{24FE4D2B-8FE9-40DE-BB03-25F5C22DB603}">
-      <dsp:nvSpPr>
-        <dsp:cNvPr id="0" name=""/>
-        <dsp:cNvSpPr/>
-      </dsp:nvSpPr>
-      <dsp:spPr>
-        <a:xfrm>
-          <a:off x="1173643" y="1388371"/>
-          <a:ext cx="1458600" cy="1252478"/>
-        </a:xfrm>
-        <a:prstGeom prst="hexagon">
-          <a:avLst>
-            <a:gd name="adj" fmla="val 25000"/>
-            <a:gd name="vf" fmla="val 115470"/>
-          </a:avLst>
-        </a:prstGeom>
-        <a:solidFill>
-          <a:schemeClr val="bg2">
-            <a:lumMod val="40000"/>
-            <a:lumOff val="60000"/>
-          </a:schemeClr>
-        </a:solidFill>
-        <a:ln w="12700" cap="flat" cmpd="sng" algn="ctr">
-          <a:solidFill>
-            <a:schemeClr val="bg2">
-              <a:lumMod val="20000"/>
-              <a:lumOff val="80000"/>
-            </a:schemeClr>
-          </a:solidFill>
-          <a:prstDash val="solid"/>
-          <a:miter lim="800000"/>
-        </a:ln>
-        <a:effectLst/>
-      </dsp:spPr>
-      <dsp:style>
-        <a:lnRef idx="2">
-          <a:scrgbClr r="0" g="0" b="0"/>
-        </a:lnRef>
-        <a:fillRef idx="1">
-          <a:scrgbClr r="0" g="0" b="0"/>
-        </a:fillRef>
-        <a:effectRef idx="0">
-          <a:scrgbClr r="0" g="0" b="0"/>
-        </a:effectRef>
-        <a:fontRef idx="minor"/>
-      </dsp:style>
-    </dsp:sp>
-    <dsp:sp modelId="{D564589C-79E6-461A-9F83-B2E1827C8695}">
-      <dsp:nvSpPr>
-        <dsp:cNvPr id="0" name=""/>
-        <dsp:cNvSpPr/>
-      </dsp:nvSpPr>
-      <dsp:spPr>
-        <a:xfrm>
-          <a:off x="2172855" y="2474713"/>
-          <a:ext cx="170144" cy="146781"/>
-        </a:xfrm>
-        <a:prstGeom prst="hexagon">
-          <a:avLst>
-            <a:gd name="adj" fmla="val 25000"/>
-            <a:gd name="vf" fmla="val 115470"/>
-          </a:avLst>
-        </a:prstGeom>
-        <a:solidFill>
-          <a:schemeClr val="lt1">
-            <a:hueOff val="0"/>
-            <a:satOff val="0"/>
-            <a:lumOff val="0"/>
-            <a:alphaOff val="0"/>
-          </a:schemeClr>
-        </a:solidFill>
-        <a:ln w="12700" cap="flat" cmpd="sng" algn="ctr">
-          <a:solidFill>
-            <a:schemeClr val="accent1">
-              <a:hueOff val="0"/>
-              <a:satOff val="0"/>
-              <a:lumOff val="0"/>
-              <a:alphaOff val="0"/>
-            </a:schemeClr>
-          </a:solidFill>
-          <a:prstDash val="solid"/>
-          <a:miter lim="800000"/>
-        </a:ln>
-        <a:effectLst/>
-      </dsp:spPr>
-      <dsp:style>
-        <a:lnRef idx="2">
-          <a:scrgbClr r="0" g="0" b="0"/>
-        </a:lnRef>
-        <a:fillRef idx="1">
-          <a:scrgbClr r="0" g="0" b="0"/>
-        </a:fillRef>
-        <a:effectRef idx="0">
-          <a:scrgbClr r="0" g="0" b="0"/>
-        </a:effectRef>
-        <a:fontRef idx="minor"/>
-      </dsp:style>
-    </dsp:sp>
-    <dsp:sp modelId="{F9F28046-F150-46B4-8A66-8BA335F0D741}">
-      <dsp:nvSpPr>
-        <dsp:cNvPr id="0" name=""/>
-        <dsp:cNvSpPr/>
-      </dsp:nvSpPr>
-      <dsp:spPr>
-        <a:xfrm>
-          <a:off x="3713538" y="1332288"/>
-          <a:ext cx="1458600" cy="1252478"/>
-        </a:xfrm>
-        <a:prstGeom prst="hexagon">
-          <a:avLst>
-            <a:gd name="adj" fmla="val 25000"/>
-            <a:gd name="vf" fmla="val 115470"/>
-          </a:avLst>
-        </a:prstGeom>
-        <a:solidFill>
-          <a:srgbClr val="9B6902">
-            <a:lumMod val="40000"/>
-            <a:lumOff val="60000"/>
-          </a:srgbClr>
-        </a:solidFill>
-        <a:ln w="12700" cap="flat" cmpd="sng" algn="ctr">
-          <a:solidFill>
-            <a:srgbClr val="9B6902">
-              <a:lumMod val="20000"/>
-              <a:lumOff val="80000"/>
-            </a:srgbClr>
-          </a:solidFill>
-          <a:prstDash val="solid"/>
-          <a:miter lim="800000"/>
-        </a:ln>
-        <a:effectLst/>
-      </dsp:spPr>
-      <dsp:style>
-        <a:lnRef idx="2">
-          <a:scrgbClr r="0" g="0" b="0"/>
-        </a:lnRef>
-        <a:fillRef idx="1">
-          <a:scrgbClr r="0" g="0" b="0"/>
-        </a:fillRef>
-        <a:effectRef idx="0">
-          <a:scrgbClr r="0" g="0" b="0"/>
-        </a:effectRef>
-        <a:fontRef idx="minor">
-          <a:schemeClr val="lt1"/>
-        </a:fontRef>
-      </dsp:style>
-      <dsp:txBody>
-        <a:bodyPr spcFirstLastPara="0" vert="horz" wrap="square" lIns="0" tIns="15240" rIns="0" bIns="15240" numCol="1" spcCol="1270" anchor="ctr" anchorCtr="0">
-          <a:noAutofit/>
-        </a:bodyPr>
-        <a:lstStyle/>
-        <a:p>
-          <a:pPr marL="0" lvl="0" indent="0" algn="ctr" defTabSz="533400">
-            <a:lnSpc>
-              <a:spcPct val="90000"/>
-            </a:lnSpc>
-            <a:spcBef>
-              <a:spcPct val="0"/>
-            </a:spcBef>
-            <a:spcAft>
-              <a:spcPct val="35000"/>
-            </a:spcAft>
-            <a:buNone/>
-          </a:pPr>
-          <a:endParaRPr lang="en-US" sz="1200" kern="1200" dirty="0">
-            <a:solidFill>
-              <a:srgbClr val="FFFFFF"/>
-            </a:solidFill>
-            <a:latin typeface="Arial"/>
-            <a:ea typeface="+mn-ea"/>
-            <a:cs typeface="+mn-cs"/>
-          </a:endParaRPr>
-        </a:p>
-      </dsp:txBody>
-      <dsp:txXfrm>
-        <a:off x="3939461" y="1526285"/>
-        <a:ext cx="1006754" cy="864484"/>
-      </dsp:txXfrm>
-    </dsp:sp>
-    <dsp:sp modelId="{4B29973E-D87F-4B3C-B7D8-416E48BF4A8C}">
-      <dsp:nvSpPr>
-        <dsp:cNvPr id="0" name=""/>
-        <dsp:cNvSpPr/>
-      </dsp:nvSpPr>
-      <dsp:spPr>
-        <a:xfrm>
-          <a:off x="4687897" y="2467858"/>
-          <a:ext cx="170144" cy="146781"/>
-        </a:xfrm>
-        <a:prstGeom prst="hexagon">
-          <a:avLst>
-            <a:gd name="adj" fmla="val 25000"/>
-            <a:gd name="vf" fmla="val 115470"/>
-          </a:avLst>
-        </a:prstGeom>
-        <a:solidFill>
-          <a:schemeClr val="lt1">
-            <a:hueOff val="0"/>
-            <a:satOff val="0"/>
-            <a:lumOff val="0"/>
-            <a:alphaOff val="0"/>
-          </a:schemeClr>
-        </a:solidFill>
-        <a:ln w="12700" cap="flat" cmpd="sng" algn="ctr">
-          <a:solidFill>
-            <a:schemeClr val="accent1">
-              <a:hueOff val="0"/>
-              <a:satOff val="0"/>
-              <a:lumOff val="0"/>
-              <a:alphaOff val="0"/>
-            </a:schemeClr>
-          </a:solidFill>
-          <a:prstDash val="solid"/>
-          <a:miter lim="800000"/>
-        </a:ln>
-        <a:effectLst/>
-      </dsp:spPr>
-      <dsp:style>
-        <a:lnRef idx="2">
-          <a:scrgbClr r="0" g="0" b="0"/>
-        </a:lnRef>
-        <a:fillRef idx="1">
-          <a:scrgbClr r="0" g="0" b="0"/>
-        </a:fillRef>
-        <a:effectRef idx="0">
-          <a:scrgbClr r="0" g="0" b="0"/>
-        </a:effectRef>
-        <a:fontRef idx="minor"/>
-      </dsp:style>
-    </dsp:sp>
-    <dsp:sp modelId="{DE8F3EC1-4C00-42A3-BFDE-6E2A60FC77C5}">
-      <dsp:nvSpPr>
-        <dsp:cNvPr id="0" name=""/>
-        <dsp:cNvSpPr/>
-      </dsp:nvSpPr>
-      <dsp:spPr>
-        <a:xfrm>
-          <a:off x="4938473" y="2078323"/>
-          <a:ext cx="1458600" cy="1252478"/>
-        </a:xfrm>
-        <a:prstGeom prst="hexagon">
-          <a:avLst>
-            <a:gd name="adj" fmla="val 25000"/>
-            <a:gd name="vf" fmla="val 115470"/>
-          </a:avLst>
-        </a:prstGeom>
-        <a:solidFill>
-          <a:srgbClr val="9B6902">
-            <a:lumMod val="40000"/>
-            <a:lumOff val="60000"/>
-          </a:srgbClr>
-        </a:solidFill>
-        <a:ln w="12700" cap="flat" cmpd="sng" algn="ctr">
-          <a:solidFill>
-            <a:srgbClr val="9B6902">
-              <a:lumMod val="20000"/>
-              <a:lumOff val="80000"/>
-            </a:srgbClr>
-          </a:solidFill>
-          <a:prstDash val="solid"/>
-          <a:miter lim="800000"/>
-        </a:ln>
-        <a:effectLst/>
-      </dsp:spPr>
-      <dsp:style>
-        <a:lnRef idx="2">
-          <a:scrgbClr r="0" g="0" b="0"/>
-        </a:lnRef>
-        <a:fillRef idx="1">
-          <a:scrgbClr r="0" g="0" b="0"/>
-        </a:fillRef>
-        <a:effectRef idx="0">
-          <a:scrgbClr r="0" g="0" b="0"/>
-        </a:effectRef>
-        <a:fontRef idx="minor"/>
-      </dsp:style>
-    </dsp:sp>
-    <dsp:sp modelId="{C9999CA7-F74D-48F9-924A-5D63EFCE6C14}">
-      <dsp:nvSpPr>
-        <dsp:cNvPr id="0" name=""/>
-        <dsp:cNvSpPr/>
-      </dsp:nvSpPr>
-      <dsp:spPr>
-        <a:xfrm>
-          <a:off x="4974049" y="2635608"/>
-          <a:ext cx="170144" cy="146781"/>
-        </a:xfrm>
-        <a:prstGeom prst="hexagon">
-          <a:avLst>
-            <a:gd name="adj" fmla="val 25000"/>
-            <a:gd name="vf" fmla="val 115470"/>
-          </a:avLst>
-        </a:prstGeom>
-        <a:solidFill>
-          <a:schemeClr val="lt1">
-            <a:hueOff val="0"/>
-            <a:satOff val="0"/>
-            <a:lumOff val="0"/>
-            <a:alphaOff val="0"/>
-          </a:schemeClr>
-        </a:solidFill>
-        <a:ln w="12700" cap="flat" cmpd="sng" algn="ctr">
-          <a:solidFill>
-            <a:schemeClr val="accent1">
-              <a:hueOff val="0"/>
-              <a:satOff val="0"/>
-              <a:lumOff val="0"/>
-              <a:alphaOff val="0"/>
-            </a:schemeClr>
-          </a:solidFill>
-          <a:prstDash val="solid"/>
-          <a:miter lim="800000"/>
-        </a:ln>
-        <a:effectLst/>
-      </dsp:spPr>
-      <dsp:style>
-        <a:lnRef idx="2">
-          <a:scrgbClr r="0" g="0" b="0"/>
-        </a:lnRef>
-        <a:fillRef idx="1">
-          <a:scrgbClr r="0" g="0" b="0"/>
-        </a:fillRef>
-        <a:effectRef idx="0">
-          <a:scrgbClr r="0" g="0" b="0"/>
-        </a:effectRef>
-        <a:fontRef idx="minor"/>
-      </dsp:style>
-    </dsp:sp>
-    <dsp:sp modelId="{BD4D259C-3A20-4E06-8471-D8F736C1A29B}">
-      <dsp:nvSpPr>
-        <dsp:cNvPr id="0" name=""/>
-        <dsp:cNvSpPr/>
-      </dsp:nvSpPr>
-      <dsp:spPr>
-        <a:xfrm>
-          <a:off x="2350415" y="629058"/>
-          <a:ext cx="1615458" cy="1387169"/>
-        </a:xfrm>
-        <a:prstGeom prst="hexagon">
-          <a:avLst>
-            <a:gd name="adj" fmla="val 25000"/>
-            <a:gd name="vf" fmla="val 115470"/>
-          </a:avLst>
-        </a:prstGeom>
-        <a:solidFill>
-          <a:srgbClr val="F4860C"/>
-        </a:solidFill>
-        <a:ln w="12700" cap="flat" cmpd="sng" algn="ctr">
-          <a:solidFill>
-            <a:srgbClr val="9B6902">
-              <a:lumMod val="20000"/>
-              <a:lumOff val="80000"/>
-            </a:srgbClr>
-          </a:solidFill>
-          <a:prstDash val="solid"/>
-          <a:miter lim="800000"/>
-        </a:ln>
-        <a:effectLst/>
-      </dsp:spPr>
-      <dsp:style>
-        <a:lnRef idx="2">
-          <a:scrgbClr r="0" g="0" b="0"/>
-        </a:lnRef>
-        <a:fillRef idx="1">
-          <a:scrgbClr r="0" g="0" b="0"/>
-        </a:fillRef>
-        <a:effectRef idx="0">
-          <a:scrgbClr r="0" g="0" b="0"/>
-        </a:effectRef>
-        <a:fontRef idx="minor">
-          <a:schemeClr val="lt1"/>
-        </a:fontRef>
-      </dsp:style>
-      <dsp:txBody>
-        <a:bodyPr spcFirstLastPara="0" vert="horz" wrap="square" lIns="0" tIns="15240" rIns="0" bIns="15240" numCol="1" spcCol="1270" anchor="ctr" anchorCtr="0">
-          <a:noAutofit/>
-        </a:bodyPr>
-        <a:lstStyle/>
-        <a:p>
-          <a:pPr marL="0" lvl="0" indent="0" algn="ctr" defTabSz="533400">
-            <a:lnSpc>
-              <a:spcPct val="90000"/>
-            </a:lnSpc>
-            <a:spcBef>
-              <a:spcPct val="0"/>
-            </a:spcBef>
-            <a:spcAft>
-              <a:spcPct val="35000"/>
-            </a:spcAft>
-            <a:buNone/>
-          </a:pPr>
-          <a:r>
-            <a:rPr lang="en-US" sz="2000" b="1" kern="1200" dirty="0">
-              <a:solidFill>
-                <a:srgbClr val="FFFFFF"/>
-              </a:solidFill>
-              <a:latin typeface="TH Sarabun New" panose="020B0500040200020003" pitchFamily="34" charset="-34"/>
-              <a:ea typeface="+mn-ea"/>
-              <a:cs typeface="TH Sarabun New" panose="020B0500040200020003" pitchFamily="34" charset="-34"/>
-            </a:rPr>
-            <a:t>Introduction</a:t>
-          </a:r>
-          <a:endParaRPr lang="en-US" sz="1200" b="1" kern="1200" dirty="0">
-            <a:solidFill>
-              <a:srgbClr val="FFFFFF"/>
-            </a:solidFill>
-            <a:latin typeface="TH Sarabun New" panose="020B0500040200020003" pitchFamily="34" charset="-34"/>
-            <a:ea typeface="+mn-ea"/>
-            <a:cs typeface="TH Sarabun New" panose="020B0500040200020003" pitchFamily="34" charset="-34"/>
-          </a:endParaRPr>
-        </a:p>
-      </dsp:txBody>
-      <dsp:txXfrm>
-        <a:off x="2600634" y="843917"/>
-        <a:ext cx="1115020" cy="957451"/>
-      </dsp:txXfrm>
-    </dsp:sp>
-    <dsp:sp modelId="{CA141AC9-663C-4986-A56D-1CF651EB0DE9}">
-      <dsp:nvSpPr>
-        <dsp:cNvPr id="0" name=""/>
-        <dsp:cNvSpPr/>
-      </dsp:nvSpPr>
-      <dsp:spPr>
-        <a:xfrm>
-          <a:off x="3428056" y="720195"/>
-          <a:ext cx="170144" cy="146781"/>
-        </a:xfrm>
-        <a:prstGeom prst="hexagon">
-          <a:avLst>
-            <a:gd name="adj" fmla="val 25000"/>
-            <a:gd name="vf" fmla="val 115470"/>
-          </a:avLst>
-        </a:prstGeom>
-        <a:solidFill>
-          <a:schemeClr val="lt1">
-            <a:hueOff val="0"/>
-            <a:satOff val="0"/>
-            <a:lumOff val="0"/>
-            <a:alphaOff val="0"/>
-          </a:schemeClr>
-        </a:solidFill>
-        <a:ln w="12700" cap="flat" cmpd="sng" algn="ctr">
-          <a:solidFill>
-            <a:schemeClr val="accent1">
-              <a:hueOff val="0"/>
-              <a:satOff val="0"/>
-              <a:lumOff val="0"/>
-              <a:alphaOff val="0"/>
-            </a:schemeClr>
-          </a:solidFill>
-          <a:prstDash val="solid"/>
-          <a:miter lim="800000"/>
-        </a:ln>
-        <a:effectLst/>
-      </dsp:spPr>
-      <dsp:style>
-        <a:lnRef idx="2">
-          <a:scrgbClr r="0" g="0" b="0"/>
-        </a:lnRef>
-        <a:fillRef idx="1">
-          <a:scrgbClr r="0" g="0" b="0"/>
-        </a:fillRef>
-        <a:effectRef idx="0">
-          <a:scrgbClr r="0" g="0" b="0"/>
-        </a:effectRef>
-        <a:fontRef idx="minor"/>
-      </dsp:style>
-    </dsp:sp>
-    <dsp:sp modelId="{9C6D30F3-D42A-4938-8346-7C653B606776}">
-      <dsp:nvSpPr>
-        <dsp:cNvPr id="0" name=""/>
-        <dsp:cNvSpPr/>
-      </dsp:nvSpPr>
-      <dsp:spPr>
-        <a:xfrm>
-          <a:off x="3684045" y="0"/>
-          <a:ext cx="1458600" cy="1252478"/>
-        </a:xfrm>
-        <a:prstGeom prst="hexagon">
-          <a:avLst>
-            <a:gd name="adj" fmla="val 25000"/>
-            <a:gd name="vf" fmla="val 115470"/>
-          </a:avLst>
-        </a:prstGeom>
-        <a:solidFill>
-          <a:srgbClr val="9B6902">
-            <a:lumMod val="40000"/>
-            <a:lumOff val="60000"/>
-          </a:srgbClr>
-        </a:solidFill>
-        <a:ln w="12700" cap="flat" cmpd="sng" algn="ctr">
-          <a:solidFill>
-            <a:srgbClr val="9B6902">
-              <a:lumMod val="20000"/>
-              <a:lumOff val="80000"/>
-            </a:srgbClr>
-          </a:solidFill>
-          <a:prstDash val="solid"/>
-          <a:miter lim="800000"/>
-        </a:ln>
-        <a:effectLst/>
-      </dsp:spPr>
-      <dsp:style>
-        <a:lnRef idx="2">
-          <a:scrgbClr r="0" g="0" b="0"/>
-        </a:lnRef>
-        <a:fillRef idx="1">
-          <a:scrgbClr r="0" g="0" b="0"/>
-        </a:fillRef>
-        <a:effectRef idx="0">
-          <a:scrgbClr r="0" g="0" b="0"/>
-        </a:effectRef>
-        <a:fontRef idx="minor"/>
-      </dsp:style>
-    </dsp:sp>
-    <dsp:sp modelId="{A6B8AEBB-05EA-428B-9824-08330AEBB905}">
-      <dsp:nvSpPr>
-        <dsp:cNvPr id="0" name=""/>
-        <dsp:cNvSpPr/>
-      </dsp:nvSpPr>
-      <dsp:spPr>
-        <a:xfrm>
-          <a:off x="3725035" y="554864"/>
-          <a:ext cx="170144" cy="146781"/>
-        </a:xfrm>
-        <a:prstGeom prst="hexagon">
-          <a:avLst>
-            <a:gd name="adj" fmla="val 25000"/>
-            <a:gd name="vf" fmla="val 115470"/>
-          </a:avLst>
-        </a:prstGeom>
-        <a:solidFill>
-          <a:schemeClr val="lt1">
-            <a:hueOff val="0"/>
-            <a:satOff val="0"/>
-            <a:lumOff val="0"/>
-            <a:alphaOff val="0"/>
-          </a:schemeClr>
-        </a:solidFill>
-        <a:ln w="12700" cap="flat" cmpd="sng" algn="ctr">
-          <a:solidFill>
-            <a:schemeClr val="accent1">
-              <a:hueOff val="0"/>
-              <a:satOff val="0"/>
-              <a:lumOff val="0"/>
-              <a:alphaOff val="0"/>
-            </a:schemeClr>
-          </a:solidFill>
-          <a:prstDash val="solid"/>
-          <a:miter lim="800000"/>
-        </a:ln>
-        <a:effectLst/>
-      </dsp:spPr>
-      <dsp:style>
-        <a:lnRef idx="2">
-          <a:scrgbClr r="0" g="0" b="0"/>
-        </a:lnRef>
-        <a:fillRef idx="1">
-          <a:scrgbClr r="0" g="0" b="0"/>
-        </a:fillRef>
-        <a:effectRef idx="0">
-          <a:scrgbClr r="0" g="0" b="0"/>
-        </a:effectRef>
-        <a:fontRef idx="minor"/>
-      </dsp:style>
-    </dsp:sp>
-    <dsp:sp modelId="{DB26BC3E-D2B6-49A5-B23A-7631F33F8A92}">
-      <dsp:nvSpPr>
-        <dsp:cNvPr id="0" name=""/>
-        <dsp:cNvSpPr/>
-      </dsp:nvSpPr>
-      <dsp:spPr>
-        <a:xfrm>
-          <a:off x="4948909" y="677968"/>
-          <a:ext cx="1494963" cy="1283702"/>
-        </a:xfrm>
-        <a:prstGeom prst="hexagon">
-          <a:avLst>
-            <a:gd name="adj" fmla="val 25000"/>
-            <a:gd name="vf" fmla="val 115470"/>
-          </a:avLst>
-        </a:prstGeom>
-        <a:solidFill>
-          <a:srgbClr val="00B0F0"/>
-        </a:solidFill>
-        <a:ln w="12700" cap="flat" cmpd="sng" algn="ctr">
-          <a:solidFill>
-            <a:srgbClr val="9B6902">
-              <a:lumMod val="20000"/>
-              <a:lumOff val="80000"/>
-            </a:srgbClr>
-          </a:solidFill>
-          <a:prstDash val="solid"/>
-          <a:miter lim="800000"/>
-        </a:ln>
-        <a:effectLst/>
-      </dsp:spPr>
-      <dsp:style>
-        <a:lnRef idx="2">
-          <a:scrgbClr r="0" g="0" b="0"/>
-        </a:lnRef>
-        <a:fillRef idx="1">
-          <a:scrgbClr r="0" g="0" b="0"/>
-        </a:fillRef>
-        <a:effectRef idx="0">
-          <a:scrgbClr r="0" g="0" b="0"/>
-        </a:effectRef>
-        <a:fontRef idx="minor">
-          <a:schemeClr val="lt1"/>
-        </a:fontRef>
-      </dsp:style>
-      <dsp:txBody>
-        <a:bodyPr spcFirstLastPara="0" vert="horz" wrap="square" lIns="0" tIns="15240" rIns="0" bIns="15240" numCol="1" spcCol="1270" anchor="ctr" anchorCtr="0">
-          <a:noAutofit/>
-        </a:bodyPr>
-        <a:lstStyle/>
-        <a:p>
-          <a:pPr marL="0" lvl="0" indent="0" algn="ctr" defTabSz="533400">
-            <a:lnSpc>
-              <a:spcPct val="90000"/>
-            </a:lnSpc>
-            <a:spcBef>
-              <a:spcPct val="0"/>
-            </a:spcBef>
-            <a:spcAft>
-              <a:spcPct val="35000"/>
-            </a:spcAft>
-            <a:buNone/>
-          </a:pPr>
-          <a:r>
-            <a:rPr lang="en-US" sz="2000" b="1" kern="1200" dirty="0">
-              <a:solidFill>
-                <a:srgbClr val="FFFFFF"/>
-              </a:solidFill>
-              <a:latin typeface="TH Sarabun New" panose="020B0500040200020003" pitchFamily="34" charset="-34"/>
-              <a:ea typeface="+mn-ea"/>
-              <a:cs typeface="TH Sarabun New" panose="020B0500040200020003" pitchFamily="34" charset="-34"/>
-            </a:rPr>
-            <a:t>Strategy</a:t>
-          </a:r>
-        </a:p>
-      </dsp:txBody>
-      <dsp:txXfrm>
-        <a:off x="5180464" y="876801"/>
-        <a:ext cx="1031853" cy="886036"/>
-      </dsp:txXfrm>
-    </dsp:sp>
-    <dsp:sp modelId="{6067403D-85E6-4B0B-B938-E5E57B3CCE73}">
-      <dsp:nvSpPr>
-        <dsp:cNvPr id="0" name=""/>
-        <dsp:cNvSpPr/>
-      </dsp:nvSpPr>
-      <dsp:spPr>
-        <a:xfrm>
-          <a:off x="6200634" y="1248445"/>
-          <a:ext cx="170144" cy="146781"/>
-        </a:xfrm>
-        <a:prstGeom prst="hexagon">
-          <a:avLst>
-            <a:gd name="adj" fmla="val 25000"/>
-            <a:gd name="vf" fmla="val 115470"/>
-          </a:avLst>
-        </a:prstGeom>
-        <a:solidFill>
-          <a:schemeClr val="lt1">
-            <a:hueOff val="0"/>
-            <a:satOff val="0"/>
-            <a:lumOff val="0"/>
-            <a:alphaOff val="0"/>
-          </a:schemeClr>
-        </a:solidFill>
-        <a:ln w="12700" cap="flat" cmpd="sng" algn="ctr">
-          <a:solidFill>
-            <a:schemeClr val="accent1">
-              <a:hueOff val="0"/>
-              <a:satOff val="0"/>
-              <a:lumOff val="0"/>
-              <a:alphaOff val="0"/>
-            </a:schemeClr>
-          </a:solidFill>
-          <a:prstDash val="solid"/>
-          <a:miter lim="800000"/>
-        </a:ln>
-        <a:effectLst/>
-      </dsp:spPr>
-      <dsp:style>
-        <a:lnRef idx="2">
-          <a:scrgbClr r="0" g="0" b="0"/>
-        </a:lnRef>
-        <a:fillRef idx="1">
-          <a:scrgbClr r="0" g="0" b="0"/>
-        </a:fillRef>
-        <a:effectRef idx="0">
-          <a:scrgbClr r="0" g="0" b="0"/>
-        </a:effectRef>
-        <a:fontRef idx="minor"/>
-      </dsp:style>
-    </dsp:sp>
-    <dsp:sp modelId="{86707E95-CFFF-45FD-A45D-3C01545AAA32}">
-      <dsp:nvSpPr>
-        <dsp:cNvPr id="0" name=""/>
-        <dsp:cNvSpPr/>
-      </dsp:nvSpPr>
-      <dsp:spPr>
-        <a:xfrm>
-          <a:off x="6193674" y="1397646"/>
-          <a:ext cx="1458600" cy="1252478"/>
-        </a:xfrm>
-        <a:prstGeom prst="hexagon">
-          <a:avLst>
-            <a:gd name="adj" fmla="val 25000"/>
-            <a:gd name="vf" fmla="val 115470"/>
-          </a:avLst>
-        </a:prstGeom>
-        <a:solidFill>
-          <a:srgbClr val="9B6902">
-            <a:lumMod val="40000"/>
-            <a:lumOff val="60000"/>
-          </a:srgbClr>
-        </a:solidFill>
-        <a:ln w="12700" cap="flat" cmpd="sng" algn="ctr">
-          <a:solidFill>
-            <a:srgbClr val="9B6902">
-              <a:lumMod val="20000"/>
-              <a:lumOff val="80000"/>
-            </a:srgbClr>
-          </a:solidFill>
-          <a:prstDash val="solid"/>
-          <a:miter lim="800000"/>
-        </a:ln>
-        <a:effectLst/>
-      </dsp:spPr>
-      <dsp:style>
-        <a:lnRef idx="2">
-          <a:scrgbClr r="0" g="0" b="0"/>
-        </a:lnRef>
-        <a:fillRef idx="1">
-          <a:scrgbClr r="0" g="0" b="0"/>
-        </a:fillRef>
-        <a:effectRef idx="0">
-          <a:scrgbClr r="0" g="0" b="0"/>
-        </a:effectRef>
-        <a:fontRef idx="minor"/>
-      </dsp:style>
-    </dsp:sp>
-    <dsp:sp modelId="{92F5C774-6944-4441-B90D-7442190EB174}">
-      <dsp:nvSpPr>
-        <dsp:cNvPr id="0" name=""/>
-        <dsp:cNvSpPr/>
-      </dsp:nvSpPr>
-      <dsp:spPr>
-        <a:xfrm>
-          <a:off x="6478279" y="1420228"/>
-          <a:ext cx="170144" cy="146781"/>
-        </a:xfrm>
-        <a:prstGeom prst="hexagon">
-          <a:avLst>
-            <a:gd name="adj" fmla="val 25000"/>
-            <a:gd name="vf" fmla="val 115470"/>
-          </a:avLst>
-        </a:prstGeom>
-        <a:solidFill>
-          <a:schemeClr val="lt1">
-            <a:hueOff val="0"/>
-            <a:satOff val="0"/>
-            <a:lumOff val="0"/>
-            <a:alphaOff val="0"/>
-          </a:schemeClr>
-        </a:solidFill>
-        <a:ln w="12700" cap="flat" cmpd="sng" algn="ctr">
-          <a:solidFill>
-            <a:schemeClr val="accent1">
-              <a:hueOff val="0"/>
-              <a:satOff val="0"/>
-              <a:lumOff val="0"/>
-              <a:alphaOff val="0"/>
-            </a:schemeClr>
-          </a:solidFill>
-          <a:prstDash val="solid"/>
-          <a:miter lim="800000"/>
-        </a:ln>
-        <a:effectLst/>
-      </dsp:spPr>
-      <dsp:style>
-        <a:lnRef idx="2">
-          <a:scrgbClr r="0" g="0" b="0"/>
-        </a:lnRef>
-        <a:fillRef idx="1">
-          <a:scrgbClr r="0" g="0" b="0"/>
-        </a:fillRef>
-        <a:effectRef idx="0">
-          <a:scrgbClr r="0" g="0" b="0"/>
-        </a:effectRef>
-        <a:fontRef idx="minor"/>
-      </dsp:style>
-    </dsp:sp>
-    <dsp:sp modelId="{3064A0C8-A758-4C70-8865-E915B38F0496}">
-      <dsp:nvSpPr>
-        <dsp:cNvPr id="0" name=""/>
-        <dsp:cNvSpPr/>
-      </dsp:nvSpPr>
-      <dsp:spPr>
-        <a:xfrm>
-          <a:off x="6193674" y="13307"/>
-          <a:ext cx="1458600" cy="1252478"/>
-        </a:xfrm>
-        <a:prstGeom prst="hexagon">
-          <a:avLst>
-            <a:gd name="adj" fmla="val 25000"/>
-            <a:gd name="vf" fmla="val 115470"/>
-          </a:avLst>
-        </a:prstGeom>
-        <a:solidFill>
-          <a:srgbClr val="9B6902">
-            <a:lumMod val="40000"/>
-            <a:lumOff val="60000"/>
-          </a:srgbClr>
-        </a:solidFill>
-        <a:ln w="12700" cap="flat" cmpd="sng" algn="ctr">
-          <a:solidFill>
-            <a:srgbClr val="9B6902">
-              <a:lumMod val="20000"/>
-              <a:lumOff val="80000"/>
-            </a:srgbClr>
-          </a:solidFill>
-          <a:prstDash val="solid"/>
-          <a:miter lim="800000"/>
-        </a:ln>
-        <a:effectLst/>
-      </dsp:spPr>
-      <dsp:style>
-        <a:lnRef idx="2">
-          <a:scrgbClr r="0" g="0" b="0"/>
-        </a:lnRef>
-        <a:fillRef idx="1">
-          <a:scrgbClr r="0" g="0" b="0"/>
-        </a:fillRef>
-        <a:effectRef idx="0">
-          <a:scrgbClr r="0" g="0" b="0"/>
-        </a:effectRef>
-        <a:fontRef idx="minor">
-          <a:schemeClr val="lt1"/>
-        </a:fontRef>
-      </dsp:style>
-      <dsp:txBody>
-        <a:bodyPr spcFirstLastPara="0" vert="horz" wrap="square" lIns="0" tIns="15240" rIns="0" bIns="15240" numCol="1" spcCol="1270" anchor="ctr" anchorCtr="0">
-          <a:noAutofit/>
-        </a:bodyPr>
-        <a:lstStyle/>
-        <a:p>
-          <a:pPr marL="0" lvl="0" indent="0" algn="ctr" defTabSz="533400">
-            <a:lnSpc>
-              <a:spcPct val="90000"/>
-            </a:lnSpc>
-            <a:spcBef>
-              <a:spcPct val="0"/>
-            </a:spcBef>
-            <a:spcAft>
-              <a:spcPct val="35000"/>
-            </a:spcAft>
-            <a:buNone/>
-          </a:pPr>
-          <a:endParaRPr lang="en-US" sz="1200" kern="1200" dirty="0">
-            <a:solidFill>
-              <a:srgbClr val="FFFFFF"/>
-            </a:solidFill>
-            <a:latin typeface="Arial"/>
-            <a:ea typeface="+mn-ea"/>
-            <a:cs typeface="+mn-cs"/>
-          </a:endParaRPr>
-        </a:p>
-      </dsp:txBody>
-      <dsp:txXfrm>
-        <a:off x="6419597" y="207304"/>
-        <a:ext cx="1006754" cy="864484"/>
-      </dsp:txXfrm>
-    </dsp:sp>
-    <dsp:sp modelId="{88035C0C-CAD0-4C6C-85A2-7360AB2D09C0}">
-      <dsp:nvSpPr>
-        <dsp:cNvPr id="0" name=""/>
-        <dsp:cNvSpPr/>
-      </dsp:nvSpPr>
-      <dsp:spPr>
-        <a:xfrm>
-          <a:off x="7455835" y="574623"/>
-          <a:ext cx="170144" cy="146781"/>
-        </a:xfrm>
-        <a:prstGeom prst="hexagon">
-          <a:avLst>
-            <a:gd name="adj" fmla="val 25000"/>
-            <a:gd name="vf" fmla="val 115470"/>
-          </a:avLst>
-        </a:prstGeom>
-        <a:solidFill>
-          <a:schemeClr val="lt1">
-            <a:hueOff val="0"/>
-            <a:satOff val="0"/>
-            <a:lumOff val="0"/>
-            <a:alphaOff val="0"/>
-          </a:schemeClr>
-        </a:solidFill>
-        <a:ln w="12700" cap="flat" cmpd="sng" algn="ctr">
-          <a:solidFill>
-            <a:schemeClr val="accent1">
-              <a:hueOff val="0"/>
-              <a:satOff val="0"/>
-              <a:lumOff val="0"/>
-              <a:alphaOff val="0"/>
-            </a:schemeClr>
-          </a:solidFill>
-          <a:prstDash val="solid"/>
-          <a:miter lim="800000"/>
-        </a:ln>
-        <a:effectLst/>
-      </dsp:spPr>
-      <dsp:style>
-        <a:lnRef idx="2">
-          <a:scrgbClr r="0" g="0" b="0"/>
-        </a:lnRef>
-        <a:fillRef idx="1">
-          <a:scrgbClr r="0" g="0" b="0"/>
-        </a:fillRef>
-        <a:effectRef idx="0">
-          <a:scrgbClr r="0" g="0" b="0"/>
-        </a:effectRef>
-        <a:fontRef idx="minor"/>
-      </dsp:style>
-    </dsp:sp>
-    <dsp:sp modelId="{F9DC9470-A5C5-4F5D-B3A2-68E26F0AF801}">
-      <dsp:nvSpPr>
-        <dsp:cNvPr id="0" name=""/>
-        <dsp:cNvSpPr/>
-      </dsp:nvSpPr>
-      <dsp:spPr>
-        <a:xfrm>
-          <a:off x="7448875" y="712130"/>
-          <a:ext cx="1458600" cy="1252478"/>
-        </a:xfrm>
-        <a:prstGeom prst="hexagon">
-          <a:avLst>
-            <a:gd name="adj" fmla="val 25000"/>
-            <a:gd name="vf" fmla="val 115470"/>
-          </a:avLst>
-        </a:prstGeom>
-        <a:solidFill>
-          <a:srgbClr val="9B6902">
-            <a:lumMod val="40000"/>
-            <a:lumOff val="60000"/>
-          </a:srgbClr>
-        </a:solidFill>
-        <a:ln w="12700" cap="flat" cmpd="sng" algn="ctr">
-          <a:solidFill>
-            <a:srgbClr val="9B6902">
-              <a:lumMod val="20000"/>
-              <a:lumOff val="80000"/>
-            </a:srgbClr>
-          </a:solidFill>
-          <a:prstDash val="solid"/>
-          <a:miter lim="800000"/>
-        </a:ln>
-        <a:effectLst/>
-      </dsp:spPr>
-      <dsp:style>
-        <a:lnRef idx="2">
-          <a:scrgbClr r="0" g="0" b="0"/>
-        </a:lnRef>
-        <a:fillRef idx="1">
-          <a:scrgbClr r="0" g="0" b="0"/>
-        </a:fillRef>
-        <a:effectRef idx="0">
-          <a:scrgbClr r="0" g="0" b="0"/>
-        </a:effectRef>
-        <a:fontRef idx="minor"/>
-      </dsp:style>
-    </dsp:sp>
-    <dsp:sp modelId="{984CD97F-72B4-4E11-A835-139ABE1B03FD}">
-      <dsp:nvSpPr>
-        <dsp:cNvPr id="0" name=""/>
-        <dsp:cNvSpPr/>
-      </dsp:nvSpPr>
-      <dsp:spPr>
-        <a:xfrm>
-          <a:off x="7739667" y="739954"/>
-          <a:ext cx="170144" cy="146781"/>
-        </a:xfrm>
-        <a:prstGeom prst="hexagon">
-          <a:avLst>
-            <a:gd name="adj" fmla="val 25000"/>
-            <a:gd name="vf" fmla="val 115470"/>
-          </a:avLst>
-        </a:prstGeom>
-        <a:solidFill>
-          <a:schemeClr val="lt1">
-            <a:hueOff val="0"/>
-            <a:satOff val="0"/>
-            <a:lumOff val="0"/>
-            <a:alphaOff val="0"/>
-          </a:schemeClr>
-        </a:solidFill>
-        <a:ln w="12700" cap="flat" cmpd="sng" algn="ctr">
-          <a:solidFill>
-            <a:schemeClr val="accent1">
-              <a:hueOff val="0"/>
-              <a:satOff val="0"/>
-              <a:lumOff val="0"/>
-              <a:alphaOff val="0"/>
-            </a:schemeClr>
-          </a:solidFill>
-          <a:prstDash val="solid"/>
-          <a:miter lim="800000"/>
-        </a:ln>
-        <a:effectLst/>
-      </dsp:spPr>
-      <dsp:style>
-        <a:lnRef idx="2">
-          <a:scrgbClr r="0" g="0" b="0"/>
-        </a:lnRef>
-        <a:fillRef idx="1">
-          <a:scrgbClr r="0" g="0" b="0"/>
-        </a:fillRef>
-        <a:effectRef idx="0">
-          <a:scrgbClr r="0" g="0" b="0"/>
-        </a:effectRef>
-        <a:fontRef idx="minor"/>
-      </dsp:style>
-    </dsp:sp>
-    <dsp:sp modelId="{CF5DC1A2-69F3-4FF7-BBCB-CB5EFC8E88F3}">
-      <dsp:nvSpPr>
-        <dsp:cNvPr id="0" name=""/>
-        <dsp:cNvSpPr/>
-      </dsp:nvSpPr>
-      <dsp:spPr>
-        <a:xfrm>
-          <a:off x="7427178" y="2107410"/>
-          <a:ext cx="1428422" cy="1226564"/>
-        </a:xfrm>
-        <a:prstGeom prst="hexagon">
-          <a:avLst>
-            <a:gd name="adj" fmla="val 25000"/>
-            <a:gd name="vf" fmla="val 115470"/>
-          </a:avLst>
-        </a:prstGeom>
-        <a:solidFill>
-          <a:srgbClr val="000000">
-            <a:lumMod val="75000"/>
-            <a:lumOff val="25000"/>
-          </a:srgbClr>
-        </a:solidFill>
-        <a:ln w="12700" cap="flat" cmpd="sng" algn="ctr">
-          <a:solidFill>
-            <a:srgbClr val="9B6902">
-              <a:lumMod val="20000"/>
-              <a:lumOff val="80000"/>
-            </a:srgbClr>
-          </a:solidFill>
-          <a:prstDash val="solid"/>
-          <a:miter lim="800000"/>
-        </a:ln>
-        <a:effectLst/>
-      </dsp:spPr>
-      <dsp:style>
-        <a:lnRef idx="2">
-          <a:scrgbClr r="0" g="0" b="0"/>
-        </a:lnRef>
-        <a:fillRef idx="1">
-          <a:scrgbClr r="0" g="0" b="0"/>
-        </a:fillRef>
-        <a:effectRef idx="0">
-          <a:scrgbClr r="0" g="0" b="0"/>
-        </a:effectRef>
-        <a:fontRef idx="minor">
-          <a:schemeClr val="lt1"/>
-        </a:fontRef>
-      </dsp:style>
-      <dsp:txBody>
-        <a:bodyPr spcFirstLastPara="0" vert="horz" wrap="square" lIns="0" tIns="15240" rIns="0" bIns="15240" numCol="1" spcCol="1270" anchor="ctr" anchorCtr="0">
-          <a:noAutofit/>
-        </a:bodyPr>
-        <a:lstStyle/>
-        <a:p>
-          <a:pPr marL="0" lvl="0" indent="0" algn="ctr" defTabSz="533400">
-            <a:lnSpc>
-              <a:spcPct val="90000"/>
-            </a:lnSpc>
-            <a:spcBef>
-              <a:spcPct val="0"/>
-            </a:spcBef>
-            <a:spcAft>
-              <a:spcPct val="35000"/>
-            </a:spcAft>
-            <a:buNone/>
-          </a:pPr>
-          <a:r>
-            <a:rPr lang="en-US" sz="2000" b="1" kern="1200" dirty="0">
-              <a:solidFill>
-                <a:srgbClr val="FFFFFF"/>
-              </a:solidFill>
-              <a:latin typeface="TH Sarabun New" panose="020B0500040200020003" pitchFamily="34" charset="-34"/>
-              <a:ea typeface="+mn-ea"/>
-              <a:cs typeface="TH Sarabun New" panose="020B0500040200020003" pitchFamily="34" charset="-34"/>
-            </a:rPr>
-            <a:t>Objective</a:t>
-          </a:r>
-          <a:endParaRPr lang="en-US" sz="1200" b="1" kern="1200" dirty="0">
-            <a:solidFill>
-              <a:srgbClr val="FFFFFF"/>
-            </a:solidFill>
-            <a:latin typeface="TH Sarabun New" panose="020B0500040200020003" pitchFamily="34" charset="-34"/>
-            <a:ea typeface="+mn-ea"/>
-            <a:cs typeface="TH Sarabun New" panose="020B0500040200020003" pitchFamily="34" charset="-34"/>
-          </a:endParaRPr>
-        </a:p>
-      </dsp:txBody>
-      <dsp:txXfrm>
-        <a:off x="7648427" y="2297393"/>
-        <a:ext cx="985924" cy="846598"/>
-      </dsp:txXfrm>
-    </dsp:sp>
-    <dsp:sp modelId="{0A637DFC-71D5-4FFF-9347-A5280C8A8C69}">
-      <dsp:nvSpPr>
-        <dsp:cNvPr id="0" name=""/>
-        <dsp:cNvSpPr/>
-      </dsp:nvSpPr>
-      <dsp:spPr>
-        <a:xfrm>
-          <a:off x="7738120" y="3191279"/>
-          <a:ext cx="170144" cy="146781"/>
-        </a:xfrm>
-        <a:prstGeom prst="hexagon">
-          <a:avLst>
-            <a:gd name="adj" fmla="val 25000"/>
-            <a:gd name="vf" fmla="val 115470"/>
-          </a:avLst>
-        </a:prstGeom>
-        <a:solidFill>
-          <a:schemeClr val="lt1">
-            <a:hueOff val="0"/>
-            <a:satOff val="0"/>
-            <a:lumOff val="0"/>
-            <a:alphaOff val="0"/>
-          </a:schemeClr>
-        </a:solidFill>
-        <a:ln w="12700" cap="flat" cmpd="sng" algn="ctr">
-          <a:solidFill>
-            <a:schemeClr val="accent1">
-              <a:hueOff val="0"/>
-              <a:satOff val="0"/>
-              <a:lumOff val="0"/>
-              <a:alphaOff val="0"/>
-            </a:schemeClr>
-          </a:solidFill>
-          <a:prstDash val="solid"/>
-          <a:miter lim="800000"/>
-        </a:ln>
-        <a:effectLst/>
-      </dsp:spPr>
-      <dsp:style>
-        <a:lnRef idx="2">
-          <a:scrgbClr r="0" g="0" b="0"/>
-        </a:lnRef>
-        <a:fillRef idx="1">
-          <a:scrgbClr r="0" g="0" b="0"/>
-        </a:fillRef>
-        <a:effectRef idx="0">
-          <a:scrgbClr r="0" g="0" b="0"/>
-        </a:effectRef>
-        <a:fontRef idx="minor"/>
-      </dsp:style>
-    </dsp:sp>
-    <dsp:sp modelId="{7D0CA2D6-86C0-4503-BDD4-61A9125E7656}">
-      <dsp:nvSpPr>
-        <dsp:cNvPr id="0" name=""/>
-        <dsp:cNvSpPr/>
-      </dsp:nvSpPr>
-      <dsp:spPr>
-        <a:xfrm>
-          <a:off x="3684881" y="2657752"/>
-          <a:ext cx="1458600" cy="1252478"/>
-        </a:xfrm>
-        <a:prstGeom prst="hexagon">
-          <a:avLst>
-            <a:gd name="adj" fmla="val 25000"/>
-            <a:gd name="vf" fmla="val 115470"/>
-          </a:avLst>
-        </a:prstGeom>
-        <a:solidFill>
-          <a:srgbClr val="9B6902">
-            <a:lumMod val="40000"/>
-            <a:lumOff val="60000"/>
-          </a:srgbClr>
-        </a:solidFill>
-        <a:ln w="12700" cap="flat" cmpd="sng" algn="ctr">
-          <a:solidFill>
-            <a:srgbClr val="9B6902">
-              <a:lumMod val="20000"/>
-              <a:lumOff val="80000"/>
-            </a:srgbClr>
-          </a:solidFill>
-          <a:prstDash val="solid"/>
-          <a:miter lim="800000"/>
-        </a:ln>
-        <a:effectLst/>
-      </dsp:spPr>
-      <dsp:style>
-        <a:lnRef idx="2">
-          <a:scrgbClr r="0" g="0" b="0"/>
-        </a:lnRef>
-        <a:fillRef idx="1">
-          <a:scrgbClr r="0" g="0" b="0"/>
-        </a:fillRef>
-        <a:effectRef idx="0">
-          <a:scrgbClr r="0" g="0" b="0"/>
-        </a:effectRef>
-        <a:fontRef idx="minor"/>
-      </dsp:style>
-    </dsp:sp>
-    <dsp:sp modelId="{2FFDFAAA-B845-40C8-8954-F44DF0B462F6}">
-      <dsp:nvSpPr>
-        <dsp:cNvPr id="0" name=""/>
-        <dsp:cNvSpPr/>
-      </dsp:nvSpPr>
-      <dsp:spPr>
-        <a:xfrm>
-          <a:off x="7467436" y="3329592"/>
-          <a:ext cx="170144" cy="146781"/>
-        </a:xfrm>
-        <a:prstGeom prst="hexagon">
-          <a:avLst>
-            <a:gd name="adj" fmla="val 25000"/>
-            <a:gd name="vf" fmla="val 115470"/>
-          </a:avLst>
-        </a:prstGeom>
-        <a:solidFill>
-          <a:schemeClr val="lt1">
-            <a:hueOff val="0"/>
-            <a:satOff val="0"/>
-            <a:lumOff val="0"/>
-            <a:alphaOff val="0"/>
-          </a:schemeClr>
-        </a:solidFill>
-        <a:ln w="12700" cap="flat" cmpd="sng" algn="ctr">
-          <a:solidFill>
-            <a:schemeClr val="accent1">
-              <a:hueOff val="0"/>
-              <a:satOff val="0"/>
-              <a:lumOff val="0"/>
-              <a:alphaOff val="0"/>
-            </a:schemeClr>
-          </a:solidFill>
-          <a:prstDash val="solid"/>
-          <a:miter lim="800000"/>
-        </a:ln>
-        <a:effectLst/>
-      </dsp:spPr>
-      <dsp:style>
-        <a:lnRef idx="2">
-          <a:scrgbClr r="0" g="0" b="0"/>
-        </a:lnRef>
-        <a:fillRef idx="1">
-          <a:scrgbClr r="0" g="0" b="0"/>
-        </a:fillRef>
-        <a:effectRef idx="0">
-          <a:scrgbClr r="0" g="0" b="0"/>
-        </a:effectRef>
-        <a:fontRef idx="minor"/>
-      </dsp:style>
-    </dsp:sp>
-  </dsp:spTree>
-</dsp:drawing>
-</file>
-
-<file path=ppt/diagrams/drawing2.xml><?xml version="1.0" encoding="utf-8"?>
-<dsp:drawing xmlns:dgm="http://schemas.openxmlformats.org/drawingml/2006/diagram" xmlns:dsp="http://schemas.microsoft.com/office/drawing/2008/diagram" xmlns:a="http://schemas.openxmlformats.org/drawingml/2006/main">
-  <dsp:spTree>
-    <dsp:nvGrpSpPr>
-      <dsp:cNvPr id="0" name=""/>
-      <dsp:cNvGrpSpPr/>
-    </dsp:nvGrpSpPr>
-    <dsp:grpSpPr/>
     <dsp:sp modelId="{0657B8E5-5FB2-4E92-BF58-DF3D891800AE}">
       <dsp:nvSpPr>
         <dsp:cNvPr id="0" name=""/>
@@ -5582,7 +2355,7 @@
 </dsp:drawing>
 </file>
 
-<file path=ppt/diagrams/drawing3.xml><?xml version="1.0" encoding="utf-8"?>
+<file path=ppt/diagrams/drawing2.xml><?xml version="1.0" encoding="utf-8"?>
 <dsp:drawing xmlns:dgm="http://schemas.openxmlformats.org/drawingml/2006/diagram" xmlns:dsp="http://schemas.microsoft.com/office/drawing/2008/diagram" xmlns:a="http://schemas.openxmlformats.org/drawingml/2006/main">
   <dsp:spTree>
     <dsp:nvGrpSpPr>
@@ -6148,1976 +2921,6 @@
 </file>
 
 <file path=ppt/diagrams/layout1.xml><?xml version="1.0" encoding="utf-8"?>
-<dgm:layoutDef xmlns:dgm="http://schemas.openxmlformats.org/drawingml/2006/diagram" xmlns:a="http://schemas.openxmlformats.org/drawingml/2006/main" uniqueId="urn:microsoft.com/office/officeart/2008/layout/HexagonCluster">
-  <dgm:title val=""/>
-  <dgm:desc val=""/>
-  <dgm:catLst>
-    <dgm:cat type="picture" pri="21000"/>
-    <dgm:cat type="relationship" pri="3200"/>
-    <dgm:cat type="pictureconvert" pri="21000"/>
-  </dgm:catLst>
-  <dgm:sampData>
-    <dgm:dataModel>
-      <dgm:ptLst>
-        <dgm:pt modelId="0" type="doc"/>
-        <dgm:pt modelId="10">
-          <dgm:prSet phldr="1"/>
-        </dgm:pt>
-        <dgm:pt modelId="20">
-          <dgm:prSet phldr="1"/>
-        </dgm:pt>
-        <dgm:pt modelId="30">
-          <dgm:prSet phldr="1"/>
-        </dgm:pt>
-      </dgm:ptLst>
-      <dgm:cxnLst>
-        <dgm:cxn modelId="40" srcId="0" destId="10" srcOrd="0" destOrd="0"/>
-        <dgm:cxn modelId="50" srcId="0" destId="20" srcOrd="1" destOrd="0"/>
-        <dgm:cxn modelId="60" srcId="0" destId="30" srcOrd="2" destOrd="0"/>
-      </dgm:cxnLst>
-      <dgm:bg/>
-      <dgm:whole/>
-    </dgm:dataModel>
-  </dgm:sampData>
-  <dgm:styleData>
-    <dgm:dataModel>
-      <dgm:ptLst>
-        <dgm:pt modelId="0" type="doc"/>
-        <dgm:pt modelId="10">
-          <dgm:prSet phldr="1"/>
-        </dgm:pt>
-        <dgm:pt modelId="20">
-          <dgm:prSet phldr="1"/>
-        </dgm:pt>
-        <dgm:pt modelId="30">
-          <dgm:prSet phldr="1"/>
-        </dgm:pt>
-      </dgm:ptLst>
-      <dgm:cxnLst>
-        <dgm:cxn modelId="40" srcId="0" destId="10" srcOrd="0" destOrd="0"/>
-        <dgm:cxn modelId="50" srcId="0" destId="20" srcOrd="1" destOrd="0"/>
-        <dgm:cxn modelId="60" srcId="0" destId="30" srcOrd="2" destOrd="0"/>
-      </dgm:cxnLst>
-      <dgm:bg/>
-      <dgm:whole/>
-    </dgm:dataModel>
-  </dgm:styleData>
-  <dgm:clrData>
-    <dgm:dataModel>
-      <dgm:ptLst>
-        <dgm:pt modelId="0" type="doc"/>
-        <dgm:pt modelId="10">
-          <dgm:prSet phldr="1"/>
-        </dgm:pt>
-        <dgm:pt modelId="20">
-          <dgm:prSet phldr="1"/>
-        </dgm:pt>
-        <dgm:pt modelId="30">
-          <dgm:prSet phldr="1"/>
-        </dgm:pt>
-      </dgm:ptLst>
-      <dgm:cxnLst>
-        <dgm:cxn modelId="40" srcId="0" destId="10" srcOrd="0" destOrd="0"/>
-        <dgm:cxn modelId="50" srcId="0" destId="20" srcOrd="1" destOrd="0"/>
-        <dgm:cxn modelId="60" srcId="0" destId="30" srcOrd="2" destOrd="0"/>
-      </dgm:cxnLst>
-      <dgm:bg/>
-      <dgm:whole/>
-    </dgm:dataModel>
-  </dgm:clrData>
-  <dgm:layoutNode name="Name0">
-    <dgm:varLst>
-      <dgm:chMax val="21"/>
-      <dgm:chPref val="21"/>
-    </dgm:varLst>
-    <dgm:shape xmlns:r="http://schemas.openxmlformats.org/officeDocument/2006/relationships" r:blip="">
-      <dgm:adjLst/>
-    </dgm:shape>
-    <dgm:choose name="Name1">
-      <dgm:if name="Name2" axis="ch" ptType="node" func="cnt" op="equ" val="1">
-        <dgm:alg type="composite">
-          <dgm:param type="ar" val="1.3871"/>
-        </dgm:alg>
-        <dgm:constrLst>
-          <dgm:constr type="primFontSz" for="des" ptType="node" op="equ" val="65"/>
-          <dgm:constr type="l" for="ch" forName="text1" refType="w" fact="0.4525"/>
-          <dgm:constr type="t" for="ch" forName="text1" refType="h" fact="0.346"/>
-          <dgm:constr type="w" for="ch" forName="text1" refType="w" fact="0.5475"/>
-          <dgm:constr type="h" for="ch" forName="text1" refType="h" fact="0.654"/>
-          <dgm:constr type="l" for="ch" forName="textaccent1" refType="w" fact="0.4652"/>
-          <dgm:constr type="t" for="ch" forName="textaccent1" refType="h" fact="0.6348"/>
-          <dgm:constr type="w" for="ch" forName="textaccent1" refType="w" fact="0.0639"/>
-          <dgm:constr type="h" for="ch" forName="textaccent1" refType="h" fact="0.0765"/>
-          <dgm:constr type="l" for="ch" forName="image1" refType="w" fact="0"/>
-          <dgm:constr type="t" for="ch" forName="image1" refType="h" fact="0"/>
-          <dgm:constr type="w" for="ch" forName="image1" refType="w" fact="0.5468"/>
-          <dgm:constr type="h" for="ch" forName="image1" refType="h" fact="0.6538"/>
-          <dgm:constr type="l" for="ch" forName="imageaccent1" refType="w" fact="0.3702"/>
-          <dgm:constr type="t" for="ch" forName="imageaccent1" refType="h" fact="0.5633"/>
-          <dgm:constr type="w" for="ch" forName="imageaccent1" refType="w" fact="0.0639"/>
-          <dgm:constr type="h" for="ch" forName="imageaccent1" refType="h" fact="0.0765"/>
-        </dgm:constrLst>
-      </dgm:if>
-      <dgm:if name="Name3" axis="ch" ptType="node" func="cnt" op="equ" val="2">
-        <dgm:alg type="composite">
-          <dgm:param type="ar" val="2.6443"/>
-        </dgm:alg>
-        <dgm:constrLst>
-          <dgm:constr type="primFontSz" for="des" ptType="node" op="equ" val="65"/>
-          <dgm:constr type="l" for="ch" forName="text1" refType="w" fact="0.2383"/>
-          <dgm:constr type="t" for="ch" forName="text1" refType="h" fact="0.3501"/>
-          <dgm:constr type="w" for="ch" forName="text1" refType="w" fact="0.285"/>
-          <dgm:constr type="h" for="ch" forName="text1" refType="h" fact="0.6499"/>
-          <dgm:constr type="l" for="ch" forName="textaccent1" refType="w" fact="0.2472"/>
-          <dgm:constr type="t" for="ch" forName="textaccent1" refType="h" fact="0.6371"/>
-          <dgm:constr type="w" for="ch" forName="textaccent1" refType="w" fact="0.0333"/>
-          <dgm:constr type="h" for="ch" forName="textaccent1" refType="h" fact="0.076"/>
-          <dgm:constr type="l" for="ch" forName="image1" refType="w" fact="0"/>
-          <dgm:constr type="t" for="ch" forName="image1" refType="h" fact="0"/>
-          <dgm:constr type="w" for="ch" forName="image1" refType="w" fact="0.285"/>
-          <dgm:constr type="h" for="ch" forName="image1" refType="h" fact="0.6499"/>
-          <dgm:constr type="l" for="ch" forName="imageaccent1" refType="w" fact="0.1942"/>
-          <dgm:constr type="t" for="ch" forName="imageaccent1" refType="h" fact="0.5602"/>
-          <dgm:constr type="w" for="ch" forName="imageaccent1" refType="w" fact="0.0333"/>
-          <dgm:constr type="h" for="ch" forName="imageaccent1" refType="h" fact="0.076"/>
-          <dgm:constr type="l" for="ch" forName="text2" refType="w" fact="0.4767"/>
-          <dgm:constr type="t" for="ch" forName="text2" refType="h" fact="0"/>
-          <dgm:constr type="w" for="ch" forName="text2" refType="w" fact="0.285"/>
-          <dgm:constr type="h" for="ch" forName="text2" refType="h" fact="0.6499"/>
-          <dgm:constr type="l" for="ch" forName="textaccent2" refType="w" fact="0.6709"/>
-          <dgm:constr type="t" for="ch" forName="textaccent2" refType="h" fact="0.5602"/>
-          <dgm:constr type="w" for="ch" forName="textaccent2" refType="w" fact="0.0333"/>
-          <dgm:constr type="h" for="ch" forName="textaccent2" refType="h" fact="0.076"/>
-          <dgm:constr type="l" for="ch" forName="image2" refType="w" fact="0.715"/>
-          <dgm:constr type="t" for="ch" forName="image2" refType="h" fact="0.3501"/>
-          <dgm:constr type="w" for="ch" forName="image2" refType="w" fact="0.285"/>
-          <dgm:constr type="h" for="ch" forName="image2" refType="h" fact="0.6499"/>
-          <dgm:constr type="l" for="ch" forName="imageaccent2" refType="w" fact="0.7239"/>
-          <dgm:constr type="t" for="ch" forName="imageaccent2" refType="h" fact="0.6371"/>
-          <dgm:constr type="w" for="ch" forName="imageaccent2" refType="w" fact="0.0333"/>
-          <dgm:constr type="h" for="ch" forName="imageaccent2" refType="h" fact="0.076"/>
-        </dgm:constrLst>
-      </dgm:if>
-      <dgm:if name="Name4" axis="ch" ptType="node" func="cnt" op="equ" val="3">
-        <dgm:alg type="composite">
-          <dgm:param type="ar" val="1.5623"/>
-        </dgm:alg>
-        <dgm:constrLst>
-          <dgm:constr type="primFontSz" for="des" ptType="node" op="equ" val="65"/>
-          <dgm:constr type="l" for="ch" forName="text1" refType="w" fact="0.2402"/>
-          <dgm:constr type="t" for="ch" forName="text1" refType="h" fact="0.6215"/>
-          <dgm:constr type="w" for="ch" forName="text1" refType="w" fact="0.281"/>
-          <dgm:constr type="h" for="ch" forName="text1" refType="h" fact="0.3785"/>
-          <dgm:constr type="l" for="ch" forName="textaccent1" refType="w" fact="0.2475"/>
-          <dgm:constr type="t" for="ch" forName="textaccent1" refType="h" fact="0.7886"/>
-          <dgm:constr type="w" for="ch" forName="textaccent1" refType="w" fact="0.0329"/>
-          <dgm:constr type="h" for="ch" forName="textaccent1" refType="h" fact="0.0443"/>
-          <dgm:constr type="l" for="ch" forName="image1" refType="w" fact="0"/>
-          <dgm:constr type="t" for="ch" forName="image1" refType="h" fact="0.4182"/>
-          <dgm:constr type="w" for="ch" forName="image1" refType="w" fact="0.281"/>
-          <dgm:constr type="h" for="ch" forName="image1" refType="h" fact="0.3785"/>
-          <dgm:constr type="l" for="ch" forName="imageaccent1" refType="w" fact="0.1913"/>
-          <dgm:constr type="t" for="ch" forName="imageaccent1" refType="h" fact="0.7467"/>
-          <dgm:constr type="w" for="ch" forName="imageaccent1" refType="w" fact="0.0329"/>
-          <dgm:constr type="h" for="ch" forName="imageaccent1" refType="h" fact="0.0443"/>
-          <dgm:constr type="l" for="ch" forName="text2" refType="w" fact="0.4796"/>
-          <dgm:constr type="t" for="ch" forName="text2" refType="h" fact="0.4137"/>
-          <dgm:constr type="w" for="ch" forName="text2" refType="w" fact="0.281"/>
-          <dgm:constr type="h" for="ch" forName="text2" refType="h" fact="0.3785"/>
-          <dgm:constr type="l" for="ch" forName="textaccent2" refType="w" fact="0.6717"/>
-          <dgm:constr type="t" for="ch" forName="textaccent2" refType="h" fact="0.7418"/>
-          <dgm:constr type="w" for="ch" forName="textaccent2" refType="w" fact="0.0329"/>
-          <dgm:constr type="h" for="ch" forName="textaccent2" refType="h" fact="0.0443"/>
-          <dgm:constr type="l" for="ch" forName="image2" refType="w" fact="0.719"/>
-          <dgm:constr type="t" for="ch" forName="image2" refType="h" fact="0.6215"/>
-          <dgm:constr type="w" for="ch" forName="image2" refType="w" fact="0.281"/>
-          <dgm:constr type="h" for="ch" forName="image2" refType="h" fact="0.3785"/>
-          <dgm:constr type="l" for="ch" forName="imageaccent2" refType="w" fact="0.7263"/>
-          <dgm:constr type="t" for="ch" forName="imageaccent2" refType="h" fact="0.7886"/>
-          <dgm:constr type="w" for="ch" forName="imageaccent2" refType="w" fact="0.0329"/>
-          <dgm:constr type="h" for="ch" forName="imageaccent2" refType="h" fact="0.0443"/>
-          <dgm:constr type="l" for="ch" forName="text3" refType="w" fact="0.2402"/>
-          <dgm:constr type="t" for="ch" forName="text3" refType="h" fact="0.2068"/>
-          <dgm:constr type="w" for="ch" forName="text3" refType="w" fact="0.281"/>
-          <dgm:constr type="h" for="ch" forName="text3" refType="h" fact="0.3785"/>
-          <dgm:constr type="l" for="ch" forName="textaccent3" refType="w" fact="0.4307"/>
-          <dgm:constr type="t" for="ch" forName="textaccent3" refType="h" fact="0.215"/>
-          <dgm:constr type="w" for="ch" forName="textaccent3" refType="w" fact="0.0329"/>
-          <dgm:constr type="h" for="ch" forName="textaccent3" refType="h" fact="0.0443"/>
-          <dgm:constr type="l" for="ch" forName="image3" refType="w" fact="0.4796"/>
-          <dgm:constr type="t" for="ch" forName="image3" refType="h" fact="0"/>
-          <dgm:constr type="w" for="ch" forName="image3" refType="w" fact="0.281"/>
-          <dgm:constr type="h" for="ch" forName="image3" refType="h" fact="0.3785"/>
-          <dgm:constr type="l" for="ch" forName="imageaccent3" refType="w" fact="0.4879"/>
-          <dgm:constr type="t" for="ch" forName="imageaccent3" refType="h" fact="0.1662"/>
-          <dgm:constr type="w" for="ch" forName="imageaccent3" refType="w" fact="0.0329"/>
-          <dgm:constr type="h" for="ch" forName="imageaccent3" refType="h" fact="0.0443"/>
-        </dgm:constrLst>
-      </dgm:if>
-      <dgm:if name="Name5" axis="ch" ptType="node" func="cnt" op="equ" val="4">
-        <dgm:alg type="composite">
-          <dgm:param type="ar" val="1.943"/>
-        </dgm:alg>
-        <dgm:constrLst>
-          <dgm:constr type="primFontSz" for="des" ptType="node" op="equ" val="65"/>
-          <dgm:constr type="l" for="ch" forName="image2" refType="w" fact="0.5787"/>
-          <dgm:constr type="t" for="ch" forName="image2" refType="h" fact="0.6208"/>
-          <dgm:constr type="w" for="ch" forName="image2" refType="w" fact="0.227"/>
-          <dgm:constr type="h" for="ch" forName="image2" refType="h" fact="0.3786"/>
-          <dgm:constr type="l" for="ch" forName="text4" refType="w" fact="0.5787"/>
-          <dgm:constr type="t" for="ch" forName="text4" refType="h" fact="0.2081"/>
-          <dgm:constr type="w" for="ch" forName="text4" refType="w" fact="0.227"/>
-          <dgm:constr type="h" for="ch" forName="text4" refType="h" fact="0.3786"/>
-          <dgm:constr type="l" for="ch" forName="text2" refType="w" fact="0.3852"/>
-          <dgm:constr type="t" for="ch" forName="text2" refType="h" fact="0.4127"/>
-          <dgm:constr type="w" for="ch" forName="text2" refType="w" fact="0.227"/>
-          <dgm:constr type="h" for="ch" forName="text2" refType="h" fact="0.3786"/>
-          <dgm:constr type="l" for="ch" forName="image3" refType="w" fact="0.3852"/>
-          <dgm:constr type="t" for="ch" forName="image3" refType="h" fact="0"/>
-          <dgm:constr type="w" for="ch" forName="image3" refType="w" fact="0.227"/>
-          <dgm:constr type="h" for="ch" forName="image3" refType="h" fact="0.3786"/>
-          <dgm:constr type="l" for="ch" forName="text1" refType="w" fact="0.1927"/>
-          <dgm:constr type="t" for="ch" forName="text1" refType="h" fact="0.6214"/>
-          <dgm:constr type="w" for="ch" forName="text1" refType="w" fact="0.227"/>
-          <dgm:constr type="h" for="ch" forName="text1" refType="h" fact="0.3786"/>
-          <dgm:constr type="l" for="ch" forName="textaccent1" refType="w" fact="0.1998"/>
-          <dgm:constr type="t" for="ch" forName="textaccent1" refType="h" fact="0.7887"/>
-          <dgm:constr type="w" for="ch" forName="textaccent1" refType="w" fact="0.0265"/>
-          <dgm:constr type="h" for="ch" forName="textaccent1" refType="h" fact="0.0444"/>
-          <dgm:constr type="l" for="ch" forName="image1" refType="w" fact="0"/>
-          <dgm:constr type="t" for="ch" forName="image1" refType="h" fact="0.4156"/>
-          <dgm:constr type="w" for="ch" forName="image1" refType="w" fact="0.227"/>
-          <dgm:constr type="h" for="ch" forName="image1" refType="h" fact="0.3786"/>
-          <dgm:constr type="l" for="ch" forName="imageaccent1" refType="w" fact="0.1537"/>
-          <dgm:constr type="t" for="ch" forName="imageaccent1" refType="h" fact="0.7417"/>
-          <dgm:constr type="w" for="ch" forName="imageaccent1" refType="w" fact="0.0265"/>
-          <dgm:constr type="h" for="ch" forName="imageaccent1" refType="h" fact="0.0444"/>
-          <dgm:constr type="l" for="ch" forName="textaccent2" refType="w" fact="0.5407"/>
-          <dgm:constr type="t" for="ch" forName="textaccent2" refType="h" fact="0.7384"/>
-          <dgm:constr type="w" for="ch" forName="textaccent2" refType="w" fact="0.0265"/>
-          <dgm:constr type="h" for="ch" forName="textaccent2" refType="h" fact="0.0444"/>
-          <dgm:constr type="l" for="ch" forName="imageaccent2" refType="w" fact="0.5839"/>
-          <dgm:constr type="t" for="ch" forName="imageaccent2" refType="h" fact="0.7904"/>
-          <dgm:constr type="w" for="ch" forName="imageaccent2" refType="w" fact="0.0265"/>
-          <dgm:constr type="h" for="ch" forName="imageaccent2" refType="h" fact="0.0444"/>
-          <dgm:constr type="l" for="ch" forName="text3" refType="w" fact="0.1927"/>
-          <dgm:constr type="t" for="ch" forName="text3" refType="h" fact="0.2087"/>
-          <dgm:constr type="w" for="ch" forName="text3" refType="w" fact="0.227"/>
-          <dgm:constr type="h" for="ch" forName="text3" refType="h" fact="0.3786"/>
-          <dgm:constr type="l" for="ch" forName="textaccent3" refType="w" fact="0.3472"/>
-          <dgm:constr type="t" for="ch" forName="textaccent3" refType="h" fact="0.2165"/>
-          <dgm:constr type="w" for="ch" forName="textaccent3" refType="w" fact="0.0265"/>
-          <dgm:constr type="h" for="ch" forName="textaccent3" refType="h" fact="0.0444"/>
-          <dgm:constr type="l" for="ch" forName="imageaccent3" refType="w" fact="0.3904"/>
-          <dgm:constr type="t" for="ch" forName="imageaccent3" refType="h" fact="0.1678"/>
-          <dgm:constr type="w" for="ch" forName="imageaccent3" refType="w" fact="0.0265"/>
-          <dgm:constr type="h" for="ch" forName="imageaccent3" refType="h" fact="0.0444"/>
-          <dgm:constr type="l" for="ch" forName="textaccent4" refType="w" fact="0.7739"/>
-          <dgm:constr type="t" for="ch" forName="textaccent4" refType="h" fact="0.3752"/>
-          <dgm:constr type="w" for="ch" forName="textaccent4" refType="w" fact="0.0265"/>
-          <dgm:constr type="h" for="ch" forName="textaccent4" refType="h" fact="0.0444"/>
-          <dgm:constr type="l" for="ch" forName="image4" refType="w" fact="0.773"/>
-          <dgm:constr type="t" for="ch" forName="image4" refType="h" fact="0.4162"/>
-          <dgm:constr type="w" for="ch" forName="image4" refType="w" fact="0.227"/>
-          <dgm:constr type="h" for="ch" forName="image4" refType="h" fact="0.3786"/>
-          <dgm:constr type="l" for="ch" forName="imageaccent4" refType="w" fact="0.8188"/>
-          <dgm:constr type="t" for="ch" forName="imageaccent4" refType="h" fact="0.4229"/>
-          <dgm:constr type="w" for="ch" forName="imageaccent4" refType="w" fact="0.0265"/>
-          <dgm:constr type="h" for="ch" forName="imageaccent4" refType="h" fact="0.0444"/>
-        </dgm:constrLst>
-      </dgm:if>
-      <dgm:if name="Name6" axis="ch" ptType="node" func="cnt" op="equ" val="5">
-        <dgm:alg type="composite">
-          <dgm:param type="ar" val="2.3203"/>
-        </dgm:alg>
-        <dgm:constrLst>
-          <dgm:constr type="primFontSz" for="des" ptType="node" op="equ" val="65"/>
-          <dgm:constr type="l" for="ch" forName="image4" refType="w" fact="0.6491"/>
-          <dgm:constr type="t" for="ch" forName="image4" refType="h" fact="0.4193"/>
-          <dgm:constr type="w" for="ch" forName="image4" refType="w" fact="0.1886"/>
-          <dgm:constr type="h" for="ch" forName="image4" refType="h" fact="0.3757"/>
-          <dgm:constr type="l" for="ch" forName="text5" refType="w" fact="0.6491"/>
-          <dgm:constr type="t" for="ch" forName="text5" refType="h" fact="0.004"/>
-          <dgm:constr type="w" for="ch" forName="text5" refType="w" fact="0.1886"/>
-          <dgm:constr type="h" for="ch" forName="text5" refType="h" fact="0.3757"/>
-          <dgm:constr type="l" for="ch" forName="image5" refType="w" fact="0.8114"/>
-          <dgm:constr type="t" for="ch" forName="image5" refType="h" fact="0.2136"/>
-          <dgm:constr type="w" for="ch" forName="image5" refType="w" fact="0.1886"/>
-          <dgm:constr type="h" for="ch" forName="image5" refType="h" fact="0.3757"/>
-          <dgm:constr type="l" for="ch" forName="image2" refType="w" fact="0.4868"/>
-          <dgm:constr type="t" for="ch" forName="image2" refType="h" fact="0.6235"/>
-          <dgm:constr type="w" for="ch" forName="image2" refType="w" fact="0.1886"/>
-          <dgm:constr type="h" for="ch" forName="image2" refType="h" fact="0.3757"/>
-          <dgm:constr type="l" for="ch" forName="text4" refType="w" fact="0.4868"/>
-          <dgm:constr type="t" for="ch" forName="text4" refType="h" fact="0.2081"/>
-          <dgm:constr type="w" for="ch" forName="text4" refType="w" fact="0.1886"/>
-          <dgm:constr type="h" for="ch" forName="text4" refType="h" fact="0.3757"/>
-          <dgm:constr type="l" for="ch" forName="text2" refType="w" fact="0.3246"/>
-          <dgm:constr type="t" for="ch" forName="text2" refType="h" fact="0.4154"/>
-          <dgm:constr type="w" for="ch" forName="text2" refType="w" fact="0.1886"/>
-          <dgm:constr type="h" for="ch" forName="text2" refType="h" fact="0.3757"/>
-          <dgm:constr type="l" for="ch" forName="image3" refType="w" fact="0.3246"/>
-          <dgm:constr type="t" for="ch" forName="image3" refType="h" fact="0"/>
-          <dgm:constr type="w" for="ch" forName="image3" refType="w" fact="0.1886"/>
-          <dgm:constr type="h" for="ch" forName="image3" refType="h" fact="0.3757"/>
-          <dgm:constr type="l" for="ch" forName="text1" refType="w" fact="0.1623"/>
-          <dgm:constr type="t" for="ch" forName="text1" refType="h" fact="0.6243"/>
-          <dgm:constr type="w" for="ch" forName="text1" refType="w" fact="0.1886"/>
-          <dgm:constr type="h" for="ch" forName="text1" refType="h" fact="0.3757"/>
-          <dgm:constr type="l" for="ch" forName="text3" refType="w" fact="0.1623"/>
-          <dgm:constr type="t" for="ch" forName="text3" refType="h" fact="0.2089"/>
-          <dgm:constr type="w" for="ch" forName="text3" refType="w" fact="0.1886"/>
-          <dgm:constr type="h" for="ch" forName="text3" refType="h" fact="0.3757"/>
-          <dgm:constr type="l" for="ch" forName="textaccent1" refType="w" fact="0.1668"/>
-          <dgm:constr type="t" for="ch" forName="textaccent1" refType="h" fact="0.7923"/>
-          <dgm:constr type="w" for="ch" forName="textaccent1" refType="w" fact="0.022"/>
-          <dgm:constr type="h" for="ch" forName="textaccent1" refType="h" fact="0.044"/>
-          <dgm:constr type="l" for="ch" forName="image1" refType="w" fact="0"/>
-          <dgm:constr type="t" for="ch" forName="image1" refType="h" fact="0.4166"/>
-          <dgm:constr type="w" for="ch" forName="image1" refType="w" fact="0.1886"/>
-          <dgm:constr type="h" for="ch" forName="image1" refType="h" fact="0.3757"/>
-          <dgm:constr type="l" for="ch" forName="imageaccent1" refType="w" fact="0.1292"/>
-          <dgm:constr type="t" for="ch" forName="imageaccent1" refType="h" fact="0.7424"/>
-          <dgm:constr type="w" for="ch" forName="imageaccent1" refType="w" fact="0.022"/>
-          <dgm:constr type="h" for="ch" forName="imageaccent1" refType="h" fact="0.044"/>
-          <dgm:constr type="l" for="ch" forName="textaccent2" refType="w" fact="0.4544"/>
-          <dgm:constr type="t" for="ch" forName="textaccent2" refType="h" fact="0.7404"/>
-          <dgm:constr type="w" for="ch" forName="textaccent2" refType="w" fact="0.022"/>
-          <dgm:constr type="h" for="ch" forName="textaccent2" refType="h" fact="0.044"/>
-          <dgm:constr type="l" for="ch" forName="imageaccent2" refType="w" fact="0.4914"/>
-          <dgm:constr type="t" for="ch" forName="imageaccent2" refType="h" fact="0.7907"/>
-          <dgm:constr type="w" for="ch" forName="imageaccent2" refType="w" fact="0.022"/>
-          <dgm:constr type="h" for="ch" forName="imageaccent2" refType="h" fact="0.044"/>
-          <dgm:constr type="l" for="ch" forName="textaccent3" refType="w" fact="0.2915"/>
-          <dgm:constr type="t" for="ch" forName="textaccent3" refType="h" fact="0.216"/>
-          <dgm:constr type="w" for="ch" forName="textaccent3" refType="w" fact="0.022"/>
-          <dgm:constr type="h" for="ch" forName="textaccent3" refType="h" fact="0.044"/>
-          <dgm:constr type="l" for="ch" forName="imageaccent3" refType="w" fact="0.3299"/>
-          <dgm:constr type="t" for="ch" forName="imageaccent3" refType="h" fact="0.1665"/>
-          <dgm:constr type="w" for="ch" forName="imageaccent3" refType="w" fact="0.022"/>
-          <dgm:constr type="h" for="ch" forName="imageaccent3" refType="h" fact="0.044"/>
-          <dgm:constr type="l" for="ch" forName="textaccent4" refType="w" fact="0.65"/>
-          <dgm:constr type="t" for="ch" forName="textaccent4" refType="h" fact="0.3746"/>
-          <dgm:constr type="w" for="ch" forName="textaccent4" refType="w" fact="0.022"/>
-          <dgm:constr type="h" for="ch" forName="textaccent4" refType="h" fact="0.044"/>
-          <dgm:constr type="l" for="ch" forName="imageaccent4" refType="w" fact="0.6859"/>
-          <dgm:constr type="t" for="ch" forName="imageaccent4" refType="h" fact="0.4261"/>
-          <dgm:constr type="w" for="ch" forName="imageaccent4" refType="w" fact="0.022"/>
-          <dgm:constr type="h" for="ch" forName="imageaccent4" refType="h" fact="0.044"/>
-          <dgm:constr type="l" for="ch" forName="textaccent5" refType="w" fact="0.8123"/>
-          <dgm:constr type="t" for="ch" forName="textaccent5" refType="h" fact="0.1724"/>
-          <dgm:constr type="w" for="ch" forName="textaccent5" refType="w" fact="0.022"/>
-          <dgm:constr type="h" for="ch" forName="textaccent5" refType="h" fact="0.044"/>
-          <dgm:constr type="l" for="ch" forName="imageaccent5" refType="w" fact="0.849"/>
-          <dgm:constr type="t" for="ch" forName="imageaccent5" refType="h" fact="0.222"/>
-          <dgm:constr type="w" for="ch" forName="imageaccent5" refType="w" fact="0.022"/>
-          <dgm:constr type="h" for="ch" forName="imageaccent5" refType="h" fact="0.044"/>
-        </dgm:constrLst>
-      </dgm:if>
-      <dgm:if name="Name7" axis="ch" ptType="node" func="cnt" op="equ" val="6">
-        <dgm:alg type="composite">
-          <dgm:param type="ar" val="1.9179"/>
-        </dgm:alg>
-        <dgm:constrLst>
-          <dgm:constr type="primFontSz" for="des" ptType="node" op="equ" val="65"/>
-          <dgm:constr type="l" for="ch" forName="image4" refType="w" fact="0.6491"/>
-          <dgm:constr type="t" for="ch" forName="image4" refType="h" fact="0.3466"/>
-          <dgm:constr type="w" for="ch" forName="image4" refType="w" fact="0.1886"/>
-          <dgm:constr type="h" for="ch" forName="image4" refType="h" fact="0.3106"/>
-          <dgm:constr type="l" for="ch" forName="text5" refType="w" fact="0.6491"/>
-          <dgm:constr type="t" for="ch" forName="text5" refType="h" fact="0.0033"/>
-          <dgm:constr type="w" for="ch" forName="text5" refType="w" fact="0.1886"/>
-          <dgm:constr type="h" for="ch" forName="text5" refType="h" fact="0.3106"/>
-          <dgm:constr type="l" for="ch" forName="image5" refType="w" fact="0.8114"/>
-          <dgm:constr type="t" for="ch" forName="image5" refType="h" fact="0.1766"/>
-          <dgm:constr type="w" for="ch" forName="image5" refType="w" fact="0.1886"/>
-          <dgm:constr type="h" for="ch" forName="image5" refType="h" fact="0.3106"/>
-          <dgm:constr type="l" for="ch" forName="image2" refType="w" fact="0.4868"/>
-          <dgm:constr type="t" for="ch" forName="image2" refType="h" fact="0.5154"/>
-          <dgm:constr type="w" for="ch" forName="image2" refType="w" fact="0.1886"/>
-          <dgm:constr type="h" for="ch" forName="image2" refType="h" fact="0.3106"/>
-          <dgm:constr type="l" for="ch" forName="text4" refType="w" fact="0.4868"/>
-          <dgm:constr type="t" for="ch" forName="text4" refType="h" fact="0.172"/>
-          <dgm:constr type="w" for="ch" forName="text4" refType="w" fact="0.1886"/>
-          <dgm:constr type="h" for="ch" forName="text4" refType="h" fact="0.3106"/>
-          <dgm:constr type="l" for="ch" forName="text2" refType="w" fact="0.3246"/>
-          <dgm:constr type="t" for="ch" forName="text2" refType="h" fact="0.3434"/>
-          <dgm:constr type="w" for="ch" forName="text2" refType="w" fact="0.1886"/>
-          <dgm:constr type="h" for="ch" forName="text2" refType="h" fact="0.3106"/>
-          <dgm:constr type="l" for="ch" forName="image3" refType="w" fact="0.3246"/>
-          <dgm:constr type="t" for="ch" forName="image3" refType="h" fact="0"/>
-          <dgm:constr type="w" for="ch" forName="image3" refType="w" fact="0.1886"/>
-          <dgm:constr type="h" for="ch" forName="image3" refType="h" fact="0.3106"/>
-          <dgm:constr type="l" for="ch" forName="text1" refType="w" fact="0.1623"/>
-          <dgm:constr type="t" for="ch" forName="text1" refType="h" fact="0.516"/>
-          <dgm:constr type="w" for="ch" forName="text1" refType="w" fact="0.1886"/>
-          <dgm:constr type="h" for="ch" forName="text1" refType="h" fact="0.3106"/>
-          <dgm:constr type="l" for="ch" forName="text3" refType="w" fact="0.1623"/>
-          <dgm:constr type="t" for="ch" forName="text3" refType="h" fact="0.1727"/>
-          <dgm:constr type="w" for="ch" forName="text3" refType="w" fact="0.1886"/>
-          <dgm:constr type="h" for="ch" forName="text3" refType="h" fact="0.3106"/>
-          <dgm:constr type="l" for="ch" forName="textaccent1" refType="w" fact="0.1668"/>
-          <dgm:constr type="t" for="ch" forName="textaccent1" refType="h" fact="0.6549"/>
-          <dgm:constr type="w" for="ch" forName="textaccent1" refType="w" fact="0.022"/>
-          <dgm:constr type="h" for="ch" forName="textaccent1" refType="h" fact="0.0364"/>
-          <dgm:constr type="l" for="ch" forName="image1" refType="w" fact="0"/>
-          <dgm:constr type="t" for="ch" forName="image1" refType="h" fact="0.3443"/>
-          <dgm:constr type="w" for="ch" forName="image1" refType="w" fact="0.1886"/>
-          <dgm:constr type="h" for="ch" forName="image1" refType="h" fact="0.3106"/>
-          <dgm:constr type="l" for="ch" forName="imageaccent1" refType="w" fact="0.1292"/>
-          <dgm:constr type="t" for="ch" forName="imageaccent1" refType="h" fact="0.6137"/>
-          <dgm:constr type="w" for="ch" forName="imageaccent1" refType="w" fact="0.022"/>
-          <dgm:constr type="h" for="ch" forName="imageaccent1" refType="h" fact="0.0364"/>
-          <dgm:constr type="l" for="ch" forName="textaccent2" refType="w" fact="0.4544"/>
-          <dgm:constr type="t" for="ch" forName="textaccent2" refType="h" fact="0.612"/>
-          <dgm:constr type="w" for="ch" forName="textaccent2" refType="w" fact="0.022"/>
-          <dgm:constr type="h" for="ch" forName="textaccent2" refType="h" fact="0.0364"/>
-          <dgm:constr type="l" for="ch" forName="imageaccent2" refType="w" fact="0.4914"/>
-          <dgm:constr type="t" for="ch" forName="imageaccent2" refType="h" fact="0.6536"/>
-          <dgm:constr type="w" for="ch" forName="imageaccent2" refType="w" fact="0.022"/>
-          <dgm:constr type="h" for="ch" forName="imageaccent2" refType="h" fact="0.0364"/>
-          <dgm:constr type="l" for="ch" forName="textaccent3" refType="w" fact="0.2915"/>
-          <dgm:constr type="t" for="ch" forName="textaccent3" refType="h" fact="0.1786"/>
-          <dgm:constr type="w" for="ch" forName="textaccent3" refType="w" fact="0.022"/>
-          <dgm:constr type="h" for="ch" forName="textaccent3" refType="h" fact="0.0364"/>
-          <dgm:constr type="l" for="ch" forName="imageaccent3" refType="w" fact="0.3299"/>
-          <dgm:constr type="t" for="ch" forName="imageaccent3" refType="h" fact="0.1376"/>
-          <dgm:constr type="w" for="ch" forName="imageaccent3" refType="w" fact="0.022"/>
-          <dgm:constr type="h" for="ch" forName="imageaccent3" refType="h" fact="0.0364"/>
-          <dgm:constr type="l" for="ch" forName="textaccent4" refType="w" fact="0.65"/>
-          <dgm:constr type="t" for="ch" forName="textaccent4" refType="h" fact="0.3096"/>
-          <dgm:constr type="w" for="ch" forName="textaccent4" refType="w" fact="0.022"/>
-          <dgm:constr type="h" for="ch" forName="textaccent4" refType="h" fact="0.0364"/>
-          <dgm:constr type="l" for="ch" forName="imageaccent4" refType="w" fact="0.6859"/>
-          <dgm:constr type="t" for="ch" forName="imageaccent4" refType="h" fact="0.3522"/>
-          <dgm:constr type="w" for="ch" forName="imageaccent4" refType="w" fact="0.022"/>
-          <dgm:constr type="h" for="ch" forName="imageaccent4" refType="h" fact="0.0364"/>
-          <dgm:constr type="l" for="ch" forName="textaccent5" refType="w" fact="0.8123"/>
-          <dgm:constr type="t" for="ch" forName="textaccent5" refType="h" fact="0.1425"/>
-          <dgm:constr type="w" for="ch" forName="textaccent5" refType="w" fact="0.022"/>
-          <dgm:constr type="h" for="ch" forName="textaccent5" refType="h" fact="0.0364"/>
-          <dgm:constr type="l" for="ch" forName="imageaccent5" refType="w" fact="0.849"/>
-          <dgm:constr type="t" for="ch" forName="imageaccent5" refType="h" fact="0.1835"/>
-          <dgm:constr type="w" for="ch" forName="imageaccent5" refType="w" fact="0.022"/>
-          <dgm:constr type="h" for="ch" forName="imageaccent5" refType="h" fact="0.0364"/>
-          <dgm:constr type="l" for="ch" forName="image6" refType="w" fact="0.6491"/>
-          <dgm:constr type="t" for="ch" forName="image6" refType="h" fact="0.6894"/>
-          <dgm:constr type="w" for="ch" forName="image6" refType="w" fact="0.1886"/>
-          <dgm:constr type="h" for="ch" forName="image6" refType="h" fact="0.3106"/>
-          <dgm:constr type="l" for="ch" forName="text6" refType="w" fact="0.8114"/>
-          <dgm:constr type="t" for="ch" forName="text6" refType="h" fact="0.5194"/>
-          <dgm:constr type="w" for="ch" forName="text6" refType="w" fact="0.1886"/>
-          <dgm:constr type="h" for="ch" forName="text6" refType="h" fact="0.3106"/>
-          <dgm:constr type="l" for="ch" forName="imageaccent6" refType="w" fact="0.8138"/>
-          <dgm:constr type="t" for="ch" forName="imageaccent6" refType="h" fact="0.8257"/>
-          <dgm:constr type="w" for="ch" forName="imageaccent6" refType="w" fact="0.022"/>
-          <dgm:constr type="h" for="ch" forName="imageaccent6" refType="h" fact="0.0364"/>
-          <dgm:constr type="l" for="ch" forName="textaccent6" refType="w" fact="0.8488"/>
-          <dgm:constr type="t" for="ch" forName="textaccent6" refType="h" fact="0.7914"/>
-          <dgm:constr type="w" for="ch" forName="textaccent6" refType="w" fact="0.022"/>
-          <dgm:constr type="h" for="ch" forName="textaccent6" refType="h" fact="0.0364"/>
-        </dgm:constrLst>
-      </dgm:if>
-      <dgm:if name="Name8" axis="ch" ptType="node" func="cnt" op="equ" val="7">
-        <dgm:alg type="composite">
-          <dgm:param type="ar" val="1.6382"/>
-        </dgm:alg>
-        <dgm:constrLst>
-          <dgm:constr type="primFontSz" for="des" ptType="node" op="equ" val="65"/>
-          <dgm:constr type="l" for="ch" forName="image4" refType="w" fact="0.6491"/>
-          <dgm:constr type="t" for="ch" forName="image4" refType="h" fact="0.2961"/>
-          <dgm:constr type="w" for="ch" forName="image4" refType="w" fact="0.1886"/>
-          <dgm:constr type="h" for="ch" forName="image4" refType="h" fact="0.2653"/>
-          <dgm:constr type="l" for="ch" forName="text5" refType="w" fact="0.6491"/>
-          <dgm:constr type="t" for="ch" forName="text5" refType="h" fact="0.0028"/>
-          <dgm:constr type="w" for="ch" forName="text5" refType="w" fact="0.1886"/>
-          <dgm:constr type="h" for="ch" forName="text5" refType="h" fact="0.2653"/>
-          <dgm:constr type="l" for="ch" forName="image5" refType="w" fact="0.8114"/>
-          <dgm:constr type="t" for="ch" forName="image5" refType="h" fact="0.1508"/>
-          <dgm:constr type="w" for="ch" forName="image5" refType="w" fact="0.1886"/>
-          <dgm:constr type="h" for="ch" forName="image5" refType="h" fact="0.2653"/>
-          <dgm:constr type="l" for="ch" forName="image2" refType="w" fact="0.4868"/>
-          <dgm:constr type="t" for="ch" forName="image2" refType="h" fact="0.4402"/>
-          <dgm:constr type="w" for="ch" forName="image2" refType="w" fact="0.1886"/>
-          <dgm:constr type="h" for="ch" forName="image2" refType="h" fact="0.2653"/>
-          <dgm:constr type="l" for="ch" forName="text4" refType="w" fact="0.4868"/>
-          <dgm:constr type="t" for="ch" forName="text4" refType="h" fact="0.1469"/>
-          <dgm:constr type="w" for="ch" forName="text4" refType="w" fact="0.1886"/>
-          <dgm:constr type="h" for="ch" forName="text4" refType="h" fact="0.2653"/>
-          <dgm:constr type="l" for="ch" forName="text2" refType="w" fact="0.3246"/>
-          <dgm:constr type="t" for="ch" forName="text2" refType="h" fact="0.2933"/>
-          <dgm:constr type="w" for="ch" forName="text2" refType="w" fact="0.1886"/>
-          <dgm:constr type="h" for="ch" forName="text2" refType="h" fact="0.2653"/>
-          <dgm:constr type="l" for="ch" forName="image3" refType="w" fact="0.3246"/>
-          <dgm:constr type="t" for="ch" forName="image3" refType="h" fact="0"/>
-          <dgm:constr type="w" for="ch" forName="image3" refType="w" fact="0.1886"/>
-          <dgm:constr type="h" for="ch" forName="image3" refType="h" fact="0.2653"/>
-          <dgm:constr type="l" for="ch" forName="text1" refType="w" fact="0.1623"/>
-          <dgm:constr type="t" for="ch" forName="text1" refType="h" fact="0.4408"/>
-          <dgm:constr type="w" for="ch" forName="text1" refType="w" fact="0.1886"/>
-          <dgm:constr type="h" for="ch" forName="text1" refType="h" fact="0.2653"/>
-          <dgm:constr type="l" for="ch" forName="text3" refType="w" fact="0.1623"/>
-          <dgm:constr type="t" for="ch" forName="text3" refType="h" fact="0.1475"/>
-          <dgm:constr type="w" for="ch" forName="text3" refType="w" fact="0.1886"/>
-          <dgm:constr type="h" for="ch" forName="text3" refType="h" fact="0.2653"/>
-          <dgm:constr type="l" for="ch" forName="textaccent1" refType="w" fact="0.1668"/>
-          <dgm:constr type="t" for="ch" forName="textaccent1" refType="h" fact="0.5594"/>
-          <dgm:constr type="w" for="ch" forName="textaccent1" refType="w" fact="0.022"/>
-          <dgm:constr type="h" for="ch" forName="textaccent1" refType="h" fact="0.0311"/>
-          <dgm:constr type="l" for="ch" forName="image1" refType="w" fact="0"/>
-          <dgm:constr type="t" for="ch" forName="image1" refType="h" fact="0.2941"/>
-          <dgm:constr type="w" for="ch" forName="image1" refType="w" fact="0.1886"/>
-          <dgm:constr type="h" for="ch" forName="image1" refType="h" fact="0.2653"/>
-          <dgm:constr type="l" for="ch" forName="imageaccent1" refType="w" fact="0.1292"/>
-          <dgm:constr type="t" for="ch" forName="imageaccent1" refType="h" fact="0.5242"/>
-          <dgm:constr type="w" for="ch" forName="imageaccent1" refType="w" fact="0.022"/>
-          <dgm:constr type="h" for="ch" forName="imageaccent1" refType="h" fact="0.0311"/>
-          <dgm:constr type="l" for="ch" forName="textaccent2" refType="w" fact="0.4544"/>
-          <dgm:constr type="t" for="ch" forName="textaccent2" refType="h" fact="0.5228"/>
-          <dgm:constr type="w" for="ch" forName="textaccent2" refType="w" fact="0.022"/>
-          <dgm:constr type="h" for="ch" forName="textaccent2" refType="h" fact="0.0311"/>
-          <dgm:constr type="l" for="ch" forName="imageaccent2" refType="w" fact="0.4914"/>
-          <dgm:constr type="t" for="ch" forName="imageaccent2" refType="h" fact="0.5583"/>
-          <dgm:constr type="w" for="ch" forName="imageaccent2" refType="w" fact="0.022"/>
-          <dgm:constr type="h" for="ch" forName="imageaccent2" refType="h" fact="0.0311"/>
-          <dgm:constr type="l" for="ch" forName="textaccent3" refType="w" fact="0.2907"/>
-          <dgm:constr type="t" for="ch" forName="textaccent3" refType="h" fact="0.1511"/>
-          <dgm:constr type="w" for="ch" forName="textaccent3" refType="w" fact="0.022"/>
-          <dgm:constr type="h" for="ch" forName="textaccent3" refType="h" fact="0.0311"/>
-          <dgm:constr type="l" for="ch" forName="imageaccent3" refType="w" fact="0.3299"/>
-          <dgm:constr type="t" for="ch" forName="imageaccent3" refType="h" fact="0.1175"/>
-          <dgm:constr type="w" for="ch" forName="imageaccent3" refType="w" fact="0.022"/>
-          <dgm:constr type="h" for="ch" forName="imageaccent3" refType="h" fact="0.0311"/>
-          <dgm:constr type="l" for="ch" forName="textaccent4" refType="w" fact="0.65"/>
-          <dgm:constr type="t" for="ch" forName="textaccent4" refType="h" fact="0.2645"/>
-          <dgm:constr type="w" for="ch" forName="textaccent4" refType="w" fact="0.022"/>
-          <dgm:constr type="h" for="ch" forName="textaccent4" refType="h" fact="0.0311"/>
-          <dgm:constr type="l" for="ch" forName="imageaccent4" refType="w" fact="0.6859"/>
-          <dgm:constr type="t" for="ch" forName="imageaccent4" refType="h" fact="0.3008"/>
-          <dgm:constr type="w" for="ch" forName="imageaccent4" refType="w" fact="0.022"/>
-          <dgm:constr type="h" for="ch" forName="imageaccent4" refType="h" fact="0.0311"/>
-          <dgm:constr type="l" for="ch" forName="textaccent5" refType="w" fact="0.8123"/>
-          <dgm:constr type="t" for="ch" forName="textaccent5" refType="h" fact="0.1217"/>
-          <dgm:constr type="w" for="ch" forName="textaccent5" refType="w" fact="0.022"/>
-          <dgm:constr type="h" for="ch" forName="textaccent5" refType="h" fact="0.0311"/>
-          <dgm:constr type="l" for="ch" forName="imageaccent5" refType="w" fact="0.849"/>
-          <dgm:constr type="t" for="ch" forName="imageaccent5" refType="h" fact="0.1567"/>
-          <dgm:constr type="w" for="ch" forName="imageaccent5" refType="w" fact="0.022"/>
-          <dgm:constr type="h" for="ch" forName="imageaccent5" refType="h" fact="0.0311"/>
-          <dgm:constr type="l" for="ch" forName="image6" refType="w" fact="0.6491"/>
-          <dgm:constr type="t" for="ch" forName="image6" refType="h" fact="0.5889"/>
-          <dgm:constr type="w" for="ch" forName="image6" refType="w" fact="0.1886"/>
-          <dgm:constr type="h" for="ch" forName="image6" refType="h" fact="0.2653"/>
-          <dgm:constr type="l" for="ch" forName="text6" refType="w" fact="0.8114"/>
-          <dgm:constr type="t" for="ch" forName="text6" refType="h" fact="0.4436"/>
-          <dgm:constr type="w" for="ch" forName="text6" refType="w" fact="0.1886"/>
-          <dgm:constr type="h" for="ch" forName="text6" refType="h" fact="0.2653"/>
-          <dgm:constr type="l" for="ch" forName="imageaccent6" refType="w" fact="0.8138"/>
-          <dgm:constr type="t" for="ch" forName="imageaccent6" refType="h" fact="0.7053"/>
-          <dgm:constr type="w" for="ch" forName="imageaccent6" refType="w" fact="0.022"/>
-          <dgm:constr type="h" for="ch" forName="imageaccent6" refType="h" fact="0.0311"/>
-          <dgm:constr type="l" for="ch" forName="textaccent6" refType="w" fact="0.8488"/>
-          <dgm:constr type="t" for="ch" forName="textaccent6" refType="h" fact="0.676"/>
-          <dgm:constr type="w" for="ch" forName="textaccent6" refType="w" fact="0.022"/>
-          <dgm:constr type="h" for="ch" forName="textaccent6" refType="h" fact="0.0311"/>
-          <dgm:constr type="l" for="ch" forName="text7" refType="w" fact="0.3244"/>
-          <dgm:constr type="t" for="ch" forName="text7" refType="h" fact="0.5872"/>
-          <dgm:constr type="w" for="ch" forName="text7" refType="w" fact="0.1886"/>
-          <dgm:constr type="h" for="ch" forName="text7" refType="h" fact="0.2653"/>
-          <dgm:constr type="l" for="ch" forName="image7" refType="w" fact="0.1622"/>
-          <dgm:constr type="t" for="ch" forName="image7" refType="h" fact="0.7347"/>
-          <dgm:constr type="w" for="ch" forName="image7" refType="w" fact="0.1886"/>
-          <dgm:constr type="h" for="ch" forName="image7" refType="h" fact="0.2653"/>
-          <dgm:constr type="l" for="ch" forName="imageaccent7" refType="w" fact="0.2905"/>
-          <dgm:constr type="t" for="ch" forName="imageaccent7" refType="h" fact="0.7384"/>
-          <dgm:constr type="w" for="ch" forName="imageaccent7" refType="w" fact="0.022"/>
-          <dgm:constr type="h" for="ch" forName="imageaccent7" refType="h" fact="0.0311"/>
-          <dgm:constr type="l" for="ch" forName="textaccent7" refType="w" fact="0.3298"/>
-          <dgm:constr type="t" for="ch" forName="textaccent7" refType="h" fact="0.7048"/>
-          <dgm:constr type="w" for="ch" forName="textaccent7" refType="w" fact="0.022"/>
-          <dgm:constr type="h" for="ch" forName="textaccent7" refType="h" fact="0.0311"/>
-        </dgm:constrLst>
-      </dgm:if>
-      <dgm:if name="Name9" axis="ch" ptType="node" func="cnt" op="equ" val="8">
-        <dgm:alg type="composite">
-          <dgm:param type="ar" val="1.8974"/>
-        </dgm:alg>
-        <dgm:constrLst>
-          <dgm:constr type="primFontSz" for="des" ptType="node" op="equ" val="65"/>
-          <dgm:constr type="l" for="ch" forName="image4" refType="w" fact="0.5589"/>
-          <dgm:constr type="t" for="ch" forName="image4" refType="h" fact="0.2952"/>
-          <dgm:constr type="w" for="ch" forName="image4" refType="w" fact="0.1624"/>
-          <dgm:constr type="h" for="ch" forName="image4" refType="h" fact="0.2645"/>
-          <dgm:constr type="l" for="ch" forName="text5" refType="w" fact="0.5589"/>
-          <dgm:constr type="t" for="ch" forName="text5" refType="h" fact="0.0028"/>
-          <dgm:constr type="w" for="ch" forName="text5" refType="w" fact="0.1624"/>
-          <dgm:constr type="h" for="ch" forName="text5" refType="h" fact="0.2645"/>
-          <dgm:constr type="l" for="ch" forName="image5" refType="w" fact="0.6986"/>
-          <dgm:constr type="t" for="ch" forName="image5" refType="h" fact="0.1504"/>
-          <dgm:constr type="w" for="ch" forName="image5" refType="w" fact="0.1624"/>
-          <dgm:constr type="h" for="ch" forName="image5" refType="h" fact="0.2645"/>
-          <dgm:constr type="l" for="ch" forName="image2" refType="w" fact="0.4192"/>
-          <dgm:constr type="t" for="ch" forName="image2" refType="h" fact="0.439"/>
-          <dgm:constr type="w" for="ch" forName="image2" refType="w" fact="0.1624"/>
-          <dgm:constr type="h" for="ch" forName="image2" refType="h" fact="0.2645"/>
-          <dgm:constr type="l" for="ch" forName="text4" refType="w" fact="0.4192"/>
-          <dgm:constr type="t" for="ch" forName="text4" refType="h" fact="0.1465"/>
-          <dgm:constr type="w" for="ch" forName="text4" refType="w" fact="0.1624"/>
-          <dgm:constr type="h" for="ch" forName="text4" refType="h" fact="0.2645"/>
-          <dgm:constr type="l" for="ch" forName="text2" refType="w" fact="0.2794"/>
-          <dgm:constr type="t" for="ch" forName="text2" refType="h" fact="0.2925"/>
-          <dgm:constr type="w" for="ch" forName="text2" refType="w" fact="0.1624"/>
-          <dgm:constr type="h" for="ch" forName="text2" refType="h" fact="0.2645"/>
-          <dgm:constr type="l" for="ch" forName="image3" refType="w" fact="0.2794"/>
-          <dgm:constr type="t" for="ch" forName="image3" refType="h" fact="0"/>
-          <dgm:constr type="w" for="ch" forName="image3" refType="w" fact="0.1624"/>
-          <dgm:constr type="h" for="ch" forName="image3" refType="h" fact="0.2645"/>
-          <dgm:constr type="l" for="ch" forName="text1" refType="w" fact="0.1397"/>
-          <dgm:constr type="t" for="ch" forName="text1" refType="h" fact="0.4395"/>
-          <dgm:constr type="w" for="ch" forName="text1" refType="w" fact="0.1624"/>
-          <dgm:constr type="h" for="ch" forName="text1" refType="h" fact="0.2645"/>
-          <dgm:constr type="l" for="ch" forName="text3" refType="w" fact="0.1397"/>
-          <dgm:constr type="t" for="ch" forName="text3" refType="h" fact="0.1471"/>
-          <dgm:constr type="w" for="ch" forName="text3" refType="w" fact="0.1624"/>
-          <dgm:constr type="h" for="ch" forName="text3" refType="h" fact="0.2645"/>
-          <dgm:constr type="l" for="ch" forName="textaccent1" refType="w" fact="0.1436"/>
-          <dgm:constr type="t" for="ch" forName="textaccent1" refType="h" fact="0.5578"/>
-          <dgm:constr type="w" for="ch" forName="textaccent1" refType="w" fact="0.0189"/>
-          <dgm:constr type="h" for="ch" forName="textaccent1" refType="h" fact="0.031"/>
-          <dgm:constr type="l" for="ch" forName="image1" refType="w" fact="0"/>
-          <dgm:constr type="t" for="ch" forName="image1" refType="h" fact="0.2933"/>
-          <dgm:constr type="w" for="ch" forName="image1" refType="w" fact="0.1624"/>
-          <dgm:constr type="h" for="ch" forName="image1" refType="h" fact="0.2645"/>
-          <dgm:constr type="l" for="ch" forName="imageaccent1" refType="w" fact="0.1112"/>
-          <dgm:constr type="t" for="ch" forName="imageaccent1" refType="h" fact="0.5227"/>
-          <dgm:constr type="w" for="ch" forName="imageaccent1" refType="w" fact="0.0189"/>
-          <dgm:constr type="h" for="ch" forName="imageaccent1" refType="h" fact="0.031"/>
-          <dgm:constr type="l" for="ch" forName="textaccent2" refType="w" fact="0.3912"/>
-          <dgm:constr type="t" for="ch" forName="textaccent2" refType="h" fact="0.5213"/>
-          <dgm:constr type="w" for="ch" forName="textaccent2" refType="w" fact="0.0189"/>
-          <dgm:constr type="h" for="ch" forName="textaccent2" refType="h" fact="0.031"/>
-          <dgm:constr type="l" for="ch" forName="imageaccent2" refType="w" fact="0.4231"/>
-          <dgm:constr type="t" for="ch" forName="imageaccent2" refType="h" fact="0.5567"/>
-          <dgm:constr type="w" for="ch" forName="imageaccent2" refType="w" fact="0.0189"/>
-          <dgm:constr type="h" for="ch" forName="imageaccent2" refType="h" fact="0.031"/>
-          <dgm:constr type="l" for="ch" forName="textaccent3" refType="w" fact="0.2502"/>
-          <dgm:constr type="t" for="ch" forName="textaccent3" refType="h" fact="0.1507"/>
-          <dgm:constr type="w" for="ch" forName="textaccent3" refType="w" fact="0.0189"/>
-          <dgm:constr type="h" for="ch" forName="textaccent3" refType="h" fact="0.031"/>
-          <dgm:constr type="l" for="ch" forName="imageaccent3" refType="w" fact="0.2841"/>
-          <dgm:constr type="t" for="ch" forName="imageaccent3" refType="h" fact="0.1172"/>
-          <dgm:constr type="w" for="ch" forName="imageaccent3" refType="w" fact="0.0189"/>
-          <dgm:constr type="h" for="ch" forName="imageaccent3" refType="h" fact="0.031"/>
-          <dgm:constr type="l" for="ch" forName="textaccent4" refType="w" fact="0.5596"/>
-          <dgm:constr type="t" for="ch" forName="textaccent4" refType="h" fact="0.2637"/>
-          <dgm:constr type="w" for="ch" forName="textaccent4" refType="w" fact="0.0189"/>
-          <dgm:constr type="h" for="ch" forName="textaccent4" refType="h" fact="0.031"/>
-          <dgm:constr type="l" for="ch" forName="imageaccent4" refType="w" fact="0.5905"/>
-          <dgm:constr type="t" for="ch" forName="imageaccent4" refType="h" fact="0.3"/>
-          <dgm:constr type="w" for="ch" forName="imageaccent4" refType="w" fact="0.0189"/>
-          <dgm:constr type="h" for="ch" forName="imageaccent4" refType="h" fact="0.031"/>
-          <dgm:constr type="l" for="ch" forName="textaccent5" refType="w" fact="0.6993"/>
-          <dgm:constr type="t" for="ch" forName="textaccent5" refType="h" fact="0.1214"/>
-          <dgm:constr type="w" for="ch" forName="textaccent5" refType="w" fact="0.0189"/>
-          <dgm:constr type="h" for="ch" forName="textaccent5" refType="h" fact="0.031"/>
-          <dgm:constr type="l" for="ch" forName="imageaccent5" refType="w" fact="0.731"/>
-          <dgm:constr type="t" for="ch" forName="imageaccent5" refType="h" fact="0.1563"/>
-          <dgm:constr type="w" for="ch" forName="imageaccent5" refType="w" fact="0.0189"/>
-          <dgm:constr type="h" for="ch" forName="imageaccent5" refType="h" fact="0.031"/>
-          <dgm:constr type="l" for="ch" forName="image6" refType="w" fact="0.5589"/>
-          <dgm:constr type="t" for="ch" forName="image6" refType="h" fact="0.5872"/>
-          <dgm:constr type="w" for="ch" forName="image6" refType="w" fact="0.1624"/>
-          <dgm:constr type="h" for="ch" forName="image6" refType="h" fact="0.2645"/>
-          <dgm:constr type="l" for="ch" forName="text6" refType="w" fact="0.6986"/>
-          <dgm:constr type="t" for="ch" forName="text6" refType="h" fact="0.4424"/>
-          <dgm:constr type="w" for="ch" forName="text6" refType="w" fact="0.1624"/>
-          <dgm:constr type="h" for="ch" forName="text6" refType="h" fact="0.2645"/>
-          <dgm:constr type="l" for="ch" forName="imageaccent6" refType="w" fact="0.7007"/>
-          <dgm:constr type="t" for="ch" forName="imageaccent6" refType="h" fact="0.7033"/>
-          <dgm:constr type="w" for="ch" forName="imageaccent6" refType="w" fact="0.0189"/>
-          <dgm:constr type="h" for="ch" forName="imageaccent6" refType="h" fact="0.031"/>
-          <dgm:constr type="l" for="ch" forName="textaccent6" refType="w" fact="0.7308"/>
-          <dgm:constr type="t" for="ch" forName="textaccent6" refType="h" fact="0.6741"/>
-          <dgm:constr type="w" for="ch" forName="textaccent6" refType="w" fact="0.0189"/>
-          <dgm:constr type="h" for="ch" forName="textaccent6" refType="h" fact="0.031"/>
-          <dgm:constr type="l" for="ch" forName="text7" refType="w" fact="0.2793"/>
-          <dgm:constr type="t" for="ch" forName="text7" refType="h" fact="0.5856"/>
-          <dgm:constr type="w" for="ch" forName="text7" refType="w" fact="0.1624"/>
-          <dgm:constr type="h" for="ch" forName="text7" refType="h" fact="0.2645"/>
-          <dgm:constr type="l" for="ch" forName="image7" refType="w" fact="0.1396"/>
-          <dgm:constr type="t" for="ch" forName="image7" refType="h" fact="0.7326"/>
-          <dgm:constr type="w" for="ch" forName="image7" refType="w" fact="0.1624"/>
-          <dgm:constr type="h" for="ch" forName="image7" refType="h" fact="0.2645"/>
-          <dgm:constr type="l" for="ch" forName="imageaccent7" refType="w" fact="0.2501"/>
-          <dgm:constr type="t" for="ch" forName="imageaccent7" refType="h" fact="0.7363"/>
-          <dgm:constr type="w" for="ch" forName="imageaccent7" refType="w" fact="0.0189"/>
-          <dgm:constr type="h" for="ch" forName="imageaccent7" refType="h" fact="0.031"/>
-          <dgm:constr type="l" for="ch" forName="textaccent7" refType="w" fact="0.284"/>
-          <dgm:constr type="t" for="ch" forName="textaccent7" refType="h" fact="0.7028"/>
-          <dgm:constr type="w" for="ch" forName="textaccent7" refType="w" fact="0.0189"/>
-          <dgm:constr type="h" for="ch" forName="textaccent7" refType="h" fact="0.031"/>
-          <dgm:constr type="l" for="ch" forName="image8" refType="w" fact="0.6979"/>
-          <dgm:constr type="t" for="ch" forName="image8" refType="h" fact="0.7355"/>
-          <dgm:constr type="w" for="ch" forName="image8" refType="w" fact="0.1624"/>
-          <dgm:constr type="h" for="ch" forName="image8" refType="h" fact="0.2645"/>
-          <dgm:constr type="l" for="ch" forName="text8" refType="w" fact="0.8376"/>
-          <dgm:constr type="t" for="ch" forName="text8" refType="h" fact="0.5906"/>
-          <dgm:constr type="w" for="ch" forName="text8" refType="w" fact="0.1624"/>
-          <dgm:constr type="h" for="ch" forName="text8" refType="h" fact="0.2645"/>
-          <dgm:constr type="l" for="ch" forName="imageaccent8" refType="w" fact="0.8397"/>
-          <dgm:constr type="t" for="ch" forName="imageaccent8" refType="h" fact="0.8516"/>
-          <dgm:constr type="w" for="ch" forName="imageaccent8" refType="w" fact="0.0189"/>
-          <dgm:constr type="h" for="ch" forName="imageaccent8" refType="h" fact="0.031"/>
-          <dgm:constr type="l" for="ch" forName="textaccent8" refType="w" fact="0.8698"/>
-          <dgm:constr type="t" for="ch" forName="textaccent8" refType="h" fact="0.8223"/>
-          <dgm:constr type="w" for="ch" forName="textaccent8" refType="w" fact="0.0189"/>
-          <dgm:constr type="h" for="ch" forName="textaccent8" refType="h" fact="0.031"/>
-        </dgm:constrLst>
-      </dgm:if>
-      <dgm:if name="Name10" axis="ch" ptType="node" func="cnt" op="equ" val="9">
-        <dgm:alg type="composite">
-          <dgm:param type="ar" val="1.8986"/>
-        </dgm:alg>
-        <dgm:constrLst>
-          <dgm:constr type="primFontSz" for="des" ptType="node" op="equ" val="65"/>
-          <dgm:constr type="l" for="ch" forName="image4" refType="w" fact="0.5585"/>
-          <dgm:constr type="t" for="ch" forName="image4" refType="h" fact="0.2952"/>
-          <dgm:constr type="w" for="ch" forName="image4" refType="w" fact="0.1623"/>
-          <dgm:constr type="h" for="ch" forName="image4" refType="h" fact="0.2645"/>
-          <dgm:constr type="l" for="ch" forName="text5" refType="w" fact="0.5585"/>
-          <dgm:constr type="t" for="ch" forName="text5" refType="h" fact="0.0028"/>
-          <dgm:constr type="w" for="ch" forName="text5" refType="w" fact="0.1623"/>
-          <dgm:constr type="h" for="ch" forName="text5" refType="h" fact="0.2645"/>
-          <dgm:constr type="l" for="ch" forName="image5" refType="w" fact="0.6982"/>
-          <dgm:constr type="t" for="ch" forName="image5" refType="h" fact="0.1504"/>
-          <dgm:constr type="w" for="ch" forName="image5" refType="w" fact="0.1623"/>
-          <dgm:constr type="h" for="ch" forName="image5" refType="h" fact="0.2645"/>
-          <dgm:constr type="l" for="ch" forName="image2" refType="w" fact="0.4189"/>
-          <dgm:constr type="t" for="ch" forName="image2" refType="h" fact="0.439"/>
-          <dgm:constr type="w" for="ch" forName="image2" refType="w" fact="0.1623"/>
-          <dgm:constr type="h" for="ch" forName="image2" refType="h" fact="0.2645"/>
-          <dgm:constr type="l" for="ch" forName="text4" refType="w" fact="0.4189"/>
-          <dgm:constr type="t" for="ch" forName="text4" refType="h" fact="0.1465"/>
-          <dgm:constr type="w" for="ch" forName="text4" refType="w" fact="0.1623"/>
-          <dgm:constr type="h" for="ch" forName="text4" refType="h" fact="0.2645"/>
-          <dgm:constr type="l" for="ch" forName="text2" refType="w" fact="0.2793"/>
-          <dgm:constr type="t" for="ch" forName="text2" refType="h" fact="0.2925"/>
-          <dgm:constr type="w" for="ch" forName="text2" refType="w" fact="0.1623"/>
-          <dgm:constr type="h" for="ch" forName="text2" refType="h" fact="0.2645"/>
-          <dgm:constr type="l" for="ch" forName="image3" refType="w" fact="0.2793"/>
-          <dgm:constr type="t" for="ch" forName="image3" refType="h" fact="0"/>
-          <dgm:constr type="w" for="ch" forName="image3" refType="w" fact="0.1623"/>
-          <dgm:constr type="h" for="ch" forName="image3" refType="h" fact="0.2645"/>
-          <dgm:constr type="l" for="ch" forName="text1" refType="w" fact="0.1396"/>
-          <dgm:constr type="t" for="ch" forName="text1" refType="h" fact="0.4395"/>
-          <dgm:constr type="w" for="ch" forName="text1" refType="w" fact="0.1623"/>
-          <dgm:constr type="h" for="ch" forName="text1" refType="h" fact="0.2645"/>
-          <dgm:constr type="l" for="ch" forName="text3" refType="w" fact="0.1396"/>
-          <dgm:constr type="t" for="ch" forName="text3" refType="h" fact="0.1471"/>
-          <dgm:constr type="w" for="ch" forName="text3" refType="w" fact="0.1623"/>
-          <dgm:constr type="h" for="ch" forName="text3" refType="h" fact="0.2645"/>
-          <dgm:constr type="l" for="ch" forName="textaccent1" refType="w" fact="0.1435"/>
-          <dgm:constr type="t" for="ch" forName="textaccent1" refType="h" fact="0.5578"/>
-          <dgm:constr type="w" for="ch" forName="textaccent1" refType="w" fact="0.0189"/>
-          <dgm:constr type="h" for="ch" forName="textaccent1" refType="h" fact="0.031"/>
-          <dgm:constr type="l" for="ch" forName="image1" refType="w" fact="0"/>
-          <dgm:constr type="t" for="ch" forName="image1" refType="h" fact="0.2933"/>
-          <dgm:constr type="w" for="ch" forName="image1" refType="w" fact="0.1623"/>
-          <dgm:constr type="h" for="ch" forName="image1" refType="h" fact="0.2645"/>
-          <dgm:constr type="l" for="ch" forName="imageaccent1" refType="w" fact="0.1111"/>
-          <dgm:constr type="t" for="ch" forName="imageaccent1" refType="h" fact="0.5227"/>
-          <dgm:constr type="w" for="ch" forName="imageaccent1" refType="w" fact="0.0189"/>
-          <dgm:constr type="h" for="ch" forName="imageaccent1" refType="h" fact="0.031"/>
-          <dgm:constr type="l" for="ch" forName="textaccent2" refType="w" fact="0.391"/>
-          <dgm:constr type="t" for="ch" forName="textaccent2" refType="h" fact="0.5213"/>
-          <dgm:constr type="w" for="ch" forName="textaccent2" refType="w" fact="0.0189"/>
-          <dgm:constr type="h" for="ch" forName="textaccent2" refType="h" fact="0.031"/>
-          <dgm:constr type="l" for="ch" forName="imageaccent2" refType="w" fact="0.4228"/>
-          <dgm:constr type="t" for="ch" forName="imageaccent2" refType="h" fact="0.5567"/>
-          <dgm:constr type="w" for="ch" forName="imageaccent2" refType="w" fact="0.0189"/>
-          <dgm:constr type="h" for="ch" forName="imageaccent2" refType="h" fact="0.031"/>
-          <dgm:constr type="l" for="ch" forName="textaccent3" refType="w" fact="0.2501"/>
-          <dgm:constr type="t" for="ch" forName="textaccent3" refType="h" fact="0.1507"/>
-          <dgm:constr type="w" for="ch" forName="textaccent3" refType="w" fact="0.0189"/>
-          <dgm:constr type="h" for="ch" forName="textaccent3" refType="h" fact="0.031"/>
-          <dgm:constr type="l" for="ch" forName="imageaccent3" refType="w" fact="0.2839"/>
-          <dgm:constr type="t" for="ch" forName="imageaccent3" refType="h" fact="0.1172"/>
-          <dgm:constr type="w" for="ch" forName="imageaccent3" refType="w" fact="0.0189"/>
-          <dgm:constr type="h" for="ch" forName="imageaccent3" refType="h" fact="0.031"/>
-          <dgm:constr type="l" for="ch" forName="textaccent4" refType="w" fact="0.5593"/>
-          <dgm:constr type="t" for="ch" forName="textaccent4" refType="h" fact="0.2637"/>
-          <dgm:constr type="w" for="ch" forName="textaccent4" refType="w" fact="0.0189"/>
-          <dgm:constr type="h" for="ch" forName="textaccent4" refType="h" fact="0.031"/>
-          <dgm:constr type="l" for="ch" forName="imageaccent4" refType="w" fact="0.5901"/>
-          <dgm:constr type="t" for="ch" forName="imageaccent4" refType="h" fact="0.3"/>
-          <dgm:constr type="w" for="ch" forName="imageaccent4" refType="w" fact="0.0189"/>
-          <dgm:constr type="h" for="ch" forName="imageaccent4" refType="h" fact="0.031"/>
-          <dgm:constr type="l" for="ch" forName="textaccent5" refType="w" fact="0.6989"/>
-          <dgm:constr type="t" for="ch" forName="textaccent5" refType="h" fact="0.1214"/>
-          <dgm:constr type="w" for="ch" forName="textaccent5" refType="w" fact="0.0189"/>
-          <dgm:constr type="h" for="ch" forName="textaccent5" refType="h" fact="0.031"/>
-          <dgm:constr type="l" for="ch" forName="imageaccent5" refType="w" fact="0.7305"/>
-          <dgm:constr type="t" for="ch" forName="imageaccent5" refType="h" fact="0.1563"/>
-          <dgm:constr type="w" for="ch" forName="imageaccent5" refType="w" fact="0.0189"/>
-          <dgm:constr type="h" for="ch" forName="imageaccent5" refType="h" fact="0.031"/>
-          <dgm:constr type="l" for="ch" forName="image6" refType="w" fact="0.5585"/>
-          <dgm:constr type="t" for="ch" forName="image6" refType="h" fact="0.5872"/>
-          <dgm:constr type="w" for="ch" forName="image6" refType="w" fact="0.1623"/>
-          <dgm:constr type="h" for="ch" forName="image6" refType="h" fact="0.2645"/>
-          <dgm:constr type="l" for="ch" forName="text6" refType="w" fact="0.6982"/>
-          <dgm:constr type="t" for="ch" forName="text6" refType="h" fact="0.4424"/>
-          <dgm:constr type="w" for="ch" forName="text6" refType="w" fact="0.1623"/>
-          <dgm:constr type="h" for="ch" forName="text6" refType="h" fact="0.2645"/>
-          <dgm:constr type="l" for="ch" forName="imageaccent6" refType="w" fact="0.7002"/>
-          <dgm:constr type="t" for="ch" forName="imageaccent6" refType="h" fact="0.7033"/>
-          <dgm:constr type="w" for="ch" forName="imageaccent6" refType="w" fact="0.0189"/>
-          <dgm:constr type="h" for="ch" forName="imageaccent6" refType="h" fact="0.031"/>
-          <dgm:constr type="l" for="ch" forName="textaccent6" refType="w" fact="0.7303"/>
-          <dgm:constr type="t" for="ch" forName="textaccent6" refType="h" fact="0.6741"/>
-          <dgm:constr type="w" for="ch" forName="textaccent6" refType="w" fact="0.0189"/>
-          <dgm:constr type="h" for="ch" forName="textaccent6" refType="h" fact="0.031"/>
-          <dgm:constr type="l" for="ch" forName="text7" refType="w" fact="0.2792"/>
-          <dgm:constr type="t" for="ch" forName="text7" refType="h" fact="0.5856"/>
-          <dgm:constr type="w" for="ch" forName="text7" refType="w" fact="0.1623"/>
-          <dgm:constr type="h" for="ch" forName="text7" refType="h" fact="0.2645"/>
-          <dgm:constr type="l" for="ch" forName="image7" refType="w" fact="0.1395"/>
-          <dgm:constr type="t" for="ch" forName="image7" refType="h" fact="0.7326"/>
-          <dgm:constr type="w" for="ch" forName="image7" refType="w" fact="0.1623"/>
-          <dgm:constr type="h" for="ch" forName="image7" refType="h" fact="0.2645"/>
-          <dgm:constr type="l" for="ch" forName="imageaccent7" refType="w" fact="0.25"/>
-          <dgm:constr type="t" for="ch" forName="imageaccent7" refType="h" fact="0.7363"/>
-          <dgm:constr type="w" for="ch" forName="imageaccent7" refType="w" fact="0.0189"/>
-          <dgm:constr type="h" for="ch" forName="imageaccent7" refType="h" fact="0.031"/>
-          <dgm:constr type="l" for="ch" forName="textaccent7" refType="w" fact="0.2838"/>
-          <dgm:constr type="t" for="ch" forName="textaccent7" refType="h" fact="0.7028"/>
-          <dgm:constr type="w" for="ch" forName="textaccent7" refType="w" fact="0.0189"/>
-          <dgm:constr type="h" for="ch" forName="textaccent7" refType="h" fact="0.031"/>
-          <dgm:constr type="l" for="ch" forName="image8" refType="w" fact="0.6975"/>
-          <dgm:constr type="t" for="ch" forName="image8" refType="h" fact="0.7355"/>
-          <dgm:constr type="w" for="ch" forName="image8" refType="w" fact="0.1623"/>
-          <dgm:constr type="h" for="ch" forName="image8" refType="h" fact="0.2645"/>
-          <dgm:constr type="l" for="ch" forName="text8" refType="w" fact="0.8371"/>
-          <dgm:constr type="t" for="ch" forName="text8" refType="h" fact="0.5906"/>
-          <dgm:constr type="w" for="ch" forName="text8" refType="w" fact="0.1623"/>
-          <dgm:constr type="h" for="ch" forName="text8" refType="h" fact="0.2645"/>
-          <dgm:constr type="l" for="ch" forName="imageaccent8" refType="w" fact="0.8392"/>
-          <dgm:constr type="t" for="ch" forName="imageaccent8" refType="h" fact="0.8516"/>
-          <dgm:constr type="w" for="ch" forName="imageaccent8" refType="w" fact="0.0189"/>
-          <dgm:constr type="h" for="ch" forName="imageaccent8" refType="h" fact="0.031"/>
-          <dgm:constr type="l" for="ch" forName="textaccent8" refType="w" fact="0.8693"/>
-          <dgm:constr type="t" for="ch" forName="textaccent8" refType="h" fact="0.8223"/>
-          <dgm:constr type="w" for="ch" forName="textaccent8" refType="w" fact="0.0189"/>
-          <dgm:constr type="h" for="ch" forName="textaccent8" refType="h" fact="0.031"/>
-          <dgm:constr type="l" for="ch" forName="text9" refType="w" fact="0.8377"/>
-          <dgm:constr type="t" for="ch" forName="text9" refType="h" fact="0.0057"/>
-          <dgm:constr type="w" for="ch" forName="text9" refType="w" fact="0.1623"/>
-          <dgm:constr type="h" for="ch" forName="text9" refType="h" fact="0.2645"/>
-          <dgm:constr type="l" for="ch" forName="textaccent9" refType="w" fact="0.95"/>
-          <dgm:constr type="t" for="ch" forName="textaccent9" refType="h" fact="0.2383"/>
-          <dgm:constr type="w" for="ch" forName="textaccent9" refType="w" fact="0.0189"/>
-          <dgm:constr type="h" for="ch" forName="textaccent9" refType="h" fact="0.031"/>
-          <dgm:constr type="l" for="ch" forName="image9" refType="w" fact="0.8377"/>
-          <dgm:constr type="t" for="ch" forName="image9" refType="h" fact="0.2977"/>
-          <dgm:constr type="w" for="ch" forName="image9" refType="w" fact="0.1623"/>
-          <dgm:constr type="h" for="ch" forName="image9" refType="h" fact="0.2645"/>
-          <dgm:constr type="l" for="ch" forName="imageaccent9" refType="w" fact="0.95"/>
-          <dgm:constr type="t" for="ch" forName="imageaccent9" refType="h" fact="0.2993"/>
-          <dgm:constr type="w" for="ch" forName="imageaccent9" refType="w" fact="0.0189"/>
-          <dgm:constr type="h" for="ch" forName="imageaccent9" refType="h" fact="0.031"/>
-        </dgm:constrLst>
-      </dgm:if>
-      <dgm:if name="Name11" axis="ch" ptType="node" func="cnt" op="equ" val="10">
-        <dgm:alg type="composite">
-          <dgm:param type="ar" val="1.6608"/>
-        </dgm:alg>
-        <dgm:constrLst>
-          <dgm:constr type="primFontSz" for="des" ptType="node" op="equ" val="65"/>
-          <dgm:constr type="l" for="ch" forName="image4" refType="w" fact="0.5585"/>
-          <dgm:constr type="t" for="ch" forName="image4" refType="h" fact="0.2583"/>
-          <dgm:constr type="w" for="ch" forName="image4" refType="w" fact="0.1623"/>
-          <dgm:constr type="h" for="ch" forName="image4" refType="h" fact="0.2314"/>
-          <dgm:constr type="l" for="ch" forName="text5" refType="w" fact="0.5585"/>
-          <dgm:constr type="t" for="ch" forName="text5" refType="h" fact="0.0024"/>
-          <dgm:constr type="w" for="ch" forName="text5" refType="w" fact="0.1623"/>
-          <dgm:constr type="h" for="ch" forName="text5" refType="h" fact="0.2314"/>
-          <dgm:constr type="l" for="ch" forName="image5" refType="w" fact="0.6982"/>
-          <dgm:constr type="t" for="ch" forName="image5" refType="h" fact="0.1316"/>
-          <dgm:constr type="w" for="ch" forName="image5" refType="w" fact="0.1623"/>
-          <dgm:constr type="h" for="ch" forName="image5" refType="h" fact="0.2314"/>
-          <dgm:constr type="l" for="ch" forName="image2" refType="w" fact="0.4189"/>
-          <dgm:constr type="t" for="ch" forName="image2" refType="h" fact="0.384"/>
-          <dgm:constr type="w" for="ch" forName="image2" refType="w" fact="0.1623"/>
-          <dgm:constr type="h" for="ch" forName="image2" refType="h" fact="0.2314"/>
-          <dgm:constr type="l" for="ch" forName="text4" refType="w" fact="0.4189"/>
-          <dgm:constr type="t" for="ch" forName="text4" refType="h" fact="0.1282"/>
-          <dgm:constr type="w" for="ch" forName="text4" refType="w" fact="0.1623"/>
-          <dgm:constr type="h" for="ch" forName="text4" refType="h" fact="0.2314"/>
-          <dgm:constr type="l" for="ch" forName="text2" refType="w" fact="0.2793"/>
-          <dgm:constr type="t" for="ch" forName="text2" refType="h" fact="0.2558"/>
-          <dgm:constr type="w" for="ch" forName="text2" refType="w" fact="0.1623"/>
-          <dgm:constr type="h" for="ch" forName="text2" refType="h" fact="0.2314"/>
-          <dgm:constr type="l" for="ch" forName="image3" refType="w" fact="0.2793"/>
-          <dgm:constr type="t" for="ch" forName="image3" refType="h" fact="0"/>
-          <dgm:constr type="w" for="ch" forName="image3" refType="w" fact="0.1623"/>
-          <dgm:constr type="h" for="ch" forName="image3" refType="h" fact="0.2314"/>
-          <dgm:constr type="l" for="ch" forName="text1" refType="w" fact="0.1396"/>
-          <dgm:constr type="t" for="ch" forName="text1" refType="h" fact="0.3845"/>
-          <dgm:constr type="w" for="ch" forName="text1" refType="w" fact="0.1623"/>
-          <dgm:constr type="h" for="ch" forName="text1" refType="h" fact="0.2314"/>
-          <dgm:constr type="l" for="ch" forName="text3" refType="w" fact="0.1396"/>
-          <dgm:constr type="t" for="ch" forName="text3" refType="h" fact="0.1286"/>
-          <dgm:constr type="w" for="ch" forName="text3" refType="w" fact="0.1623"/>
-          <dgm:constr type="h" for="ch" forName="text3" refType="h" fact="0.2314"/>
-          <dgm:constr type="l" for="ch" forName="textaccent1" refType="w" fact="0.1435"/>
-          <dgm:constr type="t" for="ch" forName="textaccent1" refType="h" fact="0.488"/>
-          <dgm:constr type="w" for="ch" forName="textaccent1" refType="w" fact="0.0189"/>
-          <dgm:constr type="h" for="ch" forName="textaccent1" refType="h" fact="0.0271"/>
-          <dgm:constr type="l" for="ch" forName="image1" refType="w" fact="0"/>
-          <dgm:constr type="t" for="ch" forName="image1" refType="h" fact="0.2566"/>
-          <dgm:constr type="w" for="ch" forName="image1" refType="w" fact="0.1623"/>
-          <dgm:constr type="h" for="ch" forName="image1" refType="h" fact="0.2314"/>
-          <dgm:constr type="l" for="ch" forName="imageaccent1" refType="w" fact="0.1111"/>
-          <dgm:constr type="t" for="ch" forName="imageaccent1" refType="h" fact="0.4572"/>
-          <dgm:constr type="w" for="ch" forName="imageaccent1" refType="w" fact="0.0189"/>
-          <dgm:constr type="h" for="ch" forName="imageaccent1" refType="h" fact="0.0271"/>
-          <dgm:constr type="l" for="ch" forName="textaccent2" refType="w" fact="0.391"/>
-          <dgm:constr type="t" for="ch" forName="textaccent2" refType="h" fact="0.456"/>
-          <dgm:constr type="w" for="ch" forName="textaccent2" refType="w" fact="0.0189"/>
-          <dgm:constr type="h" for="ch" forName="textaccent2" refType="h" fact="0.0271"/>
-          <dgm:constr type="l" for="ch" forName="imageaccent2" refType="w" fact="0.4228"/>
-          <dgm:constr type="t" for="ch" forName="imageaccent2" refType="h" fact="0.487"/>
-          <dgm:constr type="w" for="ch" forName="imageaccent2" refType="w" fact="0.0189"/>
-          <dgm:constr type="h" for="ch" forName="imageaccent2" refType="h" fact="0.0271"/>
-          <dgm:constr type="l" for="ch" forName="textaccent3" refType="w" fact="0.2501"/>
-          <dgm:constr type="t" for="ch" forName="textaccent3" refType="h" fact="0.1318"/>
-          <dgm:constr type="w" for="ch" forName="textaccent3" refType="w" fact="0.0189"/>
-          <dgm:constr type="h" for="ch" forName="textaccent3" refType="h" fact="0.0271"/>
-          <dgm:constr type="l" for="ch" forName="imageaccent3" refType="w" fact="0.2839"/>
-          <dgm:constr type="t" for="ch" forName="imageaccent3" refType="h" fact="0.1025"/>
-          <dgm:constr type="w" for="ch" forName="imageaccent3" refType="w" fact="0.0189"/>
-          <dgm:constr type="h" for="ch" forName="imageaccent3" refType="h" fact="0.0271"/>
-          <dgm:constr type="l" for="ch" forName="textaccent4" refType="w" fact="0.5593"/>
-          <dgm:constr type="t" for="ch" forName="textaccent4" refType="h" fact="0.2307"/>
-          <dgm:constr type="w" for="ch" forName="textaccent4" refType="w" fact="0.0189"/>
-          <dgm:constr type="h" for="ch" forName="textaccent4" refType="h" fact="0.0271"/>
-          <dgm:constr type="l" for="ch" forName="imageaccent4" refType="w" fact="0.5901"/>
-          <dgm:constr type="t" for="ch" forName="imageaccent4" refType="h" fact="0.2624"/>
-          <dgm:constr type="w" for="ch" forName="imageaccent4" refType="w" fact="0.0189"/>
-          <dgm:constr type="h" for="ch" forName="imageaccent4" refType="h" fact="0.0271"/>
-          <dgm:constr type="l" for="ch" forName="textaccent5" refType="w" fact="0.6989"/>
-          <dgm:constr type="t" for="ch" forName="textaccent5" refType="h" fact="0.1062"/>
-          <dgm:constr type="w" for="ch" forName="textaccent5" refType="w" fact="0.0189"/>
-          <dgm:constr type="h" for="ch" forName="textaccent5" refType="h" fact="0.0271"/>
-          <dgm:constr type="l" for="ch" forName="imageaccent5" refType="w" fact="0.7305"/>
-          <dgm:constr type="t" for="ch" forName="imageaccent5" refType="h" fact="0.1367"/>
-          <dgm:constr type="w" for="ch" forName="imageaccent5" refType="w" fact="0.0189"/>
-          <dgm:constr type="h" for="ch" forName="imageaccent5" refType="h" fact="0.0271"/>
-          <dgm:constr type="l" for="ch" forName="image6" refType="w" fact="0.5585"/>
-          <dgm:constr type="t" for="ch" forName="image6" refType="h" fact="0.5137"/>
-          <dgm:constr type="w" for="ch" forName="image6" refType="w" fact="0.1623"/>
-          <dgm:constr type="h" for="ch" forName="image6" refType="h" fact="0.2314"/>
-          <dgm:constr type="l" for="ch" forName="text6" refType="w" fact="0.6982"/>
-          <dgm:constr type="t" for="ch" forName="text6" refType="h" fact="0.387"/>
-          <dgm:constr type="w" for="ch" forName="text6" refType="w" fact="0.1623"/>
-          <dgm:constr type="h" for="ch" forName="text6" refType="h" fact="0.2314"/>
-          <dgm:constr type="l" for="ch" forName="imageaccent6" refType="w" fact="0.7002"/>
-          <dgm:constr type="t" for="ch" forName="imageaccent6" refType="h" fact="0.6152"/>
-          <dgm:constr type="w" for="ch" forName="imageaccent6" refType="w" fact="0.0189"/>
-          <dgm:constr type="h" for="ch" forName="imageaccent6" refType="h" fact="0.0271"/>
-          <dgm:constr type="l" for="ch" forName="textaccent6" refType="w" fact="0.7303"/>
-          <dgm:constr type="t" for="ch" forName="textaccent6" refType="h" fact="0.5897"/>
-          <dgm:constr type="w" for="ch" forName="textaccent6" refType="w" fact="0.0189"/>
-          <dgm:constr type="h" for="ch" forName="textaccent6" refType="h" fact="0.0271"/>
-          <dgm:constr type="l" for="ch" forName="text7" refType="w" fact="0.2792"/>
-          <dgm:constr type="t" for="ch" forName="text7" refType="h" fact="0.5122"/>
-          <dgm:constr type="w" for="ch" forName="text7" refType="w" fact="0.1623"/>
-          <dgm:constr type="h" for="ch" forName="text7" refType="h" fact="0.2314"/>
-          <dgm:constr type="l" for="ch" forName="image7" refType="w" fact="0.1395"/>
-          <dgm:constr type="t" for="ch" forName="image7" refType="h" fact="0.6409"/>
-          <dgm:constr type="w" for="ch" forName="image7" refType="w" fact="0.1623"/>
-          <dgm:constr type="h" for="ch" forName="image7" refType="h" fact="0.2314"/>
-          <dgm:constr type="l" for="ch" forName="imageaccent7" refType="w" fact="0.25"/>
-          <dgm:constr type="t" for="ch" forName="imageaccent7" refType="h" fact="0.6441"/>
-          <dgm:constr type="w" for="ch" forName="imageaccent7" refType="w" fact="0.0189"/>
-          <dgm:constr type="h" for="ch" forName="imageaccent7" refType="h" fact="0.0271"/>
-          <dgm:constr type="l" for="ch" forName="textaccent7" refType="w" fact="0.2838"/>
-          <dgm:constr type="t" for="ch" forName="textaccent7" refType="h" fact="0.6148"/>
-          <dgm:constr type="w" for="ch" forName="textaccent7" refType="w" fact="0.0189"/>
-          <dgm:constr type="h" for="ch" forName="textaccent7" refType="h" fact="0.0271"/>
-          <dgm:constr type="l" for="ch" forName="image8" refType="w" fact="0.6975"/>
-          <dgm:constr type="t" for="ch" forName="image8" refType="h" fact="0.6433"/>
-          <dgm:constr type="w" for="ch" forName="image8" refType="w" fact="0.1623"/>
-          <dgm:constr type="h" for="ch" forName="image8" refType="h" fact="0.2314"/>
-          <dgm:constr type="l" for="ch" forName="text8" refType="w" fact="0.8371"/>
-          <dgm:constr type="t" for="ch" forName="text8" refType="h" fact="0.5167"/>
-          <dgm:constr type="w" for="ch" forName="text8" refType="w" fact="0.1623"/>
-          <dgm:constr type="h" for="ch" forName="text8" refType="h" fact="0.2314"/>
-          <dgm:constr type="l" for="ch" forName="imageaccent8" refType="w" fact="0.8392"/>
-          <dgm:constr type="t" for="ch" forName="imageaccent8" refType="h" fact="0.7449"/>
-          <dgm:constr type="w" for="ch" forName="imageaccent8" refType="w" fact="0.0189"/>
-          <dgm:constr type="h" for="ch" forName="imageaccent8" refType="h" fact="0.0271"/>
-          <dgm:constr type="l" for="ch" forName="textaccent8" refType="w" fact="0.8693"/>
-          <dgm:constr type="t" for="ch" forName="textaccent8" refType="h" fact="0.7194"/>
-          <dgm:constr type="w" for="ch" forName="textaccent8" refType="w" fact="0.0189"/>
-          <dgm:constr type="h" for="ch" forName="textaccent8" refType="h" fact="0.0271"/>
-          <dgm:constr type="l" for="ch" forName="text9" refType="w" fact="0.8377"/>
-          <dgm:constr type="t" for="ch" forName="text9" refType="h" fact="0.005"/>
-          <dgm:constr type="w" for="ch" forName="text9" refType="w" fact="0.1623"/>
-          <dgm:constr type="h" for="ch" forName="text9" refType="h" fact="0.2314"/>
-          <dgm:constr type="l" for="ch" forName="textaccent9" refType="w" fact="0.95"/>
-          <dgm:constr type="t" for="ch" forName="textaccent9" refType="h" fact="0.2084"/>
-          <dgm:constr type="w" for="ch" forName="textaccent9" refType="w" fact="0.0189"/>
-          <dgm:constr type="h" for="ch" forName="textaccent9" refType="h" fact="0.0271"/>
-          <dgm:constr type="l" for="ch" forName="image9" refType="w" fact="0.8377"/>
-          <dgm:constr type="t" for="ch" forName="image9" refType="h" fact="0.2604"/>
-          <dgm:constr type="w" for="ch" forName="image9" refType="w" fact="0.1623"/>
-          <dgm:constr type="h" for="ch" forName="image9" refType="h" fact="0.2314"/>
-          <dgm:constr type="l" for="ch" forName="imageaccent9" refType="w" fact="0.95"/>
-          <dgm:constr type="t" for="ch" forName="imageaccent9" refType="h" fact="0.2618"/>
-          <dgm:constr type="w" for="ch" forName="imageaccent9" refType="w" fact="0.0189"/>
-          <dgm:constr type="h" for="ch" forName="imageaccent9" refType="h" fact="0.0271"/>
-          <dgm:constr type="l" for="ch" forName="image10" refType="w" fact="0.2786"/>
-          <dgm:constr type="t" for="ch" forName="image10" refType="h" fact="0.7686"/>
-          <dgm:constr type="w" for="ch" forName="image10" refType="w" fact="0.1623"/>
-          <dgm:constr type="h" for="ch" forName="image10" refType="h" fact="0.2314"/>
-          <dgm:constr type="l" for="ch" forName="text10" refType="w" fact="0.4183"/>
-          <dgm:constr type="t" for="ch" forName="text10" refType="h" fact="0.6419"/>
-          <dgm:constr type="w" for="ch" forName="text10" refType="w" fact="0.1623"/>
-          <dgm:constr type="h" for="ch" forName="text10" refType="h" fact="0.2314"/>
-          <dgm:constr type="l" for="ch" forName="imageaccent10" refType="w" fact="0.4203"/>
-          <dgm:constr type="t" for="ch" forName="imageaccent10" refType="h" fact="0.8701"/>
-          <dgm:constr type="w" for="ch" forName="imageaccent10" refType="w" fact="0.0189"/>
-          <dgm:constr type="h" for="ch" forName="imageaccent10" refType="h" fact="0.0271"/>
-          <dgm:constr type="l" for="ch" forName="textaccent10" refType="w" fact="0.4504"/>
-          <dgm:constr type="t" for="ch" forName="textaccent10" refType="h" fact="0.8446"/>
-          <dgm:constr type="w" for="ch" forName="textaccent10" refType="w" fact="0.0189"/>
-          <dgm:constr type="h" for="ch" forName="textaccent10" refType="h" fact="0.0271"/>
-        </dgm:constrLst>
-      </dgm:if>
-      <dgm:if name="Name12" axis="ch" ptType="node" func="cnt" op="equ" val="11">
-        <dgm:alg type="composite">
-          <dgm:param type="ar" val="1.4704"/>
-        </dgm:alg>
-        <dgm:constrLst>
-          <dgm:constr type="primFontSz" for="des" ptType="node" op="equ" val="65"/>
-          <dgm:constr type="l" for="ch" forName="image4" refType="w" fact="0.5585"/>
-          <dgm:constr type="t" for="ch" forName="image4" refType="h" fact="0.2287"/>
-          <dgm:constr type="w" for="ch" forName="image4" refType="w" fact="0.1623"/>
-          <dgm:constr type="h" for="ch" forName="image4" refType="h" fact="0.2049"/>
-          <dgm:constr type="l" for="ch" forName="text5" refType="w" fact="0.5585"/>
-          <dgm:constr type="t" for="ch" forName="text5" refType="h" fact="0.0022"/>
-          <dgm:constr type="w" for="ch" forName="text5" refType="w" fact="0.1623"/>
-          <dgm:constr type="h" for="ch" forName="text5" refType="h" fact="0.2049"/>
-          <dgm:constr type="l" for="ch" forName="image5" refType="w" fact="0.6982"/>
-          <dgm:constr type="t" for="ch" forName="image5" refType="h" fact="0.1165"/>
-          <dgm:constr type="w" for="ch" forName="image5" refType="w" fact="0.1623"/>
-          <dgm:constr type="h" for="ch" forName="image5" refType="h" fact="0.2049"/>
-          <dgm:constr type="l" for="ch" forName="image2" refType="w" fact="0.4189"/>
-          <dgm:constr type="t" for="ch" forName="image2" refType="h" fact="0.34"/>
-          <dgm:constr type="w" for="ch" forName="image2" refType="w" fact="0.1623"/>
-          <dgm:constr type="h" for="ch" forName="image2" refType="h" fact="0.2049"/>
-          <dgm:constr type="l" for="ch" forName="text4" refType="w" fact="0.4189"/>
-          <dgm:constr type="t" for="ch" forName="text4" refType="h" fact="0.1135"/>
-          <dgm:constr type="w" for="ch" forName="text4" refType="w" fact="0.1623"/>
-          <dgm:constr type="h" for="ch" forName="text4" refType="h" fact="0.2049"/>
-          <dgm:constr type="l" for="ch" forName="text2" refType="w" fact="0.2793"/>
-          <dgm:constr type="t" for="ch" forName="text2" refType="h" fact="0.2265"/>
-          <dgm:constr type="w" for="ch" forName="text2" refType="w" fact="0.1623"/>
-          <dgm:constr type="h" for="ch" forName="text2" refType="h" fact="0.2049"/>
-          <dgm:constr type="l" for="ch" forName="image3" refType="w" fact="0.2793"/>
-          <dgm:constr type="t" for="ch" forName="image3" refType="h" fact="0"/>
-          <dgm:constr type="w" for="ch" forName="image3" refType="w" fact="0.1623"/>
-          <dgm:constr type="h" for="ch" forName="image3" refType="h" fact="0.2049"/>
-          <dgm:constr type="l" for="ch" forName="text1" refType="w" fact="0.1396"/>
-          <dgm:constr type="t" for="ch" forName="text1" refType="h" fact="0.3404"/>
-          <dgm:constr type="w" for="ch" forName="text1" refType="w" fact="0.1623"/>
-          <dgm:constr type="h" for="ch" forName="text1" refType="h" fact="0.2049"/>
-          <dgm:constr type="l" for="ch" forName="text3" refType="w" fact="0.1396"/>
-          <dgm:constr type="t" for="ch" forName="text3" refType="h" fact="0.1139"/>
-          <dgm:constr type="w" for="ch" forName="text3" refType="w" fact="0.1623"/>
-          <dgm:constr type="h" for="ch" forName="text3" refType="h" fact="0.2049"/>
-          <dgm:constr type="l" for="ch" forName="textaccent1" refType="w" fact="0.1435"/>
-          <dgm:constr type="t" for="ch" forName="textaccent1" refType="h" fact="0.432"/>
-          <dgm:constr type="w" for="ch" forName="textaccent1" refType="w" fact="0.0189"/>
-          <dgm:constr type="h" for="ch" forName="textaccent1" refType="h" fact="0.024"/>
-          <dgm:constr type="l" for="ch" forName="image1" refType="w" fact="0"/>
-          <dgm:constr type="t" for="ch" forName="image1" refType="h" fact="0.2272"/>
-          <dgm:constr type="w" for="ch" forName="image1" refType="w" fact="0.1623"/>
-          <dgm:constr type="h" for="ch" forName="image1" refType="h" fact="0.2049"/>
-          <dgm:constr type="l" for="ch" forName="imageaccent1" refType="w" fact="0.1111"/>
-          <dgm:constr type="t" for="ch" forName="imageaccent1" refType="h" fact="0.4048"/>
-          <dgm:constr type="w" for="ch" forName="imageaccent1" refType="w" fact="0.0189"/>
-          <dgm:constr type="h" for="ch" forName="imageaccent1" refType="h" fact="0.024"/>
-          <dgm:constr type="l" for="ch" forName="textaccent2" refType="w" fact="0.391"/>
-          <dgm:constr type="t" for="ch" forName="textaccent2" refType="h" fact="0.4038"/>
-          <dgm:constr type="w" for="ch" forName="textaccent2" refType="w" fact="0.0189"/>
-          <dgm:constr type="h" for="ch" forName="textaccent2" refType="h" fact="0.024"/>
-          <dgm:constr type="l" for="ch" forName="imageaccent2" refType="w" fact="0.4228"/>
-          <dgm:constr type="t" for="ch" forName="imageaccent2" refType="h" fact="0.4312"/>
-          <dgm:constr type="w" for="ch" forName="imageaccent2" refType="w" fact="0.0189"/>
-          <dgm:constr type="h" for="ch" forName="imageaccent2" refType="h" fact="0.024"/>
-          <dgm:constr type="l" for="ch" forName="textaccent3" refType="w" fact="0.2501"/>
-          <dgm:constr type="t" for="ch" forName="textaccent3" refType="h" fact="0.1167"/>
-          <dgm:constr type="w" for="ch" forName="textaccent3" refType="w" fact="0.0189"/>
-          <dgm:constr type="h" for="ch" forName="textaccent3" refType="h" fact="0.024"/>
-          <dgm:constr type="l" for="ch" forName="imageaccent3" refType="w" fact="0.2839"/>
-          <dgm:constr type="t" for="ch" forName="imageaccent3" refType="h" fact="0.0908"/>
-          <dgm:constr type="w" for="ch" forName="imageaccent3" refType="w" fact="0.0189"/>
-          <dgm:constr type="h" for="ch" forName="imageaccent3" refType="h" fact="0.024"/>
-          <dgm:constr type="l" for="ch" forName="textaccent4" refType="w" fact="0.5593"/>
-          <dgm:constr type="t" for="ch" forName="textaccent4" refType="h" fact="0.2042"/>
-          <dgm:constr type="w" for="ch" forName="textaccent4" refType="w" fact="0.0189"/>
-          <dgm:constr type="h" for="ch" forName="textaccent4" refType="h" fact="0.024"/>
-          <dgm:constr type="l" for="ch" forName="imageaccent4" refType="w" fact="0.5901"/>
-          <dgm:constr type="t" for="ch" forName="imageaccent4" refType="h" fact="0.2323"/>
-          <dgm:constr type="w" for="ch" forName="imageaccent4" refType="w" fact="0.0189"/>
-          <dgm:constr type="h" for="ch" forName="imageaccent4" refType="h" fact="0.024"/>
-          <dgm:constr type="l" for="ch" forName="textaccent5" refType="w" fact="0.6989"/>
-          <dgm:constr type="t" for="ch" forName="textaccent5" refType="h" fact="0.094"/>
-          <dgm:constr type="w" for="ch" forName="textaccent5" refType="w" fact="0.0189"/>
-          <dgm:constr type="h" for="ch" forName="textaccent5" refType="h" fact="0.024"/>
-          <dgm:constr type="l" for="ch" forName="imageaccent5" refType="w" fact="0.7305"/>
-          <dgm:constr type="t" for="ch" forName="imageaccent5" refType="h" fact="0.121"/>
-          <dgm:constr type="w" for="ch" forName="imageaccent5" refType="w" fact="0.0189"/>
-          <dgm:constr type="h" for="ch" forName="imageaccent5" refType="h" fact="0.024"/>
-          <dgm:constr type="l" for="ch" forName="image6" refType="w" fact="0.5585"/>
-          <dgm:constr type="t" for="ch" forName="image6" refType="h" fact="0.4548"/>
-          <dgm:constr type="w" for="ch" forName="image6" refType="w" fact="0.1623"/>
-          <dgm:constr type="h" for="ch" forName="image6" refType="h" fact="0.2049"/>
-          <dgm:constr type="l" for="ch" forName="text6" refType="w" fact="0.6982"/>
-          <dgm:constr type="t" for="ch" forName="text6" refType="h" fact="0.3426"/>
-          <dgm:constr type="w" for="ch" forName="text6" refType="w" fact="0.1623"/>
-          <dgm:constr type="h" for="ch" forName="text6" refType="h" fact="0.2049"/>
-          <dgm:constr type="l" for="ch" forName="imageaccent6" refType="w" fact="0.7002"/>
-          <dgm:constr type="t" for="ch" forName="imageaccent6" refType="h" fact="0.5447"/>
-          <dgm:constr type="w" for="ch" forName="imageaccent6" refType="w" fact="0.0189"/>
-          <dgm:constr type="h" for="ch" forName="imageaccent6" refType="h" fact="0.024"/>
-          <dgm:constr type="l" for="ch" forName="textaccent6" refType="w" fact="0.7303"/>
-          <dgm:constr type="t" for="ch" forName="textaccent6" refType="h" fact="0.5221"/>
-          <dgm:constr type="w" for="ch" forName="textaccent6" refType="w" fact="0.0189"/>
-          <dgm:constr type="h" for="ch" forName="textaccent6" refType="h" fact="0.024"/>
-          <dgm:constr type="l" for="ch" forName="text7" refType="w" fact="0.2792"/>
-          <dgm:constr type="t" for="ch" forName="text7" refType="h" fact="0.4535"/>
-          <dgm:constr type="w" for="ch" forName="text7" refType="w" fact="0.1623"/>
-          <dgm:constr type="h" for="ch" forName="text7" refType="h" fact="0.2049"/>
-          <dgm:constr type="l" for="ch" forName="image7" refType="w" fact="0.1395"/>
-          <dgm:constr type="t" for="ch" forName="image7" refType="h" fact="0.5674"/>
-          <dgm:constr type="w" for="ch" forName="image7" refType="w" fact="0.1623"/>
-          <dgm:constr type="h" for="ch" forName="image7" refType="h" fact="0.2049"/>
-          <dgm:constr type="l" for="ch" forName="imageaccent7" refType="w" fact="0.25"/>
-          <dgm:constr type="t" for="ch" forName="imageaccent7" refType="h" fact="0.5703"/>
-          <dgm:constr type="w" for="ch" forName="imageaccent7" refType="w" fact="0.0189"/>
-          <dgm:constr type="h" for="ch" forName="imageaccent7" refType="h" fact="0.024"/>
-          <dgm:constr type="l" for="ch" forName="textaccent7" refType="w" fact="0.2838"/>
-          <dgm:constr type="t" for="ch" forName="textaccent7" refType="h" fact="0.5443"/>
-          <dgm:constr type="w" for="ch" forName="textaccent7" refType="w" fact="0.0189"/>
-          <dgm:constr type="h" for="ch" forName="textaccent7" refType="h" fact="0.024"/>
-          <dgm:constr type="l" for="ch" forName="image8" refType="w" fact="0.6975"/>
-          <dgm:constr type="t" for="ch" forName="image8" refType="h" fact="0.5696"/>
-          <dgm:constr type="w" for="ch" forName="image8" refType="w" fact="0.1623"/>
-          <dgm:constr type="h" for="ch" forName="image8" refType="h" fact="0.2049"/>
-          <dgm:constr type="l" for="ch" forName="text8" refType="w" fact="0.8371"/>
-          <dgm:constr type="t" for="ch" forName="text8" refType="h" fact="0.4574"/>
-          <dgm:constr type="w" for="ch" forName="text8" refType="w" fact="0.1623"/>
-          <dgm:constr type="h" for="ch" forName="text8" refType="h" fact="0.2049"/>
-          <dgm:constr type="l" for="ch" forName="imageaccent8" refType="w" fact="0.8392"/>
-          <dgm:constr type="t" for="ch" forName="imageaccent8" refType="h" fact="0.6595"/>
-          <dgm:constr type="w" for="ch" forName="imageaccent8" refType="w" fact="0.0189"/>
-          <dgm:constr type="h" for="ch" forName="imageaccent8" refType="h" fact="0.024"/>
-          <dgm:constr type="l" for="ch" forName="textaccent8" refType="w" fact="0.8693"/>
-          <dgm:constr type="t" for="ch" forName="textaccent8" refType="h" fact="0.6369"/>
-          <dgm:constr type="w" for="ch" forName="textaccent8" refType="w" fact="0.0189"/>
-          <dgm:constr type="h" for="ch" forName="textaccent8" refType="h" fact="0.024"/>
-          <dgm:constr type="l" for="ch" forName="text9" refType="w" fact="0.8377"/>
-          <dgm:constr type="t" for="ch" forName="text9" refType="h" fact="0.0044"/>
-          <dgm:constr type="w" for="ch" forName="text9" refType="w" fact="0.1623"/>
-          <dgm:constr type="h" for="ch" forName="text9" refType="h" fact="0.2049"/>
-          <dgm:constr type="l" for="ch" forName="textaccent9" refType="w" fact="0.95"/>
-          <dgm:constr type="t" for="ch" forName="textaccent9" refType="h" fact="0.1846"/>
-          <dgm:constr type="w" for="ch" forName="textaccent9" refType="w" fact="0.0189"/>
-          <dgm:constr type="h" for="ch" forName="textaccent9" refType="h" fact="0.024"/>
-          <dgm:constr type="l" for="ch" forName="image9" refType="w" fact="0.8377"/>
-          <dgm:constr type="t" for="ch" forName="image9" refType="h" fact="0.2306"/>
-          <dgm:constr type="w" for="ch" forName="image9" refType="w" fact="0.1623"/>
-          <dgm:constr type="h" for="ch" forName="image9" refType="h" fact="0.2049"/>
-          <dgm:constr type="l" for="ch" forName="imageaccent9" refType="w" fact="0.95"/>
-          <dgm:constr type="t" for="ch" forName="imageaccent9" refType="h" fact="0.2318"/>
-          <dgm:constr type="w" for="ch" forName="imageaccent9" refType="w" fact="0.0189"/>
-          <dgm:constr type="h" for="ch" forName="imageaccent9" refType="h" fact="0.024"/>
-          <dgm:constr type="l" for="ch" forName="image10" refType="w" fact="0.2786"/>
-          <dgm:constr type="t" for="ch" forName="image10" refType="h" fact="0.6805"/>
-          <dgm:constr type="w" for="ch" forName="image10" refType="w" fact="0.1623"/>
-          <dgm:constr type="h" for="ch" forName="image10" refType="h" fact="0.2049"/>
-          <dgm:constr type="l" for="ch" forName="text10" refType="w" fact="0.4183"/>
-          <dgm:constr type="t" for="ch" forName="text10" refType="h" fact="0.5683"/>
-          <dgm:constr type="w" for="ch" forName="text10" refType="w" fact="0.1623"/>
-          <dgm:constr type="h" for="ch" forName="text10" refType="h" fact="0.2049"/>
-          <dgm:constr type="l" for="ch" forName="imageaccent10" refType="w" fact="0.4203"/>
-          <dgm:constr type="t" for="ch" forName="imageaccent10" refType="h" fact="0.7704"/>
-          <dgm:constr type="w" for="ch" forName="imageaccent10" refType="w" fact="0.0189"/>
-          <dgm:constr type="h" for="ch" forName="imageaccent10" refType="h" fact="0.024"/>
-          <dgm:constr type="l" for="ch" forName="textaccent10" refType="w" fact="0.4504"/>
-          <dgm:constr type="t" for="ch" forName="textaccent10" refType="h" fact="0.7478"/>
-          <dgm:constr type="w" for="ch" forName="textaccent10" refType="w" fact="0.0189"/>
-          <dgm:constr type="h" for="ch" forName="textaccent10" refType="h" fact="0.024"/>
-          <dgm:constr type="l" for="ch" forName="text11" refType="w" fact="0.6971"/>
-          <dgm:constr type="t" for="ch" forName="text11" refType="h" fact="0.7951"/>
-          <dgm:constr type="w" for="ch" forName="text11" refType="w" fact="0.1623"/>
-          <dgm:constr type="h" for="ch" forName="text11" refType="h" fact="0.2049"/>
-          <dgm:constr type="l" for="ch" forName="image11" refType="w" fact="0.5575"/>
-          <dgm:constr type="t" for="ch" forName="image11" refType="h" fact="0.6816"/>
-          <dgm:constr type="w" for="ch" forName="image11" refType="w" fact="0.1623"/>
-          <dgm:constr type="h" for="ch" forName="image11" refType="h" fact="0.2049"/>
-          <dgm:constr type="l" for="ch" forName="imageaccent11" refType="w" fact="0.6692"/>
-          <dgm:constr type="t" for="ch" forName="imageaccent11" refType="h" fact="0.8589"/>
-          <dgm:constr type="w" for="ch" forName="imageaccent11" refType="w" fact="0.0189"/>
-          <dgm:constr type="h" for="ch" forName="imageaccent11" refType="h" fact="0.024"/>
-          <dgm:constr type="l" for="ch" forName="textaccent11" refType="w" fact="0.701"/>
-          <dgm:constr type="t" for="ch" forName="textaccent11" refType="h" fact="0.8863"/>
-          <dgm:constr type="w" for="ch" forName="textaccent11" refType="w" fact="0.0189"/>
-          <dgm:constr type="h" for="ch" forName="textaccent11" refType="h" fact="0.024"/>
-        </dgm:constrLst>
-      </dgm:if>
-      <dgm:else name="Name13">
-        <dgm:alg type="composite">
-          <dgm:param type="ar" val="1.675"/>
-        </dgm:alg>
-        <dgm:constrLst>
-          <dgm:constr type="primFontSz" for="des" ptType="node" op="equ" val="65"/>
-          <dgm:constr type="l" for="ch" forName="image4" refType="w" fact="0.4903"/>
-          <dgm:constr type="t" for="ch" forName="image4" refType="h" fact="0.2287"/>
-          <dgm:constr type="w" for="ch" forName="image4" refType="w" fact="0.1425"/>
-          <dgm:constr type="h" for="ch" forName="image4" refType="h" fact="0.2049"/>
-          <dgm:constr type="l" for="ch" forName="text5" refType="w" fact="0.4903"/>
-          <dgm:constr type="t" for="ch" forName="text5" refType="h" fact="0.0022"/>
-          <dgm:constr type="w" for="ch" forName="text5" refType="w" fact="0.1425"/>
-          <dgm:constr type="h" for="ch" forName="text5" refType="h" fact="0.2049"/>
-          <dgm:constr type="l" for="ch" forName="image5" refType="w" fact="0.6129"/>
-          <dgm:constr type="t" for="ch" forName="image5" refType="h" fact="0.1165"/>
-          <dgm:constr type="w" for="ch" forName="image5" refType="w" fact="0.1425"/>
-          <dgm:constr type="h" for="ch" forName="image5" refType="h" fact="0.2049"/>
-          <dgm:constr type="l" for="ch" forName="image2" refType="w" fact="0.3677"/>
-          <dgm:constr type="t" for="ch" forName="image2" refType="h" fact="0.34"/>
-          <dgm:constr type="w" for="ch" forName="image2" refType="w" fact="0.1425"/>
-          <dgm:constr type="h" for="ch" forName="image2" refType="h" fact="0.2049"/>
-          <dgm:constr type="l" for="ch" forName="text4" refType="w" fact="0.3677"/>
-          <dgm:constr type="t" for="ch" forName="text4" refType="h" fact="0.1135"/>
-          <dgm:constr type="w" for="ch" forName="text4" refType="w" fact="0.1425"/>
-          <dgm:constr type="h" for="ch" forName="text4" refType="h" fact="0.2049"/>
-          <dgm:constr type="l" for="ch" forName="text2" refType="w" fact="0.2452"/>
-          <dgm:constr type="t" for="ch" forName="text2" refType="h" fact="0.2265"/>
-          <dgm:constr type="w" for="ch" forName="text2" refType="w" fact="0.1425"/>
-          <dgm:constr type="h" for="ch" forName="text2" refType="h" fact="0.2049"/>
-          <dgm:constr type="l" for="ch" forName="image3" refType="w" fact="0.2452"/>
-          <dgm:constr type="t" for="ch" forName="image3" refType="h" fact="0"/>
-          <dgm:constr type="w" for="ch" forName="image3" refType="w" fact="0.1425"/>
-          <dgm:constr type="h" for="ch" forName="image3" refType="h" fact="0.2049"/>
-          <dgm:constr type="l" for="ch" forName="text1" refType="w" fact="0.1226"/>
-          <dgm:constr type="t" for="ch" forName="text1" refType="h" fact="0.3404"/>
-          <dgm:constr type="w" for="ch" forName="text1" refType="w" fact="0.1425"/>
-          <dgm:constr type="h" for="ch" forName="text1" refType="h" fact="0.2049"/>
-          <dgm:constr type="l" for="ch" forName="text3" refType="w" fact="0.1226"/>
-          <dgm:constr type="t" for="ch" forName="text3" refType="h" fact="0.1139"/>
-          <dgm:constr type="w" for="ch" forName="text3" refType="w" fact="0.1425"/>
-          <dgm:constr type="h" for="ch" forName="text3" refType="h" fact="0.2049"/>
-          <dgm:constr type="l" for="ch" forName="textaccent1" refType="w" fact="0.126"/>
-          <dgm:constr type="t" for="ch" forName="textaccent1" refType="h" fact="0.432"/>
-          <dgm:constr type="w" for="ch" forName="textaccent1" refType="w" fact="0.0166"/>
-          <dgm:constr type="h" for="ch" forName="textaccent1" refType="h" fact="0.024"/>
-          <dgm:constr type="l" for="ch" forName="image1" refType="w" fact="0"/>
-          <dgm:constr type="t" for="ch" forName="image1" refType="h" fact="0.2272"/>
-          <dgm:constr type="w" for="ch" forName="image1" refType="w" fact="0.1425"/>
-          <dgm:constr type="h" for="ch" forName="image1" refType="h" fact="0.2049"/>
-          <dgm:constr type="l" for="ch" forName="imageaccent1" refType="w" fact="0.0976"/>
-          <dgm:constr type="t" for="ch" forName="imageaccent1" refType="h" fact="0.4048"/>
-          <dgm:constr type="w" for="ch" forName="imageaccent1" refType="w" fact="0.0166"/>
-          <dgm:constr type="h" for="ch" forName="imageaccent1" refType="h" fact="0.024"/>
-          <dgm:constr type="l" for="ch" forName="textaccent2" refType="w" fact="0.3432"/>
-          <dgm:constr type="t" for="ch" forName="textaccent2" refType="h" fact="0.4038"/>
-          <dgm:constr type="w" for="ch" forName="textaccent2" refType="w" fact="0.0166"/>
-          <dgm:constr type="h" for="ch" forName="textaccent2" refType="h" fact="0.024"/>
-          <dgm:constr type="l" for="ch" forName="imageaccent2" refType="w" fact="0.3712"/>
-          <dgm:constr type="t" for="ch" forName="imageaccent2" refType="h" fact="0.4312"/>
-          <dgm:constr type="w" for="ch" forName="imageaccent2" refType="w" fact="0.0166"/>
-          <dgm:constr type="h" for="ch" forName="imageaccent2" refType="h" fact="0.024"/>
-          <dgm:constr type="l" for="ch" forName="textaccent3" refType="w" fact="0.2196"/>
-          <dgm:constr type="t" for="ch" forName="textaccent3" refType="h" fact="0.1167"/>
-          <dgm:constr type="w" for="ch" forName="textaccent3" refType="w" fact="0.0166"/>
-          <dgm:constr type="h" for="ch" forName="textaccent3" refType="h" fact="0.024"/>
-          <dgm:constr type="l" for="ch" forName="imageaccent3" refType="w" fact="0.2492"/>
-          <dgm:constr type="t" for="ch" forName="imageaccent3" refType="h" fact="0.0908"/>
-          <dgm:constr type="w" for="ch" forName="imageaccent3" refType="w" fact="0.0166"/>
-          <dgm:constr type="h" for="ch" forName="imageaccent3" refType="h" fact="0.024"/>
-          <dgm:constr type="l" for="ch" forName="textaccent4" refType="w" fact="0.491"/>
-          <dgm:constr type="t" for="ch" forName="textaccent4" refType="h" fact="0.2042"/>
-          <dgm:constr type="w" for="ch" forName="textaccent4" refType="w" fact="0.0166"/>
-          <dgm:constr type="h" for="ch" forName="textaccent4" refType="h" fact="0.024"/>
-          <dgm:constr type="l" for="ch" forName="imageaccent4" refType="w" fact="0.5181"/>
-          <dgm:constr type="t" for="ch" forName="imageaccent4" refType="h" fact="0.2323"/>
-          <dgm:constr type="w" for="ch" forName="imageaccent4" refType="w" fact="0.0166"/>
-          <dgm:constr type="h" for="ch" forName="imageaccent4" refType="h" fact="0.024"/>
-          <dgm:constr type="l" for="ch" forName="textaccent5" refType="w" fact="0.6136"/>
-          <dgm:constr type="t" for="ch" forName="textaccent5" refType="h" fact="0.094"/>
-          <dgm:constr type="w" for="ch" forName="textaccent5" refType="w" fact="0.0166"/>
-          <dgm:constr type="h" for="ch" forName="textaccent5" refType="h" fact="0.024"/>
-          <dgm:constr type="l" for="ch" forName="imageaccent5" refType="w" fact="0.6413"/>
-          <dgm:constr type="t" for="ch" forName="imageaccent5" refType="h" fact="0.121"/>
-          <dgm:constr type="w" for="ch" forName="imageaccent5" refType="w" fact="0.0166"/>
-          <dgm:constr type="h" for="ch" forName="imageaccent5" refType="h" fact="0.024"/>
-          <dgm:constr type="l" for="ch" forName="image6" refType="w" fact="0.4903"/>
-          <dgm:constr type="t" for="ch" forName="image6" refType="h" fact="0.4548"/>
-          <dgm:constr type="w" for="ch" forName="image6" refType="w" fact="0.1425"/>
-          <dgm:constr type="h" for="ch" forName="image6" refType="h" fact="0.2049"/>
-          <dgm:constr type="l" for="ch" forName="text6" refType="w" fact="0.6129"/>
-          <dgm:constr type="t" for="ch" forName="text6" refType="h" fact="0.3426"/>
-          <dgm:constr type="w" for="ch" forName="text6" refType="w" fact="0.1425"/>
-          <dgm:constr type="h" for="ch" forName="text6" refType="h" fact="0.2049"/>
-          <dgm:constr type="l" for="ch" forName="imageaccent6" refType="w" fact="0.6147"/>
-          <dgm:constr type="t" for="ch" forName="imageaccent6" refType="h" fact="0.5447"/>
-          <dgm:constr type="w" for="ch" forName="imageaccent6" refType="w" fact="0.0166"/>
-          <dgm:constr type="h" for="ch" forName="imageaccent6" refType="h" fact="0.024"/>
-          <dgm:constr type="l" for="ch" forName="textaccent6" refType="w" fact="0.6411"/>
-          <dgm:constr type="t" for="ch" forName="textaccent6" refType="h" fact="0.5221"/>
-          <dgm:constr type="w" for="ch" forName="textaccent6" refType="w" fact="0.0166"/>
-          <dgm:constr type="h" for="ch" forName="textaccent6" refType="h" fact="0.024"/>
-          <dgm:constr type="l" for="ch" forName="text7" refType="w" fact="0.2451"/>
-          <dgm:constr type="t" for="ch" forName="text7" refType="h" fact="0.4535"/>
-          <dgm:constr type="w" for="ch" forName="text7" refType="w" fact="0.1425"/>
-          <dgm:constr type="h" for="ch" forName="text7" refType="h" fact="0.2049"/>
-          <dgm:constr type="l" for="ch" forName="image7" refType="w" fact="0.1225"/>
-          <dgm:constr type="t" for="ch" forName="image7" refType="h" fact="0.5674"/>
-          <dgm:constr type="w" for="ch" forName="image7" refType="w" fact="0.1425"/>
-          <dgm:constr type="h" for="ch" forName="image7" refType="h" fact="0.2049"/>
-          <dgm:constr type="l" for="ch" forName="imageaccent7" refType="w" fact="0.2195"/>
-          <dgm:constr type="t" for="ch" forName="imageaccent7" refType="h" fact="0.5703"/>
-          <dgm:constr type="w" for="ch" forName="imageaccent7" refType="w" fact="0.0166"/>
-          <dgm:constr type="h" for="ch" forName="imageaccent7" refType="h" fact="0.024"/>
-          <dgm:constr type="l" for="ch" forName="textaccent7" refType="w" fact="0.2491"/>
-          <dgm:constr type="t" for="ch" forName="textaccent7" refType="h" fact="0.5443"/>
-          <dgm:constr type="w" for="ch" forName="textaccent7" refType="w" fact="0.0166"/>
-          <dgm:constr type="h" for="ch" forName="textaccent7" refType="h" fact="0.024"/>
-          <dgm:constr type="l" for="ch" forName="image8" refType="w" fact="0.6123"/>
-          <dgm:constr type="t" for="ch" forName="image8" refType="h" fact="0.5696"/>
-          <dgm:constr type="w" for="ch" forName="image8" refType="w" fact="0.1425"/>
-          <dgm:constr type="h" for="ch" forName="image8" refType="h" fact="0.2049"/>
-          <dgm:constr type="l" for="ch" forName="text8" refType="w" fact="0.7349"/>
-          <dgm:constr type="t" for="ch" forName="text8" refType="h" fact="0.4574"/>
-          <dgm:constr type="w" for="ch" forName="text8" refType="w" fact="0.1425"/>
-          <dgm:constr type="h" for="ch" forName="text8" refType="h" fact="0.2049"/>
-          <dgm:constr type="l" for="ch" forName="imageaccent8" refType="w" fact="0.7367"/>
-          <dgm:constr type="t" for="ch" forName="imageaccent8" refType="h" fact="0.6595"/>
-          <dgm:constr type="w" for="ch" forName="imageaccent8" refType="w" fact="0.0166"/>
-          <dgm:constr type="h" for="ch" forName="imageaccent8" refType="h" fact="0.024"/>
-          <dgm:constr type="l" for="ch" forName="textaccent8" refType="w" fact="0.7631"/>
-          <dgm:constr type="t" for="ch" forName="textaccent8" refType="h" fact="0.6369"/>
-          <dgm:constr type="w" for="ch" forName="textaccent8" refType="w" fact="0.0166"/>
-          <dgm:constr type="h" for="ch" forName="textaccent8" refType="h" fact="0.024"/>
-          <dgm:constr type="l" for="ch" forName="text9" refType="w" fact="0.7354"/>
-          <dgm:constr type="t" for="ch" forName="text9" refType="h" fact="0.0044"/>
-          <dgm:constr type="w" for="ch" forName="text9" refType="w" fact="0.1425"/>
-          <dgm:constr type="h" for="ch" forName="text9" refType="h" fact="0.2049"/>
-          <dgm:constr type="l" for="ch" forName="textaccent9" refType="w" fact="0.8339"/>
-          <dgm:constr type="t" for="ch" forName="textaccent9" refType="h" fact="0.1846"/>
-          <dgm:constr type="w" for="ch" forName="textaccent9" refType="w" fact="0.0166"/>
-          <dgm:constr type="h" for="ch" forName="textaccent9" refType="h" fact="0.024"/>
-          <dgm:constr type="l" for="ch" forName="image9" refType="w" fact="0.7354"/>
-          <dgm:constr type="t" for="ch" forName="image9" refType="h" fact="0.2306"/>
-          <dgm:constr type="w" for="ch" forName="image9" refType="w" fact="0.1425"/>
-          <dgm:constr type="h" for="ch" forName="image9" refType="h" fact="0.2049"/>
-          <dgm:constr type="l" for="ch" forName="imageaccent9" refType="w" fact="0.8339"/>
-          <dgm:constr type="t" for="ch" forName="imageaccent9" refType="h" fact="0.2318"/>
-          <dgm:constr type="w" for="ch" forName="imageaccent9" refType="w" fact="0.0166"/>
-          <dgm:constr type="h" for="ch" forName="imageaccent9" refType="h" fact="0.024"/>
-          <dgm:constr type="l" for="ch" forName="image10" refType="w" fact="0.2446"/>
-          <dgm:constr type="t" for="ch" forName="image10" refType="h" fact="0.6805"/>
-          <dgm:constr type="w" for="ch" forName="image10" refType="w" fact="0.1425"/>
-          <dgm:constr type="h" for="ch" forName="image10" refType="h" fact="0.2049"/>
-          <dgm:constr type="l" for="ch" forName="text10" refType="w" fact="0.3672"/>
-          <dgm:constr type="t" for="ch" forName="text10" refType="h" fact="0.5683"/>
-          <dgm:constr type="w" for="ch" forName="text10" refType="w" fact="0.1425"/>
-          <dgm:constr type="h" for="ch" forName="text10" refType="h" fact="0.2049"/>
-          <dgm:constr type="l" for="ch" forName="imageaccent10" refType="w" fact="0.369"/>
-          <dgm:constr type="t" for="ch" forName="imageaccent10" refType="h" fact="0.7704"/>
-          <dgm:constr type="w" for="ch" forName="imageaccent10" refType="w" fact="0.0166"/>
-          <dgm:constr type="h" for="ch" forName="imageaccent10" refType="h" fact="0.024"/>
-          <dgm:constr type="l" for="ch" forName="textaccent10" refType="w" fact="0.3954"/>
-          <dgm:constr type="t" for="ch" forName="textaccent10" refType="h" fact="0.7478"/>
-          <dgm:constr type="w" for="ch" forName="textaccent10" refType="w" fact="0.0166"/>
-          <dgm:constr type="h" for="ch" forName="textaccent10" refType="h" fact="0.024"/>
-          <dgm:constr type="l" for="ch" forName="text11" refType="w" fact="0.612"/>
-          <dgm:constr type="t" for="ch" forName="text11" refType="h" fact="0.7951"/>
-          <dgm:constr type="w" for="ch" forName="text11" refType="w" fact="0.1425"/>
-          <dgm:constr type="h" for="ch" forName="text11" refType="h" fact="0.2049"/>
-          <dgm:constr type="l" for="ch" forName="image11" refType="w" fact="0.4894"/>
-          <dgm:constr type="t" for="ch" forName="image11" refType="h" fact="0.6816"/>
-          <dgm:constr type="w" for="ch" forName="image11" refType="w" fact="0.1425"/>
-          <dgm:constr type="h" for="ch" forName="image11" refType="h" fact="0.2049"/>
-          <dgm:constr type="l" for="ch" forName="imageaccent11" refType="w" fact="0.5874"/>
-          <dgm:constr type="t" for="ch" forName="imageaccent11" refType="h" fact="0.8589"/>
-          <dgm:constr type="w" for="ch" forName="imageaccent11" refType="w" fact="0.0166"/>
-          <dgm:constr type="h" for="ch" forName="imageaccent11" refType="h" fact="0.024"/>
-          <dgm:constr type="l" for="ch" forName="textaccent11" refType="w" fact="0.6154"/>
-          <dgm:constr type="t" for="ch" forName="textaccent11" refType="h" fact="0.8863"/>
-          <dgm:constr type="w" for="ch" forName="textaccent11" refType="w" fact="0.0166"/>
-          <dgm:constr type="h" for="ch" forName="textaccent11" refType="h" fact="0.024"/>
-          <dgm:constr type="l" for="ch" forName="text12" refType="w" fact="0.735"/>
-          <dgm:constr type="t" for="ch" forName="text12" refType="h" fact="0.684"/>
-          <dgm:constr type="w" for="ch" forName="text12" refType="w" fact="0.1425"/>
-          <dgm:constr type="h" for="ch" forName="text12" refType="h" fact="0.2049"/>
-          <dgm:constr type="l" for="ch" forName="image12" refType="w" fact="0.8575"/>
-          <dgm:constr type="t" for="ch" forName="image12" refType="h" fact="0.5718"/>
-          <dgm:constr type="w" for="ch" forName="image12" refType="w" fact="0.1425"/>
-          <dgm:constr type="h" for="ch" forName="image12" refType="h" fact="0.2049"/>
-          <dgm:constr type="l" for="ch" forName="textaccent12" refType="w" fact="0.8594"/>
-          <dgm:constr type="t" for="ch" forName="textaccent12" refType="h" fact="0.7739"/>
-          <dgm:constr type="w" for="ch" forName="textaccent12" refType="w" fact="0.0166"/>
-          <dgm:constr type="h" for="ch" forName="textaccent12" refType="h" fact="0.024"/>
-          <dgm:constr type="l" for="ch" forName="imageaccent12" refType="w" fact="0.8858"/>
-          <dgm:constr type="t" for="ch" forName="imageaccent12" refType="h" fact="0.7513"/>
-          <dgm:constr type="w" for="ch" forName="imageaccent12" refType="w" fact="0.0166"/>
-          <dgm:constr type="h" for="ch" forName="imageaccent12" refType="h" fact="0.024"/>
-        </dgm:constrLst>
-      </dgm:else>
-    </dgm:choose>
-    <dgm:forEach name="wrapper" axis="self" ptType="parTrans">
-      <dgm:forEach name="wrapper2" axis="self" ptType="sibTrans" st="2">
-        <dgm:forEach name="textRepeat" axis="self">
-          <dgm:layoutNode name="textRepeatNode" styleLbl="alignNode1">
-            <dgm:varLst>
-              <dgm:chMax val="0"/>
-              <dgm:chPref val="0"/>
-              <dgm:bulletEnabled val="1"/>
-            </dgm:varLst>
-            <dgm:alg type="tx"/>
-            <dgm:shape xmlns:r="http://schemas.openxmlformats.org/officeDocument/2006/relationships" type="hexagon" r:blip="">
-              <dgm:adjLst>
-                <dgm:adj idx="1" val="0.25"/>
-                <dgm:adj idx="2" val="1.1547"/>
-              </dgm:adjLst>
-            </dgm:shape>
-            <dgm:presOf axis="desOrSelf" ptType="node"/>
-            <dgm:constrLst>
-              <dgm:constr type="lMarg" refType="primFontSz" fact="0"/>
-              <dgm:constr type="rMarg" refType="primFontSz" fact="0"/>
-              <dgm:constr type="tMarg" refType="primFontSz" fact="0.1"/>
-              <dgm:constr type="bMarg" refType="primFontSz" fact="0.1"/>
-            </dgm:constrLst>
-            <dgm:ruleLst>
-              <dgm:rule type="primFontSz" val="5" fact="NaN" max="NaN"/>
-            </dgm:ruleLst>
-          </dgm:layoutNode>
-        </dgm:forEach>
-        <dgm:forEach name="accentRepeat" axis="self">
-          <dgm:layoutNode name="accentRepeatNode" styleLbl="solidAlignAcc1">
-            <dgm:alg type="sp"/>
-            <dgm:shape xmlns:r="http://schemas.openxmlformats.org/officeDocument/2006/relationships" type="hexagon" r:blip="">
-              <dgm:adjLst>
-                <dgm:adj idx="1" val="0.25"/>
-                <dgm:adj idx="2" val="1.1547"/>
-              </dgm:adjLst>
-            </dgm:shape>
-            <dgm:presOf/>
-          </dgm:layoutNode>
-        </dgm:forEach>
-        <dgm:forEach name="imageRepeat" axis="self">
-          <dgm:layoutNode name="imageRepeatNode" styleLbl="alignAcc1">
-            <dgm:alg type="sp"/>
-            <dgm:shape xmlns:r="http://schemas.openxmlformats.org/officeDocument/2006/relationships" type="hexagon" r:blip="" blipPhldr="1">
-              <dgm:adjLst>
-                <dgm:adj idx="1" val="0.25"/>
-                <dgm:adj idx="2" val="1.1547"/>
-              </dgm:adjLst>
-            </dgm:shape>
-            <dgm:presOf axis="self"/>
-          </dgm:layoutNode>
-        </dgm:forEach>
-      </dgm:forEach>
-    </dgm:forEach>
-    <dgm:forEach name="Name14" axis="ch" ptType="node" cnt="1">
-      <dgm:layoutNode name="text1">
-        <dgm:alg type="sp"/>
-        <dgm:shape xmlns:r="http://schemas.openxmlformats.org/officeDocument/2006/relationships" r:blip="">
-          <dgm:adjLst/>
-        </dgm:shape>
-        <dgm:presOf/>
-        <dgm:constrLst/>
-        <dgm:forEach name="Name15" ref="textRepeat"/>
-      </dgm:layoutNode>
-      <dgm:layoutNode name="textaccent1">
-        <dgm:alg type="sp"/>
-        <dgm:shape xmlns:r="http://schemas.openxmlformats.org/officeDocument/2006/relationships" r:blip="">
-          <dgm:adjLst/>
-        </dgm:shape>
-        <dgm:presOf/>
-        <dgm:constrLst/>
-        <dgm:forEach name="Name16" ref="accentRepeat"/>
-      </dgm:layoutNode>
-    </dgm:forEach>
-    <dgm:forEach name="Name17" axis="ch" ptType="sibTrans" hideLastTrans="0" cnt="1">
-      <dgm:layoutNode name="image1">
-        <dgm:alg type="sp"/>
-        <dgm:shape xmlns:r="http://schemas.openxmlformats.org/officeDocument/2006/relationships" r:blip="">
-          <dgm:adjLst/>
-        </dgm:shape>
-        <dgm:presOf/>
-        <dgm:constrLst/>
-        <dgm:forEach name="Name18" ref="imageRepeat"/>
-      </dgm:layoutNode>
-      <dgm:layoutNode name="imageaccent1">
-        <dgm:alg type="sp"/>
-        <dgm:shape xmlns:r="http://schemas.openxmlformats.org/officeDocument/2006/relationships" r:blip="">
-          <dgm:adjLst/>
-        </dgm:shape>
-        <dgm:presOf/>
-        <dgm:constrLst/>
-        <dgm:forEach name="Name19" ref="accentRepeat"/>
-      </dgm:layoutNode>
-    </dgm:forEach>
-    <dgm:forEach name="Name20" axis="ch" ptType="node" st="2" cnt="1">
-      <dgm:layoutNode name="text2">
-        <dgm:alg type="sp"/>
-        <dgm:shape xmlns:r="http://schemas.openxmlformats.org/officeDocument/2006/relationships" r:blip="">
-          <dgm:adjLst/>
-        </dgm:shape>
-        <dgm:presOf/>
-        <dgm:constrLst/>
-        <dgm:forEach name="Name21" ref="textRepeat"/>
-      </dgm:layoutNode>
-      <dgm:layoutNode name="textaccent2">
-        <dgm:alg type="sp"/>
-        <dgm:shape xmlns:r="http://schemas.openxmlformats.org/officeDocument/2006/relationships" r:blip="">
-          <dgm:adjLst/>
-        </dgm:shape>
-        <dgm:presOf/>
-        <dgm:constrLst/>
-        <dgm:forEach name="Name22" ref="accentRepeat"/>
-      </dgm:layoutNode>
-    </dgm:forEach>
-    <dgm:forEach name="Name23" axis="ch" ptType="sibTrans" hideLastTrans="0" st="2" cnt="1">
-      <dgm:layoutNode name="image2">
-        <dgm:alg type="sp"/>
-        <dgm:shape xmlns:r="http://schemas.openxmlformats.org/officeDocument/2006/relationships" r:blip="">
-          <dgm:adjLst/>
-        </dgm:shape>
-        <dgm:presOf/>
-        <dgm:constrLst/>
-        <dgm:forEach name="Name24" ref="imageRepeat"/>
-      </dgm:layoutNode>
-      <dgm:layoutNode name="imageaccent2">
-        <dgm:alg type="sp"/>
-        <dgm:shape xmlns:r="http://schemas.openxmlformats.org/officeDocument/2006/relationships" r:blip="">
-          <dgm:adjLst/>
-        </dgm:shape>
-        <dgm:presOf/>
-        <dgm:constrLst/>
-        <dgm:forEach name="Name25" ref="accentRepeat"/>
-      </dgm:layoutNode>
-    </dgm:forEach>
-    <dgm:forEach name="Name26" axis="ch" ptType="node" st="3" cnt="1">
-      <dgm:layoutNode name="text3">
-        <dgm:alg type="sp"/>
-        <dgm:shape xmlns:r="http://schemas.openxmlformats.org/officeDocument/2006/relationships" r:blip="">
-          <dgm:adjLst/>
-        </dgm:shape>
-        <dgm:presOf/>
-        <dgm:constrLst/>
-        <dgm:forEach name="Name27" ref="textRepeat"/>
-      </dgm:layoutNode>
-      <dgm:layoutNode name="textaccent3">
-        <dgm:alg type="sp"/>
-        <dgm:shape xmlns:r="http://schemas.openxmlformats.org/officeDocument/2006/relationships" r:blip="">
-          <dgm:adjLst/>
-        </dgm:shape>
-        <dgm:presOf/>
-        <dgm:constrLst/>
-        <dgm:forEach name="Name28" ref="accentRepeat"/>
-      </dgm:layoutNode>
-    </dgm:forEach>
-    <dgm:forEach name="Name29" axis="ch" ptType="sibTrans" hideLastTrans="0" st="3" cnt="1">
-      <dgm:layoutNode name="image3">
-        <dgm:alg type="sp"/>
-        <dgm:shape xmlns:r="http://schemas.openxmlformats.org/officeDocument/2006/relationships" r:blip="">
-          <dgm:adjLst/>
-        </dgm:shape>
-        <dgm:presOf/>
-        <dgm:constrLst/>
-        <dgm:forEach name="Name30" ref="imageRepeat"/>
-      </dgm:layoutNode>
-      <dgm:layoutNode name="imageaccent3">
-        <dgm:alg type="sp"/>
-        <dgm:shape xmlns:r="http://schemas.openxmlformats.org/officeDocument/2006/relationships" r:blip="">
-          <dgm:adjLst/>
-        </dgm:shape>
-        <dgm:presOf/>
-        <dgm:constrLst/>
-        <dgm:forEach name="Name31" ref="accentRepeat"/>
-      </dgm:layoutNode>
-    </dgm:forEach>
-    <dgm:forEach name="Name32" axis="ch" ptType="node" st="4" cnt="1">
-      <dgm:layoutNode name="text4">
-        <dgm:alg type="sp"/>
-        <dgm:shape xmlns:r="http://schemas.openxmlformats.org/officeDocument/2006/relationships" r:blip="">
-          <dgm:adjLst/>
-        </dgm:shape>
-        <dgm:presOf/>
-        <dgm:constrLst/>
-        <dgm:forEach name="Name33" ref="textRepeat"/>
-      </dgm:layoutNode>
-      <dgm:layoutNode name="textaccent4">
-        <dgm:alg type="sp"/>
-        <dgm:shape xmlns:r="http://schemas.openxmlformats.org/officeDocument/2006/relationships" r:blip="">
-          <dgm:adjLst/>
-        </dgm:shape>
-        <dgm:presOf/>
-        <dgm:constrLst/>
-        <dgm:forEach name="Name34" ref="accentRepeat"/>
-      </dgm:layoutNode>
-    </dgm:forEach>
-    <dgm:forEach name="Name35" axis="ch" ptType="sibTrans" hideLastTrans="0" st="4" cnt="1">
-      <dgm:layoutNode name="image4">
-        <dgm:alg type="sp"/>
-        <dgm:shape xmlns:r="http://schemas.openxmlformats.org/officeDocument/2006/relationships" r:blip="">
-          <dgm:adjLst/>
-        </dgm:shape>
-        <dgm:presOf/>
-        <dgm:constrLst/>
-        <dgm:forEach name="Name36" ref="imageRepeat"/>
-      </dgm:layoutNode>
-      <dgm:layoutNode name="imageaccent4">
-        <dgm:alg type="sp"/>
-        <dgm:shape xmlns:r="http://schemas.openxmlformats.org/officeDocument/2006/relationships" r:blip="">
-          <dgm:adjLst/>
-        </dgm:shape>
-        <dgm:presOf/>
-        <dgm:constrLst/>
-        <dgm:forEach name="Name37" ref="accentRepeat"/>
-      </dgm:layoutNode>
-    </dgm:forEach>
-    <dgm:forEach name="Name38" axis="ch" ptType="node" st="5" cnt="1">
-      <dgm:layoutNode name="text5">
-        <dgm:alg type="sp"/>
-        <dgm:shape xmlns:r="http://schemas.openxmlformats.org/officeDocument/2006/relationships" r:blip="">
-          <dgm:adjLst/>
-        </dgm:shape>
-        <dgm:presOf/>
-        <dgm:constrLst/>
-        <dgm:forEach name="Name39" ref="textRepeat"/>
-      </dgm:layoutNode>
-      <dgm:layoutNode name="textaccent5">
-        <dgm:alg type="sp"/>
-        <dgm:shape xmlns:r="http://schemas.openxmlformats.org/officeDocument/2006/relationships" r:blip="">
-          <dgm:adjLst/>
-        </dgm:shape>
-        <dgm:presOf/>
-        <dgm:constrLst/>
-        <dgm:forEach name="Name40" ref="accentRepeat"/>
-      </dgm:layoutNode>
-    </dgm:forEach>
-    <dgm:forEach name="Name41" axis="ch" ptType="sibTrans" hideLastTrans="0" st="5" cnt="1">
-      <dgm:layoutNode name="image5">
-        <dgm:alg type="sp"/>
-        <dgm:shape xmlns:r="http://schemas.openxmlformats.org/officeDocument/2006/relationships" r:blip="">
-          <dgm:adjLst/>
-        </dgm:shape>
-        <dgm:presOf/>
-        <dgm:constrLst/>
-        <dgm:forEach name="Name42" ref="imageRepeat"/>
-      </dgm:layoutNode>
-      <dgm:layoutNode name="imageaccent5">
-        <dgm:alg type="sp"/>
-        <dgm:shape xmlns:r="http://schemas.openxmlformats.org/officeDocument/2006/relationships" r:blip="">
-          <dgm:adjLst/>
-        </dgm:shape>
-        <dgm:presOf/>
-        <dgm:constrLst/>
-        <dgm:forEach name="Name43" ref="accentRepeat"/>
-      </dgm:layoutNode>
-    </dgm:forEach>
-    <dgm:forEach name="Name44" axis="ch" ptType="node" st="6" cnt="1">
-      <dgm:layoutNode name="text6">
-        <dgm:alg type="sp"/>
-        <dgm:shape xmlns:r="http://schemas.openxmlformats.org/officeDocument/2006/relationships" r:blip="">
-          <dgm:adjLst/>
-        </dgm:shape>
-        <dgm:presOf/>
-        <dgm:constrLst/>
-        <dgm:forEach name="Name45" ref="textRepeat"/>
-      </dgm:layoutNode>
-      <dgm:layoutNode name="textaccent6">
-        <dgm:alg type="sp"/>
-        <dgm:shape xmlns:r="http://schemas.openxmlformats.org/officeDocument/2006/relationships" r:blip="">
-          <dgm:adjLst/>
-        </dgm:shape>
-        <dgm:presOf/>
-        <dgm:constrLst/>
-        <dgm:forEach name="Name46" ref="accentRepeat"/>
-      </dgm:layoutNode>
-    </dgm:forEach>
-    <dgm:forEach name="Name47" axis="ch" ptType="sibTrans" hideLastTrans="0" st="6" cnt="1">
-      <dgm:layoutNode name="image6">
-        <dgm:alg type="sp"/>
-        <dgm:shape xmlns:r="http://schemas.openxmlformats.org/officeDocument/2006/relationships" r:blip="">
-          <dgm:adjLst/>
-        </dgm:shape>
-        <dgm:presOf/>
-        <dgm:constrLst/>
-        <dgm:forEach name="Name48" ref="imageRepeat"/>
-      </dgm:layoutNode>
-      <dgm:layoutNode name="imageaccent6">
-        <dgm:alg type="sp"/>
-        <dgm:shape xmlns:r="http://schemas.openxmlformats.org/officeDocument/2006/relationships" r:blip="">
-          <dgm:adjLst/>
-        </dgm:shape>
-        <dgm:presOf/>
-        <dgm:constrLst/>
-        <dgm:forEach name="Name49" ref="accentRepeat"/>
-      </dgm:layoutNode>
-    </dgm:forEach>
-    <dgm:forEach name="Name50" axis="ch" ptType="node" st="7" cnt="1">
-      <dgm:layoutNode name="text7">
-        <dgm:alg type="sp"/>
-        <dgm:shape xmlns:r="http://schemas.openxmlformats.org/officeDocument/2006/relationships" r:blip="">
-          <dgm:adjLst/>
-        </dgm:shape>
-        <dgm:presOf/>
-        <dgm:constrLst/>
-        <dgm:forEach name="Name51" ref="textRepeat"/>
-      </dgm:layoutNode>
-      <dgm:layoutNode name="textaccent7">
-        <dgm:alg type="sp"/>
-        <dgm:shape xmlns:r="http://schemas.openxmlformats.org/officeDocument/2006/relationships" r:blip="">
-          <dgm:adjLst/>
-        </dgm:shape>
-        <dgm:presOf/>
-        <dgm:constrLst/>
-        <dgm:forEach name="Name52" ref="accentRepeat"/>
-      </dgm:layoutNode>
-    </dgm:forEach>
-    <dgm:forEach name="Name53" axis="ch" ptType="sibTrans" hideLastTrans="0" st="7" cnt="1">
-      <dgm:layoutNode name="image7">
-        <dgm:alg type="sp"/>
-        <dgm:shape xmlns:r="http://schemas.openxmlformats.org/officeDocument/2006/relationships" r:blip="">
-          <dgm:adjLst/>
-        </dgm:shape>
-        <dgm:presOf/>
-        <dgm:constrLst/>
-        <dgm:forEach name="Name54" ref="imageRepeat"/>
-      </dgm:layoutNode>
-      <dgm:layoutNode name="imageaccent7">
-        <dgm:alg type="sp"/>
-        <dgm:shape xmlns:r="http://schemas.openxmlformats.org/officeDocument/2006/relationships" r:blip="">
-          <dgm:adjLst/>
-        </dgm:shape>
-        <dgm:presOf/>
-        <dgm:constrLst/>
-        <dgm:forEach name="Name55" ref="accentRepeat"/>
-      </dgm:layoutNode>
-    </dgm:forEach>
-    <dgm:forEach name="Name56" axis="ch" ptType="node" st="8" cnt="1">
-      <dgm:layoutNode name="text8">
-        <dgm:alg type="sp"/>
-        <dgm:shape xmlns:r="http://schemas.openxmlformats.org/officeDocument/2006/relationships" r:blip="">
-          <dgm:adjLst/>
-        </dgm:shape>
-        <dgm:presOf/>
-        <dgm:constrLst/>
-        <dgm:forEach name="Name57" ref="textRepeat"/>
-      </dgm:layoutNode>
-      <dgm:layoutNode name="textaccent8">
-        <dgm:alg type="sp"/>
-        <dgm:shape xmlns:r="http://schemas.openxmlformats.org/officeDocument/2006/relationships" r:blip="">
-          <dgm:adjLst/>
-        </dgm:shape>
-        <dgm:presOf/>
-        <dgm:constrLst/>
-        <dgm:forEach name="Name58" ref="accentRepeat"/>
-      </dgm:layoutNode>
-    </dgm:forEach>
-    <dgm:forEach name="Name59" axis="ch" ptType="sibTrans" hideLastTrans="0" st="8" cnt="1">
-      <dgm:layoutNode name="image8">
-        <dgm:alg type="sp"/>
-        <dgm:shape xmlns:r="http://schemas.openxmlformats.org/officeDocument/2006/relationships" r:blip="">
-          <dgm:adjLst/>
-        </dgm:shape>
-        <dgm:presOf/>
-        <dgm:constrLst/>
-        <dgm:forEach name="Name60" ref="imageRepeat"/>
-      </dgm:layoutNode>
-      <dgm:layoutNode name="imageaccent8">
-        <dgm:alg type="sp"/>
-        <dgm:shape xmlns:r="http://schemas.openxmlformats.org/officeDocument/2006/relationships" r:blip="">
-          <dgm:adjLst/>
-        </dgm:shape>
-        <dgm:presOf/>
-        <dgm:constrLst/>
-        <dgm:forEach name="Name61" ref="accentRepeat"/>
-      </dgm:layoutNode>
-    </dgm:forEach>
-    <dgm:forEach name="Name62" axis="ch" ptType="node" st="9" cnt="1">
-      <dgm:layoutNode name="text9">
-        <dgm:alg type="sp"/>
-        <dgm:shape xmlns:r="http://schemas.openxmlformats.org/officeDocument/2006/relationships" r:blip="">
-          <dgm:adjLst/>
-        </dgm:shape>
-        <dgm:presOf/>
-        <dgm:constrLst/>
-        <dgm:forEach name="Name63" ref="textRepeat"/>
-      </dgm:layoutNode>
-      <dgm:layoutNode name="textaccent9">
-        <dgm:alg type="sp"/>
-        <dgm:shape xmlns:r="http://schemas.openxmlformats.org/officeDocument/2006/relationships" r:blip="">
-          <dgm:adjLst/>
-        </dgm:shape>
-        <dgm:presOf/>
-        <dgm:constrLst/>
-        <dgm:forEach name="Name64" ref="accentRepeat"/>
-      </dgm:layoutNode>
-    </dgm:forEach>
-    <dgm:forEach name="Name65" axis="ch" ptType="sibTrans" hideLastTrans="0" st="9" cnt="1">
-      <dgm:layoutNode name="image9">
-        <dgm:alg type="sp"/>
-        <dgm:shape xmlns:r="http://schemas.openxmlformats.org/officeDocument/2006/relationships" r:blip="">
-          <dgm:adjLst/>
-        </dgm:shape>
-        <dgm:presOf/>
-        <dgm:constrLst/>
-        <dgm:forEach name="Name66" ref="imageRepeat"/>
-      </dgm:layoutNode>
-      <dgm:layoutNode name="imageaccent9">
-        <dgm:alg type="sp"/>
-        <dgm:shape xmlns:r="http://schemas.openxmlformats.org/officeDocument/2006/relationships" r:blip="">
-          <dgm:adjLst/>
-        </dgm:shape>
-        <dgm:presOf/>
-        <dgm:constrLst/>
-        <dgm:forEach name="Name67" ref="accentRepeat"/>
-      </dgm:layoutNode>
-    </dgm:forEach>
-    <dgm:forEach name="Name68" axis="ch" ptType="node" st="10" cnt="1">
-      <dgm:layoutNode name="text10">
-        <dgm:alg type="sp"/>
-        <dgm:shape xmlns:r="http://schemas.openxmlformats.org/officeDocument/2006/relationships" r:blip="">
-          <dgm:adjLst/>
-        </dgm:shape>
-        <dgm:presOf/>
-        <dgm:constrLst/>
-        <dgm:forEach name="Name69" ref="textRepeat"/>
-      </dgm:layoutNode>
-      <dgm:layoutNode name="textaccent10">
-        <dgm:alg type="sp"/>
-        <dgm:shape xmlns:r="http://schemas.openxmlformats.org/officeDocument/2006/relationships" r:blip="">
-          <dgm:adjLst/>
-        </dgm:shape>
-        <dgm:presOf/>
-        <dgm:constrLst/>
-        <dgm:forEach name="Name70" ref="accentRepeat"/>
-      </dgm:layoutNode>
-    </dgm:forEach>
-    <dgm:forEach name="Name71" axis="ch" ptType="sibTrans" hideLastTrans="0" st="10" cnt="1">
-      <dgm:layoutNode name="image10">
-        <dgm:alg type="sp"/>
-        <dgm:shape xmlns:r="http://schemas.openxmlformats.org/officeDocument/2006/relationships" r:blip="">
-          <dgm:adjLst/>
-        </dgm:shape>
-        <dgm:presOf/>
-        <dgm:constrLst/>
-        <dgm:forEach name="Name72" ref="imageRepeat"/>
-      </dgm:layoutNode>
-      <dgm:layoutNode name="imageaccent10">
-        <dgm:alg type="sp"/>
-        <dgm:shape xmlns:r="http://schemas.openxmlformats.org/officeDocument/2006/relationships" r:blip="">
-          <dgm:adjLst/>
-        </dgm:shape>
-        <dgm:presOf/>
-        <dgm:constrLst/>
-        <dgm:forEach name="Name73" ref="accentRepeat"/>
-      </dgm:layoutNode>
-    </dgm:forEach>
-    <dgm:forEach name="Name74" axis="ch" ptType="node" st="11" cnt="1">
-      <dgm:layoutNode name="text11">
-        <dgm:alg type="sp"/>
-        <dgm:shape xmlns:r="http://schemas.openxmlformats.org/officeDocument/2006/relationships" r:blip="">
-          <dgm:adjLst/>
-        </dgm:shape>
-        <dgm:presOf/>
-        <dgm:constrLst/>
-        <dgm:forEach name="Name75" ref="textRepeat"/>
-      </dgm:layoutNode>
-      <dgm:layoutNode name="textaccent11">
-        <dgm:alg type="sp"/>
-        <dgm:shape xmlns:r="http://schemas.openxmlformats.org/officeDocument/2006/relationships" r:blip="">
-          <dgm:adjLst/>
-        </dgm:shape>
-        <dgm:presOf/>
-        <dgm:constrLst/>
-        <dgm:forEach name="Name76" ref="accentRepeat"/>
-      </dgm:layoutNode>
-    </dgm:forEach>
-    <dgm:forEach name="Name77" axis="ch" ptType="sibTrans" hideLastTrans="0" st="11" cnt="1">
-      <dgm:layoutNode name="image11">
-        <dgm:alg type="sp"/>
-        <dgm:shape xmlns:r="http://schemas.openxmlformats.org/officeDocument/2006/relationships" r:blip="">
-          <dgm:adjLst/>
-        </dgm:shape>
-        <dgm:presOf/>
-        <dgm:constrLst/>
-        <dgm:forEach name="Name78" ref="imageRepeat"/>
-      </dgm:layoutNode>
-      <dgm:layoutNode name="imageaccent11">
-        <dgm:alg type="sp"/>
-        <dgm:shape xmlns:r="http://schemas.openxmlformats.org/officeDocument/2006/relationships" r:blip="">
-          <dgm:adjLst/>
-        </dgm:shape>
-        <dgm:presOf/>
-        <dgm:constrLst/>
-        <dgm:forEach name="Name79" ref="accentRepeat"/>
-      </dgm:layoutNode>
-    </dgm:forEach>
-    <dgm:forEach name="Name80" axis="ch" ptType="node" st="12" cnt="1">
-      <dgm:layoutNode name="text12">
-        <dgm:alg type="sp"/>
-        <dgm:shape xmlns:r="http://schemas.openxmlformats.org/officeDocument/2006/relationships" r:blip="">
-          <dgm:adjLst/>
-        </dgm:shape>
-        <dgm:presOf/>
-        <dgm:constrLst/>
-        <dgm:forEach name="Name81" ref="textRepeat"/>
-      </dgm:layoutNode>
-      <dgm:layoutNode name="textaccent12">
-        <dgm:alg type="sp"/>
-        <dgm:shape xmlns:r="http://schemas.openxmlformats.org/officeDocument/2006/relationships" r:blip="">
-          <dgm:adjLst/>
-        </dgm:shape>
-        <dgm:presOf/>
-        <dgm:constrLst/>
-        <dgm:forEach name="Name82" ref="accentRepeat"/>
-      </dgm:layoutNode>
-    </dgm:forEach>
-    <dgm:forEach name="Name83" axis="ch" ptType="sibTrans" hideLastTrans="0" st="12" cnt="1">
-      <dgm:layoutNode name="image12">
-        <dgm:alg type="sp"/>
-        <dgm:shape xmlns:r="http://schemas.openxmlformats.org/officeDocument/2006/relationships" r:blip="">
-          <dgm:adjLst/>
-        </dgm:shape>
-        <dgm:presOf/>
-        <dgm:constrLst/>
-        <dgm:forEach name="Name84" ref="imageRepeat"/>
-      </dgm:layoutNode>
-      <dgm:layoutNode name="imageaccent12">
-        <dgm:alg type="sp"/>
-        <dgm:shape xmlns:r="http://schemas.openxmlformats.org/officeDocument/2006/relationships" r:blip="">
-          <dgm:adjLst/>
-        </dgm:shape>
-        <dgm:presOf/>
-        <dgm:constrLst/>
-        <dgm:forEach name="Name85" ref="accentRepeat"/>
-      </dgm:layoutNode>
-    </dgm:forEach>
-  </dgm:layoutNode>
-</dgm:layoutDef>
-</file>
-
-<file path=ppt/diagrams/layout2.xml><?xml version="1.0" encoding="utf-8"?>
 <dgm:layoutDef xmlns:dgm="http://schemas.openxmlformats.org/drawingml/2006/diagram" xmlns:a="http://schemas.openxmlformats.org/drawingml/2006/main" uniqueId="urn:microsoft.com/office/officeart/2009/3/layout/DescendingProcess">
   <dgm:title val=""/>
   <dgm:desc val=""/>
@@ -8797,7 +3600,7 @@
 </dgm:layoutDef>
 </file>
 
-<file path=ppt/diagrams/layout3.xml><?xml version="1.0" encoding="utf-8"?>
+<file path=ppt/diagrams/layout2.xml><?xml version="1.0" encoding="utf-8"?>
 <dgm:layoutDef xmlns:dgm="http://schemas.openxmlformats.org/drawingml/2006/diagram" xmlns:a="http://schemas.openxmlformats.org/drawingml/2006/main" uniqueId="urn:microsoft.com/office/officeart/2005/8/layout/hProcess11">
   <dgm:title val=""/>
   <dgm:desc val=""/>
@@ -10104,1040 +4907,6 @@
 </file>
 
 <file path=ppt/diagrams/quickStyle2.xml><?xml version="1.0" encoding="utf-8"?>
-<dgm:styleDef xmlns:dgm="http://schemas.openxmlformats.org/drawingml/2006/diagram" xmlns:a="http://schemas.openxmlformats.org/drawingml/2006/main" uniqueId="urn:microsoft.com/office/officeart/2005/8/quickstyle/simple1">
-  <dgm:title val=""/>
-  <dgm:desc val=""/>
-  <dgm:catLst>
-    <dgm:cat type="simple" pri="10100"/>
-  </dgm:catLst>
-  <dgm:scene3d>
-    <a:camera prst="orthographicFront"/>
-    <a:lightRig rig="threePt" dir="t"/>
-  </dgm:scene3d>
-  <dgm:styleLbl name="node0">
-    <dgm:scene3d>
-      <a:camera prst="orthographicFront"/>
-      <a:lightRig rig="threePt" dir="t"/>
-    </dgm:scene3d>
-    <dgm:sp3d/>
-    <dgm:txPr/>
-    <dgm:style>
-      <a:lnRef idx="2">
-        <a:scrgbClr r="0" g="0" b="0"/>
-      </a:lnRef>
-      <a:fillRef idx="1">
-        <a:scrgbClr r="0" g="0" b="0"/>
-      </a:fillRef>
-      <a:effectRef idx="0">
-        <a:scrgbClr r="0" g="0" b="0"/>
-      </a:effectRef>
-      <a:fontRef idx="minor">
-        <a:schemeClr val="lt1"/>
-      </a:fontRef>
-    </dgm:style>
-  </dgm:styleLbl>
-  <dgm:styleLbl name="lnNode1">
-    <dgm:scene3d>
-      <a:camera prst="orthographicFront"/>
-      <a:lightRig rig="threePt" dir="t"/>
-    </dgm:scene3d>
-    <dgm:sp3d/>
-    <dgm:txPr/>
-    <dgm:style>
-      <a:lnRef idx="2">
-        <a:scrgbClr r="0" g="0" b="0"/>
-      </a:lnRef>
-      <a:fillRef idx="1">
-        <a:scrgbClr r="0" g="0" b="0"/>
-      </a:fillRef>
-      <a:effectRef idx="0">
-        <a:scrgbClr r="0" g="0" b="0"/>
-      </a:effectRef>
-      <a:fontRef idx="minor">
-        <a:schemeClr val="lt1"/>
-      </a:fontRef>
-    </dgm:style>
-  </dgm:styleLbl>
-  <dgm:styleLbl name="vennNode1">
-    <dgm:scene3d>
-      <a:camera prst="orthographicFront"/>
-      <a:lightRig rig="threePt" dir="t"/>
-    </dgm:scene3d>
-    <dgm:sp3d/>
-    <dgm:txPr/>
-    <dgm:style>
-      <a:lnRef idx="2">
-        <a:scrgbClr r="0" g="0" b="0"/>
-      </a:lnRef>
-      <a:fillRef idx="1">
-        <a:scrgbClr r="0" g="0" b="0"/>
-      </a:fillRef>
-      <a:effectRef idx="0">
-        <a:scrgbClr r="0" g="0" b="0"/>
-      </a:effectRef>
-      <a:fontRef idx="minor">
-        <a:schemeClr val="tx1"/>
-      </a:fontRef>
-    </dgm:style>
-  </dgm:styleLbl>
-  <dgm:styleLbl name="alignNode1">
-    <dgm:scene3d>
-      <a:camera prst="orthographicFront"/>
-      <a:lightRig rig="threePt" dir="t"/>
-    </dgm:scene3d>
-    <dgm:sp3d/>
-    <dgm:txPr/>
-    <dgm:style>
-      <a:lnRef idx="2">
-        <a:scrgbClr r="0" g="0" b="0"/>
-      </a:lnRef>
-      <a:fillRef idx="1">
-        <a:scrgbClr r="0" g="0" b="0"/>
-      </a:fillRef>
-      <a:effectRef idx="0">
-        <a:scrgbClr r="0" g="0" b="0"/>
-      </a:effectRef>
-      <a:fontRef idx="minor">
-        <a:schemeClr val="lt1"/>
-      </a:fontRef>
-    </dgm:style>
-  </dgm:styleLbl>
-  <dgm:styleLbl name="node1">
-    <dgm:scene3d>
-      <a:camera prst="orthographicFront"/>
-      <a:lightRig rig="threePt" dir="t"/>
-    </dgm:scene3d>
-    <dgm:sp3d/>
-    <dgm:txPr/>
-    <dgm:style>
-      <a:lnRef idx="2">
-        <a:scrgbClr r="0" g="0" b="0"/>
-      </a:lnRef>
-      <a:fillRef idx="1">
-        <a:scrgbClr r="0" g="0" b="0"/>
-      </a:fillRef>
-      <a:effectRef idx="0">
-        <a:scrgbClr r="0" g="0" b="0"/>
-      </a:effectRef>
-      <a:fontRef idx="minor">
-        <a:schemeClr val="lt1"/>
-      </a:fontRef>
-    </dgm:style>
-  </dgm:styleLbl>
-  <dgm:styleLbl name="node2">
-    <dgm:scene3d>
-      <a:camera prst="orthographicFront"/>
-      <a:lightRig rig="threePt" dir="t"/>
-    </dgm:scene3d>
-    <dgm:sp3d/>
-    <dgm:txPr/>
-    <dgm:style>
-      <a:lnRef idx="2">
-        <a:scrgbClr r="0" g="0" b="0"/>
-      </a:lnRef>
-      <a:fillRef idx="1">
-        <a:scrgbClr r="0" g="0" b="0"/>
-      </a:fillRef>
-      <a:effectRef idx="0">
-        <a:scrgbClr r="0" g="0" b="0"/>
-      </a:effectRef>
-      <a:fontRef idx="minor">
-        <a:schemeClr val="lt1"/>
-      </a:fontRef>
-    </dgm:style>
-  </dgm:styleLbl>
-  <dgm:styleLbl name="node3">
-    <dgm:scene3d>
-      <a:camera prst="orthographicFront"/>
-      <a:lightRig rig="threePt" dir="t"/>
-    </dgm:scene3d>
-    <dgm:sp3d/>
-    <dgm:txPr/>
-    <dgm:style>
-      <a:lnRef idx="2">
-        <a:scrgbClr r="0" g="0" b="0"/>
-      </a:lnRef>
-      <a:fillRef idx="1">
-        <a:scrgbClr r="0" g="0" b="0"/>
-      </a:fillRef>
-      <a:effectRef idx="0">
-        <a:scrgbClr r="0" g="0" b="0"/>
-      </a:effectRef>
-      <a:fontRef idx="minor">
-        <a:schemeClr val="lt1"/>
-      </a:fontRef>
-    </dgm:style>
-  </dgm:styleLbl>
-  <dgm:styleLbl name="node4">
-    <dgm:scene3d>
-      <a:camera prst="orthographicFront"/>
-      <a:lightRig rig="threePt" dir="t"/>
-    </dgm:scene3d>
-    <dgm:sp3d/>
-    <dgm:txPr/>
-    <dgm:style>
-      <a:lnRef idx="2">
-        <a:scrgbClr r="0" g="0" b="0"/>
-      </a:lnRef>
-      <a:fillRef idx="1">
-        <a:scrgbClr r="0" g="0" b="0"/>
-      </a:fillRef>
-      <a:effectRef idx="0">
-        <a:scrgbClr r="0" g="0" b="0"/>
-      </a:effectRef>
-      <a:fontRef idx="minor">
-        <a:schemeClr val="lt1"/>
-      </a:fontRef>
-    </dgm:style>
-  </dgm:styleLbl>
-  <dgm:styleLbl name="fgImgPlace1">
-    <dgm:scene3d>
-      <a:camera prst="orthographicFront"/>
-      <a:lightRig rig="threePt" dir="t"/>
-    </dgm:scene3d>
-    <dgm:sp3d/>
-    <dgm:txPr/>
-    <dgm:style>
-      <a:lnRef idx="2">
-        <a:scrgbClr r="0" g="0" b="0"/>
-      </a:lnRef>
-      <a:fillRef idx="1">
-        <a:scrgbClr r="0" g="0" b="0"/>
-      </a:fillRef>
-      <a:effectRef idx="0">
-        <a:scrgbClr r="0" g="0" b="0"/>
-      </a:effectRef>
-      <a:fontRef idx="minor"/>
-    </dgm:style>
-  </dgm:styleLbl>
-  <dgm:styleLbl name="alignImgPlace1">
-    <dgm:scene3d>
-      <a:camera prst="orthographicFront"/>
-      <a:lightRig rig="threePt" dir="t"/>
-    </dgm:scene3d>
-    <dgm:sp3d/>
-    <dgm:txPr/>
-    <dgm:style>
-      <a:lnRef idx="2">
-        <a:scrgbClr r="0" g="0" b="0"/>
-      </a:lnRef>
-      <a:fillRef idx="1">
-        <a:scrgbClr r="0" g="0" b="0"/>
-      </a:fillRef>
-      <a:effectRef idx="0">
-        <a:scrgbClr r="0" g="0" b="0"/>
-      </a:effectRef>
-      <a:fontRef idx="minor"/>
-    </dgm:style>
-  </dgm:styleLbl>
-  <dgm:styleLbl name="bgImgPlace1">
-    <dgm:scene3d>
-      <a:camera prst="orthographicFront"/>
-      <a:lightRig rig="threePt" dir="t"/>
-    </dgm:scene3d>
-    <dgm:sp3d/>
-    <dgm:txPr/>
-    <dgm:style>
-      <a:lnRef idx="2">
-        <a:scrgbClr r="0" g="0" b="0"/>
-      </a:lnRef>
-      <a:fillRef idx="1">
-        <a:scrgbClr r="0" g="0" b="0"/>
-      </a:fillRef>
-      <a:effectRef idx="0">
-        <a:scrgbClr r="0" g="0" b="0"/>
-      </a:effectRef>
-      <a:fontRef idx="minor"/>
-    </dgm:style>
-  </dgm:styleLbl>
-  <dgm:styleLbl name="sibTrans2D1">
-    <dgm:scene3d>
-      <a:camera prst="orthographicFront"/>
-      <a:lightRig rig="threePt" dir="t"/>
-    </dgm:scene3d>
-    <dgm:sp3d/>
-    <dgm:txPr/>
-    <dgm:style>
-      <a:lnRef idx="0">
-        <a:scrgbClr r="0" g="0" b="0"/>
-      </a:lnRef>
-      <a:fillRef idx="1">
-        <a:scrgbClr r="0" g="0" b="0"/>
-      </a:fillRef>
-      <a:effectRef idx="0">
-        <a:scrgbClr r="0" g="0" b="0"/>
-      </a:effectRef>
-      <a:fontRef idx="minor">
-        <a:schemeClr val="lt1"/>
-      </a:fontRef>
-    </dgm:style>
-  </dgm:styleLbl>
-  <dgm:styleLbl name="fgSibTrans2D1">
-    <dgm:scene3d>
-      <a:camera prst="orthographicFront"/>
-      <a:lightRig rig="threePt" dir="t"/>
-    </dgm:scene3d>
-    <dgm:sp3d/>
-    <dgm:txPr/>
-    <dgm:style>
-      <a:lnRef idx="0">
-        <a:scrgbClr r="0" g="0" b="0"/>
-      </a:lnRef>
-      <a:fillRef idx="1">
-        <a:scrgbClr r="0" g="0" b="0"/>
-      </a:fillRef>
-      <a:effectRef idx="0">
-        <a:scrgbClr r="0" g="0" b="0"/>
-      </a:effectRef>
-      <a:fontRef idx="minor">
-        <a:schemeClr val="lt1"/>
-      </a:fontRef>
-    </dgm:style>
-  </dgm:styleLbl>
-  <dgm:styleLbl name="bgSibTrans2D1">
-    <dgm:scene3d>
-      <a:camera prst="orthographicFront"/>
-      <a:lightRig rig="threePt" dir="t"/>
-    </dgm:scene3d>
-    <dgm:sp3d/>
-    <dgm:txPr/>
-    <dgm:style>
-      <a:lnRef idx="0">
-        <a:scrgbClr r="0" g="0" b="0"/>
-      </a:lnRef>
-      <a:fillRef idx="1">
-        <a:scrgbClr r="0" g="0" b="0"/>
-      </a:fillRef>
-      <a:effectRef idx="0">
-        <a:scrgbClr r="0" g="0" b="0"/>
-      </a:effectRef>
-      <a:fontRef idx="minor">
-        <a:schemeClr val="lt1"/>
-      </a:fontRef>
-    </dgm:style>
-  </dgm:styleLbl>
-  <dgm:styleLbl name="sibTrans1D1">
-    <dgm:scene3d>
-      <a:camera prst="orthographicFront"/>
-      <a:lightRig rig="threePt" dir="t"/>
-    </dgm:scene3d>
-    <dgm:sp3d/>
-    <dgm:txPr/>
-    <dgm:style>
-      <a:lnRef idx="1">
-        <a:scrgbClr r="0" g="0" b="0"/>
-      </a:lnRef>
-      <a:fillRef idx="0">
-        <a:scrgbClr r="0" g="0" b="0"/>
-      </a:fillRef>
-      <a:effectRef idx="0">
-        <a:scrgbClr r="0" g="0" b="0"/>
-      </a:effectRef>
-      <a:fontRef idx="minor"/>
-    </dgm:style>
-  </dgm:styleLbl>
-  <dgm:styleLbl name="callout">
-    <dgm:scene3d>
-      <a:camera prst="orthographicFront"/>
-      <a:lightRig rig="threePt" dir="t"/>
-    </dgm:scene3d>
-    <dgm:sp3d/>
-    <dgm:txPr/>
-    <dgm:style>
-      <a:lnRef idx="2">
-        <a:scrgbClr r="0" g="0" b="0"/>
-      </a:lnRef>
-      <a:fillRef idx="1">
-        <a:scrgbClr r="0" g="0" b="0"/>
-      </a:fillRef>
-      <a:effectRef idx="0">
-        <a:scrgbClr r="0" g="0" b="0"/>
-      </a:effectRef>
-      <a:fontRef idx="minor"/>
-    </dgm:style>
-  </dgm:styleLbl>
-  <dgm:styleLbl name="asst0">
-    <dgm:scene3d>
-      <a:camera prst="orthographicFront"/>
-      <a:lightRig rig="threePt" dir="t"/>
-    </dgm:scene3d>
-    <dgm:sp3d/>
-    <dgm:txPr/>
-    <dgm:style>
-      <a:lnRef idx="2">
-        <a:scrgbClr r="0" g="0" b="0"/>
-      </a:lnRef>
-      <a:fillRef idx="1">
-        <a:scrgbClr r="0" g="0" b="0"/>
-      </a:fillRef>
-      <a:effectRef idx="0">
-        <a:scrgbClr r="0" g="0" b="0"/>
-      </a:effectRef>
-      <a:fontRef idx="minor">
-        <a:schemeClr val="lt1"/>
-      </a:fontRef>
-    </dgm:style>
-  </dgm:styleLbl>
-  <dgm:styleLbl name="asst1">
-    <dgm:scene3d>
-      <a:camera prst="orthographicFront"/>
-      <a:lightRig rig="threePt" dir="t"/>
-    </dgm:scene3d>
-    <dgm:sp3d/>
-    <dgm:txPr/>
-    <dgm:style>
-      <a:lnRef idx="2">
-        <a:scrgbClr r="0" g="0" b="0"/>
-      </a:lnRef>
-      <a:fillRef idx="1">
-        <a:scrgbClr r="0" g="0" b="0"/>
-      </a:fillRef>
-      <a:effectRef idx="0">
-        <a:scrgbClr r="0" g="0" b="0"/>
-      </a:effectRef>
-      <a:fontRef idx="minor">
-        <a:schemeClr val="lt1"/>
-      </a:fontRef>
-    </dgm:style>
-  </dgm:styleLbl>
-  <dgm:styleLbl name="asst2">
-    <dgm:scene3d>
-      <a:camera prst="orthographicFront"/>
-      <a:lightRig rig="threePt" dir="t"/>
-    </dgm:scene3d>
-    <dgm:sp3d/>
-    <dgm:txPr/>
-    <dgm:style>
-      <a:lnRef idx="2">
-        <a:scrgbClr r="0" g="0" b="0"/>
-      </a:lnRef>
-      <a:fillRef idx="1">
-        <a:scrgbClr r="0" g="0" b="0"/>
-      </a:fillRef>
-      <a:effectRef idx="0">
-        <a:scrgbClr r="0" g="0" b="0"/>
-      </a:effectRef>
-      <a:fontRef idx="minor">
-        <a:schemeClr val="lt1"/>
-      </a:fontRef>
-    </dgm:style>
-  </dgm:styleLbl>
-  <dgm:styleLbl name="asst3">
-    <dgm:scene3d>
-      <a:camera prst="orthographicFront"/>
-      <a:lightRig rig="threePt" dir="t"/>
-    </dgm:scene3d>
-    <dgm:sp3d/>
-    <dgm:txPr/>
-    <dgm:style>
-      <a:lnRef idx="2">
-        <a:scrgbClr r="0" g="0" b="0"/>
-      </a:lnRef>
-      <a:fillRef idx="1">
-        <a:scrgbClr r="0" g="0" b="0"/>
-      </a:fillRef>
-      <a:effectRef idx="0">
-        <a:scrgbClr r="0" g="0" b="0"/>
-      </a:effectRef>
-      <a:fontRef idx="minor">
-        <a:schemeClr val="lt1"/>
-      </a:fontRef>
-    </dgm:style>
-  </dgm:styleLbl>
-  <dgm:styleLbl name="asst4">
-    <dgm:scene3d>
-      <a:camera prst="orthographicFront"/>
-      <a:lightRig rig="threePt" dir="t"/>
-    </dgm:scene3d>
-    <dgm:sp3d/>
-    <dgm:txPr/>
-    <dgm:style>
-      <a:lnRef idx="2">
-        <a:scrgbClr r="0" g="0" b="0"/>
-      </a:lnRef>
-      <a:fillRef idx="1">
-        <a:scrgbClr r="0" g="0" b="0"/>
-      </a:fillRef>
-      <a:effectRef idx="0">
-        <a:scrgbClr r="0" g="0" b="0"/>
-      </a:effectRef>
-      <a:fontRef idx="minor">
-        <a:schemeClr val="lt1"/>
-      </a:fontRef>
-    </dgm:style>
-  </dgm:styleLbl>
-  <dgm:styleLbl name="parChTrans2D1">
-    <dgm:scene3d>
-      <a:camera prst="orthographicFront"/>
-      <a:lightRig rig="threePt" dir="t"/>
-    </dgm:scene3d>
-    <dgm:sp3d/>
-    <dgm:txPr/>
-    <dgm:style>
-      <a:lnRef idx="2">
-        <a:scrgbClr r="0" g="0" b="0"/>
-      </a:lnRef>
-      <a:fillRef idx="1">
-        <a:scrgbClr r="0" g="0" b="0"/>
-      </a:fillRef>
-      <a:effectRef idx="0">
-        <a:scrgbClr r="0" g="0" b="0"/>
-      </a:effectRef>
-      <a:fontRef idx="minor">
-        <a:schemeClr val="lt1"/>
-      </a:fontRef>
-    </dgm:style>
-  </dgm:styleLbl>
-  <dgm:styleLbl name="parChTrans2D2">
-    <dgm:scene3d>
-      <a:camera prst="orthographicFront"/>
-      <a:lightRig rig="threePt" dir="t"/>
-    </dgm:scene3d>
-    <dgm:sp3d/>
-    <dgm:txPr/>
-    <dgm:style>
-      <a:lnRef idx="2">
-        <a:scrgbClr r="0" g="0" b="0"/>
-      </a:lnRef>
-      <a:fillRef idx="1">
-        <a:scrgbClr r="0" g="0" b="0"/>
-      </a:fillRef>
-      <a:effectRef idx="0">
-        <a:scrgbClr r="0" g="0" b="0"/>
-      </a:effectRef>
-      <a:fontRef idx="minor">
-        <a:schemeClr val="lt1"/>
-      </a:fontRef>
-    </dgm:style>
-  </dgm:styleLbl>
-  <dgm:styleLbl name="parChTrans2D3">
-    <dgm:scene3d>
-      <a:camera prst="orthographicFront"/>
-      <a:lightRig rig="threePt" dir="t"/>
-    </dgm:scene3d>
-    <dgm:sp3d/>
-    <dgm:txPr/>
-    <dgm:style>
-      <a:lnRef idx="2">
-        <a:scrgbClr r="0" g="0" b="0"/>
-      </a:lnRef>
-      <a:fillRef idx="1">
-        <a:scrgbClr r="0" g="0" b="0"/>
-      </a:fillRef>
-      <a:effectRef idx="0">
-        <a:scrgbClr r="0" g="0" b="0"/>
-      </a:effectRef>
-      <a:fontRef idx="minor">
-        <a:schemeClr val="lt1"/>
-      </a:fontRef>
-    </dgm:style>
-  </dgm:styleLbl>
-  <dgm:styleLbl name="parChTrans2D4">
-    <dgm:scene3d>
-      <a:camera prst="orthographicFront"/>
-      <a:lightRig rig="threePt" dir="t"/>
-    </dgm:scene3d>
-    <dgm:sp3d/>
-    <dgm:txPr/>
-    <dgm:style>
-      <a:lnRef idx="2">
-        <a:scrgbClr r="0" g="0" b="0"/>
-      </a:lnRef>
-      <a:fillRef idx="1">
-        <a:scrgbClr r="0" g="0" b="0"/>
-      </a:fillRef>
-      <a:effectRef idx="0">
-        <a:scrgbClr r="0" g="0" b="0"/>
-      </a:effectRef>
-      <a:fontRef idx="minor">
-        <a:schemeClr val="lt1"/>
-      </a:fontRef>
-    </dgm:style>
-  </dgm:styleLbl>
-  <dgm:styleLbl name="parChTrans1D1">
-    <dgm:scene3d>
-      <a:camera prst="orthographicFront"/>
-      <a:lightRig rig="threePt" dir="t"/>
-    </dgm:scene3d>
-    <dgm:sp3d/>
-    <dgm:txPr/>
-    <dgm:style>
-      <a:lnRef idx="2">
-        <a:scrgbClr r="0" g="0" b="0"/>
-      </a:lnRef>
-      <a:fillRef idx="0">
-        <a:scrgbClr r="0" g="0" b="0"/>
-      </a:fillRef>
-      <a:effectRef idx="0">
-        <a:scrgbClr r="0" g="0" b="0"/>
-      </a:effectRef>
-      <a:fontRef idx="minor"/>
-    </dgm:style>
-  </dgm:styleLbl>
-  <dgm:styleLbl name="parChTrans1D2">
-    <dgm:scene3d>
-      <a:camera prst="orthographicFront"/>
-      <a:lightRig rig="threePt" dir="t"/>
-    </dgm:scene3d>
-    <dgm:sp3d/>
-    <dgm:txPr/>
-    <dgm:style>
-      <a:lnRef idx="2">
-        <a:scrgbClr r="0" g="0" b="0"/>
-      </a:lnRef>
-      <a:fillRef idx="0">
-        <a:scrgbClr r="0" g="0" b="0"/>
-      </a:fillRef>
-      <a:effectRef idx="0">
-        <a:scrgbClr r="0" g="0" b="0"/>
-      </a:effectRef>
-      <a:fontRef idx="minor"/>
-    </dgm:style>
-  </dgm:styleLbl>
-  <dgm:styleLbl name="parChTrans1D3">
-    <dgm:scene3d>
-      <a:camera prst="orthographicFront"/>
-      <a:lightRig rig="threePt" dir="t"/>
-    </dgm:scene3d>
-    <dgm:sp3d/>
-    <dgm:txPr/>
-    <dgm:style>
-      <a:lnRef idx="2">
-        <a:scrgbClr r="0" g="0" b="0"/>
-      </a:lnRef>
-      <a:fillRef idx="0">
-        <a:scrgbClr r="0" g="0" b="0"/>
-      </a:fillRef>
-      <a:effectRef idx="0">
-        <a:scrgbClr r="0" g="0" b="0"/>
-      </a:effectRef>
-      <a:fontRef idx="minor"/>
-    </dgm:style>
-  </dgm:styleLbl>
-  <dgm:styleLbl name="parChTrans1D4">
-    <dgm:scene3d>
-      <a:camera prst="orthographicFront"/>
-      <a:lightRig rig="threePt" dir="t"/>
-    </dgm:scene3d>
-    <dgm:sp3d/>
-    <dgm:txPr/>
-    <dgm:style>
-      <a:lnRef idx="2">
-        <a:scrgbClr r="0" g="0" b="0"/>
-      </a:lnRef>
-      <a:fillRef idx="0">
-        <a:scrgbClr r="0" g="0" b="0"/>
-      </a:fillRef>
-      <a:effectRef idx="0">
-        <a:scrgbClr r="0" g="0" b="0"/>
-      </a:effectRef>
-      <a:fontRef idx="minor"/>
-    </dgm:style>
-  </dgm:styleLbl>
-  <dgm:styleLbl name="fgAcc1">
-    <dgm:scene3d>
-      <a:camera prst="orthographicFront"/>
-      <a:lightRig rig="threePt" dir="t"/>
-    </dgm:scene3d>
-    <dgm:sp3d/>
-    <dgm:txPr/>
-    <dgm:style>
-      <a:lnRef idx="2">
-        <a:scrgbClr r="0" g="0" b="0"/>
-      </a:lnRef>
-      <a:fillRef idx="1">
-        <a:scrgbClr r="0" g="0" b="0"/>
-      </a:fillRef>
-      <a:effectRef idx="0">
-        <a:scrgbClr r="0" g="0" b="0"/>
-      </a:effectRef>
-      <a:fontRef idx="minor"/>
-    </dgm:style>
-  </dgm:styleLbl>
-  <dgm:styleLbl name="conFgAcc1">
-    <dgm:scene3d>
-      <a:camera prst="orthographicFront"/>
-      <a:lightRig rig="threePt" dir="t"/>
-    </dgm:scene3d>
-    <dgm:sp3d/>
-    <dgm:txPr/>
-    <dgm:style>
-      <a:lnRef idx="2">
-        <a:scrgbClr r="0" g="0" b="0"/>
-      </a:lnRef>
-      <a:fillRef idx="1">
-        <a:scrgbClr r="0" g="0" b="0"/>
-      </a:fillRef>
-      <a:effectRef idx="0">
-        <a:scrgbClr r="0" g="0" b="0"/>
-      </a:effectRef>
-      <a:fontRef idx="minor"/>
-    </dgm:style>
-  </dgm:styleLbl>
-  <dgm:styleLbl name="alignAcc1">
-    <dgm:scene3d>
-      <a:camera prst="orthographicFront"/>
-      <a:lightRig rig="threePt" dir="t"/>
-    </dgm:scene3d>
-    <dgm:sp3d/>
-    <dgm:txPr/>
-    <dgm:style>
-      <a:lnRef idx="2">
-        <a:scrgbClr r="0" g="0" b="0"/>
-      </a:lnRef>
-      <a:fillRef idx="1">
-        <a:scrgbClr r="0" g="0" b="0"/>
-      </a:fillRef>
-      <a:effectRef idx="0">
-        <a:scrgbClr r="0" g="0" b="0"/>
-      </a:effectRef>
-      <a:fontRef idx="minor"/>
-    </dgm:style>
-  </dgm:styleLbl>
-  <dgm:styleLbl name="trAlignAcc1">
-    <dgm:scene3d>
-      <a:camera prst="orthographicFront"/>
-      <a:lightRig rig="threePt" dir="t"/>
-    </dgm:scene3d>
-    <dgm:sp3d/>
-    <dgm:txPr/>
-    <dgm:style>
-      <a:lnRef idx="1">
-        <a:scrgbClr r="0" g="0" b="0"/>
-      </a:lnRef>
-      <a:fillRef idx="1">
-        <a:scrgbClr r="0" g="0" b="0"/>
-      </a:fillRef>
-      <a:effectRef idx="0">
-        <a:scrgbClr r="0" g="0" b="0"/>
-      </a:effectRef>
-      <a:fontRef idx="minor"/>
-    </dgm:style>
-  </dgm:styleLbl>
-  <dgm:styleLbl name="bgAcc1">
-    <dgm:scene3d>
-      <a:camera prst="orthographicFront"/>
-      <a:lightRig rig="threePt" dir="t"/>
-    </dgm:scene3d>
-    <dgm:sp3d/>
-    <dgm:txPr/>
-    <dgm:style>
-      <a:lnRef idx="2">
-        <a:scrgbClr r="0" g="0" b="0"/>
-      </a:lnRef>
-      <a:fillRef idx="1">
-        <a:scrgbClr r="0" g="0" b="0"/>
-      </a:fillRef>
-      <a:effectRef idx="0">
-        <a:scrgbClr r="0" g="0" b="0"/>
-      </a:effectRef>
-      <a:fontRef idx="minor"/>
-    </dgm:style>
-  </dgm:styleLbl>
-  <dgm:styleLbl name="solidFgAcc1">
-    <dgm:scene3d>
-      <a:camera prst="orthographicFront"/>
-      <a:lightRig rig="threePt" dir="t"/>
-    </dgm:scene3d>
-    <dgm:sp3d/>
-    <dgm:txPr/>
-    <dgm:style>
-      <a:lnRef idx="2">
-        <a:scrgbClr r="0" g="0" b="0"/>
-      </a:lnRef>
-      <a:fillRef idx="1">
-        <a:scrgbClr r="0" g="0" b="0"/>
-      </a:fillRef>
-      <a:effectRef idx="0">
-        <a:scrgbClr r="0" g="0" b="0"/>
-      </a:effectRef>
-      <a:fontRef idx="minor"/>
-    </dgm:style>
-  </dgm:styleLbl>
-  <dgm:styleLbl name="solidAlignAcc1">
-    <dgm:scene3d>
-      <a:camera prst="orthographicFront"/>
-      <a:lightRig rig="threePt" dir="t"/>
-    </dgm:scene3d>
-    <dgm:sp3d/>
-    <dgm:txPr/>
-    <dgm:style>
-      <a:lnRef idx="2">
-        <a:scrgbClr r="0" g="0" b="0"/>
-      </a:lnRef>
-      <a:fillRef idx="1">
-        <a:scrgbClr r="0" g="0" b="0"/>
-      </a:fillRef>
-      <a:effectRef idx="0">
-        <a:scrgbClr r="0" g="0" b="0"/>
-      </a:effectRef>
-      <a:fontRef idx="minor"/>
-    </dgm:style>
-  </dgm:styleLbl>
-  <dgm:styleLbl name="solidBgAcc1">
-    <dgm:scene3d>
-      <a:camera prst="orthographicFront"/>
-      <a:lightRig rig="threePt" dir="t"/>
-    </dgm:scene3d>
-    <dgm:sp3d/>
-    <dgm:txPr/>
-    <dgm:style>
-      <a:lnRef idx="2">
-        <a:scrgbClr r="0" g="0" b="0"/>
-      </a:lnRef>
-      <a:fillRef idx="1">
-        <a:scrgbClr r="0" g="0" b="0"/>
-      </a:fillRef>
-      <a:effectRef idx="0">
-        <a:scrgbClr r="0" g="0" b="0"/>
-      </a:effectRef>
-      <a:fontRef idx="minor"/>
-    </dgm:style>
-  </dgm:styleLbl>
-  <dgm:styleLbl name="fgAccFollowNode1">
-    <dgm:scene3d>
-      <a:camera prst="orthographicFront"/>
-      <a:lightRig rig="threePt" dir="t"/>
-    </dgm:scene3d>
-    <dgm:sp3d/>
-    <dgm:txPr/>
-    <dgm:style>
-      <a:lnRef idx="2">
-        <a:scrgbClr r="0" g="0" b="0"/>
-      </a:lnRef>
-      <a:fillRef idx="1">
-        <a:scrgbClr r="0" g="0" b="0"/>
-      </a:fillRef>
-      <a:effectRef idx="0">
-        <a:scrgbClr r="0" g="0" b="0"/>
-      </a:effectRef>
-      <a:fontRef idx="minor"/>
-    </dgm:style>
-  </dgm:styleLbl>
-  <dgm:styleLbl name="alignAccFollowNode1">
-    <dgm:scene3d>
-      <a:camera prst="orthographicFront"/>
-      <a:lightRig rig="threePt" dir="t"/>
-    </dgm:scene3d>
-    <dgm:sp3d/>
-    <dgm:txPr/>
-    <dgm:style>
-      <a:lnRef idx="2">
-        <a:scrgbClr r="0" g="0" b="0"/>
-      </a:lnRef>
-      <a:fillRef idx="1">
-        <a:scrgbClr r="0" g="0" b="0"/>
-      </a:fillRef>
-      <a:effectRef idx="0">
-        <a:scrgbClr r="0" g="0" b="0"/>
-      </a:effectRef>
-      <a:fontRef idx="minor"/>
-    </dgm:style>
-  </dgm:styleLbl>
-  <dgm:styleLbl name="bgAccFollowNode1">
-    <dgm:scene3d>
-      <a:camera prst="orthographicFront"/>
-      <a:lightRig rig="threePt" dir="t"/>
-    </dgm:scene3d>
-    <dgm:sp3d/>
-    <dgm:txPr/>
-    <dgm:style>
-      <a:lnRef idx="2">
-        <a:scrgbClr r="0" g="0" b="0"/>
-      </a:lnRef>
-      <a:fillRef idx="1">
-        <a:scrgbClr r="0" g="0" b="0"/>
-      </a:fillRef>
-      <a:effectRef idx="0">
-        <a:scrgbClr r="0" g="0" b="0"/>
-      </a:effectRef>
-      <a:fontRef idx="minor"/>
-    </dgm:style>
-  </dgm:styleLbl>
-  <dgm:styleLbl name="fgAcc0">
-    <dgm:scene3d>
-      <a:camera prst="orthographicFront"/>
-      <a:lightRig rig="threePt" dir="t"/>
-    </dgm:scene3d>
-    <dgm:sp3d/>
-    <dgm:txPr/>
-    <dgm:style>
-      <a:lnRef idx="2">
-        <a:scrgbClr r="0" g="0" b="0"/>
-      </a:lnRef>
-      <a:fillRef idx="1">
-        <a:scrgbClr r="0" g="0" b="0"/>
-      </a:fillRef>
-      <a:effectRef idx="0">
-        <a:scrgbClr r="0" g="0" b="0"/>
-      </a:effectRef>
-      <a:fontRef idx="minor"/>
-    </dgm:style>
-  </dgm:styleLbl>
-  <dgm:styleLbl name="fgAcc2">
-    <dgm:scene3d>
-      <a:camera prst="orthographicFront"/>
-      <a:lightRig rig="threePt" dir="t"/>
-    </dgm:scene3d>
-    <dgm:sp3d/>
-    <dgm:txPr/>
-    <dgm:style>
-      <a:lnRef idx="2">
-        <a:scrgbClr r="0" g="0" b="0"/>
-      </a:lnRef>
-      <a:fillRef idx="1">
-        <a:scrgbClr r="0" g="0" b="0"/>
-      </a:fillRef>
-      <a:effectRef idx="0">
-        <a:scrgbClr r="0" g="0" b="0"/>
-      </a:effectRef>
-      <a:fontRef idx="minor"/>
-    </dgm:style>
-  </dgm:styleLbl>
-  <dgm:styleLbl name="fgAcc3">
-    <dgm:scene3d>
-      <a:camera prst="orthographicFront"/>
-      <a:lightRig rig="threePt" dir="t"/>
-    </dgm:scene3d>
-    <dgm:sp3d/>
-    <dgm:txPr/>
-    <dgm:style>
-      <a:lnRef idx="2">
-        <a:scrgbClr r="0" g="0" b="0"/>
-      </a:lnRef>
-      <a:fillRef idx="1">
-        <a:scrgbClr r="0" g="0" b="0"/>
-      </a:fillRef>
-      <a:effectRef idx="0">
-        <a:scrgbClr r="0" g="0" b="0"/>
-      </a:effectRef>
-      <a:fontRef idx="minor"/>
-    </dgm:style>
-  </dgm:styleLbl>
-  <dgm:styleLbl name="fgAcc4">
-    <dgm:scene3d>
-      <a:camera prst="orthographicFront"/>
-      <a:lightRig rig="threePt" dir="t"/>
-    </dgm:scene3d>
-    <dgm:sp3d/>
-    <dgm:txPr/>
-    <dgm:style>
-      <a:lnRef idx="2">
-        <a:scrgbClr r="0" g="0" b="0"/>
-      </a:lnRef>
-      <a:fillRef idx="1">
-        <a:scrgbClr r="0" g="0" b="0"/>
-      </a:fillRef>
-      <a:effectRef idx="0">
-        <a:scrgbClr r="0" g="0" b="0"/>
-      </a:effectRef>
-      <a:fontRef idx="minor"/>
-    </dgm:style>
-  </dgm:styleLbl>
-  <dgm:styleLbl name="bgShp">
-    <dgm:scene3d>
-      <a:camera prst="orthographicFront"/>
-      <a:lightRig rig="threePt" dir="t"/>
-    </dgm:scene3d>
-    <dgm:sp3d/>
-    <dgm:txPr/>
-    <dgm:style>
-      <a:lnRef idx="0">
-        <a:scrgbClr r="0" g="0" b="0"/>
-      </a:lnRef>
-      <a:fillRef idx="1">
-        <a:scrgbClr r="0" g="0" b="0"/>
-      </a:fillRef>
-      <a:effectRef idx="0">
-        <a:scrgbClr r="0" g="0" b="0"/>
-      </a:effectRef>
-      <a:fontRef idx="minor"/>
-    </dgm:style>
-  </dgm:styleLbl>
-  <dgm:styleLbl name="dkBgShp">
-    <dgm:scene3d>
-      <a:camera prst="orthographicFront"/>
-      <a:lightRig rig="threePt" dir="t"/>
-    </dgm:scene3d>
-    <dgm:sp3d/>
-    <dgm:txPr/>
-    <dgm:style>
-      <a:lnRef idx="0">
-        <a:scrgbClr r="0" g="0" b="0"/>
-      </a:lnRef>
-      <a:fillRef idx="1">
-        <a:scrgbClr r="0" g="0" b="0"/>
-      </a:fillRef>
-      <a:effectRef idx="0">
-        <a:scrgbClr r="0" g="0" b="0"/>
-      </a:effectRef>
-      <a:fontRef idx="minor"/>
-    </dgm:style>
-  </dgm:styleLbl>
-  <dgm:styleLbl name="trBgShp">
-    <dgm:scene3d>
-      <a:camera prst="orthographicFront"/>
-      <a:lightRig rig="threePt" dir="t"/>
-    </dgm:scene3d>
-    <dgm:sp3d/>
-    <dgm:txPr/>
-    <dgm:style>
-      <a:lnRef idx="0">
-        <a:scrgbClr r="0" g="0" b="0"/>
-      </a:lnRef>
-      <a:fillRef idx="1">
-        <a:scrgbClr r="0" g="0" b="0"/>
-      </a:fillRef>
-      <a:effectRef idx="0">
-        <a:scrgbClr r="0" g="0" b="0"/>
-      </a:effectRef>
-      <a:fontRef idx="minor"/>
-    </dgm:style>
-  </dgm:styleLbl>
-  <dgm:styleLbl name="fgShp">
-    <dgm:scene3d>
-      <a:camera prst="orthographicFront"/>
-      <a:lightRig rig="threePt" dir="t"/>
-    </dgm:scene3d>
-    <dgm:sp3d/>
-    <dgm:txPr/>
-    <dgm:style>
-      <a:lnRef idx="2">
-        <a:scrgbClr r="0" g="0" b="0"/>
-      </a:lnRef>
-      <a:fillRef idx="1">
-        <a:scrgbClr r="0" g="0" b="0"/>
-      </a:fillRef>
-      <a:effectRef idx="0">
-        <a:scrgbClr r="0" g="0" b="0"/>
-      </a:effectRef>
-      <a:fontRef idx="minor"/>
-    </dgm:style>
-  </dgm:styleLbl>
-  <dgm:styleLbl name="revTx">
-    <dgm:scene3d>
-      <a:camera prst="orthographicFront"/>
-      <a:lightRig rig="threePt" dir="t"/>
-    </dgm:scene3d>
-    <dgm:sp3d/>
-    <dgm:txPr/>
-    <dgm:style>
-      <a:lnRef idx="0">
-        <a:scrgbClr r="0" g="0" b="0"/>
-      </a:lnRef>
-      <a:fillRef idx="0">
-        <a:scrgbClr r="0" g="0" b="0"/>
-      </a:fillRef>
-      <a:effectRef idx="0">
-        <a:scrgbClr r="0" g="0" b="0"/>
-      </a:effectRef>
-      <a:fontRef idx="minor"/>
-    </dgm:style>
-  </dgm:styleLbl>
-</dgm:styleDef>
-</file>
-
-<file path=ppt/diagrams/quickStyle3.xml><?xml version="1.0" encoding="utf-8"?>
 <dgm:styleDef xmlns:dgm="http://schemas.openxmlformats.org/drawingml/2006/diagram" xmlns:a="http://schemas.openxmlformats.org/drawingml/2006/main" uniqueId="urn:microsoft.com/office/officeart/2005/8/quickstyle/simple1">
   <dgm:title val=""/>
   <dgm:desc val=""/>
@@ -15145,10 +8914,48 @@
           <a:lstStyle/>
           <a:p>
             <a:r>
-              <a:rPr lang="en-US" altLang="th-TH" sz="2800" dirty="0">
-                <a:latin typeface="Tahoma" panose="020B0604030504040204" pitchFamily="34" charset="0"/>
+              <a:rPr lang="en-US" altLang="th-TH" sz="3600" dirty="0">
+                <a:effectLst>
+                  <a:glow rad="63500">
+                    <a:schemeClr val="accent4">
+                      <a:satMod val="175000"/>
+                      <a:alpha val="40000"/>
+                    </a:schemeClr>
+                  </a:glow>
+                </a:effectLst>
+                <a:latin typeface="TH Sarabun New" panose="020B0500040200020003" pitchFamily="34" charset="-34"/>
+                <a:cs typeface="TH Sarabun New" panose="020B0500040200020003" pitchFamily="34" charset="-34"/>
               </a:rPr>
-              <a:t>Movie recommendation system based on user rating</a:t>
+              <a:t>Movie recommendation system </a:t>
+            </a:r>
+            <a:br>
+              <a:rPr lang="en-US" altLang="th-TH" sz="3600" dirty="0">
+                <a:effectLst>
+                  <a:glow rad="63500">
+                    <a:schemeClr val="accent4">
+                      <a:satMod val="175000"/>
+                      <a:alpha val="40000"/>
+                    </a:schemeClr>
+                  </a:glow>
+                </a:effectLst>
+                <a:latin typeface="TH Sarabun New" panose="020B0500040200020003" pitchFamily="34" charset="-34"/>
+                <a:cs typeface="TH Sarabun New" panose="020B0500040200020003" pitchFamily="34" charset="-34"/>
+              </a:rPr>
+            </a:br>
+            <a:r>
+              <a:rPr lang="en-US" altLang="th-TH" sz="3600" dirty="0">
+                <a:effectLst>
+                  <a:glow rad="63500">
+                    <a:schemeClr val="accent4">
+                      <a:satMod val="175000"/>
+                      <a:alpha val="40000"/>
+                    </a:schemeClr>
+                  </a:glow>
+                </a:effectLst>
+                <a:latin typeface="TH Sarabun New" panose="020B0500040200020003" pitchFamily="34" charset="-34"/>
+                <a:cs typeface="TH Sarabun New" panose="020B0500040200020003" pitchFamily="34" charset="-34"/>
+              </a:rPr>
+              <a:t>based on user rating</a:t>
             </a:r>
           </a:p>
         </p:txBody>
@@ -15180,10 +8987,31 @@
           <a:lstStyle/>
           <a:p>
             <a:r>
-              <a:rPr lang="th-TH" altLang="th-TH" dirty="0"/>
+              <a:rPr lang="th-TH" altLang="th-TH" dirty="0">
+                <a:effectLst>
+                  <a:glow rad="63500">
+                    <a:schemeClr val="accent4">
+                      <a:satMod val="175000"/>
+                      <a:alpha val="40000"/>
+                    </a:schemeClr>
+                  </a:glow>
+                </a:effectLst>
+                <a:latin typeface="TH Sarabun New" panose="020B0500040200020003" pitchFamily="34" charset="-34"/>
+                <a:cs typeface="TH Sarabun New" panose="020B0500040200020003" pitchFamily="34" charset="-34"/>
+              </a:rPr>
               <a:t>ระบบแนะนำภาพยนต์โดยใช้การให้คะแนนของผู้ใช้งาน</a:t>
             </a:r>
-            <a:endParaRPr lang="uk-UA" altLang="th-TH" dirty="0"/>
+            <a:endParaRPr lang="uk-UA" altLang="th-TH" dirty="0">
+              <a:effectLst>
+                <a:glow rad="63500">
+                  <a:schemeClr val="accent4">
+                    <a:satMod val="175000"/>
+                    <a:alpha val="40000"/>
+                  </a:schemeClr>
+                </a:glow>
+              </a:effectLst>
+              <a:cs typeface="TH Sarabun New" panose="020B0500040200020003" pitchFamily="34" charset="-34"/>
+            </a:endParaRPr>
           </a:p>
         </p:txBody>
       </p:sp>
@@ -15212,37 +9040,1947 @@
           <a:chExt cx="0" cy="0"/>
         </a:xfrm>
       </p:grpSpPr>
-      <p:graphicFrame>
-        <p:nvGraphicFramePr>
-          <p:cNvPr id="14" name="Content Placeholder 13">
+      <p:sp>
+        <p:nvSpPr>
+          <p:cNvPr id="3" name="Rectangle 2">
             <a:extLst>
               <a:ext uri="{FF2B5EF4-FFF2-40B4-BE49-F238E27FC236}">
-                <a16:creationId xmlns:a16="http://schemas.microsoft.com/office/drawing/2014/main" id="{2CA1A1EC-695F-489B-B6CC-181F1967FCBB}"/>
+                <a16:creationId xmlns:a16="http://schemas.microsoft.com/office/drawing/2014/main" id="{BFAC815A-8454-4DD8-9446-921EF5F420C9}"/>
               </a:ext>
             </a:extLst>
           </p:cNvPr>
-          <p:cNvGraphicFramePr>
-            <a:graphicFrameLocks noGrp="1"/>
-          </p:cNvGraphicFramePr>
-          <p:nvPr>
-            <p:ph idx="1"/>
-            <p:extLst>
-              <p:ext uri="{D42A27DB-BD31-4B8C-83A1-F6EECF244321}">
-                <p14:modId xmlns:p14="http://schemas.microsoft.com/office/powerpoint/2010/main" val="910599060"/>
-              </p:ext>
-            </p:extLst>
-          </p:nvPr>
-        </p:nvGraphicFramePr>
-        <p:xfrm>
-          <a:off x="-684584" y="1340768"/>
-          <a:ext cx="10081120" cy="4032448"/>
-        </p:xfrm>
-        <a:graphic>
-          <a:graphicData uri="http://schemas.openxmlformats.org/drawingml/2006/diagram">
-            <dgm:relIds xmlns:dgm="http://schemas.openxmlformats.org/drawingml/2006/diagram" xmlns:r="http://schemas.openxmlformats.org/officeDocument/2006/relationships" r:dm="rId2" r:lo="rId3" r:qs="rId4" r:cs="rId5"/>
-          </a:graphicData>
-        </a:graphic>
-      </p:graphicFrame>
+          <p:cNvSpPr/>
+          <p:nvPr/>
+        </p:nvSpPr>
+        <p:spPr>
+          <a:xfrm>
+            <a:off x="-684584" y="1340768"/>
+            <a:ext cx="10081120" cy="4032448"/>
+          </a:xfrm>
+          <a:prstGeom prst="rect">
+            <a:avLst/>
+          </a:prstGeom>
+          <a:ln>
+            <a:noFill/>
+          </a:ln>
+        </p:spPr>
+      </p:sp>
+      <p:sp>
+        <p:nvSpPr>
+          <p:cNvPr id="4" name="Freeform: Shape 3">
+            <a:extLst>
+              <a:ext uri="{FF2B5EF4-FFF2-40B4-BE49-F238E27FC236}">
+                <a16:creationId xmlns:a16="http://schemas.microsoft.com/office/drawing/2014/main" id="{7C526C16-DB90-4FA2-A817-15D8C357E6F6}"/>
+              </a:ext>
+            </a:extLst>
+          </p:cNvPr>
+          <p:cNvSpPr/>
+          <p:nvPr/>
+        </p:nvSpPr>
+        <p:spPr>
+          <a:xfrm>
+            <a:off x="1744260" y="3421511"/>
+            <a:ext cx="1458600" cy="1252478"/>
+          </a:xfrm>
+          <a:custGeom>
+            <a:avLst/>
+            <a:gdLst>
+              <a:gd name="connsiteX0" fmla="*/ 0 w 1458600"/>
+              <a:gd name="connsiteY0" fmla="*/ 626239 h 1252478"/>
+              <a:gd name="connsiteX1" fmla="*/ 313120 w 1458600"/>
+              <a:gd name="connsiteY1" fmla="*/ 0 h 1252478"/>
+              <a:gd name="connsiteX2" fmla="*/ 1145481 w 1458600"/>
+              <a:gd name="connsiteY2" fmla="*/ 0 h 1252478"/>
+              <a:gd name="connsiteX3" fmla="*/ 1458600 w 1458600"/>
+              <a:gd name="connsiteY3" fmla="*/ 626239 h 1252478"/>
+              <a:gd name="connsiteX4" fmla="*/ 1145481 w 1458600"/>
+              <a:gd name="connsiteY4" fmla="*/ 1252478 h 1252478"/>
+              <a:gd name="connsiteX5" fmla="*/ 313120 w 1458600"/>
+              <a:gd name="connsiteY5" fmla="*/ 1252478 h 1252478"/>
+              <a:gd name="connsiteX6" fmla="*/ 0 w 1458600"/>
+              <a:gd name="connsiteY6" fmla="*/ 626239 h 1252478"/>
+            </a:gdLst>
+            <a:ahLst/>
+            <a:cxnLst>
+              <a:cxn ang="0">
+                <a:pos x="connsiteX0" y="connsiteY0"/>
+              </a:cxn>
+              <a:cxn ang="0">
+                <a:pos x="connsiteX1" y="connsiteY1"/>
+              </a:cxn>
+              <a:cxn ang="0">
+                <a:pos x="connsiteX2" y="connsiteY2"/>
+              </a:cxn>
+              <a:cxn ang="0">
+                <a:pos x="connsiteX3" y="connsiteY3"/>
+              </a:cxn>
+              <a:cxn ang="0">
+                <a:pos x="connsiteX4" y="connsiteY4"/>
+              </a:cxn>
+              <a:cxn ang="0">
+                <a:pos x="connsiteX5" y="connsiteY5"/>
+              </a:cxn>
+              <a:cxn ang="0">
+                <a:pos x="connsiteX6" y="connsiteY6"/>
+              </a:cxn>
+            </a:cxnLst>
+            <a:rect l="l" t="t" r="r" b="b"/>
+            <a:pathLst>
+              <a:path w="1458600" h="1252478">
+                <a:moveTo>
+                  <a:pt x="0" y="626239"/>
+                </a:moveTo>
+                <a:lnTo>
+                  <a:pt x="313120" y="0"/>
+                </a:lnTo>
+                <a:lnTo>
+                  <a:pt x="1145481" y="0"/>
+                </a:lnTo>
+                <a:lnTo>
+                  <a:pt x="1458600" y="626239"/>
+                </a:lnTo>
+                <a:lnTo>
+                  <a:pt x="1145481" y="1252478"/>
+                </a:lnTo>
+                <a:lnTo>
+                  <a:pt x="313120" y="1252478"/>
+                </a:lnTo>
+                <a:lnTo>
+                  <a:pt x="0" y="626239"/>
+                </a:lnTo>
+                <a:close/>
+              </a:path>
+            </a:pathLst>
+          </a:custGeom>
+          <a:solidFill>
+            <a:srgbClr val="9B6902">
+              <a:lumMod val="40000"/>
+              <a:lumOff val="60000"/>
+            </a:srgbClr>
+          </a:solidFill>
+          <a:ln w="12700" cap="flat" cmpd="sng" algn="ctr">
+            <a:solidFill>
+              <a:srgbClr val="9B6902">
+                <a:lumMod val="20000"/>
+                <a:lumOff val="80000"/>
+              </a:srgbClr>
+            </a:solidFill>
+            <a:prstDash val="solid"/>
+            <a:miter lim="800000"/>
+          </a:ln>
+          <a:effectLst/>
+        </p:spPr>
+        <p:style>
+          <a:lnRef idx="2">
+            <a:scrgbClr r="0" g="0" b="0"/>
+          </a:lnRef>
+          <a:fillRef idx="1">
+            <a:scrgbClr r="0" g="0" b="0"/>
+          </a:fillRef>
+          <a:effectRef idx="0">
+            <a:scrgbClr r="0" g="0" b="0"/>
+          </a:effectRef>
+          <a:fontRef idx="minor">
+            <a:schemeClr val="lt1"/>
+          </a:fontRef>
+        </p:style>
+        <p:txBody>
+          <a:bodyPr spcFirstLastPara="0" vert="horz" wrap="square" lIns="225923" tIns="263847" rIns="225923" bIns="263847" numCol="1" spcCol="1270" anchor="ctr" anchorCtr="0">
+            <a:noAutofit/>
+          </a:bodyPr>
+          <a:lstStyle/>
+          <a:p>
+            <a:pPr marL="0" lvl="0" indent="0" algn="ctr" defTabSz="2444750">
+              <a:lnSpc>
+                <a:spcPct val="90000"/>
+              </a:lnSpc>
+              <a:spcBef>
+                <a:spcPct val="0"/>
+              </a:spcBef>
+              <a:spcAft>
+                <a:spcPct val="35000"/>
+              </a:spcAft>
+              <a:buNone/>
+            </a:pPr>
+            <a:endParaRPr lang="en-US" sz="5500" kern="1200" dirty="0"/>
+          </a:p>
+        </p:txBody>
+      </p:sp>
+      <p:sp>
+        <p:nvSpPr>
+          <p:cNvPr id="5" name="Hexagon 4">
+            <a:extLst>
+              <a:ext uri="{FF2B5EF4-FFF2-40B4-BE49-F238E27FC236}">
+                <a16:creationId xmlns:a16="http://schemas.microsoft.com/office/drawing/2014/main" id="{3CE44B31-A50D-4201-9C52-D4EEC4343D26}"/>
+              </a:ext>
+            </a:extLst>
+          </p:cNvPr>
+          <p:cNvSpPr/>
+          <p:nvPr/>
+        </p:nvSpPr>
+        <p:spPr>
+          <a:xfrm>
+            <a:off x="1779063" y="3981618"/>
+            <a:ext cx="170144" cy="146781"/>
+          </a:xfrm>
+          <a:prstGeom prst="hexagon">
+            <a:avLst>
+              <a:gd name="adj" fmla="val 25000"/>
+              <a:gd name="vf" fmla="val 115470"/>
+            </a:avLst>
+          </a:prstGeom>
+        </p:spPr>
+        <p:style>
+          <a:lnRef idx="2">
+            <a:schemeClr val="accent1">
+              <a:hueOff val="0"/>
+              <a:satOff val="0"/>
+              <a:lumOff val="0"/>
+              <a:alphaOff val="0"/>
+            </a:schemeClr>
+          </a:lnRef>
+          <a:fillRef idx="1">
+            <a:schemeClr val="lt1">
+              <a:hueOff val="0"/>
+              <a:satOff val="0"/>
+              <a:lumOff val="0"/>
+              <a:alphaOff val="0"/>
+            </a:schemeClr>
+          </a:fillRef>
+          <a:effectRef idx="0">
+            <a:schemeClr val="lt1">
+              <a:hueOff val="0"/>
+              <a:satOff val="0"/>
+              <a:lumOff val="0"/>
+              <a:alphaOff val="0"/>
+            </a:schemeClr>
+          </a:effectRef>
+          <a:fontRef idx="minor">
+            <a:schemeClr val="dk1">
+              <a:hueOff val="0"/>
+              <a:satOff val="0"/>
+              <a:lumOff val="0"/>
+              <a:alphaOff val="0"/>
+            </a:schemeClr>
+          </a:fontRef>
+        </p:style>
+      </p:sp>
+      <p:sp>
+        <p:nvSpPr>
+          <p:cNvPr id="6" name="Hexagon 5">
+            <a:extLst>
+              <a:ext uri="{FF2B5EF4-FFF2-40B4-BE49-F238E27FC236}">
+                <a16:creationId xmlns:a16="http://schemas.microsoft.com/office/drawing/2014/main" id="{5253BAA3-C46C-453F-9453-6BE8D70B3CC3}"/>
+              </a:ext>
+            </a:extLst>
+          </p:cNvPr>
+          <p:cNvSpPr/>
+          <p:nvPr/>
+        </p:nvSpPr>
+        <p:spPr>
+          <a:xfrm>
+            <a:off x="489059" y="2729139"/>
+            <a:ext cx="1458600" cy="1252478"/>
+          </a:xfrm>
+          <a:prstGeom prst="hexagon">
+            <a:avLst>
+              <a:gd name="adj" fmla="val 25000"/>
+              <a:gd name="vf" fmla="val 115470"/>
+            </a:avLst>
+          </a:prstGeom>
+          <a:solidFill>
+            <a:schemeClr val="bg2">
+              <a:lumMod val="40000"/>
+              <a:lumOff val="60000"/>
+            </a:schemeClr>
+          </a:solidFill>
+          <a:ln>
+            <a:solidFill>
+              <a:schemeClr val="bg2">
+                <a:lumMod val="20000"/>
+                <a:lumOff val="80000"/>
+              </a:schemeClr>
+            </a:solidFill>
+          </a:ln>
+        </p:spPr>
+        <p:style>
+          <a:lnRef idx="2">
+            <a:scrgbClr r="0" g="0" b="0"/>
+          </a:lnRef>
+          <a:fillRef idx="1">
+            <a:scrgbClr r="0" g="0" b="0"/>
+          </a:fillRef>
+          <a:effectRef idx="0">
+            <a:schemeClr val="lt1">
+              <a:alpha val="90000"/>
+              <a:hueOff val="0"/>
+              <a:satOff val="0"/>
+              <a:lumOff val="0"/>
+              <a:alphaOff val="0"/>
+            </a:schemeClr>
+          </a:effectRef>
+          <a:fontRef idx="minor">
+            <a:schemeClr val="dk1">
+              <a:hueOff val="0"/>
+              <a:satOff val="0"/>
+              <a:lumOff val="0"/>
+              <a:alphaOff val="0"/>
+            </a:schemeClr>
+          </a:fontRef>
+        </p:style>
+      </p:sp>
+      <p:sp>
+        <p:nvSpPr>
+          <p:cNvPr id="7" name="Hexagon 6">
+            <a:extLst>
+              <a:ext uri="{FF2B5EF4-FFF2-40B4-BE49-F238E27FC236}">
+                <a16:creationId xmlns:a16="http://schemas.microsoft.com/office/drawing/2014/main" id="{BC2F06F0-9E37-487E-8713-EDA1D5EE333B}"/>
+              </a:ext>
+            </a:extLst>
+          </p:cNvPr>
+          <p:cNvSpPr/>
+          <p:nvPr/>
+        </p:nvSpPr>
+        <p:spPr>
+          <a:xfrm>
+            <a:off x="1488271" y="3815481"/>
+            <a:ext cx="170144" cy="146781"/>
+          </a:xfrm>
+          <a:prstGeom prst="hexagon">
+            <a:avLst>
+              <a:gd name="adj" fmla="val 25000"/>
+              <a:gd name="vf" fmla="val 115470"/>
+            </a:avLst>
+          </a:prstGeom>
+        </p:spPr>
+        <p:style>
+          <a:lnRef idx="2">
+            <a:schemeClr val="accent1">
+              <a:hueOff val="0"/>
+              <a:satOff val="0"/>
+              <a:lumOff val="0"/>
+              <a:alphaOff val="0"/>
+            </a:schemeClr>
+          </a:lnRef>
+          <a:fillRef idx="1">
+            <a:schemeClr val="lt1">
+              <a:hueOff val="0"/>
+              <a:satOff val="0"/>
+              <a:lumOff val="0"/>
+              <a:alphaOff val="0"/>
+            </a:schemeClr>
+          </a:fillRef>
+          <a:effectRef idx="0">
+            <a:schemeClr val="lt1">
+              <a:hueOff val="0"/>
+              <a:satOff val="0"/>
+              <a:lumOff val="0"/>
+              <a:alphaOff val="0"/>
+            </a:schemeClr>
+          </a:effectRef>
+          <a:fontRef idx="minor">
+            <a:schemeClr val="dk1">
+              <a:hueOff val="0"/>
+              <a:satOff val="0"/>
+              <a:lumOff val="0"/>
+              <a:alphaOff val="0"/>
+            </a:schemeClr>
+          </a:fontRef>
+        </p:style>
+      </p:sp>
+      <p:sp>
+        <p:nvSpPr>
+          <p:cNvPr id="8" name="Freeform: Shape 7">
+            <a:extLst>
+              <a:ext uri="{FF2B5EF4-FFF2-40B4-BE49-F238E27FC236}">
+                <a16:creationId xmlns:a16="http://schemas.microsoft.com/office/drawing/2014/main" id="{EB5C4D0A-778E-4EF6-A8A1-7DF32044084E}"/>
+              </a:ext>
+            </a:extLst>
+          </p:cNvPr>
+          <p:cNvSpPr/>
+          <p:nvPr/>
+        </p:nvSpPr>
+        <p:spPr>
+          <a:xfrm>
+            <a:off x="3028954" y="2673056"/>
+            <a:ext cx="1458600" cy="1252478"/>
+          </a:xfrm>
+          <a:custGeom>
+            <a:avLst/>
+            <a:gdLst>
+              <a:gd name="connsiteX0" fmla="*/ 0 w 1458600"/>
+              <a:gd name="connsiteY0" fmla="*/ 626239 h 1252478"/>
+              <a:gd name="connsiteX1" fmla="*/ 313120 w 1458600"/>
+              <a:gd name="connsiteY1" fmla="*/ 0 h 1252478"/>
+              <a:gd name="connsiteX2" fmla="*/ 1145481 w 1458600"/>
+              <a:gd name="connsiteY2" fmla="*/ 0 h 1252478"/>
+              <a:gd name="connsiteX3" fmla="*/ 1458600 w 1458600"/>
+              <a:gd name="connsiteY3" fmla="*/ 626239 h 1252478"/>
+              <a:gd name="connsiteX4" fmla="*/ 1145481 w 1458600"/>
+              <a:gd name="connsiteY4" fmla="*/ 1252478 h 1252478"/>
+              <a:gd name="connsiteX5" fmla="*/ 313120 w 1458600"/>
+              <a:gd name="connsiteY5" fmla="*/ 1252478 h 1252478"/>
+              <a:gd name="connsiteX6" fmla="*/ 0 w 1458600"/>
+              <a:gd name="connsiteY6" fmla="*/ 626239 h 1252478"/>
+            </a:gdLst>
+            <a:ahLst/>
+            <a:cxnLst>
+              <a:cxn ang="0">
+                <a:pos x="connsiteX0" y="connsiteY0"/>
+              </a:cxn>
+              <a:cxn ang="0">
+                <a:pos x="connsiteX1" y="connsiteY1"/>
+              </a:cxn>
+              <a:cxn ang="0">
+                <a:pos x="connsiteX2" y="connsiteY2"/>
+              </a:cxn>
+              <a:cxn ang="0">
+                <a:pos x="connsiteX3" y="connsiteY3"/>
+              </a:cxn>
+              <a:cxn ang="0">
+                <a:pos x="connsiteX4" y="connsiteY4"/>
+              </a:cxn>
+              <a:cxn ang="0">
+                <a:pos x="connsiteX5" y="connsiteY5"/>
+              </a:cxn>
+              <a:cxn ang="0">
+                <a:pos x="connsiteX6" y="connsiteY6"/>
+              </a:cxn>
+            </a:cxnLst>
+            <a:rect l="l" t="t" r="r" b="b"/>
+            <a:pathLst>
+              <a:path w="1458600" h="1252478">
+                <a:moveTo>
+                  <a:pt x="0" y="626239"/>
+                </a:moveTo>
+                <a:lnTo>
+                  <a:pt x="313120" y="0"/>
+                </a:lnTo>
+                <a:lnTo>
+                  <a:pt x="1145481" y="0"/>
+                </a:lnTo>
+                <a:lnTo>
+                  <a:pt x="1458600" y="626239"/>
+                </a:lnTo>
+                <a:lnTo>
+                  <a:pt x="1145481" y="1252478"/>
+                </a:lnTo>
+                <a:lnTo>
+                  <a:pt x="313120" y="1252478"/>
+                </a:lnTo>
+                <a:lnTo>
+                  <a:pt x="0" y="626239"/>
+                </a:lnTo>
+                <a:close/>
+              </a:path>
+            </a:pathLst>
+          </a:custGeom>
+          <a:solidFill>
+            <a:srgbClr val="9B6902">
+              <a:lumMod val="40000"/>
+              <a:lumOff val="60000"/>
+            </a:srgbClr>
+          </a:solidFill>
+          <a:ln w="12700" cap="flat" cmpd="sng" algn="ctr">
+            <a:solidFill>
+              <a:srgbClr val="9B6902">
+                <a:lumMod val="20000"/>
+                <a:lumOff val="80000"/>
+              </a:srgbClr>
+            </a:solidFill>
+            <a:prstDash val="solid"/>
+            <a:miter lim="800000"/>
+          </a:ln>
+          <a:effectLst/>
+        </p:spPr>
+        <p:style>
+          <a:lnRef idx="2">
+            <a:scrgbClr r="0" g="0" b="0"/>
+          </a:lnRef>
+          <a:fillRef idx="1">
+            <a:scrgbClr r="0" g="0" b="0"/>
+          </a:fillRef>
+          <a:effectRef idx="0">
+            <a:scrgbClr r="0" g="0" b="0"/>
+          </a:effectRef>
+          <a:fontRef idx="minor">
+            <a:schemeClr val="lt1"/>
+          </a:fontRef>
+        </p:style>
+        <p:txBody>
+          <a:bodyPr spcFirstLastPara="0" vert="horz" wrap="square" lIns="225923" tIns="209237" rIns="225923" bIns="209237" numCol="1" spcCol="1270" anchor="ctr" anchorCtr="0">
+            <a:noAutofit/>
+          </a:bodyPr>
+          <a:lstStyle/>
+          <a:p>
+            <a:pPr marL="0" lvl="0" indent="0" algn="ctr" defTabSz="533400">
+              <a:lnSpc>
+                <a:spcPct val="90000"/>
+              </a:lnSpc>
+              <a:spcBef>
+                <a:spcPct val="0"/>
+              </a:spcBef>
+              <a:spcAft>
+                <a:spcPct val="35000"/>
+              </a:spcAft>
+              <a:buNone/>
+            </a:pPr>
+            <a:endParaRPr lang="en-US" sz="1200" kern="1200" dirty="0">
+              <a:solidFill>
+                <a:srgbClr val="FFFFFF"/>
+              </a:solidFill>
+              <a:latin typeface="Arial"/>
+              <a:ea typeface="+mn-ea"/>
+              <a:cs typeface="+mn-cs"/>
+            </a:endParaRPr>
+          </a:p>
+        </p:txBody>
+      </p:sp>
+      <p:sp>
+        <p:nvSpPr>
+          <p:cNvPr id="9" name="Hexagon 8">
+            <a:extLst>
+              <a:ext uri="{FF2B5EF4-FFF2-40B4-BE49-F238E27FC236}">
+                <a16:creationId xmlns:a16="http://schemas.microsoft.com/office/drawing/2014/main" id="{C27876CF-0AB9-4F9C-867E-30391EF5BF92}"/>
+              </a:ext>
+            </a:extLst>
+          </p:cNvPr>
+          <p:cNvSpPr/>
+          <p:nvPr/>
+        </p:nvSpPr>
+        <p:spPr>
+          <a:xfrm>
+            <a:off x="4003313" y="3808626"/>
+            <a:ext cx="170144" cy="146781"/>
+          </a:xfrm>
+          <a:prstGeom prst="hexagon">
+            <a:avLst>
+              <a:gd name="adj" fmla="val 25000"/>
+              <a:gd name="vf" fmla="val 115470"/>
+            </a:avLst>
+          </a:prstGeom>
+        </p:spPr>
+        <p:style>
+          <a:lnRef idx="2">
+            <a:schemeClr val="accent1">
+              <a:hueOff val="0"/>
+              <a:satOff val="0"/>
+              <a:lumOff val="0"/>
+              <a:alphaOff val="0"/>
+            </a:schemeClr>
+          </a:lnRef>
+          <a:fillRef idx="1">
+            <a:schemeClr val="lt1">
+              <a:hueOff val="0"/>
+              <a:satOff val="0"/>
+              <a:lumOff val="0"/>
+              <a:alphaOff val="0"/>
+            </a:schemeClr>
+          </a:fillRef>
+          <a:effectRef idx="0">
+            <a:schemeClr val="lt1">
+              <a:hueOff val="0"/>
+              <a:satOff val="0"/>
+              <a:lumOff val="0"/>
+              <a:alphaOff val="0"/>
+            </a:schemeClr>
+          </a:effectRef>
+          <a:fontRef idx="minor">
+            <a:schemeClr val="dk1">
+              <a:hueOff val="0"/>
+              <a:satOff val="0"/>
+              <a:lumOff val="0"/>
+              <a:alphaOff val="0"/>
+            </a:schemeClr>
+          </a:fontRef>
+        </p:style>
+      </p:sp>
+      <p:sp>
+        <p:nvSpPr>
+          <p:cNvPr id="10" name="Hexagon 9">
+            <a:extLst>
+              <a:ext uri="{FF2B5EF4-FFF2-40B4-BE49-F238E27FC236}">
+                <a16:creationId xmlns:a16="http://schemas.microsoft.com/office/drawing/2014/main" id="{42251C38-4292-4AE6-9D56-0F52AED3EC36}"/>
+              </a:ext>
+            </a:extLst>
+          </p:cNvPr>
+          <p:cNvSpPr/>
+          <p:nvPr/>
+        </p:nvSpPr>
+        <p:spPr>
+          <a:xfrm>
+            <a:off x="4253889" y="3419091"/>
+            <a:ext cx="1458600" cy="1252478"/>
+          </a:xfrm>
+          <a:prstGeom prst="hexagon">
+            <a:avLst>
+              <a:gd name="adj" fmla="val 25000"/>
+              <a:gd name="vf" fmla="val 115470"/>
+            </a:avLst>
+          </a:prstGeom>
+          <a:solidFill>
+            <a:srgbClr val="9B6902">
+              <a:lumMod val="40000"/>
+              <a:lumOff val="60000"/>
+            </a:srgbClr>
+          </a:solidFill>
+          <a:ln w="12700" cap="flat" cmpd="sng" algn="ctr">
+            <a:solidFill>
+              <a:srgbClr val="9B6902">
+                <a:lumMod val="20000"/>
+                <a:lumOff val="80000"/>
+              </a:srgbClr>
+            </a:solidFill>
+            <a:prstDash val="solid"/>
+            <a:miter lim="800000"/>
+          </a:ln>
+          <a:effectLst/>
+        </p:spPr>
+        <p:style>
+          <a:lnRef idx="2">
+            <a:scrgbClr r="0" g="0" b="0"/>
+          </a:lnRef>
+          <a:fillRef idx="1">
+            <a:scrgbClr r="0" g="0" b="0"/>
+          </a:fillRef>
+          <a:effectRef idx="0">
+            <a:scrgbClr r="0" g="0" b="0"/>
+          </a:effectRef>
+          <a:fontRef idx="minor">
+            <a:schemeClr val="dk1">
+              <a:hueOff val="0"/>
+              <a:satOff val="0"/>
+              <a:lumOff val="0"/>
+              <a:alphaOff val="0"/>
+            </a:schemeClr>
+          </a:fontRef>
+        </p:style>
+      </p:sp>
+      <p:sp>
+        <p:nvSpPr>
+          <p:cNvPr id="11" name="Hexagon 10">
+            <a:extLst>
+              <a:ext uri="{FF2B5EF4-FFF2-40B4-BE49-F238E27FC236}">
+                <a16:creationId xmlns:a16="http://schemas.microsoft.com/office/drawing/2014/main" id="{94065B1E-C913-4241-9D4E-84EDD0F988AB}"/>
+              </a:ext>
+            </a:extLst>
+          </p:cNvPr>
+          <p:cNvSpPr/>
+          <p:nvPr/>
+        </p:nvSpPr>
+        <p:spPr>
+          <a:xfrm>
+            <a:off x="4289465" y="3976376"/>
+            <a:ext cx="170144" cy="146781"/>
+          </a:xfrm>
+          <a:prstGeom prst="hexagon">
+            <a:avLst>
+              <a:gd name="adj" fmla="val 25000"/>
+              <a:gd name="vf" fmla="val 115470"/>
+            </a:avLst>
+          </a:prstGeom>
+        </p:spPr>
+        <p:style>
+          <a:lnRef idx="2">
+            <a:schemeClr val="accent1">
+              <a:hueOff val="0"/>
+              <a:satOff val="0"/>
+              <a:lumOff val="0"/>
+              <a:alphaOff val="0"/>
+            </a:schemeClr>
+          </a:lnRef>
+          <a:fillRef idx="1">
+            <a:schemeClr val="lt1">
+              <a:hueOff val="0"/>
+              <a:satOff val="0"/>
+              <a:lumOff val="0"/>
+              <a:alphaOff val="0"/>
+            </a:schemeClr>
+          </a:fillRef>
+          <a:effectRef idx="0">
+            <a:schemeClr val="lt1">
+              <a:hueOff val="0"/>
+              <a:satOff val="0"/>
+              <a:lumOff val="0"/>
+              <a:alphaOff val="0"/>
+            </a:schemeClr>
+          </a:effectRef>
+          <a:fontRef idx="minor">
+            <a:schemeClr val="dk1">
+              <a:hueOff val="0"/>
+              <a:satOff val="0"/>
+              <a:lumOff val="0"/>
+              <a:alphaOff val="0"/>
+            </a:schemeClr>
+          </a:fontRef>
+        </p:style>
+      </p:sp>
+      <p:sp>
+        <p:nvSpPr>
+          <p:cNvPr id="12" name="Freeform: Shape 11">
+            <a:extLst>
+              <a:ext uri="{FF2B5EF4-FFF2-40B4-BE49-F238E27FC236}">
+                <a16:creationId xmlns:a16="http://schemas.microsoft.com/office/drawing/2014/main" id="{EF7FDC1B-9A40-4D49-9507-C01C0F90FD3B}"/>
+              </a:ext>
+            </a:extLst>
+          </p:cNvPr>
+          <p:cNvSpPr/>
+          <p:nvPr/>
+        </p:nvSpPr>
+        <p:spPr>
+          <a:xfrm>
+            <a:off x="1665831" y="1969826"/>
+            <a:ext cx="1615458" cy="1387169"/>
+          </a:xfrm>
+          <a:custGeom>
+            <a:avLst/>
+            <a:gdLst>
+              <a:gd name="connsiteX0" fmla="*/ 0 w 1615458"/>
+              <a:gd name="connsiteY0" fmla="*/ 693585 h 1387169"/>
+              <a:gd name="connsiteX1" fmla="*/ 346792 w 1615458"/>
+              <a:gd name="connsiteY1" fmla="*/ 0 h 1387169"/>
+              <a:gd name="connsiteX2" fmla="*/ 1268666 w 1615458"/>
+              <a:gd name="connsiteY2" fmla="*/ 0 h 1387169"/>
+              <a:gd name="connsiteX3" fmla="*/ 1615458 w 1615458"/>
+              <a:gd name="connsiteY3" fmla="*/ 693585 h 1387169"/>
+              <a:gd name="connsiteX4" fmla="*/ 1268666 w 1615458"/>
+              <a:gd name="connsiteY4" fmla="*/ 1387169 h 1387169"/>
+              <a:gd name="connsiteX5" fmla="*/ 346792 w 1615458"/>
+              <a:gd name="connsiteY5" fmla="*/ 1387169 h 1387169"/>
+              <a:gd name="connsiteX6" fmla="*/ 0 w 1615458"/>
+              <a:gd name="connsiteY6" fmla="*/ 693585 h 1387169"/>
+            </a:gdLst>
+            <a:ahLst/>
+            <a:cxnLst>
+              <a:cxn ang="0">
+                <a:pos x="connsiteX0" y="connsiteY0"/>
+              </a:cxn>
+              <a:cxn ang="0">
+                <a:pos x="connsiteX1" y="connsiteY1"/>
+              </a:cxn>
+              <a:cxn ang="0">
+                <a:pos x="connsiteX2" y="connsiteY2"/>
+              </a:cxn>
+              <a:cxn ang="0">
+                <a:pos x="connsiteX3" y="connsiteY3"/>
+              </a:cxn>
+              <a:cxn ang="0">
+                <a:pos x="connsiteX4" y="connsiteY4"/>
+              </a:cxn>
+              <a:cxn ang="0">
+                <a:pos x="connsiteX5" y="connsiteY5"/>
+              </a:cxn>
+              <a:cxn ang="0">
+                <a:pos x="connsiteX6" y="connsiteY6"/>
+              </a:cxn>
+            </a:cxnLst>
+            <a:rect l="l" t="t" r="r" b="b"/>
+            <a:pathLst>
+              <a:path w="1615458" h="1387169">
+                <a:moveTo>
+                  <a:pt x="0" y="693585"/>
+                </a:moveTo>
+                <a:lnTo>
+                  <a:pt x="346792" y="0"/>
+                </a:lnTo>
+                <a:lnTo>
+                  <a:pt x="1268666" y="0"/>
+                </a:lnTo>
+                <a:lnTo>
+                  <a:pt x="1615458" y="693585"/>
+                </a:lnTo>
+                <a:lnTo>
+                  <a:pt x="1268666" y="1387169"/>
+                </a:lnTo>
+                <a:lnTo>
+                  <a:pt x="346792" y="1387169"/>
+                </a:lnTo>
+                <a:lnTo>
+                  <a:pt x="0" y="693585"/>
+                </a:lnTo>
+                <a:close/>
+              </a:path>
+            </a:pathLst>
+          </a:custGeom>
+          <a:solidFill>
+            <a:srgbClr val="F4860C"/>
+          </a:solidFill>
+          <a:ln w="12700" cap="flat" cmpd="sng" algn="ctr">
+            <a:solidFill>
+              <a:srgbClr val="9B6902">
+                <a:lumMod val="20000"/>
+                <a:lumOff val="80000"/>
+              </a:srgbClr>
+            </a:solidFill>
+            <a:prstDash val="solid"/>
+            <a:miter lim="800000"/>
+          </a:ln>
+          <a:effectLst/>
+        </p:spPr>
+        <p:style>
+          <a:lnRef idx="2">
+            <a:scrgbClr r="0" g="0" b="0"/>
+          </a:lnRef>
+          <a:fillRef idx="1">
+            <a:scrgbClr r="0" g="0" b="0"/>
+          </a:fillRef>
+          <a:effectRef idx="0">
+            <a:scrgbClr r="0" g="0" b="0"/>
+          </a:effectRef>
+          <a:fontRef idx="minor">
+            <a:schemeClr val="lt1"/>
+          </a:fontRef>
+        </p:style>
+        <p:txBody>
+          <a:bodyPr spcFirstLastPara="0" vert="horz" wrap="square" lIns="250219" tIns="230099" rIns="250219" bIns="230099" numCol="1" spcCol="1270" anchor="ctr" anchorCtr="0">
+            <a:noAutofit/>
+          </a:bodyPr>
+          <a:lstStyle/>
+          <a:p>
+            <a:pPr marL="0" lvl="0" indent="0" algn="ctr" defTabSz="533400">
+              <a:lnSpc>
+                <a:spcPct val="90000"/>
+              </a:lnSpc>
+              <a:spcBef>
+                <a:spcPct val="0"/>
+              </a:spcBef>
+              <a:spcAft>
+                <a:spcPct val="35000"/>
+              </a:spcAft>
+              <a:buNone/>
+            </a:pPr>
+            <a:r>
+              <a:rPr lang="en-US" sz="2000" b="1" kern="1200" dirty="0">
+                <a:solidFill>
+                  <a:srgbClr val="FFFFFF"/>
+                </a:solidFill>
+                <a:latin typeface="TH Sarabun New" panose="020B0500040200020003" pitchFamily="34" charset="-34"/>
+                <a:ea typeface="+mn-ea"/>
+                <a:cs typeface="TH Sarabun New" panose="020B0500040200020003" pitchFamily="34" charset="-34"/>
+              </a:rPr>
+              <a:t>Introduction</a:t>
+            </a:r>
+            <a:endParaRPr lang="en-US" sz="1200" b="1" kern="1200" dirty="0">
+              <a:solidFill>
+                <a:srgbClr val="FFFFFF"/>
+              </a:solidFill>
+              <a:latin typeface="TH Sarabun New" panose="020B0500040200020003" pitchFamily="34" charset="-34"/>
+              <a:ea typeface="+mn-ea"/>
+              <a:cs typeface="TH Sarabun New" panose="020B0500040200020003" pitchFamily="34" charset="-34"/>
+            </a:endParaRPr>
+          </a:p>
+        </p:txBody>
+      </p:sp>
+      <p:sp>
+        <p:nvSpPr>
+          <p:cNvPr id="13" name="Hexagon 12">
+            <a:extLst>
+              <a:ext uri="{FF2B5EF4-FFF2-40B4-BE49-F238E27FC236}">
+                <a16:creationId xmlns:a16="http://schemas.microsoft.com/office/drawing/2014/main" id="{5F6F12EF-3890-45F6-A436-90E100181668}"/>
+              </a:ext>
+            </a:extLst>
+          </p:cNvPr>
+          <p:cNvSpPr/>
+          <p:nvPr/>
+        </p:nvSpPr>
+        <p:spPr>
+          <a:xfrm>
+            <a:off x="2743472" y="2060963"/>
+            <a:ext cx="170144" cy="146781"/>
+          </a:xfrm>
+          <a:prstGeom prst="hexagon">
+            <a:avLst>
+              <a:gd name="adj" fmla="val 25000"/>
+              <a:gd name="vf" fmla="val 115470"/>
+            </a:avLst>
+          </a:prstGeom>
+        </p:spPr>
+        <p:style>
+          <a:lnRef idx="2">
+            <a:schemeClr val="accent1">
+              <a:hueOff val="0"/>
+              <a:satOff val="0"/>
+              <a:lumOff val="0"/>
+              <a:alphaOff val="0"/>
+            </a:schemeClr>
+          </a:lnRef>
+          <a:fillRef idx="1">
+            <a:schemeClr val="lt1">
+              <a:hueOff val="0"/>
+              <a:satOff val="0"/>
+              <a:lumOff val="0"/>
+              <a:alphaOff val="0"/>
+            </a:schemeClr>
+          </a:fillRef>
+          <a:effectRef idx="0">
+            <a:schemeClr val="lt1">
+              <a:hueOff val="0"/>
+              <a:satOff val="0"/>
+              <a:lumOff val="0"/>
+              <a:alphaOff val="0"/>
+            </a:schemeClr>
+          </a:effectRef>
+          <a:fontRef idx="minor">
+            <a:schemeClr val="dk1">
+              <a:hueOff val="0"/>
+              <a:satOff val="0"/>
+              <a:lumOff val="0"/>
+              <a:alphaOff val="0"/>
+            </a:schemeClr>
+          </a:fontRef>
+        </p:style>
+      </p:sp>
+      <p:sp>
+        <p:nvSpPr>
+          <p:cNvPr id="15" name="Hexagon 14">
+            <a:extLst>
+              <a:ext uri="{FF2B5EF4-FFF2-40B4-BE49-F238E27FC236}">
+                <a16:creationId xmlns:a16="http://schemas.microsoft.com/office/drawing/2014/main" id="{BD4AFC70-2A7C-47AC-8A8E-1080A8ED2C12}"/>
+              </a:ext>
+            </a:extLst>
+          </p:cNvPr>
+          <p:cNvSpPr/>
+          <p:nvPr/>
+        </p:nvSpPr>
+        <p:spPr>
+          <a:xfrm>
+            <a:off x="2999461" y="1340768"/>
+            <a:ext cx="1458600" cy="1252478"/>
+          </a:xfrm>
+          <a:prstGeom prst="hexagon">
+            <a:avLst>
+              <a:gd name="adj" fmla="val 25000"/>
+              <a:gd name="vf" fmla="val 115470"/>
+            </a:avLst>
+          </a:prstGeom>
+          <a:solidFill>
+            <a:srgbClr val="9B6902">
+              <a:lumMod val="40000"/>
+              <a:lumOff val="60000"/>
+            </a:srgbClr>
+          </a:solidFill>
+          <a:ln w="12700" cap="flat" cmpd="sng" algn="ctr">
+            <a:solidFill>
+              <a:srgbClr val="9B6902">
+                <a:lumMod val="20000"/>
+                <a:lumOff val="80000"/>
+              </a:srgbClr>
+            </a:solidFill>
+            <a:prstDash val="solid"/>
+            <a:miter lim="800000"/>
+          </a:ln>
+          <a:effectLst/>
+        </p:spPr>
+        <p:style>
+          <a:lnRef idx="2">
+            <a:scrgbClr r="0" g="0" b="0"/>
+          </a:lnRef>
+          <a:fillRef idx="1">
+            <a:scrgbClr r="0" g="0" b="0"/>
+          </a:fillRef>
+          <a:effectRef idx="0">
+            <a:scrgbClr r="0" g="0" b="0"/>
+          </a:effectRef>
+          <a:fontRef idx="minor">
+            <a:schemeClr val="dk1">
+              <a:hueOff val="0"/>
+              <a:satOff val="0"/>
+              <a:lumOff val="0"/>
+              <a:alphaOff val="0"/>
+            </a:schemeClr>
+          </a:fontRef>
+        </p:style>
+      </p:sp>
+      <p:sp>
+        <p:nvSpPr>
+          <p:cNvPr id="16" name="Hexagon 15">
+            <a:extLst>
+              <a:ext uri="{FF2B5EF4-FFF2-40B4-BE49-F238E27FC236}">
+                <a16:creationId xmlns:a16="http://schemas.microsoft.com/office/drawing/2014/main" id="{2DFBC4B3-94F0-4482-A0B9-D319D0BABF6F}"/>
+              </a:ext>
+            </a:extLst>
+          </p:cNvPr>
+          <p:cNvSpPr/>
+          <p:nvPr/>
+        </p:nvSpPr>
+        <p:spPr>
+          <a:xfrm>
+            <a:off x="3040451" y="1895632"/>
+            <a:ext cx="170144" cy="146781"/>
+          </a:xfrm>
+          <a:prstGeom prst="hexagon">
+            <a:avLst>
+              <a:gd name="adj" fmla="val 25000"/>
+              <a:gd name="vf" fmla="val 115470"/>
+            </a:avLst>
+          </a:prstGeom>
+        </p:spPr>
+        <p:style>
+          <a:lnRef idx="2">
+            <a:schemeClr val="accent1">
+              <a:hueOff val="0"/>
+              <a:satOff val="0"/>
+              <a:lumOff val="0"/>
+              <a:alphaOff val="0"/>
+            </a:schemeClr>
+          </a:lnRef>
+          <a:fillRef idx="1">
+            <a:schemeClr val="lt1">
+              <a:hueOff val="0"/>
+              <a:satOff val="0"/>
+              <a:lumOff val="0"/>
+              <a:alphaOff val="0"/>
+            </a:schemeClr>
+          </a:fillRef>
+          <a:effectRef idx="0">
+            <a:schemeClr val="lt1">
+              <a:hueOff val="0"/>
+              <a:satOff val="0"/>
+              <a:lumOff val="0"/>
+              <a:alphaOff val="0"/>
+            </a:schemeClr>
+          </a:effectRef>
+          <a:fontRef idx="minor">
+            <a:schemeClr val="dk1">
+              <a:hueOff val="0"/>
+              <a:satOff val="0"/>
+              <a:lumOff val="0"/>
+              <a:alphaOff val="0"/>
+            </a:schemeClr>
+          </a:fontRef>
+        </p:style>
+      </p:sp>
+      <p:sp>
+        <p:nvSpPr>
+          <p:cNvPr id="17" name="Freeform: Shape 16">
+            <a:extLst>
+              <a:ext uri="{FF2B5EF4-FFF2-40B4-BE49-F238E27FC236}">
+                <a16:creationId xmlns:a16="http://schemas.microsoft.com/office/drawing/2014/main" id="{6053217C-57B5-4BE3-BC9C-896AB2019C0F}"/>
+              </a:ext>
+            </a:extLst>
+          </p:cNvPr>
+          <p:cNvSpPr/>
+          <p:nvPr/>
+        </p:nvSpPr>
+        <p:spPr>
+          <a:xfrm>
+            <a:off x="4264325" y="2018736"/>
+            <a:ext cx="1494963" cy="1283702"/>
+          </a:xfrm>
+          <a:custGeom>
+            <a:avLst/>
+            <a:gdLst>
+              <a:gd name="connsiteX0" fmla="*/ 0 w 1494963"/>
+              <a:gd name="connsiteY0" fmla="*/ 641851 h 1283702"/>
+              <a:gd name="connsiteX1" fmla="*/ 320926 w 1494963"/>
+              <a:gd name="connsiteY1" fmla="*/ 0 h 1283702"/>
+              <a:gd name="connsiteX2" fmla="*/ 1174038 w 1494963"/>
+              <a:gd name="connsiteY2" fmla="*/ 0 h 1283702"/>
+              <a:gd name="connsiteX3" fmla="*/ 1494963 w 1494963"/>
+              <a:gd name="connsiteY3" fmla="*/ 641851 h 1283702"/>
+              <a:gd name="connsiteX4" fmla="*/ 1174038 w 1494963"/>
+              <a:gd name="connsiteY4" fmla="*/ 1283702 h 1283702"/>
+              <a:gd name="connsiteX5" fmla="*/ 320926 w 1494963"/>
+              <a:gd name="connsiteY5" fmla="*/ 1283702 h 1283702"/>
+              <a:gd name="connsiteX6" fmla="*/ 0 w 1494963"/>
+              <a:gd name="connsiteY6" fmla="*/ 641851 h 1283702"/>
+            </a:gdLst>
+            <a:ahLst/>
+            <a:cxnLst>
+              <a:cxn ang="0">
+                <a:pos x="connsiteX0" y="connsiteY0"/>
+              </a:cxn>
+              <a:cxn ang="0">
+                <a:pos x="connsiteX1" y="connsiteY1"/>
+              </a:cxn>
+              <a:cxn ang="0">
+                <a:pos x="connsiteX2" y="connsiteY2"/>
+              </a:cxn>
+              <a:cxn ang="0">
+                <a:pos x="connsiteX3" y="connsiteY3"/>
+              </a:cxn>
+              <a:cxn ang="0">
+                <a:pos x="connsiteX4" y="connsiteY4"/>
+              </a:cxn>
+              <a:cxn ang="0">
+                <a:pos x="connsiteX5" y="connsiteY5"/>
+              </a:cxn>
+              <a:cxn ang="0">
+                <a:pos x="connsiteX6" y="connsiteY6"/>
+              </a:cxn>
+            </a:cxnLst>
+            <a:rect l="l" t="t" r="r" b="b"/>
+            <a:pathLst>
+              <a:path w="1494963" h="1283702">
+                <a:moveTo>
+                  <a:pt x="0" y="641851"/>
+                </a:moveTo>
+                <a:lnTo>
+                  <a:pt x="320926" y="0"/>
+                </a:lnTo>
+                <a:lnTo>
+                  <a:pt x="1174038" y="0"/>
+                </a:lnTo>
+                <a:lnTo>
+                  <a:pt x="1494963" y="641851"/>
+                </a:lnTo>
+                <a:lnTo>
+                  <a:pt x="1174038" y="1283702"/>
+                </a:lnTo>
+                <a:lnTo>
+                  <a:pt x="320926" y="1283702"/>
+                </a:lnTo>
+                <a:lnTo>
+                  <a:pt x="0" y="641851"/>
+                </a:lnTo>
+                <a:close/>
+              </a:path>
+            </a:pathLst>
+          </a:custGeom>
+          <a:solidFill>
+            <a:srgbClr val="00B0F0"/>
+          </a:solidFill>
+          <a:ln w="12700" cap="flat" cmpd="sng" algn="ctr">
+            <a:solidFill>
+              <a:srgbClr val="9B6902">
+                <a:lumMod val="20000"/>
+                <a:lumOff val="80000"/>
+              </a:srgbClr>
+            </a:solidFill>
+            <a:prstDash val="solid"/>
+            <a:miter lim="800000"/>
+          </a:ln>
+          <a:effectLst/>
+        </p:spPr>
+        <p:style>
+          <a:lnRef idx="2">
+            <a:scrgbClr r="0" g="0" b="0"/>
+          </a:lnRef>
+          <a:fillRef idx="1">
+            <a:scrgbClr r="0" g="0" b="0"/>
+          </a:fillRef>
+          <a:effectRef idx="0">
+            <a:scrgbClr r="0" g="0" b="0"/>
+          </a:effectRef>
+          <a:fontRef idx="minor">
+            <a:schemeClr val="lt1"/>
+          </a:fontRef>
+        </p:style>
+        <p:txBody>
+          <a:bodyPr spcFirstLastPara="0" vert="horz" wrap="square" lIns="231555" tIns="214073" rIns="231555" bIns="214073" numCol="1" spcCol="1270" anchor="ctr" anchorCtr="0">
+            <a:noAutofit/>
+          </a:bodyPr>
+          <a:lstStyle/>
+          <a:p>
+            <a:pPr marL="0" lvl="0" indent="0" algn="ctr" defTabSz="533400">
+              <a:lnSpc>
+                <a:spcPct val="90000"/>
+              </a:lnSpc>
+              <a:spcBef>
+                <a:spcPct val="0"/>
+              </a:spcBef>
+              <a:spcAft>
+                <a:spcPct val="35000"/>
+              </a:spcAft>
+              <a:buNone/>
+            </a:pPr>
+            <a:r>
+              <a:rPr lang="en-US" sz="2000" b="1" kern="1200" dirty="0">
+                <a:solidFill>
+                  <a:srgbClr val="FFFFFF"/>
+                </a:solidFill>
+                <a:latin typeface="TH Sarabun New" panose="020B0500040200020003" pitchFamily="34" charset="-34"/>
+                <a:ea typeface="+mn-ea"/>
+                <a:cs typeface="TH Sarabun New" panose="020B0500040200020003" pitchFamily="34" charset="-34"/>
+              </a:rPr>
+              <a:t>Strategy</a:t>
+            </a:r>
+          </a:p>
+        </p:txBody>
+      </p:sp>
+      <p:sp>
+        <p:nvSpPr>
+          <p:cNvPr id="18" name="Hexagon 17">
+            <a:extLst>
+              <a:ext uri="{FF2B5EF4-FFF2-40B4-BE49-F238E27FC236}">
+                <a16:creationId xmlns:a16="http://schemas.microsoft.com/office/drawing/2014/main" id="{E68BB569-9EEA-444A-B398-13C2BBEFFC52}"/>
+              </a:ext>
+            </a:extLst>
+          </p:cNvPr>
+          <p:cNvSpPr/>
+          <p:nvPr/>
+        </p:nvSpPr>
+        <p:spPr>
+          <a:xfrm>
+            <a:off x="5516050" y="2589213"/>
+            <a:ext cx="170144" cy="146781"/>
+          </a:xfrm>
+          <a:prstGeom prst="hexagon">
+            <a:avLst>
+              <a:gd name="adj" fmla="val 25000"/>
+              <a:gd name="vf" fmla="val 115470"/>
+            </a:avLst>
+          </a:prstGeom>
+        </p:spPr>
+        <p:style>
+          <a:lnRef idx="2">
+            <a:schemeClr val="accent1">
+              <a:hueOff val="0"/>
+              <a:satOff val="0"/>
+              <a:lumOff val="0"/>
+              <a:alphaOff val="0"/>
+            </a:schemeClr>
+          </a:lnRef>
+          <a:fillRef idx="1">
+            <a:schemeClr val="lt1">
+              <a:hueOff val="0"/>
+              <a:satOff val="0"/>
+              <a:lumOff val="0"/>
+              <a:alphaOff val="0"/>
+            </a:schemeClr>
+          </a:fillRef>
+          <a:effectRef idx="0">
+            <a:schemeClr val="lt1">
+              <a:hueOff val="0"/>
+              <a:satOff val="0"/>
+              <a:lumOff val="0"/>
+              <a:alphaOff val="0"/>
+            </a:schemeClr>
+          </a:effectRef>
+          <a:fontRef idx="minor">
+            <a:schemeClr val="dk1">
+              <a:hueOff val="0"/>
+              <a:satOff val="0"/>
+              <a:lumOff val="0"/>
+              <a:alphaOff val="0"/>
+            </a:schemeClr>
+          </a:fontRef>
+        </p:style>
+      </p:sp>
+      <p:sp>
+        <p:nvSpPr>
+          <p:cNvPr id="19" name="Hexagon 18">
+            <a:extLst>
+              <a:ext uri="{FF2B5EF4-FFF2-40B4-BE49-F238E27FC236}">
+                <a16:creationId xmlns:a16="http://schemas.microsoft.com/office/drawing/2014/main" id="{A7D88960-18B7-44DA-A699-5287EE9DAE8A}"/>
+              </a:ext>
+            </a:extLst>
+          </p:cNvPr>
+          <p:cNvSpPr/>
+          <p:nvPr/>
+        </p:nvSpPr>
+        <p:spPr>
+          <a:xfrm>
+            <a:off x="5509090" y="2738414"/>
+            <a:ext cx="1458600" cy="1252478"/>
+          </a:xfrm>
+          <a:prstGeom prst="hexagon">
+            <a:avLst>
+              <a:gd name="adj" fmla="val 25000"/>
+              <a:gd name="vf" fmla="val 115470"/>
+            </a:avLst>
+          </a:prstGeom>
+          <a:solidFill>
+            <a:srgbClr val="9B6902">
+              <a:lumMod val="40000"/>
+              <a:lumOff val="60000"/>
+            </a:srgbClr>
+          </a:solidFill>
+          <a:ln w="12700" cap="flat" cmpd="sng" algn="ctr">
+            <a:solidFill>
+              <a:srgbClr val="9B6902">
+                <a:lumMod val="20000"/>
+                <a:lumOff val="80000"/>
+              </a:srgbClr>
+            </a:solidFill>
+            <a:prstDash val="solid"/>
+            <a:miter lim="800000"/>
+          </a:ln>
+          <a:effectLst/>
+        </p:spPr>
+        <p:style>
+          <a:lnRef idx="2">
+            <a:scrgbClr r="0" g="0" b="0"/>
+          </a:lnRef>
+          <a:fillRef idx="1">
+            <a:scrgbClr r="0" g="0" b="0"/>
+          </a:fillRef>
+          <a:effectRef idx="0">
+            <a:scrgbClr r="0" g="0" b="0"/>
+          </a:effectRef>
+          <a:fontRef idx="minor">
+            <a:schemeClr val="dk1">
+              <a:hueOff val="0"/>
+              <a:satOff val="0"/>
+              <a:lumOff val="0"/>
+              <a:alphaOff val="0"/>
+            </a:schemeClr>
+          </a:fontRef>
+        </p:style>
+      </p:sp>
+      <p:sp>
+        <p:nvSpPr>
+          <p:cNvPr id="20" name="Hexagon 19">
+            <a:extLst>
+              <a:ext uri="{FF2B5EF4-FFF2-40B4-BE49-F238E27FC236}">
+                <a16:creationId xmlns:a16="http://schemas.microsoft.com/office/drawing/2014/main" id="{7B9160B0-92E3-4BDC-867F-0114B71D59D1}"/>
+              </a:ext>
+            </a:extLst>
+          </p:cNvPr>
+          <p:cNvSpPr/>
+          <p:nvPr/>
+        </p:nvSpPr>
+        <p:spPr>
+          <a:xfrm>
+            <a:off x="5793695" y="2760996"/>
+            <a:ext cx="170144" cy="146781"/>
+          </a:xfrm>
+          <a:prstGeom prst="hexagon">
+            <a:avLst>
+              <a:gd name="adj" fmla="val 25000"/>
+              <a:gd name="vf" fmla="val 115470"/>
+            </a:avLst>
+          </a:prstGeom>
+        </p:spPr>
+        <p:style>
+          <a:lnRef idx="2">
+            <a:schemeClr val="accent1">
+              <a:hueOff val="0"/>
+              <a:satOff val="0"/>
+              <a:lumOff val="0"/>
+              <a:alphaOff val="0"/>
+            </a:schemeClr>
+          </a:lnRef>
+          <a:fillRef idx="1">
+            <a:schemeClr val="lt1">
+              <a:hueOff val="0"/>
+              <a:satOff val="0"/>
+              <a:lumOff val="0"/>
+              <a:alphaOff val="0"/>
+            </a:schemeClr>
+          </a:fillRef>
+          <a:effectRef idx="0">
+            <a:schemeClr val="lt1">
+              <a:hueOff val="0"/>
+              <a:satOff val="0"/>
+              <a:lumOff val="0"/>
+              <a:alphaOff val="0"/>
+            </a:schemeClr>
+          </a:effectRef>
+          <a:fontRef idx="minor">
+            <a:schemeClr val="dk1">
+              <a:hueOff val="0"/>
+              <a:satOff val="0"/>
+              <a:lumOff val="0"/>
+              <a:alphaOff val="0"/>
+            </a:schemeClr>
+          </a:fontRef>
+        </p:style>
+      </p:sp>
+      <p:sp>
+        <p:nvSpPr>
+          <p:cNvPr id="21" name="Freeform: Shape 20">
+            <a:extLst>
+              <a:ext uri="{FF2B5EF4-FFF2-40B4-BE49-F238E27FC236}">
+                <a16:creationId xmlns:a16="http://schemas.microsoft.com/office/drawing/2014/main" id="{8D3F0EE2-DC92-4FB1-B64E-3B6B30AF35F8}"/>
+              </a:ext>
+            </a:extLst>
+          </p:cNvPr>
+          <p:cNvSpPr/>
+          <p:nvPr/>
+        </p:nvSpPr>
+        <p:spPr>
+          <a:xfrm>
+            <a:off x="5509090" y="1354075"/>
+            <a:ext cx="1458600" cy="1252478"/>
+          </a:xfrm>
+          <a:custGeom>
+            <a:avLst/>
+            <a:gdLst>
+              <a:gd name="connsiteX0" fmla="*/ 0 w 1458600"/>
+              <a:gd name="connsiteY0" fmla="*/ 626239 h 1252478"/>
+              <a:gd name="connsiteX1" fmla="*/ 313120 w 1458600"/>
+              <a:gd name="connsiteY1" fmla="*/ 0 h 1252478"/>
+              <a:gd name="connsiteX2" fmla="*/ 1145481 w 1458600"/>
+              <a:gd name="connsiteY2" fmla="*/ 0 h 1252478"/>
+              <a:gd name="connsiteX3" fmla="*/ 1458600 w 1458600"/>
+              <a:gd name="connsiteY3" fmla="*/ 626239 h 1252478"/>
+              <a:gd name="connsiteX4" fmla="*/ 1145481 w 1458600"/>
+              <a:gd name="connsiteY4" fmla="*/ 1252478 h 1252478"/>
+              <a:gd name="connsiteX5" fmla="*/ 313120 w 1458600"/>
+              <a:gd name="connsiteY5" fmla="*/ 1252478 h 1252478"/>
+              <a:gd name="connsiteX6" fmla="*/ 0 w 1458600"/>
+              <a:gd name="connsiteY6" fmla="*/ 626239 h 1252478"/>
+            </a:gdLst>
+            <a:ahLst/>
+            <a:cxnLst>
+              <a:cxn ang="0">
+                <a:pos x="connsiteX0" y="connsiteY0"/>
+              </a:cxn>
+              <a:cxn ang="0">
+                <a:pos x="connsiteX1" y="connsiteY1"/>
+              </a:cxn>
+              <a:cxn ang="0">
+                <a:pos x="connsiteX2" y="connsiteY2"/>
+              </a:cxn>
+              <a:cxn ang="0">
+                <a:pos x="connsiteX3" y="connsiteY3"/>
+              </a:cxn>
+              <a:cxn ang="0">
+                <a:pos x="connsiteX4" y="connsiteY4"/>
+              </a:cxn>
+              <a:cxn ang="0">
+                <a:pos x="connsiteX5" y="connsiteY5"/>
+              </a:cxn>
+              <a:cxn ang="0">
+                <a:pos x="connsiteX6" y="connsiteY6"/>
+              </a:cxn>
+            </a:cxnLst>
+            <a:rect l="l" t="t" r="r" b="b"/>
+            <a:pathLst>
+              <a:path w="1458600" h="1252478">
+                <a:moveTo>
+                  <a:pt x="0" y="626239"/>
+                </a:moveTo>
+                <a:lnTo>
+                  <a:pt x="313120" y="0"/>
+                </a:lnTo>
+                <a:lnTo>
+                  <a:pt x="1145481" y="0"/>
+                </a:lnTo>
+                <a:lnTo>
+                  <a:pt x="1458600" y="626239"/>
+                </a:lnTo>
+                <a:lnTo>
+                  <a:pt x="1145481" y="1252478"/>
+                </a:lnTo>
+                <a:lnTo>
+                  <a:pt x="313120" y="1252478"/>
+                </a:lnTo>
+                <a:lnTo>
+                  <a:pt x="0" y="626239"/>
+                </a:lnTo>
+                <a:close/>
+              </a:path>
+            </a:pathLst>
+          </a:custGeom>
+          <a:solidFill>
+            <a:srgbClr val="9B6902">
+              <a:lumMod val="40000"/>
+              <a:lumOff val="60000"/>
+            </a:srgbClr>
+          </a:solidFill>
+          <a:ln w="12700" cap="flat" cmpd="sng" algn="ctr">
+            <a:solidFill>
+              <a:srgbClr val="9B6902">
+                <a:lumMod val="20000"/>
+                <a:lumOff val="80000"/>
+              </a:srgbClr>
+            </a:solidFill>
+            <a:prstDash val="solid"/>
+            <a:miter lim="800000"/>
+          </a:ln>
+          <a:effectLst/>
+        </p:spPr>
+        <p:style>
+          <a:lnRef idx="2">
+            <a:scrgbClr r="0" g="0" b="0"/>
+          </a:lnRef>
+          <a:fillRef idx="1">
+            <a:scrgbClr r="0" g="0" b="0"/>
+          </a:fillRef>
+          <a:effectRef idx="0">
+            <a:scrgbClr r="0" g="0" b="0"/>
+          </a:effectRef>
+          <a:fontRef idx="minor">
+            <a:schemeClr val="lt1"/>
+          </a:fontRef>
+        </p:style>
+        <p:txBody>
+          <a:bodyPr spcFirstLastPara="0" vert="horz" wrap="square" lIns="225923" tIns="209237" rIns="225923" bIns="209237" numCol="1" spcCol="1270" anchor="ctr" anchorCtr="0">
+            <a:noAutofit/>
+          </a:bodyPr>
+          <a:lstStyle/>
+          <a:p>
+            <a:pPr marL="0" lvl="0" indent="0" algn="ctr" defTabSz="533400">
+              <a:lnSpc>
+                <a:spcPct val="90000"/>
+              </a:lnSpc>
+              <a:spcBef>
+                <a:spcPct val="0"/>
+              </a:spcBef>
+              <a:spcAft>
+                <a:spcPct val="35000"/>
+              </a:spcAft>
+              <a:buNone/>
+            </a:pPr>
+            <a:endParaRPr lang="en-US" sz="1200" kern="1200" dirty="0">
+              <a:solidFill>
+                <a:srgbClr val="FFFFFF"/>
+              </a:solidFill>
+              <a:latin typeface="Arial"/>
+              <a:ea typeface="+mn-ea"/>
+              <a:cs typeface="+mn-cs"/>
+            </a:endParaRPr>
+          </a:p>
+        </p:txBody>
+      </p:sp>
+      <p:sp>
+        <p:nvSpPr>
+          <p:cNvPr id="22" name="Hexagon 21">
+            <a:extLst>
+              <a:ext uri="{FF2B5EF4-FFF2-40B4-BE49-F238E27FC236}">
+                <a16:creationId xmlns:a16="http://schemas.microsoft.com/office/drawing/2014/main" id="{DBC28959-E3D8-4A34-B622-778699A47994}"/>
+              </a:ext>
+            </a:extLst>
+          </p:cNvPr>
+          <p:cNvSpPr/>
+          <p:nvPr/>
+        </p:nvSpPr>
+        <p:spPr>
+          <a:xfrm>
+            <a:off x="6771251" y="1915391"/>
+            <a:ext cx="170144" cy="146781"/>
+          </a:xfrm>
+          <a:prstGeom prst="hexagon">
+            <a:avLst>
+              <a:gd name="adj" fmla="val 25000"/>
+              <a:gd name="vf" fmla="val 115470"/>
+            </a:avLst>
+          </a:prstGeom>
+        </p:spPr>
+        <p:style>
+          <a:lnRef idx="2">
+            <a:schemeClr val="accent1">
+              <a:hueOff val="0"/>
+              <a:satOff val="0"/>
+              <a:lumOff val="0"/>
+              <a:alphaOff val="0"/>
+            </a:schemeClr>
+          </a:lnRef>
+          <a:fillRef idx="1">
+            <a:schemeClr val="lt1">
+              <a:hueOff val="0"/>
+              <a:satOff val="0"/>
+              <a:lumOff val="0"/>
+              <a:alphaOff val="0"/>
+            </a:schemeClr>
+          </a:fillRef>
+          <a:effectRef idx="0">
+            <a:schemeClr val="lt1">
+              <a:hueOff val="0"/>
+              <a:satOff val="0"/>
+              <a:lumOff val="0"/>
+              <a:alphaOff val="0"/>
+            </a:schemeClr>
+          </a:effectRef>
+          <a:fontRef idx="minor">
+            <a:schemeClr val="dk1">
+              <a:hueOff val="0"/>
+              <a:satOff val="0"/>
+              <a:lumOff val="0"/>
+              <a:alphaOff val="0"/>
+            </a:schemeClr>
+          </a:fontRef>
+        </p:style>
+      </p:sp>
+      <p:sp>
+        <p:nvSpPr>
+          <p:cNvPr id="23" name="Hexagon 22">
+            <a:extLst>
+              <a:ext uri="{FF2B5EF4-FFF2-40B4-BE49-F238E27FC236}">
+                <a16:creationId xmlns:a16="http://schemas.microsoft.com/office/drawing/2014/main" id="{35C15C22-A85D-4419-8C8C-542C37D1F63A}"/>
+              </a:ext>
+            </a:extLst>
+          </p:cNvPr>
+          <p:cNvSpPr/>
+          <p:nvPr/>
+        </p:nvSpPr>
+        <p:spPr>
+          <a:xfrm>
+            <a:off x="6764291" y="2052898"/>
+            <a:ext cx="1458600" cy="1252478"/>
+          </a:xfrm>
+          <a:prstGeom prst="hexagon">
+            <a:avLst>
+              <a:gd name="adj" fmla="val 25000"/>
+              <a:gd name="vf" fmla="val 115470"/>
+            </a:avLst>
+          </a:prstGeom>
+          <a:solidFill>
+            <a:srgbClr val="9B6902">
+              <a:lumMod val="40000"/>
+              <a:lumOff val="60000"/>
+            </a:srgbClr>
+          </a:solidFill>
+          <a:ln w="12700" cap="flat" cmpd="sng" algn="ctr">
+            <a:solidFill>
+              <a:srgbClr val="9B6902">
+                <a:lumMod val="20000"/>
+                <a:lumOff val="80000"/>
+              </a:srgbClr>
+            </a:solidFill>
+            <a:prstDash val="solid"/>
+            <a:miter lim="800000"/>
+          </a:ln>
+          <a:effectLst/>
+        </p:spPr>
+        <p:style>
+          <a:lnRef idx="2">
+            <a:scrgbClr r="0" g="0" b="0"/>
+          </a:lnRef>
+          <a:fillRef idx="1">
+            <a:scrgbClr r="0" g="0" b="0"/>
+          </a:fillRef>
+          <a:effectRef idx="0">
+            <a:scrgbClr r="0" g="0" b="0"/>
+          </a:effectRef>
+          <a:fontRef idx="minor">
+            <a:schemeClr val="dk1">
+              <a:hueOff val="0"/>
+              <a:satOff val="0"/>
+              <a:lumOff val="0"/>
+              <a:alphaOff val="0"/>
+            </a:schemeClr>
+          </a:fontRef>
+        </p:style>
+      </p:sp>
+      <p:sp>
+        <p:nvSpPr>
+          <p:cNvPr id="24" name="Hexagon 23">
+            <a:extLst>
+              <a:ext uri="{FF2B5EF4-FFF2-40B4-BE49-F238E27FC236}">
+                <a16:creationId xmlns:a16="http://schemas.microsoft.com/office/drawing/2014/main" id="{75AFAF1E-6149-479B-AD94-E04CC88BEC75}"/>
+              </a:ext>
+            </a:extLst>
+          </p:cNvPr>
+          <p:cNvSpPr/>
+          <p:nvPr/>
+        </p:nvSpPr>
+        <p:spPr>
+          <a:xfrm>
+            <a:off x="7055083" y="2080722"/>
+            <a:ext cx="170144" cy="146781"/>
+          </a:xfrm>
+          <a:prstGeom prst="hexagon">
+            <a:avLst>
+              <a:gd name="adj" fmla="val 25000"/>
+              <a:gd name="vf" fmla="val 115470"/>
+            </a:avLst>
+          </a:prstGeom>
+        </p:spPr>
+        <p:style>
+          <a:lnRef idx="2">
+            <a:schemeClr val="accent1">
+              <a:hueOff val="0"/>
+              <a:satOff val="0"/>
+              <a:lumOff val="0"/>
+              <a:alphaOff val="0"/>
+            </a:schemeClr>
+          </a:lnRef>
+          <a:fillRef idx="1">
+            <a:schemeClr val="lt1">
+              <a:hueOff val="0"/>
+              <a:satOff val="0"/>
+              <a:lumOff val="0"/>
+              <a:alphaOff val="0"/>
+            </a:schemeClr>
+          </a:fillRef>
+          <a:effectRef idx="0">
+            <a:schemeClr val="lt1">
+              <a:hueOff val="0"/>
+              <a:satOff val="0"/>
+              <a:lumOff val="0"/>
+              <a:alphaOff val="0"/>
+            </a:schemeClr>
+          </a:effectRef>
+          <a:fontRef idx="minor">
+            <a:schemeClr val="dk1">
+              <a:hueOff val="0"/>
+              <a:satOff val="0"/>
+              <a:lumOff val="0"/>
+              <a:alphaOff val="0"/>
+            </a:schemeClr>
+          </a:fontRef>
+        </p:style>
+      </p:sp>
+      <p:sp>
+        <p:nvSpPr>
+          <p:cNvPr id="25" name="Freeform: Shape 24">
+            <a:extLst>
+              <a:ext uri="{FF2B5EF4-FFF2-40B4-BE49-F238E27FC236}">
+                <a16:creationId xmlns:a16="http://schemas.microsoft.com/office/drawing/2014/main" id="{458D5BE4-71A1-4E1B-A555-5EE0EF51D1E7}"/>
+              </a:ext>
+            </a:extLst>
+          </p:cNvPr>
+          <p:cNvSpPr/>
+          <p:nvPr/>
+        </p:nvSpPr>
+        <p:spPr>
+          <a:xfrm>
+            <a:off x="6742594" y="3448178"/>
+            <a:ext cx="1428422" cy="1226564"/>
+          </a:xfrm>
+          <a:custGeom>
+            <a:avLst/>
+            <a:gdLst>
+              <a:gd name="connsiteX0" fmla="*/ 0 w 1428422"/>
+              <a:gd name="connsiteY0" fmla="*/ 613282 h 1226564"/>
+              <a:gd name="connsiteX1" fmla="*/ 306641 w 1428422"/>
+              <a:gd name="connsiteY1" fmla="*/ 0 h 1226564"/>
+              <a:gd name="connsiteX2" fmla="*/ 1121781 w 1428422"/>
+              <a:gd name="connsiteY2" fmla="*/ 0 h 1226564"/>
+              <a:gd name="connsiteX3" fmla="*/ 1428422 w 1428422"/>
+              <a:gd name="connsiteY3" fmla="*/ 613282 h 1226564"/>
+              <a:gd name="connsiteX4" fmla="*/ 1121781 w 1428422"/>
+              <a:gd name="connsiteY4" fmla="*/ 1226564 h 1226564"/>
+              <a:gd name="connsiteX5" fmla="*/ 306641 w 1428422"/>
+              <a:gd name="connsiteY5" fmla="*/ 1226564 h 1226564"/>
+              <a:gd name="connsiteX6" fmla="*/ 0 w 1428422"/>
+              <a:gd name="connsiteY6" fmla="*/ 613282 h 1226564"/>
+            </a:gdLst>
+            <a:ahLst/>
+            <a:cxnLst>
+              <a:cxn ang="0">
+                <a:pos x="connsiteX0" y="connsiteY0"/>
+              </a:cxn>
+              <a:cxn ang="0">
+                <a:pos x="connsiteX1" y="connsiteY1"/>
+              </a:cxn>
+              <a:cxn ang="0">
+                <a:pos x="connsiteX2" y="connsiteY2"/>
+              </a:cxn>
+              <a:cxn ang="0">
+                <a:pos x="connsiteX3" y="connsiteY3"/>
+              </a:cxn>
+              <a:cxn ang="0">
+                <a:pos x="connsiteX4" y="connsiteY4"/>
+              </a:cxn>
+              <a:cxn ang="0">
+                <a:pos x="connsiteX5" y="connsiteY5"/>
+              </a:cxn>
+              <a:cxn ang="0">
+                <a:pos x="connsiteX6" y="connsiteY6"/>
+              </a:cxn>
+            </a:cxnLst>
+            <a:rect l="l" t="t" r="r" b="b"/>
+            <a:pathLst>
+              <a:path w="1428422" h="1226564">
+                <a:moveTo>
+                  <a:pt x="0" y="613282"/>
+                </a:moveTo>
+                <a:lnTo>
+                  <a:pt x="306641" y="0"/>
+                </a:lnTo>
+                <a:lnTo>
+                  <a:pt x="1121781" y="0"/>
+                </a:lnTo>
+                <a:lnTo>
+                  <a:pt x="1428422" y="613282"/>
+                </a:lnTo>
+                <a:lnTo>
+                  <a:pt x="1121781" y="1226564"/>
+                </a:lnTo>
+                <a:lnTo>
+                  <a:pt x="306641" y="1226564"/>
+                </a:lnTo>
+                <a:lnTo>
+                  <a:pt x="0" y="613282"/>
+                </a:lnTo>
+                <a:close/>
+              </a:path>
+            </a:pathLst>
+          </a:custGeom>
+          <a:solidFill>
+            <a:srgbClr val="000000">
+              <a:lumMod val="75000"/>
+              <a:lumOff val="25000"/>
+            </a:srgbClr>
+          </a:solidFill>
+          <a:ln w="12700" cap="flat" cmpd="sng" algn="ctr">
+            <a:solidFill>
+              <a:srgbClr val="9B6902">
+                <a:lumMod val="20000"/>
+                <a:lumOff val="80000"/>
+              </a:srgbClr>
+            </a:solidFill>
+            <a:prstDash val="solid"/>
+            <a:miter lim="800000"/>
+          </a:ln>
+          <a:effectLst/>
+        </p:spPr>
+        <p:style>
+          <a:lnRef idx="2">
+            <a:scrgbClr r="0" g="0" b="0"/>
+          </a:lnRef>
+          <a:fillRef idx="1">
+            <a:scrgbClr r="0" g="0" b="0"/>
+          </a:fillRef>
+          <a:effectRef idx="0">
+            <a:scrgbClr r="0" g="0" b="0"/>
+          </a:effectRef>
+          <a:fontRef idx="minor">
+            <a:schemeClr val="lt1"/>
+          </a:fontRef>
+        </p:style>
+        <p:txBody>
+          <a:bodyPr spcFirstLastPara="0" vert="horz" wrap="square" lIns="221249" tIns="205223" rIns="221249" bIns="205223" numCol="1" spcCol="1270" anchor="ctr" anchorCtr="0">
+            <a:noAutofit/>
+          </a:bodyPr>
+          <a:lstStyle/>
+          <a:p>
+            <a:pPr marL="0" lvl="0" indent="0" algn="ctr" defTabSz="533400">
+              <a:lnSpc>
+                <a:spcPct val="90000"/>
+              </a:lnSpc>
+              <a:spcBef>
+                <a:spcPct val="0"/>
+              </a:spcBef>
+              <a:spcAft>
+                <a:spcPct val="35000"/>
+              </a:spcAft>
+              <a:buNone/>
+            </a:pPr>
+            <a:r>
+              <a:rPr lang="en-US" sz="2000" b="1" kern="1200" dirty="0">
+                <a:solidFill>
+                  <a:srgbClr val="FFFFFF"/>
+                </a:solidFill>
+                <a:latin typeface="TH Sarabun New" panose="020B0500040200020003" pitchFamily="34" charset="-34"/>
+                <a:ea typeface="+mn-ea"/>
+                <a:cs typeface="TH Sarabun New" panose="020B0500040200020003" pitchFamily="34" charset="-34"/>
+              </a:rPr>
+              <a:t>Objective</a:t>
+            </a:r>
+            <a:endParaRPr lang="en-US" sz="1200" b="1" kern="1200" dirty="0">
+              <a:solidFill>
+                <a:srgbClr val="FFFFFF"/>
+              </a:solidFill>
+              <a:latin typeface="TH Sarabun New" panose="020B0500040200020003" pitchFamily="34" charset="-34"/>
+              <a:ea typeface="+mn-ea"/>
+              <a:cs typeface="TH Sarabun New" panose="020B0500040200020003" pitchFamily="34" charset="-34"/>
+            </a:endParaRPr>
+          </a:p>
+        </p:txBody>
+      </p:sp>
+      <p:sp>
+        <p:nvSpPr>
+          <p:cNvPr id="27" name="Hexagon 26">
+            <a:extLst>
+              <a:ext uri="{FF2B5EF4-FFF2-40B4-BE49-F238E27FC236}">
+                <a16:creationId xmlns:a16="http://schemas.microsoft.com/office/drawing/2014/main" id="{9C91D7EE-147B-4B4B-AE3E-4A228D4A6C2D}"/>
+              </a:ext>
+            </a:extLst>
+          </p:cNvPr>
+          <p:cNvSpPr/>
+          <p:nvPr/>
+        </p:nvSpPr>
+        <p:spPr>
+          <a:xfrm>
+            <a:off x="7053536" y="4532047"/>
+            <a:ext cx="170144" cy="146781"/>
+          </a:xfrm>
+          <a:prstGeom prst="hexagon">
+            <a:avLst>
+              <a:gd name="adj" fmla="val 25000"/>
+              <a:gd name="vf" fmla="val 115470"/>
+            </a:avLst>
+          </a:prstGeom>
+        </p:spPr>
+        <p:style>
+          <a:lnRef idx="2">
+            <a:schemeClr val="accent1">
+              <a:hueOff val="0"/>
+              <a:satOff val="0"/>
+              <a:lumOff val="0"/>
+              <a:alphaOff val="0"/>
+            </a:schemeClr>
+          </a:lnRef>
+          <a:fillRef idx="1">
+            <a:schemeClr val="lt1">
+              <a:hueOff val="0"/>
+              <a:satOff val="0"/>
+              <a:lumOff val="0"/>
+              <a:alphaOff val="0"/>
+            </a:schemeClr>
+          </a:fillRef>
+          <a:effectRef idx="0">
+            <a:schemeClr val="lt1">
+              <a:hueOff val="0"/>
+              <a:satOff val="0"/>
+              <a:lumOff val="0"/>
+              <a:alphaOff val="0"/>
+            </a:schemeClr>
+          </a:effectRef>
+          <a:fontRef idx="minor">
+            <a:schemeClr val="dk1">
+              <a:hueOff val="0"/>
+              <a:satOff val="0"/>
+              <a:lumOff val="0"/>
+              <a:alphaOff val="0"/>
+            </a:schemeClr>
+          </a:fontRef>
+        </p:style>
+      </p:sp>
+      <p:sp>
+        <p:nvSpPr>
+          <p:cNvPr id="29" name="Hexagon 28">
+            <a:extLst>
+              <a:ext uri="{FF2B5EF4-FFF2-40B4-BE49-F238E27FC236}">
+                <a16:creationId xmlns:a16="http://schemas.microsoft.com/office/drawing/2014/main" id="{81A4DFBD-53C8-4FD6-B12E-C1F9D436410E}"/>
+              </a:ext>
+            </a:extLst>
+          </p:cNvPr>
+          <p:cNvSpPr/>
+          <p:nvPr/>
+        </p:nvSpPr>
+        <p:spPr>
+          <a:xfrm>
+            <a:off x="6782852" y="4670360"/>
+            <a:ext cx="170144" cy="146781"/>
+          </a:xfrm>
+          <a:prstGeom prst="hexagon">
+            <a:avLst>
+              <a:gd name="adj" fmla="val 25000"/>
+              <a:gd name="vf" fmla="val 115470"/>
+            </a:avLst>
+          </a:prstGeom>
+        </p:spPr>
+        <p:style>
+          <a:lnRef idx="2">
+            <a:schemeClr val="accent1">
+              <a:hueOff val="0"/>
+              <a:satOff val="0"/>
+              <a:lumOff val="0"/>
+              <a:alphaOff val="0"/>
+            </a:schemeClr>
+          </a:lnRef>
+          <a:fillRef idx="1">
+            <a:schemeClr val="lt1">
+              <a:hueOff val="0"/>
+              <a:satOff val="0"/>
+              <a:lumOff val="0"/>
+              <a:alphaOff val="0"/>
+            </a:schemeClr>
+          </a:fillRef>
+          <a:effectRef idx="0">
+            <a:schemeClr val="lt1">
+              <a:hueOff val="0"/>
+              <a:satOff val="0"/>
+              <a:lumOff val="0"/>
+              <a:alphaOff val="0"/>
+            </a:schemeClr>
+          </a:effectRef>
+          <a:fontRef idx="minor">
+            <a:schemeClr val="dk1">
+              <a:hueOff val="0"/>
+              <a:satOff val="0"/>
+              <a:lumOff val="0"/>
+              <a:alphaOff val="0"/>
+            </a:schemeClr>
+          </a:fontRef>
+        </p:style>
+      </p:sp>
       <p:sp>
         <p:nvSpPr>
           <p:cNvPr id="26" name="Hexagon 25">
@@ -15304,6 +11042,162 @@
           </a:fontRef>
         </p:style>
       </p:sp>
+      <p:sp>
+        <p:nvSpPr>
+          <p:cNvPr id="31" name="Freeform: Shape 30">
+            <a:extLst>
+              <a:ext uri="{FF2B5EF4-FFF2-40B4-BE49-F238E27FC236}">
+                <a16:creationId xmlns:a16="http://schemas.microsoft.com/office/drawing/2014/main" id="{6EA1A487-33D3-4154-B50D-A59347ACF154}"/>
+              </a:ext>
+            </a:extLst>
+          </p:cNvPr>
+          <p:cNvSpPr/>
+          <p:nvPr/>
+        </p:nvSpPr>
+        <p:spPr>
+          <a:xfrm>
+            <a:off x="2959536" y="4011315"/>
+            <a:ext cx="1528018" cy="1374668"/>
+          </a:xfrm>
+          <a:custGeom>
+            <a:avLst/>
+            <a:gdLst>
+              <a:gd name="connsiteX0" fmla="*/ 0 w 1615458"/>
+              <a:gd name="connsiteY0" fmla="*/ 693585 h 1387169"/>
+              <a:gd name="connsiteX1" fmla="*/ 346792 w 1615458"/>
+              <a:gd name="connsiteY1" fmla="*/ 0 h 1387169"/>
+              <a:gd name="connsiteX2" fmla="*/ 1268666 w 1615458"/>
+              <a:gd name="connsiteY2" fmla="*/ 0 h 1387169"/>
+              <a:gd name="connsiteX3" fmla="*/ 1615458 w 1615458"/>
+              <a:gd name="connsiteY3" fmla="*/ 693585 h 1387169"/>
+              <a:gd name="connsiteX4" fmla="*/ 1268666 w 1615458"/>
+              <a:gd name="connsiteY4" fmla="*/ 1387169 h 1387169"/>
+              <a:gd name="connsiteX5" fmla="*/ 346792 w 1615458"/>
+              <a:gd name="connsiteY5" fmla="*/ 1387169 h 1387169"/>
+              <a:gd name="connsiteX6" fmla="*/ 0 w 1615458"/>
+              <a:gd name="connsiteY6" fmla="*/ 693585 h 1387169"/>
+            </a:gdLst>
+            <a:ahLst/>
+            <a:cxnLst>
+              <a:cxn ang="0">
+                <a:pos x="connsiteX0" y="connsiteY0"/>
+              </a:cxn>
+              <a:cxn ang="0">
+                <a:pos x="connsiteX1" y="connsiteY1"/>
+              </a:cxn>
+              <a:cxn ang="0">
+                <a:pos x="connsiteX2" y="connsiteY2"/>
+              </a:cxn>
+              <a:cxn ang="0">
+                <a:pos x="connsiteX3" y="connsiteY3"/>
+              </a:cxn>
+              <a:cxn ang="0">
+                <a:pos x="connsiteX4" y="connsiteY4"/>
+              </a:cxn>
+              <a:cxn ang="0">
+                <a:pos x="connsiteX5" y="connsiteY5"/>
+              </a:cxn>
+              <a:cxn ang="0">
+                <a:pos x="connsiteX6" y="connsiteY6"/>
+              </a:cxn>
+            </a:cxnLst>
+            <a:rect l="l" t="t" r="r" b="b"/>
+            <a:pathLst>
+              <a:path w="1615458" h="1387169">
+                <a:moveTo>
+                  <a:pt x="0" y="693585"/>
+                </a:moveTo>
+                <a:lnTo>
+                  <a:pt x="346792" y="0"/>
+                </a:lnTo>
+                <a:lnTo>
+                  <a:pt x="1268666" y="0"/>
+                </a:lnTo>
+                <a:lnTo>
+                  <a:pt x="1615458" y="693585"/>
+                </a:lnTo>
+                <a:lnTo>
+                  <a:pt x="1268666" y="1387169"/>
+                </a:lnTo>
+                <a:lnTo>
+                  <a:pt x="346792" y="1387169"/>
+                </a:lnTo>
+                <a:lnTo>
+                  <a:pt x="0" y="693585"/>
+                </a:lnTo>
+                <a:close/>
+              </a:path>
+            </a:pathLst>
+          </a:custGeom>
+          <a:solidFill>
+            <a:srgbClr val="00B050"/>
+          </a:solidFill>
+          <a:ln w="12700" cap="flat" cmpd="sng" algn="ctr">
+            <a:solidFill>
+              <a:srgbClr val="9B6902">
+                <a:lumMod val="20000"/>
+                <a:lumOff val="80000"/>
+              </a:srgbClr>
+            </a:solidFill>
+            <a:prstDash val="solid"/>
+            <a:miter lim="800000"/>
+          </a:ln>
+          <a:effectLst/>
+        </p:spPr>
+        <p:style>
+          <a:lnRef idx="2">
+            <a:scrgbClr r="0" g="0" b="0"/>
+          </a:lnRef>
+          <a:fillRef idx="1">
+            <a:scrgbClr r="0" g="0" b="0"/>
+          </a:fillRef>
+          <a:effectRef idx="0">
+            <a:scrgbClr r="0" g="0" b="0"/>
+          </a:effectRef>
+          <a:fontRef idx="minor">
+            <a:schemeClr val="lt1"/>
+          </a:fontRef>
+        </p:style>
+        <p:txBody>
+          <a:bodyPr spcFirstLastPara="0" vert="horz" wrap="square" lIns="250219" tIns="230099" rIns="250219" bIns="230099" numCol="1" spcCol="1270" anchor="ctr" anchorCtr="0">
+            <a:noAutofit/>
+          </a:bodyPr>
+          <a:lstStyle/>
+          <a:p>
+            <a:pPr marL="0" lvl="0" indent="0" algn="ctr" defTabSz="533400">
+              <a:lnSpc>
+                <a:spcPct val="90000"/>
+              </a:lnSpc>
+              <a:spcBef>
+                <a:spcPct val="0"/>
+              </a:spcBef>
+              <a:spcAft>
+                <a:spcPct val="35000"/>
+              </a:spcAft>
+              <a:buNone/>
+            </a:pPr>
+            <a:r>
+              <a:rPr lang="en-US" sz="2000" b="1" kern="1200" dirty="0">
+                <a:solidFill>
+                  <a:srgbClr val="FFFFFF"/>
+                </a:solidFill>
+                <a:latin typeface="TH Sarabun New" panose="020B0500040200020003" pitchFamily="34" charset="-34"/>
+                <a:ea typeface="+mn-ea"/>
+                <a:cs typeface="TH Sarabun New" panose="020B0500040200020003" pitchFamily="34" charset="-34"/>
+              </a:rPr>
+              <a:t>Pros &amp; Cons</a:t>
+            </a:r>
+            <a:endParaRPr lang="en-US" sz="1200" b="1" kern="1200" dirty="0">
+              <a:solidFill>
+                <a:srgbClr val="FFFFFF"/>
+              </a:solidFill>
+              <a:latin typeface="TH Sarabun New" panose="020B0500040200020003" pitchFamily="34" charset="-34"/>
+              <a:ea typeface="+mn-ea"/>
+              <a:cs typeface="TH Sarabun New" panose="020B0500040200020003" pitchFamily="34" charset="-34"/>
+            </a:endParaRPr>
+          </a:p>
+        </p:txBody>
+      </p:sp>
     </p:spTree>
     <p:extLst>
       <p:ext uri="{BB962C8B-B14F-4D97-AF65-F5344CB8AC3E}">
@@ -15314,6 +11208,218 @@
   <p:clrMapOvr>
     <a:masterClrMapping/>
   </p:clrMapOvr>
+  <p:timing>
+    <p:tnLst>
+      <p:par>
+        <p:cTn id="1" dur="indefinite" restart="never" nodeType="tmRoot">
+          <p:childTnLst>
+            <p:seq concurrent="1" nextAc="seek">
+              <p:cTn id="2" dur="indefinite" nodeType="mainSeq">
+                <p:childTnLst>
+                  <p:par>
+                    <p:cTn id="3" fill="hold">
+                      <p:stCondLst>
+                        <p:cond delay="indefinite"/>
+                      </p:stCondLst>
+                      <p:childTnLst>
+                        <p:par>
+                          <p:cTn id="4" fill="hold">
+                            <p:stCondLst>
+                              <p:cond delay="0"/>
+                            </p:stCondLst>
+                            <p:childTnLst>
+                              <p:par>
+                                <p:cTn id="5" presetID="26" presetClass="emph" presetSubtype="0" fill="hold" grpId="0" nodeType="clickEffect">
+                                  <p:stCondLst>
+                                    <p:cond delay="0"/>
+                                  </p:stCondLst>
+                                  <p:childTnLst>
+                                    <p:animEffect transition="out" filter="fade">
+                                      <p:cBhvr>
+                                        <p:cTn id="6" dur="500" tmFilter="0, 0; .2, .5; .8, .5; 1, 0"/>
+                                        <p:tgtEl>
+                                          <p:spTgt spid="12"/>
+                                        </p:tgtEl>
+                                      </p:cBhvr>
+                                    </p:animEffect>
+                                    <p:animScale>
+                                      <p:cBhvr>
+                                        <p:cTn id="7" dur="250" autoRev="1" fill="hold"/>
+                                        <p:tgtEl>
+                                          <p:spTgt spid="12"/>
+                                        </p:tgtEl>
+                                      </p:cBhvr>
+                                      <p:by x="105000" y="105000"/>
+                                    </p:animScale>
+                                  </p:childTnLst>
+                                </p:cTn>
+                              </p:par>
+                            </p:childTnLst>
+                          </p:cTn>
+                        </p:par>
+                      </p:childTnLst>
+                    </p:cTn>
+                  </p:par>
+                  <p:par>
+                    <p:cTn id="8" fill="hold">
+                      <p:stCondLst>
+                        <p:cond delay="indefinite"/>
+                      </p:stCondLst>
+                      <p:childTnLst>
+                        <p:par>
+                          <p:cTn id="9" fill="hold">
+                            <p:stCondLst>
+                              <p:cond delay="0"/>
+                            </p:stCondLst>
+                            <p:childTnLst>
+                              <p:par>
+                                <p:cTn id="10" presetID="26" presetClass="emph" presetSubtype="0" fill="hold" grpId="0" nodeType="clickEffect">
+                                  <p:stCondLst>
+                                    <p:cond delay="0"/>
+                                  </p:stCondLst>
+                                  <p:childTnLst>
+                                    <p:animEffect transition="out" filter="fade">
+                                      <p:cBhvr>
+                                        <p:cTn id="11" dur="500" tmFilter="0, 0; .2, .5; .8, .5; 1, 0"/>
+                                        <p:tgtEl>
+                                          <p:spTgt spid="17"/>
+                                        </p:tgtEl>
+                                      </p:cBhvr>
+                                    </p:animEffect>
+                                    <p:animScale>
+                                      <p:cBhvr>
+                                        <p:cTn id="12" dur="250" autoRev="1" fill="hold"/>
+                                        <p:tgtEl>
+                                          <p:spTgt spid="17"/>
+                                        </p:tgtEl>
+                                      </p:cBhvr>
+                                      <p:by x="105000" y="105000"/>
+                                    </p:animScale>
+                                  </p:childTnLst>
+                                </p:cTn>
+                              </p:par>
+                            </p:childTnLst>
+                          </p:cTn>
+                        </p:par>
+                      </p:childTnLst>
+                    </p:cTn>
+                  </p:par>
+                  <p:par>
+                    <p:cTn id="13" fill="hold">
+                      <p:stCondLst>
+                        <p:cond delay="indefinite"/>
+                      </p:stCondLst>
+                      <p:childTnLst>
+                        <p:par>
+                          <p:cTn id="14" fill="hold">
+                            <p:stCondLst>
+                              <p:cond delay="0"/>
+                            </p:stCondLst>
+                            <p:childTnLst>
+                              <p:par>
+                                <p:cTn id="15" presetID="26" presetClass="emph" presetSubtype="0" fill="hold" grpId="0" nodeType="clickEffect">
+                                  <p:stCondLst>
+                                    <p:cond delay="0"/>
+                                  </p:stCondLst>
+                                  <p:childTnLst>
+                                    <p:animEffect transition="out" filter="fade">
+                                      <p:cBhvr>
+                                        <p:cTn id="16" dur="500" tmFilter="0, 0; .2, .5; .8, .5; 1, 0"/>
+                                        <p:tgtEl>
+                                          <p:spTgt spid="25"/>
+                                        </p:tgtEl>
+                                      </p:cBhvr>
+                                    </p:animEffect>
+                                    <p:animScale>
+                                      <p:cBhvr>
+                                        <p:cTn id="17" dur="250" autoRev="1" fill="hold"/>
+                                        <p:tgtEl>
+                                          <p:spTgt spid="25"/>
+                                        </p:tgtEl>
+                                      </p:cBhvr>
+                                      <p:by x="105000" y="105000"/>
+                                    </p:animScale>
+                                  </p:childTnLst>
+                                </p:cTn>
+                              </p:par>
+                            </p:childTnLst>
+                          </p:cTn>
+                        </p:par>
+                      </p:childTnLst>
+                    </p:cTn>
+                  </p:par>
+                  <p:par>
+                    <p:cTn id="18" fill="hold">
+                      <p:stCondLst>
+                        <p:cond delay="indefinite"/>
+                      </p:stCondLst>
+                      <p:childTnLst>
+                        <p:par>
+                          <p:cTn id="19" fill="hold">
+                            <p:stCondLst>
+                              <p:cond delay="0"/>
+                            </p:stCondLst>
+                            <p:childTnLst>
+                              <p:par>
+                                <p:cTn id="20" presetID="26" presetClass="emph" presetSubtype="0" fill="hold" grpId="0" nodeType="clickEffect">
+                                  <p:stCondLst>
+                                    <p:cond delay="0"/>
+                                  </p:stCondLst>
+                                  <p:childTnLst>
+                                    <p:animEffect transition="out" filter="fade">
+                                      <p:cBhvr>
+                                        <p:cTn id="21" dur="500" tmFilter="0, 0; .2, .5; .8, .5; 1, 0"/>
+                                        <p:tgtEl>
+                                          <p:spTgt spid="31"/>
+                                        </p:tgtEl>
+                                      </p:cBhvr>
+                                    </p:animEffect>
+                                    <p:animScale>
+                                      <p:cBhvr>
+                                        <p:cTn id="22" dur="250" autoRev="1" fill="hold"/>
+                                        <p:tgtEl>
+                                          <p:spTgt spid="31"/>
+                                        </p:tgtEl>
+                                      </p:cBhvr>
+                                      <p:by x="105000" y="105000"/>
+                                    </p:animScale>
+                                  </p:childTnLst>
+                                </p:cTn>
+                              </p:par>
+                            </p:childTnLst>
+                          </p:cTn>
+                        </p:par>
+                      </p:childTnLst>
+                    </p:cTn>
+                  </p:par>
+                </p:childTnLst>
+              </p:cTn>
+              <p:prevCondLst>
+                <p:cond evt="onPrev" delay="0">
+                  <p:tgtEl>
+                    <p:sldTgt/>
+                  </p:tgtEl>
+                </p:cond>
+              </p:prevCondLst>
+              <p:nextCondLst>
+                <p:cond evt="onNext" delay="0">
+                  <p:tgtEl>
+                    <p:sldTgt/>
+                  </p:tgtEl>
+                </p:cond>
+              </p:nextCondLst>
+            </p:seq>
+          </p:childTnLst>
+        </p:cTn>
+      </p:par>
+    </p:tnLst>
+    <p:bldLst>
+      <p:bldP spid="12" grpId="0" animBg="1"/>
+      <p:bldP spid="17" grpId="0" animBg="1"/>
+      <p:bldP spid="25" grpId="0" animBg="1"/>
+      <p:bldP spid="31" grpId="0" animBg="1"/>
+    </p:bldLst>
+  </p:timing>
 </p:sld>
 </file>
 
@@ -15431,7 +11537,7 @@
         <p:spPr>
           <a:xfrm>
             <a:off x="1115616" y="2276872"/>
-            <a:ext cx="1872208" cy="369332"/>
+            <a:ext cx="1872208" cy="954107"/>
           </a:xfrm>
           <a:prstGeom prst="rect">
             <a:avLst/>
@@ -15445,10 +11551,16 @@
           <a:lstStyle/>
           <a:p>
             <a:r>
-              <a:rPr lang="en-US" dirty="0"/>
+              <a:rPr lang="en-US" sz="2800" dirty="0">
+                <a:latin typeface="TH Sarabun New" panose="020B0500040200020003" pitchFamily="34" charset="-34"/>
+                <a:cs typeface="TH Sarabun New" panose="020B0500040200020003" pitchFamily="34" charset="-34"/>
+              </a:rPr>
               <a:t>In The Past . . .</a:t>
             </a:r>
-            <a:endParaRPr lang="th-TH" dirty="0"/>
+            <a:endParaRPr lang="th-TH" sz="2800" dirty="0">
+              <a:latin typeface="TH Sarabun New" panose="020B0500040200020003" pitchFamily="34" charset="-34"/>
+              <a:cs typeface="TH Sarabun New" panose="020B0500040200020003" pitchFamily="34" charset="-34"/>
+            </a:endParaRPr>
           </a:p>
         </p:txBody>
       </p:sp>
@@ -15887,6 +11999,174 @@
           </a:effectLst>
         </p:spPr>
       </p:pic>
+      <p:sp>
+        <p:nvSpPr>
+          <p:cNvPr id="3" name="TextBox 2">
+            <a:extLst>
+              <a:ext uri="{FF2B5EF4-FFF2-40B4-BE49-F238E27FC236}">
+                <a16:creationId xmlns:a16="http://schemas.microsoft.com/office/drawing/2014/main" id="{D65E1B6A-2113-49DE-84AB-BC8E8752E31E}"/>
+              </a:ext>
+            </a:extLst>
+          </p:cNvPr>
+          <p:cNvSpPr txBox="1"/>
+          <p:nvPr/>
+        </p:nvSpPr>
+        <p:spPr>
+          <a:xfrm>
+            <a:off x="6189010" y="3338118"/>
+            <a:ext cx="1101584" cy="461665"/>
+          </a:xfrm>
+          <a:prstGeom prst="rect">
+            <a:avLst/>
+          </a:prstGeom>
+          <a:noFill/>
+        </p:spPr>
+        <p:txBody>
+          <a:bodyPr wrap="none" rtlCol="0">
+            <a:spAutoFit/>
+          </a:bodyPr>
+          <a:lstStyle/>
+          <a:p>
+            <a:r>
+              <a:rPr lang="en-US" sz="2400" dirty="0">
+                <a:latin typeface="TH Sarabun New" panose="020B0500040200020003" pitchFamily="34" charset="-34"/>
+                <a:cs typeface="TH Sarabun New" panose="020B0500040200020003" pitchFamily="34" charset="-34"/>
+              </a:rPr>
+              <a:t>Shopping</a:t>
+            </a:r>
+            <a:endParaRPr lang="th-TH" sz="2000" dirty="0">
+              <a:latin typeface="TH Sarabun New" panose="020B0500040200020003" pitchFamily="34" charset="-34"/>
+              <a:cs typeface="TH Sarabun New" panose="020B0500040200020003" pitchFamily="34" charset="-34"/>
+            </a:endParaRPr>
+          </a:p>
+        </p:txBody>
+      </p:sp>
+      <p:sp>
+        <p:nvSpPr>
+          <p:cNvPr id="16" name="TextBox 15">
+            <a:extLst>
+              <a:ext uri="{FF2B5EF4-FFF2-40B4-BE49-F238E27FC236}">
+                <a16:creationId xmlns:a16="http://schemas.microsoft.com/office/drawing/2014/main" id="{78CA9D9D-84A4-4CEF-AA5D-6EC8EF49B60B}"/>
+              </a:ext>
+            </a:extLst>
+          </p:cNvPr>
+          <p:cNvSpPr txBox="1"/>
+          <p:nvPr/>
+        </p:nvSpPr>
+        <p:spPr>
+          <a:xfrm>
+            <a:off x="1728868" y="4307996"/>
+            <a:ext cx="843501" cy="461665"/>
+          </a:xfrm>
+          <a:prstGeom prst="rect">
+            <a:avLst/>
+          </a:prstGeom>
+          <a:noFill/>
+        </p:spPr>
+        <p:txBody>
+          <a:bodyPr wrap="none" rtlCol="0">
+            <a:spAutoFit/>
+          </a:bodyPr>
+          <a:lstStyle/>
+          <a:p>
+            <a:r>
+              <a:rPr lang="en-US" sz="2400" dirty="0">
+                <a:latin typeface="TH Sarabun New" panose="020B0500040200020003" pitchFamily="34" charset="-34"/>
+                <a:cs typeface="TH Sarabun New" panose="020B0500040200020003" pitchFamily="34" charset="-34"/>
+              </a:rPr>
+              <a:t>Driving</a:t>
+            </a:r>
+            <a:endParaRPr lang="th-TH" sz="2000" dirty="0">
+              <a:latin typeface="TH Sarabun New" panose="020B0500040200020003" pitchFamily="34" charset="-34"/>
+              <a:cs typeface="TH Sarabun New" panose="020B0500040200020003" pitchFamily="34" charset="-34"/>
+            </a:endParaRPr>
+          </a:p>
+        </p:txBody>
+      </p:sp>
+      <p:pic>
+        <p:nvPicPr>
+          <p:cNvPr id="4" name="Picture 3">
+            <a:extLst>
+              <a:ext uri="{FF2B5EF4-FFF2-40B4-BE49-F238E27FC236}">
+                <a16:creationId xmlns:a16="http://schemas.microsoft.com/office/drawing/2014/main" id="{829523AF-1B9C-4F75-B6B4-121895B63A3B}"/>
+              </a:ext>
+            </a:extLst>
+          </p:cNvPr>
+          <p:cNvPicPr>
+            <a:picLocks noChangeAspect="1"/>
+          </p:cNvPicPr>
+          <p:nvPr/>
+        </p:nvPicPr>
+        <p:blipFill>
+          <a:blip r:embed="rId12">
+            <a:extLst>
+              <a:ext uri="{28A0092B-C50C-407E-A947-70E740481C1C}">
+                <a14:useLocalDpi xmlns:a14="http://schemas.microsoft.com/office/drawing/2010/main" val="0"/>
+              </a:ext>
+            </a:extLst>
+          </a:blip>
+          <a:stretch>
+            <a:fillRect/>
+          </a:stretch>
+        </p:blipFill>
+        <p:spPr>
+          <a:xfrm>
+            <a:off x="6516215" y="4368685"/>
+            <a:ext cx="2002087" cy="1317022"/>
+          </a:xfrm>
+          <a:prstGeom prst="ellipse">
+            <a:avLst/>
+          </a:prstGeom>
+          <a:ln>
+            <a:noFill/>
+          </a:ln>
+          <a:effectLst>
+            <a:softEdge rad="112500"/>
+          </a:effectLst>
+        </p:spPr>
+      </p:pic>
+      <p:sp>
+        <p:nvSpPr>
+          <p:cNvPr id="18" name="TextBox 17">
+            <a:extLst>
+              <a:ext uri="{FF2B5EF4-FFF2-40B4-BE49-F238E27FC236}">
+                <a16:creationId xmlns:a16="http://schemas.microsoft.com/office/drawing/2014/main" id="{35DD07FD-FEC7-4E14-B719-4E1B6847EFE0}"/>
+              </a:ext>
+            </a:extLst>
+          </p:cNvPr>
+          <p:cNvSpPr txBox="1"/>
+          <p:nvPr/>
+        </p:nvSpPr>
+        <p:spPr>
+          <a:xfrm>
+            <a:off x="6516215" y="5606235"/>
+            <a:ext cx="1953163" cy="461665"/>
+          </a:xfrm>
+          <a:prstGeom prst="rect">
+            <a:avLst/>
+          </a:prstGeom>
+          <a:noFill/>
+        </p:spPr>
+        <p:txBody>
+          <a:bodyPr wrap="none" rtlCol="0">
+            <a:spAutoFit/>
+          </a:bodyPr>
+          <a:lstStyle/>
+          <a:p>
+            <a:r>
+              <a:rPr lang="en-US" sz="2400" dirty="0">
+                <a:latin typeface="TH Sarabun New" panose="020B0500040200020003" pitchFamily="34" charset="-34"/>
+                <a:cs typeface="TH Sarabun New" panose="020B0500040200020003" pitchFamily="34" charset="-34"/>
+              </a:rPr>
+              <a:t>Take a lot of time</a:t>
+            </a:r>
+            <a:endParaRPr lang="th-TH" sz="2000" dirty="0">
+              <a:latin typeface="TH Sarabun New" panose="020B0500040200020003" pitchFamily="34" charset="-34"/>
+              <a:cs typeface="TH Sarabun New" panose="020B0500040200020003" pitchFamily="34" charset="-34"/>
+            </a:endParaRPr>
+          </a:p>
+        </p:txBody>
+      </p:sp>
     </p:spTree>
     <p:extLst>
       <p:ext uri="{BB962C8B-B14F-4D97-AF65-F5344CB8AC3E}">
@@ -16052,30 +12332,74 @@
                             </p:childTnLst>
                           </p:cTn>
                         </p:par>
-                      </p:childTnLst>
-                    </p:cTn>
-                  </p:par>
-                  <p:par>
-                    <p:cTn id="17" fill="hold">
-                      <p:stCondLst>
-                        <p:cond delay="indefinite"/>
-                      </p:stCondLst>
-                      <p:childTnLst>
                         <p:par>
-                          <p:cTn id="18" fill="hold">
+                          <p:cTn id="17" fill="hold">
                             <p:stCondLst>
-                              <p:cond delay="0"/>
+                              <p:cond delay="1000"/>
                             </p:stCondLst>
                             <p:childTnLst>
                               <p:par>
-                                <p:cTn id="19" presetID="22" presetClass="entr" presetSubtype="8" fill="hold" nodeType="clickEffect">
+                                <p:cTn id="18" presetID="10" presetClass="entr" presetSubtype="0" fill="hold" grpId="0" nodeType="afterEffect">
                                   <p:stCondLst>
                                     <p:cond delay="0"/>
                                   </p:stCondLst>
                                   <p:childTnLst>
                                     <p:set>
                                       <p:cBhvr>
-                                        <p:cTn id="20" dur="1" fill="hold">
+                                        <p:cTn id="19" dur="1" fill="hold">
+                                          <p:stCondLst>
+                                            <p:cond delay="0"/>
+                                          </p:stCondLst>
+                                        </p:cTn>
+                                        <p:tgtEl>
+                                          <p:spTgt spid="3"/>
+                                        </p:tgtEl>
+                                        <p:attrNameLst>
+                                          <p:attrName>style.visibility</p:attrName>
+                                        </p:attrNameLst>
+                                      </p:cBhvr>
+                                      <p:to>
+                                        <p:strVal val="visible"/>
+                                      </p:to>
+                                    </p:set>
+                                    <p:animEffect transition="in" filter="fade">
+                                      <p:cBhvr>
+                                        <p:cTn id="20" dur="500"/>
+                                        <p:tgtEl>
+                                          <p:spTgt spid="3"/>
+                                        </p:tgtEl>
+                                      </p:cBhvr>
+                                    </p:animEffect>
+                                  </p:childTnLst>
+                                </p:cTn>
+                              </p:par>
+                            </p:childTnLst>
+                          </p:cTn>
+                        </p:par>
+                      </p:childTnLst>
+                    </p:cTn>
+                  </p:par>
+                  <p:par>
+                    <p:cTn id="21" fill="hold">
+                      <p:stCondLst>
+                        <p:cond delay="indefinite"/>
+                      </p:stCondLst>
+                      <p:childTnLst>
+                        <p:par>
+                          <p:cTn id="22" fill="hold">
+                            <p:stCondLst>
+                              <p:cond delay="0"/>
+                            </p:stCondLst>
+                            <p:childTnLst>
+                              <p:par>
+                                <p:cTn id="23" presetID="22" presetClass="entr" presetSubtype="8" fill="hold" nodeType="clickEffect">
+                                  <p:stCondLst>
+                                    <p:cond delay="0"/>
+                                  </p:stCondLst>
+                                  <p:childTnLst>
+                                    <p:set>
+                                      <p:cBhvr>
+                                        <p:cTn id="24" dur="1" fill="hold">
                                           <p:stCondLst>
                                             <p:cond delay="0"/>
                                           </p:stCondLst>
@@ -16093,7 +12417,7 @@
                                     </p:set>
                                     <p:animEffect transition="in" filter="wipe(left)">
                                       <p:cBhvr>
-                                        <p:cTn id="21" dur="500"/>
+                                        <p:cTn id="25" dur="500"/>
                                         <p:tgtEl>
                                           <p:spTgt spid="38"/>
                                         </p:tgtEl>
@@ -16109,26 +12433,26 @@
                     </p:cTn>
                   </p:par>
                   <p:par>
-                    <p:cTn id="22" fill="hold">
+                    <p:cTn id="26" fill="hold">
                       <p:stCondLst>
                         <p:cond delay="indefinite"/>
                       </p:stCondLst>
                       <p:childTnLst>
                         <p:par>
-                          <p:cTn id="23" fill="hold">
+                          <p:cTn id="27" fill="hold">
                             <p:stCondLst>
                               <p:cond delay="0"/>
                             </p:stCondLst>
                             <p:childTnLst>
                               <p:par>
-                                <p:cTn id="24" presetID="53" presetClass="entr" presetSubtype="16" fill="hold" nodeType="clickEffect">
+                                <p:cTn id="28" presetID="53" presetClass="entr" presetSubtype="16" fill="hold" nodeType="clickEffect">
                                   <p:stCondLst>
                                     <p:cond delay="0"/>
                                   </p:stCondLst>
                                   <p:childTnLst>
                                     <p:set>
                                       <p:cBhvr>
-                                        <p:cTn id="25" dur="1" fill="hold">
+                                        <p:cTn id="29" dur="1" fill="hold">
                                           <p:stCondLst>
                                             <p:cond delay="0"/>
                                           </p:stCondLst>
@@ -16146,7 +12470,7 @@
                                     </p:set>
                                     <p:anim calcmode="lin" valueType="num">
                                       <p:cBhvr>
-                                        <p:cTn id="26" dur="500" fill="hold"/>
+                                        <p:cTn id="30" dur="500" fill="hold"/>
                                         <p:tgtEl>
                                           <p:spTgt spid="40"/>
                                         </p:tgtEl>
@@ -16169,7 +12493,7 @@
                                     </p:anim>
                                     <p:anim calcmode="lin" valueType="num">
                                       <p:cBhvr>
-                                        <p:cTn id="27" dur="500" fill="hold"/>
+                                        <p:cTn id="31" dur="500" fill="hold"/>
                                         <p:tgtEl>
                                           <p:spTgt spid="40"/>
                                         </p:tgtEl>
@@ -16192,9 +12516,150 @@
                                     </p:anim>
                                     <p:animEffect transition="in" filter="fade">
                                       <p:cBhvr>
-                                        <p:cTn id="28" dur="500"/>
+                                        <p:cTn id="32" dur="500"/>
                                         <p:tgtEl>
                                           <p:spTgt spid="40"/>
+                                        </p:tgtEl>
+                                      </p:cBhvr>
+                                    </p:animEffect>
+                                  </p:childTnLst>
+                                </p:cTn>
+                              </p:par>
+                            </p:childTnLst>
+                          </p:cTn>
+                        </p:par>
+                        <p:par>
+                          <p:cTn id="33" fill="hold">
+                            <p:stCondLst>
+                              <p:cond delay="500"/>
+                            </p:stCondLst>
+                            <p:childTnLst>
+                              <p:par>
+                                <p:cTn id="34" presetID="10" presetClass="entr" presetSubtype="0" fill="hold" grpId="0" nodeType="afterEffect">
+                                  <p:stCondLst>
+                                    <p:cond delay="0"/>
+                                  </p:stCondLst>
+                                  <p:childTnLst>
+                                    <p:set>
+                                      <p:cBhvr>
+                                        <p:cTn id="35" dur="1" fill="hold">
+                                          <p:stCondLst>
+                                            <p:cond delay="0"/>
+                                          </p:stCondLst>
+                                        </p:cTn>
+                                        <p:tgtEl>
+                                          <p:spTgt spid="16"/>
+                                        </p:tgtEl>
+                                        <p:attrNameLst>
+                                          <p:attrName>style.visibility</p:attrName>
+                                        </p:attrNameLst>
+                                      </p:cBhvr>
+                                      <p:to>
+                                        <p:strVal val="visible"/>
+                                      </p:to>
+                                    </p:set>
+                                    <p:animEffect transition="in" filter="fade">
+                                      <p:cBhvr>
+                                        <p:cTn id="36" dur="500"/>
+                                        <p:tgtEl>
+                                          <p:spTgt spid="16"/>
+                                        </p:tgtEl>
+                                      </p:cBhvr>
+                                    </p:animEffect>
+                                  </p:childTnLst>
+                                </p:cTn>
+                              </p:par>
+                            </p:childTnLst>
+                          </p:cTn>
+                        </p:par>
+                      </p:childTnLst>
+                    </p:cTn>
+                  </p:par>
+                  <p:par>
+                    <p:cTn id="37" fill="hold">
+                      <p:stCondLst>
+                        <p:cond delay="indefinite"/>
+                      </p:stCondLst>
+                      <p:childTnLst>
+                        <p:par>
+                          <p:cTn id="38" fill="hold">
+                            <p:stCondLst>
+                              <p:cond delay="0"/>
+                            </p:stCondLst>
+                            <p:childTnLst>
+                              <p:par>
+                                <p:cTn id="39" presetID="22" presetClass="entr" presetSubtype="4" fill="hold" nodeType="clickEffect">
+                                  <p:stCondLst>
+                                    <p:cond delay="0"/>
+                                  </p:stCondLst>
+                                  <p:childTnLst>
+                                    <p:set>
+                                      <p:cBhvr>
+                                        <p:cTn id="40" dur="1" fill="hold">
+                                          <p:stCondLst>
+                                            <p:cond delay="0"/>
+                                          </p:stCondLst>
+                                        </p:cTn>
+                                        <p:tgtEl>
+                                          <p:spTgt spid="4"/>
+                                        </p:tgtEl>
+                                        <p:attrNameLst>
+                                          <p:attrName>style.visibility</p:attrName>
+                                        </p:attrNameLst>
+                                      </p:cBhvr>
+                                      <p:to>
+                                        <p:strVal val="visible"/>
+                                      </p:to>
+                                    </p:set>
+                                    <p:animEffect transition="in" filter="wipe(down)">
+                                      <p:cBhvr>
+                                        <p:cTn id="41" dur="500"/>
+                                        <p:tgtEl>
+                                          <p:spTgt spid="4"/>
+                                        </p:tgtEl>
+                                      </p:cBhvr>
+                                    </p:animEffect>
+                                  </p:childTnLst>
+                                </p:cTn>
+                              </p:par>
+                            </p:childTnLst>
+                          </p:cTn>
+                        </p:par>
+                        <p:par>
+                          <p:cTn id="42" fill="hold">
+                            <p:stCondLst>
+                              <p:cond delay="500"/>
+                            </p:stCondLst>
+                            <p:childTnLst>
+                              <p:par>
+                                <p:cTn id="43" presetID="10" presetClass="entr" presetSubtype="0" fill="hold" grpId="0" nodeType="afterEffect">
+                                  <p:stCondLst>
+                                    <p:cond delay="0"/>
+                                  </p:stCondLst>
+                                  <p:childTnLst>
+                                    <p:set>
+                                      <p:cBhvr>
+                                        <p:cTn id="44" dur="1" fill="hold">
+                                          <p:stCondLst>
+                                            <p:cond delay="0"/>
+                                          </p:stCondLst>
+                                        </p:cTn>
+                                        <p:tgtEl>
+                                          <p:spTgt spid="18"/>
+                                        </p:tgtEl>
+                                        <p:attrNameLst>
+                                          <p:attrName>style.visibility</p:attrName>
+                                        </p:attrNameLst>
+                                      </p:cBhvr>
+                                      <p:to>
+                                        <p:strVal val="visible"/>
+                                      </p:to>
+                                    </p:set>
+                                    <p:animEffect transition="in" filter="fade">
+                                      <p:cBhvr>
+                                        <p:cTn id="45" dur="500"/>
+                                        <p:tgtEl>
+                                          <p:spTgt spid="18"/>
                                         </p:tgtEl>
                                       </p:cBhvr>
                                     </p:animEffect>
@@ -16233,6 +12698,9 @@
       <p:bldGraphic spid="25" grpId="0">
         <p:bldAsOne/>
       </p:bldGraphic>
+      <p:bldP spid="3" grpId="0"/>
+      <p:bldP spid="16" grpId="0"/>
+      <p:bldP spid="18" grpId="0"/>
     </p:bldLst>
   </p:timing>
 </p:sld>
@@ -16289,7 +12757,7 @@
                 <a:latin typeface="TH Sarabun New" panose="020B0500040200020003" pitchFamily="34" charset="-34"/>
                 <a:cs typeface="TH Sarabun New" panose="020B0500040200020003" pitchFamily="34" charset="-34"/>
               </a:rPr>
-              <a:t>Introduction</a:t>
+              <a:t>Introduction &amp; Strategy</a:t>
             </a:r>
             <a:endParaRPr lang="th-TH" sz="3600" dirty="0">
               <a:latin typeface="TH Sarabun New" panose="020B0500040200020003" pitchFamily="34" charset="-34"/>
@@ -16352,7 +12820,7 @@
         <p:spPr>
           <a:xfrm>
             <a:off x="4825417" y="834971"/>
-            <a:ext cx="3122042" cy="369332"/>
+            <a:ext cx="3122042" cy="523220"/>
           </a:xfrm>
           <a:prstGeom prst="rect">
             <a:avLst/>
@@ -16367,10 +12835,16 @@
           <a:p>
             <a:pPr algn="ctr"/>
             <a:r>
-              <a:rPr lang="en-US" dirty="0"/>
+              <a:rPr lang="en-US" sz="2800" dirty="0">
+                <a:latin typeface="TH Sarabun New" panose="020B0500040200020003" pitchFamily="34" charset="-34"/>
+                <a:cs typeface="TH Sarabun New" panose="020B0500040200020003" pitchFamily="34" charset="-34"/>
+              </a:rPr>
               <a:t>From past to present</a:t>
             </a:r>
-            <a:endParaRPr lang="th-TH" dirty="0"/>
+            <a:endParaRPr lang="th-TH" sz="2800" dirty="0">
+              <a:latin typeface="TH Sarabun New" panose="020B0500040200020003" pitchFamily="34" charset="-34"/>
+              <a:cs typeface="TH Sarabun New" panose="020B0500040200020003" pitchFamily="34" charset="-34"/>
+            </a:endParaRPr>
           </a:p>
         </p:txBody>
       </p:sp>

--- a/document/บทที่ 1/บทที่ 1.pptx
+++ b/document/บทที่ 1/บทที่ 1.pptx
@@ -5,10 +5,10 @@
     <p:sldMasterId id="2147483648" r:id="rId1"/>
   </p:sldMasterIdLst>
   <p:notesMasterIdLst>
-    <p:notesMasterId r:id="rId8"/>
+    <p:notesMasterId r:id="rId11"/>
   </p:notesMasterIdLst>
   <p:handoutMasterIdLst>
-    <p:handoutMasterId r:id="rId9"/>
+    <p:handoutMasterId r:id="rId12"/>
   </p:handoutMasterIdLst>
   <p:sldIdLst>
     <p:sldId id="256" r:id="rId2"/>
@@ -17,6 +17,9 @@
     <p:sldId id="263" r:id="rId5"/>
     <p:sldId id="260" r:id="rId6"/>
     <p:sldId id="261" r:id="rId7"/>
+    <p:sldId id="264" r:id="rId8"/>
+    <p:sldId id="266" r:id="rId9"/>
+    <p:sldId id="265" r:id="rId10"/>
   </p:sldIdLst>
   <p:sldSz cx="9144000" cy="6858000" type="screen4x3"/>
   <p:notesSz cx="6858000" cy="9144000"/>
@@ -930,6 +933,753 @@
 </file>
 
 <file path=ppt/diagrams/colors2.xml><?xml version="1.0" encoding="utf-8"?>
+<dgm:colorsDef xmlns:dgm="http://schemas.openxmlformats.org/drawingml/2006/diagram" xmlns:a="http://schemas.openxmlformats.org/drawingml/2006/main" uniqueId="urn:microsoft.com/office/officeart/2005/8/colors/accent1_2">
+  <dgm:title val=""/>
+  <dgm:desc val=""/>
+  <dgm:catLst>
+    <dgm:cat type="accent1" pri="11200"/>
+  </dgm:catLst>
+  <dgm:styleLbl name="node0">
+    <dgm:fillClrLst meth="repeat">
+      <a:schemeClr val="accent1"/>
+    </dgm:fillClrLst>
+    <dgm:linClrLst meth="repeat">
+      <a:schemeClr val="lt1"/>
+    </dgm:linClrLst>
+    <dgm:effectClrLst/>
+    <dgm:txLinClrLst/>
+    <dgm:txFillClrLst/>
+    <dgm:txEffectClrLst/>
+  </dgm:styleLbl>
+  <dgm:styleLbl name="alignNode1">
+    <dgm:fillClrLst meth="repeat">
+      <a:schemeClr val="accent1"/>
+    </dgm:fillClrLst>
+    <dgm:linClrLst meth="repeat">
+      <a:schemeClr val="accent1"/>
+    </dgm:linClrLst>
+    <dgm:effectClrLst/>
+    <dgm:txLinClrLst/>
+    <dgm:txFillClrLst/>
+    <dgm:txEffectClrLst/>
+  </dgm:styleLbl>
+  <dgm:styleLbl name="node1">
+    <dgm:fillClrLst meth="repeat">
+      <a:schemeClr val="accent1"/>
+    </dgm:fillClrLst>
+    <dgm:linClrLst meth="repeat">
+      <a:schemeClr val="lt1"/>
+    </dgm:linClrLst>
+    <dgm:effectClrLst/>
+    <dgm:txLinClrLst/>
+    <dgm:txFillClrLst/>
+    <dgm:txEffectClrLst/>
+  </dgm:styleLbl>
+  <dgm:styleLbl name="lnNode1">
+    <dgm:fillClrLst meth="repeat">
+      <a:schemeClr val="accent1"/>
+    </dgm:fillClrLst>
+    <dgm:linClrLst meth="repeat">
+      <a:schemeClr val="lt1"/>
+    </dgm:linClrLst>
+    <dgm:effectClrLst/>
+    <dgm:txLinClrLst/>
+    <dgm:txFillClrLst/>
+    <dgm:txEffectClrLst/>
+  </dgm:styleLbl>
+  <dgm:styleLbl name="vennNode1">
+    <dgm:fillClrLst meth="repeat">
+      <a:schemeClr val="accent1">
+        <a:alpha val="50000"/>
+      </a:schemeClr>
+    </dgm:fillClrLst>
+    <dgm:linClrLst meth="repeat">
+      <a:schemeClr val="lt1"/>
+    </dgm:linClrLst>
+    <dgm:effectClrLst/>
+    <dgm:txLinClrLst/>
+    <dgm:txFillClrLst/>
+    <dgm:txEffectClrLst/>
+  </dgm:styleLbl>
+  <dgm:styleLbl name="node2">
+    <dgm:fillClrLst meth="repeat">
+      <a:schemeClr val="accent1"/>
+    </dgm:fillClrLst>
+    <dgm:linClrLst meth="repeat">
+      <a:schemeClr val="lt1"/>
+    </dgm:linClrLst>
+    <dgm:effectClrLst/>
+    <dgm:txLinClrLst/>
+    <dgm:txFillClrLst/>
+    <dgm:txEffectClrLst/>
+  </dgm:styleLbl>
+  <dgm:styleLbl name="node3">
+    <dgm:fillClrLst meth="repeat">
+      <a:schemeClr val="accent1"/>
+    </dgm:fillClrLst>
+    <dgm:linClrLst meth="repeat">
+      <a:schemeClr val="lt1"/>
+    </dgm:linClrLst>
+    <dgm:effectClrLst/>
+    <dgm:txLinClrLst/>
+    <dgm:txFillClrLst/>
+    <dgm:txEffectClrLst/>
+  </dgm:styleLbl>
+  <dgm:styleLbl name="node4">
+    <dgm:fillClrLst meth="repeat">
+      <a:schemeClr val="accent1"/>
+    </dgm:fillClrLst>
+    <dgm:linClrLst meth="repeat">
+      <a:schemeClr val="lt1"/>
+    </dgm:linClrLst>
+    <dgm:effectClrLst/>
+    <dgm:txLinClrLst/>
+    <dgm:txFillClrLst/>
+    <dgm:txEffectClrLst/>
+  </dgm:styleLbl>
+  <dgm:styleLbl name="fgImgPlace1">
+    <dgm:fillClrLst meth="repeat">
+      <a:schemeClr val="accent1">
+        <a:tint val="50000"/>
+      </a:schemeClr>
+    </dgm:fillClrLst>
+    <dgm:linClrLst meth="repeat">
+      <a:schemeClr val="lt1"/>
+    </dgm:linClrLst>
+    <dgm:effectClrLst/>
+    <dgm:txLinClrLst/>
+    <dgm:txFillClrLst meth="repeat">
+      <a:schemeClr val="lt1"/>
+    </dgm:txFillClrLst>
+    <dgm:txEffectClrLst/>
+  </dgm:styleLbl>
+  <dgm:styleLbl name="alignImgPlace1">
+    <dgm:fillClrLst meth="repeat">
+      <a:schemeClr val="accent1">
+        <a:tint val="50000"/>
+      </a:schemeClr>
+    </dgm:fillClrLst>
+    <dgm:linClrLst meth="repeat">
+      <a:schemeClr val="lt1"/>
+    </dgm:linClrLst>
+    <dgm:effectClrLst/>
+    <dgm:txLinClrLst/>
+    <dgm:txFillClrLst meth="repeat">
+      <a:schemeClr val="lt1"/>
+    </dgm:txFillClrLst>
+    <dgm:txEffectClrLst/>
+  </dgm:styleLbl>
+  <dgm:styleLbl name="bgImgPlace1">
+    <dgm:fillClrLst meth="repeat">
+      <a:schemeClr val="accent1">
+        <a:tint val="50000"/>
+      </a:schemeClr>
+    </dgm:fillClrLst>
+    <dgm:linClrLst meth="repeat">
+      <a:schemeClr val="lt1"/>
+    </dgm:linClrLst>
+    <dgm:effectClrLst/>
+    <dgm:txLinClrLst/>
+    <dgm:txFillClrLst meth="repeat">
+      <a:schemeClr val="lt1"/>
+    </dgm:txFillClrLst>
+    <dgm:txEffectClrLst/>
+  </dgm:styleLbl>
+  <dgm:styleLbl name="sibTrans2D1">
+    <dgm:fillClrLst meth="repeat">
+      <a:schemeClr val="accent1">
+        <a:tint val="60000"/>
+      </a:schemeClr>
+    </dgm:fillClrLst>
+    <dgm:linClrLst meth="repeat">
+      <a:schemeClr val="accent1">
+        <a:tint val="60000"/>
+      </a:schemeClr>
+    </dgm:linClrLst>
+    <dgm:effectClrLst/>
+    <dgm:txLinClrLst/>
+    <dgm:txFillClrLst/>
+    <dgm:txEffectClrLst/>
+  </dgm:styleLbl>
+  <dgm:styleLbl name="fgSibTrans2D1">
+    <dgm:fillClrLst meth="repeat">
+      <a:schemeClr val="accent1">
+        <a:tint val="60000"/>
+      </a:schemeClr>
+    </dgm:fillClrLst>
+    <dgm:linClrLst meth="repeat">
+      <a:schemeClr val="accent1">
+        <a:tint val="60000"/>
+      </a:schemeClr>
+    </dgm:linClrLst>
+    <dgm:effectClrLst/>
+    <dgm:txLinClrLst/>
+    <dgm:txFillClrLst/>
+    <dgm:txEffectClrLst/>
+  </dgm:styleLbl>
+  <dgm:styleLbl name="bgSibTrans2D1">
+    <dgm:fillClrLst meth="repeat">
+      <a:schemeClr val="accent1">
+        <a:tint val="60000"/>
+      </a:schemeClr>
+    </dgm:fillClrLst>
+    <dgm:linClrLst meth="repeat">
+      <a:schemeClr val="accent1">
+        <a:tint val="60000"/>
+      </a:schemeClr>
+    </dgm:linClrLst>
+    <dgm:effectClrLst/>
+    <dgm:txLinClrLst/>
+    <dgm:txFillClrLst/>
+    <dgm:txEffectClrLst/>
+  </dgm:styleLbl>
+  <dgm:styleLbl name="sibTrans1D1">
+    <dgm:fillClrLst meth="repeat">
+      <a:schemeClr val="accent1"/>
+    </dgm:fillClrLst>
+    <dgm:linClrLst meth="repeat">
+      <a:schemeClr val="accent1"/>
+    </dgm:linClrLst>
+    <dgm:effectClrLst/>
+    <dgm:txLinClrLst/>
+    <dgm:txFillClrLst meth="repeat">
+      <a:schemeClr val="tx1"/>
+    </dgm:txFillClrLst>
+    <dgm:txEffectClrLst/>
+  </dgm:styleLbl>
+  <dgm:styleLbl name="callout">
+    <dgm:fillClrLst meth="repeat">
+      <a:schemeClr val="accent1"/>
+    </dgm:fillClrLst>
+    <dgm:linClrLst meth="repeat">
+      <a:schemeClr val="accent1">
+        <a:tint val="50000"/>
+      </a:schemeClr>
+    </dgm:linClrLst>
+    <dgm:effectClrLst/>
+    <dgm:txLinClrLst/>
+    <dgm:txFillClrLst meth="repeat">
+      <a:schemeClr val="tx1"/>
+    </dgm:txFillClrLst>
+    <dgm:txEffectClrLst/>
+  </dgm:styleLbl>
+  <dgm:styleLbl name="asst0">
+    <dgm:fillClrLst meth="repeat">
+      <a:schemeClr val="accent1"/>
+    </dgm:fillClrLst>
+    <dgm:linClrLst meth="repeat">
+      <a:schemeClr val="lt1"/>
+    </dgm:linClrLst>
+    <dgm:effectClrLst/>
+    <dgm:txLinClrLst/>
+    <dgm:txFillClrLst/>
+    <dgm:txEffectClrLst/>
+  </dgm:styleLbl>
+  <dgm:styleLbl name="asst1">
+    <dgm:fillClrLst meth="repeat">
+      <a:schemeClr val="accent1"/>
+    </dgm:fillClrLst>
+    <dgm:linClrLst meth="repeat">
+      <a:schemeClr val="lt1"/>
+    </dgm:linClrLst>
+    <dgm:effectClrLst/>
+    <dgm:txLinClrLst/>
+    <dgm:txFillClrLst/>
+    <dgm:txEffectClrLst/>
+  </dgm:styleLbl>
+  <dgm:styleLbl name="asst2">
+    <dgm:fillClrLst meth="repeat">
+      <a:schemeClr val="accent1"/>
+    </dgm:fillClrLst>
+    <dgm:linClrLst meth="repeat">
+      <a:schemeClr val="lt1"/>
+    </dgm:linClrLst>
+    <dgm:effectClrLst/>
+    <dgm:txLinClrLst/>
+    <dgm:txFillClrLst/>
+    <dgm:txEffectClrLst/>
+  </dgm:styleLbl>
+  <dgm:styleLbl name="asst3">
+    <dgm:fillClrLst meth="repeat">
+      <a:schemeClr val="accent1"/>
+    </dgm:fillClrLst>
+    <dgm:linClrLst meth="repeat">
+      <a:schemeClr val="lt1"/>
+    </dgm:linClrLst>
+    <dgm:effectClrLst/>
+    <dgm:txLinClrLst/>
+    <dgm:txFillClrLst/>
+    <dgm:txEffectClrLst/>
+  </dgm:styleLbl>
+  <dgm:styleLbl name="asst4">
+    <dgm:fillClrLst meth="repeat">
+      <a:schemeClr val="accent1"/>
+    </dgm:fillClrLst>
+    <dgm:linClrLst meth="repeat">
+      <a:schemeClr val="lt1"/>
+    </dgm:linClrLst>
+    <dgm:effectClrLst/>
+    <dgm:txLinClrLst/>
+    <dgm:txFillClrLst/>
+    <dgm:txEffectClrLst/>
+  </dgm:styleLbl>
+  <dgm:styleLbl name="parChTrans2D1">
+    <dgm:fillClrLst meth="repeat">
+      <a:schemeClr val="accent1">
+        <a:tint val="60000"/>
+      </a:schemeClr>
+    </dgm:fillClrLst>
+    <dgm:linClrLst meth="repeat">
+      <a:schemeClr val="accent1">
+        <a:tint val="60000"/>
+      </a:schemeClr>
+    </dgm:linClrLst>
+    <dgm:effectClrLst/>
+    <dgm:txLinClrLst/>
+    <dgm:txFillClrLst meth="repeat">
+      <a:schemeClr val="lt1"/>
+    </dgm:txFillClrLst>
+    <dgm:txEffectClrLst/>
+  </dgm:styleLbl>
+  <dgm:styleLbl name="parChTrans2D2">
+    <dgm:fillClrLst meth="repeat">
+      <a:schemeClr val="accent1"/>
+    </dgm:fillClrLst>
+    <dgm:linClrLst meth="repeat">
+      <a:schemeClr val="accent1"/>
+    </dgm:linClrLst>
+    <dgm:effectClrLst/>
+    <dgm:txLinClrLst/>
+    <dgm:txFillClrLst meth="repeat">
+      <a:schemeClr val="lt1"/>
+    </dgm:txFillClrLst>
+    <dgm:txEffectClrLst/>
+  </dgm:styleLbl>
+  <dgm:styleLbl name="parChTrans2D3">
+    <dgm:fillClrLst meth="repeat">
+      <a:schemeClr val="accent1"/>
+    </dgm:fillClrLst>
+    <dgm:linClrLst meth="repeat">
+      <a:schemeClr val="accent1"/>
+    </dgm:linClrLst>
+    <dgm:effectClrLst/>
+    <dgm:txLinClrLst/>
+    <dgm:txFillClrLst meth="repeat">
+      <a:schemeClr val="lt1"/>
+    </dgm:txFillClrLst>
+    <dgm:txEffectClrLst/>
+  </dgm:styleLbl>
+  <dgm:styleLbl name="parChTrans2D4">
+    <dgm:fillClrLst meth="repeat">
+      <a:schemeClr val="accent1"/>
+    </dgm:fillClrLst>
+    <dgm:linClrLst meth="repeat">
+      <a:schemeClr val="accent1"/>
+    </dgm:linClrLst>
+    <dgm:effectClrLst/>
+    <dgm:txLinClrLst/>
+    <dgm:txFillClrLst meth="repeat">
+      <a:schemeClr val="lt1"/>
+    </dgm:txFillClrLst>
+    <dgm:txEffectClrLst/>
+  </dgm:styleLbl>
+  <dgm:styleLbl name="parChTrans1D1">
+    <dgm:fillClrLst meth="repeat">
+      <a:schemeClr val="accent1"/>
+    </dgm:fillClrLst>
+    <dgm:linClrLst meth="repeat">
+      <a:schemeClr val="accent1">
+        <a:shade val="60000"/>
+      </a:schemeClr>
+    </dgm:linClrLst>
+    <dgm:effectClrLst/>
+    <dgm:txLinClrLst/>
+    <dgm:txFillClrLst meth="repeat">
+      <a:schemeClr val="tx1"/>
+    </dgm:txFillClrLst>
+    <dgm:txEffectClrLst/>
+  </dgm:styleLbl>
+  <dgm:styleLbl name="parChTrans1D2">
+    <dgm:fillClrLst meth="repeat">
+      <a:schemeClr val="accent1"/>
+    </dgm:fillClrLst>
+    <dgm:linClrLst meth="repeat">
+      <a:schemeClr val="accent1">
+        <a:shade val="60000"/>
+      </a:schemeClr>
+    </dgm:linClrLst>
+    <dgm:effectClrLst/>
+    <dgm:txLinClrLst/>
+    <dgm:txFillClrLst meth="repeat">
+      <a:schemeClr val="tx1"/>
+    </dgm:txFillClrLst>
+    <dgm:txEffectClrLst/>
+  </dgm:styleLbl>
+  <dgm:styleLbl name="parChTrans1D3">
+    <dgm:fillClrLst meth="repeat">
+      <a:schemeClr val="accent1"/>
+    </dgm:fillClrLst>
+    <dgm:linClrLst meth="repeat">
+      <a:schemeClr val="accent1">
+        <a:shade val="80000"/>
+      </a:schemeClr>
+    </dgm:linClrLst>
+    <dgm:effectClrLst/>
+    <dgm:txLinClrLst/>
+    <dgm:txFillClrLst meth="repeat">
+      <a:schemeClr val="tx1"/>
+    </dgm:txFillClrLst>
+    <dgm:txEffectClrLst/>
+  </dgm:styleLbl>
+  <dgm:styleLbl name="parChTrans1D4">
+    <dgm:fillClrLst meth="repeat">
+      <a:schemeClr val="accent1"/>
+    </dgm:fillClrLst>
+    <dgm:linClrLst meth="repeat">
+      <a:schemeClr val="accent1">
+        <a:shade val="80000"/>
+      </a:schemeClr>
+    </dgm:linClrLst>
+    <dgm:effectClrLst/>
+    <dgm:txLinClrLst/>
+    <dgm:txFillClrLst meth="repeat">
+      <a:schemeClr val="tx1"/>
+    </dgm:txFillClrLst>
+    <dgm:txEffectClrLst/>
+  </dgm:styleLbl>
+  <dgm:styleLbl name="fgAcc1">
+    <dgm:fillClrLst meth="repeat">
+      <a:schemeClr val="lt1">
+        <a:alpha val="90000"/>
+      </a:schemeClr>
+    </dgm:fillClrLst>
+    <dgm:linClrLst meth="repeat">
+      <a:schemeClr val="accent1"/>
+    </dgm:linClrLst>
+    <dgm:effectClrLst/>
+    <dgm:txLinClrLst/>
+    <dgm:txFillClrLst meth="repeat">
+      <a:schemeClr val="dk1"/>
+    </dgm:txFillClrLst>
+    <dgm:txEffectClrLst/>
+  </dgm:styleLbl>
+  <dgm:styleLbl name="conFgAcc1">
+    <dgm:fillClrLst meth="repeat">
+      <a:schemeClr val="lt1">
+        <a:alpha val="90000"/>
+      </a:schemeClr>
+    </dgm:fillClrLst>
+    <dgm:linClrLst meth="repeat">
+      <a:schemeClr val="accent1"/>
+    </dgm:linClrLst>
+    <dgm:effectClrLst/>
+    <dgm:txLinClrLst/>
+    <dgm:txFillClrLst meth="repeat">
+      <a:schemeClr val="dk1"/>
+    </dgm:txFillClrLst>
+    <dgm:txEffectClrLst/>
+  </dgm:styleLbl>
+  <dgm:styleLbl name="alignAcc1">
+    <dgm:fillClrLst meth="repeat">
+      <a:schemeClr val="lt1">
+        <a:alpha val="90000"/>
+      </a:schemeClr>
+    </dgm:fillClrLst>
+    <dgm:linClrLst meth="repeat">
+      <a:schemeClr val="accent1"/>
+    </dgm:linClrLst>
+    <dgm:effectClrLst/>
+    <dgm:txLinClrLst/>
+    <dgm:txFillClrLst meth="repeat">
+      <a:schemeClr val="dk1"/>
+    </dgm:txFillClrLst>
+    <dgm:txEffectClrLst/>
+  </dgm:styleLbl>
+  <dgm:styleLbl name="trAlignAcc1">
+    <dgm:fillClrLst meth="repeat">
+      <a:schemeClr val="lt1">
+        <a:alpha val="40000"/>
+      </a:schemeClr>
+    </dgm:fillClrLst>
+    <dgm:linClrLst meth="repeat">
+      <a:schemeClr val="accent1"/>
+    </dgm:linClrLst>
+    <dgm:effectClrLst/>
+    <dgm:txLinClrLst/>
+    <dgm:txFillClrLst meth="repeat">
+      <a:schemeClr val="dk1"/>
+    </dgm:txFillClrLst>
+    <dgm:txEffectClrLst/>
+  </dgm:styleLbl>
+  <dgm:styleLbl name="bgAcc1">
+    <dgm:fillClrLst meth="repeat">
+      <a:schemeClr val="lt1">
+        <a:alpha val="90000"/>
+      </a:schemeClr>
+    </dgm:fillClrLst>
+    <dgm:linClrLst meth="repeat">
+      <a:schemeClr val="accent1"/>
+    </dgm:linClrLst>
+    <dgm:effectClrLst/>
+    <dgm:txLinClrLst/>
+    <dgm:txFillClrLst meth="repeat">
+      <a:schemeClr val="dk1"/>
+    </dgm:txFillClrLst>
+    <dgm:txEffectClrLst/>
+  </dgm:styleLbl>
+  <dgm:styleLbl name="solidFgAcc1">
+    <dgm:fillClrLst meth="repeat">
+      <a:schemeClr val="lt1"/>
+    </dgm:fillClrLst>
+    <dgm:linClrLst meth="repeat">
+      <a:schemeClr val="accent1"/>
+    </dgm:linClrLst>
+    <dgm:effectClrLst/>
+    <dgm:txLinClrLst/>
+    <dgm:txFillClrLst meth="repeat">
+      <a:schemeClr val="dk1"/>
+    </dgm:txFillClrLst>
+    <dgm:txEffectClrLst/>
+  </dgm:styleLbl>
+  <dgm:styleLbl name="solidAlignAcc1">
+    <dgm:fillClrLst meth="repeat">
+      <a:schemeClr val="lt1"/>
+    </dgm:fillClrLst>
+    <dgm:linClrLst meth="repeat">
+      <a:schemeClr val="accent1"/>
+    </dgm:linClrLst>
+    <dgm:effectClrLst/>
+    <dgm:txLinClrLst/>
+    <dgm:txFillClrLst meth="repeat">
+      <a:schemeClr val="dk1"/>
+    </dgm:txFillClrLst>
+    <dgm:txEffectClrLst/>
+  </dgm:styleLbl>
+  <dgm:styleLbl name="solidBgAcc1">
+    <dgm:fillClrLst meth="repeat">
+      <a:schemeClr val="lt1"/>
+    </dgm:fillClrLst>
+    <dgm:linClrLst meth="repeat">
+      <a:schemeClr val="accent1"/>
+    </dgm:linClrLst>
+    <dgm:effectClrLst/>
+    <dgm:txLinClrLst/>
+    <dgm:txFillClrLst meth="repeat">
+      <a:schemeClr val="dk1"/>
+    </dgm:txFillClrLst>
+    <dgm:txEffectClrLst/>
+  </dgm:styleLbl>
+  <dgm:styleLbl name="fgAccFollowNode1">
+    <dgm:fillClrLst meth="repeat">
+      <a:schemeClr val="accent1">
+        <a:alpha val="90000"/>
+        <a:tint val="40000"/>
+      </a:schemeClr>
+    </dgm:fillClrLst>
+    <dgm:linClrLst meth="repeat">
+      <a:schemeClr val="accent1">
+        <a:alpha val="90000"/>
+        <a:tint val="40000"/>
+      </a:schemeClr>
+    </dgm:linClrLst>
+    <dgm:effectClrLst/>
+    <dgm:txLinClrLst/>
+    <dgm:txFillClrLst meth="repeat">
+      <a:schemeClr val="dk1"/>
+    </dgm:txFillClrLst>
+    <dgm:txEffectClrLst/>
+  </dgm:styleLbl>
+  <dgm:styleLbl name="alignAccFollowNode1">
+    <dgm:fillClrLst meth="repeat">
+      <a:schemeClr val="accent1">
+        <a:alpha val="90000"/>
+        <a:tint val="40000"/>
+      </a:schemeClr>
+    </dgm:fillClrLst>
+    <dgm:linClrLst meth="repeat">
+      <a:schemeClr val="accent1">
+        <a:alpha val="90000"/>
+        <a:tint val="40000"/>
+      </a:schemeClr>
+    </dgm:linClrLst>
+    <dgm:effectClrLst/>
+    <dgm:txLinClrLst/>
+    <dgm:txFillClrLst meth="repeat">
+      <a:schemeClr val="dk1"/>
+    </dgm:txFillClrLst>
+    <dgm:txEffectClrLst/>
+  </dgm:styleLbl>
+  <dgm:styleLbl name="bgAccFollowNode1">
+    <dgm:fillClrLst meth="repeat">
+      <a:schemeClr val="accent1">
+        <a:alpha val="90000"/>
+        <a:tint val="40000"/>
+      </a:schemeClr>
+    </dgm:fillClrLst>
+    <dgm:linClrLst meth="repeat">
+      <a:schemeClr val="accent1">
+        <a:alpha val="90000"/>
+        <a:tint val="40000"/>
+      </a:schemeClr>
+    </dgm:linClrLst>
+    <dgm:effectClrLst/>
+    <dgm:txLinClrLst/>
+    <dgm:txFillClrLst meth="repeat">
+      <a:schemeClr val="dk1"/>
+    </dgm:txFillClrLst>
+    <dgm:txEffectClrLst/>
+  </dgm:styleLbl>
+  <dgm:styleLbl name="fgAcc0">
+    <dgm:fillClrLst meth="repeat">
+      <a:schemeClr val="lt1">
+        <a:alpha val="90000"/>
+      </a:schemeClr>
+    </dgm:fillClrLst>
+    <dgm:linClrLst meth="repeat">
+      <a:schemeClr val="accent1"/>
+    </dgm:linClrLst>
+    <dgm:effectClrLst/>
+    <dgm:txLinClrLst/>
+    <dgm:txFillClrLst meth="repeat">
+      <a:schemeClr val="dk1"/>
+    </dgm:txFillClrLst>
+    <dgm:txEffectClrLst/>
+  </dgm:styleLbl>
+  <dgm:styleLbl name="fgAcc2">
+    <dgm:fillClrLst meth="repeat">
+      <a:schemeClr val="lt1">
+        <a:alpha val="90000"/>
+      </a:schemeClr>
+    </dgm:fillClrLst>
+    <dgm:linClrLst meth="repeat">
+      <a:schemeClr val="accent1"/>
+    </dgm:linClrLst>
+    <dgm:effectClrLst/>
+    <dgm:txLinClrLst/>
+    <dgm:txFillClrLst meth="repeat">
+      <a:schemeClr val="dk1"/>
+    </dgm:txFillClrLst>
+    <dgm:txEffectClrLst/>
+  </dgm:styleLbl>
+  <dgm:styleLbl name="fgAcc3">
+    <dgm:fillClrLst meth="repeat">
+      <a:schemeClr val="lt1">
+        <a:alpha val="90000"/>
+      </a:schemeClr>
+    </dgm:fillClrLst>
+    <dgm:linClrLst meth="repeat">
+      <a:schemeClr val="accent1"/>
+    </dgm:linClrLst>
+    <dgm:effectClrLst/>
+    <dgm:txLinClrLst/>
+    <dgm:txFillClrLst meth="repeat">
+      <a:schemeClr val="dk1"/>
+    </dgm:txFillClrLst>
+    <dgm:txEffectClrLst/>
+  </dgm:styleLbl>
+  <dgm:styleLbl name="fgAcc4">
+    <dgm:fillClrLst meth="repeat">
+      <a:schemeClr val="lt1">
+        <a:alpha val="90000"/>
+      </a:schemeClr>
+    </dgm:fillClrLst>
+    <dgm:linClrLst meth="repeat">
+      <a:schemeClr val="accent1"/>
+    </dgm:linClrLst>
+    <dgm:effectClrLst/>
+    <dgm:txLinClrLst/>
+    <dgm:txFillClrLst meth="repeat">
+      <a:schemeClr val="dk1"/>
+    </dgm:txFillClrLst>
+    <dgm:txEffectClrLst/>
+  </dgm:styleLbl>
+  <dgm:styleLbl name="bgShp">
+    <dgm:fillClrLst meth="repeat">
+      <a:schemeClr val="accent1">
+        <a:tint val="40000"/>
+      </a:schemeClr>
+    </dgm:fillClrLst>
+    <dgm:linClrLst meth="repeat">
+      <a:schemeClr val="accent1"/>
+    </dgm:linClrLst>
+    <dgm:effectClrLst/>
+    <dgm:txLinClrLst/>
+    <dgm:txFillClrLst meth="repeat">
+      <a:schemeClr val="dk1"/>
+    </dgm:txFillClrLst>
+    <dgm:txEffectClrLst/>
+  </dgm:styleLbl>
+  <dgm:styleLbl name="dkBgShp">
+    <dgm:fillClrLst meth="repeat">
+      <a:schemeClr val="accent1">
+        <a:shade val="80000"/>
+      </a:schemeClr>
+    </dgm:fillClrLst>
+    <dgm:linClrLst meth="repeat">
+      <a:schemeClr val="accent1"/>
+    </dgm:linClrLst>
+    <dgm:effectClrLst/>
+    <dgm:txLinClrLst/>
+    <dgm:txFillClrLst meth="repeat">
+      <a:schemeClr val="lt1"/>
+    </dgm:txFillClrLst>
+    <dgm:txEffectClrLst/>
+  </dgm:styleLbl>
+  <dgm:styleLbl name="trBgShp">
+    <dgm:fillClrLst meth="repeat">
+      <a:schemeClr val="accent1">
+        <a:tint val="50000"/>
+        <a:alpha val="40000"/>
+      </a:schemeClr>
+    </dgm:fillClrLst>
+    <dgm:linClrLst meth="repeat">
+      <a:schemeClr val="accent1"/>
+    </dgm:linClrLst>
+    <dgm:effectClrLst/>
+    <dgm:txLinClrLst/>
+    <dgm:txFillClrLst meth="repeat">
+      <a:schemeClr val="lt1"/>
+    </dgm:txFillClrLst>
+    <dgm:txEffectClrLst/>
+  </dgm:styleLbl>
+  <dgm:styleLbl name="fgShp">
+    <dgm:fillClrLst meth="repeat">
+      <a:schemeClr val="accent1">
+        <a:tint val="60000"/>
+      </a:schemeClr>
+    </dgm:fillClrLst>
+    <dgm:linClrLst meth="repeat">
+      <a:schemeClr val="lt1"/>
+    </dgm:linClrLst>
+    <dgm:effectClrLst/>
+    <dgm:txLinClrLst/>
+    <dgm:txFillClrLst meth="repeat">
+      <a:schemeClr val="dk1"/>
+    </dgm:txFillClrLst>
+    <dgm:txEffectClrLst/>
+  </dgm:styleLbl>
+  <dgm:styleLbl name="revTx">
+    <dgm:fillClrLst meth="repeat">
+      <a:schemeClr val="lt1">
+        <a:alpha val="0"/>
+      </a:schemeClr>
+    </dgm:fillClrLst>
+    <dgm:linClrLst meth="repeat">
+      <a:schemeClr val="dk1">
+        <a:alpha val="0"/>
+      </a:schemeClr>
+    </dgm:linClrLst>
+    <dgm:effectClrLst/>
+    <dgm:txLinClrLst/>
+    <dgm:txFillClrLst meth="repeat">
+      <a:schemeClr val="tx1"/>
+    </dgm:txFillClrLst>
+    <dgm:txEffectClrLst/>
+  </dgm:styleLbl>
+</dgm:colorsDef>
+</file>
+
+<file path=ppt/diagrams/colors3.xml><?xml version="1.0" encoding="utf-8"?>
 <dgm:colorsDef xmlns:dgm="http://schemas.openxmlformats.org/drawingml/2006/diagram" xmlns:a="http://schemas.openxmlformats.org/drawingml/2006/main" uniqueId="urn:microsoft.com/office/officeart/2005/8/colors/accent1_2">
   <dgm:title val=""/>
   <dgm:desc val=""/>
@@ -2231,6 +2981,613 @@
   <dgm:extLst>
     <a:ext uri="http://schemas.microsoft.com/office/drawing/2008/diagram">
       <dsp:dataModelExt xmlns:dsp="http://schemas.microsoft.com/office/drawing/2008/diagram" relId="rId8" minVer="http://schemas.openxmlformats.org/drawingml/2006/diagram"/>
+    </a:ext>
+  </dgm:extLst>
+</dgm:dataModel>
+</file>
+
+<file path=ppt/diagrams/data3.xml><?xml version="1.0" encoding="utf-8"?>
+<dgm:dataModel xmlns:dgm="http://schemas.openxmlformats.org/drawingml/2006/diagram" xmlns:a="http://schemas.openxmlformats.org/drawingml/2006/main">
+  <dgm:ptLst>
+    <dgm:pt modelId="{7110E7DC-0DE7-4142-850C-291DDDABF787}" type="doc">
+      <dgm:prSet loTypeId="urn:microsoft.com/office/officeart/2008/layout/SquareAccentList" loCatId="list" qsTypeId="urn:microsoft.com/office/officeart/2005/8/quickstyle/simple1" qsCatId="simple" csTypeId="urn:microsoft.com/office/officeart/2005/8/colors/accent1_2" csCatId="accent1" phldr="1"/>
+      <dgm:spPr/>
+      <dgm:t>
+        <a:bodyPr/>
+        <a:lstStyle/>
+        <a:p>
+          <a:endParaRPr lang="en-US"/>
+        </a:p>
+      </dgm:t>
+    </dgm:pt>
+    <dgm:pt modelId="{1DE03919-3466-4F78-B89B-A6B199B9C36F}">
+      <dgm:prSet phldrT="[Text]" custT="1"/>
+      <dgm:spPr/>
+      <dgm:t>
+        <a:bodyPr/>
+        <a:lstStyle/>
+        <a:p>
+          <a:r>
+            <a:rPr lang="en-US" sz="4400" b="1" dirty="0">
+              <a:solidFill>
+                <a:schemeClr val="tx1"/>
+              </a:solidFill>
+              <a:latin typeface="TH Sarabun New" panose="020B0500040200020003" pitchFamily="34" charset="-34"/>
+              <a:cs typeface="TH Sarabun New" panose="020B0500040200020003" pitchFamily="34" charset="-34"/>
+            </a:rPr>
+            <a:t>Pros</a:t>
+          </a:r>
+        </a:p>
+      </dgm:t>
+    </dgm:pt>
+    <dgm:pt modelId="{47C7BD84-09FA-47EE-B7FF-6B589A00CB11}" type="parTrans" cxnId="{88D6809F-4046-40D7-BC99-3C342B6ADA8B}">
+      <dgm:prSet/>
+      <dgm:spPr/>
+      <dgm:t>
+        <a:bodyPr/>
+        <a:lstStyle/>
+        <a:p>
+          <a:endParaRPr lang="en-US"/>
+        </a:p>
+      </dgm:t>
+    </dgm:pt>
+    <dgm:pt modelId="{D3ABFECE-A641-4A39-9029-FE4B3075F26E}" type="sibTrans" cxnId="{88D6809F-4046-40D7-BC99-3C342B6ADA8B}">
+      <dgm:prSet/>
+      <dgm:spPr/>
+      <dgm:t>
+        <a:bodyPr/>
+        <a:lstStyle/>
+        <a:p>
+          <a:endParaRPr lang="en-US"/>
+        </a:p>
+      </dgm:t>
+    </dgm:pt>
+    <dgm:pt modelId="{830F1370-B039-4409-B7EA-22D5FF1B6AAC}">
+      <dgm:prSet phldrT="[Text]" custT="1"/>
+      <dgm:spPr/>
+      <dgm:t>
+        <a:bodyPr/>
+        <a:lstStyle/>
+        <a:p>
+          <a:r>
+            <a:rPr lang="th-TH" sz="1800" b="1" dirty="0">
+              <a:solidFill>
+                <a:schemeClr val="tx1"/>
+              </a:solidFill>
+              <a:latin typeface="TH Sarabun New" panose="020B0500040200020003" pitchFamily="34" charset="-34"/>
+              <a:cs typeface="TH Sarabun New" panose="020B0500040200020003" pitchFamily="34" charset="-34"/>
+            </a:rPr>
+            <a:t>ลดระยะเวลาในการค้นหาข้อมูล</a:t>
+          </a:r>
+          <a:endParaRPr lang="en-US" sz="1800" b="1" dirty="0">
+            <a:solidFill>
+              <a:schemeClr val="tx1"/>
+            </a:solidFill>
+            <a:latin typeface="TH Sarabun New" panose="020B0500040200020003" pitchFamily="34" charset="-34"/>
+            <a:cs typeface="TH Sarabun New" panose="020B0500040200020003" pitchFamily="34" charset="-34"/>
+          </a:endParaRPr>
+        </a:p>
+      </dgm:t>
+    </dgm:pt>
+    <dgm:pt modelId="{736A2D96-E522-4B8B-8FA4-BC23BCF40D0B}" type="parTrans" cxnId="{77B6158B-89CD-4833-9655-6D0213D8B373}">
+      <dgm:prSet/>
+      <dgm:spPr/>
+      <dgm:t>
+        <a:bodyPr/>
+        <a:lstStyle/>
+        <a:p>
+          <a:endParaRPr lang="en-US"/>
+        </a:p>
+      </dgm:t>
+    </dgm:pt>
+    <dgm:pt modelId="{27FE972C-2ACE-48C9-8CEE-EF6F8469A105}" type="sibTrans" cxnId="{77B6158B-89CD-4833-9655-6D0213D8B373}">
+      <dgm:prSet/>
+      <dgm:spPr/>
+      <dgm:t>
+        <a:bodyPr/>
+        <a:lstStyle/>
+        <a:p>
+          <a:endParaRPr lang="en-US"/>
+        </a:p>
+      </dgm:t>
+    </dgm:pt>
+    <dgm:pt modelId="{81E546FA-4F67-4254-9599-9B2ADBA419A0}">
+      <dgm:prSet phldrT="[Text]" custT="1"/>
+      <dgm:spPr/>
+      <dgm:t>
+        <a:bodyPr/>
+        <a:lstStyle/>
+        <a:p>
+          <a:r>
+            <a:rPr lang="th-TH" sz="1800" b="1" dirty="0">
+              <a:solidFill>
+                <a:schemeClr val="tx1"/>
+              </a:solidFill>
+              <a:latin typeface="TH Sarabun New" panose="020B0500040200020003" pitchFamily="34" charset="-34"/>
+              <a:cs typeface="TH Sarabun New" panose="020B0500040200020003" pitchFamily="34" charset="-34"/>
+            </a:rPr>
+            <a:t>สามารถนำเสนอสิ่งที่ใกล้เคียงหรือตรงต่อความต้องการของผู้ใช้</a:t>
+          </a:r>
+          <a:endParaRPr lang="en-US" sz="1800" b="1" dirty="0">
+            <a:solidFill>
+              <a:schemeClr val="tx1"/>
+            </a:solidFill>
+            <a:latin typeface="TH Sarabun New" panose="020B0500040200020003" pitchFamily="34" charset="-34"/>
+            <a:cs typeface="TH Sarabun New" panose="020B0500040200020003" pitchFamily="34" charset="-34"/>
+          </a:endParaRPr>
+        </a:p>
+      </dgm:t>
+    </dgm:pt>
+    <dgm:pt modelId="{F4EC6A0C-2676-4C15-AFEB-75F4DC16D506}" type="parTrans" cxnId="{AD62BF9A-1CF1-4FF6-844F-2C5E44ACC2C5}">
+      <dgm:prSet/>
+      <dgm:spPr/>
+      <dgm:t>
+        <a:bodyPr/>
+        <a:lstStyle/>
+        <a:p>
+          <a:endParaRPr lang="en-US"/>
+        </a:p>
+      </dgm:t>
+    </dgm:pt>
+    <dgm:pt modelId="{79CEDCF5-2BA3-483A-B5E3-08D18B880306}" type="sibTrans" cxnId="{AD62BF9A-1CF1-4FF6-844F-2C5E44ACC2C5}">
+      <dgm:prSet/>
+      <dgm:spPr/>
+      <dgm:t>
+        <a:bodyPr/>
+        <a:lstStyle/>
+        <a:p>
+          <a:endParaRPr lang="en-US"/>
+        </a:p>
+      </dgm:t>
+    </dgm:pt>
+    <dgm:pt modelId="{171A4BE7-0478-44B5-8A07-B275623EA220}">
+      <dgm:prSet phldrT="[Text]" custT="1"/>
+      <dgm:spPr/>
+      <dgm:t>
+        <a:bodyPr/>
+        <a:lstStyle/>
+        <a:p>
+          <a:r>
+            <a:rPr lang="th-TH" sz="1800" b="1" dirty="0">
+              <a:solidFill>
+                <a:schemeClr val="tx1"/>
+              </a:solidFill>
+              <a:latin typeface="TH Sarabun New" panose="020B0500040200020003" pitchFamily="34" charset="-34"/>
+              <a:cs typeface="TH Sarabun New" panose="020B0500040200020003" pitchFamily="34" charset="-34"/>
+            </a:rPr>
+            <a:t>มีความรวดเร็วในการประมวลผล</a:t>
+          </a:r>
+          <a:endParaRPr lang="en-US" sz="1800" b="1" dirty="0">
+            <a:solidFill>
+              <a:schemeClr val="tx1"/>
+            </a:solidFill>
+            <a:latin typeface="TH Sarabun New" panose="020B0500040200020003" pitchFamily="34" charset="-34"/>
+            <a:cs typeface="TH Sarabun New" panose="020B0500040200020003" pitchFamily="34" charset="-34"/>
+          </a:endParaRPr>
+        </a:p>
+      </dgm:t>
+    </dgm:pt>
+    <dgm:pt modelId="{59018A85-874F-4275-A88F-3EB8E888EFEB}" type="parTrans" cxnId="{09173349-6BBB-428E-A36D-03BCDBE4A276}">
+      <dgm:prSet/>
+      <dgm:spPr/>
+      <dgm:t>
+        <a:bodyPr/>
+        <a:lstStyle/>
+        <a:p>
+          <a:endParaRPr lang="en-US"/>
+        </a:p>
+      </dgm:t>
+    </dgm:pt>
+    <dgm:pt modelId="{8DBD6A87-EF79-4787-82D9-D282AE1E49C5}" type="sibTrans" cxnId="{09173349-6BBB-428E-A36D-03BCDBE4A276}">
+      <dgm:prSet/>
+      <dgm:spPr/>
+      <dgm:t>
+        <a:bodyPr/>
+        <a:lstStyle/>
+        <a:p>
+          <a:endParaRPr lang="en-US"/>
+        </a:p>
+      </dgm:t>
+    </dgm:pt>
+    <dgm:pt modelId="{DD41815F-9CC6-41E5-9A40-549B5795182F}">
+      <dgm:prSet phldrT="[Text]" custT="1"/>
+      <dgm:spPr/>
+      <dgm:t>
+        <a:bodyPr/>
+        <a:lstStyle/>
+        <a:p>
+          <a:r>
+            <a:rPr lang="en-US" sz="4400" b="1" dirty="0">
+              <a:solidFill>
+                <a:schemeClr val="tx1"/>
+              </a:solidFill>
+              <a:latin typeface="TH Sarabun New" panose="020B0500040200020003" pitchFamily="34" charset="-34"/>
+              <a:cs typeface="TH Sarabun New" panose="020B0500040200020003" pitchFamily="34" charset="-34"/>
+            </a:rPr>
+            <a:t>Cons</a:t>
+          </a:r>
+        </a:p>
+      </dgm:t>
+    </dgm:pt>
+    <dgm:pt modelId="{CFF7128E-BF5A-4001-A396-D5607776BDAC}" type="parTrans" cxnId="{6ADEC022-93E9-4EE4-9EE6-1DC8D07AE40D}">
+      <dgm:prSet/>
+      <dgm:spPr/>
+      <dgm:t>
+        <a:bodyPr/>
+        <a:lstStyle/>
+        <a:p>
+          <a:endParaRPr lang="en-US"/>
+        </a:p>
+      </dgm:t>
+    </dgm:pt>
+    <dgm:pt modelId="{2BC20CF9-6972-4807-89AC-4F0795EEF582}" type="sibTrans" cxnId="{6ADEC022-93E9-4EE4-9EE6-1DC8D07AE40D}">
+      <dgm:prSet/>
+      <dgm:spPr/>
+      <dgm:t>
+        <a:bodyPr/>
+        <a:lstStyle/>
+        <a:p>
+          <a:endParaRPr lang="en-US"/>
+        </a:p>
+      </dgm:t>
+    </dgm:pt>
+    <dgm:pt modelId="{8533D8D9-6F3E-4BAA-8536-A2509DFC24B4}">
+      <dgm:prSet phldrT="[Text]" custT="1"/>
+      <dgm:spPr/>
+      <dgm:t>
+        <a:bodyPr/>
+        <a:lstStyle/>
+        <a:p>
+          <a:r>
+            <a:rPr lang="th-TH" sz="1800" b="1" dirty="0">
+              <a:solidFill>
+                <a:schemeClr val="tx1"/>
+              </a:solidFill>
+              <a:latin typeface="TH Sarabun New" panose="020B0500040200020003" pitchFamily="34" charset="-34"/>
+              <a:cs typeface="TH Sarabun New" panose="020B0500040200020003" pitchFamily="34" charset="-34"/>
+            </a:rPr>
+            <a:t>ข้อมูลที่ผู้ใช้ได้รับอาจมีความผิดพลาด</a:t>
+          </a:r>
+          <a:endParaRPr lang="en-US" sz="1800" b="1" dirty="0">
+            <a:solidFill>
+              <a:schemeClr val="tx1"/>
+            </a:solidFill>
+            <a:latin typeface="TH Sarabun New" panose="020B0500040200020003" pitchFamily="34" charset="-34"/>
+            <a:cs typeface="TH Sarabun New" panose="020B0500040200020003" pitchFamily="34" charset="-34"/>
+          </a:endParaRPr>
+        </a:p>
+      </dgm:t>
+    </dgm:pt>
+    <dgm:pt modelId="{19B82C68-2C52-42A4-80A6-3415BE32438B}" type="parTrans" cxnId="{2D4306F1-04BF-4F7F-93F5-A370266ED34A}">
+      <dgm:prSet/>
+      <dgm:spPr/>
+      <dgm:t>
+        <a:bodyPr/>
+        <a:lstStyle/>
+        <a:p>
+          <a:endParaRPr lang="en-US"/>
+        </a:p>
+      </dgm:t>
+    </dgm:pt>
+    <dgm:pt modelId="{C96FC1D9-149F-4A33-A5BC-F97CF6DA65AF}" type="sibTrans" cxnId="{2D4306F1-04BF-4F7F-93F5-A370266ED34A}">
+      <dgm:prSet/>
+      <dgm:spPr/>
+      <dgm:t>
+        <a:bodyPr/>
+        <a:lstStyle/>
+        <a:p>
+          <a:endParaRPr lang="en-US"/>
+        </a:p>
+      </dgm:t>
+    </dgm:pt>
+    <dgm:pt modelId="{FA2D66AA-8412-4479-A217-54E68B001B19}" type="pres">
+      <dgm:prSet presAssocID="{7110E7DC-0DE7-4142-850C-291DDDABF787}" presName="layout" presStyleCnt="0">
+        <dgm:presLayoutVars>
+          <dgm:chMax/>
+          <dgm:chPref/>
+          <dgm:dir/>
+          <dgm:resizeHandles/>
+        </dgm:presLayoutVars>
+      </dgm:prSet>
+      <dgm:spPr/>
+    </dgm:pt>
+    <dgm:pt modelId="{01F02CD1-26CE-4FF3-8F78-5E8633330E09}" type="pres">
+      <dgm:prSet presAssocID="{1DE03919-3466-4F78-B89B-A6B199B9C36F}" presName="root" presStyleCnt="0">
+        <dgm:presLayoutVars>
+          <dgm:chMax/>
+          <dgm:chPref/>
+        </dgm:presLayoutVars>
+      </dgm:prSet>
+      <dgm:spPr/>
+    </dgm:pt>
+    <dgm:pt modelId="{F3861FED-6995-48A8-8428-C7E67E118DC6}" type="pres">
+      <dgm:prSet presAssocID="{1DE03919-3466-4F78-B89B-A6B199B9C36F}" presName="rootComposite" presStyleCnt="0">
+        <dgm:presLayoutVars/>
+      </dgm:prSet>
+      <dgm:spPr/>
+    </dgm:pt>
+    <dgm:pt modelId="{5E337D94-1D91-4ED2-BA90-B598460791FC}" type="pres">
+      <dgm:prSet presAssocID="{1DE03919-3466-4F78-B89B-A6B199B9C36F}" presName="ParentAccent" presStyleLbl="alignNode1" presStyleIdx="0" presStyleCnt="2"/>
+      <dgm:spPr>
+        <a:solidFill>
+          <a:srgbClr val="00B0F0"/>
+        </a:solidFill>
+        <a:ln>
+          <a:noFill/>
+        </a:ln>
+      </dgm:spPr>
+    </dgm:pt>
+    <dgm:pt modelId="{043CB092-C28E-4D4A-BFD5-9953AC18403F}" type="pres">
+      <dgm:prSet presAssocID="{1DE03919-3466-4F78-B89B-A6B199B9C36F}" presName="ParentSmallAccent" presStyleLbl="fgAcc1" presStyleIdx="0" presStyleCnt="2"/>
+      <dgm:spPr>
+        <a:solidFill>
+          <a:srgbClr val="00B0F0">
+            <a:alpha val="90000"/>
+          </a:srgbClr>
+        </a:solidFill>
+        <a:ln>
+          <a:noFill/>
+        </a:ln>
+      </dgm:spPr>
+    </dgm:pt>
+    <dgm:pt modelId="{98EF16CA-6E8E-4D56-8501-24EB54D9AD99}" type="pres">
+      <dgm:prSet presAssocID="{1DE03919-3466-4F78-B89B-A6B199B9C36F}" presName="Parent" presStyleLbl="revTx" presStyleIdx="0" presStyleCnt="6">
+        <dgm:presLayoutVars>
+          <dgm:chMax/>
+          <dgm:chPref val="4"/>
+          <dgm:bulletEnabled val="1"/>
+        </dgm:presLayoutVars>
+      </dgm:prSet>
+      <dgm:spPr/>
+    </dgm:pt>
+    <dgm:pt modelId="{7F22AFED-FB70-488C-94D4-9FDCD7C45F2A}" type="pres">
+      <dgm:prSet presAssocID="{1DE03919-3466-4F78-B89B-A6B199B9C36F}" presName="childShape" presStyleCnt="0">
+        <dgm:presLayoutVars>
+          <dgm:chMax val="0"/>
+          <dgm:chPref val="0"/>
+        </dgm:presLayoutVars>
+      </dgm:prSet>
+      <dgm:spPr/>
+    </dgm:pt>
+    <dgm:pt modelId="{04CE4A3D-37FC-4D46-BA9D-47886C1CD8E1}" type="pres">
+      <dgm:prSet presAssocID="{830F1370-B039-4409-B7EA-22D5FF1B6AAC}" presName="childComposite" presStyleCnt="0">
+        <dgm:presLayoutVars>
+          <dgm:chMax val="0"/>
+          <dgm:chPref val="0"/>
+        </dgm:presLayoutVars>
+      </dgm:prSet>
+      <dgm:spPr/>
+    </dgm:pt>
+    <dgm:pt modelId="{EC546948-55CE-434E-BD17-424EDEE8EA19}" type="pres">
+      <dgm:prSet presAssocID="{830F1370-B039-4409-B7EA-22D5FF1B6AAC}" presName="ChildAccent" presStyleLbl="solidFgAcc1" presStyleIdx="0" presStyleCnt="4"/>
+      <dgm:spPr>
+        <a:solidFill>
+          <a:schemeClr val="tx1"/>
+        </a:solidFill>
+        <a:ln>
+          <a:noFill/>
+        </a:ln>
+      </dgm:spPr>
+    </dgm:pt>
+    <dgm:pt modelId="{9FFCE7FA-1811-4D06-88C5-3CD800D2866D}" type="pres">
+      <dgm:prSet presAssocID="{830F1370-B039-4409-B7EA-22D5FF1B6AAC}" presName="Child" presStyleLbl="revTx" presStyleIdx="1" presStyleCnt="6">
+        <dgm:presLayoutVars>
+          <dgm:chMax val="0"/>
+          <dgm:chPref val="0"/>
+          <dgm:bulletEnabled val="1"/>
+        </dgm:presLayoutVars>
+      </dgm:prSet>
+      <dgm:spPr/>
+    </dgm:pt>
+    <dgm:pt modelId="{20204018-76F0-482A-89A0-DD33B5952A55}" type="pres">
+      <dgm:prSet presAssocID="{81E546FA-4F67-4254-9599-9B2ADBA419A0}" presName="childComposite" presStyleCnt="0">
+        <dgm:presLayoutVars>
+          <dgm:chMax val="0"/>
+          <dgm:chPref val="0"/>
+        </dgm:presLayoutVars>
+      </dgm:prSet>
+      <dgm:spPr/>
+    </dgm:pt>
+    <dgm:pt modelId="{36404F13-2649-456E-934F-DE15427C8805}" type="pres">
+      <dgm:prSet presAssocID="{81E546FA-4F67-4254-9599-9B2ADBA419A0}" presName="ChildAccent" presStyleLbl="solidFgAcc1" presStyleIdx="1" presStyleCnt="4"/>
+      <dgm:spPr>
+        <a:solidFill>
+          <a:schemeClr val="tx1"/>
+        </a:solidFill>
+        <a:ln>
+          <a:noFill/>
+        </a:ln>
+      </dgm:spPr>
+    </dgm:pt>
+    <dgm:pt modelId="{7A8436CA-8810-47CF-B908-1B417D3C6862}" type="pres">
+      <dgm:prSet presAssocID="{81E546FA-4F67-4254-9599-9B2ADBA419A0}" presName="Child" presStyleLbl="revTx" presStyleIdx="2" presStyleCnt="6">
+        <dgm:presLayoutVars>
+          <dgm:chMax val="0"/>
+          <dgm:chPref val="0"/>
+          <dgm:bulletEnabled val="1"/>
+        </dgm:presLayoutVars>
+      </dgm:prSet>
+      <dgm:spPr/>
+    </dgm:pt>
+    <dgm:pt modelId="{493E42FA-B4F9-4850-BAD6-4D9F22DF519E}" type="pres">
+      <dgm:prSet presAssocID="{171A4BE7-0478-44B5-8A07-B275623EA220}" presName="childComposite" presStyleCnt="0">
+        <dgm:presLayoutVars>
+          <dgm:chMax val="0"/>
+          <dgm:chPref val="0"/>
+        </dgm:presLayoutVars>
+      </dgm:prSet>
+      <dgm:spPr/>
+    </dgm:pt>
+    <dgm:pt modelId="{2104804E-8C11-40FF-B25A-188B978D7F85}" type="pres">
+      <dgm:prSet presAssocID="{171A4BE7-0478-44B5-8A07-B275623EA220}" presName="ChildAccent" presStyleLbl="solidFgAcc1" presStyleIdx="2" presStyleCnt="4"/>
+      <dgm:spPr>
+        <a:solidFill>
+          <a:schemeClr val="tx1"/>
+        </a:solidFill>
+        <a:ln>
+          <a:noFill/>
+        </a:ln>
+      </dgm:spPr>
+    </dgm:pt>
+    <dgm:pt modelId="{4515293A-04CD-4DCE-AEE9-386A46452E26}" type="pres">
+      <dgm:prSet presAssocID="{171A4BE7-0478-44B5-8A07-B275623EA220}" presName="Child" presStyleLbl="revTx" presStyleIdx="3" presStyleCnt="6">
+        <dgm:presLayoutVars>
+          <dgm:chMax val="0"/>
+          <dgm:chPref val="0"/>
+          <dgm:bulletEnabled val="1"/>
+        </dgm:presLayoutVars>
+      </dgm:prSet>
+      <dgm:spPr/>
+    </dgm:pt>
+    <dgm:pt modelId="{D510A7F5-6B0C-48E0-8386-72D9735E3011}" type="pres">
+      <dgm:prSet presAssocID="{DD41815F-9CC6-41E5-9A40-549B5795182F}" presName="root" presStyleCnt="0">
+        <dgm:presLayoutVars>
+          <dgm:chMax/>
+          <dgm:chPref/>
+        </dgm:presLayoutVars>
+      </dgm:prSet>
+      <dgm:spPr/>
+    </dgm:pt>
+    <dgm:pt modelId="{898BD50F-223D-4BA0-A784-8939CF2CC693}" type="pres">
+      <dgm:prSet presAssocID="{DD41815F-9CC6-41E5-9A40-549B5795182F}" presName="rootComposite" presStyleCnt="0">
+        <dgm:presLayoutVars/>
+      </dgm:prSet>
+      <dgm:spPr/>
+    </dgm:pt>
+    <dgm:pt modelId="{9667CA33-B62A-48FF-90B7-14383B9B218F}" type="pres">
+      <dgm:prSet presAssocID="{DD41815F-9CC6-41E5-9A40-549B5795182F}" presName="ParentAccent" presStyleLbl="alignNode1" presStyleIdx="1" presStyleCnt="2"/>
+      <dgm:spPr>
+        <a:solidFill>
+          <a:srgbClr val="FD3131"/>
+        </a:solidFill>
+        <a:ln>
+          <a:noFill/>
+        </a:ln>
+      </dgm:spPr>
+    </dgm:pt>
+    <dgm:pt modelId="{98BF1105-58C4-4F68-927C-2EE3519BAA6B}" type="pres">
+      <dgm:prSet presAssocID="{DD41815F-9CC6-41E5-9A40-549B5795182F}" presName="ParentSmallAccent" presStyleLbl="fgAcc1" presStyleIdx="1" presStyleCnt="2"/>
+      <dgm:spPr>
+        <a:solidFill>
+          <a:srgbClr val="FD3131">
+            <a:alpha val="90000"/>
+          </a:srgbClr>
+        </a:solidFill>
+        <a:ln>
+          <a:noFill/>
+        </a:ln>
+      </dgm:spPr>
+    </dgm:pt>
+    <dgm:pt modelId="{D34F63FF-0E1C-418F-9DB9-932FFF4B3BBF}" type="pres">
+      <dgm:prSet presAssocID="{DD41815F-9CC6-41E5-9A40-549B5795182F}" presName="Parent" presStyleLbl="revTx" presStyleIdx="4" presStyleCnt="6">
+        <dgm:presLayoutVars>
+          <dgm:chMax/>
+          <dgm:chPref val="4"/>
+          <dgm:bulletEnabled val="1"/>
+        </dgm:presLayoutVars>
+      </dgm:prSet>
+      <dgm:spPr/>
+    </dgm:pt>
+    <dgm:pt modelId="{85CFDFE3-7302-4051-A5D0-11F2EBC2375C}" type="pres">
+      <dgm:prSet presAssocID="{DD41815F-9CC6-41E5-9A40-549B5795182F}" presName="childShape" presStyleCnt="0">
+        <dgm:presLayoutVars>
+          <dgm:chMax val="0"/>
+          <dgm:chPref val="0"/>
+        </dgm:presLayoutVars>
+      </dgm:prSet>
+      <dgm:spPr/>
+    </dgm:pt>
+    <dgm:pt modelId="{995AE464-9E78-4CED-A7E1-3270262A90AE}" type="pres">
+      <dgm:prSet presAssocID="{8533D8D9-6F3E-4BAA-8536-A2509DFC24B4}" presName="childComposite" presStyleCnt="0">
+        <dgm:presLayoutVars>
+          <dgm:chMax val="0"/>
+          <dgm:chPref val="0"/>
+        </dgm:presLayoutVars>
+      </dgm:prSet>
+      <dgm:spPr/>
+    </dgm:pt>
+    <dgm:pt modelId="{77682F35-7A6A-47D5-AA6E-DCFCC4A50A59}" type="pres">
+      <dgm:prSet presAssocID="{8533D8D9-6F3E-4BAA-8536-A2509DFC24B4}" presName="ChildAccent" presStyleLbl="solidFgAcc1" presStyleIdx="3" presStyleCnt="4"/>
+      <dgm:spPr>
+        <a:xfrm>
+          <a:off x="3589639" y="1458168"/>
+          <a:ext cx="251001" cy="251001"/>
+        </a:xfrm>
+        <a:prstGeom prst="rect">
+          <a:avLst/>
+        </a:prstGeom>
+        <a:solidFill>
+          <a:srgbClr val="4D4D4D"/>
+        </a:solidFill>
+        <a:ln w="12700" cap="flat" cmpd="sng" algn="ctr">
+          <a:noFill/>
+          <a:prstDash val="solid"/>
+          <a:miter lim="800000"/>
+        </a:ln>
+        <a:effectLst/>
+      </dgm:spPr>
+    </dgm:pt>
+    <dgm:pt modelId="{B670C94C-0157-49E5-ABBE-72582F6CA747}" type="pres">
+      <dgm:prSet presAssocID="{8533D8D9-6F3E-4BAA-8536-A2509DFC24B4}" presName="Child" presStyleLbl="revTx" presStyleIdx="5" presStyleCnt="6">
+        <dgm:presLayoutVars>
+          <dgm:chMax val="0"/>
+          <dgm:chPref val="0"/>
+          <dgm:bulletEnabled val="1"/>
+        </dgm:presLayoutVars>
+      </dgm:prSet>
+      <dgm:spPr/>
+    </dgm:pt>
+  </dgm:ptLst>
+  <dgm:cxnLst>
+    <dgm:cxn modelId="{6ADEC022-93E9-4EE4-9EE6-1DC8D07AE40D}" srcId="{7110E7DC-0DE7-4142-850C-291DDDABF787}" destId="{DD41815F-9CC6-41E5-9A40-549B5795182F}" srcOrd="1" destOrd="0" parTransId="{CFF7128E-BF5A-4001-A396-D5607776BDAC}" sibTransId="{2BC20CF9-6972-4807-89AC-4F0795EEF582}"/>
+    <dgm:cxn modelId="{E266CF39-421C-49C8-A2D5-77589222EEBF}" type="presOf" srcId="{830F1370-B039-4409-B7EA-22D5FF1B6AAC}" destId="{9FFCE7FA-1811-4D06-88C5-3CD800D2866D}" srcOrd="0" destOrd="0" presId="urn:microsoft.com/office/officeart/2008/layout/SquareAccentList"/>
+    <dgm:cxn modelId="{F712BB60-34D0-412F-A350-319DECCC39CF}" type="presOf" srcId="{81E546FA-4F67-4254-9599-9B2ADBA419A0}" destId="{7A8436CA-8810-47CF-B908-1B417D3C6862}" srcOrd="0" destOrd="0" presId="urn:microsoft.com/office/officeart/2008/layout/SquareAccentList"/>
+    <dgm:cxn modelId="{09173349-6BBB-428E-A36D-03BCDBE4A276}" srcId="{1DE03919-3466-4F78-B89B-A6B199B9C36F}" destId="{171A4BE7-0478-44B5-8A07-B275623EA220}" srcOrd="2" destOrd="0" parTransId="{59018A85-874F-4275-A88F-3EB8E888EFEB}" sibTransId="{8DBD6A87-EF79-4787-82D9-D282AE1E49C5}"/>
+    <dgm:cxn modelId="{0BE33B80-0A4E-43AB-BC21-5B4E39536B41}" type="presOf" srcId="{8533D8D9-6F3E-4BAA-8536-A2509DFC24B4}" destId="{B670C94C-0157-49E5-ABBE-72582F6CA747}" srcOrd="0" destOrd="0" presId="urn:microsoft.com/office/officeart/2008/layout/SquareAccentList"/>
+    <dgm:cxn modelId="{77B6158B-89CD-4833-9655-6D0213D8B373}" srcId="{1DE03919-3466-4F78-B89B-A6B199B9C36F}" destId="{830F1370-B039-4409-B7EA-22D5FF1B6AAC}" srcOrd="0" destOrd="0" parTransId="{736A2D96-E522-4B8B-8FA4-BC23BCF40D0B}" sibTransId="{27FE972C-2ACE-48C9-8CEE-EF6F8469A105}"/>
+    <dgm:cxn modelId="{CAE73C92-4624-4BF2-874C-CCE08F8102BD}" type="presOf" srcId="{171A4BE7-0478-44B5-8A07-B275623EA220}" destId="{4515293A-04CD-4DCE-AEE9-386A46452E26}" srcOrd="0" destOrd="0" presId="urn:microsoft.com/office/officeart/2008/layout/SquareAccentList"/>
+    <dgm:cxn modelId="{AD62BF9A-1CF1-4FF6-844F-2C5E44ACC2C5}" srcId="{1DE03919-3466-4F78-B89B-A6B199B9C36F}" destId="{81E546FA-4F67-4254-9599-9B2ADBA419A0}" srcOrd="1" destOrd="0" parTransId="{F4EC6A0C-2676-4C15-AFEB-75F4DC16D506}" sibTransId="{79CEDCF5-2BA3-483A-B5E3-08D18B880306}"/>
+    <dgm:cxn modelId="{88D6809F-4046-40D7-BC99-3C342B6ADA8B}" srcId="{7110E7DC-0DE7-4142-850C-291DDDABF787}" destId="{1DE03919-3466-4F78-B89B-A6B199B9C36F}" srcOrd="0" destOrd="0" parTransId="{47C7BD84-09FA-47EE-B7FF-6B589A00CB11}" sibTransId="{D3ABFECE-A641-4A39-9029-FE4B3075F26E}"/>
+    <dgm:cxn modelId="{D64B4FB2-0CB8-4B28-B8CA-D0F1A2209583}" type="presOf" srcId="{DD41815F-9CC6-41E5-9A40-549B5795182F}" destId="{D34F63FF-0E1C-418F-9DB9-932FFF4B3BBF}" srcOrd="0" destOrd="0" presId="urn:microsoft.com/office/officeart/2008/layout/SquareAccentList"/>
+    <dgm:cxn modelId="{B8DB61BA-5BB0-49EB-946C-8AF51C3244AF}" type="presOf" srcId="{1DE03919-3466-4F78-B89B-A6B199B9C36F}" destId="{98EF16CA-6E8E-4D56-8501-24EB54D9AD99}" srcOrd="0" destOrd="0" presId="urn:microsoft.com/office/officeart/2008/layout/SquareAccentList"/>
+    <dgm:cxn modelId="{CCA950D1-FC4E-4F7F-9213-1726A381B0BB}" type="presOf" srcId="{7110E7DC-0DE7-4142-850C-291DDDABF787}" destId="{FA2D66AA-8412-4479-A217-54E68B001B19}" srcOrd="0" destOrd="0" presId="urn:microsoft.com/office/officeart/2008/layout/SquareAccentList"/>
+    <dgm:cxn modelId="{2D4306F1-04BF-4F7F-93F5-A370266ED34A}" srcId="{DD41815F-9CC6-41E5-9A40-549B5795182F}" destId="{8533D8D9-6F3E-4BAA-8536-A2509DFC24B4}" srcOrd="0" destOrd="0" parTransId="{19B82C68-2C52-42A4-80A6-3415BE32438B}" sibTransId="{C96FC1D9-149F-4A33-A5BC-F97CF6DA65AF}"/>
+    <dgm:cxn modelId="{6C573492-64FC-4467-A2D6-01297D8EBAA2}" type="presParOf" srcId="{FA2D66AA-8412-4479-A217-54E68B001B19}" destId="{01F02CD1-26CE-4FF3-8F78-5E8633330E09}" srcOrd="0" destOrd="0" presId="urn:microsoft.com/office/officeart/2008/layout/SquareAccentList"/>
+    <dgm:cxn modelId="{F0C4426E-2A41-4E99-816B-14D8E536530C}" type="presParOf" srcId="{01F02CD1-26CE-4FF3-8F78-5E8633330E09}" destId="{F3861FED-6995-48A8-8428-C7E67E118DC6}" srcOrd="0" destOrd="0" presId="urn:microsoft.com/office/officeart/2008/layout/SquareAccentList"/>
+    <dgm:cxn modelId="{A497AA87-2B0D-4C27-84DD-82148E1AE7FA}" type="presParOf" srcId="{F3861FED-6995-48A8-8428-C7E67E118DC6}" destId="{5E337D94-1D91-4ED2-BA90-B598460791FC}" srcOrd="0" destOrd="0" presId="urn:microsoft.com/office/officeart/2008/layout/SquareAccentList"/>
+    <dgm:cxn modelId="{A1062A96-BAF5-4CC0-B894-AFFDB42742AF}" type="presParOf" srcId="{F3861FED-6995-48A8-8428-C7E67E118DC6}" destId="{043CB092-C28E-4D4A-BFD5-9953AC18403F}" srcOrd="1" destOrd="0" presId="urn:microsoft.com/office/officeart/2008/layout/SquareAccentList"/>
+    <dgm:cxn modelId="{A36731A5-6DF9-4C80-89F1-DC9BB1A32483}" type="presParOf" srcId="{F3861FED-6995-48A8-8428-C7E67E118DC6}" destId="{98EF16CA-6E8E-4D56-8501-24EB54D9AD99}" srcOrd="2" destOrd="0" presId="urn:microsoft.com/office/officeart/2008/layout/SquareAccentList"/>
+    <dgm:cxn modelId="{21D396DD-ECF5-4436-8B67-4E4974540958}" type="presParOf" srcId="{01F02CD1-26CE-4FF3-8F78-5E8633330E09}" destId="{7F22AFED-FB70-488C-94D4-9FDCD7C45F2A}" srcOrd="1" destOrd="0" presId="urn:microsoft.com/office/officeart/2008/layout/SquareAccentList"/>
+    <dgm:cxn modelId="{1CD277A0-D39A-4508-95A0-9A1538E389AC}" type="presParOf" srcId="{7F22AFED-FB70-488C-94D4-9FDCD7C45F2A}" destId="{04CE4A3D-37FC-4D46-BA9D-47886C1CD8E1}" srcOrd="0" destOrd="0" presId="urn:microsoft.com/office/officeart/2008/layout/SquareAccentList"/>
+    <dgm:cxn modelId="{1DD0FD85-3D89-4E1A-AAD6-1277BCC352C9}" type="presParOf" srcId="{04CE4A3D-37FC-4D46-BA9D-47886C1CD8E1}" destId="{EC546948-55CE-434E-BD17-424EDEE8EA19}" srcOrd="0" destOrd="0" presId="urn:microsoft.com/office/officeart/2008/layout/SquareAccentList"/>
+    <dgm:cxn modelId="{910ACF52-CCBF-4082-AE2D-00625E3C0E91}" type="presParOf" srcId="{04CE4A3D-37FC-4D46-BA9D-47886C1CD8E1}" destId="{9FFCE7FA-1811-4D06-88C5-3CD800D2866D}" srcOrd="1" destOrd="0" presId="urn:microsoft.com/office/officeart/2008/layout/SquareAccentList"/>
+    <dgm:cxn modelId="{67DF511A-AB71-4851-89A1-670056A63C8A}" type="presParOf" srcId="{7F22AFED-FB70-488C-94D4-9FDCD7C45F2A}" destId="{20204018-76F0-482A-89A0-DD33B5952A55}" srcOrd="1" destOrd="0" presId="urn:microsoft.com/office/officeart/2008/layout/SquareAccentList"/>
+    <dgm:cxn modelId="{C09998C7-9080-4617-A350-10C17C3227A4}" type="presParOf" srcId="{20204018-76F0-482A-89A0-DD33B5952A55}" destId="{36404F13-2649-456E-934F-DE15427C8805}" srcOrd="0" destOrd="0" presId="urn:microsoft.com/office/officeart/2008/layout/SquareAccentList"/>
+    <dgm:cxn modelId="{FB93F241-F95F-4A68-83FD-B50C65557753}" type="presParOf" srcId="{20204018-76F0-482A-89A0-DD33B5952A55}" destId="{7A8436CA-8810-47CF-B908-1B417D3C6862}" srcOrd="1" destOrd="0" presId="urn:microsoft.com/office/officeart/2008/layout/SquareAccentList"/>
+    <dgm:cxn modelId="{889A639A-A185-40B5-A886-944CC573F625}" type="presParOf" srcId="{7F22AFED-FB70-488C-94D4-9FDCD7C45F2A}" destId="{493E42FA-B4F9-4850-BAD6-4D9F22DF519E}" srcOrd="2" destOrd="0" presId="urn:microsoft.com/office/officeart/2008/layout/SquareAccentList"/>
+    <dgm:cxn modelId="{4FFC4868-56EA-4EE7-8F75-B27B694AC7F9}" type="presParOf" srcId="{493E42FA-B4F9-4850-BAD6-4D9F22DF519E}" destId="{2104804E-8C11-40FF-B25A-188B978D7F85}" srcOrd="0" destOrd="0" presId="urn:microsoft.com/office/officeart/2008/layout/SquareAccentList"/>
+    <dgm:cxn modelId="{67F82403-3773-4D10-B6C0-B88F42039570}" type="presParOf" srcId="{493E42FA-B4F9-4850-BAD6-4D9F22DF519E}" destId="{4515293A-04CD-4DCE-AEE9-386A46452E26}" srcOrd="1" destOrd="0" presId="urn:microsoft.com/office/officeart/2008/layout/SquareAccentList"/>
+    <dgm:cxn modelId="{118E93B8-5846-4F85-8831-5D2B8581F400}" type="presParOf" srcId="{FA2D66AA-8412-4479-A217-54E68B001B19}" destId="{D510A7F5-6B0C-48E0-8386-72D9735E3011}" srcOrd="1" destOrd="0" presId="urn:microsoft.com/office/officeart/2008/layout/SquareAccentList"/>
+    <dgm:cxn modelId="{4966FE5B-A831-4CB4-8730-09EC9CB7D90F}" type="presParOf" srcId="{D510A7F5-6B0C-48E0-8386-72D9735E3011}" destId="{898BD50F-223D-4BA0-A784-8939CF2CC693}" srcOrd="0" destOrd="0" presId="urn:microsoft.com/office/officeart/2008/layout/SquareAccentList"/>
+    <dgm:cxn modelId="{CB92D685-7686-4CD3-86B5-7B6219BBCA49}" type="presParOf" srcId="{898BD50F-223D-4BA0-A784-8939CF2CC693}" destId="{9667CA33-B62A-48FF-90B7-14383B9B218F}" srcOrd="0" destOrd="0" presId="urn:microsoft.com/office/officeart/2008/layout/SquareAccentList"/>
+    <dgm:cxn modelId="{5D325FE6-75DE-40FB-A16E-3A35DA400A91}" type="presParOf" srcId="{898BD50F-223D-4BA0-A784-8939CF2CC693}" destId="{98BF1105-58C4-4F68-927C-2EE3519BAA6B}" srcOrd="1" destOrd="0" presId="urn:microsoft.com/office/officeart/2008/layout/SquareAccentList"/>
+    <dgm:cxn modelId="{D7208217-82A8-4E99-8C69-19E336215ACC}" type="presParOf" srcId="{898BD50F-223D-4BA0-A784-8939CF2CC693}" destId="{D34F63FF-0E1C-418F-9DB9-932FFF4B3BBF}" srcOrd="2" destOrd="0" presId="urn:microsoft.com/office/officeart/2008/layout/SquareAccentList"/>
+    <dgm:cxn modelId="{63399849-9009-444A-810A-B8D69305FD9B}" type="presParOf" srcId="{D510A7F5-6B0C-48E0-8386-72D9735E3011}" destId="{85CFDFE3-7302-4051-A5D0-11F2EBC2375C}" srcOrd="1" destOrd="0" presId="urn:microsoft.com/office/officeart/2008/layout/SquareAccentList"/>
+    <dgm:cxn modelId="{A87B6710-2A04-4948-B361-26D2B4761F15}" type="presParOf" srcId="{85CFDFE3-7302-4051-A5D0-11F2EBC2375C}" destId="{995AE464-9E78-4CED-A7E1-3270262A90AE}" srcOrd="0" destOrd="0" presId="urn:microsoft.com/office/officeart/2008/layout/SquareAccentList"/>
+    <dgm:cxn modelId="{4A26200A-F525-4BEC-81E6-187165EE047B}" type="presParOf" srcId="{995AE464-9E78-4CED-A7E1-3270262A90AE}" destId="{77682F35-7A6A-47D5-AA6E-DCFCC4A50A59}" srcOrd="0" destOrd="0" presId="urn:microsoft.com/office/officeart/2008/layout/SquareAccentList"/>
+    <dgm:cxn modelId="{3DCD3349-B87B-4EB6-AF7C-17863C14CA87}" type="presParOf" srcId="{995AE464-9E78-4CED-A7E1-3270262A90AE}" destId="{B670C94C-0157-49E5-ABBE-72582F6CA747}" srcOrd="1" destOrd="0" presId="urn:microsoft.com/office/officeart/2008/layout/SquareAccentList"/>
+  </dgm:cxnLst>
+  <dgm:bg>
+    <a:noFill/>
+  </dgm:bg>
+  <dgm:whole>
+    <a:ln>
+      <a:noFill/>
+    </a:ln>
+  </dgm:whole>
+  <dgm:extLst>
+    <a:ext uri="http://schemas.microsoft.com/office/drawing/2008/diagram">
+      <dsp:dataModelExt xmlns:dsp="http://schemas.microsoft.com/office/drawing/2008/diagram" relId="rId6" minVer="http://schemas.openxmlformats.org/drawingml/2006/diagram"/>
     </a:ext>
   </dgm:extLst>
 </dgm:dataModel>
@@ -2915,6 +4272,738 @@
           <a:schemeClr val="lt1"/>
         </a:fontRef>
       </dsp:style>
+    </dsp:sp>
+  </dsp:spTree>
+</dsp:drawing>
+</file>
+
+<file path=ppt/diagrams/drawing3.xml><?xml version="1.0" encoding="utf-8"?>
+<dsp:drawing xmlns:dgm="http://schemas.openxmlformats.org/drawingml/2006/diagram" xmlns:dsp="http://schemas.microsoft.com/office/drawing/2008/diagram" xmlns:a="http://schemas.openxmlformats.org/drawingml/2006/main">
+  <dsp:spTree>
+    <dsp:nvGrpSpPr>
+      <dsp:cNvPr id="0" name=""/>
+      <dsp:cNvGrpSpPr/>
+    </dsp:nvGrpSpPr>
+    <dsp:grpSpPr/>
+    <dsp:sp modelId="{5E337D94-1D91-4ED2-BA90-B598460791FC}">
+      <dsp:nvSpPr>
+        <dsp:cNvPr id="0" name=""/>
+        <dsp:cNvSpPr/>
+      </dsp:nvSpPr>
+      <dsp:spPr>
+        <a:xfrm>
+          <a:off x="2159" y="766520"/>
+          <a:ext cx="3626893" cy="426693"/>
+        </a:xfrm>
+        <a:prstGeom prst="rect">
+          <a:avLst/>
+        </a:prstGeom>
+        <a:solidFill>
+          <a:srgbClr val="00B0F0"/>
+        </a:solidFill>
+        <a:ln w="12700" cap="flat" cmpd="sng" algn="ctr">
+          <a:noFill/>
+          <a:prstDash val="solid"/>
+          <a:miter lim="800000"/>
+        </a:ln>
+        <a:effectLst/>
+      </dsp:spPr>
+      <dsp:style>
+        <a:lnRef idx="2">
+          <a:scrgbClr r="0" g="0" b="0"/>
+        </a:lnRef>
+        <a:fillRef idx="1">
+          <a:scrgbClr r="0" g="0" b="0"/>
+        </a:fillRef>
+        <a:effectRef idx="0">
+          <a:scrgbClr r="0" g="0" b="0"/>
+        </a:effectRef>
+        <a:fontRef idx="minor">
+          <a:schemeClr val="lt1"/>
+        </a:fontRef>
+      </dsp:style>
+    </dsp:sp>
+    <dsp:sp modelId="{043CB092-C28E-4D4A-BFD5-9953AC18403F}">
+      <dsp:nvSpPr>
+        <dsp:cNvPr id="0" name=""/>
+        <dsp:cNvSpPr/>
+      </dsp:nvSpPr>
+      <dsp:spPr>
+        <a:xfrm>
+          <a:off x="2159" y="926769"/>
+          <a:ext cx="266444" cy="266444"/>
+        </a:xfrm>
+        <a:prstGeom prst="rect">
+          <a:avLst/>
+        </a:prstGeom>
+        <a:solidFill>
+          <a:srgbClr val="00B0F0">
+            <a:alpha val="90000"/>
+          </a:srgbClr>
+        </a:solidFill>
+        <a:ln w="12700" cap="flat" cmpd="sng" algn="ctr">
+          <a:noFill/>
+          <a:prstDash val="solid"/>
+          <a:miter lim="800000"/>
+        </a:ln>
+        <a:effectLst/>
+      </dsp:spPr>
+      <dsp:style>
+        <a:lnRef idx="2">
+          <a:scrgbClr r="0" g="0" b="0"/>
+        </a:lnRef>
+        <a:fillRef idx="1">
+          <a:scrgbClr r="0" g="0" b="0"/>
+        </a:fillRef>
+        <a:effectRef idx="0">
+          <a:scrgbClr r="0" g="0" b="0"/>
+        </a:effectRef>
+        <a:fontRef idx="minor"/>
+      </dsp:style>
+    </dsp:sp>
+    <dsp:sp modelId="{98EF16CA-6E8E-4D56-8501-24EB54D9AD99}">
+      <dsp:nvSpPr>
+        <dsp:cNvPr id="0" name=""/>
+        <dsp:cNvSpPr/>
+      </dsp:nvSpPr>
+      <dsp:spPr>
+        <a:xfrm>
+          <a:off x="2159" y="0"/>
+          <a:ext cx="3626893" cy="766520"/>
+        </a:xfrm>
+        <a:prstGeom prst="rect">
+          <a:avLst/>
+        </a:prstGeom>
+        <a:noFill/>
+        <a:ln>
+          <a:noFill/>
+        </a:ln>
+        <a:effectLst/>
+      </dsp:spPr>
+      <dsp:style>
+        <a:lnRef idx="0">
+          <a:scrgbClr r="0" g="0" b="0"/>
+        </a:lnRef>
+        <a:fillRef idx="0">
+          <a:scrgbClr r="0" g="0" b="0"/>
+        </a:fillRef>
+        <a:effectRef idx="0">
+          <a:scrgbClr r="0" g="0" b="0"/>
+        </a:effectRef>
+        <a:fontRef idx="minor"/>
+      </dsp:style>
+      <dsp:txBody>
+        <a:bodyPr spcFirstLastPara="0" vert="horz" wrap="square" lIns="83820" tIns="55880" rIns="83820" bIns="55880" numCol="1" spcCol="1270" anchor="ctr" anchorCtr="0">
+          <a:noAutofit/>
+        </a:bodyPr>
+        <a:lstStyle/>
+        <a:p>
+          <a:pPr marL="0" lvl="0" indent="0" algn="l" defTabSz="1955800">
+            <a:lnSpc>
+              <a:spcPct val="90000"/>
+            </a:lnSpc>
+            <a:spcBef>
+              <a:spcPct val="0"/>
+            </a:spcBef>
+            <a:spcAft>
+              <a:spcPct val="35000"/>
+            </a:spcAft>
+            <a:buNone/>
+          </a:pPr>
+          <a:r>
+            <a:rPr lang="en-US" sz="4400" b="1" kern="1200" dirty="0">
+              <a:solidFill>
+                <a:schemeClr val="tx1"/>
+              </a:solidFill>
+              <a:latin typeface="TH Sarabun New" panose="020B0500040200020003" pitchFamily="34" charset="-34"/>
+              <a:cs typeface="TH Sarabun New" panose="020B0500040200020003" pitchFamily="34" charset="-34"/>
+            </a:rPr>
+            <a:t>Pros</a:t>
+          </a:r>
+        </a:p>
+      </dsp:txBody>
+      <dsp:txXfrm>
+        <a:off x="2159" y="0"/>
+        <a:ext cx="3626893" cy="766520"/>
+      </dsp:txXfrm>
+    </dsp:sp>
+    <dsp:sp modelId="{EC546948-55CE-434E-BD17-424EDEE8EA19}">
+      <dsp:nvSpPr>
+        <dsp:cNvPr id="0" name=""/>
+        <dsp:cNvSpPr/>
+      </dsp:nvSpPr>
+      <dsp:spPr>
+        <a:xfrm>
+          <a:off x="2159" y="1547843"/>
+          <a:ext cx="266438" cy="266438"/>
+        </a:xfrm>
+        <a:prstGeom prst="rect">
+          <a:avLst/>
+        </a:prstGeom>
+        <a:solidFill>
+          <a:schemeClr val="tx1"/>
+        </a:solidFill>
+        <a:ln w="12700" cap="flat" cmpd="sng" algn="ctr">
+          <a:noFill/>
+          <a:prstDash val="solid"/>
+          <a:miter lim="800000"/>
+        </a:ln>
+        <a:effectLst/>
+      </dsp:spPr>
+      <dsp:style>
+        <a:lnRef idx="2">
+          <a:scrgbClr r="0" g="0" b="0"/>
+        </a:lnRef>
+        <a:fillRef idx="1">
+          <a:scrgbClr r="0" g="0" b="0"/>
+        </a:fillRef>
+        <a:effectRef idx="0">
+          <a:scrgbClr r="0" g="0" b="0"/>
+        </a:effectRef>
+        <a:fontRef idx="minor"/>
+      </dsp:style>
+    </dsp:sp>
+    <dsp:sp modelId="{9FFCE7FA-1811-4D06-88C5-3CD800D2866D}">
+      <dsp:nvSpPr>
+        <dsp:cNvPr id="0" name=""/>
+        <dsp:cNvSpPr/>
+      </dsp:nvSpPr>
+      <dsp:spPr>
+        <a:xfrm>
+          <a:off x="256042" y="1370528"/>
+          <a:ext cx="3373010" cy="621067"/>
+        </a:xfrm>
+        <a:prstGeom prst="rect">
+          <a:avLst/>
+        </a:prstGeom>
+        <a:noFill/>
+        <a:ln>
+          <a:noFill/>
+        </a:ln>
+        <a:effectLst/>
+      </dsp:spPr>
+      <dsp:style>
+        <a:lnRef idx="0">
+          <a:scrgbClr r="0" g="0" b="0"/>
+        </a:lnRef>
+        <a:fillRef idx="0">
+          <a:scrgbClr r="0" g="0" b="0"/>
+        </a:fillRef>
+        <a:effectRef idx="0">
+          <a:scrgbClr r="0" g="0" b="0"/>
+        </a:effectRef>
+        <a:fontRef idx="minor"/>
+      </dsp:style>
+      <dsp:txBody>
+        <a:bodyPr spcFirstLastPara="0" vert="horz" wrap="square" lIns="128016" tIns="128016" rIns="128016" bIns="128016" numCol="1" spcCol="1270" anchor="ctr" anchorCtr="0">
+          <a:noAutofit/>
+        </a:bodyPr>
+        <a:lstStyle/>
+        <a:p>
+          <a:pPr marL="0" lvl="0" indent="0" algn="l" defTabSz="800100">
+            <a:lnSpc>
+              <a:spcPct val="90000"/>
+            </a:lnSpc>
+            <a:spcBef>
+              <a:spcPct val="0"/>
+            </a:spcBef>
+            <a:spcAft>
+              <a:spcPct val="35000"/>
+            </a:spcAft>
+            <a:buNone/>
+          </a:pPr>
+          <a:r>
+            <a:rPr lang="th-TH" sz="1800" b="1" kern="1200" dirty="0">
+              <a:solidFill>
+                <a:schemeClr val="tx1"/>
+              </a:solidFill>
+              <a:latin typeface="TH Sarabun New" panose="020B0500040200020003" pitchFamily="34" charset="-34"/>
+              <a:cs typeface="TH Sarabun New" panose="020B0500040200020003" pitchFamily="34" charset="-34"/>
+            </a:rPr>
+            <a:t>ลดระยะเวลาในการค้นหาข้อมูล</a:t>
+          </a:r>
+          <a:endParaRPr lang="en-US" sz="1800" b="1" kern="1200" dirty="0">
+            <a:solidFill>
+              <a:schemeClr val="tx1"/>
+            </a:solidFill>
+            <a:latin typeface="TH Sarabun New" panose="020B0500040200020003" pitchFamily="34" charset="-34"/>
+            <a:cs typeface="TH Sarabun New" panose="020B0500040200020003" pitchFamily="34" charset="-34"/>
+          </a:endParaRPr>
+        </a:p>
+      </dsp:txBody>
+      <dsp:txXfrm>
+        <a:off x="256042" y="1370528"/>
+        <a:ext cx="3373010" cy="621067"/>
+      </dsp:txXfrm>
+    </dsp:sp>
+    <dsp:sp modelId="{36404F13-2649-456E-934F-DE15427C8805}">
+      <dsp:nvSpPr>
+        <dsp:cNvPr id="0" name=""/>
+        <dsp:cNvSpPr/>
+      </dsp:nvSpPr>
+      <dsp:spPr>
+        <a:xfrm>
+          <a:off x="2159" y="2168911"/>
+          <a:ext cx="266438" cy="266438"/>
+        </a:xfrm>
+        <a:prstGeom prst="rect">
+          <a:avLst/>
+        </a:prstGeom>
+        <a:solidFill>
+          <a:schemeClr val="tx1"/>
+        </a:solidFill>
+        <a:ln w="12700" cap="flat" cmpd="sng" algn="ctr">
+          <a:noFill/>
+          <a:prstDash val="solid"/>
+          <a:miter lim="800000"/>
+        </a:ln>
+        <a:effectLst/>
+      </dsp:spPr>
+      <dsp:style>
+        <a:lnRef idx="2">
+          <a:scrgbClr r="0" g="0" b="0"/>
+        </a:lnRef>
+        <a:fillRef idx="1">
+          <a:scrgbClr r="0" g="0" b="0"/>
+        </a:fillRef>
+        <a:effectRef idx="0">
+          <a:scrgbClr r="0" g="0" b="0"/>
+        </a:effectRef>
+        <a:fontRef idx="minor"/>
+      </dsp:style>
+    </dsp:sp>
+    <dsp:sp modelId="{7A8436CA-8810-47CF-B908-1B417D3C6862}">
+      <dsp:nvSpPr>
+        <dsp:cNvPr id="0" name=""/>
+        <dsp:cNvSpPr/>
+      </dsp:nvSpPr>
+      <dsp:spPr>
+        <a:xfrm>
+          <a:off x="256042" y="1991596"/>
+          <a:ext cx="3373010" cy="621067"/>
+        </a:xfrm>
+        <a:prstGeom prst="rect">
+          <a:avLst/>
+        </a:prstGeom>
+        <a:noFill/>
+        <a:ln>
+          <a:noFill/>
+        </a:ln>
+        <a:effectLst/>
+      </dsp:spPr>
+      <dsp:style>
+        <a:lnRef idx="0">
+          <a:scrgbClr r="0" g="0" b="0"/>
+        </a:lnRef>
+        <a:fillRef idx="0">
+          <a:scrgbClr r="0" g="0" b="0"/>
+        </a:fillRef>
+        <a:effectRef idx="0">
+          <a:scrgbClr r="0" g="0" b="0"/>
+        </a:effectRef>
+        <a:fontRef idx="minor"/>
+      </dsp:style>
+      <dsp:txBody>
+        <a:bodyPr spcFirstLastPara="0" vert="horz" wrap="square" lIns="128016" tIns="128016" rIns="128016" bIns="128016" numCol="1" spcCol="1270" anchor="ctr" anchorCtr="0">
+          <a:noAutofit/>
+        </a:bodyPr>
+        <a:lstStyle/>
+        <a:p>
+          <a:pPr marL="0" lvl="0" indent="0" algn="l" defTabSz="800100">
+            <a:lnSpc>
+              <a:spcPct val="90000"/>
+            </a:lnSpc>
+            <a:spcBef>
+              <a:spcPct val="0"/>
+            </a:spcBef>
+            <a:spcAft>
+              <a:spcPct val="35000"/>
+            </a:spcAft>
+            <a:buNone/>
+          </a:pPr>
+          <a:r>
+            <a:rPr lang="th-TH" sz="1800" b="1" kern="1200" dirty="0">
+              <a:solidFill>
+                <a:schemeClr val="tx1"/>
+              </a:solidFill>
+              <a:latin typeface="TH Sarabun New" panose="020B0500040200020003" pitchFamily="34" charset="-34"/>
+              <a:cs typeface="TH Sarabun New" panose="020B0500040200020003" pitchFamily="34" charset="-34"/>
+            </a:rPr>
+            <a:t>สามารถนำเสนอสิ่งที่ใกล้เคียงหรือตรงต่อความต้องการของผู้ใช้</a:t>
+          </a:r>
+          <a:endParaRPr lang="en-US" sz="1800" b="1" kern="1200" dirty="0">
+            <a:solidFill>
+              <a:schemeClr val="tx1"/>
+            </a:solidFill>
+            <a:latin typeface="TH Sarabun New" panose="020B0500040200020003" pitchFamily="34" charset="-34"/>
+            <a:cs typeface="TH Sarabun New" panose="020B0500040200020003" pitchFamily="34" charset="-34"/>
+          </a:endParaRPr>
+        </a:p>
+      </dsp:txBody>
+      <dsp:txXfrm>
+        <a:off x="256042" y="1991596"/>
+        <a:ext cx="3373010" cy="621067"/>
+      </dsp:txXfrm>
+    </dsp:sp>
+    <dsp:sp modelId="{2104804E-8C11-40FF-B25A-188B978D7F85}">
+      <dsp:nvSpPr>
+        <dsp:cNvPr id="0" name=""/>
+        <dsp:cNvSpPr/>
+      </dsp:nvSpPr>
+      <dsp:spPr>
+        <a:xfrm>
+          <a:off x="2159" y="2789979"/>
+          <a:ext cx="266438" cy="266438"/>
+        </a:xfrm>
+        <a:prstGeom prst="rect">
+          <a:avLst/>
+        </a:prstGeom>
+        <a:solidFill>
+          <a:schemeClr val="tx1"/>
+        </a:solidFill>
+        <a:ln w="12700" cap="flat" cmpd="sng" algn="ctr">
+          <a:noFill/>
+          <a:prstDash val="solid"/>
+          <a:miter lim="800000"/>
+        </a:ln>
+        <a:effectLst/>
+      </dsp:spPr>
+      <dsp:style>
+        <a:lnRef idx="2">
+          <a:scrgbClr r="0" g="0" b="0"/>
+        </a:lnRef>
+        <a:fillRef idx="1">
+          <a:scrgbClr r="0" g="0" b="0"/>
+        </a:fillRef>
+        <a:effectRef idx="0">
+          <a:scrgbClr r="0" g="0" b="0"/>
+        </a:effectRef>
+        <a:fontRef idx="minor"/>
+      </dsp:style>
+    </dsp:sp>
+    <dsp:sp modelId="{4515293A-04CD-4DCE-AEE9-386A46452E26}">
+      <dsp:nvSpPr>
+        <dsp:cNvPr id="0" name=""/>
+        <dsp:cNvSpPr/>
+      </dsp:nvSpPr>
+      <dsp:spPr>
+        <a:xfrm>
+          <a:off x="256042" y="2612664"/>
+          <a:ext cx="3373010" cy="621067"/>
+        </a:xfrm>
+        <a:prstGeom prst="rect">
+          <a:avLst/>
+        </a:prstGeom>
+        <a:noFill/>
+        <a:ln>
+          <a:noFill/>
+        </a:ln>
+        <a:effectLst/>
+      </dsp:spPr>
+      <dsp:style>
+        <a:lnRef idx="0">
+          <a:scrgbClr r="0" g="0" b="0"/>
+        </a:lnRef>
+        <a:fillRef idx="0">
+          <a:scrgbClr r="0" g="0" b="0"/>
+        </a:fillRef>
+        <a:effectRef idx="0">
+          <a:scrgbClr r="0" g="0" b="0"/>
+        </a:effectRef>
+        <a:fontRef idx="minor"/>
+      </dsp:style>
+      <dsp:txBody>
+        <a:bodyPr spcFirstLastPara="0" vert="horz" wrap="square" lIns="128016" tIns="128016" rIns="128016" bIns="128016" numCol="1" spcCol="1270" anchor="ctr" anchorCtr="0">
+          <a:noAutofit/>
+        </a:bodyPr>
+        <a:lstStyle/>
+        <a:p>
+          <a:pPr marL="0" lvl="0" indent="0" algn="l" defTabSz="800100">
+            <a:lnSpc>
+              <a:spcPct val="90000"/>
+            </a:lnSpc>
+            <a:spcBef>
+              <a:spcPct val="0"/>
+            </a:spcBef>
+            <a:spcAft>
+              <a:spcPct val="35000"/>
+            </a:spcAft>
+            <a:buNone/>
+          </a:pPr>
+          <a:r>
+            <a:rPr lang="th-TH" sz="1800" b="1" kern="1200" dirty="0">
+              <a:solidFill>
+                <a:schemeClr val="tx1"/>
+              </a:solidFill>
+              <a:latin typeface="TH Sarabun New" panose="020B0500040200020003" pitchFamily="34" charset="-34"/>
+              <a:cs typeface="TH Sarabun New" panose="020B0500040200020003" pitchFamily="34" charset="-34"/>
+            </a:rPr>
+            <a:t>มีความรวดเร็วในการประมวลผล</a:t>
+          </a:r>
+          <a:endParaRPr lang="en-US" sz="1800" b="1" kern="1200" dirty="0">
+            <a:solidFill>
+              <a:schemeClr val="tx1"/>
+            </a:solidFill>
+            <a:latin typeface="TH Sarabun New" panose="020B0500040200020003" pitchFamily="34" charset="-34"/>
+            <a:cs typeface="TH Sarabun New" panose="020B0500040200020003" pitchFamily="34" charset="-34"/>
+          </a:endParaRPr>
+        </a:p>
+      </dsp:txBody>
+      <dsp:txXfrm>
+        <a:off x="256042" y="2612664"/>
+        <a:ext cx="3373010" cy="621067"/>
+      </dsp:txXfrm>
+    </dsp:sp>
+    <dsp:sp modelId="{9667CA33-B62A-48FF-90B7-14383B9B218F}">
+      <dsp:nvSpPr>
+        <dsp:cNvPr id="0" name=""/>
+        <dsp:cNvSpPr/>
+      </dsp:nvSpPr>
+      <dsp:spPr>
+        <a:xfrm>
+          <a:off x="3810397" y="766520"/>
+          <a:ext cx="3626893" cy="426693"/>
+        </a:xfrm>
+        <a:prstGeom prst="rect">
+          <a:avLst/>
+        </a:prstGeom>
+        <a:solidFill>
+          <a:srgbClr val="FD3131"/>
+        </a:solidFill>
+        <a:ln w="12700" cap="flat" cmpd="sng" algn="ctr">
+          <a:noFill/>
+          <a:prstDash val="solid"/>
+          <a:miter lim="800000"/>
+        </a:ln>
+        <a:effectLst/>
+      </dsp:spPr>
+      <dsp:style>
+        <a:lnRef idx="2">
+          <a:scrgbClr r="0" g="0" b="0"/>
+        </a:lnRef>
+        <a:fillRef idx="1">
+          <a:scrgbClr r="0" g="0" b="0"/>
+        </a:fillRef>
+        <a:effectRef idx="0">
+          <a:scrgbClr r="0" g="0" b="0"/>
+        </a:effectRef>
+        <a:fontRef idx="minor">
+          <a:schemeClr val="lt1"/>
+        </a:fontRef>
+      </dsp:style>
+    </dsp:sp>
+    <dsp:sp modelId="{98BF1105-58C4-4F68-927C-2EE3519BAA6B}">
+      <dsp:nvSpPr>
+        <dsp:cNvPr id="0" name=""/>
+        <dsp:cNvSpPr/>
+      </dsp:nvSpPr>
+      <dsp:spPr>
+        <a:xfrm>
+          <a:off x="3810397" y="926769"/>
+          <a:ext cx="266444" cy="266444"/>
+        </a:xfrm>
+        <a:prstGeom prst="rect">
+          <a:avLst/>
+        </a:prstGeom>
+        <a:solidFill>
+          <a:srgbClr val="FD3131">
+            <a:alpha val="90000"/>
+          </a:srgbClr>
+        </a:solidFill>
+        <a:ln w="12700" cap="flat" cmpd="sng" algn="ctr">
+          <a:noFill/>
+          <a:prstDash val="solid"/>
+          <a:miter lim="800000"/>
+        </a:ln>
+        <a:effectLst/>
+      </dsp:spPr>
+      <dsp:style>
+        <a:lnRef idx="2">
+          <a:scrgbClr r="0" g="0" b="0"/>
+        </a:lnRef>
+        <a:fillRef idx="1">
+          <a:scrgbClr r="0" g="0" b="0"/>
+        </a:fillRef>
+        <a:effectRef idx="0">
+          <a:scrgbClr r="0" g="0" b="0"/>
+        </a:effectRef>
+        <a:fontRef idx="minor"/>
+      </dsp:style>
+    </dsp:sp>
+    <dsp:sp modelId="{D34F63FF-0E1C-418F-9DB9-932FFF4B3BBF}">
+      <dsp:nvSpPr>
+        <dsp:cNvPr id="0" name=""/>
+        <dsp:cNvSpPr/>
+      </dsp:nvSpPr>
+      <dsp:spPr>
+        <a:xfrm>
+          <a:off x="3810397" y="0"/>
+          <a:ext cx="3626893" cy="766520"/>
+        </a:xfrm>
+        <a:prstGeom prst="rect">
+          <a:avLst/>
+        </a:prstGeom>
+        <a:noFill/>
+        <a:ln>
+          <a:noFill/>
+        </a:ln>
+        <a:effectLst/>
+      </dsp:spPr>
+      <dsp:style>
+        <a:lnRef idx="0">
+          <a:scrgbClr r="0" g="0" b="0"/>
+        </a:lnRef>
+        <a:fillRef idx="0">
+          <a:scrgbClr r="0" g="0" b="0"/>
+        </a:fillRef>
+        <a:effectRef idx="0">
+          <a:scrgbClr r="0" g="0" b="0"/>
+        </a:effectRef>
+        <a:fontRef idx="minor"/>
+      </dsp:style>
+      <dsp:txBody>
+        <a:bodyPr spcFirstLastPara="0" vert="horz" wrap="square" lIns="83820" tIns="55880" rIns="83820" bIns="55880" numCol="1" spcCol="1270" anchor="ctr" anchorCtr="0">
+          <a:noAutofit/>
+        </a:bodyPr>
+        <a:lstStyle/>
+        <a:p>
+          <a:pPr marL="0" lvl="0" indent="0" algn="l" defTabSz="1955800">
+            <a:lnSpc>
+              <a:spcPct val="90000"/>
+            </a:lnSpc>
+            <a:spcBef>
+              <a:spcPct val="0"/>
+            </a:spcBef>
+            <a:spcAft>
+              <a:spcPct val="35000"/>
+            </a:spcAft>
+            <a:buNone/>
+          </a:pPr>
+          <a:r>
+            <a:rPr lang="en-US" sz="4400" b="1" kern="1200" dirty="0">
+              <a:solidFill>
+                <a:schemeClr val="tx1"/>
+              </a:solidFill>
+              <a:latin typeface="TH Sarabun New" panose="020B0500040200020003" pitchFamily="34" charset="-34"/>
+              <a:cs typeface="TH Sarabun New" panose="020B0500040200020003" pitchFamily="34" charset="-34"/>
+            </a:rPr>
+            <a:t>Cons</a:t>
+          </a:r>
+        </a:p>
+      </dsp:txBody>
+      <dsp:txXfrm>
+        <a:off x="3810397" y="0"/>
+        <a:ext cx="3626893" cy="766520"/>
+      </dsp:txXfrm>
+    </dsp:sp>
+    <dsp:sp modelId="{77682F35-7A6A-47D5-AA6E-DCFCC4A50A59}">
+      <dsp:nvSpPr>
+        <dsp:cNvPr id="0" name=""/>
+        <dsp:cNvSpPr/>
+      </dsp:nvSpPr>
+      <dsp:spPr>
+        <a:xfrm>
+          <a:off x="3810397" y="1547843"/>
+          <a:ext cx="266438" cy="266438"/>
+        </a:xfrm>
+        <a:prstGeom prst="rect">
+          <a:avLst/>
+        </a:prstGeom>
+        <a:solidFill>
+          <a:srgbClr val="4D4D4D"/>
+        </a:solidFill>
+        <a:ln w="12700" cap="flat" cmpd="sng" algn="ctr">
+          <a:noFill/>
+          <a:prstDash val="solid"/>
+          <a:miter lim="800000"/>
+        </a:ln>
+        <a:effectLst/>
+      </dsp:spPr>
+      <dsp:style>
+        <a:lnRef idx="2">
+          <a:scrgbClr r="0" g="0" b="0"/>
+        </a:lnRef>
+        <a:fillRef idx="1">
+          <a:scrgbClr r="0" g="0" b="0"/>
+        </a:fillRef>
+        <a:effectRef idx="0">
+          <a:scrgbClr r="0" g="0" b="0"/>
+        </a:effectRef>
+        <a:fontRef idx="minor"/>
+      </dsp:style>
+    </dsp:sp>
+    <dsp:sp modelId="{B670C94C-0157-49E5-ABBE-72582F6CA747}">
+      <dsp:nvSpPr>
+        <dsp:cNvPr id="0" name=""/>
+        <dsp:cNvSpPr/>
+      </dsp:nvSpPr>
+      <dsp:spPr>
+        <a:xfrm>
+          <a:off x="4064280" y="1370528"/>
+          <a:ext cx="3373010" cy="621067"/>
+        </a:xfrm>
+        <a:prstGeom prst="rect">
+          <a:avLst/>
+        </a:prstGeom>
+        <a:noFill/>
+        <a:ln>
+          <a:noFill/>
+        </a:ln>
+        <a:effectLst/>
+      </dsp:spPr>
+      <dsp:style>
+        <a:lnRef idx="0">
+          <a:scrgbClr r="0" g="0" b="0"/>
+        </a:lnRef>
+        <a:fillRef idx="0">
+          <a:scrgbClr r="0" g="0" b="0"/>
+        </a:fillRef>
+        <a:effectRef idx="0">
+          <a:scrgbClr r="0" g="0" b="0"/>
+        </a:effectRef>
+        <a:fontRef idx="minor"/>
+      </dsp:style>
+      <dsp:txBody>
+        <a:bodyPr spcFirstLastPara="0" vert="horz" wrap="square" lIns="128016" tIns="128016" rIns="128016" bIns="128016" numCol="1" spcCol="1270" anchor="ctr" anchorCtr="0">
+          <a:noAutofit/>
+        </a:bodyPr>
+        <a:lstStyle/>
+        <a:p>
+          <a:pPr marL="0" lvl="0" indent="0" algn="l" defTabSz="800100">
+            <a:lnSpc>
+              <a:spcPct val="90000"/>
+            </a:lnSpc>
+            <a:spcBef>
+              <a:spcPct val="0"/>
+            </a:spcBef>
+            <a:spcAft>
+              <a:spcPct val="35000"/>
+            </a:spcAft>
+            <a:buNone/>
+          </a:pPr>
+          <a:r>
+            <a:rPr lang="th-TH" sz="1800" b="1" kern="1200" dirty="0">
+              <a:solidFill>
+                <a:schemeClr val="tx1"/>
+              </a:solidFill>
+              <a:latin typeface="TH Sarabun New" panose="020B0500040200020003" pitchFamily="34" charset="-34"/>
+              <a:cs typeface="TH Sarabun New" panose="020B0500040200020003" pitchFamily="34" charset="-34"/>
+            </a:rPr>
+            <a:t>ข้อมูลที่ผู้ใช้ได้รับอาจมีความผิดพลาด</a:t>
+          </a:r>
+          <a:endParaRPr lang="en-US" sz="1800" b="1" kern="1200" dirty="0">
+            <a:solidFill>
+              <a:schemeClr val="tx1"/>
+            </a:solidFill>
+            <a:latin typeface="TH Sarabun New" panose="020B0500040200020003" pitchFamily="34" charset="-34"/>
+            <a:cs typeface="TH Sarabun New" panose="020B0500040200020003" pitchFamily="34" charset="-34"/>
+          </a:endParaRPr>
+        </a:p>
+      </dsp:txBody>
+      <dsp:txXfrm>
+        <a:off x="4064280" y="1370528"/>
+        <a:ext cx="3373010" cy="621067"/>
+      </dsp:txXfrm>
     </dsp:sp>
   </dsp:spTree>
 </dsp:drawing>
@@ -3872,6 +5961,394 @@
 </dgm:layoutDef>
 </file>
 
+<file path=ppt/diagrams/layout3.xml><?xml version="1.0" encoding="utf-8"?>
+<dgm:layoutDef xmlns:dgm="http://schemas.openxmlformats.org/drawingml/2006/diagram" xmlns:a="http://schemas.openxmlformats.org/drawingml/2006/main" uniqueId="urn:microsoft.com/office/officeart/2008/layout/SquareAccentList">
+  <dgm:title val=""/>
+  <dgm:desc val=""/>
+  <dgm:catLst>
+    <dgm:cat type="list" pri="5500"/>
+  </dgm:catLst>
+  <dgm:sampData>
+    <dgm:dataModel>
+      <dgm:ptLst>
+        <dgm:pt modelId="0" type="doc"/>
+        <dgm:pt modelId="10">
+          <dgm:prSet phldr="1"/>
+        </dgm:pt>
+        <dgm:pt modelId="11">
+          <dgm:prSet phldr="1"/>
+        </dgm:pt>
+        <dgm:pt modelId="12">
+          <dgm:prSet phldr="1"/>
+        </dgm:pt>
+        <dgm:pt modelId="13">
+          <dgm:prSet phldr="1"/>
+        </dgm:pt>
+        <dgm:pt modelId="20">
+          <dgm:prSet phldr="1"/>
+        </dgm:pt>
+        <dgm:pt modelId="21">
+          <dgm:prSet phldr="1"/>
+        </dgm:pt>
+        <dgm:pt modelId="22">
+          <dgm:prSet phldr="1"/>
+        </dgm:pt>
+        <dgm:pt modelId="23">
+          <dgm:prSet phldr="1"/>
+        </dgm:pt>
+      </dgm:ptLst>
+      <dgm:cxnLst>
+        <dgm:cxn modelId="1" srcId="0" destId="10" srcOrd="0" destOrd="0"/>
+        <dgm:cxn modelId="2" srcId="10" destId="11" srcOrd="0" destOrd="0"/>
+        <dgm:cxn modelId="3" srcId="10" destId="12" srcOrd="1" destOrd="0"/>
+        <dgm:cxn modelId="4" srcId="10" destId="13" srcOrd="2" destOrd="0"/>
+        <dgm:cxn modelId="5" srcId="0" destId="20" srcOrd="0" destOrd="0"/>
+        <dgm:cxn modelId="6" srcId="20" destId="21" srcOrd="0" destOrd="0"/>
+        <dgm:cxn modelId="7" srcId="20" destId="22" srcOrd="1" destOrd="0"/>
+        <dgm:cxn modelId="8" srcId="20" destId="23" srcOrd="2" destOrd="0"/>
+      </dgm:cxnLst>
+      <dgm:bg/>
+      <dgm:whole/>
+    </dgm:dataModel>
+  </dgm:sampData>
+  <dgm:styleData>
+    <dgm:dataModel>
+      <dgm:ptLst>
+        <dgm:pt modelId="0" type="doc"/>
+        <dgm:pt modelId="10">
+          <dgm:prSet phldr="1"/>
+        </dgm:pt>
+        <dgm:pt modelId="11">
+          <dgm:prSet phldr="1"/>
+        </dgm:pt>
+        <dgm:pt modelId="12">
+          <dgm:prSet phldr="1"/>
+        </dgm:pt>
+        <dgm:pt modelId="13">
+          <dgm:prSet phldr="1"/>
+        </dgm:pt>
+        <dgm:pt modelId="20">
+          <dgm:prSet phldr="1"/>
+        </dgm:pt>
+        <dgm:pt modelId="21">
+          <dgm:prSet phldr="1"/>
+        </dgm:pt>
+        <dgm:pt modelId="22">
+          <dgm:prSet phldr="1"/>
+        </dgm:pt>
+        <dgm:pt modelId="23">
+          <dgm:prSet phldr="1"/>
+        </dgm:pt>
+      </dgm:ptLst>
+      <dgm:cxnLst>
+        <dgm:cxn modelId="1" srcId="0" destId="10" srcOrd="0" destOrd="0"/>
+        <dgm:cxn modelId="2" srcId="10" destId="11" srcOrd="0" destOrd="0"/>
+        <dgm:cxn modelId="3" srcId="10" destId="12" srcOrd="1" destOrd="0"/>
+        <dgm:cxn modelId="4" srcId="10" destId="13" srcOrd="2" destOrd="0"/>
+        <dgm:cxn modelId="5" srcId="0" destId="20" srcOrd="0" destOrd="0"/>
+        <dgm:cxn modelId="6" srcId="20" destId="21" srcOrd="0" destOrd="0"/>
+        <dgm:cxn modelId="7" srcId="20" destId="22" srcOrd="1" destOrd="0"/>
+        <dgm:cxn modelId="8" srcId="20" destId="23" srcOrd="2" destOrd="0"/>
+      </dgm:cxnLst>
+      <dgm:bg/>
+      <dgm:whole/>
+    </dgm:dataModel>
+  </dgm:styleData>
+  <dgm:clrData>
+    <dgm:dataModel>
+      <dgm:ptLst>
+        <dgm:pt modelId="0" type="doc"/>
+        <dgm:pt modelId="10">
+          <dgm:prSet phldr="1"/>
+        </dgm:pt>
+        <dgm:pt modelId="11">
+          <dgm:prSet phldr="1"/>
+        </dgm:pt>
+        <dgm:pt modelId="12">
+          <dgm:prSet phldr="1"/>
+        </dgm:pt>
+        <dgm:pt modelId="13">
+          <dgm:prSet phldr="1"/>
+        </dgm:pt>
+        <dgm:pt modelId="20">
+          <dgm:prSet phldr="1"/>
+        </dgm:pt>
+        <dgm:pt modelId="21">
+          <dgm:prSet phldr="1"/>
+        </dgm:pt>
+        <dgm:pt modelId="22">
+          <dgm:prSet phldr="1"/>
+        </dgm:pt>
+        <dgm:pt modelId="23">
+          <dgm:prSet phldr="1"/>
+        </dgm:pt>
+      </dgm:ptLst>
+      <dgm:cxnLst>
+        <dgm:cxn modelId="1" srcId="0" destId="10" srcOrd="0" destOrd="0"/>
+        <dgm:cxn modelId="2" srcId="10" destId="11" srcOrd="0" destOrd="0"/>
+        <dgm:cxn modelId="3" srcId="10" destId="12" srcOrd="1" destOrd="0"/>
+        <dgm:cxn modelId="4" srcId="10" destId="13" srcOrd="2" destOrd="0"/>
+        <dgm:cxn modelId="5" srcId="0" destId="20" srcOrd="0" destOrd="0"/>
+        <dgm:cxn modelId="6" srcId="20" destId="21" srcOrd="0" destOrd="0"/>
+        <dgm:cxn modelId="7" srcId="20" destId="22" srcOrd="1" destOrd="0"/>
+        <dgm:cxn modelId="8" srcId="20" destId="23" srcOrd="2" destOrd="0"/>
+      </dgm:cxnLst>
+      <dgm:bg/>
+      <dgm:whole/>
+    </dgm:dataModel>
+  </dgm:clrData>
+  <dgm:layoutNode name="layout">
+    <dgm:varLst>
+      <dgm:chMax/>
+      <dgm:chPref/>
+      <dgm:dir/>
+      <dgm:resizeHandles/>
+    </dgm:varLst>
+    <dgm:choose name="Name0">
+      <dgm:if name="Name1" func="var" arg="dir" op="equ" val="norm">
+        <dgm:alg type="hierChild">
+          <dgm:param type="linDir" val="fromL"/>
+          <dgm:param type="vertAlign" val="t"/>
+          <dgm:param type="nodeVertAlign" val="t"/>
+          <dgm:param type="horzAlign" val="ctr"/>
+          <dgm:param type="fallback" val="1D"/>
+        </dgm:alg>
+      </dgm:if>
+      <dgm:else name="Name2">
+        <dgm:alg type="hierChild">
+          <dgm:param type="linDir" val="fromR"/>
+          <dgm:param type="vertAlign" val="t"/>
+          <dgm:param type="nodeVertAlign" val="t"/>
+          <dgm:param type="horzAlign" val="ctr"/>
+          <dgm:param type="fallback" val="1D"/>
+        </dgm:alg>
+      </dgm:else>
+    </dgm:choose>
+    <dgm:shape xmlns:r="http://schemas.openxmlformats.org/officeDocument/2006/relationships" r:blip="">
+      <dgm:adjLst/>
+    </dgm:shape>
+    <dgm:presOf/>
+    <dgm:constrLst>
+      <dgm:constr type="primFontSz" for="des" forName="Parent" op="equ" val="65"/>
+      <dgm:constr type="primFontSz" for="des" forName="Child" op="equ" val="65"/>
+      <dgm:constr type="primFontSz" for="des" forName="Child" refType="primFontSz" refFor="des" refForName="Parent" op="lte"/>
+      <dgm:constr type="w" for="des" forName="rootComposite" refType="h" refFor="des" refForName="rootComposite" fact="3.0396"/>
+      <dgm:constr type="h" for="des" forName="rootComposite" refType="h"/>
+      <dgm:constr type="w" for="des" forName="childComposite" refType="w" refFor="des" refForName="rootComposite"/>
+      <dgm:constr type="h" for="des" forName="childComposite" refType="h" refFor="des" refForName="rootComposite" fact="0.5205"/>
+      <dgm:constr type="sibSp" refType="w" refFor="des" refForName="rootComposite" fact="0.05"/>
+      <dgm:constr type="sp" for="des" forName="root" refType="h" refFor="des" refForName="childComposite" fact="0.2855"/>
+    </dgm:constrLst>
+    <dgm:ruleLst/>
+    <dgm:forEach name="Name3" axis="ch">
+      <dgm:forEach name="Name4" axis="self" ptType="node" cnt="1">
+        <dgm:layoutNode name="root">
+          <dgm:varLst>
+            <dgm:chMax/>
+            <dgm:chPref/>
+          </dgm:varLst>
+          <dgm:alg type="hierRoot">
+            <dgm:param type="hierAlign" val="tL"/>
+          </dgm:alg>
+          <dgm:shape xmlns:r="http://schemas.openxmlformats.org/officeDocument/2006/relationships" r:blip="">
+            <dgm:adjLst/>
+          </dgm:shape>
+          <dgm:presOf/>
+          <dgm:constrLst/>
+          <dgm:ruleLst/>
+          <dgm:layoutNode name="rootComposite">
+            <dgm:varLst/>
+            <dgm:alg type="composite"/>
+            <dgm:shape xmlns:r="http://schemas.openxmlformats.org/officeDocument/2006/relationships" r:blip="">
+              <dgm:adjLst/>
+            </dgm:shape>
+            <dgm:presOf axis="self" ptType="node" cnt="1"/>
+            <dgm:choose name="Name5">
+              <dgm:if name="Name6" func="var" arg="dir" op="equ" val="norm">
+                <dgm:constrLst>
+                  <dgm:constr type="l" for="ch" forName="Parent" refType="w" fact="0"/>
+                  <dgm:constr type="t" for="ch" forName="Parent" refType="h" fact="0"/>
+                  <dgm:constr type="w" for="ch" forName="Parent" refType="w"/>
+                  <dgm:constr type="h" for="ch" forName="Parent" refType="h" fact="0.6424"/>
+                  <dgm:constr type="l" for="ch" forName="ParentAccent" refType="w" fact="0"/>
+                  <dgm:constr type="b" for="ch" forName="ParentAccent" refType="h"/>
+                  <dgm:constr type="w" for="ch" forName="ParentAccent" refType="w"/>
+                  <dgm:constr type="h" for="ch" forName="ParentAccent" refType="h" fact="0.3576"/>
+                  <dgm:constr type="l" for="ch" forName="ParentSmallAccent" refType="w" fact="0"/>
+                  <dgm:constr type="b" for="ch" forName="ParentSmallAccent" refType="h"/>
+                  <dgm:constr type="w" for="ch" forName="ParentSmallAccent" refType="h" fact="0.2233"/>
+                  <dgm:constr type="h" for="ch" forName="ParentSmallAccent" refType="h" fact="0.2233"/>
+                </dgm:constrLst>
+              </dgm:if>
+              <dgm:else name="Name7">
+                <dgm:constrLst>
+                  <dgm:constr type="l" for="ch" forName="Parent" refType="w" fact="0"/>
+                  <dgm:constr type="t" for="ch" forName="Parent" refType="h" fact="0"/>
+                  <dgm:constr type="w" for="ch" forName="Parent" refType="w"/>
+                  <dgm:constr type="h" for="ch" forName="Parent" refType="h" fact="0.6424"/>
+                  <dgm:constr type="l" for="ch" forName="ParentAccent" refType="w" fact="0"/>
+                  <dgm:constr type="b" for="ch" forName="ParentAccent" refType="h"/>
+                  <dgm:constr type="w" for="ch" forName="ParentAccent" refType="w"/>
+                  <dgm:constr type="h" for="ch" forName="ParentAccent" refType="h" fact="0.3576"/>
+                  <dgm:constr type="r" for="ch" forName="ParentSmallAccent" refType="w"/>
+                  <dgm:constr type="b" for="ch" forName="ParentSmallAccent" refType="h"/>
+                  <dgm:constr type="w" for="ch" forName="ParentSmallAccent" refType="h" fact="0.2233"/>
+                  <dgm:constr type="h" for="ch" forName="ParentSmallAccent" refType="h" fact="0.2233"/>
+                </dgm:constrLst>
+              </dgm:else>
+            </dgm:choose>
+            <dgm:ruleLst/>
+            <dgm:layoutNode name="ParentAccent" styleLbl="alignNode1">
+              <dgm:alg type="sp"/>
+              <dgm:shape xmlns:r="http://schemas.openxmlformats.org/officeDocument/2006/relationships" type="rect" r:blip="">
+                <dgm:adjLst/>
+              </dgm:shape>
+              <dgm:presOf/>
+            </dgm:layoutNode>
+            <dgm:layoutNode name="ParentSmallAccent" styleLbl="fgAcc1">
+              <dgm:alg type="sp"/>
+              <dgm:shape xmlns:r="http://schemas.openxmlformats.org/officeDocument/2006/relationships" type="rect" r:blip="">
+                <dgm:adjLst/>
+              </dgm:shape>
+              <dgm:presOf/>
+            </dgm:layoutNode>
+            <dgm:layoutNode name="Parent" styleLbl="revTx">
+              <dgm:varLst>
+                <dgm:chMax/>
+                <dgm:chPref val="4"/>
+                <dgm:bulletEnabled val="1"/>
+              </dgm:varLst>
+              <dgm:choose name="Name8">
+                <dgm:if name="Name9" func="var" arg="dir" op="equ" val="norm">
+                  <dgm:alg type="tx">
+                    <dgm:param type="txAnchorVertCh" val="mid"/>
+                    <dgm:param type="parTxLTRAlign" val="l"/>
+                  </dgm:alg>
+                </dgm:if>
+                <dgm:else name="Name10">
+                  <dgm:alg type="tx">
+                    <dgm:param type="txAnchorVertCh" val="mid"/>
+                    <dgm:param type="parTxLTRAlign" val="r"/>
+                  </dgm:alg>
+                </dgm:else>
+              </dgm:choose>
+              <dgm:shape xmlns:r="http://schemas.openxmlformats.org/officeDocument/2006/relationships" type="rect" r:blip="">
+                <dgm:adjLst/>
+              </dgm:shape>
+              <dgm:presOf axis="self" ptType="node"/>
+              <dgm:constrLst>
+                <dgm:constr type="tMarg" refType="primFontSz" fact="0.1"/>
+                <dgm:constr type="bMarg" refType="primFontSz" fact="0.1"/>
+                <dgm:constr type="lMarg" refType="primFontSz" fact="0.15"/>
+                <dgm:constr type="rMarg" refType="primFontSz" fact="0.15"/>
+              </dgm:constrLst>
+              <dgm:ruleLst>
+                <dgm:rule type="primFontSz" val="5" fact="NaN" max="NaN"/>
+                <dgm:rule type="primFontSz" val="65" fact="NaN" max="NaN"/>
+              </dgm:ruleLst>
+            </dgm:layoutNode>
+          </dgm:layoutNode>
+          <dgm:layoutNode name="childShape">
+            <dgm:varLst>
+              <dgm:chMax val="0"/>
+              <dgm:chPref val="0"/>
+            </dgm:varLst>
+            <dgm:alg type="hierChild">
+              <dgm:param type="chAlign" val="r"/>
+              <dgm:param type="linDir" val="fromT"/>
+              <dgm:param type="fallback" val="2D"/>
+            </dgm:alg>
+            <dgm:shape xmlns:r="http://schemas.openxmlformats.org/officeDocument/2006/relationships" r:blip="">
+              <dgm:adjLst/>
+            </dgm:shape>
+            <dgm:presOf/>
+            <dgm:constrLst/>
+            <dgm:ruleLst/>
+            <dgm:forEach name="Name11" axis="ch">
+              <dgm:forEach name="Name12" axis="self" ptType="node">
+                <dgm:layoutNode name="childComposite">
+                  <dgm:varLst>
+                    <dgm:chMax val="0"/>
+                    <dgm:chPref val="0"/>
+                  </dgm:varLst>
+                  <dgm:alg type="composite"/>
+                  <dgm:shape xmlns:r="http://schemas.openxmlformats.org/officeDocument/2006/relationships" r:blip="">
+                    <dgm:adjLst/>
+                  </dgm:shape>
+                  <dgm:presOf/>
+                  <dgm:choose name="Name13">
+                    <dgm:if name="Name14" func="var" arg="dir" op="equ" val="norm">
+                      <dgm:constrLst>
+                        <dgm:constr type="w" for="ch" forName="ChildAccent" refType="h" fact="0.429"/>
+                        <dgm:constr type="h" for="ch" forName="ChildAccent" refType="h" fact="0.429"/>
+                        <dgm:constr type="l" for="ch" forName="ChildAccent" refType="w" fact="0"/>
+                        <dgm:constr type="t" for="ch" forName="ChildAccent" refType="h" fact="0.2855"/>
+                        <dgm:constr type="w" for="ch" forName="Child" refType="w" fact="0.93"/>
+                        <dgm:constr type="h" for="ch" forName="Child" refType="h"/>
+                        <dgm:constr type="l" for="ch" forName="Child" refType="w" fact="0.07"/>
+                        <dgm:constr type="t" for="ch" forName="Child" refType="h" fact="0"/>
+                      </dgm:constrLst>
+                    </dgm:if>
+                    <dgm:else name="Name15">
+                      <dgm:constrLst>
+                        <dgm:constr type="w" for="ch" forName="ChildAccent" refType="h" fact="0.429"/>
+                        <dgm:constr type="h" for="ch" forName="ChildAccent" refType="h" fact="0.429"/>
+                        <dgm:constr type="r" for="ch" forName="ChildAccent" refType="w"/>
+                        <dgm:constr type="t" for="ch" forName="ChildAccent" refType="h" fact="0.2855"/>
+                        <dgm:constr type="w" for="ch" forName="Child" refType="w" fact="0.93"/>
+                        <dgm:constr type="h" for="ch" forName="Child" refType="h"/>
+                        <dgm:constr type="r" for="ch" forName="Child" refType="w" fact="0.93"/>
+                        <dgm:constr type="t" for="ch" forName="Child" refType="h" fact="0"/>
+                      </dgm:constrLst>
+                    </dgm:else>
+                  </dgm:choose>
+                  <dgm:ruleLst/>
+                  <dgm:layoutNode name="ChildAccent" styleLbl="solidFgAcc1">
+                    <dgm:alg type="sp"/>
+                    <dgm:shape xmlns:r="http://schemas.openxmlformats.org/officeDocument/2006/relationships" type="rect" r:blip="">
+                      <dgm:adjLst/>
+                    </dgm:shape>
+                    <dgm:presOf/>
+                  </dgm:layoutNode>
+                  <dgm:layoutNode name="Child" styleLbl="revTx">
+                    <dgm:varLst>
+                      <dgm:chMax val="0"/>
+                      <dgm:chPref val="0"/>
+                      <dgm:bulletEnabled val="1"/>
+                    </dgm:varLst>
+                    <dgm:choose name="Name16">
+                      <dgm:if name="Name17" func="var" arg="dir" op="equ" val="norm">
+                        <dgm:alg type="tx">
+                          <dgm:param type="txAnchorVertCh" val="mid"/>
+                          <dgm:param type="parTxLTRAlign" val="l"/>
+                        </dgm:alg>
+                      </dgm:if>
+                      <dgm:else name="Name18">
+                        <dgm:alg type="tx">
+                          <dgm:param type="txAnchorVertCh" val="mid"/>
+                          <dgm:param type="parTxLTRAlign" val="r"/>
+                        </dgm:alg>
+                      </dgm:else>
+                    </dgm:choose>
+                    <dgm:shape xmlns:r="http://schemas.openxmlformats.org/officeDocument/2006/relationships" type="rect" r:blip="">
+                      <dgm:adjLst/>
+                    </dgm:shape>
+                    <dgm:presOf axis="desOrSelf" ptType="node node"/>
+                    <dgm:ruleLst>
+                      <dgm:rule type="primFontSz" val="5" fact="NaN" max="NaN"/>
+                    </dgm:ruleLst>
+                  </dgm:layoutNode>
+                </dgm:layoutNode>
+              </dgm:forEach>
+            </dgm:forEach>
+          </dgm:layoutNode>
+        </dgm:layoutNode>
+      </dgm:forEach>
+    </dgm:forEach>
+  </dgm:layoutNode>
+</dgm:layoutDef>
+</file>
+
 <file path=ppt/diagrams/quickStyle1.xml><?xml version="1.0" encoding="utf-8"?>
 <dgm:styleDef xmlns:dgm="http://schemas.openxmlformats.org/drawingml/2006/diagram" xmlns:a="http://schemas.openxmlformats.org/drawingml/2006/main" uniqueId="urn:microsoft.com/office/officeart/2005/8/quickstyle/simple1">
   <dgm:title val=""/>
@@ -4907,6 +7384,1040 @@
 </file>
 
 <file path=ppt/diagrams/quickStyle2.xml><?xml version="1.0" encoding="utf-8"?>
+<dgm:styleDef xmlns:dgm="http://schemas.openxmlformats.org/drawingml/2006/diagram" xmlns:a="http://schemas.openxmlformats.org/drawingml/2006/main" uniqueId="urn:microsoft.com/office/officeart/2005/8/quickstyle/simple1">
+  <dgm:title val=""/>
+  <dgm:desc val=""/>
+  <dgm:catLst>
+    <dgm:cat type="simple" pri="10100"/>
+  </dgm:catLst>
+  <dgm:scene3d>
+    <a:camera prst="orthographicFront"/>
+    <a:lightRig rig="threePt" dir="t"/>
+  </dgm:scene3d>
+  <dgm:styleLbl name="node0">
+    <dgm:scene3d>
+      <a:camera prst="orthographicFront"/>
+      <a:lightRig rig="threePt" dir="t"/>
+    </dgm:scene3d>
+    <dgm:sp3d/>
+    <dgm:txPr/>
+    <dgm:style>
+      <a:lnRef idx="2">
+        <a:scrgbClr r="0" g="0" b="0"/>
+      </a:lnRef>
+      <a:fillRef idx="1">
+        <a:scrgbClr r="0" g="0" b="0"/>
+      </a:fillRef>
+      <a:effectRef idx="0">
+        <a:scrgbClr r="0" g="0" b="0"/>
+      </a:effectRef>
+      <a:fontRef idx="minor">
+        <a:schemeClr val="lt1"/>
+      </a:fontRef>
+    </dgm:style>
+  </dgm:styleLbl>
+  <dgm:styleLbl name="lnNode1">
+    <dgm:scene3d>
+      <a:camera prst="orthographicFront"/>
+      <a:lightRig rig="threePt" dir="t"/>
+    </dgm:scene3d>
+    <dgm:sp3d/>
+    <dgm:txPr/>
+    <dgm:style>
+      <a:lnRef idx="2">
+        <a:scrgbClr r="0" g="0" b="0"/>
+      </a:lnRef>
+      <a:fillRef idx="1">
+        <a:scrgbClr r="0" g="0" b="0"/>
+      </a:fillRef>
+      <a:effectRef idx="0">
+        <a:scrgbClr r="0" g="0" b="0"/>
+      </a:effectRef>
+      <a:fontRef idx="minor">
+        <a:schemeClr val="lt1"/>
+      </a:fontRef>
+    </dgm:style>
+  </dgm:styleLbl>
+  <dgm:styleLbl name="vennNode1">
+    <dgm:scene3d>
+      <a:camera prst="orthographicFront"/>
+      <a:lightRig rig="threePt" dir="t"/>
+    </dgm:scene3d>
+    <dgm:sp3d/>
+    <dgm:txPr/>
+    <dgm:style>
+      <a:lnRef idx="2">
+        <a:scrgbClr r="0" g="0" b="0"/>
+      </a:lnRef>
+      <a:fillRef idx="1">
+        <a:scrgbClr r="0" g="0" b="0"/>
+      </a:fillRef>
+      <a:effectRef idx="0">
+        <a:scrgbClr r="0" g="0" b="0"/>
+      </a:effectRef>
+      <a:fontRef idx="minor">
+        <a:schemeClr val="tx1"/>
+      </a:fontRef>
+    </dgm:style>
+  </dgm:styleLbl>
+  <dgm:styleLbl name="alignNode1">
+    <dgm:scene3d>
+      <a:camera prst="orthographicFront"/>
+      <a:lightRig rig="threePt" dir="t"/>
+    </dgm:scene3d>
+    <dgm:sp3d/>
+    <dgm:txPr/>
+    <dgm:style>
+      <a:lnRef idx="2">
+        <a:scrgbClr r="0" g="0" b="0"/>
+      </a:lnRef>
+      <a:fillRef idx="1">
+        <a:scrgbClr r="0" g="0" b="0"/>
+      </a:fillRef>
+      <a:effectRef idx="0">
+        <a:scrgbClr r="0" g="0" b="0"/>
+      </a:effectRef>
+      <a:fontRef idx="minor">
+        <a:schemeClr val="lt1"/>
+      </a:fontRef>
+    </dgm:style>
+  </dgm:styleLbl>
+  <dgm:styleLbl name="node1">
+    <dgm:scene3d>
+      <a:camera prst="orthographicFront"/>
+      <a:lightRig rig="threePt" dir="t"/>
+    </dgm:scene3d>
+    <dgm:sp3d/>
+    <dgm:txPr/>
+    <dgm:style>
+      <a:lnRef idx="2">
+        <a:scrgbClr r="0" g="0" b="0"/>
+      </a:lnRef>
+      <a:fillRef idx="1">
+        <a:scrgbClr r="0" g="0" b="0"/>
+      </a:fillRef>
+      <a:effectRef idx="0">
+        <a:scrgbClr r="0" g="0" b="0"/>
+      </a:effectRef>
+      <a:fontRef idx="minor">
+        <a:schemeClr val="lt1"/>
+      </a:fontRef>
+    </dgm:style>
+  </dgm:styleLbl>
+  <dgm:styleLbl name="node2">
+    <dgm:scene3d>
+      <a:camera prst="orthographicFront"/>
+      <a:lightRig rig="threePt" dir="t"/>
+    </dgm:scene3d>
+    <dgm:sp3d/>
+    <dgm:txPr/>
+    <dgm:style>
+      <a:lnRef idx="2">
+        <a:scrgbClr r="0" g="0" b="0"/>
+      </a:lnRef>
+      <a:fillRef idx="1">
+        <a:scrgbClr r="0" g="0" b="0"/>
+      </a:fillRef>
+      <a:effectRef idx="0">
+        <a:scrgbClr r="0" g="0" b="0"/>
+      </a:effectRef>
+      <a:fontRef idx="minor">
+        <a:schemeClr val="lt1"/>
+      </a:fontRef>
+    </dgm:style>
+  </dgm:styleLbl>
+  <dgm:styleLbl name="node3">
+    <dgm:scene3d>
+      <a:camera prst="orthographicFront"/>
+      <a:lightRig rig="threePt" dir="t"/>
+    </dgm:scene3d>
+    <dgm:sp3d/>
+    <dgm:txPr/>
+    <dgm:style>
+      <a:lnRef idx="2">
+        <a:scrgbClr r="0" g="0" b="0"/>
+      </a:lnRef>
+      <a:fillRef idx="1">
+        <a:scrgbClr r="0" g="0" b="0"/>
+      </a:fillRef>
+      <a:effectRef idx="0">
+        <a:scrgbClr r="0" g="0" b="0"/>
+      </a:effectRef>
+      <a:fontRef idx="minor">
+        <a:schemeClr val="lt1"/>
+      </a:fontRef>
+    </dgm:style>
+  </dgm:styleLbl>
+  <dgm:styleLbl name="node4">
+    <dgm:scene3d>
+      <a:camera prst="orthographicFront"/>
+      <a:lightRig rig="threePt" dir="t"/>
+    </dgm:scene3d>
+    <dgm:sp3d/>
+    <dgm:txPr/>
+    <dgm:style>
+      <a:lnRef idx="2">
+        <a:scrgbClr r="0" g="0" b="0"/>
+      </a:lnRef>
+      <a:fillRef idx="1">
+        <a:scrgbClr r="0" g="0" b="0"/>
+      </a:fillRef>
+      <a:effectRef idx="0">
+        <a:scrgbClr r="0" g="0" b="0"/>
+      </a:effectRef>
+      <a:fontRef idx="minor">
+        <a:schemeClr val="lt1"/>
+      </a:fontRef>
+    </dgm:style>
+  </dgm:styleLbl>
+  <dgm:styleLbl name="fgImgPlace1">
+    <dgm:scene3d>
+      <a:camera prst="orthographicFront"/>
+      <a:lightRig rig="threePt" dir="t"/>
+    </dgm:scene3d>
+    <dgm:sp3d/>
+    <dgm:txPr/>
+    <dgm:style>
+      <a:lnRef idx="2">
+        <a:scrgbClr r="0" g="0" b="0"/>
+      </a:lnRef>
+      <a:fillRef idx="1">
+        <a:scrgbClr r="0" g="0" b="0"/>
+      </a:fillRef>
+      <a:effectRef idx="0">
+        <a:scrgbClr r="0" g="0" b="0"/>
+      </a:effectRef>
+      <a:fontRef idx="minor"/>
+    </dgm:style>
+  </dgm:styleLbl>
+  <dgm:styleLbl name="alignImgPlace1">
+    <dgm:scene3d>
+      <a:camera prst="orthographicFront"/>
+      <a:lightRig rig="threePt" dir="t"/>
+    </dgm:scene3d>
+    <dgm:sp3d/>
+    <dgm:txPr/>
+    <dgm:style>
+      <a:lnRef idx="2">
+        <a:scrgbClr r="0" g="0" b="0"/>
+      </a:lnRef>
+      <a:fillRef idx="1">
+        <a:scrgbClr r="0" g="0" b="0"/>
+      </a:fillRef>
+      <a:effectRef idx="0">
+        <a:scrgbClr r="0" g="0" b="0"/>
+      </a:effectRef>
+      <a:fontRef idx="minor"/>
+    </dgm:style>
+  </dgm:styleLbl>
+  <dgm:styleLbl name="bgImgPlace1">
+    <dgm:scene3d>
+      <a:camera prst="orthographicFront"/>
+      <a:lightRig rig="threePt" dir="t"/>
+    </dgm:scene3d>
+    <dgm:sp3d/>
+    <dgm:txPr/>
+    <dgm:style>
+      <a:lnRef idx="2">
+        <a:scrgbClr r="0" g="0" b="0"/>
+      </a:lnRef>
+      <a:fillRef idx="1">
+        <a:scrgbClr r="0" g="0" b="0"/>
+      </a:fillRef>
+      <a:effectRef idx="0">
+        <a:scrgbClr r="0" g="0" b="0"/>
+      </a:effectRef>
+      <a:fontRef idx="minor"/>
+    </dgm:style>
+  </dgm:styleLbl>
+  <dgm:styleLbl name="sibTrans2D1">
+    <dgm:scene3d>
+      <a:camera prst="orthographicFront"/>
+      <a:lightRig rig="threePt" dir="t"/>
+    </dgm:scene3d>
+    <dgm:sp3d/>
+    <dgm:txPr/>
+    <dgm:style>
+      <a:lnRef idx="0">
+        <a:scrgbClr r="0" g="0" b="0"/>
+      </a:lnRef>
+      <a:fillRef idx="1">
+        <a:scrgbClr r="0" g="0" b="0"/>
+      </a:fillRef>
+      <a:effectRef idx="0">
+        <a:scrgbClr r="0" g="0" b="0"/>
+      </a:effectRef>
+      <a:fontRef idx="minor">
+        <a:schemeClr val="lt1"/>
+      </a:fontRef>
+    </dgm:style>
+  </dgm:styleLbl>
+  <dgm:styleLbl name="fgSibTrans2D1">
+    <dgm:scene3d>
+      <a:camera prst="orthographicFront"/>
+      <a:lightRig rig="threePt" dir="t"/>
+    </dgm:scene3d>
+    <dgm:sp3d/>
+    <dgm:txPr/>
+    <dgm:style>
+      <a:lnRef idx="0">
+        <a:scrgbClr r="0" g="0" b="0"/>
+      </a:lnRef>
+      <a:fillRef idx="1">
+        <a:scrgbClr r="0" g="0" b="0"/>
+      </a:fillRef>
+      <a:effectRef idx="0">
+        <a:scrgbClr r="0" g="0" b="0"/>
+      </a:effectRef>
+      <a:fontRef idx="minor">
+        <a:schemeClr val="lt1"/>
+      </a:fontRef>
+    </dgm:style>
+  </dgm:styleLbl>
+  <dgm:styleLbl name="bgSibTrans2D1">
+    <dgm:scene3d>
+      <a:camera prst="orthographicFront"/>
+      <a:lightRig rig="threePt" dir="t"/>
+    </dgm:scene3d>
+    <dgm:sp3d/>
+    <dgm:txPr/>
+    <dgm:style>
+      <a:lnRef idx="0">
+        <a:scrgbClr r="0" g="0" b="0"/>
+      </a:lnRef>
+      <a:fillRef idx="1">
+        <a:scrgbClr r="0" g="0" b="0"/>
+      </a:fillRef>
+      <a:effectRef idx="0">
+        <a:scrgbClr r="0" g="0" b="0"/>
+      </a:effectRef>
+      <a:fontRef idx="minor">
+        <a:schemeClr val="lt1"/>
+      </a:fontRef>
+    </dgm:style>
+  </dgm:styleLbl>
+  <dgm:styleLbl name="sibTrans1D1">
+    <dgm:scene3d>
+      <a:camera prst="orthographicFront"/>
+      <a:lightRig rig="threePt" dir="t"/>
+    </dgm:scene3d>
+    <dgm:sp3d/>
+    <dgm:txPr/>
+    <dgm:style>
+      <a:lnRef idx="1">
+        <a:scrgbClr r="0" g="0" b="0"/>
+      </a:lnRef>
+      <a:fillRef idx="0">
+        <a:scrgbClr r="0" g="0" b="0"/>
+      </a:fillRef>
+      <a:effectRef idx="0">
+        <a:scrgbClr r="0" g="0" b="0"/>
+      </a:effectRef>
+      <a:fontRef idx="minor"/>
+    </dgm:style>
+  </dgm:styleLbl>
+  <dgm:styleLbl name="callout">
+    <dgm:scene3d>
+      <a:camera prst="orthographicFront"/>
+      <a:lightRig rig="threePt" dir="t"/>
+    </dgm:scene3d>
+    <dgm:sp3d/>
+    <dgm:txPr/>
+    <dgm:style>
+      <a:lnRef idx="2">
+        <a:scrgbClr r="0" g="0" b="0"/>
+      </a:lnRef>
+      <a:fillRef idx="1">
+        <a:scrgbClr r="0" g="0" b="0"/>
+      </a:fillRef>
+      <a:effectRef idx="0">
+        <a:scrgbClr r="0" g="0" b="0"/>
+      </a:effectRef>
+      <a:fontRef idx="minor"/>
+    </dgm:style>
+  </dgm:styleLbl>
+  <dgm:styleLbl name="asst0">
+    <dgm:scene3d>
+      <a:camera prst="orthographicFront"/>
+      <a:lightRig rig="threePt" dir="t"/>
+    </dgm:scene3d>
+    <dgm:sp3d/>
+    <dgm:txPr/>
+    <dgm:style>
+      <a:lnRef idx="2">
+        <a:scrgbClr r="0" g="0" b="0"/>
+      </a:lnRef>
+      <a:fillRef idx="1">
+        <a:scrgbClr r="0" g="0" b="0"/>
+      </a:fillRef>
+      <a:effectRef idx="0">
+        <a:scrgbClr r="0" g="0" b="0"/>
+      </a:effectRef>
+      <a:fontRef idx="minor">
+        <a:schemeClr val="lt1"/>
+      </a:fontRef>
+    </dgm:style>
+  </dgm:styleLbl>
+  <dgm:styleLbl name="asst1">
+    <dgm:scene3d>
+      <a:camera prst="orthographicFront"/>
+      <a:lightRig rig="threePt" dir="t"/>
+    </dgm:scene3d>
+    <dgm:sp3d/>
+    <dgm:txPr/>
+    <dgm:style>
+      <a:lnRef idx="2">
+        <a:scrgbClr r="0" g="0" b="0"/>
+      </a:lnRef>
+      <a:fillRef idx="1">
+        <a:scrgbClr r="0" g="0" b="0"/>
+      </a:fillRef>
+      <a:effectRef idx="0">
+        <a:scrgbClr r="0" g="0" b="0"/>
+      </a:effectRef>
+      <a:fontRef idx="minor">
+        <a:schemeClr val="lt1"/>
+      </a:fontRef>
+    </dgm:style>
+  </dgm:styleLbl>
+  <dgm:styleLbl name="asst2">
+    <dgm:scene3d>
+      <a:camera prst="orthographicFront"/>
+      <a:lightRig rig="threePt" dir="t"/>
+    </dgm:scene3d>
+    <dgm:sp3d/>
+    <dgm:txPr/>
+    <dgm:style>
+      <a:lnRef idx="2">
+        <a:scrgbClr r="0" g="0" b="0"/>
+      </a:lnRef>
+      <a:fillRef idx="1">
+        <a:scrgbClr r="0" g="0" b="0"/>
+      </a:fillRef>
+      <a:effectRef idx="0">
+        <a:scrgbClr r="0" g="0" b="0"/>
+      </a:effectRef>
+      <a:fontRef idx="minor">
+        <a:schemeClr val="lt1"/>
+      </a:fontRef>
+    </dgm:style>
+  </dgm:styleLbl>
+  <dgm:styleLbl name="asst3">
+    <dgm:scene3d>
+      <a:camera prst="orthographicFront"/>
+      <a:lightRig rig="threePt" dir="t"/>
+    </dgm:scene3d>
+    <dgm:sp3d/>
+    <dgm:txPr/>
+    <dgm:style>
+      <a:lnRef idx="2">
+        <a:scrgbClr r="0" g="0" b="0"/>
+      </a:lnRef>
+      <a:fillRef idx="1">
+        <a:scrgbClr r="0" g="0" b="0"/>
+      </a:fillRef>
+      <a:effectRef idx="0">
+        <a:scrgbClr r="0" g="0" b="0"/>
+      </a:effectRef>
+      <a:fontRef idx="minor">
+        <a:schemeClr val="lt1"/>
+      </a:fontRef>
+    </dgm:style>
+  </dgm:styleLbl>
+  <dgm:styleLbl name="asst4">
+    <dgm:scene3d>
+      <a:camera prst="orthographicFront"/>
+      <a:lightRig rig="threePt" dir="t"/>
+    </dgm:scene3d>
+    <dgm:sp3d/>
+    <dgm:txPr/>
+    <dgm:style>
+      <a:lnRef idx="2">
+        <a:scrgbClr r="0" g="0" b="0"/>
+      </a:lnRef>
+      <a:fillRef idx="1">
+        <a:scrgbClr r="0" g="0" b="0"/>
+      </a:fillRef>
+      <a:effectRef idx="0">
+        <a:scrgbClr r="0" g="0" b="0"/>
+      </a:effectRef>
+      <a:fontRef idx="minor">
+        <a:schemeClr val="lt1"/>
+      </a:fontRef>
+    </dgm:style>
+  </dgm:styleLbl>
+  <dgm:styleLbl name="parChTrans2D1">
+    <dgm:scene3d>
+      <a:camera prst="orthographicFront"/>
+      <a:lightRig rig="threePt" dir="t"/>
+    </dgm:scene3d>
+    <dgm:sp3d/>
+    <dgm:txPr/>
+    <dgm:style>
+      <a:lnRef idx="2">
+        <a:scrgbClr r="0" g="0" b="0"/>
+      </a:lnRef>
+      <a:fillRef idx="1">
+        <a:scrgbClr r="0" g="0" b="0"/>
+      </a:fillRef>
+      <a:effectRef idx="0">
+        <a:scrgbClr r="0" g="0" b="0"/>
+      </a:effectRef>
+      <a:fontRef idx="minor">
+        <a:schemeClr val="lt1"/>
+      </a:fontRef>
+    </dgm:style>
+  </dgm:styleLbl>
+  <dgm:styleLbl name="parChTrans2D2">
+    <dgm:scene3d>
+      <a:camera prst="orthographicFront"/>
+      <a:lightRig rig="threePt" dir="t"/>
+    </dgm:scene3d>
+    <dgm:sp3d/>
+    <dgm:txPr/>
+    <dgm:style>
+      <a:lnRef idx="2">
+        <a:scrgbClr r="0" g="0" b="0"/>
+      </a:lnRef>
+      <a:fillRef idx="1">
+        <a:scrgbClr r="0" g="0" b="0"/>
+      </a:fillRef>
+      <a:effectRef idx="0">
+        <a:scrgbClr r="0" g="0" b="0"/>
+      </a:effectRef>
+      <a:fontRef idx="minor">
+        <a:schemeClr val="lt1"/>
+      </a:fontRef>
+    </dgm:style>
+  </dgm:styleLbl>
+  <dgm:styleLbl name="parChTrans2D3">
+    <dgm:scene3d>
+      <a:camera prst="orthographicFront"/>
+      <a:lightRig rig="threePt" dir="t"/>
+    </dgm:scene3d>
+    <dgm:sp3d/>
+    <dgm:txPr/>
+    <dgm:style>
+      <a:lnRef idx="2">
+        <a:scrgbClr r="0" g="0" b="0"/>
+      </a:lnRef>
+      <a:fillRef idx="1">
+        <a:scrgbClr r="0" g="0" b="0"/>
+      </a:fillRef>
+      <a:effectRef idx="0">
+        <a:scrgbClr r="0" g="0" b="0"/>
+      </a:effectRef>
+      <a:fontRef idx="minor">
+        <a:schemeClr val="lt1"/>
+      </a:fontRef>
+    </dgm:style>
+  </dgm:styleLbl>
+  <dgm:styleLbl name="parChTrans2D4">
+    <dgm:scene3d>
+      <a:camera prst="orthographicFront"/>
+      <a:lightRig rig="threePt" dir="t"/>
+    </dgm:scene3d>
+    <dgm:sp3d/>
+    <dgm:txPr/>
+    <dgm:style>
+      <a:lnRef idx="2">
+        <a:scrgbClr r="0" g="0" b="0"/>
+      </a:lnRef>
+      <a:fillRef idx="1">
+        <a:scrgbClr r="0" g="0" b="0"/>
+      </a:fillRef>
+      <a:effectRef idx="0">
+        <a:scrgbClr r="0" g="0" b="0"/>
+      </a:effectRef>
+      <a:fontRef idx="minor">
+        <a:schemeClr val="lt1"/>
+      </a:fontRef>
+    </dgm:style>
+  </dgm:styleLbl>
+  <dgm:styleLbl name="parChTrans1D1">
+    <dgm:scene3d>
+      <a:camera prst="orthographicFront"/>
+      <a:lightRig rig="threePt" dir="t"/>
+    </dgm:scene3d>
+    <dgm:sp3d/>
+    <dgm:txPr/>
+    <dgm:style>
+      <a:lnRef idx="2">
+        <a:scrgbClr r="0" g="0" b="0"/>
+      </a:lnRef>
+      <a:fillRef idx="0">
+        <a:scrgbClr r="0" g="0" b="0"/>
+      </a:fillRef>
+      <a:effectRef idx="0">
+        <a:scrgbClr r="0" g="0" b="0"/>
+      </a:effectRef>
+      <a:fontRef idx="minor"/>
+    </dgm:style>
+  </dgm:styleLbl>
+  <dgm:styleLbl name="parChTrans1D2">
+    <dgm:scene3d>
+      <a:camera prst="orthographicFront"/>
+      <a:lightRig rig="threePt" dir="t"/>
+    </dgm:scene3d>
+    <dgm:sp3d/>
+    <dgm:txPr/>
+    <dgm:style>
+      <a:lnRef idx="2">
+        <a:scrgbClr r="0" g="0" b="0"/>
+      </a:lnRef>
+      <a:fillRef idx="0">
+        <a:scrgbClr r="0" g="0" b="0"/>
+      </a:fillRef>
+      <a:effectRef idx="0">
+        <a:scrgbClr r="0" g="0" b="0"/>
+      </a:effectRef>
+      <a:fontRef idx="minor"/>
+    </dgm:style>
+  </dgm:styleLbl>
+  <dgm:styleLbl name="parChTrans1D3">
+    <dgm:scene3d>
+      <a:camera prst="orthographicFront"/>
+      <a:lightRig rig="threePt" dir="t"/>
+    </dgm:scene3d>
+    <dgm:sp3d/>
+    <dgm:txPr/>
+    <dgm:style>
+      <a:lnRef idx="2">
+        <a:scrgbClr r="0" g="0" b="0"/>
+      </a:lnRef>
+      <a:fillRef idx="0">
+        <a:scrgbClr r="0" g="0" b="0"/>
+      </a:fillRef>
+      <a:effectRef idx="0">
+        <a:scrgbClr r="0" g="0" b="0"/>
+      </a:effectRef>
+      <a:fontRef idx="minor"/>
+    </dgm:style>
+  </dgm:styleLbl>
+  <dgm:styleLbl name="parChTrans1D4">
+    <dgm:scene3d>
+      <a:camera prst="orthographicFront"/>
+      <a:lightRig rig="threePt" dir="t"/>
+    </dgm:scene3d>
+    <dgm:sp3d/>
+    <dgm:txPr/>
+    <dgm:style>
+      <a:lnRef idx="2">
+        <a:scrgbClr r="0" g="0" b="0"/>
+      </a:lnRef>
+      <a:fillRef idx="0">
+        <a:scrgbClr r="0" g="0" b="0"/>
+      </a:fillRef>
+      <a:effectRef idx="0">
+        <a:scrgbClr r="0" g="0" b="0"/>
+      </a:effectRef>
+      <a:fontRef idx="minor"/>
+    </dgm:style>
+  </dgm:styleLbl>
+  <dgm:styleLbl name="fgAcc1">
+    <dgm:scene3d>
+      <a:camera prst="orthographicFront"/>
+      <a:lightRig rig="threePt" dir="t"/>
+    </dgm:scene3d>
+    <dgm:sp3d/>
+    <dgm:txPr/>
+    <dgm:style>
+      <a:lnRef idx="2">
+        <a:scrgbClr r="0" g="0" b="0"/>
+      </a:lnRef>
+      <a:fillRef idx="1">
+        <a:scrgbClr r="0" g="0" b="0"/>
+      </a:fillRef>
+      <a:effectRef idx="0">
+        <a:scrgbClr r="0" g="0" b="0"/>
+      </a:effectRef>
+      <a:fontRef idx="minor"/>
+    </dgm:style>
+  </dgm:styleLbl>
+  <dgm:styleLbl name="conFgAcc1">
+    <dgm:scene3d>
+      <a:camera prst="orthographicFront"/>
+      <a:lightRig rig="threePt" dir="t"/>
+    </dgm:scene3d>
+    <dgm:sp3d/>
+    <dgm:txPr/>
+    <dgm:style>
+      <a:lnRef idx="2">
+        <a:scrgbClr r="0" g="0" b="0"/>
+      </a:lnRef>
+      <a:fillRef idx="1">
+        <a:scrgbClr r="0" g="0" b="0"/>
+      </a:fillRef>
+      <a:effectRef idx="0">
+        <a:scrgbClr r="0" g="0" b="0"/>
+      </a:effectRef>
+      <a:fontRef idx="minor"/>
+    </dgm:style>
+  </dgm:styleLbl>
+  <dgm:styleLbl name="alignAcc1">
+    <dgm:scene3d>
+      <a:camera prst="orthographicFront"/>
+      <a:lightRig rig="threePt" dir="t"/>
+    </dgm:scene3d>
+    <dgm:sp3d/>
+    <dgm:txPr/>
+    <dgm:style>
+      <a:lnRef idx="2">
+        <a:scrgbClr r="0" g="0" b="0"/>
+      </a:lnRef>
+      <a:fillRef idx="1">
+        <a:scrgbClr r="0" g="0" b="0"/>
+      </a:fillRef>
+      <a:effectRef idx="0">
+        <a:scrgbClr r="0" g="0" b="0"/>
+      </a:effectRef>
+      <a:fontRef idx="minor"/>
+    </dgm:style>
+  </dgm:styleLbl>
+  <dgm:styleLbl name="trAlignAcc1">
+    <dgm:scene3d>
+      <a:camera prst="orthographicFront"/>
+      <a:lightRig rig="threePt" dir="t"/>
+    </dgm:scene3d>
+    <dgm:sp3d/>
+    <dgm:txPr/>
+    <dgm:style>
+      <a:lnRef idx="1">
+        <a:scrgbClr r="0" g="0" b="0"/>
+      </a:lnRef>
+      <a:fillRef idx="1">
+        <a:scrgbClr r="0" g="0" b="0"/>
+      </a:fillRef>
+      <a:effectRef idx="0">
+        <a:scrgbClr r="0" g="0" b="0"/>
+      </a:effectRef>
+      <a:fontRef idx="minor"/>
+    </dgm:style>
+  </dgm:styleLbl>
+  <dgm:styleLbl name="bgAcc1">
+    <dgm:scene3d>
+      <a:camera prst="orthographicFront"/>
+      <a:lightRig rig="threePt" dir="t"/>
+    </dgm:scene3d>
+    <dgm:sp3d/>
+    <dgm:txPr/>
+    <dgm:style>
+      <a:lnRef idx="2">
+        <a:scrgbClr r="0" g="0" b="0"/>
+      </a:lnRef>
+      <a:fillRef idx="1">
+        <a:scrgbClr r="0" g="0" b="0"/>
+      </a:fillRef>
+      <a:effectRef idx="0">
+        <a:scrgbClr r="0" g="0" b="0"/>
+      </a:effectRef>
+      <a:fontRef idx="minor"/>
+    </dgm:style>
+  </dgm:styleLbl>
+  <dgm:styleLbl name="solidFgAcc1">
+    <dgm:scene3d>
+      <a:camera prst="orthographicFront"/>
+      <a:lightRig rig="threePt" dir="t"/>
+    </dgm:scene3d>
+    <dgm:sp3d/>
+    <dgm:txPr/>
+    <dgm:style>
+      <a:lnRef idx="2">
+        <a:scrgbClr r="0" g="0" b="0"/>
+      </a:lnRef>
+      <a:fillRef idx="1">
+        <a:scrgbClr r="0" g="0" b="0"/>
+      </a:fillRef>
+      <a:effectRef idx="0">
+        <a:scrgbClr r="0" g="0" b="0"/>
+      </a:effectRef>
+      <a:fontRef idx="minor"/>
+    </dgm:style>
+  </dgm:styleLbl>
+  <dgm:styleLbl name="solidAlignAcc1">
+    <dgm:scene3d>
+      <a:camera prst="orthographicFront"/>
+      <a:lightRig rig="threePt" dir="t"/>
+    </dgm:scene3d>
+    <dgm:sp3d/>
+    <dgm:txPr/>
+    <dgm:style>
+      <a:lnRef idx="2">
+        <a:scrgbClr r="0" g="0" b="0"/>
+      </a:lnRef>
+      <a:fillRef idx="1">
+        <a:scrgbClr r="0" g="0" b="0"/>
+      </a:fillRef>
+      <a:effectRef idx="0">
+        <a:scrgbClr r="0" g="0" b="0"/>
+      </a:effectRef>
+      <a:fontRef idx="minor"/>
+    </dgm:style>
+  </dgm:styleLbl>
+  <dgm:styleLbl name="solidBgAcc1">
+    <dgm:scene3d>
+      <a:camera prst="orthographicFront"/>
+      <a:lightRig rig="threePt" dir="t"/>
+    </dgm:scene3d>
+    <dgm:sp3d/>
+    <dgm:txPr/>
+    <dgm:style>
+      <a:lnRef idx="2">
+        <a:scrgbClr r="0" g="0" b="0"/>
+      </a:lnRef>
+      <a:fillRef idx="1">
+        <a:scrgbClr r="0" g="0" b="0"/>
+      </a:fillRef>
+      <a:effectRef idx="0">
+        <a:scrgbClr r="0" g="0" b="0"/>
+      </a:effectRef>
+      <a:fontRef idx="minor"/>
+    </dgm:style>
+  </dgm:styleLbl>
+  <dgm:styleLbl name="fgAccFollowNode1">
+    <dgm:scene3d>
+      <a:camera prst="orthographicFront"/>
+      <a:lightRig rig="threePt" dir="t"/>
+    </dgm:scene3d>
+    <dgm:sp3d/>
+    <dgm:txPr/>
+    <dgm:style>
+      <a:lnRef idx="2">
+        <a:scrgbClr r="0" g="0" b="0"/>
+      </a:lnRef>
+      <a:fillRef idx="1">
+        <a:scrgbClr r="0" g="0" b="0"/>
+      </a:fillRef>
+      <a:effectRef idx="0">
+        <a:scrgbClr r="0" g="0" b="0"/>
+      </a:effectRef>
+      <a:fontRef idx="minor"/>
+    </dgm:style>
+  </dgm:styleLbl>
+  <dgm:styleLbl name="alignAccFollowNode1">
+    <dgm:scene3d>
+      <a:camera prst="orthographicFront"/>
+      <a:lightRig rig="threePt" dir="t"/>
+    </dgm:scene3d>
+    <dgm:sp3d/>
+    <dgm:txPr/>
+    <dgm:style>
+      <a:lnRef idx="2">
+        <a:scrgbClr r="0" g="0" b="0"/>
+      </a:lnRef>
+      <a:fillRef idx="1">
+        <a:scrgbClr r="0" g="0" b="0"/>
+      </a:fillRef>
+      <a:effectRef idx="0">
+        <a:scrgbClr r="0" g="0" b="0"/>
+      </a:effectRef>
+      <a:fontRef idx="minor"/>
+    </dgm:style>
+  </dgm:styleLbl>
+  <dgm:styleLbl name="bgAccFollowNode1">
+    <dgm:scene3d>
+      <a:camera prst="orthographicFront"/>
+      <a:lightRig rig="threePt" dir="t"/>
+    </dgm:scene3d>
+    <dgm:sp3d/>
+    <dgm:txPr/>
+    <dgm:style>
+      <a:lnRef idx="2">
+        <a:scrgbClr r="0" g="0" b="0"/>
+      </a:lnRef>
+      <a:fillRef idx="1">
+        <a:scrgbClr r="0" g="0" b="0"/>
+      </a:fillRef>
+      <a:effectRef idx="0">
+        <a:scrgbClr r="0" g="0" b="0"/>
+      </a:effectRef>
+      <a:fontRef idx="minor"/>
+    </dgm:style>
+  </dgm:styleLbl>
+  <dgm:styleLbl name="fgAcc0">
+    <dgm:scene3d>
+      <a:camera prst="orthographicFront"/>
+      <a:lightRig rig="threePt" dir="t"/>
+    </dgm:scene3d>
+    <dgm:sp3d/>
+    <dgm:txPr/>
+    <dgm:style>
+      <a:lnRef idx="2">
+        <a:scrgbClr r="0" g="0" b="0"/>
+      </a:lnRef>
+      <a:fillRef idx="1">
+        <a:scrgbClr r="0" g="0" b="0"/>
+      </a:fillRef>
+      <a:effectRef idx="0">
+        <a:scrgbClr r="0" g="0" b="0"/>
+      </a:effectRef>
+      <a:fontRef idx="minor"/>
+    </dgm:style>
+  </dgm:styleLbl>
+  <dgm:styleLbl name="fgAcc2">
+    <dgm:scene3d>
+      <a:camera prst="orthographicFront"/>
+      <a:lightRig rig="threePt" dir="t"/>
+    </dgm:scene3d>
+    <dgm:sp3d/>
+    <dgm:txPr/>
+    <dgm:style>
+      <a:lnRef idx="2">
+        <a:scrgbClr r="0" g="0" b="0"/>
+      </a:lnRef>
+      <a:fillRef idx="1">
+        <a:scrgbClr r="0" g="0" b="0"/>
+      </a:fillRef>
+      <a:effectRef idx="0">
+        <a:scrgbClr r="0" g="0" b="0"/>
+      </a:effectRef>
+      <a:fontRef idx="minor"/>
+    </dgm:style>
+  </dgm:styleLbl>
+  <dgm:styleLbl name="fgAcc3">
+    <dgm:scene3d>
+      <a:camera prst="orthographicFront"/>
+      <a:lightRig rig="threePt" dir="t"/>
+    </dgm:scene3d>
+    <dgm:sp3d/>
+    <dgm:txPr/>
+    <dgm:style>
+      <a:lnRef idx="2">
+        <a:scrgbClr r="0" g="0" b="0"/>
+      </a:lnRef>
+      <a:fillRef idx="1">
+        <a:scrgbClr r="0" g="0" b="0"/>
+      </a:fillRef>
+      <a:effectRef idx="0">
+        <a:scrgbClr r="0" g="0" b="0"/>
+      </a:effectRef>
+      <a:fontRef idx="minor"/>
+    </dgm:style>
+  </dgm:styleLbl>
+  <dgm:styleLbl name="fgAcc4">
+    <dgm:scene3d>
+      <a:camera prst="orthographicFront"/>
+      <a:lightRig rig="threePt" dir="t"/>
+    </dgm:scene3d>
+    <dgm:sp3d/>
+    <dgm:txPr/>
+    <dgm:style>
+      <a:lnRef idx="2">
+        <a:scrgbClr r="0" g="0" b="0"/>
+      </a:lnRef>
+      <a:fillRef idx="1">
+        <a:scrgbClr r="0" g="0" b="0"/>
+      </a:fillRef>
+      <a:effectRef idx="0">
+        <a:scrgbClr r="0" g="0" b="0"/>
+      </a:effectRef>
+      <a:fontRef idx="minor"/>
+    </dgm:style>
+  </dgm:styleLbl>
+  <dgm:styleLbl name="bgShp">
+    <dgm:scene3d>
+      <a:camera prst="orthographicFront"/>
+      <a:lightRig rig="threePt" dir="t"/>
+    </dgm:scene3d>
+    <dgm:sp3d/>
+    <dgm:txPr/>
+    <dgm:style>
+      <a:lnRef idx="0">
+        <a:scrgbClr r="0" g="0" b="0"/>
+      </a:lnRef>
+      <a:fillRef idx="1">
+        <a:scrgbClr r="0" g="0" b="0"/>
+      </a:fillRef>
+      <a:effectRef idx="0">
+        <a:scrgbClr r="0" g="0" b="0"/>
+      </a:effectRef>
+      <a:fontRef idx="minor"/>
+    </dgm:style>
+  </dgm:styleLbl>
+  <dgm:styleLbl name="dkBgShp">
+    <dgm:scene3d>
+      <a:camera prst="orthographicFront"/>
+      <a:lightRig rig="threePt" dir="t"/>
+    </dgm:scene3d>
+    <dgm:sp3d/>
+    <dgm:txPr/>
+    <dgm:style>
+      <a:lnRef idx="0">
+        <a:scrgbClr r="0" g="0" b="0"/>
+      </a:lnRef>
+      <a:fillRef idx="1">
+        <a:scrgbClr r="0" g="0" b="0"/>
+      </a:fillRef>
+      <a:effectRef idx="0">
+        <a:scrgbClr r="0" g="0" b="0"/>
+      </a:effectRef>
+      <a:fontRef idx="minor"/>
+    </dgm:style>
+  </dgm:styleLbl>
+  <dgm:styleLbl name="trBgShp">
+    <dgm:scene3d>
+      <a:camera prst="orthographicFront"/>
+      <a:lightRig rig="threePt" dir="t"/>
+    </dgm:scene3d>
+    <dgm:sp3d/>
+    <dgm:txPr/>
+    <dgm:style>
+      <a:lnRef idx="0">
+        <a:scrgbClr r="0" g="0" b="0"/>
+      </a:lnRef>
+      <a:fillRef idx="1">
+        <a:scrgbClr r="0" g="0" b="0"/>
+      </a:fillRef>
+      <a:effectRef idx="0">
+        <a:scrgbClr r="0" g="0" b="0"/>
+      </a:effectRef>
+      <a:fontRef idx="minor"/>
+    </dgm:style>
+  </dgm:styleLbl>
+  <dgm:styleLbl name="fgShp">
+    <dgm:scene3d>
+      <a:camera prst="orthographicFront"/>
+      <a:lightRig rig="threePt" dir="t"/>
+    </dgm:scene3d>
+    <dgm:sp3d/>
+    <dgm:txPr/>
+    <dgm:style>
+      <a:lnRef idx="2">
+        <a:scrgbClr r="0" g="0" b="0"/>
+      </a:lnRef>
+      <a:fillRef idx="1">
+        <a:scrgbClr r="0" g="0" b="0"/>
+      </a:fillRef>
+      <a:effectRef idx="0">
+        <a:scrgbClr r="0" g="0" b="0"/>
+      </a:effectRef>
+      <a:fontRef idx="minor"/>
+    </dgm:style>
+  </dgm:styleLbl>
+  <dgm:styleLbl name="revTx">
+    <dgm:scene3d>
+      <a:camera prst="orthographicFront"/>
+      <a:lightRig rig="threePt" dir="t"/>
+    </dgm:scene3d>
+    <dgm:sp3d/>
+    <dgm:txPr/>
+    <dgm:style>
+      <a:lnRef idx="0">
+        <a:scrgbClr r="0" g="0" b="0"/>
+      </a:lnRef>
+      <a:fillRef idx="0">
+        <a:scrgbClr r="0" g="0" b="0"/>
+      </a:fillRef>
+      <a:effectRef idx="0">
+        <a:scrgbClr r="0" g="0" b="0"/>
+      </a:effectRef>
+      <a:fontRef idx="minor"/>
+    </dgm:style>
+  </dgm:styleLbl>
+</dgm:styleDef>
+</file>
+
+<file path=ppt/diagrams/quickStyle3.xml><?xml version="1.0" encoding="utf-8"?>
 <dgm:styleDef xmlns:dgm="http://schemas.openxmlformats.org/drawingml/2006/diagram" xmlns:a="http://schemas.openxmlformats.org/drawingml/2006/main" uniqueId="urn:microsoft.com/office/officeart/2005/8/quickstyle/simple1">
   <dgm:title val=""/>
   <dgm:desc val=""/>
@@ -14746,6 +18257,1072 @@
           <a:chExt cx="0" cy="0"/>
         </a:xfrm>
       </p:grpSpPr>
+      <p:sp>
+        <p:nvSpPr>
+          <p:cNvPr id="10" name="Freeform: Shape 9">
+            <a:extLst>
+              <a:ext uri="{FF2B5EF4-FFF2-40B4-BE49-F238E27FC236}">
+                <a16:creationId xmlns:a16="http://schemas.microsoft.com/office/drawing/2014/main" id="{BC244193-7A24-40EF-BA71-A0E95B78CF0B}"/>
+              </a:ext>
+            </a:extLst>
+          </p:cNvPr>
+          <p:cNvSpPr/>
+          <p:nvPr/>
+        </p:nvSpPr>
+        <p:spPr>
+          <a:xfrm>
+            <a:off x="1548689" y="2716571"/>
+            <a:ext cx="1358800" cy="1358800"/>
+          </a:xfrm>
+          <a:custGeom>
+            <a:avLst/>
+            <a:gdLst>
+              <a:gd name="connsiteX0" fmla="*/ 0 w 1358800"/>
+              <a:gd name="connsiteY0" fmla="*/ 679400 h 1358800"/>
+              <a:gd name="connsiteX1" fmla="*/ 679400 w 1358800"/>
+              <a:gd name="connsiteY1" fmla="*/ 0 h 1358800"/>
+              <a:gd name="connsiteX2" fmla="*/ 1358800 w 1358800"/>
+              <a:gd name="connsiteY2" fmla="*/ 679400 h 1358800"/>
+              <a:gd name="connsiteX3" fmla="*/ 679400 w 1358800"/>
+              <a:gd name="connsiteY3" fmla="*/ 1358800 h 1358800"/>
+              <a:gd name="connsiteX4" fmla="*/ 0 w 1358800"/>
+              <a:gd name="connsiteY4" fmla="*/ 679400 h 1358800"/>
+            </a:gdLst>
+            <a:ahLst/>
+            <a:cxnLst>
+              <a:cxn ang="0">
+                <a:pos x="connsiteX0" y="connsiteY0"/>
+              </a:cxn>
+              <a:cxn ang="0">
+                <a:pos x="connsiteX1" y="connsiteY1"/>
+              </a:cxn>
+              <a:cxn ang="0">
+                <a:pos x="connsiteX2" y="connsiteY2"/>
+              </a:cxn>
+              <a:cxn ang="0">
+                <a:pos x="connsiteX3" y="connsiteY3"/>
+              </a:cxn>
+              <a:cxn ang="0">
+                <a:pos x="connsiteX4" y="connsiteY4"/>
+              </a:cxn>
+            </a:cxnLst>
+            <a:rect l="l" t="t" r="r" b="b"/>
+            <a:pathLst>
+              <a:path w="1358800" h="1358800">
+                <a:moveTo>
+                  <a:pt x="0" y="679400"/>
+                </a:moveTo>
+                <a:cubicBezTo>
+                  <a:pt x="0" y="304178"/>
+                  <a:pt x="304178" y="0"/>
+                  <a:pt x="679400" y="0"/>
+                </a:cubicBezTo>
+                <a:cubicBezTo>
+                  <a:pt x="1054622" y="0"/>
+                  <a:pt x="1358800" y="304178"/>
+                  <a:pt x="1358800" y="679400"/>
+                </a:cubicBezTo>
+                <a:cubicBezTo>
+                  <a:pt x="1358800" y="1054622"/>
+                  <a:pt x="1054622" y="1358800"/>
+                  <a:pt x="679400" y="1358800"/>
+                </a:cubicBezTo>
+                <a:cubicBezTo>
+                  <a:pt x="304178" y="1358800"/>
+                  <a:pt x="0" y="1054622"/>
+                  <a:pt x="0" y="679400"/>
+                </a:cubicBezTo>
+                <a:close/>
+              </a:path>
+            </a:pathLst>
+          </a:custGeom>
+          <a:solidFill>
+            <a:srgbClr val="50CE32"/>
+          </a:solidFill>
+        </p:spPr>
+        <p:style>
+          <a:lnRef idx="2">
+            <a:schemeClr val="lt1">
+              <a:hueOff val="0"/>
+              <a:satOff val="0"/>
+              <a:lumOff val="0"/>
+              <a:alphaOff val="0"/>
+            </a:schemeClr>
+          </a:lnRef>
+          <a:fillRef idx="1">
+            <a:schemeClr val="accent1">
+              <a:hueOff val="0"/>
+              <a:satOff val="0"/>
+              <a:lumOff val="0"/>
+              <a:alphaOff val="0"/>
+            </a:schemeClr>
+          </a:fillRef>
+          <a:effectRef idx="0">
+            <a:schemeClr val="accent1">
+              <a:hueOff val="0"/>
+              <a:satOff val="0"/>
+              <a:lumOff val="0"/>
+              <a:alphaOff val="0"/>
+            </a:schemeClr>
+          </a:effectRef>
+          <a:fontRef idx="minor">
+            <a:schemeClr val="lt1"/>
+          </a:fontRef>
+        </p:style>
+        <p:txBody>
+          <a:bodyPr spcFirstLastPara="0" vert="horz" wrap="square" lIns="228202" tIns="228202" rIns="228202" bIns="228202" numCol="1" spcCol="1270" anchor="ctr" anchorCtr="0">
+            <a:noAutofit/>
+          </a:bodyPr>
+          <a:lstStyle/>
+          <a:p>
+            <a:pPr marL="0" lvl="0" indent="0" algn="ctr" defTabSz="1022350">
+              <a:lnSpc>
+                <a:spcPct val="90000"/>
+              </a:lnSpc>
+              <a:spcBef>
+                <a:spcPct val="0"/>
+              </a:spcBef>
+              <a:spcAft>
+                <a:spcPct val="35000"/>
+              </a:spcAft>
+              <a:buNone/>
+            </a:pPr>
+            <a:r>
+              <a:rPr lang="en-US" sz="2400" kern="1200" dirty="0">
+                <a:latin typeface="TH Sarabun New" panose="020B0500040200020003" pitchFamily="34" charset="-34"/>
+                <a:cs typeface="TH Sarabun New" panose="020B0500040200020003" pitchFamily="34" charset="-34"/>
+              </a:rPr>
+              <a:t>Input</a:t>
+            </a:r>
+          </a:p>
+        </p:txBody>
+      </p:sp>
+      <p:sp>
+        <p:nvSpPr>
+          <p:cNvPr id="11" name="Freeform: Shape 10">
+            <a:extLst>
+              <a:ext uri="{FF2B5EF4-FFF2-40B4-BE49-F238E27FC236}">
+                <a16:creationId xmlns:a16="http://schemas.microsoft.com/office/drawing/2014/main" id="{90CB70BF-1D3A-42C8-80D0-FB003DABDCBC}"/>
+              </a:ext>
+            </a:extLst>
+          </p:cNvPr>
+          <p:cNvSpPr/>
+          <p:nvPr/>
+        </p:nvSpPr>
+        <p:spPr>
+          <a:xfrm>
+            <a:off x="3017824" y="3001919"/>
+            <a:ext cx="788104" cy="788104"/>
+          </a:xfrm>
+          <a:custGeom>
+            <a:avLst/>
+            <a:gdLst>
+              <a:gd name="connsiteX0" fmla="*/ 104463 w 788104"/>
+              <a:gd name="connsiteY0" fmla="*/ 301371 h 788104"/>
+              <a:gd name="connsiteX1" fmla="*/ 301371 w 788104"/>
+              <a:gd name="connsiteY1" fmla="*/ 301371 h 788104"/>
+              <a:gd name="connsiteX2" fmla="*/ 301371 w 788104"/>
+              <a:gd name="connsiteY2" fmla="*/ 104463 h 788104"/>
+              <a:gd name="connsiteX3" fmla="*/ 486733 w 788104"/>
+              <a:gd name="connsiteY3" fmla="*/ 104463 h 788104"/>
+              <a:gd name="connsiteX4" fmla="*/ 486733 w 788104"/>
+              <a:gd name="connsiteY4" fmla="*/ 301371 h 788104"/>
+              <a:gd name="connsiteX5" fmla="*/ 683641 w 788104"/>
+              <a:gd name="connsiteY5" fmla="*/ 301371 h 788104"/>
+              <a:gd name="connsiteX6" fmla="*/ 683641 w 788104"/>
+              <a:gd name="connsiteY6" fmla="*/ 486733 h 788104"/>
+              <a:gd name="connsiteX7" fmla="*/ 486733 w 788104"/>
+              <a:gd name="connsiteY7" fmla="*/ 486733 h 788104"/>
+              <a:gd name="connsiteX8" fmla="*/ 486733 w 788104"/>
+              <a:gd name="connsiteY8" fmla="*/ 683641 h 788104"/>
+              <a:gd name="connsiteX9" fmla="*/ 301371 w 788104"/>
+              <a:gd name="connsiteY9" fmla="*/ 683641 h 788104"/>
+              <a:gd name="connsiteX10" fmla="*/ 301371 w 788104"/>
+              <a:gd name="connsiteY10" fmla="*/ 486733 h 788104"/>
+              <a:gd name="connsiteX11" fmla="*/ 104463 w 788104"/>
+              <a:gd name="connsiteY11" fmla="*/ 486733 h 788104"/>
+              <a:gd name="connsiteX12" fmla="*/ 104463 w 788104"/>
+              <a:gd name="connsiteY12" fmla="*/ 301371 h 788104"/>
+            </a:gdLst>
+            <a:ahLst/>
+            <a:cxnLst>
+              <a:cxn ang="0">
+                <a:pos x="connsiteX0" y="connsiteY0"/>
+              </a:cxn>
+              <a:cxn ang="0">
+                <a:pos x="connsiteX1" y="connsiteY1"/>
+              </a:cxn>
+              <a:cxn ang="0">
+                <a:pos x="connsiteX2" y="connsiteY2"/>
+              </a:cxn>
+              <a:cxn ang="0">
+                <a:pos x="connsiteX3" y="connsiteY3"/>
+              </a:cxn>
+              <a:cxn ang="0">
+                <a:pos x="connsiteX4" y="connsiteY4"/>
+              </a:cxn>
+              <a:cxn ang="0">
+                <a:pos x="connsiteX5" y="connsiteY5"/>
+              </a:cxn>
+              <a:cxn ang="0">
+                <a:pos x="connsiteX6" y="connsiteY6"/>
+              </a:cxn>
+              <a:cxn ang="0">
+                <a:pos x="connsiteX7" y="connsiteY7"/>
+              </a:cxn>
+              <a:cxn ang="0">
+                <a:pos x="connsiteX8" y="connsiteY8"/>
+              </a:cxn>
+              <a:cxn ang="0">
+                <a:pos x="connsiteX9" y="connsiteY9"/>
+              </a:cxn>
+              <a:cxn ang="0">
+                <a:pos x="connsiteX10" y="connsiteY10"/>
+              </a:cxn>
+              <a:cxn ang="0">
+                <a:pos x="connsiteX11" y="connsiteY11"/>
+              </a:cxn>
+              <a:cxn ang="0">
+                <a:pos x="connsiteX12" y="connsiteY12"/>
+              </a:cxn>
+            </a:cxnLst>
+            <a:rect l="l" t="t" r="r" b="b"/>
+            <a:pathLst>
+              <a:path w="788104" h="788104">
+                <a:moveTo>
+                  <a:pt x="104463" y="301371"/>
+                </a:moveTo>
+                <a:lnTo>
+                  <a:pt x="301371" y="301371"/>
+                </a:lnTo>
+                <a:lnTo>
+                  <a:pt x="301371" y="104463"/>
+                </a:lnTo>
+                <a:lnTo>
+                  <a:pt x="486733" y="104463"/>
+                </a:lnTo>
+                <a:lnTo>
+                  <a:pt x="486733" y="301371"/>
+                </a:lnTo>
+                <a:lnTo>
+                  <a:pt x="683641" y="301371"/>
+                </a:lnTo>
+                <a:lnTo>
+                  <a:pt x="683641" y="486733"/>
+                </a:lnTo>
+                <a:lnTo>
+                  <a:pt x="486733" y="486733"/>
+                </a:lnTo>
+                <a:lnTo>
+                  <a:pt x="486733" y="683641"/>
+                </a:lnTo>
+                <a:lnTo>
+                  <a:pt x="301371" y="683641"/>
+                </a:lnTo>
+                <a:lnTo>
+                  <a:pt x="301371" y="486733"/>
+                </a:lnTo>
+                <a:lnTo>
+                  <a:pt x="104463" y="486733"/>
+                </a:lnTo>
+                <a:lnTo>
+                  <a:pt x="104463" y="301371"/>
+                </a:lnTo>
+                <a:close/>
+              </a:path>
+            </a:pathLst>
+          </a:custGeom>
+        </p:spPr>
+        <p:style>
+          <a:lnRef idx="0">
+            <a:schemeClr val="accent1">
+              <a:tint val="60000"/>
+              <a:hueOff val="0"/>
+              <a:satOff val="0"/>
+              <a:lumOff val="0"/>
+              <a:alphaOff val="0"/>
+            </a:schemeClr>
+          </a:lnRef>
+          <a:fillRef idx="1">
+            <a:schemeClr val="accent1">
+              <a:tint val="60000"/>
+              <a:hueOff val="0"/>
+              <a:satOff val="0"/>
+              <a:lumOff val="0"/>
+              <a:alphaOff val="0"/>
+            </a:schemeClr>
+          </a:fillRef>
+          <a:effectRef idx="0">
+            <a:schemeClr val="accent1">
+              <a:tint val="60000"/>
+              <a:hueOff val="0"/>
+              <a:satOff val="0"/>
+              <a:lumOff val="0"/>
+              <a:alphaOff val="0"/>
+            </a:schemeClr>
+          </a:effectRef>
+          <a:fontRef idx="minor">
+            <a:schemeClr val="lt1"/>
+          </a:fontRef>
+        </p:style>
+        <p:txBody>
+          <a:bodyPr spcFirstLastPara="0" vert="horz" wrap="square" lIns="104463" tIns="301371" rIns="104463" bIns="301371" numCol="1" spcCol="1270" anchor="ctr" anchorCtr="0">
+            <a:noAutofit/>
+          </a:bodyPr>
+          <a:lstStyle/>
+          <a:p>
+            <a:pPr marL="0" lvl="0" indent="0" algn="ctr" defTabSz="622300">
+              <a:lnSpc>
+                <a:spcPct val="90000"/>
+              </a:lnSpc>
+              <a:spcBef>
+                <a:spcPct val="0"/>
+              </a:spcBef>
+              <a:spcAft>
+                <a:spcPct val="35000"/>
+              </a:spcAft>
+              <a:buNone/>
+            </a:pPr>
+            <a:endParaRPr lang="en-US" sz="1400" kern="1200"/>
+          </a:p>
+        </p:txBody>
+      </p:sp>
+      <p:sp>
+        <p:nvSpPr>
+          <p:cNvPr id="12" name="Freeform: Shape 11">
+            <a:extLst>
+              <a:ext uri="{FF2B5EF4-FFF2-40B4-BE49-F238E27FC236}">
+                <a16:creationId xmlns:a16="http://schemas.microsoft.com/office/drawing/2014/main" id="{DA01C09C-92FB-4FE2-B78F-D54E436A33A5}"/>
+              </a:ext>
+            </a:extLst>
+          </p:cNvPr>
+          <p:cNvSpPr/>
+          <p:nvPr/>
+        </p:nvSpPr>
+        <p:spPr>
+          <a:xfrm>
+            <a:off x="3916263" y="2716571"/>
+            <a:ext cx="1358800" cy="1358800"/>
+          </a:xfrm>
+          <a:custGeom>
+            <a:avLst/>
+            <a:gdLst>
+              <a:gd name="connsiteX0" fmla="*/ 0 w 1358800"/>
+              <a:gd name="connsiteY0" fmla="*/ 679400 h 1358800"/>
+              <a:gd name="connsiteX1" fmla="*/ 679400 w 1358800"/>
+              <a:gd name="connsiteY1" fmla="*/ 0 h 1358800"/>
+              <a:gd name="connsiteX2" fmla="*/ 1358800 w 1358800"/>
+              <a:gd name="connsiteY2" fmla="*/ 679400 h 1358800"/>
+              <a:gd name="connsiteX3" fmla="*/ 679400 w 1358800"/>
+              <a:gd name="connsiteY3" fmla="*/ 1358800 h 1358800"/>
+              <a:gd name="connsiteX4" fmla="*/ 0 w 1358800"/>
+              <a:gd name="connsiteY4" fmla="*/ 679400 h 1358800"/>
+            </a:gdLst>
+            <a:ahLst/>
+            <a:cxnLst>
+              <a:cxn ang="0">
+                <a:pos x="connsiteX0" y="connsiteY0"/>
+              </a:cxn>
+              <a:cxn ang="0">
+                <a:pos x="connsiteX1" y="connsiteY1"/>
+              </a:cxn>
+              <a:cxn ang="0">
+                <a:pos x="connsiteX2" y="connsiteY2"/>
+              </a:cxn>
+              <a:cxn ang="0">
+                <a:pos x="connsiteX3" y="connsiteY3"/>
+              </a:cxn>
+              <a:cxn ang="0">
+                <a:pos x="connsiteX4" y="connsiteY4"/>
+              </a:cxn>
+            </a:cxnLst>
+            <a:rect l="l" t="t" r="r" b="b"/>
+            <a:pathLst>
+              <a:path w="1358800" h="1358800">
+                <a:moveTo>
+                  <a:pt x="0" y="679400"/>
+                </a:moveTo>
+                <a:cubicBezTo>
+                  <a:pt x="0" y="304178"/>
+                  <a:pt x="304178" y="0"/>
+                  <a:pt x="679400" y="0"/>
+                </a:cubicBezTo>
+                <a:cubicBezTo>
+                  <a:pt x="1054622" y="0"/>
+                  <a:pt x="1358800" y="304178"/>
+                  <a:pt x="1358800" y="679400"/>
+                </a:cubicBezTo>
+                <a:cubicBezTo>
+                  <a:pt x="1358800" y="1054622"/>
+                  <a:pt x="1054622" y="1358800"/>
+                  <a:pt x="679400" y="1358800"/>
+                </a:cubicBezTo>
+                <a:cubicBezTo>
+                  <a:pt x="304178" y="1358800"/>
+                  <a:pt x="0" y="1054622"/>
+                  <a:pt x="0" y="679400"/>
+                </a:cubicBezTo>
+                <a:close/>
+              </a:path>
+            </a:pathLst>
+          </a:custGeom>
+          <a:solidFill>
+            <a:srgbClr val="92D050"/>
+          </a:solidFill>
+        </p:spPr>
+        <p:style>
+          <a:lnRef idx="2">
+            <a:schemeClr val="lt1">
+              <a:hueOff val="0"/>
+              <a:satOff val="0"/>
+              <a:lumOff val="0"/>
+              <a:alphaOff val="0"/>
+            </a:schemeClr>
+          </a:lnRef>
+          <a:fillRef idx="1">
+            <a:schemeClr val="accent1">
+              <a:hueOff val="0"/>
+              <a:satOff val="0"/>
+              <a:lumOff val="0"/>
+              <a:alphaOff val="0"/>
+            </a:schemeClr>
+          </a:fillRef>
+          <a:effectRef idx="0">
+            <a:schemeClr val="accent1">
+              <a:hueOff val="0"/>
+              <a:satOff val="0"/>
+              <a:lumOff val="0"/>
+              <a:alphaOff val="0"/>
+            </a:schemeClr>
+          </a:effectRef>
+          <a:fontRef idx="minor">
+            <a:schemeClr val="lt1"/>
+          </a:fontRef>
+        </p:style>
+        <p:txBody>
+          <a:bodyPr spcFirstLastPara="0" vert="horz" wrap="square" lIns="228202" tIns="228202" rIns="228202" bIns="228202" numCol="1" spcCol="1270" anchor="ctr" anchorCtr="0">
+            <a:noAutofit/>
+          </a:bodyPr>
+          <a:lstStyle/>
+          <a:p>
+            <a:pPr marL="0" lvl="0" indent="0" algn="ctr" defTabSz="1022350">
+              <a:lnSpc>
+                <a:spcPct val="90000"/>
+              </a:lnSpc>
+              <a:spcBef>
+                <a:spcPct val="0"/>
+              </a:spcBef>
+              <a:spcAft>
+                <a:spcPct val="35000"/>
+              </a:spcAft>
+              <a:buNone/>
+            </a:pPr>
+            <a:r>
+              <a:rPr lang="en-US" sz="2400" kern="1200" dirty="0">
+                <a:latin typeface="TH Sarabun New" panose="020B0500040200020003" pitchFamily="34" charset="-34"/>
+                <a:cs typeface="TH Sarabun New" panose="020B0500040200020003" pitchFamily="34" charset="-34"/>
+              </a:rPr>
+              <a:t>Model</a:t>
+            </a:r>
+          </a:p>
+        </p:txBody>
+      </p:sp>
+      <p:sp>
+        <p:nvSpPr>
+          <p:cNvPr id="13" name="Freeform: Shape 12">
+            <a:extLst>
+              <a:ext uri="{FF2B5EF4-FFF2-40B4-BE49-F238E27FC236}">
+                <a16:creationId xmlns:a16="http://schemas.microsoft.com/office/drawing/2014/main" id="{C3944E32-976E-4497-91BB-467E59A95734}"/>
+              </a:ext>
+            </a:extLst>
+          </p:cNvPr>
+          <p:cNvSpPr/>
+          <p:nvPr/>
+        </p:nvSpPr>
+        <p:spPr>
+          <a:xfrm>
+            <a:off x="5385399" y="3001919"/>
+            <a:ext cx="788104" cy="788104"/>
+          </a:xfrm>
+          <a:custGeom>
+            <a:avLst/>
+            <a:gdLst>
+              <a:gd name="connsiteX0" fmla="*/ 104463 w 788104"/>
+              <a:gd name="connsiteY0" fmla="*/ 162349 h 788104"/>
+              <a:gd name="connsiteX1" fmla="*/ 683641 w 788104"/>
+              <a:gd name="connsiteY1" fmla="*/ 162349 h 788104"/>
+              <a:gd name="connsiteX2" fmla="*/ 683641 w 788104"/>
+              <a:gd name="connsiteY2" fmla="*/ 347711 h 788104"/>
+              <a:gd name="connsiteX3" fmla="*/ 104463 w 788104"/>
+              <a:gd name="connsiteY3" fmla="*/ 347711 h 788104"/>
+              <a:gd name="connsiteX4" fmla="*/ 104463 w 788104"/>
+              <a:gd name="connsiteY4" fmla="*/ 162349 h 788104"/>
+              <a:gd name="connsiteX5" fmla="*/ 104463 w 788104"/>
+              <a:gd name="connsiteY5" fmla="*/ 440393 h 788104"/>
+              <a:gd name="connsiteX6" fmla="*/ 683641 w 788104"/>
+              <a:gd name="connsiteY6" fmla="*/ 440393 h 788104"/>
+              <a:gd name="connsiteX7" fmla="*/ 683641 w 788104"/>
+              <a:gd name="connsiteY7" fmla="*/ 625755 h 788104"/>
+              <a:gd name="connsiteX8" fmla="*/ 104463 w 788104"/>
+              <a:gd name="connsiteY8" fmla="*/ 625755 h 788104"/>
+              <a:gd name="connsiteX9" fmla="*/ 104463 w 788104"/>
+              <a:gd name="connsiteY9" fmla="*/ 440393 h 788104"/>
+            </a:gdLst>
+            <a:ahLst/>
+            <a:cxnLst>
+              <a:cxn ang="0">
+                <a:pos x="connsiteX0" y="connsiteY0"/>
+              </a:cxn>
+              <a:cxn ang="0">
+                <a:pos x="connsiteX1" y="connsiteY1"/>
+              </a:cxn>
+              <a:cxn ang="0">
+                <a:pos x="connsiteX2" y="connsiteY2"/>
+              </a:cxn>
+              <a:cxn ang="0">
+                <a:pos x="connsiteX3" y="connsiteY3"/>
+              </a:cxn>
+              <a:cxn ang="0">
+                <a:pos x="connsiteX4" y="connsiteY4"/>
+              </a:cxn>
+              <a:cxn ang="0">
+                <a:pos x="connsiteX5" y="connsiteY5"/>
+              </a:cxn>
+              <a:cxn ang="0">
+                <a:pos x="connsiteX6" y="connsiteY6"/>
+              </a:cxn>
+              <a:cxn ang="0">
+                <a:pos x="connsiteX7" y="connsiteY7"/>
+              </a:cxn>
+              <a:cxn ang="0">
+                <a:pos x="connsiteX8" y="connsiteY8"/>
+              </a:cxn>
+              <a:cxn ang="0">
+                <a:pos x="connsiteX9" y="connsiteY9"/>
+              </a:cxn>
+            </a:cxnLst>
+            <a:rect l="l" t="t" r="r" b="b"/>
+            <a:pathLst>
+              <a:path w="788104" h="788104">
+                <a:moveTo>
+                  <a:pt x="104463" y="162349"/>
+                </a:moveTo>
+                <a:lnTo>
+                  <a:pt x="683641" y="162349"/>
+                </a:lnTo>
+                <a:lnTo>
+                  <a:pt x="683641" y="347711"/>
+                </a:lnTo>
+                <a:lnTo>
+                  <a:pt x="104463" y="347711"/>
+                </a:lnTo>
+                <a:lnTo>
+                  <a:pt x="104463" y="162349"/>
+                </a:lnTo>
+                <a:close/>
+                <a:moveTo>
+                  <a:pt x="104463" y="440393"/>
+                </a:moveTo>
+                <a:lnTo>
+                  <a:pt x="683641" y="440393"/>
+                </a:lnTo>
+                <a:lnTo>
+                  <a:pt x="683641" y="625755"/>
+                </a:lnTo>
+                <a:lnTo>
+                  <a:pt x="104463" y="625755"/>
+                </a:lnTo>
+                <a:lnTo>
+                  <a:pt x="104463" y="440393"/>
+                </a:lnTo>
+                <a:close/>
+              </a:path>
+            </a:pathLst>
+          </a:custGeom>
+        </p:spPr>
+        <p:style>
+          <a:lnRef idx="0">
+            <a:schemeClr val="accent1">
+              <a:tint val="60000"/>
+              <a:hueOff val="0"/>
+              <a:satOff val="0"/>
+              <a:lumOff val="0"/>
+              <a:alphaOff val="0"/>
+            </a:schemeClr>
+          </a:lnRef>
+          <a:fillRef idx="1">
+            <a:schemeClr val="accent1">
+              <a:tint val="60000"/>
+              <a:hueOff val="0"/>
+              <a:satOff val="0"/>
+              <a:lumOff val="0"/>
+              <a:alphaOff val="0"/>
+            </a:schemeClr>
+          </a:fillRef>
+          <a:effectRef idx="0">
+            <a:schemeClr val="accent1">
+              <a:tint val="60000"/>
+              <a:hueOff val="0"/>
+              <a:satOff val="0"/>
+              <a:lumOff val="0"/>
+              <a:alphaOff val="0"/>
+            </a:schemeClr>
+          </a:effectRef>
+          <a:fontRef idx="minor">
+            <a:schemeClr val="lt1"/>
+          </a:fontRef>
+        </p:style>
+        <p:txBody>
+          <a:bodyPr spcFirstLastPara="0" vert="horz" wrap="square" lIns="104463" tIns="162349" rIns="104463" bIns="162349" numCol="1" spcCol="1270" anchor="ctr" anchorCtr="0">
+            <a:noAutofit/>
+          </a:bodyPr>
+          <a:lstStyle/>
+          <a:p>
+            <a:pPr marL="0" lvl="0" indent="0" algn="ctr" defTabSz="1111250">
+              <a:lnSpc>
+                <a:spcPct val="90000"/>
+              </a:lnSpc>
+              <a:spcBef>
+                <a:spcPct val="0"/>
+              </a:spcBef>
+              <a:spcAft>
+                <a:spcPct val="35000"/>
+              </a:spcAft>
+              <a:buNone/>
+            </a:pPr>
+            <a:endParaRPr lang="en-US" sz="2500" kern="1200"/>
+          </a:p>
+        </p:txBody>
+      </p:sp>
+      <p:sp>
+        <p:nvSpPr>
+          <p:cNvPr id="14" name="Freeform: Shape 13">
+            <a:extLst>
+              <a:ext uri="{FF2B5EF4-FFF2-40B4-BE49-F238E27FC236}">
+                <a16:creationId xmlns:a16="http://schemas.microsoft.com/office/drawing/2014/main" id="{DBF96BDE-ECB8-43AC-BF35-F5BC53CF03F8}"/>
+              </a:ext>
+            </a:extLst>
+          </p:cNvPr>
+          <p:cNvSpPr/>
+          <p:nvPr/>
+        </p:nvSpPr>
+        <p:spPr>
+          <a:xfrm>
+            <a:off x="6283838" y="2716571"/>
+            <a:ext cx="1358800" cy="1358800"/>
+          </a:xfrm>
+          <a:custGeom>
+            <a:avLst/>
+            <a:gdLst>
+              <a:gd name="connsiteX0" fmla="*/ 0 w 1358800"/>
+              <a:gd name="connsiteY0" fmla="*/ 679400 h 1358800"/>
+              <a:gd name="connsiteX1" fmla="*/ 679400 w 1358800"/>
+              <a:gd name="connsiteY1" fmla="*/ 0 h 1358800"/>
+              <a:gd name="connsiteX2" fmla="*/ 1358800 w 1358800"/>
+              <a:gd name="connsiteY2" fmla="*/ 679400 h 1358800"/>
+              <a:gd name="connsiteX3" fmla="*/ 679400 w 1358800"/>
+              <a:gd name="connsiteY3" fmla="*/ 1358800 h 1358800"/>
+              <a:gd name="connsiteX4" fmla="*/ 0 w 1358800"/>
+              <a:gd name="connsiteY4" fmla="*/ 679400 h 1358800"/>
+            </a:gdLst>
+            <a:ahLst/>
+            <a:cxnLst>
+              <a:cxn ang="0">
+                <a:pos x="connsiteX0" y="connsiteY0"/>
+              </a:cxn>
+              <a:cxn ang="0">
+                <a:pos x="connsiteX1" y="connsiteY1"/>
+              </a:cxn>
+              <a:cxn ang="0">
+                <a:pos x="connsiteX2" y="connsiteY2"/>
+              </a:cxn>
+              <a:cxn ang="0">
+                <a:pos x="connsiteX3" y="connsiteY3"/>
+              </a:cxn>
+              <a:cxn ang="0">
+                <a:pos x="connsiteX4" y="connsiteY4"/>
+              </a:cxn>
+            </a:cxnLst>
+            <a:rect l="l" t="t" r="r" b="b"/>
+            <a:pathLst>
+              <a:path w="1358800" h="1358800">
+                <a:moveTo>
+                  <a:pt x="0" y="679400"/>
+                </a:moveTo>
+                <a:cubicBezTo>
+                  <a:pt x="0" y="304178"/>
+                  <a:pt x="304178" y="0"/>
+                  <a:pt x="679400" y="0"/>
+                </a:cubicBezTo>
+                <a:cubicBezTo>
+                  <a:pt x="1054622" y="0"/>
+                  <a:pt x="1358800" y="304178"/>
+                  <a:pt x="1358800" y="679400"/>
+                </a:cubicBezTo>
+                <a:cubicBezTo>
+                  <a:pt x="1358800" y="1054622"/>
+                  <a:pt x="1054622" y="1358800"/>
+                  <a:pt x="679400" y="1358800"/>
+                </a:cubicBezTo>
+                <a:cubicBezTo>
+                  <a:pt x="304178" y="1358800"/>
+                  <a:pt x="0" y="1054622"/>
+                  <a:pt x="0" y="679400"/>
+                </a:cubicBezTo>
+                <a:close/>
+              </a:path>
+            </a:pathLst>
+          </a:custGeom>
+          <a:solidFill>
+            <a:srgbClr val="1CB414"/>
+          </a:solidFill>
+        </p:spPr>
+        <p:style>
+          <a:lnRef idx="2">
+            <a:schemeClr val="lt1">
+              <a:hueOff val="0"/>
+              <a:satOff val="0"/>
+              <a:lumOff val="0"/>
+              <a:alphaOff val="0"/>
+            </a:schemeClr>
+          </a:lnRef>
+          <a:fillRef idx="1">
+            <a:schemeClr val="accent1">
+              <a:hueOff val="0"/>
+              <a:satOff val="0"/>
+              <a:lumOff val="0"/>
+              <a:alphaOff val="0"/>
+            </a:schemeClr>
+          </a:fillRef>
+          <a:effectRef idx="0">
+            <a:schemeClr val="accent1">
+              <a:hueOff val="0"/>
+              <a:satOff val="0"/>
+              <a:lumOff val="0"/>
+              <a:alphaOff val="0"/>
+            </a:schemeClr>
+          </a:effectRef>
+          <a:fontRef idx="minor">
+            <a:schemeClr val="lt1"/>
+          </a:fontRef>
+        </p:style>
+        <p:txBody>
+          <a:bodyPr spcFirstLastPara="0" vert="horz" wrap="square" lIns="228202" tIns="228202" rIns="228202" bIns="228202" numCol="1" spcCol="1270" anchor="ctr" anchorCtr="0">
+            <a:noAutofit/>
+          </a:bodyPr>
+          <a:lstStyle/>
+          <a:p>
+            <a:pPr marL="0" lvl="0" indent="0" algn="ctr" defTabSz="1022350">
+              <a:lnSpc>
+                <a:spcPct val="90000"/>
+              </a:lnSpc>
+              <a:spcBef>
+                <a:spcPct val="0"/>
+              </a:spcBef>
+              <a:spcAft>
+                <a:spcPct val="35000"/>
+              </a:spcAft>
+              <a:buNone/>
+            </a:pPr>
+            <a:r>
+              <a:rPr lang="en-US" sz="2400" kern="1200" dirty="0">
+                <a:latin typeface="TH Sarabun New" panose="020B0500040200020003" pitchFamily="34" charset="-34"/>
+                <a:cs typeface="TH Sarabun New" panose="020B0500040200020003" pitchFamily="34" charset="-34"/>
+              </a:rPr>
+              <a:t>Output</a:t>
+            </a:r>
+          </a:p>
+        </p:txBody>
+      </p:sp>
+      <p:grpSp>
+        <p:nvGrpSpPr>
+          <p:cNvPr id="6" name="Group 5">
+            <a:extLst>
+              <a:ext uri="{FF2B5EF4-FFF2-40B4-BE49-F238E27FC236}">
+                <a16:creationId xmlns:a16="http://schemas.microsoft.com/office/drawing/2014/main" id="{59BAA3AA-555A-4290-9189-F655A9B8FA9B}"/>
+              </a:ext>
+            </a:extLst>
+          </p:cNvPr>
+          <p:cNvGrpSpPr/>
+          <p:nvPr/>
+        </p:nvGrpSpPr>
+        <p:grpSpPr>
+          <a:xfrm>
+            <a:off x="2555776" y="404664"/>
+            <a:ext cx="1592756" cy="1592756"/>
+            <a:chOff x="2454821" y="178981"/>
+            <a:chExt cx="1592756" cy="1592756"/>
+          </a:xfrm>
+          <a:solidFill>
+            <a:srgbClr val="1F915D"/>
+          </a:solidFill>
+        </p:grpSpPr>
+        <p:sp>
+          <p:nvSpPr>
+            <p:cNvPr id="7" name="Shape 6">
+              <a:extLst>
+                <a:ext uri="{FF2B5EF4-FFF2-40B4-BE49-F238E27FC236}">
+                  <a16:creationId xmlns:a16="http://schemas.microsoft.com/office/drawing/2014/main" id="{BEDBD805-5D4D-42E1-B79B-4E5EDD5F4355}"/>
+                </a:ext>
+              </a:extLst>
+            </p:cNvPr>
+            <p:cNvSpPr/>
+            <p:nvPr/>
+          </p:nvSpPr>
+          <p:spPr>
+            <a:xfrm rot="20700000">
+              <a:off x="2454821" y="178981"/>
+              <a:ext cx="1592756" cy="1592756"/>
+            </a:xfrm>
+            <a:prstGeom prst="gear6">
+              <a:avLst/>
+            </a:prstGeom>
+            <a:grpFill/>
+            <a:ln w="44450">
+              <a:solidFill>
+                <a:schemeClr val="bg1"/>
+              </a:solidFill>
+            </a:ln>
+          </p:spPr>
+          <p:style>
+            <a:lnRef idx="2">
+              <a:schemeClr val="lt1">
+                <a:hueOff val="0"/>
+                <a:satOff val="0"/>
+                <a:lumOff val="0"/>
+                <a:alphaOff val="0"/>
+              </a:schemeClr>
+            </a:lnRef>
+            <a:fillRef idx="1">
+              <a:schemeClr val="accent1">
+                <a:hueOff val="0"/>
+                <a:satOff val="0"/>
+                <a:lumOff val="0"/>
+                <a:alphaOff val="0"/>
+              </a:schemeClr>
+            </a:fillRef>
+            <a:effectRef idx="0">
+              <a:schemeClr val="accent1">
+                <a:hueOff val="0"/>
+                <a:satOff val="0"/>
+                <a:lumOff val="0"/>
+                <a:alphaOff val="0"/>
+              </a:schemeClr>
+            </a:effectRef>
+            <a:fontRef idx="minor">
+              <a:schemeClr val="lt1"/>
+            </a:fontRef>
+          </p:style>
+        </p:sp>
+        <p:sp>
+          <p:nvSpPr>
+            <p:cNvPr id="8" name="Shape 4">
+              <a:extLst>
+                <a:ext uri="{FF2B5EF4-FFF2-40B4-BE49-F238E27FC236}">
+                  <a16:creationId xmlns:a16="http://schemas.microsoft.com/office/drawing/2014/main" id="{F31CAF63-4673-47A1-A6AC-F585EB0B6A5E}"/>
+                </a:ext>
+              </a:extLst>
+            </p:cNvPr>
+            <p:cNvSpPr txBox="1"/>
+            <p:nvPr/>
+          </p:nvSpPr>
+          <p:spPr>
+            <a:xfrm>
+              <a:off x="2804160" y="528320"/>
+              <a:ext cx="894080" cy="894080"/>
+            </a:xfrm>
+            <a:prstGeom prst="rect">
+              <a:avLst/>
+            </a:prstGeom>
+            <a:noFill/>
+          </p:spPr>
+          <p:style>
+            <a:lnRef idx="0">
+              <a:scrgbClr r="0" g="0" b="0"/>
+            </a:lnRef>
+            <a:fillRef idx="0">
+              <a:scrgbClr r="0" g="0" b="0"/>
+            </a:fillRef>
+            <a:effectRef idx="0">
+              <a:scrgbClr r="0" g="0" b="0"/>
+            </a:effectRef>
+            <a:fontRef idx="minor">
+              <a:schemeClr val="lt1"/>
+            </a:fontRef>
+          </p:style>
+          <p:txBody>
+            <a:bodyPr spcFirstLastPara="0" vert="horz" wrap="square" lIns="34290" tIns="34290" rIns="34290" bIns="34290" numCol="1" spcCol="1270" anchor="ctr" anchorCtr="0">
+              <a:noAutofit/>
+            </a:bodyPr>
+            <a:lstStyle/>
+            <a:p>
+              <a:pPr marL="0" lvl="0" indent="0" algn="ctr" defTabSz="1200150">
+                <a:lnSpc>
+                  <a:spcPct val="90000"/>
+                </a:lnSpc>
+                <a:spcBef>
+                  <a:spcPct val="0"/>
+                </a:spcBef>
+                <a:spcAft>
+                  <a:spcPct val="35000"/>
+                </a:spcAft>
+                <a:buNone/>
+              </a:pPr>
+              <a:r>
+                <a:rPr lang="en-US" sz="2600" dirty="0">
+                  <a:latin typeface="TH Sarabun New" panose="020B0500040200020003" pitchFamily="34" charset="-34"/>
+                  <a:cs typeface="TH Sarabun New" panose="020B0500040200020003" pitchFamily="34" charset="-34"/>
+                </a:rPr>
+                <a:t>HOW ?</a:t>
+              </a:r>
+              <a:endParaRPr lang="en-US" sz="2600" kern="1200" dirty="0">
+                <a:latin typeface="TH Sarabun New" panose="020B0500040200020003" pitchFamily="34" charset="-34"/>
+                <a:cs typeface="TH Sarabun New" panose="020B0500040200020003" pitchFamily="34" charset="-34"/>
+              </a:endParaRPr>
+            </a:p>
+          </p:txBody>
+        </p:sp>
+      </p:grpSp>
+      <p:sp>
+        <p:nvSpPr>
+          <p:cNvPr id="16" name="Speech Bubble: Rectangle with Corners Rounded 15">
+            <a:extLst>
+              <a:ext uri="{FF2B5EF4-FFF2-40B4-BE49-F238E27FC236}">
+                <a16:creationId xmlns:a16="http://schemas.microsoft.com/office/drawing/2014/main" id="{FF7071EB-A41B-432C-B493-661EFF548B19}"/>
+              </a:ext>
+            </a:extLst>
+          </p:cNvPr>
+          <p:cNvSpPr/>
+          <p:nvPr/>
+        </p:nvSpPr>
+        <p:spPr bwMode="auto">
+          <a:xfrm>
+            <a:off x="1115616" y="4255500"/>
+            <a:ext cx="1511465" cy="360040"/>
+          </a:xfrm>
+          <a:prstGeom prst="wedgeRoundRectCallout">
+            <a:avLst>
+              <a:gd name="adj1" fmla="val 20152"/>
+              <a:gd name="adj2" fmla="val -81736"/>
+              <a:gd name="adj3" fmla="val 16667"/>
+            </a:avLst>
+          </a:prstGeom>
+          <a:solidFill>
+            <a:schemeClr val="tx2">
+              <a:lumMod val="75000"/>
+              <a:lumOff val="25000"/>
+              <a:alpha val="75000"/>
+            </a:schemeClr>
+          </a:solidFill>
+          <a:ln w="9525" cap="flat" cmpd="sng" algn="ctr">
+            <a:noFill/>
+            <a:prstDash val="solid"/>
+            <a:round/>
+            <a:headEnd type="none" w="med" len="med"/>
+            <a:tailEnd type="none" w="med" len="med"/>
+          </a:ln>
+          <a:effectLst/>
+        </p:spPr>
+        <p:txBody>
+          <a:bodyPr rot="0" spcFirstLastPara="0" vertOverflow="overflow" horzOverflow="overflow" vert="horz" wrap="square" lIns="91440" tIns="45720" rIns="91440" bIns="45720" numCol="1" spcCol="0" rtlCol="0" fromWordArt="0" anchor="ctr" anchorCtr="0" forceAA="0" compatLnSpc="1">
+            <a:prstTxWarp prst="textNoShape">
+              <a:avLst/>
+            </a:prstTxWarp>
+            <a:noAutofit/>
+          </a:bodyPr>
+          <a:lstStyle/>
+          <a:p>
+            <a:pPr algn="ctr"/>
+            <a:r>
+              <a:rPr lang="en-US" sz="2000" dirty="0">
+                <a:solidFill>
+                  <a:schemeClr val="bg1"/>
+                </a:solidFill>
+                <a:latin typeface="TH Sarabun New" panose="020B0500040200020003" pitchFamily="34" charset="-34"/>
+                <a:cs typeface="TH Sarabun New" panose="020B0500040200020003" pitchFamily="34" charset="-34"/>
+              </a:rPr>
+              <a:t>Rate from user </a:t>
+            </a:r>
+            <a:endParaRPr lang="th-TH" sz="2000" dirty="0">
+              <a:solidFill>
+                <a:schemeClr val="bg1"/>
+              </a:solidFill>
+              <a:latin typeface="TH Sarabun New" panose="020B0500040200020003" pitchFamily="34" charset="-34"/>
+              <a:cs typeface="TH Sarabun New" panose="020B0500040200020003" pitchFamily="34" charset="-34"/>
+            </a:endParaRPr>
+          </a:p>
+        </p:txBody>
+      </p:sp>
+      <p:sp>
+        <p:nvSpPr>
+          <p:cNvPr id="17" name="Speech Bubble: Rectangle with Corners Rounded 16">
+            <a:extLst>
+              <a:ext uri="{FF2B5EF4-FFF2-40B4-BE49-F238E27FC236}">
+                <a16:creationId xmlns:a16="http://schemas.microsoft.com/office/drawing/2014/main" id="{FFE55E0C-B815-4D9C-A1FD-0CE7CB793034}"/>
+              </a:ext>
+            </a:extLst>
+          </p:cNvPr>
+          <p:cNvSpPr/>
+          <p:nvPr/>
+        </p:nvSpPr>
+        <p:spPr bwMode="auto">
+          <a:xfrm>
+            <a:off x="3647384" y="2188252"/>
+            <a:ext cx="1360259" cy="360040"/>
+          </a:xfrm>
+          <a:prstGeom prst="wedgeRoundRectCallout">
+            <a:avLst>
+              <a:gd name="adj1" fmla="val 18777"/>
+              <a:gd name="adj2" fmla="val 76996"/>
+              <a:gd name="adj3" fmla="val 16667"/>
+            </a:avLst>
+          </a:prstGeom>
+          <a:solidFill>
+            <a:schemeClr val="tx2">
+              <a:lumMod val="75000"/>
+              <a:lumOff val="25000"/>
+              <a:alpha val="75000"/>
+            </a:schemeClr>
+          </a:solidFill>
+          <a:ln w="9525" cap="flat" cmpd="sng" algn="ctr">
+            <a:noFill/>
+            <a:prstDash val="solid"/>
+            <a:round/>
+            <a:headEnd type="none" w="med" len="med"/>
+            <a:tailEnd type="none" w="med" len="med"/>
+          </a:ln>
+          <a:effectLst/>
+        </p:spPr>
+        <p:txBody>
+          <a:bodyPr rot="0" spcFirstLastPara="0" vertOverflow="overflow" horzOverflow="overflow" vert="horz" wrap="square" lIns="91440" tIns="45720" rIns="91440" bIns="45720" numCol="1" spcCol="0" rtlCol="0" fromWordArt="0" anchor="ctr" anchorCtr="0" forceAA="0" compatLnSpc="1">
+            <a:prstTxWarp prst="textNoShape">
+              <a:avLst/>
+            </a:prstTxWarp>
+            <a:noAutofit/>
+          </a:bodyPr>
+          <a:lstStyle/>
+          <a:p>
+            <a:pPr algn="ctr"/>
+            <a:r>
+              <a:rPr lang="en-US" sz="2000" dirty="0">
+                <a:solidFill>
+                  <a:schemeClr val="bg1"/>
+                </a:solidFill>
+                <a:latin typeface="TH Sarabun New" panose="020B0500040200020003" pitchFamily="34" charset="-34"/>
+                <a:cs typeface="TH Sarabun New" panose="020B0500040200020003" pitchFamily="34" charset="-34"/>
+              </a:rPr>
+              <a:t>Algorithms</a:t>
+            </a:r>
+            <a:endParaRPr lang="th-TH" sz="2000" dirty="0">
+              <a:solidFill>
+                <a:schemeClr val="bg1"/>
+              </a:solidFill>
+              <a:latin typeface="TH Sarabun New" panose="020B0500040200020003" pitchFamily="34" charset="-34"/>
+              <a:cs typeface="TH Sarabun New" panose="020B0500040200020003" pitchFamily="34" charset="-34"/>
+            </a:endParaRPr>
+          </a:p>
+        </p:txBody>
+      </p:sp>
     </p:spTree>
     <p:extLst>
       <p:ext uri="{BB962C8B-B14F-4D97-AF65-F5344CB8AC3E}">
@@ -14768,6 +19345,3983 @@
       </p:transition>
     </mc:Fallback>
   </mc:AlternateContent>
+  <p:timing>
+    <p:tnLst>
+      <p:par>
+        <p:cTn id="1" dur="indefinite" restart="never" nodeType="tmRoot">
+          <p:childTnLst>
+            <p:seq concurrent="1" nextAc="seek">
+              <p:cTn id="2" dur="indefinite" nodeType="mainSeq">
+                <p:childTnLst>
+                  <p:par>
+                    <p:cTn id="3" fill="hold">
+                      <p:stCondLst>
+                        <p:cond delay="indefinite"/>
+                      </p:stCondLst>
+                      <p:childTnLst>
+                        <p:par>
+                          <p:cTn id="4" fill="hold">
+                            <p:stCondLst>
+                              <p:cond delay="0"/>
+                            </p:stCondLst>
+                            <p:childTnLst>
+                              <p:par>
+                                <p:cTn id="5" presetID="26" presetClass="emph" presetSubtype="0" fill="hold" grpId="0" nodeType="clickEffect">
+                                  <p:stCondLst>
+                                    <p:cond delay="0"/>
+                                  </p:stCondLst>
+                                  <p:childTnLst>
+                                    <p:animEffect transition="out" filter="fade">
+                                      <p:cBhvr>
+                                        <p:cTn id="6" dur="500" tmFilter="0, 0; .2, .5; .8, .5; 1, 0"/>
+                                        <p:tgtEl>
+                                          <p:spTgt spid="10"/>
+                                        </p:tgtEl>
+                                      </p:cBhvr>
+                                    </p:animEffect>
+                                    <p:animScale>
+                                      <p:cBhvr>
+                                        <p:cTn id="7" dur="250" autoRev="1" fill="hold"/>
+                                        <p:tgtEl>
+                                          <p:spTgt spid="10"/>
+                                        </p:tgtEl>
+                                      </p:cBhvr>
+                                      <p:by x="105000" y="105000"/>
+                                    </p:animScale>
+                                  </p:childTnLst>
+                                </p:cTn>
+                              </p:par>
+                            </p:childTnLst>
+                          </p:cTn>
+                        </p:par>
+                        <p:par>
+                          <p:cTn id="8" fill="hold">
+                            <p:stCondLst>
+                              <p:cond delay="500"/>
+                            </p:stCondLst>
+                            <p:childTnLst>
+                              <p:par>
+                                <p:cTn id="9" presetID="10" presetClass="entr" presetSubtype="0" fill="hold" grpId="0" nodeType="afterEffect">
+                                  <p:stCondLst>
+                                    <p:cond delay="0"/>
+                                  </p:stCondLst>
+                                  <p:childTnLst>
+                                    <p:set>
+                                      <p:cBhvr>
+                                        <p:cTn id="10" dur="1" fill="hold">
+                                          <p:stCondLst>
+                                            <p:cond delay="0"/>
+                                          </p:stCondLst>
+                                        </p:cTn>
+                                        <p:tgtEl>
+                                          <p:spTgt spid="16"/>
+                                        </p:tgtEl>
+                                        <p:attrNameLst>
+                                          <p:attrName>style.visibility</p:attrName>
+                                        </p:attrNameLst>
+                                      </p:cBhvr>
+                                      <p:to>
+                                        <p:strVal val="visible"/>
+                                      </p:to>
+                                    </p:set>
+                                    <p:animEffect transition="in" filter="fade">
+                                      <p:cBhvr>
+                                        <p:cTn id="11" dur="500"/>
+                                        <p:tgtEl>
+                                          <p:spTgt spid="16"/>
+                                        </p:tgtEl>
+                                      </p:cBhvr>
+                                    </p:animEffect>
+                                  </p:childTnLst>
+                                </p:cTn>
+                              </p:par>
+                            </p:childTnLst>
+                          </p:cTn>
+                        </p:par>
+                      </p:childTnLst>
+                    </p:cTn>
+                  </p:par>
+                  <p:par>
+                    <p:cTn id="12" fill="hold">
+                      <p:stCondLst>
+                        <p:cond delay="indefinite"/>
+                      </p:stCondLst>
+                      <p:childTnLst>
+                        <p:par>
+                          <p:cTn id="13" fill="hold">
+                            <p:stCondLst>
+                              <p:cond delay="0"/>
+                            </p:stCondLst>
+                            <p:childTnLst>
+                              <p:par>
+                                <p:cTn id="14" presetID="26" presetClass="emph" presetSubtype="0" fill="hold" grpId="0" nodeType="clickEffect">
+                                  <p:stCondLst>
+                                    <p:cond delay="0"/>
+                                  </p:stCondLst>
+                                  <p:childTnLst>
+                                    <p:animEffect transition="out" filter="fade">
+                                      <p:cBhvr>
+                                        <p:cTn id="15" dur="500" tmFilter="0, 0; .2, .5; .8, .5; 1, 0"/>
+                                        <p:tgtEl>
+                                          <p:spTgt spid="12"/>
+                                        </p:tgtEl>
+                                      </p:cBhvr>
+                                    </p:animEffect>
+                                    <p:animScale>
+                                      <p:cBhvr>
+                                        <p:cTn id="16" dur="250" autoRev="1" fill="hold"/>
+                                        <p:tgtEl>
+                                          <p:spTgt spid="12"/>
+                                        </p:tgtEl>
+                                      </p:cBhvr>
+                                      <p:by x="105000" y="105000"/>
+                                    </p:animScale>
+                                  </p:childTnLst>
+                                </p:cTn>
+                              </p:par>
+                            </p:childTnLst>
+                          </p:cTn>
+                        </p:par>
+                        <p:par>
+                          <p:cTn id="17" fill="hold">
+                            <p:stCondLst>
+                              <p:cond delay="500"/>
+                            </p:stCondLst>
+                            <p:childTnLst>
+                              <p:par>
+                                <p:cTn id="18" presetID="10" presetClass="entr" presetSubtype="0" fill="hold" grpId="0" nodeType="afterEffect">
+                                  <p:stCondLst>
+                                    <p:cond delay="0"/>
+                                  </p:stCondLst>
+                                  <p:childTnLst>
+                                    <p:set>
+                                      <p:cBhvr>
+                                        <p:cTn id="19" dur="1" fill="hold">
+                                          <p:stCondLst>
+                                            <p:cond delay="0"/>
+                                          </p:stCondLst>
+                                        </p:cTn>
+                                        <p:tgtEl>
+                                          <p:spTgt spid="17"/>
+                                        </p:tgtEl>
+                                        <p:attrNameLst>
+                                          <p:attrName>style.visibility</p:attrName>
+                                        </p:attrNameLst>
+                                      </p:cBhvr>
+                                      <p:to>
+                                        <p:strVal val="visible"/>
+                                      </p:to>
+                                    </p:set>
+                                    <p:animEffect transition="in" filter="fade">
+                                      <p:cBhvr>
+                                        <p:cTn id="20" dur="500"/>
+                                        <p:tgtEl>
+                                          <p:spTgt spid="17"/>
+                                        </p:tgtEl>
+                                      </p:cBhvr>
+                                    </p:animEffect>
+                                  </p:childTnLst>
+                                </p:cTn>
+                              </p:par>
+                            </p:childTnLst>
+                          </p:cTn>
+                        </p:par>
+                      </p:childTnLst>
+                    </p:cTn>
+                  </p:par>
+                  <p:par>
+                    <p:cTn id="21" fill="hold">
+                      <p:stCondLst>
+                        <p:cond delay="indefinite"/>
+                      </p:stCondLst>
+                      <p:childTnLst>
+                        <p:par>
+                          <p:cTn id="22" fill="hold">
+                            <p:stCondLst>
+                              <p:cond delay="0"/>
+                            </p:stCondLst>
+                            <p:childTnLst>
+                              <p:par>
+                                <p:cTn id="23" presetID="26" presetClass="emph" presetSubtype="0" fill="hold" grpId="0" nodeType="clickEffect">
+                                  <p:stCondLst>
+                                    <p:cond delay="0"/>
+                                  </p:stCondLst>
+                                  <p:childTnLst>
+                                    <p:animEffect transition="out" filter="fade">
+                                      <p:cBhvr>
+                                        <p:cTn id="24" dur="500" tmFilter="0, 0; .2, .5; .8, .5; 1, 0"/>
+                                        <p:tgtEl>
+                                          <p:spTgt spid="14"/>
+                                        </p:tgtEl>
+                                      </p:cBhvr>
+                                    </p:animEffect>
+                                    <p:animScale>
+                                      <p:cBhvr>
+                                        <p:cTn id="25" dur="250" autoRev="1" fill="hold"/>
+                                        <p:tgtEl>
+                                          <p:spTgt spid="14"/>
+                                        </p:tgtEl>
+                                      </p:cBhvr>
+                                      <p:by x="105000" y="105000"/>
+                                    </p:animScale>
+                                  </p:childTnLst>
+                                </p:cTn>
+                              </p:par>
+                            </p:childTnLst>
+                          </p:cTn>
+                        </p:par>
+                      </p:childTnLst>
+                    </p:cTn>
+                  </p:par>
+                </p:childTnLst>
+              </p:cTn>
+              <p:prevCondLst>
+                <p:cond evt="onPrev" delay="0">
+                  <p:tgtEl>
+                    <p:sldTgt/>
+                  </p:tgtEl>
+                </p:cond>
+              </p:prevCondLst>
+              <p:nextCondLst>
+                <p:cond evt="onNext" delay="0">
+                  <p:tgtEl>
+                    <p:sldTgt/>
+                  </p:tgtEl>
+                </p:cond>
+              </p:nextCondLst>
+            </p:seq>
+          </p:childTnLst>
+        </p:cTn>
+      </p:par>
+    </p:tnLst>
+    <p:bldLst>
+      <p:bldP spid="10" grpId="0" animBg="1"/>
+      <p:bldP spid="12" grpId="0" animBg="1"/>
+      <p:bldP spid="14" grpId="0" animBg="1"/>
+      <p:bldP spid="16" grpId="0" animBg="1"/>
+      <p:bldP spid="17" grpId="0" animBg="1"/>
+    </p:bldLst>
+  </p:timing>
+</p:sld>
+</file>
+
+<file path=ppt/slides/slide7.xml><?xml version="1.0" encoding="utf-8"?>
+<p:sld xmlns:a="http://schemas.openxmlformats.org/drawingml/2006/main" xmlns:r="http://schemas.openxmlformats.org/officeDocument/2006/relationships" xmlns:p="http://schemas.openxmlformats.org/presentationml/2006/main">
+  <p:cSld>
+    <p:spTree>
+      <p:nvGrpSpPr>
+        <p:cNvPr id="1" name=""/>
+        <p:cNvGrpSpPr/>
+        <p:nvPr/>
+      </p:nvGrpSpPr>
+      <p:grpSpPr>
+        <a:xfrm>
+          <a:off x="0" y="0"/>
+          <a:ext cx="0" cy="0"/>
+          <a:chOff x="0" y="0"/>
+          <a:chExt cx="0" cy="0"/>
+        </a:xfrm>
+      </p:grpSpPr>
+      <p:sp>
+        <p:nvSpPr>
+          <p:cNvPr id="14" name="Freeform: Shape 13">
+            <a:extLst>
+              <a:ext uri="{FF2B5EF4-FFF2-40B4-BE49-F238E27FC236}">
+                <a16:creationId xmlns:a16="http://schemas.microsoft.com/office/drawing/2014/main" id="{DBF96BDE-ECB8-43AC-BF35-F5BC53CF03F8}"/>
+              </a:ext>
+            </a:extLst>
+          </p:cNvPr>
+          <p:cNvSpPr/>
+          <p:nvPr/>
+        </p:nvSpPr>
+        <p:spPr>
+          <a:xfrm>
+            <a:off x="6283838" y="2716571"/>
+            <a:ext cx="1358800" cy="1358800"/>
+          </a:xfrm>
+          <a:custGeom>
+            <a:avLst/>
+            <a:gdLst>
+              <a:gd name="connsiteX0" fmla="*/ 0 w 1358800"/>
+              <a:gd name="connsiteY0" fmla="*/ 679400 h 1358800"/>
+              <a:gd name="connsiteX1" fmla="*/ 679400 w 1358800"/>
+              <a:gd name="connsiteY1" fmla="*/ 0 h 1358800"/>
+              <a:gd name="connsiteX2" fmla="*/ 1358800 w 1358800"/>
+              <a:gd name="connsiteY2" fmla="*/ 679400 h 1358800"/>
+              <a:gd name="connsiteX3" fmla="*/ 679400 w 1358800"/>
+              <a:gd name="connsiteY3" fmla="*/ 1358800 h 1358800"/>
+              <a:gd name="connsiteX4" fmla="*/ 0 w 1358800"/>
+              <a:gd name="connsiteY4" fmla="*/ 679400 h 1358800"/>
+            </a:gdLst>
+            <a:ahLst/>
+            <a:cxnLst>
+              <a:cxn ang="0">
+                <a:pos x="connsiteX0" y="connsiteY0"/>
+              </a:cxn>
+              <a:cxn ang="0">
+                <a:pos x="connsiteX1" y="connsiteY1"/>
+              </a:cxn>
+              <a:cxn ang="0">
+                <a:pos x="connsiteX2" y="connsiteY2"/>
+              </a:cxn>
+              <a:cxn ang="0">
+                <a:pos x="connsiteX3" y="connsiteY3"/>
+              </a:cxn>
+              <a:cxn ang="0">
+                <a:pos x="connsiteX4" y="connsiteY4"/>
+              </a:cxn>
+            </a:cxnLst>
+            <a:rect l="l" t="t" r="r" b="b"/>
+            <a:pathLst>
+              <a:path w="1358800" h="1358800">
+                <a:moveTo>
+                  <a:pt x="0" y="679400"/>
+                </a:moveTo>
+                <a:cubicBezTo>
+                  <a:pt x="0" y="304178"/>
+                  <a:pt x="304178" y="0"/>
+                  <a:pt x="679400" y="0"/>
+                </a:cubicBezTo>
+                <a:cubicBezTo>
+                  <a:pt x="1054622" y="0"/>
+                  <a:pt x="1358800" y="304178"/>
+                  <a:pt x="1358800" y="679400"/>
+                </a:cubicBezTo>
+                <a:cubicBezTo>
+                  <a:pt x="1358800" y="1054622"/>
+                  <a:pt x="1054622" y="1358800"/>
+                  <a:pt x="679400" y="1358800"/>
+                </a:cubicBezTo>
+                <a:cubicBezTo>
+                  <a:pt x="304178" y="1358800"/>
+                  <a:pt x="0" y="1054622"/>
+                  <a:pt x="0" y="679400"/>
+                </a:cubicBezTo>
+                <a:close/>
+              </a:path>
+            </a:pathLst>
+          </a:custGeom>
+          <a:solidFill>
+            <a:srgbClr val="1CB414"/>
+          </a:solidFill>
+        </p:spPr>
+        <p:style>
+          <a:lnRef idx="2">
+            <a:schemeClr val="lt1">
+              <a:hueOff val="0"/>
+              <a:satOff val="0"/>
+              <a:lumOff val="0"/>
+              <a:alphaOff val="0"/>
+            </a:schemeClr>
+          </a:lnRef>
+          <a:fillRef idx="1">
+            <a:schemeClr val="accent1">
+              <a:hueOff val="0"/>
+              <a:satOff val="0"/>
+              <a:lumOff val="0"/>
+              <a:alphaOff val="0"/>
+            </a:schemeClr>
+          </a:fillRef>
+          <a:effectRef idx="0">
+            <a:schemeClr val="accent1">
+              <a:hueOff val="0"/>
+              <a:satOff val="0"/>
+              <a:lumOff val="0"/>
+              <a:alphaOff val="0"/>
+            </a:schemeClr>
+          </a:effectRef>
+          <a:fontRef idx="minor">
+            <a:schemeClr val="lt1"/>
+          </a:fontRef>
+        </p:style>
+        <p:txBody>
+          <a:bodyPr spcFirstLastPara="0" vert="horz" wrap="square" lIns="228202" tIns="228202" rIns="228202" bIns="228202" numCol="1" spcCol="1270" anchor="ctr" anchorCtr="0">
+            <a:noAutofit/>
+          </a:bodyPr>
+          <a:lstStyle/>
+          <a:p>
+            <a:pPr marL="0" lvl="0" indent="0" algn="ctr" defTabSz="1022350">
+              <a:lnSpc>
+                <a:spcPct val="90000"/>
+              </a:lnSpc>
+              <a:spcBef>
+                <a:spcPct val="0"/>
+              </a:spcBef>
+              <a:spcAft>
+                <a:spcPct val="35000"/>
+              </a:spcAft>
+              <a:buNone/>
+            </a:pPr>
+            <a:r>
+              <a:rPr lang="en-US" sz="2400" kern="1200" dirty="0">
+                <a:latin typeface="TH Sarabun New" panose="020B0500040200020003" pitchFamily="34" charset="-34"/>
+                <a:cs typeface="TH Sarabun New" panose="020B0500040200020003" pitchFamily="34" charset="-34"/>
+              </a:rPr>
+              <a:t>Output</a:t>
+            </a:r>
+          </a:p>
+        </p:txBody>
+      </p:sp>
+      <p:grpSp>
+        <p:nvGrpSpPr>
+          <p:cNvPr id="6" name="Group 5">
+            <a:extLst>
+              <a:ext uri="{FF2B5EF4-FFF2-40B4-BE49-F238E27FC236}">
+                <a16:creationId xmlns:a16="http://schemas.microsoft.com/office/drawing/2014/main" id="{59BAA3AA-555A-4290-9189-F655A9B8FA9B}"/>
+              </a:ext>
+            </a:extLst>
+          </p:cNvPr>
+          <p:cNvGrpSpPr/>
+          <p:nvPr/>
+        </p:nvGrpSpPr>
+        <p:grpSpPr>
+          <a:xfrm>
+            <a:off x="2555776" y="404664"/>
+            <a:ext cx="1592756" cy="1592756"/>
+            <a:chOff x="2454821" y="178981"/>
+            <a:chExt cx="1592756" cy="1592756"/>
+          </a:xfrm>
+          <a:solidFill>
+            <a:srgbClr val="1F915D"/>
+          </a:solidFill>
+        </p:grpSpPr>
+        <p:sp>
+          <p:nvSpPr>
+            <p:cNvPr id="7" name="Shape 6">
+              <a:extLst>
+                <a:ext uri="{FF2B5EF4-FFF2-40B4-BE49-F238E27FC236}">
+                  <a16:creationId xmlns:a16="http://schemas.microsoft.com/office/drawing/2014/main" id="{BEDBD805-5D4D-42E1-B79B-4E5EDD5F4355}"/>
+                </a:ext>
+              </a:extLst>
+            </p:cNvPr>
+            <p:cNvSpPr/>
+            <p:nvPr/>
+          </p:nvSpPr>
+          <p:spPr>
+            <a:xfrm rot="20700000">
+              <a:off x="2454821" y="178981"/>
+              <a:ext cx="1592756" cy="1592756"/>
+            </a:xfrm>
+            <a:prstGeom prst="gear6">
+              <a:avLst/>
+            </a:prstGeom>
+            <a:grpFill/>
+            <a:ln w="44450">
+              <a:solidFill>
+                <a:schemeClr val="bg1"/>
+              </a:solidFill>
+            </a:ln>
+          </p:spPr>
+          <p:style>
+            <a:lnRef idx="2">
+              <a:schemeClr val="lt1">
+                <a:hueOff val="0"/>
+                <a:satOff val="0"/>
+                <a:lumOff val="0"/>
+                <a:alphaOff val="0"/>
+              </a:schemeClr>
+            </a:lnRef>
+            <a:fillRef idx="1">
+              <a:schemeClr val="accent1">
+                <a:hueOff val="0"/>
+                <a:satOff val="0"/>
+                <a:lumOff val="0"/>
+                <a:alphaOff val="0"/>
+              </a:schemeClr>
+            </a:fillRef>
+            <a:effectRef idx="0">
+              <a:schemeClr val="accent1">
+                <a:hueOff val="0"/>
+                <a:satOff val="0"/>
+                <a:lumOff val="0"/>
+                <a:alphaOff val="0"/>
+              </a:schemeClr>
+            </a:effectRef>
+            <a:fontRef idx="minor">
+              <a:schemeClr val="lt1"/>
+            </a:fontRef>
+          </p:style>
+        </p:sp>
+        <p:sp>
+          <p:nvSpPr>
+            <p:cNvPr id="8" name="Shape 4">
+              <a:extLst>
+                <a:ext uri="{FF2B5EF4-FFF2-40B4-BE49-F238E27FC236}">
+                  <a16:creationId xmlns:a16="http://schemas.microsoft.com/office/drawing/2014/main" id="{F31CAF63-4673-47A1-A6AC-F585EB0B6A5E}"/>
+                </a:ext>
+              </a:extLst>
+            </p:cNvPr>
+            <p:cNvSpPr txBox="1"/>
+            <p:nvPr/>
+          </p:nvSpPr>
+          <p:spPr>
+            <a:xfrm>
+              <a:off x="2804160" y="528320"/>
+              <a:ext cx="894080" cy="894080"/>
+            </a:xfrm>
+            <a:prstGeom prst="rect">
+              <a:avLst/>
+            </a:prstGeom>
+            <a:noFill/>
+          </p:spPr>
+          <p:style>
+            <a:lnRef idx="0">
+              <a:scrgbClr r="0" g="0" b="0"/>
+            </a:lnRef>
+            <a:fillRef idx="0">
+              <a:scrgbClr r="0" g="0" b="0"/>
+            </a:fillRef>
+            <a:effectRef idx="0">
+              <a:scrgbClr r="0" g="0" b="0"/>
+            </a:effectRef>
+            <a:fontRef idx="minor">
+              <a:schemeClr val="lt1"/>
+            </a:fontRef>
+          </p:style>
+          <p:txBody>
+            <a:bodyPr spcFirstLastPara="0" vert="horz" wrap="square" lIns="34290" tIns="34290" rIns="34290" bIns="34290" numCol="1" spcCol="1270" anchor="ctr" anchorCtr="0">
+              <a:noAutofit/>
+            </a:bodyPr>
+            <a:lstStyle/>
+            <a:p>
+              <a:pPr marL="0" lvl="0" indent="0" algn="ctr" defTabSz="1200150">
+                <a:lnSpc>
+                  <a:spcPct val="90000"/>
+                </a:lnSpc>
+                <a:spcBef>
+                  <a:spcPct val="0"/>
+                </a:spcBef>
+                <a:spcAft>
+                  <a:spcPct val="35000"/>
+                </a:spcAft>
+                <a:buNone/>
+              </a:pPr>
+              <a:r>
+                <a:rPr lang="en-US" sz="2600" dirty="0">
+                  <a:latin typeface="TH Sarabun New" panose="020B0500040200020003" pitchFamily="34" charset="-34"/>
+                  <a:cs typeface="TH Sarabun New" panose="020B0500040200020003" pitchFamily="34" charset="-34"/>
+                </a:rPr>
+                <a:t>HOW ?</a:t>
+              </a:r>
+              <a:endParaRPr lang="en-US" sz="2600" kern="1200" dirty="0">
+                <a:latin typeface="TH Sarabun New" panose="020B0500040200020003" pitchFamily="34" charset="-34"/>
+                <a:cs typeface="TH Sarabun New" panose="020B0500040200020003" pitchFamily="34" charset="-34"/>
+              </a:endParaRPr>
+            </a:p>
+          </p:txBody>
+        </p:sp>
+      </p:grpSp>
+      <p:sp>
+        <p:nvSpPr>
+          <p:cNvPr id="2" name="Arrow: Striped Right 1">
+            <a:extLst>
+              <a:ext uri="{FF2B5EF4-FFF2-40B4-BE49-F238E27FC236}">
+                <a16:creationId xmlns:a16="http://schemas.microsoft.com/office/drawing/2014/main" id="{61F436E7-1E06-4FB2-B775-9000D7A0CC46}"/>
+              </a:ext>
+            </a:extLst>
+          </p:cNvPr>
+          <p:cNvSpPr/>
+          <p:nvPr/>
+        </p:nvSpPr>
+        <p:spPr bwMode="auto">
+          <a:xfrm>
+            <a:off x="2376794" y="3071935"/>
+            <a:ext cx="1422401" cy="648072"/>
+          </a:xfrm>
+          <a:prstGeom prst="stripedRightArrow">
+            <a:avLst/>
+          </a:prstGeom>
+          <a:solidFill>
+            <a:srgbClr val="00B0F0"/>
+          </a:solidFill>
+          <a:ln w="9525" cap="flat" cmpd="sng" algn="ctr">
+            <a:solidFill>
+              <a:schemeClr val="bg1"/>
+            </a:solidFill>
+            <a:prstDash val="solid"/>
+            <a:round/>
+            <a:headEnd type="none" w="med" len="med"/>
+            <a:tailEnd type="none" w="med" len="med"/>
+          </a:ln>
+          <a:effectLst/>
+          <a:extLst/>
+        </p:spPr>
+        <p:txBody>
+          <a:bodyPr vert="horz" wrap="square" lIns="91440" tIns="45720" rIns="91440" bIns="45720" numCol="1" rtlCol="0" anchor="t" anchorCtr="0" compatLnSpc="1">
+            <a:prstTxWarp prst="textNoShape">
+              <a:avLst/>
+            </a:prstTxWarp>
+          </a:bodyPr>
+          <a:lstStyle/>
+          <a:p>
+            <a:pPr marL="0" marR="0" indent="0" algn="l" defTabSz="914400" rtl="0" eaLnBrk="1" fontAlgn="base" latinLnBrk="0" hangingPunct="1">
+              <a:lnSpc>
+                <a:spcPct val="100000"/>
+              </a:lnSpc>
+              <a:spcBef>
+                <a:spcPct val="0"/>
+              </a:spcBef>
+              <a:spcAft>
+                <a:spcPct val="0"/>
+              </a:spcAft>
+              <a:buClrTx/>
+              <a:buSzTx/>
+              <a:buFontTx/>
+              <a:buNone/>
+              <a:tabLst/>
+            </a:pPr>
+            <a:endParaRPr kumimoji="0" lang="th-TH" sz="1800" b="1" i="0" u="none" strike="noStrike" cap="none" normalizeH="0" baseline="0">
+              <a:ln>
+                <a:noFill/>
+              </a:ln>
+              <a:solidFill>
+                <a:schemeClr val="tx1"/>
+              </a:solidFill>
+              <a:effectLst/>
+              <a:latin typeface="Arial" panose="020B0604020202020204" pitchFamily="34" charset="0"/>
+            </a:endParaRPr>
+          </a:p>
+        </p:txBody>
+      </p:sp>
+      <p:grpSp>
+        <p:nvGrpSpPr>
+          <p:cNvPr id="31" name="Group 30">
+            <a:extLst>
+              <a:ext uri="{FF2B5EF4-FFF2-40B4-BE49-F238E27FC236}">
+                <a16:creationId xmlns:a16="http://schemas.microsoft.com/office/drawing/2014/main" id="{1F83A45A-C708-4CF8-992D-4EB2CC398889}"/>
+              </a:ext>
+            </a:extLst>
+          </p:cNvPr>
+          <p:cNvGrpSpPr/>
+          <p:nvPr/>
+        </p:nvGrpSpPr>
+        <p:grpSpPr>
+          <a:xfrm>
+            <a:off x="4321775" y="2922961"/>
+            <a:ext cx="3924124" cy="443941"/>
+            <a:chOff x="4321775" y="2922961"/>
+            <a:chExt cx="3924124" cy="443941"/>
+          </a:xfrm>
+        </p:grpSpPr>
+        <p:sp>
+          <p:nvSpPr>
+            <p:cNvPr id="9" name="Freeform: Shape 8">
+              <a:extLst>
+                <a:ext uri="{FF2B5EF4-FFF2-40B4-BE49-F238E27FC236}">
+                  <a16:creationId xmlns:a16="http://schemas.microsoft.com/office/drawing/2014/main" id="{BECCA4E5-83D4-43E6-A772-22C8A9B5304E}"/>
+                </a:ext>
+              </a:extLst>
+            </p:cNvPr>
+            <p:cNvSpPr/>
+            <p:nvPr/>
+          </p:nvSpPr>
+          <p:spPr>
+            <a:xfrm>
+              <a:off x="4321775" y="2922961"/>
+              <a:ext cx="3924124" cy="356738"/>
+            </a:xfrm>
+            <a:custGeom>
+              <a:avLst/>
+              <a:gdLst>
+                <a:gd name="connsiteX0" fmla="*/ 0 w 3924124"/>
+                <a:gd name="connsiteY0" fmla="*/ 0 h 356738"/>
+                <a:gd name="connsiteX1" fmla="*/ 3924124 w 3924124"/>
+                <a:gd name="connsiteY1" fmla="*/ 0 h 356738"/>
+                <a:gd name="connsiteX2" fmla="*/ 3924124 w 3924124"/>
+                <a:gd name="connsiteY2" fmla="*/ 356738 h 356738"/>
+                <a:gd name="connsiteX3" fmla="*/ 0 w 3924124"/>
+                <a:gd name="connsiteY3" fmla="*/ 356738 h 356738"/>
+                <a:gd name="connsiteX4" fmla="*/ 0 w 3924124"/>
+                <a:gd name="connsiteY4" fmla="*/ 0 h 356738"/>
+              </a:gdLst>
+              <a:ahLst/>
+              <a:cxnLst>
+                <a:cxn ang="0">
+                  <a:pos x="connsiteX0" y="connsiteY0"/>
+                </a:cxn>
+                <a:cxn ang="0">
+                  <a:pos x="connsiteX1" y="connsiteY1"/>
+                </a:cxn>
+                <a:cxn ang="0">
+                  <a:pos x="connsiteX2" y="connsiteY2"/>
+                </a:cxn>
+                <a:cxn ang="0">
+                  <a:pos x="connsiteX3" y="connsiteY3"/>
+                </a:cxn>
+                <a:cxn ang="0">
+                  <a:pos x="connsiteX4" y="connsiteY4"/>
+                </a:cxn>
+              </a:cxnLst>
+              <a:rect l="l" t="t" r="r" b="b"/>
+              <a:pathLst>
+                <a:path w="3924124" h="356738">
+                  <a:moveTo>
+                    <a:pt x="0" y="0"/>
+                  </a:moveTo>
+                  <a:lnTo>
+                    <a:pt x="3924124" y="0"/>
+                  </a:lnTo>
+                  <a:lnTo>
+                    <a:pt x="3924124" y="356738"/>
+                  </a:lnTo>
+                  <a:lnTo>
+                    <a:pt x="0" y="356738"/>
+                  </a:lnTo>
+                  <a:lnTo>
+                    <a:pt x="0" y="0"/>
+                  </a:lnTo>
+                  <a:close/>
+                </a:path>
+              </a:pathLst>
+            </a:custGeom>
+          </p:spPr>
+          <p:style>
+            <a:lnRef idx="0">
+              <a:schemeClr val="dk2">
+                <a:alpha val="0"/>
+                <a:hueOff val="0"/>
+                <a:satOff val="0"/>
+                <a:lumOff val="0"/>
+                <a:alphaOff val="0"/>
+              </a:schemeClr>
+            </a:lnRef>
+            <a:fillRef idx="0">
+              <a:schemeClr val="lt1">
+                <a:alpha val="0"/>
+                <a:hueOff val="0"/>
+                <a:satOff val="0"/>
+                <a:lumOff val="0"/>
+                <a:alphaOff val="0"/>
+              </a:schemeClr>
+            </a:fillRef>
+            <a:effectRef idx="0">
+              <a:schemeClr val="lt1">
+                <a:alpha val="0"/>
+                <a:hueOff val="0"/>
+                <a:satOff val="0"/>
+                <a:lumOff val="0"/>
+                <a:alphaOff val="0"/>
+              </a:schemeClr>
+            </a:effectRef>
+            <a:fontRef idx="minor">
+              <a:schemeClr val="tx1">
+                <a:hueOff val="0"/>
+                <a:satOff val="0"/>
+                <a:lumOff val="0"/>
+                <a:alphaOff val="0"/>
+              </a:schemeClr>
+            </a:fontRef>
+          </p:style>
+          <p:txBody>
+            <a:bodyPr spcFirstLastPara="0" vert="horz" wrap="square" lIns="64770" tIns="64770" rIns="64770" bIns="64770" numCol="1" spcCol="1270" anchor="b" anchorCtr="0">
+              <a:noAutofit/>
+            </a:bodyPr>
+            <a:lstStyle/>
+            <a:p>
+              <a:pPr marL="0" lvl="0" indent="0" algn="l" defTabSz="755650">
+                <a:lnSpc>
+                  <a:spcPct val="90000"/>
+                </a:lnSpc>
+                <a:spcBef>
+                  <a:spcPct val="0"/>
+                </a:spcBef>
+                <a:spcAft>
+                  <a:spcPct val="35000"/>
+                </a:spcAft>
+                <a:buNone/>
+              </a:pPr>
+              <a:r>
+                <a:rPr lang="en-US" sz="1700" kern="1200" dirty="0">
+                  <a:solidFill>
+                    <a:schemeClr val="tx1">
+                      <a:lumMod val="50000"/>
+                    </a:schemeClr>
+                  </a:solidFill>
+                  <a:effectLst>
+                    <a:outerShdw blurRad="50800" dist="38100" dir="8100000" algn="tr" rotWithShape="0">
+                      <a:prstClr val="black">
+                        <a:alpha val="40000"/>
+                      </a:prstClr>
+                    </a:outerShdw>
+                  </a:effectLst>
+                </a:rPr>
+                <a:t>Recommend List</a:t>
+              </a:r>
+            </a:p>
+          </p:txBody>
+        </p:sp>
+        <p:grpSp>
+          <p:nvGrpSpPr>
+            <p:cNvPr id="30" name="Group 29">
+              <a:extLst>
+                <a:ext uri="{FF2B5EF4-FFF2-40B4-BE49-F238E27FC236}">
+                  <a16:creationId xmlns:a16="http://schemas.microsoft.com/office/drawing/2014/main" id="{4652E5D0-7A70-463F-A7FC-3F3D76C07514}"/>
+                </a:ext>
+              </a:extLst>
+            </p:cNvPr>
+            <p:cNvGrpSpPr/>
+            <p:nvPr/>
+          </p:nvGrpSpPr>
+          <p:grpSpPr>
+            <a:xfrm>
+              <a:off x="4321775" y="3279700"/>
+              <a:ext cx="3845642" cy="87202"/>
+              <a:chOff x="4321775" y="3279700"/>
+              <a:chExt cx="3845642" cy="87202"/>
+            </a:xfrm>
+          </p:grpSpPr>
+          <p:sp>
+            <p:nvSpPr>
+              <p:cNvPr id="15" name="Parallelogram 14">
+                <a:extLst>
+                  <a:ext uri="{FF2B5EF4-FFF2-40B4-BE49-F238E27FC236}">
+                    <a16:creationId xmlns:a16="http://schemas.microsoft.com/office/drawing/2014/main" id="{CBD16861-A9FF-4C51-97B8-0FF372A4D235}"/>
+                  </a:ext>
+                </a:extLst>
+              </p:cNvPr>
+              <p:cNvSpPr/>
+              <p:nvPr/>
+            </p:nvSpPr>
+            <p:spPr>
+              <a:xfrm>
+                <a:off x="4321775" y="3279700"/>
+                <a:ext cx="523216" cy="87202"/>
+              </a:xfrm>
+              <a:prstGeom prst="parallelogram">
+                <a:avLst>
+                  <a:gd name="adj" fmla="val 140840"/>
+                </a:avLst>
+              </a:prstGeom>
+            </p:spPr>
+            <p:style>
+              <a:lnRef idx="2">
+                <a:schemeClr val="dk2">
+                  <a:shade val="80000"/>
+                  <a:hueOff val="0"/>
+                  <a:satOff val="0"/>
+                  <a:lumOff val="0"/>
+                  <a:alphaOff val="0"/>
+                </a:schemeClr>
+              </a:lnRef>
+              <a:fillRef idx="1">
+                <a:schemeClr val="lt1">
+                  <a:hueOff val="0"/>
+                  <a:satOff val="0"/>
+                  <a:lumOff val="0"/>
+                  <a:alphaOff val="0"/>
+                </a:schemeClr>
+              </a:fillRef>
+              <a:effectRef idx="0">
+                <a:schemeClr val="lt1">
+                  <a:hueOff val="0"/>
+                  <a:satOff val="0"/>
+                  <a:lumOff val="0"/>
+                  <a:alphaOff val="0"/>
+                </a:schemeClr>
+              </a:effectRef>
+              <a:fontRef idx="minor">
+                <a:schemeClr val="dk2">
+                  <a:hueOff val="0"/>
+                  <a:satOff val="0"/>
+                  <a:lumOff val="0"/>
+                  <a:alphaOff val="0"/>
+                </a:schemeClr>
+              </a:fontRef>
+            </p:style>
+          </p:sp>
+          <p:sp>
+            <p:nvSpPr>
+              <p:cNvPr id="16" name="Parallelogram 15">
+                <a:extLst>
+                  <a:ext uri="{FF2B5EF4-FFF2-40B4-BE49-F238E27FC236}">
+                    <a16:creationId xmlns:a16="http://schemas.microsoft.com/office/drawing/2014/main" id="{EB50F835-EE54-4736-AF76-486F378DE1A2}"/>
+                  </a:ext>
+                </a:extLst>
+              </p:cNvPr>
+              <p:cNvSpPr/>
+              <p:nvPr/>
+            </p:nvSpPr>
+            <p:spPr>
+              <a:xfrm>
+                <a:off x="4875513" y="3279700"/>
+                <a:ext cx="523216" cy="87202"/>
+              </a:xfrm>
+              <a:prstGeom prst="parallelogram">
+                <a:avLst>
+                  <a:gd name="adj" fmla="val 140840"/>
+                </a:avLst>
+              </a:prstGeom>
+            </p:spPr>
+            <p:style>
+              <a:lnRef idx="2">
+                <a:schemeClr val="dk2">
+                  <a:shade val="80000"/>
+                  <a:hueOff val="0"/>
+                  <a:satOff val="0"/>
+                  <a:lumOff val="0"/>
+                  <a:alphaOff val="0"/>
+                </a:schemeClr>
+              </a:lnRef>
+              <a:fillRef idx="1">
+                <a:schemeClr val="lt1">
+                  <a:hueOff val="0"/>
+                  <a:satOff val="0"/>
+                  <a:lumOff val="0"/>
+                  <a:alphaOff val="0"/>
+                </a:schemeClr>
+              </a:fillRef>
+              <a:effectRef idx="0">
+                <a:schemeClr val="lt1">
+                  <a:hueOff val="0"/>
+                  <a:satOff val="0"/>
+                  <a:lumOff val="0"/>
+                  <a:alphaOff val="0"/>
+                </a:schemeClr>
+              </a:effectRef>
+              <a:fontRef idx="minor">
+                <a:schemeClr val="dk2">
+                  <a:hueOff val="0"/>
+                  <a:satOff val="0"/>
+                  <a:lumOff val="0"/>
+                  <a:alphaOff val="0"/>
+                </a:schemeClr>
+              </a:fontRef>
+            </p:style>
+          </p:sp>
+          <p:sp>
+            <p:nvSpPr>
+              <p:cNvPr id="17" name="Parallelogram 16">
+                <a:extLst>
+                  <a:ext uri="{FF2B5EF4-FFF2-40B4-BE49-F238E27FC236}">
+                    <a16:creationId xmlns:a16="http://schemas.microsoft.com/office/drawing/2014/main" id="{6A3F44A2-C58D-492A-A83C-362595881A26}"/>
+                  </a:ext>
+                </a:extLst>
+              </p:cNvPr>
+              <p:cNvSpPr/>
+              <p:nvPr/>
+            </p:nvSpPr>
+            <p:spPr>
+              <a:xfrm>
+                <a:off x="5429250" y="3279700"/>
+                <a:ext cx="523216" cy="87202"/>
+              </a:xfrm>
+              <a:prstGeom prst="parallelogram">
+                <a:avLst>
+                  <a:gd name="adj" fmla="val 140840"/>
+                </a:avLst>
+              </a:prstGeom>
+            </p:spPr>
+            <p:style>
+              <a:lnRef idx="2">
+                <a:schemeClr val="dk2">
+                  <a:shade val="80000"/>
+                  <a:hueOff val="0"/>
+                  <a:satOff val="0"/>
+                  <a:lumOff val="0"/>
+                  <a:alphaOff val="0"/>
+                </a:schemeClr>
+              </a:lnRef>
+              <a:fillRef idx="1">
+                <a:schemeClr val="lt1">
+                  <a:hueOff val="0"/>
+                  <a:satOff val="0"/>
+                  <a:lumOff val="0"/>
+                  <a:alphaOff val="0"/>
+                </a:schemeClr>
+              </a:fillRef>
+              <a:effectRef idx="0">
+                <a:schemeClr val="lt1">
+                  <a:hueOff val="0"/>
+                  <a:satOff val="0"/>
+                  <a:lumOff val="0"/>
+                  <a:alphaOff val="0"/>
+                </a:schemeClr>
+              </a:effectRef>
+              <a:fontRef idx="minor">
+                <a:schemeClr val="dk2">
+                  <a:hueOff val="0"/>
+                  <a:satOff val="0"/>
+                  <a:lumOff val="0"/>
+                  <a:alphaOff val="0"/>
+                </a:schemeClr>
+              </a:fontRef>
+            </p:style>
+          </p:sp>
+          <p:sp>
+            <p:nvSpPr>
+              <p:cNvPr id="18" name="Parallelogram 17">
+                <a:extLst>
+                  <a:ext uri="{FF2B5EF4-FFF2-40B4-BE49-F238E27FC236}">
+                    <a16:creationId xmlns:a16="http://schemas.microsoft.com/office/drawing/2014/main" id="{4F5C303E-621C-4B8F-B5EB-5D65C1EA2911}"/>
+                  </a:ext>
+                </a:extLst>
+              </p:cNvPr>
+              <p:cNvSpPr/>
+              <p:nvPr/>
+            </p:nvSpPr>
+            <p:spPr>
+              <a:xfrm>
+                <a:off x="5982988" y="3279700"/>
+                <a:ext cx="523216" cy="87202"/>
+              </a:xfrm>
+              <a:prstGeom prst="parallelogram">
+                <a:avLst>
+                  <a:gd name="adj" fmla="val 140840"/>
+                </a:avLst>
+              </a:prstGeom>
+            </p:spPr>
+            <p:style>
+              <a:lnRef idx="2">
+                <a:schemeClr val="dk2">
+                  <a:shade val="80000"/>
+                  <a:hueOff val="0"/>
+                  <a:satOff val="0"/>
+                  <a:lumOff val="0"/>
+                  <a:alphaOff val="0"/>
+                </a:schemeClr>
+              </a:lnRef>
+              <a:fillRef idx="1">
+                <a:schemeClr val="lt1">
+                  <a:hueOff val="0"/>
+                  <a:satOff val="0"/>
+                  <a:lumOff val="0"/>
+                  <a:alphaOff val="0"/>
+                </a:schemeClr>
+              </a:fillRef>
+              <a:effectRef idx="0">
+                <a:schemeClr val="lt1">
+                  <a:hueOff val="0"/>
+                  <a:satOff val="0"/>
+                  <a:lumOff val="0"/>
+                  <a:alphaOff val="0"/>
+                </a:schemeClr>
+              </a:effectRef>
+              <a:fontRef idx="minor">
+                <a:schemeClr val="dk2">
+                  <a:hueOff val="0"/>
+                  <a:satOff val="0"/>
+                  <a:lumOff val="0"/>
+                  <a:alphaOff val="0"/>
+                </a:schemeClr>
+              </a:fontRef>
+            </p:style>
+          </p:sp>
+          <p:sp>
+            <p:nvSpPr>
+              <p:cNvPr id="19" name="Parallelogram 18">
+                <a:extLst>
+                  <a:ext uri="{FF2B5EF4-FFF2-40B4-BE49-F238E27FC236}">
+                    <a16:creationId xmlns:a16="http://schemas.microsoft.com/office/drawing/2014/main" id="{D2F4ED67-ED16-4DC6-93DC-2FDD416C627A}"/>
+                  </a:ext>
+                </a:extLst>
+              </p:cNvPr>
+              <p:cNvSpPr/>
+              <p:nvPr/>
+            </p:nvSpPr>
+            <p:spPr>
+              <a:xfrm>
+                <a:off x="6536726" y="3279700"/>
+                <a:ext cx="523216" cy="87202"/>
+              </a:xfrm>
+              <a:prstGeom prst="parallelogram">
+                <a:avLst>
+                  <a:gd name="adj" fmla="val 140840"/>
+                </a:avLst>
+              </a:prstGeom>
+            </p:spPr>
+            <p:style>
+              <a:lnRef idx="2">
+                <a:schemeClr val="dk2">
+                  <a:shade val="80000"/>
+                  <a:hueOff val="0"/>
+                  <a:satOff val="0"/>
+                  <a:lumOff val="0"/>
+                  <a:alphaOff val="0"/>
+                </a:schemeClr>
+              </a:lnRef>
+              <a:fillRef idx="1">
+                <a:schemeClr val="lt1">
+                  <a:hueOff val="0"/>
+                  <a:satOff val="0"/>
+                  <a:lumOff val="0"/>
+                  <a:alphaOff val="0"/>
+                </a:schemeClr>
+              </a:fillRef>
+              <a:effectRef idx="0">
+                <a:schemeClr val="lt1">
+                  <a:hueOff val="0"/>
+                  <a:satOff val="0"/>
+                  <a:lumOff val="0"/>
+                  <a:alphaOff val="0"/>
+                </a:schemeClr>
+              </a:effectRef>
+              <a:fontRef idx="minor">
+                <a:schemeClr val="dk2">
+                  <a:hueOff val="0"/>
+                  <a:satOff val="0"/>
+                  <a:lumOff val="0"/>
+                  <a:alphaOff val="0"/>
+                </a:schemeClr>
+              </a:fontRef>
+            </p:style>
+          </p:sp>
+          <p:sp>
+            <p:nvSpPr>
+              <p:cNvPr id="20" name="Parallelogram 19">
+                <a:extLst>
+                  <a:ext uri="{FF2B5EF4-FFF2-40B4-BE49-F238E27FC236}">
+                    <a16:creationId xmlns:a16="http://schemas.microsoft.com/office/drawing/2014/main" id="{A237BDF7-49C4-4973-8EDC-09A94E0DA3BF}"/>
+                  </a:ext>
+                </a:extLst>
+              </p:cNvPr>
+              <p:cNvSpPr/>
+              <p:nvPr/>
+            </p:nvSpPr>
+            <p:spPr>
+              <a:xfrm>
+                <a:off x="7090463" y="3279700"/>
+                <a:ext cx="523216" cy="87202"/>
+              </a:xfrm>
+              <a:prstGeom prst="parallelogram">
+                <a:avLst>
+                  <a:gd name="adj" fmla="val 140840"/>
+                </a:avLst>
+              </a:prstGeom>
+            </p:spPr>
+            <p:style>
+              <a:lnRef idx="2">
+                <a:schemeClr val="dk2">
+                  <a:shade val="80000"/>
+                  <a:hueOff val="0"/>
+                  <a:satOff val="0"/>
+                  <a:lumOff val="0"/>
+                  <a:alphaOff val="0"/>
+                </a:schemeClr>
+              </a:lnRef>
+              <a:fillRef idx="1">
+                <a:schemeClr val="lt1">
+                  <a:hueOff val="0"/>
+                  <a:satOff val="0"/>
+                  <a:lumOff val="0"/>
+                  <a:alphaOff val="0"/>
+                </a:schemeClr>
+              </a:fillRef>
+              <a:effectRef idx="0">
+                <a:schemeClr val="lt1">
+                  <a:hueOff val="0"/>
+                  <a:satOff val="0"/>
+                  <a:lumOff val="0"/>
+                  <a:alphaOff val="0"/>
+                </a:schemeClr>
+              </a:effectRef>
+              <a:fontRef idx="minor">
+                <a:schemeClr val="dk2">
+                  <a:hueOff val="0"/>
+                  <a:satOff val="0"/>
+                  <a:lumOff val="0"/>
+                  <a:alphaOff val="0"/>
+                </a:schemeClr>
+              </a:fontRef>
+            </p:style>
+          </p:sp>
+          <p:sp>
+            <p:nvSpPr>
+              <p:cNvPr id="21" name="Parallelogram 20">
+                <a:extLst>
+                  <a:ext uri="{FF2B5EF4-FFF2-40B4-BE49-F238E27FC236}">
+                    <a16:creationId xmlns:a16="http://schemas.microsoft.com/office/drawing/2014/main" id="{75E70AF0-11AB-4B3C-8468-02D975375535}"/>
+                  </a:ext>
+                </a:extLst>
+              </p:cNvPr>
+              <p:cNvSpPr/>
+              <p:nvPr/>
+            </p:nvSpPr>
+            <p:spPr>
+              <a:xfrm>
+                <a:off x="7644201" y="3279700"/>
+                <a:ext cx="523216" cy="87202"/>
+              </a:xfrm>
+              <a:prstGeom prst="parallelogram">
+                <a:avLst>
+                  <a:gd name="adj" fmla="val 140840"/>
+                </a:avLst>
+              </a:prstGeom>
+            </p:spPr>
+            <p:style>
+              <a:lnRef idx="2">
+                <a:schemeClr val="dk2">
+                  <a:shade val="80000"/>
+                  <a:hueOff val="0"/>
+                  <a:satOff val="0"/>
+                  <a:lumOff val="0"/>
+                  <a:alphaOff val="0"/>
+                </a:schemeClr>
+              </a:lnRef>
+              <a:fillRef idx="1">
+                <a:schemeClr val="lt1">
+                  <a:hueOff val="0"/>
+                  <a:satOff val="0"/>
+                  <a:lumOff val="0"/>
+                  <a:alphaOff val="0"/>
+                </a:schemeClr>
+              </a:fillRef>
+              <a:effectRef idx="0">
+                <a:schemeClr val="lt1">
+                  <a:hueOff val="0"/>
+                  <a:satOff val="0"/>
+                  <a:lumOff val="0"/>
+                  <a:alphaOff val="0"/>
+                </a:schemeClr>
+              </a:effectRef>
+              <a:fontRef idx="minor">
+                <a:schemeClr val="dk2">
+                  <a:hueOff val="0"/>
+                  <a:satOff val="0"/>
+                  <a:lumOff val="0"/>
+                  <a:alphaOff val="0"/>
+                </a:schemeClr>
+              </a:fontRef>
+            </p:style>
+          </p:sp>
+        </p:grpSp>
+      </p:grpSp>
+      <p:grpSp>
+        <p:nvGrpSpPr>
+          <p:cNvPr id="33" name="Group 32">
+            <a:extLst>
+              <a:ext uri="{FF2B5EF4-FFF2-40B4-BE49-F238E27FC236}">
+                <a16:creationId xmlns:a16="http://schemas.microsoft.com/office/drawing/2014/main" id="{7C9120DE-0010-4959-A239-9B98DD561A91}"/>
+              </a:ext>
+            </a:extLst>
+          </p:cNvPr>
+          <p:cNvGrpSpPr/>
+          <p:nvPr/>
+        </p:nvGrpSpPr>
+        <p:grpSpPr>
+          <a:xfrm>
+            <a:off x="4836272" y="3425038"/>
+            <a:ext cx="3924124" cy="443940"/>
+            <a:chOff x="4321775" y="3425038"/>
+            <a:chExt cx="3924124" cy="443940"/>
+          </a:xfrm>
+        </p:grpSpPr>
+        <p:sp>
+          <p:nvSpPr>
+            <p:cNvPr id="22" name="Freeform: Shape 21">
+              <a:extLst>
+                <a:ext uri="{FF2B5EF4-FFF2-40B4-BE49-F238E27FC236}">
+                  <a16:creationId xmlns:a16="http://schemas.microsoft.com/office/drawing/2014/main" id="{82408491-6D07-4637-A8A3-8A9A1ED95BFB}"/>
+                </a:ext>
+              </a:extLst>
+            </p:cNvPr>
+            <p:cNvSpPr/>
+            <p:nvPr/>
+          </p:nvSpPr>
+          <p:spPr>
+            <a:xfrm>
+              <a:off x="4321775" y="3425038"/>
+              <a:ext cx="3924124" cy="356738"/>
+            </a:xfrm>
+            <a:custGeom>
+              <a:avLst/>
+              <a:gdLst>
+                <a:gd name="connsiteX0" fmla="*/ 0 w 3924124"/>
+                <a:gd name="connsiteY0" fmla="*/ 0 h 356738"/>
+                <a:gd name="connsiteX1" fmla="*/ 3924124 w 3924124"/>
+                <a:gd name="connsiteY1" fmla="*/ 0 h 356738"/>
+                <a:gd name="connsiteX2" fmla="*/ 3924124 w 3924124"/>
+                <a:gd name="connsiteY2" fmla="*/ 356738 h 356738"/>
+                <a:gd name="connsiteX3" fmla="*/ 0 w 3924124"/>
+                <a:gd name="connsiteY3" fmla="*/ 356738 h 356738"/>
+                <a:gd name="connsiteX4" fmla="*/ 0 w 3924124"/>
+                <a:gd name="connsiteY4" fmla="*/ 0 h 356738"/>
+              </a:gdLst>
+              <a:ahLst/>
+              <a:cxnLst>
+                <a:cxn ang="0">
+                  <a:pos x="connsiteX0" y="connsiteY0"/>
+                </a:cxn>
+                <a:cxn ang="0">
+                  <a:pos x="connsiteX1" y="connsiteY1"/>
+                </a:cxn>
+                <a:cxn ang="0">
+                  <a:pos x="connsiteX2" y="connsiteY2"/>
+                </a:cxn>
+                <a:cxn ang="0">
+                  <a:pos x="connsiteX3" y="connsiteY3"/>
+                </a:cxn>
+                <a:cxn ang="0">
+                  <a:pos x="connsiteX4" y="connsiteY4"/>
+                </a:cxn>
+              </a:cxnLst>
+              <a:rect l="l" t="t" r="r" b="b"/>
+              <a:pathLst>
+                <a:path w="3924124" h="356738">
+                  <a:moveTo>
+                    <a:pt x="0" y="0"/>
+                  </a:moveTo>
+                  <a:lnTo>
+                    <a:pt x="3924124" y="0"/>
+                  </a:lnTo>
+                  <a:lnTo>
+                    <a:pt x="3924124" y="356738"/>
+                  </a:lnTo>
+                  <a:lnTo>
+                    <a:pt x="0" y="356738"/>
+                  </a:lnTo>
+                  <a:lnTo>
+                    <a:pt x="0" y="0"/>
+                  </a:lnTo>
+                  <a:close/>
+                </a:path>
+              </a:pathLst>
+            </a:custGeom>
+            <a:noFill/>
+            <a:ln>
+              <a:noFill/>
+            </a:ln>
+            <a:effectLst/>
+          </p:spPr>
+          <p:style>
+            <a:lnRef idx="0">
+              <a:scrgbClr r="0" g="0" b="0"/>
+            </a:lnRef>
+            <a:fillRef idx="0">
+              <a:scrgbClr r="0" g="0" b="0"/>
+            </a:fillRef>
+            <a:effectRef idx="0">
+              <a:scrgbClr r="0" g="0" b="0"/>
+            </a:effectRef>
+            <a:fontRef idx="minor">
+              <a:schemeClr val="tx1">
+                <a:hueOff val="0"/>
+                <a:satOff val="0"/>
+                <a:lumOff val="0"/>
+                <a:alphaOff val="0"/>
+              </a:schemeClr>
+            </a:fontRef>
+          </p:style>
+          <p:txBody>
+            <a:bodyPr spcFirstLastPara="0" vert="horz" wrap="square" lIns="64770" tIns="64770" rIns="64770" bIns="64770" numCol="1" spcCol="1270" anchor="b" anchorCtr="0">
+              <a:noAutofit/>
+            </a:bodyPr>
+            <a:lstStyle/>
+            <a:p>
+              <a:pPr marL="0" lvl="0" indent="0" algn="l" defTabSz="755650">
+                <a:lnSpc>
+                  <a:spcPct val="90000"/>
+                </a:lnSpc>
+                <a:spcBef>
+                  <a:spcPct val="0"/>
+                </a:spcBef>
+                <a:spcAft>
+                  <a:spcPct val="35000"/>
+                </a:spcAft>
+                <a:buNone/>
+              </a:pPr>
+              <a:r>
+                <a:rPr lang="en-US" sz="1700" kern="1200" dirty="0">
+                  <a:solidFill>
+                    <a:srgbClr val="4D4D4D">
+                      <a:lumMod val="50000"/>
+                    </a:srgbClr>
+                  </a:solidFill>
+                  <a:effectLst>
+                    <a:outerShdw blurRad="50800" dist="38100" dir="8100000" algn="tr" rotWithShape="0">
+                      <a:prstClr val="black">
+                        <a:alpha val="40000"/>
+                      </a:prstClr>
+                    </a:outerShdw>
+                  </a:effectLst>
+                  <a:latin typeface="Arial"/>
+                  <a:ea typeface="+mn-ea"/>
+                  <a:cs typeface="+mn-cs"/>
+                </a:rPr>
+                <a:t>Category List</a:t>
+              </a:r>
+            </a:p>
+          </p:txBody>
+        </p:sp>
+        <p:grpSp>
+          <p:nvGrpSpPr>
+            <p:cNvPr id="32" name="Group 31">
+              <a:extLst>
+                <a:ext uri="{FF2B5EF4-FFF2-40B4-BE49-F238E27FC236}">
+                  <a16:creationId xmlns:a16="http://schemas.microsoft.com/office/drawing/2014/main" id="{F6D5B2D2-7F43-4BFA-8846-1DAA301584D7}"/>
+                </a:ext>
+              </a:extLst>
+            </p:cNvPr>
+            <p:cNvGrpSpPr/>
+            <p:nvPr/>
+          </p:nvGrpSpPr>
+          <p:grpSpPr>
+            <a:xfrm>
+              <a:off x="4321775" y="3781776"/>
+              <a:ext cx="3845642" cy="87202"/>
+              <a:chOff x="4321775" y="3781776"/>
+              <a:chExt cx="3845642" cy="87202"/>
+            </a:xfrm>
+          </p:grpSpPr>
+          <p:sp>
+            <p:nvSpPr>
+              <p:cNvPr id="23" name="Parallelogram 22">
+                <a:extLst>
+                  <a:ext uri="{FF2B5EF4-FFF2-40B4-BE49-F238E27FC236}">
+                    <a16:creationId xmlns:a16="http://schemas.microsoft.com/office/drawing/2014/main" id="{7B70AB47-393B-4CE3-A6BD-B0B9DCD3E0D7}"/>
+                  </a:ext>
+                </a:extLst>
+              </p:cNvPr>
+              <p:cNvSpPr/>
+              <p:nvPr/>
+            </p:nvSpPr>
+            <p:spPr>
+              <a:xfrm>
+                <a:off x="4321775" y="3781776"/>
+                <a:ext cx="523216" cy="87202"/>
+              </a:xfrm>
+              <a:prstGeom prst="parallelogram">
+                <a:avLst>
+                  <a:gd name="adj" fmla="val 140840"/>
+                </a:avLst>
+              </a:prstGeom>
+            </p:spPr>
+            <p:style>
+              <a:lnRef idx="2">
+                <a:schemeClr val="dk2">
+                  <a:shade val="80000"/>
+                  <a:hueOff val="0"/>
+                  <a:satOff val="0"/>
+                  <a:lumOff val="0"/>
+                  <a:alphaOff val="0"/>
+                </a:schemeClr>
+              </a:lnRef>
+              <a:fillRef idx="1">
+                <a:schemeClr val="lt1">
+                  <a:hueOff val="0"/>
+                  <a:satOff val="0"/>
+                  <a:lumOff val="0"/>
+                  <a:alphaOff val="0"/>
+                </a:schemeClr>
+              </a:fillRef>
+              <a:effectRef idx="0">
+                <a:schemeClr val="lt1">
+                  <a:hueOff val="0"/>
+                  <a:satOff val="0"/>
+                  <a:lumOff val="0"/>
+                  <a:alphaOff val="0"/>
+                </a:schemeClr>
+              </a:effectRef>
+              <a:fontRef idx="minor">
+                <a:schemeClr val="dk2">
+                  <a:hueOff val="0"/>
+                  <a:satOff val="0"/>
+                  <a:lumOff val="0"/>
+                  <a:alphaOff val="0"/>
+                </a:schemeClr>
+              </a:fontRef>
+            </p:style>
+          </p:sp>
+          <p:sp>
+            <p:nvSpPr>
+              <p:cNvPr id="24" name="Parallelogram 23">
+                <a:extLst>
+                  <a:ext uri="{FF2B5EF4-FFF2-40B4-BE49-F238E27FC236}">
+                    <a16:creationId xmlns:a16="http://schemas.microsoft.com/office/drawing/2014/main" id="{A55730B9-96FB-4DFB-95D3-3092E0D132DE}"/>
+                  </a:ext>
+                </a:extLst>
+              </p:cNvPr>
+              <p:cNvSpPr/>
+              <p:nvPr/>
+            </p:nvSpPr>
+            <p:spPr>
+              <a:xfrm>
+                <a:off x="4875513" y="3781776"/>
+                <a:ext cx="523216" cy="87202"/>
+              </a:xfrm>
+              <a:prstGeom prst="parallelogram">
+                <a:avLst>
+                  <a:gd name="adj" fmla="val 140840"/>
+                </a:avLst>
+              </a:prstGeom>
+            </p:spPr>
+            <p:style>
+              <a:lnRef idx="2">
+                <a:schemeClr val="dk2">
+                  <a:shade val="80000"/>
+                  <a:hueOff val="0"/>
+                  <a:satOff val="0"/>
+                  <a:lumOff val="0"/>
+                  <a:alphaOff val="0"/>
+                </a:schemeClr>
+              </a:lnRef>
+              <a:fillRef idx="1">
+                <a:schemeClr val="lt1">
+                  <a:hueOff val="0"/>
+                  <a:satOff val="0"/>
+                  <a:lumOff val="0"/>
+                  <a:alphaOff val="0"/>
+                </a:schemeClr>
+              </a:fillRef>
+              <a:effectRef idx="0">
+                <a:schemeClr val="lt1">
+                  <a:hueOff val="0"/>
+                  <a:satOff val="0"/>
+                  <a:lumOff val="0"/>
+                  <a:alphaOff val="0"/>
+                </a:schemeClr>
+              </a:effectRef>
+              <a:fontRef idx="minor">
+                <a:schemeClr val="dk2">
+                  <a:hueOff val="0"/>
+                  <a:satOff val="0"/>
+                  <a:lumOff val="0"/>
+                  <a:alphaOff val="0"/>
+                </a:schemeClr>
+              </a:fontRef>
+            </p:style>
+          </p:sp>
+          <p:sp>
+            <p:nvSpPr>
+              <p:cNvPr id="25" name="Parallelogram 24">
+                <a:extLst>
+                  <a:ext uri="{FF2B5EF4-FFF2-40B4-BE49-F238E27FC236}">
+                    <a16:creationId xmlns:a16="http://schemas.microsoft.com/office/drawing/2014/main" id="{099B6107-1169-402E-A905-6109731F783A}"/>
+                  </a:ext>
+                </a:extLst>
+              </p:cNvPr>
+              <p:cNvSpPr/>
+              <p:nvPr/>
+            </p:nvSpPr>
+            <p:spPr>
+              <a:xfrm>
+                <a:off x="5429250" y="3781776"/>
+                <a:ext cx="523216" cy="87202"/>
+              </a:xfrm>
+              <a:prstGeom prst="parallelogram">
+                <a:avLst>
+                  <a:gd name="adj" fmla="val 140840"/>
+                </a:avLst>
+              </a:prstGeom>
+            </p:spPr>
+            <p:style>
+              <a:lnRef idx="2">
+                <a:schemeClr val="dk2">
+                  <a:shade val="80000"/>
+                  <a:hueOff val="0"/>
+                  <a:satOff val="0"/>
+                  <a:lumOff val="0"/>
+                  <a:alphaOff val="0"/>
+                </a:schemeClr>
+              </a:lnRef>
+              <a:fillRef idx="1">
+                <a:schemeClr val="lt1">
+                  <a:hueOff val="0"/>
+                  <a:satOff val="0"/>
+                  <a:lumOff val="0"/>
+                  <a:alphaOff val="0"/>
+                </a:schemeClr>
+              </a:fillRef>
+              <a:effectRef idx="0">
+                <a:schemeClr val="lt1">
+                  <a:hueOff val="0"/>
+                  <a:satOff val="0"/>
+                  <a:lumOff val="0"/>
+                  <a:alphaOff val="0"/>
+                </a:schemeClr>
+              </a:effectRef>
+              <a:fontRef idx="minor">
+                <a:schemeClr val="dk2">
+                  <a:hueOff val="0"/>
+                  <a:satOff val="0"/>
+                  <a:lumOff val="0"/>
+                  <a:alphaOff val="0"/>
+                </a:schemeClr>
+              </a:fontRef>
+            </p:style>
+          </p:sp>
+          <p:sp>
+            <p:nvSpPr>
+              <p:cNvPr id="26" name="Parallelogram 25">
+                <a:extLst>
+                  <a:ext uri="{FF2B5EF4-FFF2-40B4-BE49-F238E27FC236}">
+                    <a16:creationId xmlns:a16="http://schemas.microsoft.com/office/drawing/2014/main" id="{2C0F5608-4C64-49BF-9118-0B7BDA33B251}"/>
+                  </a:ext>
+                </a:extLst>
+              </p:cNvPr>
+              <p:cNvSpPr/>
+              <p:nvPr/>
+            </p:nvSpPr>
+            <p:spPr>
+              <a:xfrm>
+                <a:off x="5982988" y="3781776"/>
+                <a:ext cx="523216" cy="87202"/>
+              </a:xfrm>
+              <a:prstGeom prst="parallelogram">
+                <a:avLst>
+                  <a:gd name="adj" fmla="val 140840"/>
+                </a:avLst>
+              </a:prstGeom>
+            </p:spPr>
+            <p:style>
+              <a:lnRef idx="2">
+                <a:schemeClr val="dk2">
+                  <a:shade val="80000"/>
+                  <a:hueOff val="0"/>
+                  <a:satOff val="0"/>
+                  <a:lumOff val="0"/>
+                  <a:alphaOff val="0"/>
+                </a:schemeClr>
+              </a:lnRef>
+              <a:fillRef idx="1">
+                <a:schemeClr val="lt1">
+                  <a:hueOff val="0"/>
+                  <a:satOff val="0"/>
+                  <a:lumOff val="0"/>
+                  <a:alphaOff val="0"/>
+                </a:schemeClr>
+              </a:fillRef>
+              <a:effectRef idx="0">
+                <a:schemeClr val="lt1">
+                  <a:hueOff val="0"/>
+                  <a:satOff val="0"/>
+                  <a:lumOff val="0"/>
+                  <a:alphaOff val="0"/>
+                </a:schemeClr>
+              </a:effectRef>
+              <a:fontRef idx="minor">
+                <a:schemeClr val="dk2">
+                  <a:hueOff val="0"/>
+                  <a:satOff val="0"/>
+                  <a:lumOff val="0"/>
+                  <a:alphaOff val="0"/>
+                </a:schemeClr>
+              </a:fontRef>
+            </p:style>
+          </p:sp>
+          <p:sp>
+            <p:nvSpPr>
+              <p:cNvPr id="27" name="Parallelogram 26">
+                <a:extLst>
+                  <a:ext uri="{FF2B5EF4-FFF2-40B4-BE49-F238E27FC236}">
+                    <a16:creationId xmlns:a16="http://schemas.microsoft.com/office/drawing/2014/main" id="{6CBA3B6C-5431-4EB7-A352-3C0FF59DC1F9}"/>
+                  </a:ext>
+                </a:extLst>
+              </p:cNvPr>
+              <p:cNvSpPr/>
+              <p:nvPr/>
+            </p:nvSpPr>
+            <p:spPr>
+              <a:xfrm>
+                <a:off x="6536726" y="3781776"/>
+                <a:ext cx="523216" cy="87202"/>
+              </a:xfrm>
+              <a:prstGeom prst="parallelogram">
+                <a:avLst>
+                  <a:gd name="adj" fmla="val 140840"/>
+                </a:avLst>
+              </a:prstGeom>
+            </p:spPr>
+            <p:style>
+              <a:lnRef idx="2">
+                <a:schemeClr val="dk2">
+                  <a:shade val="80000"/>
+                  <a:hueOff val="0"/>
+                  <a:satOff val="0"/>
+                  <a:lumOff val="0"/>
+                  <a:alphaOff val="0"/>
+                </a:schemeClr>
+              </a:lnRef>
+              <a:fillRef idx="1">
+                <a:schemeClr val="lt1">
+                  <a:hueOff val="0"/>
+                  <a:satOff val="0"/>
+                  <a:lumOff val="0"/>
+                  <a:alphaOff val="0"/>
+                </a:schemeClr>
+              </a:fillRef>
+              <a:effectRef idx="0">
+                <a:schemeClr val="lt1">
+                  <a:hueOff val="0"/>
+                  <a:satOff val="0"/>
+                  <a:lumOff val="0"/>
+                  <a:alphaOff val="0"/>
+                </a:schemeClr>
+              </a:effectRef>
+              <a:fontRef idx="minor">
+                <a:schemeClr val="dk2">
+                  <a:hueOff val="0"/>
+                  <a:satOff val="0"/>
+                  <a:lumOff val="0"/>
+                  <a:alphaOff val="0"/>
+                </a:schemeClr>
+              </a:fontRef>
+            </p:style>
+          </p:sp>
+          <p:sp>
+            <p:nvSpPr>
+              <p:cNvPr id="28" name="Parallelogram 27">
+                <a:extLst>
+                  <a:ext uri="{FF2B5EF4-FFF2-40B4-BE49-F238E27FC236}">
+                    <a16:creationId xmlns:a16="http://schemas.microsoft.com/office/drawing/2014/main" id="{096A1728-7066-4A64-B646-636363809F89}"/>
+                  </a:ext>
+                </a:extLst>
+              </p:cNvPr>
+              <p:cNvSpPr/>
+              <p:nvPr/>
+            </p:nvSpPr>
+            <p:spPr>
+              <a:xfrm>
+                <a:off x="7090463" y="3781776"/>
+                <a:ext cx="523216" cy="87202"/>
+              </a:xfrm>
+              <a:prstGeom prst="parallelogram">
+                <a:avLst>
+                  <a:gd name="adj" fmla="val 140840"/>
+                </a:avLst>
+              </a:prstGeom>
+            </p:spPr>
+            <p:style>
+              <a:lnRef idx="2">
+                <a:schemeClr val="dk2">
+                  <a:shade val="80000"/>
+                  <a:hueOff val="0"/>
+                  <a:satOff val="0"/>
+                  <a:lumOff val="0"/>
+                  <a:alphaOff val="0"/>
+                </a:schemeClr>
+              </a:lnRef>
+              <a:fillRef idx="1">
+                <a:schemeClr val="lt1">
+                  <a:hueOff val="0"/>
+                  <a:satOff val="0"/>
+                  <a:lumOff val="0"/>
+                  <a:alphaOff val="0"/>
+                </a:schemeClr>
+              </a:fillRef>
+              <a:effectRef idx="0">
+                <a:schemeClr val="lt1">
+                  <a:hueOff val="0"/>
+                  <a:satOff val="0"/>
+                  <a:lumOff val="0"/>
+                  <a:alphaOff val="0"/>
+                </a:schemeClr>
+              </a:effectRef>
+              <a:fontRef idx="minor">
+                <a:schemeClr val="dk2">
+                  <a:hueOff val="0"/>
+                  <a:satOff val="0"/>
+                  <a:lumOff val="0"/>
+                  <a:alphaOff val="0"/>
+                </a:schemeClr>
+              </a:fontRef>
+            </p:style>
+          </p:sp>
+          <p:sp>
+            <p:nvSpPr>
+              <p:cNvPr id="29" name="Parallelogram 28">
+                <a:extLst>
+                  <a:ext uri="{FF2B5EF4-FFF2-40B4-BE49-F238E27FC236}">
+                    <a16:creationId xmlns:a16="http://schemas.microsoft.com/office/drawing/2014/main" id="{58954733-C2E5-448A-A7D8-B023AF6555F2}"/>
+                  </a:ext>
+                </a:extLst>
+              </p:cNvPr>
+              <p:cNvSpPr/>
+              <p:nvPr/>
+            </p:nvSpPr>
+            <p:spPr>
+              <a:xfrm>
+                <a:off x="7644201" y="3781776"/>
+                <a:ext cx="523216" cy="87202"/>
+              </a:xfrm>
+              <a:prstGeom prst="parallelogram">
+                <a:avLst>
+                  <a:gd name="adj" fmla="val 140840"/>
+                </a:avLst>
+              </a:prstGeom>
+            </p:spPr>
+            <p:style>
+              <a:lnRef idx="2">
+                <a:schemeClr val="dk2">
+                  <a:shade val="80000"/>
+                  <a:hueOff val="0"/>
+                  <a:satOff val="0"/>
+                  <a:lumOff val="0"/>
+                  <a:alphaOff val="0"/>
+                </a:schemeClr>
+              </a:lnRef>
+              <a:fillRef idx="1">
+                <a:schemeClr val="lt1">
+                  <a:hueOff val="0"/>
+                  <a:satOff val="0"/>
+                  <a:lumOff val="0"/>
+                  <a:alphaOff val="0"/>
+                </a:schemeClr>
+              </a:fillRef>
+              <a:effectRef idx="0">
+                <a:schemeClr val="lt1">
+                  <a:hueOff val="0"/>
+                  <a:satOff val="0"/>
+                  <a:lumOff val="0"/>
+                  <a:alphaOff val="0"/>
+                </a:schemeClr>
+              </a:effectRef>
+              <a:fontRef idx="minor">
+                <a:schemeClr val="dk2">
+                  <a:hueOff val="0"/>
+                  <a:satOff val="0"/>
+                  <a:lumOff val="0"/>
+                  <a:alphaOff val="0"/>
+                </a:schemeClr>
+              </a:fontRef>
+            </p:style>
+          </p:sp>
+        </p:grpSp>
+      </p:grpSp>
+    </p:spTree>
+    <p:extLst>
+      <p:ext uri="{BB962C8B-B14F-4D97-AF65-F5344CB8AC3E}">
+        <p14:creationId xmlns:p14="http://schemas.microsoft.com/office/powerpoint/2010/main" val="1334431340"/>
+      </p:ext>
+    </p:extLst>
+  </p:cSld>
+  <p:clrMapOvr>
+    <a:masterClrMapping/>
+  </p:clrMapOvr>
+  <p:transition spd="slow">
+    <p:wipe/>
+  </p:transition>
+  <p:timing>
+    <p:tnLst>
+      <p:par>
+        <p:cTn id="1" dur="indefinite" restart="never" nodeType="tmRoot">
+          <p:childTnLst>
+            <p:seq concurrent="1" nextAc="seek">
+              <p:cTn id="2" dur="indefinite" nodeType="mainSeq">
+                <p:childTnLst>
+                  <p:par>
+                    <p:cTn id="3" fill="hold">
+                      <p:stCondLst>
+                        <p:cond delay="indefinite"/>
+                        <p:cond evt="onBegin" delay="0">
+                          <p:tn val="2"/>
+                        </p:cond>
+                      </p:stCondLst>
+                      <p:childTnLst>
+                        <p:par>
+                          <p:cTn id="4" fill="hold">
+                            <p:stCondLst>
+                              <p:cond delay="0"/>
+                            </p:stCondLst>
+                            <p:childTnLst>
+                              <p:par>
+                                <p:cTn id="5" presetID="35" presetClass="path" presetSubtype="0" accel="50000" decel="50000" fill="hold" grpId="1" nodeType="withEffect">
+                                  <p:stCondLst>
+                                    <p:cond delay="0"/>
+                                  </p:stCondLst>
+                                  <p:childTnLst>
+                                    <p:animMotion origin="layout" path="M 1.66667E-6 1.11111E-6 L -0.59219 1.11111E-6 " pathEditMode="relative" rAng="0" ptsTypes="AA">
+                                      <p:cBhvr>
+                                        <p:cTn id="6" dur="2000" fill="hold"/>
+                                        <p:tgtEl>
+                                          <p:spTgt spid="14"/>
+                                        </p:tgtEl>
+                                        <p:attrNameLst>
+                                          <p:attrName>ppt_x</p:attrName>
+                                          <p:attrName>ppt_y</p:attrName>
+                                        </p:attrNameLst>
+                                      </p:cBhvr>
+                                      <p:rCtr x="-29618" y="0"/>
+                                    </p:animMotion>
+                                  </p:childTnLst>
+                                </p:cTn>
+                              </p:par>
+                            </p:childTnLst>
+                          </p:cTn>
+                        </p:par>
+                        <p:par>
+                          <p:cTn id="7" fill="hold">
+                            <p:stCondLst>
+                              <p:cond delay="2000"/>
+                            </p:stCondLst>
+                            <p:childTnLst>
+                              <p:par>
+                                <p:cTn id="8" presetID="22" presetClass="entr" presetSubtype="8" fill="hold" grpId="0" nodeType="afterEffect">
+                                  <p:stCondLst>
+                                    <p:cond delay="0"/>
+                                  </p:stCondLst>
+                                  <p:childTnLst>
+                                    <p:set>
+                                      <p:cBhvr>
+                                        <p:cTn id="9" dur="1" fill="hold">
+                                          <p:stCondLst>
+                                            <p:cond delay="0"/>
+                                          </p:stCondLst>
+                                        </p:cTn>
+                                        <p:tgtEl>
+                                          <p:spTgt spid="2"/>
+                                        </p:tgtEl>
+                                        <p:attrNameLst>
+                                          <p:attrName>style.visibility</p:attrName>
+                                        </p:attrNameLst>
+                                      </p:cBhvr>
+                                      <p:to>
+                                        <p:strVal val="visible"/>
+                                      </p:to>
+                                    </p:set>
+                                    <p:animEffect transition="in" filter="wipe(left)">
+                                      <p:cBhvr>
+                                        <p:cTn id="10" dur="500"/>
+                                        <p:tgtEl>
+                                          <p:spTgt spid="2"/>
+                                        </p:tgtEl>
+                                      </p:cBhvr>
+                                    </p:animEffect>
+                                  </p:childTnLst>
+                                </p:cTn>
+                              </p:par>
+                            </p:childTnLst>
+                          </p:cTn>
+                        </p:par>
+                        <p:par>
+                          <p:cTn id="11" fill="hold">
+                            <p:stCondLst>
+                              <p:cond delay="2500"/>
+                            </p:stCondLst>
+                            <p:childTnLst>
+                              <p:par>
+                                <p:cTn id="12" presetID="22" presetClass="entr" presetSubtype="8" fill="hold" nodeType="afterEffect">
+                                  <p:stCondLst>
+                                    <p:cond delay="0"/>
+                                  </p:stCondLst>
+                                  <p:childTnLst>
+                                    <p:set>
+                                      <p:cBhvr>
+                                        <p:cTn id="13" dur="1" fill="hold">
+                                          <p:stCondLst>
+                                            <p:cond delay="0"/>
+                                          </p:stCondLst>
+                                        </p:cTn>
+                                        <p:tgtEl>
+                                          <p:spTgt spid="31"/>
+                                        </p:tgtEl>
+                                        <p:attrNameLst>
+                                          <p:attrName>style.visibility</p:attrName>
+                                        </p:attrNameLst>
+                                      </p:cBhvr>
+                                      <p:to>
+                                        <p:strVal val="visible"/>
+                                      </p:to>
+                                    </p:set>
+                                    <p:animEffect transition="in" filter="wipe(left)">
+                                      <p:cBhvr>
+                                        <p:cTn id="14" dur="500"/>
+                                        <p:tgtEl>
+                                          <p:spTgt spid="31"/>
+                                        </p:tgtEl>
+                                      </p:cBhvr>
+                                    </p:animEffect>
+                                  </p:childTnLst>
+                                </p:cTn>
+                              </p:par>
+                            </p:childTnLst>
+                          </p:cTn>
+                        </p:par>
+                      </p:childTnLst>
+                    </p:cTn>
+                  </p:par>
+                  <p:par>
+                    <p:cTn id="15" fill="hold">
+                      <p:stCondLst>
+                        <p:cond delay="indefinite"/>
+                      </p:stCondLst>
+                      <p:childTnLst>
+                        <p:par>
+                          <p:cTn id="16" fill="hold">
+                            <p:stCondLst>
+                              <p:cond delay="0"/>
+                            </p:stCondLst>
+                            <p:childTnLst>
+                              <p:par>
+                                <p:cTn id="17" presetID="22" presetClass="entr" presetSubtype="8" fill="hold" nodeType="clickEffect">
+                                  <p:stCondLst>
+                                    <p:cond delay="0"/>
+                                  </p:stCondLst>
+                                  <p:childTnLst>
+                                    <p:set>
+                                      <p:cBhvr>
+                                        <p:cTn id="18" dur="1" fill="hold">
+                                          <p:stCondLst>
+                                            <p:cond delay="0"/>
+                                          </p:stCondLst>
+                                        </p:cTn>
+                                        <p:tgtEl>
+                                          <p:spTgt spid="33"/>
+                                        </p:tgtEl>
+                                        <p:attrNameLst>
+                                          <p:attrName>style.visibility</p:attrName>
+                                        </p:attrNameLst>
+                                      </p:cBhvr>
+                                      <p:to>
+                                        <p:strVal val="visible"/>
+                                      </p:to>
+                                    </p:set>
+                                    <p:animEffect transition="in" filter="wipe(left)">
+                                      <p:cBhvr>
+                                        <p:cTn id="19" dur="500"/>
+                                        <p:tgtEl>
+                                          <p:spTgt spid="33"/>
+                                        </p:tgtEl>
+                                      </p:cBhvr>
+                                    </p:animEffect>
+                                  </p:childTnLst>
+                                </p:cTn>
+                              </p:par>
+                            </p:childTnLst>
+                          </p:cTn>
+                        </p:par>
+                      </p:childTnLst>
+                    </p:cTn>
+                  </p:par>
+                </p:childTnLst>
+              </p:cTn>
+              <p:prevCondLst>
+                <p:cond evt="onPrev" delay="0">
+                  <p:tgtEl>
+                    <p:sldTgt/>
+                  </p:tgtEl>
+                </p:cond>
+              </p:prevCondLst>
+              <p:nextCondLst>
+                <p:cond evt="onNext" delay="0">
+                  <p:tgtEl>
+                    <p:sldTgt/>
+                  </p:tgtEl>
+                </p:cond>
+              </p:nextCondLst>
+            </p:seq>
+          </p:childTnLst>
+        </p:cTn>
+      </p:par>
+    </p:tnLst>
+    <p:bldLst>
+      <p:bldP spid="14" grpId="1" animBg="1"/>
+      <p:bldP spid="2" grpId="0" animBg="1"/>
+    </p:bldLst>
+  </p:timing>
+</p:sld>
+</file>
+
+<file path=ppt/slides/slide8.xml><?xml version="1.0" encoding="utf-8"?>
+<p:sld xmlns:a="http://schemas.openxmlformats.org/drawingml/2006/main" xmlns:r="http://schemas.openxmlformats.org/officeDocument/2006/relationships" xmlns:p="http://schemas.openxmlformats.org/presentationml/2006/main">
+  <p:cSld>
+    <p:spTree>
+      <p:nvGrpSpPr>
+        <p:cNvPr id="1" name=""/>
+        <p:cNvGrpSpPr/>
+        <p:nvPr/>
+      </p:nvGrpSpPr>
+      <p:grpSpPr>
+        <a:xfrm>
+          <a:off x="0" y="0"/>
+          <a:ext cx="0" cy="0"/>
+          <a:chOff x="0" y="0"/>
+          <a:chExt cx="0" cy="0"/>
+        </a:xfrm>
+      </p:grpSpPr>
+      <p:sp>
+        <p:nvSpPr>
+          <p:cNvPr id="36" name="Flowchart: Manual Operation 4">
+            <a:extLst>
+              <a:ext uri="{FF2B5EF4-FFF2-40B4-BE49-F238E27FC236}">
+                <a16:creationId xmlns:a16="http://schemas.microsoft.com/office/drawing/2014/main" id="{63921811-11E2-4DED-A615-8C2681BD8050}"/>
+              </a:ext>
+            </a:extLst>
+          </p:cNvPr>
+          <p:cNvSpPr txBox="1"/>
+          <p:nvPr/>
+        </p:nvSpPr>
+        <p:spPr>
+          <a:xfrm flipH="1">
+            <a:off x="1619672" y="1993776"/>
+            <a:ext cx="1512168" cy="2438400"/>
+          </a:xfrm>
+          <a:prstGeom prst="rect">
+            <a:avLst/>
+          </a:prstGeom>
+        </p:spPr>
+        <p:style>
+          <a:lnRef idx="0">
+            <a:scrgbClr r="0" g="0" b="0"/>
+          </a:lnRef>
+          <a:fillRef idx="0">
+            <a:scrgbClr r="0" g="0" b="0"/>
+          </a:fillRef>
+          <a:effectRef idx="0">
+            <a:scrgbClr r="0" g="0" b="0"/>
+          </a:effectRef>
+          <a:fontRef idx="minor">
+            <a:schemeClr val="lt1"/>
+          </a:fontRef>
+        </p:style>
+        <p:txBody>
+          <a:bodyPr spcFirstLastPara="0" vert="horz" wrap="square" lIns="279400" tIns="0" rIns="278712" bIns="0" numCol="1" spcCol="1270" anchor="t" anchorCtr="0">
+            <a:noAutofit/>
+          </a:bodyPr>
+          <a:lstStyle/>
+          <a:p>
+            <a:pPr marL="0" lvl="0" indent="0" algn="l" defTabSz="1955800">
+              <a:lnSpc>
+                <a:spcPct val="90000"/>
+              </a:lnSpc>
+              <a:spcBef>
+                <a:spcPct val="0"/>
+              </a:spcBef>
+              <a:spcAft>
+                <a:spcPct val="35000"/>
+              </a:spcAft>
+              <a:buNone/>
+            </a:pPr>
+            <a:endParaRPr lang="en-US" sz="2000" kern="1200" dirty="0">
+              <a:latin typeface="TH Sarabun New" panose="020B0500040200020003" pitchFamily="34" charset="-34"/>
+              <a:cs typeface="TH Sarabun New" panose="020B0500040200020003" pitchFamily="34" charset="-34"/>
+            </a:endParaRPr>
+          </a:p>
+        </p:txBody>
+      </p:sp>
+      <p:sp>
+        <p:nvSpPr>
+          <p:cNvPr id="4" name="Freeform: Shape 3">
+            <a:extLst>
+              <a:ext uri="{FF2B5EF4-FFF2-40B4-BE49-F238E27FC236}">
+                <a16:creationId xmlns:a16="http://schemas.microsoft.com/office/drawing/2014/main" id="{C16DBE3D-921D-4135-BF3A-521C0F17A869}"/>
+              </a:ext>
+            </a:extLst>
+          </p:cNvPr>
+          <p:cNvSpPr/>
+          <p:nvPr/>
+        </p:nvSpPr>
+        <p:spPr>
+          <a:xfrm>
+            <a:off x="3425179" y="2040285"/>
+            <a:ext cx="2231935" cy="2231887"/>
+          </a:xfrm>
+          <a:custGeom>
+            <a:avLst/>
+            <a:gdLst>
+              <a:gd name="connsiteX0" fmla="*/ 0 w 1907559"/>
+              <a:gd name="connsiteY0" fmla="*/ 953759 h 1907518"/>
+              <a:gd name="connsiteX1" fmla="*/ 953780 w 1907559"/>
+              <a:gd name="connsiteY1" fmla="*/ 0 h 1907518"/>
+              <a:gd name="connsiteX2" fmla="*/ 1907560 w 1907559"/>
+              <a:gd name="connsiteY2" fmla="*/ 953759 h 1907518"/>
+              <a:gd name="connsiteX3" fmla="*/ 953780 w 1907559"/>
+              <a:gd name="connsiteY3" fmla="*/ 1907518 h 1907518"/>
+              <a:gd name="connsiteX4" fmla="*/ 0 w 1907559"/>
+              <a:gd name="connsiteY4" fmla="*/ 953759 h 1907518"/>
+            </a:gdLst>
+            <a:ahLst/>
+            <a:cxnLst>
+              <a:cxn ang="0">
+                <a:pos x="connsiteX0" y="connsiteY0"/>
+              </a:cxn>
+              <a:cxn ang="0">
+                <a:pos x="connsiteX1" y="connsiteY1"/>
+              </a:cxn>
+              <a:cxn ang="0">
+                <a:pos x="connsiteX2" y="connsiteY2"/>
+              </a:cxn>
+              <a:cxn ang="0">
+                <a:pos x="connsiteX3" y="connsiteY3"/>
+              </a:cxn>
+              <a:cxn ang="0">
+                <a:pos x="connsiteX4" y="connsiteY4"/>
+              </a:cxn>
+            </a:cxnLst>
+            <a:rect l="l" t="t" r="r" b="b"/>
+            <a:pathLst>
+              <a:path w="1907559" h="1907518">
+                <a:moveTo>
+                  <a:pt x="0" y="953759"/>
+                </a:moveTo>
+                <a:cubicBezTo>
+                  <a:pt x="0" y="427012"/>
+                  <a:pt x="427022" y="0"/>
+                  <a:pt x="953780" y="0"/>
+                </a:cubicBezTo>
+                <a:cubicBezTo>
+                  <a:pt x="1480538" y="0"/>
+                  <a:pt x="1907560" y="427012"/>
+                  <a:pt x="1907560" y="953759"/>
+                </a:cubicBezTo>
+                <a:cubicBezTo>
+                  <a:pt x="1907560" y="1480506"/>
+                  <a:pt x="1480538" y="1907518"/>
+                  <a:pt x="953780" y="1907518"/>
+                </a:cubicBezTo>
+                <a:cubicBezTo>
+                  <a:pt x="427022" y="1907518"/>
+                  <a:pt x="0" y="1480506"/>
+                  <a:pt x="0" y="953759"/>
+                </a:cubicBezTo>
+                <a:close/>
+              </a:path>
+            </a:pathLst>
+          </a:custGeom>
+          <a:solidFill>
+            <a:srgbClr val="000000">
+              <a:lumMod val="75000"/>
+              <a:lumOff val="25000"/>
+            </a:srgbClr>
+          </a:solidFill>
+          <a:ln w="12700" cap="flat" cmpd="sng" algn="ctr">
+            <a:solidFill>
+              <a:srgbClr val="9B6902">
+                <a:lumMod val="20000"/>
+                <a:lumOff val="80000"/>
+              </a:srgbClr>
+            </a:solidFill>
+            <a:prstDash val="solid"/>
+            <a:miter lim="800000"/>
+          </a:ln>
+          <a:effectLst/>
+        </p:spPr>
+        <p:style>
+          <a:lnRef idx="2">
+            <a:scrgbClr r="0" g="0" b="0"/>
+          </a:lnRef>
+          <a:fillRef idx="1">
+            <a:scrgbClr r="0" g="0" b="0"/>
+          </a:fillRef>
+          <a:effectRef idx="0">
+            <a:scrgbClr r="0" g="0" b="0"/>
+          </a:effectRef>
+          <a:fontRef idx="minor">
+            <a:schemeClr val="lt1"/>
+          </a:fontRef>
+        </p:style>
+        <p:txBody>
+          <a:bodyPr spcFirstLastPara="0" vert="horz" wrap="square" lIns="221249" tIns="205223" rIns="221249" bIns="205223" numCol="1" spcCol="1270" anchor="ctr" anchorCtr="0">
+            <a:noAutofit/>
+          </a:bodyPr>
+          <a:lstStyle/>
+          <a:p>
+            <a:pPr algn="ctr" defTabSz="533400">
+              <a:lnSpc>
+                <a:spcPct val="90000"/>
+              </a:lnSpc>
+              <a:spcAft>
+                <a:spcPct val="35000"/>
+              </a:spcAft>
+            </a:pPr>
+            <a:r>
+              <a:rPr lang="en-US" sz="3600">
+                <a:solidFill>
+                  <a:srgbClr val="FFFFFF"/>
+                </a:solidFill>
+                <a:latin typeface="TH Sarabun New" panose="020B0500040200020003" pitchFamily="34" charset="-34"/>
+                <a:cs typeface="TH Sarabun New" panose="020B0500040200020003" pitchFamily="34" charset="-34"/>
+              </a:rPr>
+              <a:t>Objective</a:t>
+            </a:r>
+            <a:endParaRPr lang="en-US" sz="3600" dirty="0">
+              <a:solidFill>
+                <a:srgbClr val="FFFFFF"/>
+              </a:solidFill>
+              <a:latin typeface="TH Sarabun New" panose="020B0500040200020003" pitchFamily="34" charset="-34"/>
+              <a:cs typeface="TH Sarabun New" panose="020B0500040200020003" pitchFamily="34" charset="-34"/>
+            </a:endParaRPr>
+          </a:p>
+        </p:txBody>
+      </p:sp>
+      <p:sp>
+        <p:nvSpPr>
+          <p:cNvPr id="5" name="Oval 4">
+            <a:extLst>
+              <a:ext uri="{FF2B5EF4-FFF2-40B4-BE49-F238E27FC236}">
+                <a16:creationId xmlns:a16="http://schemas.microsoft.com/office/drawing/2014/main" id="{6F9B5C63-EC9A-4340-9827-2B687FF8F960}"/>
+              </a:ext>
+            </a:extLst>
+          </p:cNvPr>
+          <p:cNvSpPr/>
+          <p:nvPr/>
+        </p:nvSpPr>
+        <p:spPr>
+          <a:xfrm>
+            <a:off x="4610303" y="1468214"/>
+            <a:ext cx="426530" cy="426523"/>
+          </a:xfrm>
+          <a:prstGeom prst="ellipse">
+            <a:avLst/>
+          </a:prstGeom>
+          <a:solidFill>
+            <a:schemeClr val="bg2">
+              <a:lumMod val="40000"/>
+              <a:lumOff val="60000"/>
+            </a:schemeClr>
+          </a:solidFill>
+          <a:ln>
+            <a:noFill/>
+          </a:ln>
+        </p:spPr>
+        <p:style>
+          <a:lnRef idx="2">
+            <a:scrgbClr r="0" g="0" b="0"/>
+          </a:lnRef>
+          <a:fillRef idx="1">
+            <a:scrgbClr r="0" g="0" b="0"/>
+          </a:fillRef>
+          <a:effectRef idx="0">
+            <a:schemeClr val="accent1">
+              <a:hueOff val="0"/>
+              <a:satOff val="0"/>
+              <a:lumOff val="0"/>
+              <a:alphaOff val="0"/>
+            </a:schemeClr>
+          </a:effectRef>
+          <a:fontRef idx="minor">
+            <a:schemeClr val="lt1"/>
+          </a:fontRef>
+        </p:style>
+      </p:sp>
+      <p:sp>
+        <p:nvSpPr>
+          <p:cNvPr id="6" name="Oval 5">
+            <a:extLst>
+              <a:ext uri="{FF2B5EF4-FFF2-40B4-BE49-F238E27FC236}">
+                <a16:creationId xmlns:a16="http://schemas.microsoft.com/office/drawing/2014/main" id="{341E2B2A-FBC9-4308-AD8B-FD478A426F12}"/>
+              </a:ext>
+            </a:extLst>
+          </p:cNvPr>
+          <p:cNvSpPr/>
+          <p:nvPr/>
+        </p:nvSpPr>
+        <p:spPr>
+          <a:xfrm>
+            <a:off x="3747107" y="4668826"/>
+            <a:ext cx="308841" cy="309139"/>
+          </a:xfrm>
+          <a:prstGeom prst="ellipse">
+            <a:avLst/>
+          </a:prstGeom>
+          <a:solidFill>
+            <a:schemeClr val="bg2">
+              <a:lumMod val="40000"/>
+              <a:lumOff val="60000"/>
+            </a:schemeClr>
+          </a:solidFill>
+          <a:ln>
+            <a:noFill/>
+          </a:ln>
+        </p:spPr>
+        <p:style>
+          <a:lnRef idx="2">
+            <a:scrgbClr r="0" g="0" b="0"/>
+          </a:lnRef>
+          <a:fillRef idx="1">
+            <a:scrgbClr r="0" g="0" b="0"/>
+          </a:fillRef>
+          <a:effectRef idx="0">
+            <a:schemeClr val="accent1">
+              <a:hueOff val="0"/>
+              <a:satOff val="0"/>
+              <a:lumOff val="0"/>
+              <a:alphaOff val="0"/>
+            </a:schemeClr>
+          </a:effectRef>
+          <a:fontRef idx="minor">
+            <a:schemeClr val="lt1"/>
+          </a:fontRef>
+        </p:style>
+      </p:sp>
+      <p:sp>
+        <p:nvSpPr>
+          <p:cNvPr id="7" name="Oval 6">
+            <a:extLst>
+              <a:ext uri="{FF2B5EF4-FFF2-40B4-BE49-F238E27FC236}">
+                <a16:creationId xmlns:a16="http://schemas.microsoft.com/office/drawing/2014/main" id="{6390A8D4-C698-4712-BDAF-4CED39D83F0D}"/>
+              </a:ext>
+            </a:extLst>
+          </p:cNvPr>
+          <p:cNvSpPr/>
+          <p:nvPr/>
+        </p:nvSpPr>
+        <p:spPr>
+          <a:xfrm>
+            <a:off x="6228789" y="2964857"/>
+            <a:ext cx="308841" cy="309139"/>
+          </a:xfrm>
+          <a:prstGeom prst="ellipse">
+            <a:avLst/>
+          </a:prstGeom>
+          <a:solidFill>
+            <a:schemeClr val="bg2">
+              <a:lumMod val="40000"/>
+              <a:lumOff val="60000"/>
+            </a:schemeClr>
+          </a:solidFill>
+          <a:ln>
+            <a:noFill/>
+          </a:ln>
+        </p:spPr>
+        <p:style>
+          <a:lnRef idx="2">
+            <a:scrgbClr r="0" g="0" b="0"/>
+          </a:lnRef>
+          <a:fillRef idx="1">
+            <a:scrgbClr r="0" g="0" b="0"/>
+          </a:fillRef>
+          <a:effectRef idx="0">
+            <a:schemeClr val="accent1">
+              <a:hueOff val="0"/>
+              <a:satOff val="0"/>
+              <a:lumOff val="0"/>
+              <a:alphaOff val="0"/>
+            </a:schemeClr>
+          </a:effectRef>
+          <a:fontRef idx="minor">
+            <a:schemeClr val="lt1"/>
+          </a:fontRef>
+        </p:style>
+      </p:sp>
+      <p:sp>
+        <p:nvSpPr>
+          <p:cNvPr id="8" name="Oval 7">
+            <a:extLst>
+              <a:ext uri="{FF2B5EF4-FFF2-40B4-BE49-F238E27FC236}">
+                <a16:creationId xmlns:a16="http://schemas.microsoft.com/office/drawing/2014/main" id="{38050C58-FF22-4825-BA86-0EF6990F8CC0}"/>
+              </a:ext>
+            </a:extLst>
+          </p:cNvPr>
+          <p:cNvSpPr/>
+          <p:nvPr/>
+        </p:nvSpPr>
+        <p:spPr>
+          <a:xfrm>
+            <a:off x="4965700" y="4932825"/>
+            <a:ext cx="426530" cy="426523"/>
+          </a:xfrm>
+          <a:prstGeom prst="ellipse">
+            <a:avLst/>
+          </a:prstGeom>
+          <a:solidFill>
+            <a:schemeClr val="bg2">
+              <a:lumMod val="40000"/>
+              <a:lumOff val="60000"/>
+            </a:schemeClr>
+          </a:solidFill>
+          <a:ln>
+            <a:noFill/>
+          </a:ln>
+        </p:spPr>
+        <p:style>
+          <a:lnRef idx="2">
+            <a:scrgbClr r="0" g="0" b="0"/>
+          </a:lnRef>
+          <a:fillRef idx="1">
+            <a:scrgbClr r="0" g="0" b="0"/>
+          </a:fillRef>
+          <a:effectRef idx="0">
+            <a:schemeClr val="accent1">
+              <a:hueOff val="0"/>
+              <a:satOff val="0"/>
+              <a:lumOff val="0"/>
+              <a:alphaOff val="0"/>
+            </a:schemeClr>
+          </a:effectRef>
+          <a:fontRef idx="minor">
+            <a:schemeClr val="lt1"/>
+          </a:fontRef>
+        </p:style>
+      </p:sp>
+      <p:sp>
+        <p:nvSpPr>
+          <p:cNvPr id="9" name="Oval 8">
+            <a:extLst>
+              <a:ext uri="{FF2B5EF4-FFF2-40B4-BE49-F238E27FC236}">
+                <a16:creationId xmlns:a16="http://schemas.microsoft.com/office/drawing/2014/main" id="{993E2B55-F181-4E56-9E95-015900BF8712}"/>
+              </a:ext>
+            </a:extLst>
+          </p:cNvPr>
+          <p:cNvSpPr/>
+          <p:nvPr/>
+        </p:nvSpPr>
+        <p:spPr>
+          <a:xfrm>
+            <a:off x="3822088" y="2003358"/>
+            <a:ext cx="308841" cy="309139"/>
+          </a:xfrm>
+          <a:prstGeom prst="ellipse">
+            <a:avLst/>
+          </a:prstGeom>
+          <a:solidFill>
+            <a:schemeClr val="bg2">
+              <a:lumMod val="40000"/>
+              <a:lumOff val="60000"/>
+            </a:schemeClr>
+          </a:solidFill>
+          <a:ln>
+            <a:noFill/>
+          </a:ln>
+        </p:spPr>
+        <p:style>
+          <a:lnRef idx="2">
+            <a:scrgbClr r="0" g="0" b="0"/>
+          </a:lnRef>
+          <a:fillRef idx="1">
+            <a:scrgbClr r="0" g="0" b="0"/>
+          </a:fillRef>
+          <a:effectRef idx="0">
+            <a:schemeClr val="accent1">
+              <a:hueOff val="0"/>
+              <a:satOff val="0"/>
+              <a:lumOff val="0"/>
+              <a:alphaOff val="0"/>
+            </a:schemeClr>
+          </a:effectRef>
+          <a:fontRef idx="minor">
+            <a:schemeClr val="lt1"/>
+          </a:fontRef>
+        </p:style>
+      </p:sp>
+      <p:sp>
+        <p:nvSpPr>
+          <p:cNvPr id="12" name="Oval 11">
+            <a:extLst>
+              <a:ext uri="{FF2B5EF4-FFF2-40B4-BE49-F238E27FC236}">
+                <a16:creationId xmlns:a16="http://schemas.microsoft.com/office/drawing/2014/main" id="{ACF9C591-A629-47A3-A0D3-0ED3D8843C67}"/>
+              </a:ext>
+            </a:extLst>
+          </p:cNvPr>
+          <p:cNvSpPr/>
+          <p:nvPr/>
+        </p:nvSpPr>
+        <p:spPr>
+          <a:xfrm>
+            <a:off x="2989984" y="3514722"/>
+            <a:ext cx="308841" cy="309139"/>
+          </a:xfrm>
+          <a:prstGeom prst="ellipse">
+            <a:avLst/>
+          </a:prstGeom>
+          <a:solidFill>
+            <a:schemeClr val="bg2">
+              <a:lumMod val="40000"/>
+              <a:lumOff val="60000"/>
+            </a:schemeClr>
+          </a:solidFill>
+          <a:ln>
+            <a:noFill/>
+          </a:ln>
+        </p:spPr>
+        <p:style>
+          <a:lnRef idx="2">
+            <a:scrgbClr r="0" g="0" b="0"/>
+          </a:lnRef>
+          <a:fillRef idx="1">
+            <a:scrgbClr r="0" g="0" b="0"/>
+          </a:fillRef>
+          <a:effectRef idx="0">
+            <a:schemeClr val="accent1">
+              <a:hueOff val="0"/>
+              <a:satOff val="0"/>
+              <a:lumOff val="0"/>
+              <a:alphaOff val="0"/>
+            </a:schemeClr>
+          </a:effectRef>
+          <a:fontRef idx="minor">
+            <a:schemeClr val="lt1"/>
+          </a:fontRef>
+        </p:style>
+      </p:sp>
+      <p:sp>
+        <p:nvSpPr>
+          <p:cNvPr id="13" name="Freeform: Shape 12">
+            <a:extLst>
+              <a:ext uri="{FF2B5EF4-FFF2-40B4-BE49-F238E27FC236}">
+                <a16:creationId xmlns:a16="http://schemas.microsoft.com/office/drawing/2014/main" id="{7FF63DF9-CEEF-459B-83D6-A08FEAF28FF3}"/>
+              </a:ext>
+            </a:extLst>
+          </p:cNvPr>
+          <p:cNvSpPr/>
+          <p:nvPr/>
+        </p:nvSpPr>
+        <p:spPr>
+          <a:xfrm>
+            <a:off x="1715922" y="2044612"/>
+            <a:ext cx="1559188" cy="1558690"/>
+          </a:xfrm>
+          <a:custGeom>
+            <a:avLst/>
+            <a:gdLst>
+              <a:gd name="connsiteX0" fmla="*/ 0 w 1332585"/>
+              <a:gd name="connsiteY0" fmla="*/ 666080 h 1332159"/>
+              <a:gd name="connsiteX1" fmla="*/ 666293 w 1332585"/>
+              <a:gd name="connsiteY1" fmla="*/ 0 h 1332159"/>
+              <a:gd name="connsiteX2" fmla="*/ 1332586 w 1332585"/>
+              <a:gd name="connsiteY2" fmla="*/ 666080 h 1332159"/>
+              <a:gd name="connsiteX3" fmla="*/ 666293 w 1332585"/>
+              <a:gd name="connsiteY3" fmla="*/ 1332160 h 1332159"/>
+              <a:gd name="connsiteX4" fmla="*/ 0 w 1332585"/>
+              <a:gd name="connsiteY4" fmla="*/ 666080 h 1332159"/>
+            </a:gdLst>
+            <a:ahLst/>
+            <a:cxnLst>
+              <a:cxn ang="0">
+                <a:pos x="connsiteX0" y="connsiteY0"/>
+              </a:cxn>
+              <a:cxn ang="0">
+                <a:pos x="connsiteX1" y="connsiteY1"/>
+              </a:cxn>
+              <a:cxn ang="0">
+                <a:pos x="connsiteX2" y="connsiteY2"/>
+              </a:cxn>
+              <a:cxn ang="0">
+                <a:pos x="connsiteX3" y="connsiteY3"/>
+              </a:cxn>
+              <a:cxn ang="0">
+                <a:pos x="connsiteX4" y="connsiteY4"/>
+              </a:cxn>
+            </a:cxnLst>
+            <a:rect l="l" t="t" r="r" b="b"/>
+            <a:pathLst>
+              <a:path w="1332585" h="1332159">
+                <a:moveTo>
+                  <a:pt x="0" y="666080"/>
+                </a:moveTo>
+                <a:cubicBezTo>
+                  <a:pt x="0" y="298214"/>
+                  <a:pt x="298310" y="0"/>
+                  <a:pt x="666293" y="0"/>
+                </a:cubicBezTo>
+                <a:cubicBezTo>
+                  <a:pt x="1034276" y="0"/>
+                  <a:pt x="1332586" y="298214"/>
+                  <a:pt x="1332586" y="666080"/>
+                </a:cubicBezTo>
+                <a:cubicBezTo>
+                  <a:pt x="1332586" y="1033946"/>
+                  <a:pt x="1034276" y="1332160"/>
+                  <a:pt x="666293" y="1332160"/>
+                </a:cubicBezTo>
+                <a:cubicBezTo>
+                  <a:pt x="298310" y="1332160"/>
+                  <a:pt x="0" y="1033946"/>
+                  <a:pt x="0" y="666080"/>
+                </a:cubicBezTo>
+                <a:close/>
+              </a:path>
+            </a:pathLst>
+          </a:custGeom>
+          <a:solidFill>
+            <a:srgbClr val="00B0F0"/>
+          </a:solidFill>
+        </p:spPr>
+        <p:style>
+          <a:lnRef idx="2">
+            <a:schemeClr val="lt1">
+              <a:hueOff val="0"/>
+              <a:satOff val="0"/>
+              <a:lumOff val="0"/>
+              <a:alphaOff val="0"/>
+            </a:schemeClr>
+          </a:lnRef>
+          <a:fillRef idx="1">
+            <a:schemeClr val="accent1">
+              <a:hueOff val="0"/>
+              <a:satOff val="0"/>
+              <a:lumOff val="0"/>
+              <a:alphaOff val="0"/>
+            </a:schemeClr>
+          </a:fillRef>
+          <a:effectRef idx="0">
+            <a:schemeClr val="accent1">
+              <a:hueOff val="0"/>
+              <a:satOff val="0"/>
+              <a:lumOff val="0"/>
+              <a:alphaOff val="0"/>
+            </a:schemeClr>
+          </a:effectRef>
+          <a:fontRef idx="minor">
+            <a:schemeClr val="lt1"/>
+          </a:fontRef>
+        </p:style>
+        <p:txBody>
+          <a:bodyPr spcFirstLastPara="0" vert="horz" wrap="square" lIns="256113" tIns="256050" rIns="256113" bIns="256050" numCol="1" spcCol="1270" anchor="ctr" anchorCtr="0">
+            <a:noAutofit/>
+          </a:bodyPr>
+          <a:lstStyle/>
+          <a:p>
+            <a:pPr marL="0" lvl="0" indent="0" algn="ctr" defTabSz="711200">
+              <a:lnSpc>
+                <a:spcPct val="90000"/>
+              </a:lnSpc>
+              <a:spcBef>
+                <a:spcPct val="0"/>
+              </a:spcBef>
+              <a:spcAft>
+                <a:spcPct val="35000"/>
+              </a:spcAft>
+              <a:buNone/>
+            </a:pPr>
+            <a:r>
+              <a:rPr lang="en-US" sz="2400" kern="1200" dirty="0">
+                <a:latin typeface="TH Sarabun New" panose="020B0500040200020003" pitchFamily="34" charset="-34"/>
+                <a:cs typeface="TH Sarabun New" panose="020B0500040200020003" pitchFamily="34" charset="-34"/>
+              </a:rPr>
+              <a:t>Manage</a:t>
+            </a:r>
+          </a:p>
+        </p:txBody>
+      </p:sp>
+      <p:sp>
+        <p:nvSpPr>
+          <p:cNvPr id="14" name="Oval 13">
+            <a:extLst>
+              <a:ext uri="{FF2B5EF4-FFF2-40B4-BE49-F238E27FC236}">
+                <a16:creationId xmlns:a16="http://schemas.microsoft.com/office/drawing/2014/main" id="{0AB8649E-51F0-45B1-B63B-AEC362008AFA}"/>
+              </a:ext>
+            </a:extLst>
+          </p:cNvPr>
+          <p:cNvSpPr/>
+          <p:nvPr/>
+        </p:nvSpPr>
+        <p:spPr>
+          <a:xfrm>
+            <a:off x="4241495" y="1997784"/>
+            <a:ext cx="426530" cy="426523"/>
+          </a:xfrm>
+          <a:prstGeom prst="ellipse">
+            <a:avLst/>
+          </a:prstGeom>
+          <a:solidFill>
+            <a:schemeClr val="bg2">
+              <a:lumMod val="40000"/>
+              <a:lumOff val="60000"/>
+            </a:schemeClr>
+          </a:solidFill>
+          <a:ln>
+            <a:noFill/>
+          </a:ln>
+        </p:spPr>
+        <p:style>
+          <a:lnRef idx="2">
+            <a:scrgbClr r="0" g="0" b="0"/>
+          </a:lnRef>
+          <a:fillRef idx="1">
+            <a:scrgbClr r="0" g="0" b="0"/>
+          </a:fillRef>
+          <a:effectRef idx="0">
+            <a:schemeClr val="accent1">
+              <a:hueOff val="0"/>
+              <a:satOff val="0"/>
+              <a:lumOff val="0"/>
+              <a:alphaOff val="0"/>
+            </a:schemeClr>
+          </a:effectRef>
+          <a:fontRef idx="minor">
+            <a:schemeClr val="lt1"/>
+          </a:fontRef>
+        </p:style>
+      </p:sp>
+      <p:sp>
+        <p:nvSpPr>
+          <p:cNvPr id="15" name="Oval 14">
+            <a:extLst>
+              <a:ext uri="{FF2B5EF4-FFF2-40B4-BE49-F238E27FC236}">
+                <a16:creationId xmlns:a16="http://schemas.microsoft.com/office/drawing/2014/main" id="{23F532C8-1E16-48F4-AD72-85FD480D6E7B}"/>
+              </a:ext>
+            </a:extLst>
+          </p:cNvPr>
+          <p:cNvSpPr/>
+          <p:nvPr/>
+        </p:nvSpPr>
+        <p:spPr>
+          <a:xfrm>
+            <a:off x="1840889" y="3881816"/>
+            <a:ext cx="771033" cy="771055"/>
+          </a:xfrm>
+          <a:prstGeom prst="ellipse">
+            <a:avLst/>
+          </a:prstGeom>
+          <a:solidFill>
+            <a:schemeClr val="bg2">
+              <a:lumMod val="40000"/>
+              <a:lumOff val="60000"/>
+            </a:schemeClr>
+          </a:solidFill>
+          <a:ln>
+            <a:noFill/>
+          </a:ln>
+        </p:spPr>
+        <p:style>
+          <a:lnRef idx="2">
+            <a:scrgbClr r="0" g="0" b="0"/>
+          </a:lnRef>
+          <a:fillRef idx="1">
+            <a:scrgbClr r="0" g="0" b="0"/>
+          </a:fillRef>
+          <a:effectRef idx="0">
+            <a:schemeClr val="accent1">
+              <a:hueOff val="0"/>
+              <a:satOff val="0"/>
+              <a:lumOff val="0"/>
+              <a:alphaOff val="0"/>
+            </a:schemeClr>
+          </a:effectRef>
+          <a:fontRef idx="minor">
+            <a:schemeClr val="lt1"/>
+          </a:fontRef>
+        </p:style>
+      </p:sp>
+      <p:sp>
+        <p:nvSpPr>
+          <p:cNvPr id="16" name="Freeform: Shape 15">
+            <a:extLst>
+              <a:ext uri="{FF2B5EF4-FFF2-40B4-BE49-F238E27FC236}">
+                <a16:creationId xmlns:a16="http://schemas.microsoft.com/office/drawing/2014/main" id="{EC350A4E-C816-41D1-A2FC-E421AE72F3D3}"/>
+              </a:ext>
+            </a:extLst>
+          </p:cNvPr>
+          <p:cNvSpPr/>
+          <p:nvPr/>
+        </p:nvSpPr>
+        <p:spPr>
+          <a:xfrm>
+            <a:off x="5859434" y="1417781"/>
+            <a:ext cx="1559188" cy="1558690"/>
+          </a:xfrm>
+          <a:custGeom>
+            <a:avLst/>
+            <a:gdLst>
+              <a:gd name="connsiteX0" fmla="*/ 0 w 1332585"/>
+              <a:gd name="connsiteY0" fmla="*/ 666080 h 1332159"/>
+              <a:gd name="connsiteX1" fmla="*/ 666293 w 1332585"/>
+              <a:gd name="connsiteY1" fmla="*/ 0 h 1332159"/>
+              <a:gd name="connsiteX2" fmla="*/ 1332586 w 1332585"/>
+              <a:gd name="connsiteY2" fmla="*/ 666080 h 1332159"/>
+              <a:gd name="connsiteX3" fmla="*/ 666293 w 1332585"/>
+              <a:gd name="connsiteY3" fmla="*/ 1332160 h 1332159"/>
+              <a:gd name="connsiteX4" fmla="*/ 0 w 1332585"/>
+              <a:gd name="connsiteY4" fmla="*/ 666080 h 1332159"/>
+            </a:gdLst>
+            <a:ahLst/>
+            <a:cxnLst>
+              <a:cxn ang="0">
+                <a:pos x="connsiteX0" y="connsiteY0"/>
+              </a:cxn>
+              <a:cxn ang="0">
+                <a:pos x="connsiteX1" y="connsiteY1"/>
+              </a:cxn>
+              <a:cxn ang="0">
+                <a:pos x="connsiteX2" y="connsiteY2"/>
+              </a:cxn>
+              <a:cxn ang="0">
+                <a:pos x="connsiteX3" y="connsiteY3"/>
+              </a:cxn>
+              <a:cxn ang="0">
+                <a:pos x="connsiteX4" y="connsiteY4"/>
+              </a:cxn>
+            </a:cxnLst>
+            <a:rect l="l" t="t" r="r" b="b"/>
+            <a:pathLst>
+              <a:path w="1332585" h="1332159">
+                <a:moveTo>
+                  <a:pt x="0" y="666080"/>
+                </a:moveTo>
+                <a:cubicBezTo>
+                  <a:pt x="0" y="298214"/>
+                  <a:pt x="298310" y="0"/>
+                  <a:pt x="666293" y="0"/>
+                </a:cubicBezTo>
+                <a:cubicBezTo>
+                  <a:pt x="1034276" y="0"/>
+                  <a:pt x="1332586" y="298214"/>
+                  <a:pt x="1332586" y="666080"/>
+                </a:cubicBezTo>
+                <a:cubicBezTo>
+                  <a:pt x="1332586" y="1033946"/>
+                  <a:pt x="1034276" y="1332160"/>
+                  <a:pt x="666293" y="1332160"/>
+                </a:cubicBezTo>
+                <a:cubicBezTo>
+                  <a:pt x="298310" y="1332160"/>
+                  <a:pt x="0" y="1033946"/>
+                  <a:pt x="0" y="666080"/>
+                </a:cubicBezTo>
+                <a:close/>
+              </a:path>
+            </a:pathLst>
+          </a:custGeom>
+          <a:solidFill>
+            <a:srgbClr val="FD3131"/>
+          </a:solidFill>
+        </p:spPr>
+        <p:style>
+          <a:lnRef idx="2">
+            <a:schemeClr val="lt1">
+              <a:hueOff val="0"/>
+              <a:satOff val="0"/>
+              <a:lumOff val="0"/>
+              <a:alphaOff val="0"/>
+            </a:schemeClr>
+          </a:lnRef>
+          <a:fillRef idx="1">
+            <a:schemeClr val="accent1">
+              <a:hueOff val="0"/>
+              <a:satOff val="0"/>
+              <a:lumOff val="0"/>
+              <a:alphaOff val="0"/>
+            </a:schemeClr>
+          </a:fillRef>
+          <a:effectRef idx="0">
+            <a:schemeClr val="accent1">
+              <a:hueOff val="0"/>
+              <a:satOff val="0"/>
+              <a:lumOff val="0"/>
+              <a:alphaOff val="0"/>
+            </a:schemeClr>
+          </a:effectRef>
+          <a:fontRef idx="minor">
+            <a:schemeClr val="lt1"/>
+          </a:fontRef>
+        </p:style>
+        <p:txBody>
+          <a:bodyPr spcFirstLastPara="0" vert="horz" wrap="square" lIns="256113" tIns="256050" rIns="256113" bIns="256050" numCol="1" spcCol="1270" anchor="ctr" anchorCtr="0">
+            <a:noAutofit/>
+          </a:bodyPr>
+          <a:lstStyle/>
+          <a:p>
+            <a:pPr marL="0" lvl="0" indent="0" algn="ctr" defTabSz="711200">
+              <a:lnSpc>
+                <a:spcPct val="90000"/>
+              </a:lnSpc>
+              <a:spcBef>
+                <a:spcPct val="0"/>
+              </a:spcBef>
+              <a:spcAft>
+                <a:spcPct val="35000"/>
+              </a:spcAft>
+              <a:buNone/>
+            </a:pPr>
+            <a:r>
+              <a:rPr lang="en-US" sz="2400" kern="1200" dirty="0">
+                <a:latin typeface="TH Sarabun New" panose="020B0500040200020003" pitchFamily="34" charset="-34"/>
+                <a:cs typeface="TH Sarabun New" panose="020B0500040200020003" pitchFamily="34" charset="-34"/>
+              </a:rPr>
+              <a:t>Decision</a:t>
+            </a:r>
+          </a:p>
+        </p:txBody>
+      </p:sp>
+      <p:sp>
+        <p:nvSpPr>
+          <p:cNvPr id="17" name="Oval 16">
+            <a:extLst>
+              <a:ext uri="{FF2B5EF4-FFF2-40B4-BE49-F238E27FC236}">
+                <a16:creationId xmlns:a16="http://schemas.microsoft.com/office/drawing/2014/main" id="{A79E57FB-0512-4CBD-B5AD-69409F861846}"/>
+              </a:ext>
+            </a:extLst>
+          </p:cNvPr>
+          <p:cNvSpPr/>
+          <p:nvPr/>
+        </p:nvSpPr>
+        <p:spPr>
+          <a:xfrm>
+            <a:off x="5759399" y="2502083"/>
+            <a:ext cx="426530" cy="426523"/>
+          </a:xfrm>
+          <a:prstGeom prst="ellipse">
+            <a:avLst/>
+          </a:prstGeom>
+          <a:solidFill>
+            <a:schemeClr val="bg2">
+              <a:lumMod val="40000"/>
+              <a:lumOff val="60000"/>
+            </a:schemeClr>
+          </a:solidFill>
+          <a:ln>
+            <a:noFill/>
+          </a:ln>
+        </p:spPr>
+        <p:style>
+          <a:lnRef idx="2">
+            <a:scrgbClr r="0" g="0" b="0"/>
+          </a:lnRef>
+          <a:fillRef idx="1">
+            <a:scrgbClr r="0" g="0" b="0"/>
+          </a:fillRef>
+          <a:effectRef idx="0">
+            <a:schemeClr val="accent1">
+              <a:hueOff val="0"/>
+              <a:satOff val="0"/>
+              <a:lumOff val="0"/>
+              <a:alphaOff val="0"/>
+            </a:schemeClr>
+          </a:effectRef>
+          <a:fontRef idx="minor">
+            <a:schemeClr val="lt1"/>
+          </a:fontRef>
+        </p:style>
+      </p:sp>
+      <p:sp>
+        <p:nvSpPr>
+          <p:cNvPr id="18" name="Oval 17">
+            <a:extLst>
+              <a:ext uri="{FF2B5EF4-FFF2-40B4-BE49-F238E27FC236}">
+                <a16:creationId xmlns:a16="http://schemas.microsoft.com/office/drawing/2014/main" id="{E51EDD40-02FC-48C8-BA16-B0557214EDAF}"/>
+              </a:ext>
+            </a:extLst>
+          </p:cNvPr>
+          <p:cNvSpPr/>
+          <p:nvPr/>
+        </p:nvSpPr>
+        <p:spPr>
+          <a:xfrm>
+            <a:off x="1590343" y="4733156"/>
+            <a:ext cx="308841" cy="309139"/>
+          </a:xfrm>
+          <a:prstGeom prst="ellipse">
+            <a:avLst/>
+          </a:prstGeom>
+          <a:solidFill>
+            <a:schemeClr val="bg2">
+              <a:lumMod val="40000"/>
+              <a:lumOff val="60000"/>
+            </a:schemeClr>
+          </a:solidFill>
+          <a:ln>
+            <a:noFill/>
+          </a:ln>
+        </p:spPr>
+        <p:style>
+          <a:lnRef idx="2">
+            <a:scrgbClr r="0" g="0" b="0"/>
+          </a:lnRef>
+          <a:fillRef idx="1">
+            <a:scrgbClr r="0" g="0" b="0"/>
+          </a:fillRef>
+          <a:effectRef idx="0">
+            <a:schemeClr val="accent1">
+              <a:hueOff val="0"/>
+              <a:satOff val="0"/>
+              <a:lumOff val="0"/>
+              <a:alphaOff val="0"/>
+            </a:schemeClr>
+          </a:effectRef>
+          <a:fontRef idx="minor">
+            <a:schemeClr val="lt1"/>
+          </a:fontRef>
+        </p:style>
+      </p:sp>
+      <p:sp>
+        <p:nvSpPr>
+          <p:cNvPr id="19" name="Oval 18">
+            <a:extLst>
+              <a:ext uri="{FF2B5EF4-FFF2-40B4-BE49-F238E27FC236}">
+                <a16:creationId xmlns:a16="http://schemas.microsoft.com/office/drawing/2014/main" id="{439C49AB-3BBE-41D0-8404-CB2487470928}"/>
+              </a:ext>
+            </a:extLst>
+          </p:cNvPr>
+          <p:cNvSpPr/>
+          <p:nvPr/>
+        </p:nvSpPr>
+        <p:spPr>
+          <a:xfrm>
+            <a:off x="4222595" y="4357134"/>
+            <a:ext cx="308841" cy="309139"/>
+          </a:xfrm>
+          <a:prstGeom prst="ellipse">
+            <a:avLst/>
+          </a:prstGeom>
+          <a:solidFill>
+            <a:schemeClr val="bg2">
+              <a:lumMod val="40000"/>
+              <a:lumOff val="60000"/>
+            </a:schemeClr>
+          </a:solidFill>
+          <a:ln>
+            <a:noFill/>
+          </a:ln>
+        </p:spPr>
+        <p:style>
+          <a:lnRef idx="2">
+            <a:scrgbClr r="0" g="0" b="0"/>
+          </a:lnRef>
+          <a:fillRef idx="1">
+            <a:scrgbClr r="0" g="0" b="0"/>
+          </a:fillRef>
+          <a:effectRef idx="0">
+            <a:schemeClr val="accent1">
+              <a:hueOff val="0"/>
+              <a:satOff val="0"/>
+              <a:lumOff val="0"/>
+              <a:alphaOff val="0"/>
+            </a:schemeClr>
+          </a:effectRef>
+          <a:fontRef idx="minor">
+            <a:schemeClr val="lt1"/>
+          </a:fontRef>
+        </p:style>
+      </p:sp>
+      <p:sp>
+        <p:nvSpPr>
+          <p:cNvPr id="21" name="Freeform: Shape 20">
+            <a:extLst>
+              <a:ext uri="{FF2B5EF4-FFF2-40B4-BE49-F238E27FC236}">
+                <a16:creationId xmlns:a16="http://schemas.microsoft.com/office/drawing/2014/main" id="{58334A7E-B436-4701-BD5D-AE55BC8ADEB8}"/>
+              </a:ext>
+            </a:extLst>
+          </p:cNvPr>
+          <p:cNvSpPr/>
+          <p:nvPr/>
+        </p:nvSpPr>
+        <p:spPr>
+          <a:xfrm>
+            <a:off x="5251121" y="4060773"/>
+            <a:ext cx="1647880" cy="1546151"/>
+          </a:xfrm>
+          <a:custGeom>
+            <a:avLst/>
+            <a:gdLst>
+              <a:gd name="connsiteX0" fmla="*/ 0 w 1332585"/>
+              <a:gd name="connsiteY0" fmla="*/ 666080 h 1332159"/>
+              <a:gd name="connsiteX1" fmla="*/ 666293 w 1332585"/>
+              <a:gd name="connsiteY1" fmla="*/ 0 h 1332159"/>
+              <a:gd name="connsiteX2" fmla="*/ 1332586 w 1332585"/>
+              <a:gd name="connsiteY2" fmla="*/ 666080 h 1332159"/>
+              <a:gd name="connsiteX3" fmla="*/ 666293 w 1332585"/>
+              <a:gd name="connsiteY3" fmla="*/ 1332160 h 1332159"/>
+              <a:gd name="connsiteX4" fmla="*/ 0 w 1332585"/>
+              <a:gd name="connsiteY4" fmla="*/ 666080 h 1332159"/>
+            </a:gdLst>
+            <a:ahLst/>
+            <a:cxnLst>
+              <a:cxn ang="0">
+                <a:pos x="connsiteX0" y="connsiteY0"/>
+              </a:cxn>
+              <a:cxn ang="0">
+                <a:pos x="connsiteX1" y="connsiteY1"/>
+              </a:cxn>
+              <a:cxn ang="0">
+                <a:pos x="connsiteX2" y="connsiteY2"/>
+              </a:cxn>
+              <a:cxn ang="0">
+                <a:pos x="connsiteX3" y="connsiteY3"/>
+              </a:cxn>
+              <a:cxn ang="0">
+                <a:pos x="connsiteX4" y="connsiteY4"/>
+              </a:cxn>
+            </a:cxnLst>
+            <a:rect l="l" t="t" r="r" b="b"/>
+            <a:pathLst>
+              <a:path w="1332585" h="1332159">
+                <a:moveTo>
+                  <a:pt x="0" y="666080"/>
+                </a:moveTo>
+                <a:cubicBezTo>
+                  <a:pt x="0" y="298214"/>
+                  <a:pt x="298310" y="0"/>
+                  <a:pt x="666293" y="0"/>
+                </a:cubicBezTo>
+                <a:cubicBezTo>
+                  <a:pt x="1034276" y="0"/>
+                  <a:pt x="1332586" y="298214"/>
+                  <a:pt x="1332586" y="666080"/>
+                </a:cubicBezTo>
+                <a:cubicBezTo>
+                  <a:pt x="1332586" y="1033946"/>
+                  <a:pt x="1034276" y="1332160"/>
+                  <a:pt x="666293" y="1332160"/>
+                </a:cubicBezTo>
+                <a:cubicBezTo>
+                  <a:pt x="298310" y="1332160"/>
+                  <a:pt x="0" y="1033946"/>
+                  <a:pt x="0" y="666080"/>
+                </a:cubicBezTo>
+                <a:close/>
+              </a:path>
+            </a:pathLst>
+          </a:custGeom>
+          <a:solidFill>
+            <a:srgbClr val="00B050"/>
+          </a:solidFill>
+          <a:ln w="12700" cap="flat" cmpd="sng" algn="ctr">
+            <a:solidFill>
+              <a:srgbClr val="9B6902">
+                <a:lumMod val="20000"/>
+                <a:lumOff val="80000"/>
+              </a:srgbClr>
+            </a:solidFill>
+            <a:prstDash val="solid"/>
+            <a:miter lim="800000"/>
+          </a:ln>
+          <a:effectLst/>
+        </p:spPr>
+        <p:style>
+          <a:lnRef idx="2">
+            <a:scrgbClr r="0" g="0" b="0"/>
+          </a:lnRef>
+          <a:fillRef idx="1">
+            <a:scrgbClr r="0" g="0" b="0"/>
+          </a:fillRef>
+          <a:effectRef idx="0">
+            <a:scrgbClr r="0" g="0" b="0"/>
+          </a:effectRef>
+          <a:fontRef idx="minor">
+            <a:schemeClr val="lt1"/>
+          </a:fontRef>
+        </p:style>
+        <p:txBody>
+          <a:bodyPr spcFirstLastPara="0" vert="horz" wrap="square" lIns="250219" tIns="230099" rIns="250219" bIns="230099" numCol="1" spcCol="1270" anchor="ctr" anchorCtr="0">
+            <a:noAutofit/>
+          </a:bodyPr>
+          <a:lstStyle/>
+          <a:p>
+            <a:pPr algn="ctr" defTabSz="533400">
+              <a:lnSpc>
+                <a:spcPct val="90000"/>
+              </a:lnSpc>
+              <a:spcAft>
+                <a:spcPct val="35000"/>
+              </a:spcAft>
+            </a:pPr>
+            <a:r>
+              <a:rPr lang="en-US" sz="2400">
+                <a:solidFill>
+                  <a:srgbClr val="FFFFFF"/>
+                </a:solidFill>
+                <a:latin typeface="TH Sarabun New" panose="020B0500040200020003" pitchFamily="34" charset="-34"/>
+                <a:cs typeface="TH Sarabun New" panose="020B0500040200020003" pitchFamily="34" charset="-34"/>
+              </a:rPr>
+              <a:t>education</a:t>
+            </a:r>
+            <a:endParaRPr lang="en-US" sz="2400" dirty="0">
+              <a:solidFill>
+                <a:srgbClr val="FFFFFF"/>
+              </a:solidFill>
+              <a:latin typeface="TH Sarabun New" panose="020B0500040200020003" pitchFamily="34" charset="-34"/>
+              <a:cs typeface="TH Sarabun New" panose="020B0500040200020003" pitchFamily="34" charset="-34"/>
+            </a:endParaRPr>
+          </a:p>
+        </p:txBody>
+      </p:sp>
+      <p:sp>
+        <p:nvSpPr>
+          <p:cNvPr id="22" name="Speech Bubble: Rectangle with Corners Rounded 21">
+            <a:extLst>
+              <a:ext uri="{FF2B5EF4-FFF2-40B4-BE49-F238E27FC236}">
+                <a16:creationId xmlns:a16="http://schemas.microsoft.com/office/drawing/2014/main" id="{7D9057A4-23B5-4067-946B-C6D27543FCF4}"/>
+              </a:ext>
+            </a:extLst>
+          </p:cNvPr>
+          <p:cNvSpPr/>
+          <p:nvPr/>
+        </p:nvSpPr>
+        <p:spPr bwMode="auto">
+          <a:xfrm>
+            <a:off x="254721" y="1268786"/>
+            <a:ext cx="3093785" cy="644705"/>
+          </a:xfrm>
+          <a:prstGeom prst="wedgeRoundRectCallout">
+            <a:avLst>
+              <a:gd name="adj1" fmla="val 21843"/>
+              <a:gd name="adj2" fmla="val 68032"/>
+              <a:gd name="adj3" fmla="val 16667"/>
+            </a:avLst>
+          </a:prstGeom>
+          <a:solidFill>
+            <a:schemeClr val="tx2">
+              <a:lumMod val="75000"/>
+              <a:lumOff val="25000"/>
+              <a:alpha val="75000"/>
+            </a:schemeClr>
+          </a:solidFill>
+          <a:ln w="9525" cap="flat" cmpd="sng" algn="ctr">
+            <a:noFill/>
+            <a:prstDash val="solid"/>
+            <a:round/>
+            <a:headEnd type="none" w="med" len="med"/>
+            <a:tailEnd type="none" w="med" len="med"/>
+          </a:ln>
+          <a:effectLst/>
+        </p:spPr>
+        <p:txBody>
+          <a:bodyPr rot="0" spcFirstLastPara="0" vertOverflow="overflow" horzOverflow="overflow" vert="horz" wrap="square" lIns="91440" tIns="45720" rIns="91440" bIns="45720" numCol="1" spcCol="0" rtlCol="0" fromWordArt="0" anchor="ctr" anchorCtr="0" forceAA="0" compatLnSpc="1">
+            <a:prstTxWarp prst="textNoShape">
+              <a:avLst/>
+            </a:prstTxWarp>
+            <a:noAutofit/>
+          </a:bodyPr>
+          <a:lstStyle/>
+          <a:p>
+            <a:r>
+              <a:rPr lang="th-TH" sz="2000" dirty="0">
+                <a:solidFill>
+                  <a:schemeClr val="bg1"/>
+                </a:solidFill>
+                <a:latin typeface="TH Sarabun New" panose="020B0500040200020003" pitchFamily="34" charset="-34"/>
+                <a:cs typeface="TH Sarabun New" panose="020B0500040200020003" pitchFamily="34" charset="-34"/>
+              </a:rPr>
+              <a:t>จัดการปัญหาด้านข้อมูล โดยนำข้อมูลมา</a:t>
+            </a:r>
+            <a:br>
+              <a:rPr lang="th-TH" sz="2000" dirty="0">
+                <a:solidFill>
+                  <a:schemeClr val="bg1"/>
+                </a:solidFill>
+                <a:latin typeface="TH Sarabun New" panose="020B0500040200020003" pitchFamily="34" charset="-34"/>
+                <a:cs typeface="TH Sarabun New" panose="020B0500040200020003" pitchFamily="34" charset="-34"/>
+              </a:rPr>
+            </a:br>
+            <a:r>
+              <a:rPr lang="th-TH" sz="2000" dirty="0">
+                <a:solidFill>
+                  <a:schemeClr val="bg1"/>
+                </a:solidFill>
+                <a:latin typeface="TH Sarabun New" panose="020B0500040200020003" pitchFamily="34" charset="-34"/>
+                <a:cs typeface="TH Sarabun New" panose="020B0500040200020003" pitchFamily="34" charset="-34"/>
+              </a:rPr>
+              <a:t>คัดแยกและนำเสนอให้แก่ผู้ใช้งาน</a:t>
+            </a:r>
+          </a:p>
+        </p:txBody>
+      </p:sp>
+      <p:sp>
+        <p:nvSpPr>
+          <p:cNvPr id="23" name="Speech Bubble: Rectangle with Corners Rounded 22">
+            <a:extLst>
+              <a:ext uri="{FF2B5EF4-FFF2-40B4-BE49-F238E27FC236}">
+                <a16:creationId xmlns:a16="http://schemas.microsoft.com/office/drawing/2014/main" id="{913A55D3-0C03-40A6-9311-56793FAA523A}"/>
+              </a:ext>
+            </a:extLst>
+          </p:cNvPr>
+          <p:cNvSpPr/>
+          <p:nvPr/>
+        </p:nvSpPr>
+        <p:spPr bwMode="auto">
+          <a:xfrm>
+            <a:off x="5106957" y="5819248"/>
+            <a:ext cx="3425483" cy="644705"/>
+          </a:xfrm>
+          <a:prstGeom prst="wedgeRoundRectCallout">
+            <a:avLst>
+              <a:gd name="adj1" fmla="val -21483"/>
+              <a:gd name="adj2" fmla="val -75412"/>
+              <a:gd name="adj3" fmla="val 16667"/>
+            </a:avLst>
+          </a:prstGeom>
+          <a:solidFill>
+            <a:schemeClr val="tx2">
+              <a:lumMod val="75000"/>
+              <a:lumOff val="25000"/>
+              <a:alpha val="75000"/>
+            </a:schemeClr>
+          </a:solidFill>
+          <a:ln w="9525" cap="flat" cmpd="sng" algn="ctr">
+            <a:noFill/>
+            <a:prstDash val="solid"/>
+            <a:round/>
+            <a:headEnd type="none" w="med" len="med"/>
+            <a:tailEnd type="none" w="med" len="med"/>
+          </a:ln>
+          <a:effectLst/>
+        </p:spPr>
+        <p:txBody>
+          <a:bodyPr rot="0" spcFirstLastPara="0" vertOverflow="overflow" horzOverflow="overflow" vert="horz" wrap="square" lIns="91440" tIns="45720" rIns="91440" bIns="45720" numCol="1" spcCol="0" rtlCol="0" fromWordArt="0" anchor="ctr" anchorCtr="0" forceAA="0" compatLnSpc="1">
+            <a:prstTxWarp prst="textNoShape">
+              <a:avLst/>
+            </a:prstTxWarp>
+            <a:noAutofit/>
+          </a:bodyPr>
+          <a:lstStyle/>
+          <a:p>
+            <a:r>
+              <a:rPr lang="th-TH" sz="2000" dirty="0">
+                <a:solidFill>
+                  <a:schemeClr val="bg1"/>
+                </a:solidFill>
+                <a:latin typeface="TH Sarabun New" panose="020B0500040200020003" pitchFamily="34" charset="-34"/>
+                <a:cs typeface="TH Sarabun New" panose="020B0500040200020003" pitchFamily="34" charset="-34"/>
+              </a:rPr>
+              <a:t>ศึกษาเก็บความต้องการของผู้ใช้งาน โดยวิเคราะห์จากคะแนนที่ผู้ใช้มีต่อสิ่งนั้น</a:t>
+            </a:r>
+          </a:p>
+        </p:txBody>
+      </p:sp>
+      <p:sp>
+        <p:nvSpPr>
+          <p:cNvPr id="24" name="Speech Bubble: Rectangle with Corners Rounded 23">
+            <a:extLst>
+              <a:ext uri="{FF2B5EF4-FFF2-40B4-BE49-F238E27FC236}">
+                <a16:creationId xmlns:a16="http://schemas.microsoft.com/office/drawing/2014/main" id="{BE35A67B-D445-432B-92A3-CD3F00C51F42}"/>
+              </a:ext>
+            </a:extLst>
+          </p:cNvPr>
+          <p:cNvSpPr/>
+          <p:nvPr/>
+        </p:nvSpPr>
+        <p:spPr bwMode="auto">
+          <a:xfrm>
+            <a:off x="5671000" y="300194"/>
+            <a:ext cx="3460955" cy="887637"/>
+          </a:xfrm>
+          <a:prstGeom prst="wedgeRoundRectCallout">
+            <a:avLst>
+              <a:gd name="adj1" fmla="val -21484"/>
+              <a:gd name="adj2" fmla="val 69644"/>
+              <a:gd name="adj3" fmla="val 16667"/>
+            </a:avLst>
+          </a:prstGeom>
+          <a:solidFill>
+            <a:schemeClr val="tx2">
+              <a:lumMod val="75000"/>
+              <a:lumOff val="25000"/>
+              <a:alpha val="75000"/>
+            </a:schemeClr>
+          </a:solidFill>
+          <a:ln w="9525" cap="flat" cmpd="sng" algn="ctr">
+            <a:noFill/>
+            <a:prstDash val="solid"/>
+            <a:round/>
+            <a:headEnd type="none" w="med" len="med"/>
+            <a:tailEnd type="none" w="med" len="med"/>
+          </a:ln>
+          <a:effectLst/>
+        </p:spPr>
+        <p:txBody>
+          <a:bodyPr rot="0" spcFirstLastPara="0" vertOverflow="overflow" horzOverflow="overflow" vert="horz" wrap="square" lIns="91440" tIns="45720" rIns="91440" bIns="45720" numCol="1" spcCol="0" rtlCol="0" fromWordArt="0" anchor="ctr" anchorCtr="0" forceAA="0" compatLnSpc="1">
+            <a:prstTxWarp prst="textNoShape">
+              <a:avLst/>
+            </a:prstTxWarp>
+            <a:noAutofit/>
+          </a:bodyPr>
+          <a:lstStyle/>
+          <a:p>
+            <a:r>
+              <a:rPr lang="th-TH" sz="2000" dirty="0">
+                <a:solidFill>
+                  <a:schemeClr val="bg1"/>
+                </a:solidFill>
+                <a:latin typeface="TH Sarabun New" panose="020B0500040200020003" pitchFamily="34" charset="-34"/>
+                <a:cs typeface="TH Sarabun New" panose="020B0500040200020003" pitchFamily="34" charset="-34"/>
+              </a:rPr>
+              <a:t>ทำให้ผู้ใช้มีตัวเลือกที่ใกล้เคียงต่อความต้องการและช่วยให้ผู้ใช้ตัดสินใจเลือกได้ง่ายขึ้น</a:t>
+            </a:r>
+          </a:p>
+        </p:txBody>
+      </p:sp>
+    </p:spTree>
+    <p:extLst>
+      <p:ext uri="{BB962C8B-B14F-4D97-AF65-F5344CB8AC3E}">
+        <p14:creationId xmlns:p14="http://schemas.microsoft.com/office/powerpoint/2010/main" val="3829234308"/>
+      </p:ext>
+    </p:extLst>
+  </p:cSld>
+  <p:clrMapOvr>
+    <a:masterClrMapping/>
+  </p:clrMapOvr>
+  <p:transition spd="slow">
+    <p:wipe/>
+  </p:transition>
+  <p:timing>
+    <p:tnLst>
+      <p:par>
+        <p:cTn id="1" dur="indefinite" restart="never" nodeType="tmRoot">
+          <p:childTnLst>
+            <p:seq concurrent="1" nextAc="seek">
+              <p:cTn id="2" dur="indefinite" nodeType="mainSeq">
+                <p:childTnLst>
+                  <p:par>
+                    <p:cTn id="3" fill="hold">
+                      <p:stCondLst>
+                        <p:cond delay="indefinite"/>
+                      </p:stCondLst>
+                      <p:childTnLst>
+                        <p:par>
+                          <p:cTn id="4" fill="hold">
+                            <p:stCondLst>
+                              <p:cond delay="0"/>
+                            </p:stCondLst>
+                            <p:childTnLst>
+                              <p:par>
+                                <p:cTn id="5" presetID="26" presetClass="emph" presetSubtype="0" fill="hold" grpId="1" nodeType="clickEffect">
+                                  <p:stCondLst>
+                                    <p:cond delay="0"/>
+                                  </p:stCondLst>
+                                  <p:childTnLst>
+                                    <p:animEffect transition="out" filter="fade">
+                                      <p:cBhvr>
+                                        <p:cTn id="6" dur="500" tmFilter="0, 0; .2, .5; .8, .5; 1, 0"/>
+                                        <p:tgtEl>
+                                          <p:spTgt spid="13"/>
+                                        </p:tgtEl>
+                                      </p:cBhvr>
+                                    </p:animEffect>
+                                    <p:animScale>
+                                      <p:cBhvr>
+                                        <p:cTn id="7" dur="250" autoRev="1" fill="hold"/>
+                                        <p:tgtEl>
+                                          <p:spTgt spid="13"/>
+                                        </p:tgtEl>
+                                      </p:cBhvr>
+                                      <p:by x="105000" y="105000"/>
+                                    </p:animScale>
+                                  </p:childTnLst>
+                                </p:cTn>
+                              </p:par>
+                            </p:childTnLst>
+                          </p:cTn>
+                        </p:par>
+                        <p:par>
+                          <p:cTn id="8" fill="hold">
+                            <p:stCondLst>
+                              <p:cond delay="500"/>
+                            </p:stCondLst>
+                            <p:childTnLst>
+                              <p:par>
+                                <p:cTn id="9" presetID="10" presetClass="entr" presetSubtype="0" fill="hold" grpId="0" nodeType="afterEffect">
+                                  <p:stCondLst>
+                                    <p:cond delay="0"/>
+                                  </p:stCondLst>
+                                  <p:childTnLst>
+                                    <p:set>
+                                      <p:cBhvr>
+                                        <p:cTn id="10" dur="1" fill="hold">
+                                          <p:stCondLst>
+                                            <p:cond delay="0"/>
+                                          </p:stCondLst>
+                                        </p:cTn>
+                                        <p:tgtEl>
+                                          <p:spTgt spid="22"/>
+                                        </p:tgtEl>
+                                        <p:attrNameLst>
+                                          <p:attrName>style.visibility</p:attrName>
+                                        </p:attrNameLst>
+                                      </p:cBhvr>
+                                      <p:to>
+                                        <p:strVal val="visible"/>
+                                      </p:to>
+                                    </p:set>
+                                    <p:animEffect transition="in" filter="fade">
+                                      <p:cBhvr>
+                                        <p:cTn id="11" dur="500"/>
+                                        <p:tgtEl>
+                                          <p:spTgt spid="22"/>
+                                        </p:tgtEl>
+                                      </p:cBhvr>
+                                    </p:animEffect>
+                                  </p:childTnLst>
+                                </p:cTn>
+                              </p:par>
+                            </p:childTnLst>
+                          </p:cTn>
+                        </p:par>
+                      </p:childTnLst>
+                    </p:cTn>
+                  </p:par>
+                  <p:par>
+                    <p:cTn id="12" fill="hold">
+                      <p:stCondLst>
+                        <p:cond delay="indefinite"/>
+                      </p:stCondLst>
+                      <p:childTnLst>
+                        <p:par>
+                          <p:cTn id="13" fill="hold">
+                            <p:stCondLst>
+                              <p:cond delay="0"/>
+                            </p:stCondLst>
+                            <p:childTnLst>
+                              <p:par>
+                                <p:cTn id="14" presetID="26" presetClass="emph" presetSubtype="0" fill="hold" grpId="0" nodeType="clickEffect">
+                                  <p:stCondLst>
+                                    <p:cond delay="0"/>
+                                  </p:stCondLst>
+                                  <p:childTnLst>
+                                    <p:animEffect transition="out" filter="fade">
+                                      <p:cBhvr>
+                                        <p:cTn id="15" dur="500" tmFilter="0, 0; .2, .5; .8, .5; 1, 0"/>
+                                        <p:tgtEl>
+                                          <p:spTgt spid="21"/>
+                                        </p:tgtEl>
+                                      </p:cBhvr>
+                                    </p:animEffect>
+                                    <p:animScale>
+                                      <p:cBhvr>
+                                        <p:cTn id="16" dur="250" autoRev="1" fill="hold"/>
+                                        <p:tgtEl>
+                                          <p:spTgt spid="21"/>
+                                        </p:tgtEl>
+                                      </p:cBhvr>
+                                      <p:by x="105000" y="105000"/>
+                                    </p:animScale>
+                                  </p:childTnLst>
+                                </p:cTn>
+                              </p:par>
+                            </p:childTnLst>
+                          </p:cTn>
+                        </p:par>
+                        <p:par>
+                          <p:cTn id="17" fill="hold">
+                            <p:stCondLst>
+                              <p:cond delay="500"/>
+                            </p:stCondLst>
+                            <p:childTnLst>
+                              <p:par>
+                                <p:cTn id="18" presetID="10" presetClass="entr" presetSubtype="0" fill="hold" grpId="0" nodeType="afterEffect">
+                                  <p:stCondLst>
+                                    <p:cond delay="0"/>
+                                  </p:stCondLst>
+                                  <p:childTnLst>
+                                    <p:set>
+                                      <p:cBhvr>
+                                        <p:cTn id="19" dur="1" fill="hold">
+                                          <p:stCondLst>
+                                            <p:cond delay="0"/>
+                                          </p:stCondLst>
+                                        </p:cTn>
+                                        <p:tgtEl>
+                                          <p:spTgt spid="23"/>
+                                        </p:tgtEl>
+                                        <p:attrNameLst>
+                                          <p:attrName>style.visibility</p:attrName>
+                                        </p:attrNameLst>
+                                      </p:cBhvr>
+                                      <p:to>
+                                        <p:strVal val="visible"/>
+                                      </p:to>
+                                    </p:set>
+                                    <p:animEffect transition="in" filter="fade">
+                                      <p:cBhvr>
+                                        <p:cTn id="20" dur="500"/>
+                                        <p:tgtEl>
+                                          <p:spTgt spid="23"/>
+                                        </p:tgtEl>
+                                      </p:cBhvr>
+                                    </p:animEffect>
+                                  </p:childTnLst>
+                                </p:cTn>
+                              </p:par>
+                            </p:childTnLst>
+                          </p:cTn>
+                        </p:par>
+                      </p:childTnLst>
+                    </p:cTn>
+                  </p:par>
+                  <p:par>
+                    <p:cTn id="21" fill="hold">
+                      <p:stCondLst>
+                        <p:cond delay="indefinite"/>
+                      </p:stCondLst>
+                      <p:childTnLst>
+                        <p:par>
+                          <p:cTn id="22" fill="hold">
+                            <p:stCondLst>
+                              <p:cond delay="0"/>
+                            </p:stCondLst>
+                            <p:childTnLst>
+                              <p:par>
+                                <p:cTn id="23" presetID="26" presetClass="emph" presetSubtype="0" fill="hold" grpId="0" nodeType="clickEffect">
+                                  <p:stCondLst>
+                                    <p:cond delay="0"/>
+                                  </p:stCondLst>
+                                  <p:childTnLst>
+                                    <p:animEffect transition="out" filter="fade">
+                                      <p:cBhvr>
+                                        <p:cTn id="24" dur="500" tmFilter="0, 0; .2, .5; .8, .5; 1, 0"/>
+                                        <p:tgtEl>
+                                          <p:spTgt spid="16"/>
+                                        </p:tgtEl>
+                                      </p:cBhvr>
+                                    </p:animEffect>
+                                    <p:animScale>
+                                      <p:cBhvr>
+                                        <p:cTn id="25" dur="250" autoRev="1" fill="hold"/>
+                                        <p:tgtEl>
+                                          <p:spTgt spid="16"/>
+                                        </p:tgtEl>
+                                      </p:cBhvr>
+                                      <p:by x="105000" y="105000"/>
+                                    </p:animScale>
+                                  </p:childTnLst>
+                                </p:cTn>
+                              </p:par>
+                            </p:childTnLst>
+                          </p:cTn>
+                        </p:par>
+                        <p:par>
+                          <p:cTn id="26" fill="hold">
+                            <p:stCondLst>
+                              <p:cond delay="500"/>
+                            </p:stCondLst>
+                            <p:childTnLst>
+                              <p:par>
+                                <p:cTn id="27" presetID="10" presetClass="entr" presetSubtype="0" fill="hold" grpId="0" nodeType="afterEffect">
+                                  <p:stCondLst>
+                                    <p:cond delay="0"/>
+                                  </p:stCondLst>
+                                  <p:childTnLst>
+                                    <p:set>
+                                      <p:cBhvr>
+                                        <p:cTn id="28" dur="1" fill="hold">
+                                          <p:stCondLst>
+                                            <p:cond delay="0"/>
+                                          </p:stCondLst>
+                                        </p:cTn>
+                                        <p:tgtEl>
+                                          <p:spTgt spid="24"/>
+                                        </p:tgtEl>
+                                        <p:attrNameLst>
+                                          <p:attrName>style.visibility</p:attrName>
+                                        </p:attrNameLst>
+                                      </p:cBhvr>
+                                      <p:to>
+                                        <p:strVal val="visible"/>
+                                      </p:to>
+                                    </p:set>
+                                    <p:animEffect transition="in" filter="fade">
+                                      <p:cBhvr>
+                                        <p:cTn id="29" dur="500"/>
+                                        <p:tgtEl>
+                                          <p:spTgt spid="24"/>
+                                        </p:tgtEl>
+                                      </p:cBhvr>
+                                    </p:animEffect>
+                                  </p:childTnLst>
+                                </p:cTn>
+                              </p:par>
+                            </p:childTnLst>
+                          </p:cTn>
+                        </p:par>
+                      </p:childTnLst>
+                    </p:cTn>
+                  </p:par>
+                </p:childTnLst>
+              </p:cTn>
+              <p:prevCondLst>
+                <p:cond evt="onPrev" delay="0">
+                  <p:tgtEl>
+                    <p:sldTgt/>
+                  </p:tgtEl>
+                </p:cond>
+              </p:prevCondLst>
+              <p:nextCondLst>
+                <p:cond evt="onNext" delay="0">
+                  <p:tgtEl>
+                    <p:sldTgt/>
+                  </p:tgtEl>
+                </p:cond>
+              </p:nextCondLst>
+            </p:seq>
+          </p:childTnLst>
+        </p:cTn>
+      </p:par>
+    </p:tnLst>
+    <p:bldLst>
+      <p:bldP spid="13" grpId="1" animBg="1"/>
+      <p:bldP spid="16" grpId="0" animBg="1"/>
+      <p:bldP spid="21" grpId="0" animBg="1"/>
+      <p:bldP spid="22" grpId="0" animBg="1"/>
+      <p:bldP spid="23" grpId="0" animBg="1"/>
+      <p:bldP spid="24" grpId="0" animBg="1"/>
+    </p:bldLst>
+  </p:timing>
+</p:sld>
+</file>
+
+<file path=ppt/slides/slide9.xml><?xml version="1.0" encoding="utf-8"?>
+<p:sld xmlns:a="http://schemas.openxmlformats.org/drawingml/2006/main" xmlns:r="http://schemas.openxmlformats.org/officeDocument/2006/relationships" xmlns:p="http://schemas.openxmlformats.org/presentationml/2006/main">
+  <p:cSld>
+    <p:spTree>
+      <p:nvGrpSpPr>
+        <p:cNvPr id="1" name=""/>
+        <p:cNvGrpSpPr/>
+        <p:nvPr/>
+      </p:nvGrpSpPr>
+      <p:grpSpPr>
+        <a:xfrm>
+          <a:off x="0" y="0"/>
+          <a:ext cx="0" cy="0"/>
+          <a:chOff x="0" y="0"/>
+          <a:chExt cx="0" cy="0"/>
+        </a:xfrm>
+      </p:grpSpPr>
+      <p:sp>
+        <p:nvSpPr>
+          <p:cNvPr id="11" name="Flowchart: Alternate Process 10">
+            <a:extLst>
+              <a:ext uri="{FF2B5EF4-FFF2-40B4-BE49-F238E27FC236}">
+                <a16:creationId xmlns:a16="http://schemas.microsoft.com/office/drawing/2014/main" id="{ACFBC730-E339-407F-8794-F0581E6F96E6}"/>
+              </a:ext>
+            </a:extLst>
+          </p:cNvPr>
+          <p:cNvSpPr/>
+          <p:nvPr/>
+        </p:nvSpPr>
+        <p:spPr bwMode="auto">
+          <a:xfrm>
+            <a:off x="611560" y="1628800"/>
+            <a:ext cx="7872949" cy="3456384"/>
+          </a:xfrm>
+          <a:prstGeom prst="flowChartAlternateProcess">
+            <a:avLst/>
+          </a:prstGeom>
+          <a:solidFill>
+            <a:schemeClr val="bg1">
+              <a:alpha val="42000"/>
+            </a:schemeClr>
+          </a:solidFill>
+          <a:ln w="50800" cap="flat" cmpd="sng" algn="ctr">
+            <a:solidFill>
+              <a:schemeClr val="bg1">
+                <a:lumMod val="50000"/>
+              </a:schemeClr>
+            </a:solidFill>
+            <a:prstDash val="solid"/>
+            <a:round/>
+            <a:headEnd type="none" w="med" len="med"/>
+            <a:tailEnd type="none" w="med" len="med"/>
+          </a:ln>
+          <a:effectLst/>
+          <a:extLst/>
+        </p:spPr>
+        <p:txBody>
+          <a:bodyPr vert="horz" wrap="square" lIns="91440" tIns="45720" rIns="91440" bIns="45720" numCol="1" rtlCol="0" anchor="t" anchorCtr="0" compatLnSpc="1">
+            <a:prstTxWarp prst="textNoShape">
+              <a:avLst/>
+            </a:prstTxWarp>
+          </a:bodyPr>
+          <a:lstStyle/>
+          <a:p>
+            <a:pPr marL="0" marR="0" indent="0" algn="l" defTabSz="914400" rtl="0" eaLnBrk="1" fontAlgn="base" latinLnBrk="0" hangingPunct="1">
+              <a:lnSpc>
+                <a:spcPct val="100000"/>
+              </a:lnSpc>
+              <a:spcBef>
+                <a:spcPct val="0"/>
+              </a:spcBef>
+              <a:spcAft>
+                <a:spcPct val="0"/>
+              </a:spcAft>
+              <a:buClrTx/>
+              <a:buSzTx/>
+              <a:buFontTx/>
+              <a:buNone/>
+              <a:tabLst/>
+            </a:pPr>
+            <a:endParaRPr kumimoji="0" lang="th-TH" sz="1800" b="1" i="0" u="none" strike="noStrike" cap="none" normalizeH="0" baseline="0">
+              <a:ln>
+                <a:noFill/>
+              </a:ln>
+              <a:solidFill>
+                <a:schemeClr val="tx1"/>
+              </a:solidFill>
+              <a:effectLst/>
+              <a:latin typeface="Arial" panose="020B0604020202020204" pitchFamily="34" charset="0"/>
+            </a:endParaRPr>
+          </a:p>
+        </p:txBody>
+      </p:sp>
+      <p:sp>
+        <p:nvSpPr>
+          <p:cNvPr id="36" name="Flowchart: Manual Operation 4">
+            <a:extLst>
+              <a:ext uri="{FF2B5EF4-FFF2-40B4-BE49-F238E27FC236}">
+                <a16:creationId xmlns:a16="http://schemas.microsoft.com/office/drawing/2014/main" id="{63921811-11E2-4DED-A615-8C2681BD8050}"/>
+              </a:ext>
+            </a:extLst>
+          </p:cNvPr>
+          <p:cNvSpPr txBox="1"/>
+          <p:nvPr/>
+        </p:nvSpPr>
+        <p:spPr>
+          <a:xfrm flipH="1">
+            <a:off x="1619672" y="1993776"/>
+            <a:ext cx="1512168" cy="2438400"/>
+          </a:xfrm>
+          <a:prstGeom prst="rect">
+            <a:avLst/>
+          </a:prstGeom>
+        </p:spPr>
+        <p:style>
+          <a:lnRef idx="0">
+            <a:scrgbClr r="0" g="0" b="0"/>
+          </a:lnRef>
+          <a:fillRef idx="0">
+            <a:scrgbClr r="0" g="0" b="0"/>
+          </a:fillRef>
+          <a:effectRef idx="0">
+            <a:scrgbClr r="0" g="0" b="0"/>
+          </a:effectRef>
+          <a:fontRef idx="minor">
+            <a:schemeClr val="lt1"/>
+          </a:fontRef>
+        </p:style>
+        <p:txBody>
+          <a:bodyPr spcFirstLastPara="0" vert="horz" wrap="square" lIns="279400" tIns="0" rIns="278712" bIns="0" numCol="1" spcCol="1270" anchor="t" anchorCtr="0">
+            <a:noAutofit/>
+          </a:bodyPr>
+          <a:lstStyle/>
+          <a:p>
+            <a:pPr marL="0" lvl="0" indent="0" algn="l" defTabSz="1955800">
+              <a:lnSpc>
+                <a:spcPct val="90000"/>
+              </a:lnSpc>
+              <a:spcBef>
+                <a:spcPct val="0"/>
+              </a:spcBef>
+              <a:spcAft>
+                <a:spcPct val="35000"/>
+              </a:spcAft>
+              <a:buNone/>
+            </a:pPr>
+            <a:endParaRPr lang="en-US" sz="2000" kern="1200" dirty="0">
+              <a:latin typeface="TH Sarabun New" panose="020B0500040200020003" pitchFamily="34" charset="-34"/>
+              <a:cs typeface="TH Sarabun New" panose="020B0500040200020003" pitchFamily="34" charset="-34"/>
+            </a:endParaRPr>
+          </a:p>
+        </p:txBody>
+      </p:sp>
+      <p:graphicFrame>
+        <p:nvGraphicFramePr>
+          <p:cNvPr id="10" name="Diagram 9">
+            <a:extLst>
+              <a:ext uri="{FF2B5EF4-FFF2-40B4-BE49-F238E27FC236}">
+                <a16:creationId xmlns:a16="http://schemas.microsoft.com/office/drawing/2014/main" id="{F90E44C3-823C-4EA8-B877-FDAD53EED9B1}"/>
+              </a:ext>
+            </a:extLst>
+          </p:cNvPr>
+          <p:cNvGraphicFramePr/>
+          <p:nvPr>
+            <p:extLst>
+              <p:ext uri="{D42A27DB-BD31-4B8C-83A1-F6EECF244321}">
+                <p14:modId xmlns:p14="http://schemas.microsoft.com/office/powerpoint/2010/main" val="4181702817"/>
+              </p:ext>
+            </p:extLst>
+          </p:nvPr>
+        </p:nvGraphicFramePr>
+        <p:xfrm>
+          <a:off x="876965" y="1700808"/>
+          <a:ext cx="7439451" cy="3379948"/>
+        </p:xfrm>
+        <a:graphic>
+          <a:graphicData uri="http://schemas.openxmlformats.org/drawingml/2006/diagram">
+            <dgm:relIds xmlns:dgm="http://schemas.openxmlformats.org/drawingml/2006/diagram" xmlns:r="http://schemas.openxmlformats.org/officeDocument/2006/relationships" r:dm="rId2" r:lo="rId3" r:qs="rId4" r:cs="rId5"/>
+          </a:graphicData>
+        </a:graphic>
+      </p:graphicFrame>
+    </p:spTree>
+    <p:extLst>
+      <p:ext uri="{BB962C8B-B14F-4D97-AF65-F5344CB8AC3E}">
+        <p14:creationId xmlns:p14="http://schemas.microsoft.com/office/powerpoint/2010/main" val="2599462442"/>
+      </p:ext>
+    </p:extLst>
+  </p:cSld>
+  <p:clrMapOvr>
+    <a:masterClrMapping/>
+  </p:clrMapOvr>
+  <p:transition spd="slow">
+    <p:wipe/>
+  </p:transition>
 </p:sld>
 </file>
 

--- a/document/บทที่ 1/บทที่ 1.pptx
+++ b/document/บทที่ 1/บทที่ 1.pptx
@@ -2709,7 +2709,7 @@
       <dgm:spPr/>
     </dgm:pt>
     <dgm:pt modelId="{12F3A5DE-ED67-44F6-B776-1ED4425A7F9D}" type="pres">
-      <dgm:prSet presAssocID="{7F133638-A913-4191-8026-251F240B3119}" presName="arrow" presStyleLbl="bgShp" presStyleIdx="0" presStyleCnt="1"/>
+      <dgm:prSet presAssocID="{7F133638-A913-4191-8026-251F240B3119}" presName="arrow" presStyleLbl="bgShp" presStyleIdx="0" presStyleCnt="1" custScaleY="76694"/>
       <dgm:spPr>
         <a:solidFill>
           <a:srgbClr val="00B0F0"/>
@@ -2980,7 +2980,7 @@
   <dgm:whole/>
   <dgm:extLst>
     <a:ext uri="http://schemas.microsoft.com/office/drawing/2008/diagram">
-      <dsp:dataModelExt xmlns:dsp="http://schemas.microsoft.com/office/drawing/2008/diagram" relId="rId8" minVer="http://schemas.openxmlformats.org/drawingml/2006/diagram"/>
+      <dsp:dataModelExt xmlns:dsp="http://schemas.microsoft.com/office/drawing/2008/diagram" relId="rId6" minVer="http://schemas.openxmlformats.org/drawingml/2006/diagram"/>
     </a:ext>
   </dgm:extLst>
 </dgm:dataModel>
@@ -3727,8 +3727,8 @@
       </dsp:nvSpPr>
       <dsp:spPr>
         <a:xfrm>
-          <a:off x="0" y="1087648"/>
-          <a:ext cx="8208912" cy="1450198"/>
+          <a:off x="0" y="1080119"/>
+          <a:ext cx="8208912" cy="955981"/>
         </a:xfrm>
         <a:prstGeom prst="notchedRightArrow">
           <a:avLst/>
@@ -3762,7 +3762,7 @@
       <dsp:spPr>
         <a:xfrm>
           <a:off x="3246" y="0"/>
-          <a:ext cx="1419524" cy="1450198"/>
+          <a:ext cx="1419524" cy="1246488"/>
         </a:xfrm>
         <a:prstGeom prst="rect">
           <a:avLst/>
@@ -3786,12 +3786,12 @@
         <a:fontRef idx="minor"/>
       </dsp:style>
       <dsp:txBody>
-        <a:bodyPr spcFirstLastPara="0" vert="horz" wrap="square" lIns="369824" tIns="369824" rIns="369824" bIns="369824" numCol="1" spcCol="1270" anchor="b" anchorCtr="0">
+        <a:bodyPr spcFirstLastPara="0" vert="horz" wrap="square" lIns="320040" tIns="320040" rIns="320040" bIns="320040" numCol="1" spcCol="1270" anchor="b" anchorCtr="0">
           <a:noAutofit/>
         </a:bodyPr>
         <a:lstStyle/>
         <a:p>
-          <a:pPr marL="0" lvl="0" indent="0" algn="ctr" defTabSz="2311400">
+          <a:pPr marL="0" lvl="0" indent="0" algn="ctr" defTabSz="2000250">
             <a:lnSpc>
               <a:spcPct val="90000"/>
             </a:lnSpc>
@@ -3804,14 +3804,14 @@
             <a:buNone/>
           </a:pPr>
           <a:r>
-            <a:rPr lang="en-US" sz="5200" kern="1200" dirty="0"/>
+            <a:rPr lang="en-US" sz="4500" kern="1200" dirty="0"/>
             <a:t> </a:t>
           </a:r>
         </a:p>
       </dsp:txBody>
       <dsp:txXfrm>
         <a:off x="3246" y="0"/>
-        <a:ext cx="1419524" cy="1450198"/>
+        <a:ext cx="1419524" cy="1246488"/>
       </dsp:txXfrm>
     </dsp:sp>
     <dsp:sp modelId="{D214C946-F86B-4BB9-9234-A8285BAC810D}">
@@ -3821,8 +3821,8 @@
       </dsp:nvSpPr>
       <dsp:spPr>
         <a:xfrm>
-          <a:off x="531734" y="1631473"/>
-          <a:ext cx="362549" cy="362549"/>
+          <a:off x="557197" y="1402299"/>
+          <a:ext cx="311622" cy="311622"/>
         </a:xfrm>
         <a:prstGeom prst="ellipse">
           <a:avLst/>
@@ -3866,8 +3866,8 @@
       </dsp:nvSpPr>
       <dsp:spPr>
         <a:xfrm>
-          <a:off x="1493747" y="2175297"/>
-          <a:ext cx="1419524" cy="1450198"/>
+          <a:off x="1493747" y="1869732"/>
+          <a:ext cx="1419524" cy="1246488"/>
         </a:xfrm>
         <a:prstGeom prst="rect">
           <a:avLst/>
@@ -3891,12 +3891,12 @@
         <a:fontRef idx="minor"/>
       </dsp:style>
       <dsp:txBody>
-        <a:bodyPr spcFirstLastPara="0" vert="horz" wrap="square" lIns="369824" tIns="369824" rIns="369824" bIns="369824" numCol="1" spcCol="1270" anchor="t" anchorCtr="0">
+        <a:bodyPr spcFirstLastPara="0" vert="horz" wrap="square" lIns="320040" tIns="320040" rIns="320040" bIns="320040" numCol="1" spcCol="1270" anchor="t" anchorCtr="0">
           <a:noAutofit/>
         </a:bodyPr>
         <a:lstStyle/>
         <a:p>
-          <a:pPr marL="0" lvl="0" indent="0" algn="ctr" defTabSz="2311400">
+          <a:pPr marL="0" lvl="0" indent="0" algn="ctr" defTabSz="2000250">
             <a:lnSpc>
               <a:spcPct val="90000"/>
             </a:lnSpc>
@@ -3909,14 +3909,14 @@
             <a:buNone/>
           </a:pPr>
           <a:r>
-            <a:rPr lang="en-US" sz="5200" kern="1200" dirty="0"/>
+            <a:rPr lang="en-US" sz="4500" kern="1200" dirty="0"/>
             <a:t> </a:t>
           </a:r>
         </a:p>
       </dsp:txBody>
       <dsp:txXfrm>
-        <a:off x="1493747" y="2175297"/>
-        <a:ext cx="1419524" cy="1450198"/>
+        <a:off x="1493747" y="1869732"/>
+        <a:ext cx="1419524" cy="1246488"/>
       </dsp:txXfrm>
     </dsp:sp>
     <dsp:sp modelId="{BED8B5DA-58C2-478A-AD8A-64DE19D38179}">
@@ -3926,8 +3926,8 @@
       </dsp:nvSpPr>
       <dsp:spPr>
         <a:xfrm>
-          <a:off x="2022234" y="1631473"/>
-          <a:ext cx="362549" cy="362549"/>
+          <a:off x="2047698" y="1402299"/>
+          <a:ext cx="311622" cy="311622"/>
         </a:xfrm>
         <a:prstGeom prst="ellipse">
           <a:avLst/>
@@ -3972,7 +3972,7 @@
       <dsp:spPr>
         <a:xfrm>
           <a:off x="2984248" y="0"/>
-          <a:ext cx="1419524" cy="1450198"/>
+          <a:ext cx="1419524" cy="1246488"/>
         </a:xfrm>
         <a:prstGeom prst="rect">
           <a:avLst/>
@@ -3996,12 +3996,12 @@
         <a:fontRef idx="minor"/>
       </dsp:style>
       <dsp:txBody>
-        <a:bodyPr spcFirstLastPara="0" vert="horz" wrap="square" lIns="369824" tIns="369824" rIns="369824" bIns="369824" numCol="1" spcCol="1270" anchor="b" anchorCtr="0">
+        <a:bodyPr spcFirstLastPara="0" vert="horz" wrap="square" lIns="320040" tIns="320040" rIns="320040" bIns="320040" numCol="1" spcCol="1270" anchor="b" anchorCtr="0">
           <a:noAutofit/>
         </a:bodyPr>
         <a:lstStyle/>
         <a:p>
-          <a:pPr marL="0" lvl="0" indent="0" algn="ctr" defTabSz="2311400">
+          <a:pPr marL="0" lvl="0" indent="0" algn="ctr" defTabSz="2000250">
             <a:lnSpc>
               <a:spcPct val="90000"/>
             </a:lnSpc>
@@ -4014,14 +4014,14 @@
             <a:buNone/>
           </a:pPr>
           <a:r>
-            <a:rPr lang="en-US" sz="5200" kern="1200" dirty="0"/>
+            <a:rPr lang="en-US" sz="4500" kern="1200" dirty="0"/>
             <a:t> </a:t>
           </a:r>
         </a:p>
       </dsp:txBody>
       <dsp:txXfrm>
         <a:off x="2984248" y="0"/>
-        <a:ext cx="1419524" cy="1450198"/>
+        <a:ext cx="1419524" cy="1246488"/>
       </dsp:txXfrm>
     </dsp:sp>
     <dsp:sp modelId="{7172A374-C6CE-41C7-A6E7-81A78E8F2518}">
@@ -4031,8 +4031,8 @@
       </dsp:nvSpPr>
       <dsp:spPr>
         <a:xfrm>
-          <a:off x="3512735" y="1631473"/>
-          <a:ext cx="362549" cy="362549"/>
+          <a:off x="3538199" y="1402299"/>
+          <a:ext cx="311622" cy="311622"/>
         </a:xfrm>
         <a:prstGeom prst="ellipse">
           <a:avLst/>
@@ -4076,8 +4076,8 @@
       </dsp:nvSpPr>
       <dsp:spPr>
         <a:xfrm>
-          <a:off x="4474748" y="2175297"/>
-          <a:ext cx="1419524" cy="1450198"/>
+          <a:off x="4474748" y="1869732"/>
+          <a:ext cx="1419524" cy="1246488"/>
         </a:xfrm>
         <a:prstGeom prst="rect">
           <a:avLst/>
@@ -4101,12 +4101,12 @@
         <a:fontRef idx="minor"/>
       </dsp:style>
       <dsp:txBody>
-        <a:bodyPr spcFirstLastPara="0" vert="horz" wrap="square" lIns="369824" tIns="369824" rIns="369824" bIns="369824" numCol="1" spcCol="1270" anchor="t" anchorCtr="0">
+        <a:bodyPr spcFirstLastPara="0" vert="horz" wrap="square" lIns="320040" tIns="320040" rIns="320040" bIns="320040" numCol="1" spcCol="1270" anchor="t" anchorCtr="0">
           <a:noAutofit/>
         </a:bodyPr>
         <a:lstStyle/>
         <a:p>
-          <a:pPr marL="0" lvl="0" indent="0" algn="ctr" defTabSz="2311400">
+          <a:pPr marL="0" lvl="0" indent="0" algn="ctr" defTabSz="2000250">
             <a:lnSpc>
               <a:spcPct val="90000"/>
             </a:lnSpc>
@@ -4118,12 +4118,12 @@
             </a:spcAft>
             <a:buNone/>
           </a:pPr>
-          <a:endParaRPr lang="en-US" sz="5200" kern="1200" dirty="0"/>
+          <a:endParaRPr lang="en-US" sz="4500" kern="1200" dirty="0"/>
         </a:p>
       </dsp:txBody>
       <dsp:txXfrm>
-        <a:off x="4474748" y="2175297"/>
-        <a:ext cx="1419524" cy="1450198"/>
+        <a:off x="4474748" y="1869732"/>
+        <a:ext cx="1419524" cy="1246488"/>
       </dsp:txXfrm>
     </dsp:sp>
     <dsp:sp modelId="{ABB71908-B048-4523-BB4E-E1B7691F23B5}">
@@ -4133,8 +4133,8 @@
       </dsp:nvSpPr>
       <dsp:spPr>
         <a:xfrm>
-          <a:off x="5003236" y="1631473"/>
-          <a:ext cx="362549" cy="362549"/>
+          <a:off x="5028700" y="1402299"/>
+          <a:ext cx="311622" cy="311622"/>
         </a:xfrm>
         <a:prstGeom prst="ellipse">
           <a:avLst/>
@@ -4179,7 +4179,7 @@
       <dsp:spPr>
         <a:xfrm>
           <a:off x="5965249" y="0"/>
-          <a:ext cx="1419524" cy="1450198"/>
+          <a:ext cx="1419524" cy="1246488"/>
         </a:xfrm>
         <a:prstGeom prst="rect">
           <a:avLst/>
@@ -4203,12 +4203,12 @@
         <a:fontRef idx="minor"/>
       </dsp:style>
       <dsp:txBody>
-        <a:bodyPr spcFirstLastPara="0" vert="horz" wrap="square" lIns="369824" tIns="369824" rIns="369824" bIns="369824" numCol="1" spcCol="1270" anchor="b" anchorCtr="0">
+        <a:bodyPr spcFirstLastPara="0" vert="horz" wrap="square" lIns="320040" tIns="320040" rIns="320040" bIns="320040" numCol="1" spcCol="1270" anchor="b" anchorCtr="0">
           <a:noAutofit/>
         </a:bodyPr>
         <a:lstStyle/>
         <a:p>
-          <a:pPr marL="0" lvl="0" indent="0" algn="ctr" defTabSz="2311400">
+          <a:pPr marL="0" lvl="0" indent="0" algn="ctr" defTabSz="2000250">
             <a:lnSpc>
               <a:spcPct val="90000"/>
             </a:lnSpc>
@@ -4220,12 +4220,12 @@
             </a:spcAft>
             <a:buNone/>
           </a:pPr>
-          <a:endParaRPr lang="en-US" sz="5200" kern="1200" dirty="0"/>
+          <a:endParaRPr lang="en-US" sz="4500" kern="1200" dirty="0"/>
         </a:p>
       </dsp:txBody>
       <dsp:txXfrm>
         <a:off x="5965249" y="0"/>
-        <a:ext cx="1419524" cy="1450198"/>
+        <a:ext cx="1419524" cy="1246488"/>
       </dsp:txXfrm>
     </dsp:sp>
     <dsp:sp modelId="{7C59B82E-BE94-44F8-A4AC-253A5AC64A10}">
@@ -4235,8 +4235,8 @@
       </dsp:nvSpPr>
       <dsp:spPr>
         <a:xfrm>
-          <a:off x="6493737" y="1631473"/>
-          <a:ext cx="362549" cy="362549"/>
+          <a:off x="6519200" y="1402299"/>
+          <a:ext cx="311622" cy="311622"/>
         </a:xfrm>
         <a:prstGeom prst="ellipse">
           <a:avLst/>
@@ -12531,6 +12531,18 @@
   <p:clrMapOvr>
     <a:masterClrMapping/>
   </p:clrMapOvr>
+  <mc:AlternateContent xmlns:mc="http://schemas.openxmlformats.org/markup-compatibility/2006">
+    <mc:Choice xmlns:p14="http://schemas.microsoft.com/office/powerpoint/2010/main" Requires="p14">
+      <p:transition spd="slow" p14:dur="1500">
+        <p14:window dir="vert"/>
+      </p:transition>
+    </mc:Choice>
+    <mc:Fallback>
+      <p:transition spd="slow">
+        <p:fade/>
+      </p:transition>
+    </mc:Fallback>
+  </mc:AlternateContent>
 </p:sld>
 </file>
 
@@ -14719,6 +14731,18 @@
   <p:clrMapOvr>
     <a:masterClrMapping/>
   </p:clrMapOvr>
+  <mc:AlternateContent xmlns:mc="http://schemas.openxmlformats.org/markup-compatibility/2006">
+    <mc:Choice xmlns:p14="http://schemas.microsoft.com/office/powerpoint/2010/main" Requires="p14">
+      <p:transition spd="slow" p14:dur="1400">
+        <p14:doors dir="vert"/>
+      </p:transition>
+    </mc:Choice>
+    <mc:Fallback>
+      <p:transition spd="slow">
+        <p:fade/>
+      </p:transition>
+    </mc:Fallback>
+  </mc:AlternateContent>
   <p:timing>
     <p:tnLst>
       <p:par>
@@ -15688,6 +15712,9 @@
   <p:clrMapOvr>
     <a:masterClrMapping/>
   </p:clrMapOvr>
+  <p:transition spd="slow">
+    <p:wipe/>
+  </p:transition>
   <p:timing>
     <p:tnLst>
       <p:par>
@@ -16234,6 +16261,34 @@
           <a:chExt cx="0" cy="0"/>
         </a:xfrm>
       </p:grpSpPr>
+      <p:graphicFrame>
+        <p:nvGraphicFramePr>
+          <p:cNvPr id="2" name="Diagram 1">
+            <a:extLst>
+              <a:ext uri="{FF2B5EF4-FFF2-40B4-BE49-F238E27FC236}">
+                <a16:creationId xmlns:a16="http://schemas.microsoft.com/office/drawing/2014/main" id="{62CDBACA-BD4A-49D5-A523-CCE166303891}"/>
+              </a:ext>
+            </a:extLst>
+          </p:cNvPr>
+          <p:cNvGraphicFramePr/>
+          <p:nvPr>
+            <p:extLst>
+              <p:ext uri="{D42A27DB-BD31-4B8C-83A1-F6EECF244321}">
+                <p14:modId xmlns:p14="http://schemas.microsoft.com/office/powerpoint/2010/main" val="983999820"/>
+              </p:ext>
+            </p:extLst>
+          </p:nvPr>
+        </p:nvGraphicFramePr>
+        <p:xfrm>
+          <a:off x="539552" y="1752939"/>
+          <a:ext cx="8208912" cy="3116221"/>
+        </p:xfrm>
+        <a:graphic>
+          <a:graphicData uri="http://schemas.openxmlformats.org/drawingml/2006/diagram">
+            <dgm:relIds xmlns:dgm="http://schemas.openxmlformats.org/drawingml/2006/diagram" xmlns:r="http://schemas.openxmlformats.org/officeDocument/2006/relationships" r:dm="rId2" r:lo="rId3" r:qs="rId4" r:cs="rId5"/>
+          </a:graphicData>
+        </a:graphic>
+      </p:graphicFrame>
       <p:sp>
         <p:nvSpPr>
           <p:cNvPr id="17" name="TextBox 16">
@@ -16292,13 +16347,13 @@
           <p:nvPr/>
         </p:nvPicPr>
         <p:blipFill>
-          <a:blip r:embed="rId2">
+          <a:blip r:embed="rId7">
             <a:extLst>
               <a:ext uri="{28A0092B-C50C-407E-A947-70E740481C1C}">
                 <a14:useLocalDpi xmlns:a14="http://schemas.microsoft.com/office/drawing/2010/main" val="0"/>
               </a:ext>
               <a:ext uri="{96DAC541-7B7A-43D3-8B79-37D633B846F1}">
-                <asvg:svgBlip xmlns:asvg="http://schemas.microsoft.com/office/drawing/2016/SVG/main" r:embed="rId3"/>
+                <asvg:svgBlip xmlns:asvg="http://schemas.microsoft.com/office/drawing/2016/SVG/main" r:embed="rId8"/>
               </a:ext>
             </a:extLst>
           </a:blip>
@@ -16350,7 +16405,7 @@
                 <a:latin typeface="TH Sarabun New" panose="020B0500040200020003" pitchFamily="34" charset="-34"/>
                 <a:cs typeface="TH Sarabun New" panose="020B0500040200020003" pitchFamily="34" charset="-34"/>
               </a:rPr>
-              <a:t>From past to present</a:t>
+              <a:t>Present . . .</a:t>
             </a:r>
             <a:endParaRPr lang="th-TH" sz="2800" dirty="0">
               <a:latin typeface="TH Sarabun New" panose="020B0500040200020003" pitchFamily="34" charset="-34"/>
@@ -16409,34 +16464,562 @@
           </a:extLst>
         </p:spPr>
       </p:cxnSp>
-      <p:graphicFrame>
-        <p:nvGraphicFramePr>
-          <p:cNvPr id="2" name="Diagram 1">
+      <p:sp>
+        <p:nvSpPr>
+          <p:cNvPr id="3" name="TextBox 2">
             <a:extLst>
               <a:ext uri="{FF2B5EF4-FFF2-40B4-BE49-F238E27FC236}">
-                <a16:creationId xmlns:a16="http://schemas.microsoft.com/office/drawing/2014/main" id="{62CDBACA-BD4A-49D5-A523-CCE166303891}"/>
+                <a16:creationId xmlns:a16="http://schemas.microsoft.com/office/drawing/2014/main" id="{44661BAA-8DDB-4CF9-8846-1D12CFF41C53}"/>
               </a:ext>
             </a:extLst>
           </p:cNvPr>
-          <p:cNvGraphicFramePr/>
-          <p:nvPr>
-            <p:extLst>
-              <p:ext uri="{D42A27DB-BD31-4B8C-83A1-F6EECF244321}">
-                <p14:modId xmlns:p14="http://schemas.microsoft.com/office/powerpoint/2010/main" val="1244300663"/>
-              </p:ext>
-            </p:extLst>
-          </p:nvPr>
-        </p:nvGraphicFramePr>
-        <p:xfrm>
-          <a:off x="539552" y="1752939"/>
-          <a:ext cx="8208912" cy="3625496"/>
-        </p:xfrm>
-        <a:graphic>
-          <a:graphicData uri="http://schemas.openxmlformats.org/drawingml/2006/diagram">
-            <dgm:relIds xmlns:dgm="http://schemas.openxmlformats.org/drawingml/2006/diagram" xmlns:r="http://schemas.openxmlformats.org/officeDocument/2006/relationships" r:dm="rId4" r:lo="rId5" r:qs="rId6" r:cs="rId7"/>
-          </a:graphicData>
-        </a:graphic>
-      </p:graphicFrame>
+          <p:cNvSpPr txBox="1"/>
+          <p:nvPr/>
+        </p:nvSpPr>
+        <p:spPr>
+          <a:xfrm>
+            <a:off x="567912" y="3501008"/>
+            <a:ext cx="1400383" cy="646331"/>
+          </a:xfrm>
+          <a:prstGeom prst="rect">
+            <a:avLst/>
+          </a:prstGeom>
+          <a:noFill/>
+        </p:spPr>
+        <p:txBody>
+          <a:bodyPr wrap="none" rtlCol="0">
+            <a:spAutoFit/>
+          </a:bodyPr>
+          <a:lstStyle/>
+          <a:p>
+            <a:pPr algn="ctr"/>
+            <a:r>
+              <a:rPr lang="en-US" dirty="0">
+                <a:latin typeface="TH Sarabun New" panose="020B0500040200020003" pitchFamily="34" charset="-34"/>
+                <a:cs typeface="TH Sarabun New" panose="020B0500040200020003" pitchFamily="34" charset="-34"/>
+              </a:rPr>
+              <a:t>Shopping</a:t>
+            </a:r>
+            <a:br>
+              <a:rPr lang="en-US" dirty="0">
+                <a:latin typeface="TH Sarabun New" panose="020B0500040200020003" pitchFamily="34" charset="-34"/>
+                <a:cs typeface="TH Sarabun New" panose="020B0500040200020003" pitchFamily="34" charset="-34"/>
+              </a:rPr>
+            </a:br>
+            <a:r>
+              <a:rPr lang="en-US" dirty="0">
+                <a:latin typeface="TH Sarabun New" panose="020B0500040200020003" pitchFamily="34" charset="-34"/>
+                <a:cs typeface="TH Sarabun New" panose="020B0500040200020003" pitchFamily="34" charset="-34"/>
+              </a:rPr>
+              <a:t>Your new choice</a:t>
+            </a:r>
+            <a:endParaRPr lang="th-TH" dirty="0">
+              <a:latin typeface="TH Sarabun New" panose="020B0500040200020003" pitchFamily="34" charset="-34"/>
+              <a:cs typeface="TH Sarabun New" panose="020B0500040200020003" pitchFamily="34" charset="-34"/>
+            </a:endParaRPr>
+          </a:p>
+        </p:txBody>
+      </p:sp>
+      <p:pic>
+        <p:nvPicPr>
+          <p:cNvPr id="8" name="Picture 7">
+            <a:extLst>
+              <a:ext uri="{FF2B5EF4-FFF2-40B4-BE49-F238E27FC236}">
+                <a16:creationId xmlns:a16="http://schemas.microsoft.com/office/drawing/2014/main" id="{4642AAE1-5ADC-4A9F-8E0D-38A623B86AF9}"/>
+              </a:ext>
+            </a:extLst>
+          </p:cNvPr>
+          <p:cNvPicPr>
+            <a:picLocks noChangeAspect="1"/>
+          </p:cNvPicPr>
+          <p:nvPr/>
+        </p:nvPicPr>
+        <p:blipFill>
+          <a:blip r:embed="rId9">
+            <a:extLst>
+              <a:ext uri="{28A0092B-C50C-407E-A947-70E740481C1C}">
+                <a14:useLocalDpi xmlns:a14="http://schemas.microsoft.com/office/drawing/2010/main" val="0"/>
+              </a:ext>
+            </a:extLst>
+          </a:blip>
+          <a:stretch>
+            <a:fillRect/>
+          </a:stretch>
+        </p:blipFill>
+        <p:spPr>
+          <a:xfrm>
+            <a:off x="586375" y="3705779"/>
+            <a:ext cx="1423988" cy="2531533"/>
+          </a:xfrm>
+          <a:prstGeom prst="rect">
+            <a:avLst/>
+          </a:prstGeom>
+          <a:solidFill>
+            <a:srgbClr val="FFFFFF">
+              <a:shade val="85000"/>
+            </a:srgbClr>
+          </a:solidFill>
+          <a:ln w="101600" cap="sq">
+            <a:solidFill>
+              <a:srgbClr val="FDFDFD"/>
+            </a:solidFill>
+            <a:miter lim="800000"/>
+          </a:ln>
+          <a:effectLst>
+            <a:outerShdw blurRad="57150" dist="37500" dir="7560000" sy="98000" kx="110000" ky="200000" algn="tl" rotWithShape="0">
+              <a:srgbClr val="000000">
+                <a:alpha val="20000"/>
+              </a:srgbClr>
+            </a:outerShdw>
+          </a:effectLst>
+          <a:scene3d>
+            <a:camera prst="perspectiveRelaxed">
+              <a:rot lat="18960000" lon="0" rev="0"/>
+            </a:camera>
+            <a:lightRig rig="twoPt" dir="t">
+              <a:rot lat="0" lon="0" rev="7200000"/>
+            </a:lightRig>
+          </a:scene3d>
+          <a:sp3d prstMaterial="matte">
+            <a:bevelT w="22860" h="12700"/>
+            <a:contourClr>
+              <a:srgbClr val="FFFFFF"/>
+            </a:contourClr>
+          </a:sp3d>
+        </p:spPr>
+      </p:pic>
+      <p:pic>
+        <p:nvPicPr>
+          <p:cNvPr id="10" name="Picture 9">
+            <a:extLst>
+              <a:ext uri="{FF2B5EF4-FFF2-40B4-BE49-F238E27FC236}">
+                <a16:creationId xmlns:a16="http://schemas.microsoft.com/office/drawing/2014/main" id="{DAFC5FD5-9A2B-4802-B5DD-BFFA073A97EF}"/>
+              </a:ext>
+            </a:extLst>
+          </p:cNvPr>
+          <p:cNvPicPr>
+            <a:picLocks noChangeAspect="1"/>
+          </p:cNvPicPr>
+          <p:nvPr/>
+        </p:nvPicPr>
+        <p:blipFill>
+          <a:blip r:embed="rId10">
+            <a:extLst>
+              <a:ext uri="{28A0092B-C50C-407E-A947-70E740481C1C}">
+                <a14:useLocalDpi xmlns:a14="http://schemas.microsoft.com/office/drawing/2010/main" val="0"/>
+              </a:ext>
+            </a:extLst>
+          </a:blip>
+          <a:stretch>
+            <a:fillRect/>
+          </a:stretch>
+        </p:blipFill>
+        <p:spPr>
+          <a:xfrm>
+            <a:off x="1719759" y="1429773"/>
+            <a:ext cx="1968523" cy="1023632"/>
+          </a:xfrm>
+          <a:prstGeom prst="roundRect">
+            <a:avLst>
+              <a:gd name="adj" fmla="val 16667"/>
+            </a:avLst>
+          </a:prstGeom>
+          <a:ln>
+            <a:noFill/>
+          </a:ln>
+          <a:effectLst>
+            <a:outerShdw blurRad="152400" dist="12000" dir="900000" sy="98000" kx="110000" ky="200000" algn="tl" rotWithShape="0">
+              <a:srgbClr val="000000">
+                <a:alpha val="30000"/>
+              </a:srgbClr>
+            </a:outerShdw>
+          </a:effectLst>
+          <a:scene3d>
+            <a:camera prst="perspectiveRelaxed">
+              <a:rot lat="19800000" lon="1200000" rev="20820000"/>
+            </a:camera>
+            <a:lightRig rig="threePt" dir="t"/>
+          </a:scene3d>
+          <a:sp3d contourW="6350" prstMaterial="matte">
+            <a:bevelT w="101600" h="101600"/>
+            <a:contourClr>
+              <a:srgbClr val="969696"/>
+            </a:contourClr>
+          </a:sp3d>
+        </p:spPr>
+      </p:pic>
+      <p:sp>
+        <p:nvSpPr>
+          <p:cNvPr id="16" name="TextBox 15">
+            <a:extLst>
+              <a:ext uri="{FF2B5EF4-FFF2-40B4-BE49-F238E27FC236}">
+                <a16:creationId xmlns:a16="http://schemas.microsoft.com/office/drawing/2014/main" id="{AF19E22F-EAAF-47DF-8500-0AA921A5B510}"/>
+              </a:ext>
+            </a:extLst>
+          </p:cNvPr>
+          <p:cNvSpPr txBox="1"/>
+          <p:nvPr/>
+        </p:nvSpPr>
+        <p:spPr>
+          <a:xfrm>
+            <a:off x="2220555" y="2453405"/>
+            <a:ext cx="966931" cy="646331"/>
+          </a:xfrm>
+          <a:prstGeom prst="rect">
+            <a:avLst/>
+          </a:prstGeom>
+          <a:noFill/>
+        </p:spPr>
+        <p:txBody>
+          <a:bodyPr wrap="none" rtlCol="0">
+            <a:spAutoFit/>
+          </a:bodyPr>
+          <a:lstStyle/>
+          <a:p>
+            <a:pPr algn="ctr"/>
+            <a:r>
+              <a:rPr lang="en-US" dirty="0">
+                <a:latin typeface="TH Sarabun New" panose="020B0500040200020003" pitchFamily="34" charset="-34"/>
+                <a:cs typeface="TH Sarabun New" panose="020B0500040200020003" pitchFamily="34" charset="-34"/>
+              </a:rPr>
+              <a:t>Any where</a:t>
+            </a:r>
+            <a:br>
+              <a:rPr lang="en-US" dirty="0">
+                <a:latin typeface="TH Sarabun New" panose="020B0500040200020003" pitchFamily="34" charset="-34"/>
+                <a:cs typeface="TH Sarabun New" panose="020B0500040200020003" pitchFamily="34" charset="-34"/>
+              </a:rPr>
+            </a:br>
+            <a:r>
+              <a:rPr lang="en-US" dirty="0">
+                <a:latin typeface="TH Sarabun New" panose="020B0500040200020003" pitchFamily="34" charset="-34"/>
+                <a:cs typeface="TH Sarabun New" panose="020B0500040200020003" pitchFamily="34" charset="-34"/>
+              </a:rPr>
+              <a:t>Any time</a:t>
+            </a:r>
+            <a:endParaRPr lang="th-TH" dirty="0">
+              <a:latin typeface="TH Sarabun New" panose="020B0500040200020003" pitchFamily="34" charset="-34"/>
+              <a:cs typeface="TH Sarabun New" panose="020B0500040200020003" pitchFamily="34" charset="-34"/>
+            </a:endParaRPr>
+          </a:p>
+        </p:txBody>
+      </p:sp>
+      <p:pic>
+        <p:nvPicPr>
+          <p:cNvPr id="14" name="Picture 13">
+            <a:extLst>
+              <a:ext uri="{FF2B5EF4-FFF2-40B4-BE49-F238E27FC236}">
+                <a16:creationId xmlns:a16="http://schemas.microsoft.com/office/drawing/2014/main" id="{7A396AED-68C0-4DCD-AAD1-FD75181F6388}"/>
+              </a:ext>
+            </a:extLst>
+          </p:cNvPr>
+          <p:cNvPicPr>
+            <a:picLocks noChangeAspect="1"/>
+          </p:cNvPicPr>
+          <p:nvPr/>
+        </p:nvPicPr>
+        <p:blipFill rotWithShape="1">
+          <a:blip r:embed="rId11">
+            <a:extLst>
+              <a:ext uri="{28A0092B-C50C-407E-A947-70E740481C1C}">
+                <a14:useLocalDpi xmlns:a14="http://schemas.microsoft.com/office/drawing/2010/main" val="0"/>
+              </a:ext>
+            </a:extLst>
+          </a:blip>
+          <a:srcRect l="-3587" t="-3212" r="-3587" b="-3212"/>
+          <a:stretch/>
+        </p:blipFill>
+        <p:spPr>
+          <a:xfrm>
+            <a:off x="6012160" y="3892742"/>
+            <a:ext cx="2454019" cy="1840514"/>
+          </a:xfrm>
+          <a:prstGeom prst="roundRect">
+            <a:avLst>
+              <a:gd name="adj" fmla="val 8594"/>
+            </a:avLst>
+          </a:prstGeom>
+          <a:solidFill>
+            <a:srgbClr val="FFFFFF">
+              <a:shade val="85000"/>
+            </a:srgbClr>
+          </a:solidFill>
+          <a:ln>
+            <a:noFill/>
+          </a:ln>
+          <a:effectLst>
+            <a:reflection blurRad="12700" stA="38000" endPos="28000" dist="5000" dir="5400000" sy="-100000" algn="bl" rotWithShape="0"/>
+          </a:effectLst>
+        </p:spPr>
+      </p:pic>
+      <p:sp>
+        <p:nvSpPr>
+          <p:cNvPr id="20" name="TextBox 19">
+            <a:extLst>
+              <a:ext uri="{FF2B5EF4-FFF2-40B4-BE49-F238E27FC236}">
+                <a16:creationId xmlns:a16="http://schemas.microsoft.com/office/drawing/2014/main" id="{5AFC825B-019E-412E-8F7C-0A9167381C80}"/>
+              </a:ext>
+            </a:extLst>
+          </p:cNvPr>
+          <p:cNvSpPr txBox="1"/>
+          <p:nvPr/>
+        </p:nvSpPr>
+        <p:spPr>
+          <a:xfrm>
+            <a:off x="6557776" y="3548593"/>
+            <a:ext cx="1467069" cy="369332"/>
+          </a:xfrm>
+          <a:prstGeom prst="rect">
+            <a:avLst/>
+          </a:prstGeom>
+          <a:noFill/>
+        </p:spPr>
+        <p:txBody>
+          <a:bodyPr wrap="none" rtlCol="0">
+            <a:spAutoFit/>
+          </a:bodyPr>
+          <a:lstStyle/>
+          <a:p>
+            <a:pPr algn="ctr"/>
+            <a:r>
+              <a:rPr lang="en-US" dirty="0">
+                <a:latin typeface="TH Sarabun New" panose="020B0500040200020003" pitchFamily="34" charset="-34"/>
+                <a:cs typeface="TH Sarabun New" panose="020B0500040200020003" pitchFamily="34" charset="-34"/>
+              </a:rPr>
+              <a:t>Behavior Analysis</a:t>
+            </a:r>
+            <a:endParaRPr lang="th-TH" dirty="0">
+              <a:latin typeface="TH Sarabun New" panose="020B0500040200020003" pitchFamily="34" charset="-34"/>
+              <a:cs typeface="TH Sarabun New" panose="020B0500040200020003" pitchFamily="34" charset="-34"/>
+            </a:endParaRPr>
+          </a:p>
+        </p:txBody>
+      </p:sp>
+      <p:pic>
+        <p:nvPicPr>
+          <p:cNvPr id="19" name="Picture 18">
+            <a:extLst>
+              <a:ext uri="{FF2B5EF4-FFF2-40B4-BE49-F238E27FC236}">
+                <a16:creationId xmlns:a16="http://schemas.microsoft.com/office/drawing/2014/main" id="{87C09A54-BF1A-4500-A326-ADFA49BC83FE}"/>
+              </a:ext>
+            </a:extLst>
+          </p:cNvPr>
+          <p:cNvPicPr>
+            <a:picLocks noChangeAspect="1"/>
+          </p:cNvPicPr>
+          <p:nvPr/>
+        </p:nvPicPr>
+        <p:blipFill>
+          <a:blip r:embed="rId12">
+            <a:extLst>
+              <a:ext uri="{28A0092B-C50C-407E-A947-70E740481C1C}">
+                <a14:useLocalDpi xmlns:a14="http://schemas.microsoft.com/office/drawing/2010/main" val="0"/>
+              </a:ext>
+            </a:extLst>
+          </a:blip>
+          <a:stretch>
+            <a:fillRect/>
+          </a:stretch>
+        </p:blipFill>
+        <p:spPr>
+          <a:xfrm>
+            <a:off x="2843808" y="4128926"/>
+            <a:ext cx="2742048" cy="1532322"/>
+          </a:xfrm>
+          <a:prstGeom prst="rect">
+            <a:avLst/>
+          </a:prstGeom>
+          <a:ln>
+            <a:noFill/>
+          </a:ln>
+          <a:effectLst>
+            <a:outerShdw blurRad="190500" algn="tl" rotWithShape="0">
+              <a:srgbClr val="000000">
+                <a:alpha val="70000"/>
+              </a:srgbClr>
+            </a:outerShdw>
+          </a:effectLst>
+        </p:spPr>
+      </p:pic>
+      <p:sp>
+        <p:nvSpPr>
+          <p:cNvPr id="23" name="TextBox 22">
+            <a:extLst>
+              <a:ext uri="{FF2B5EF4-FFF2-40B4-BE49-F238E27FC236}">
+                <a16:creationId xmlns:a16="http://schemas.microsoft.com/office/drawing/2014/main" id="{4C87F84E-678A-4823-92BF-116A87A80034}"/>
+              </a:ext>
+            </a:extLst>
+          </p:cNvPr>
+          <p:cNvSpPr txBox="1"/>
+          <p:nvPr/>
+        </p:nvSpPr>
+        <p:spPr>
+          <a:xfrm>
+            <a:off x="3208901" y="3651091"/>
+            <a:ext cx="2108269" cy="369332"/>
+          </a:xfrm>
+          <a:prstGeom prst="rect">
+            <a:avLst/>
+          </a:prstGeom>
+          <a:noFill/>
+        </p:spPr>
+        <p:txBody>
+          <a:bodyPr wrap="none" rtlCol="0">
+            <a:spAutoFit/>
+          </a:bodyPr>
+          <a:lstStyle/>
+          <a:p>
+            <a:pPr algn="ctr"/>
+            <a:r>
+              <a:rPr lang="en-US" dirty="0">
+                <a:latin typeface="TH Sarabun New" panose="020B0500040200020003" pitchFamily="34" charset="-34"/>
+                <a:cs typeface="TH Sarabun New" panose="020B0500040200020003" pitchFamily="34" charset="-34"/>
+              </a:rPr>
+              <a:t>Shelf Show ?</a:t>
+            </a:r>
+            <a:r>
+              <a:rPr lang="th-TH" dirty="0">
+                <a:latin typeface="TH Sarabun New" panose="020B0500040200020003" pitchFamily="34" charset="-34"/>
+                <a:cs typeface="TH Sarabun New" panose="020B0500040200020003" pitchFamily="34" charset="-34"/>
+              </a:rPr>
+              <a:t> </a:t>
+            </a:r>
+            <a:r>
+              <a:rPr lang="en-US" dirty="0">
+                <a:latin typeface="TH Sarabun New" panose="020B0500040200020003" pitchFamily="34" charset="-34"/>
+                <a:cs typeface="TH Sarabun New" panose="020B0500040200020003" pitchFamily="34" charset="-34"/>
+              </a:rPr>
+              <a:t>Unnecessary</a:t>
+            </a:r>
+            <a:endParaRPr lang="th-TH" dirty="0">
+              <a:latin typeface="TH Sarabun New" panose="020B0500040200020003" pitchFamily="34" charset="-34"/>
+              <a:cs typeface="TH Sarabun New" panose="020B0500040200020003" pitchFamily="34" charset="-34"/>
+            </a:endParaRPr>
+          </a:p>
+        </p:txBody>
+      </p:sp>
+      <p:pic>
+        <p:nvPicPr>
+          <p:cNvPr id="25" name="Picture 24">
+            <a:extLst>
+              <a:ext uri="{FF2B5EF4-FFF2-40B4-BE49-F238E27FC236}">
+                <a16:creationId xmlns:a16="http://schemas.microsoft.com/office/drawing/2014/main" id="{BECC6179-3CFF-48EF-B297-BF5AB113772F}"/>
+              </a:ext>
+            </a:extLst>
+          </p:cNvPr>
+          <p:cNvPicPr>
+            <a:picLocks noChangeAspect="1"/>
+          </p:cNvPicPr>
+          <p:nvPr/>
+        </p:nvPicPr>
+        <p:blipFill>
+          <a:blip r:embed="rId13">
+            <a:extLst>
+              <a:ext uri="{28A0092B-C50C-407E-A947-70E740481C1C}">
+                <a14:useLocalDpi xmlns:a14="http://schemas.microsoft.com/office/drawing/2010/main" val="0"/>
+              </a:ext>
+            </a:extLst>
+          </a:blip>
+          <a:stretch>
+            <a:fillRect/>
+          </a:stretch>
+        </p:blipFill>
+        <p:spPr>
+          <a:xfrm>
+            <a:off x="4629814" y="1313884"/>
+            <a:ext cx="2117349" cy="1774338"/>
+          </a:xfrm>
+          <a:prstGeom prst="rect">
+            <a:avLst/>
+          </a:prstGeom>
+        </p:spPr>
+      </p:pic>
+      <p:sp>
+        <p:nvSpPr>
+          <p:cNvPr id="26" name="TextBox 25">
+            <a:extLst>
+              <a:ext uri="{FF2B5EF4-FFF2-40B4-BE49-F238E27FC236}">
+                <a16:creationId xmlns:a16="http://schemas.microsoft.com/office/drawing/2014/main" id="{A599E35B-22CF-4CE3-B6CF-0522231B27CF}"/>
+              </a:ext>
+            </a:extLst>
+          </p:cNvPr>
+          <p:cNvSpPr txBox="1"/>
+          <p:nvPr/>
+        </p:nvSpPr>
+        <p:spPr>
+          <a:xfrm>
+            <a:off x="5375320" y="2699628"/>
+            <a:ext cx="708848" cy="369332"/>
+          </a:xfrm>
+          <a:prstGeom prst="rect">
+            <a:avLst/>
+          </a:prstGeom>
+          <a:noFill/>
+        </p:spPr>
+        <p:txBody>
+          <a:bodyPr wrap="none" rtlCol="0">
+            <a:spAutoFit/>
+          </a:bodyPr>
+          <a:lstStyle/>
+          <a:p>
+            <a:pPr algn="ctr"/>
+            <a:r>
+              <a:rPr lang="en-US" dirty="0">
+                <a:latin typeface="TH Sarabun New" panose="020B0500040200020003" pitchFamily="34" charset="-34"/>
+                <a:cs typeface="TH Sarabun New" panose="020B0500040200020003" pitchFamily="34" charset="-34"/>
+              </a:rPr>
+              <a:t>Benefit</a:t>
+            </a:r>
+            <a:endParaRPr lang="th-TH" dirty="0">
+              <a:latin typeface="TH Sarabun New" panose="020B0500040200020003" pitchFamily="34" charset="-34"/>
+              <a:cs typeface="TH Sarabun New" panose="020B0500040200020003" pitchFamily="34" charset="-34"/>
+            </a:endParaRPr>
+          </a:p>
+        </p:txBody>
+      </p:sp>
+      <p:sp>
+        <p:nvSpPr>
+          <p:cNvPr id="27" name="TextBox 26">
+            <a:extLst>
+              <a:ext uri="{FF2B5EF4-FFF2-40B4-BE49-F238E27FC236}">
+                <a16:creationId xmlns:a16="http://schemas.microsoft.com/office/drawing/2014/main" id="{C7658734-53C8-4DB7-9C03-03B487DD4A5E}"/>
+              </a:ext>
+            </a:extLst>
+          </p:cNvPr>
+          <p:cNvSpPr txBox="1"/>
+          <p:nvPr/>
+        </p:nvSpPr>
+        <p:spPr>
+          <a:xfrm>
+            <a:off x="3456153" y="2715798"/>
+            <a:ext cx="2105063" cy="461665"/>
+          </a:xfrm>
+          <a:prstGeom prst="rect">
+            <a:avLst/>
+          </a:prstGeom>
+          <a:noFill/>
+        </p:spPr>
+        <p:txBody>
+          <a:bodyPr wrap="none" rtlCol="0">
+            <a:spAutoFit/>
+          </a:bodyPr>
+          <a:lstStyle/>
+          <a:p>
+            <a:pPr algn="ctr"/>
+            <a:r>
+              <a:rPr lang="en-US" sz="2400" dirty="0">
+                <a:latin typeface="TH Sarabun New" panose="020B0500040200020003" pitchFamily="34" charset="-34"/>
+                <a:cs typeface="TH Sarabun New" panose="020B0500040200020003" pitchFamily="34" charset="-34"/>
+              </a:rPr>
+              <a:t>Make it Happen . . .</a:t>
+            </a:r>
+            <a:endParaRPr lang="th-TH" sz="2400" dirty="0">
+              <a:latin typeface="TH Sarabun New" panose="020B0500040200020003" pitchFamily="34" charset="-34"/>
+              <a:cs typeface="TH Sarabun New" panose="020B0500040200020003" pitchFamily="34" charset="-34"/>
+            </a:endParaRPr>
+          </a:p>
+        </p:txBody>
+      </p:sp>
     </p:spTree>
     <p:extLst>
       <p:ext uri="{BB962C8B-B14F-4D97-AF65-F5344CB8AC3E}">
@@ -16447,6 +17030,9 @@
   <p:clrMapOvr>
     <a:masterClrMapping/>
   </p:clrMapOvr>
+  <p:transition spd="slow">
+    <p:wipe/>
+  </p:transition>
   <p:timing>
     <p:tnLst>
       <p:par>
@@ -16459,6 +17045,9 @@
                     <p:cTn id="3" fill="hold">
                       <p:stCondLst>
                         <p:cond delay="indefinite"/>
+                        <p:cond evt="onBegin" delay="0">
+                          <p:tn val="2"/>
+                        </p:cond>
                       </p:stCondLst>
                       <p:childTnLst>
                         <p:par>
@@ -16468,7 +17057,7 @@
                             </p:stCondLst>
                             <p:childTnLst>
                               <p:par>
-                                <p:cTn id="5" presetID="10" presetClass="entr" presetSubtype="0" fill="hold" grpId="0" nodeType="clickEffect">
+                                <p:cTn id="5" presetID="22" presetClass="entr" presetSubtype="8" fill="hold" grpId="0" nodeType="afterEffect">
                                   <p:stCondLst>
                                     <p:cond delay="0"/>
                                   </p:stCondLst>
@@ -16481,7 +17070,139 @@
                                           </p:stCondLst>
                                         </p:cTn>
                                         <p:tgtEl>
-                                          <p:spTgt spid="24"/>
+                                          <p:spTgt spid="2"/>
+                                        </p:tgtEl>
+                                        <p:attrNameLst>
+                                          <p:attrName>style.visibility</p:attrName>
+                                        </p:attrNameLst>
+                                      </p:cBhvr>
+                                      <p:to>
+                                        <p:strVal val="visible"/>
+                                      </p:to>
+                                    </p:set>
+                                    <p:animEffect transition="in" filter="wipe(left)">
+                                      <p:cBhvr>
+                                        <p:cTn id="7" dur="1500"/>
+                                        <p:tgtEl>
+                                          <p:spTgt spid="2"/>
+                                        </p:tgtEl>
+                                      </p:cBhvr>
+                                    </p:animEffect>
+                                  </p:childTnLst>
+                                </p:cTn>
+                              </p:par>
+                              <p:par>
+                                <p:cTn id="8" presetID="22" presetClass="entr" presetSubtype="8" fill="hold" grpId="0" nodeType="withEffect">
+                                  <p:stCondLst>
+                                    <p:cond delay="0"/>
+                                  </p:stCondLst>
+                                  <p:childTnLst>
+                                    <p:set>
+                                      <p:cBhvr>
+                                        <p:cTn id="9" dur="1" fill="hold">
+                                          <p:stCondLst>
+                                            <p:cond delay="0"/>
+                                          </p:stCondLst>
+                                        </p:cTn>
+                                        <p:tgtEl>
+                                          <p:spTgt spid="27"/>
+                                        </p:tgtEl>
+                                        <p:attrNameLst>
+                                          <p:attrName>style.visibility</p:attrName>
+                                        </p:attrNameLst>
+                                      </p:cBhvr>
+                                      <p:to>
+                                        <p:strVal val="visible"/>
+                                      </p:to>
+                                    </p:set>
+                                    <p:animEffect transition="in" filter="wipe(left)">
+                                      <p:cBhvr>
+                                        <p:cTn id="10" dur="1250"/>
+                                        <p:tgtEl>
+                                          <p:spTgt spid="27"/>
+                                        </p:tgtEl>
+                                      </p:cBhvr>
+                                    </p:animEffect>
+                                  </p:childTnLst>
+                                </p:cTn>
+                              </p:par>
+                            </p:childTnLst>
+                          </p:cTn>
+                        </p:par>
+                      </p:childTnLst>
+                    </p:cTn>
+                  </p:par>
+                  <p:par>
+                    <p:cTn id="11" fill="hold">
+                      <p:stCondLst>
+                        <p:cond delay="indefinite"/>
+                      </p:stCondLst>
+                      <p:childTnLst>
+                        <p:par>
+                          <p:cTn id="12" fill="hold">
+                            <p:stCondLst>
+                              <p:cond delay="0"/>
+                            </p:stCondLst>
+                            <p:childTnLst>
+                              <p:par>
+                                <p:cTn id="13" presetID="10" presetClass="exit" presetSubtype="0" fill="hold" grpId="1" nodeType="clickEffect">
+                                  <p:stCondLst>
+                                    <p:cond delay="0"/>
+                                  </p:stCondLst>
+                                  <p:childTnLst>
+                                    <p:animEffect transition="out" filter="fade">
+                                      <p:cBhvr>
+                                        <p:cTn id="14" dur="500"/>
+                                        <p:tgtEl>
+                                          <p:spTgt spid="27"/>
+                                        </p:tgtEl>
+                                      </p:cBhvr>
+                                    </p:animEffect>
+                                    <p:set>
+                                      <p:cBhvr>
+                                        <p:cTn id="15" dur="1" fill="hold">
+                                          <p:stCondLst>
+                                            <p:cond delay="499"/>
+                                          </p:stCondLst>
+                                        </p:cTn>
+                                        <p:tgtEl>
+                                          <p:spTgt spid="27"/>
+                                        </p:tgtEl>
+                                        <p:attrNameLst>
+                                          <p:attrName>style.visibility</p:attrName>
+                                        </p:attrNameLst>
+                                      </p:cBhvr>
+                                      <p:to>
+                                        <p:strVal val="hidden"/>
+                                      </p:to>
+                                    </p:set>
+                                  </p:childTnLst>
+                                </p:cTn>
+                              </p:par>
+                            </p:childTnLst>
+                          </p:cTn>
+                        </p:par>
+                        <p:par>
+                          <p:cTn id="16" fill="hold">
+                            <p:stCondLst>
+                              <p:cond delay="500"/>
+                            </p:stCondLst>
+                            <p:childTnLst>
+                              <p:par>
+                                <p:cTn id="17" presetID="10" presetClass="entr" presetSubtype="0" fill="hold" grpId="0" nodeType="afterEffect">
+                                  <p:stCondLst>
+                                    <p:cond delay="0"/>
+                                  </p:stCondLst>
+                                  <p:childTnLst>
+                                    <p:set>
+                                      <p:cBhvr>
+                                        <p:cTn id="18" dur="1" fill="hold">
+                                          <p:stCondLst>
+                                            <p:cond delay="0"/>
+                                          </p:stCondLst>
+                                        </p:cTn>
+                                        <p:tgtEl>
+                                          <p:spTgt spid="3"/>
                                         </p:tgtEl>
                                         <p:attrNameLst>
                                           <p:attrName>style.visibility</p:attrName>
@@ -16493,12 +17214,674 @@
                                     </p:set>
                                     <p:animEffect transition="in" filter="fade">
                                       <p:cBhvr>
-                                        <p:cTn id="7" dur="500"/>
+                                        <p:cTn id="19" dur="500"/>
                                         <p:tgtEl>
-                                          <p:spTgt spid="24"/>
+                                          <p:spTgt spid="3"/>
                                         </p:tgtEl>
                                       </p:cBhvr>
                                     </p:animEffect>
+                                  </p:childTnLst>
+                                </p:cTn>
+                              </p:par>
+                            </p:childTnLst>
+                          </p:cTn>
+                        </p:par>
+                        <p:par>
+                          <p:cTn id="20" fill="hold">
+                            <p:stCondLst>
+                              <p:cond delay="1000"/>
+                            </p:stCondLst>
+                            <p:childTnLst>
+                              <p:par>
+                                <p:cTn id="21" presetID="42" presetClass="entr" presetSubtype="0" fill="hold" nodeType="afterEffect">
+                                  <p:stCondLst>
+                                    <p:cond delay="0"/>
+                                  </p:stCondLst>
+                                  <p:childTnLst>
+                                    <p:set>
+                                      <p:cBhvr>
+                                        <p:cTn id="22" dur="1" fill="hold">
+                                          <p:stCondLst>
+                                            <p:cond delay="0"/>
+                                          </p:stCondLst>
+                                        </p:cTn>
+                                        <p:tgtEl>
+                                          <p:spTgt spid="8"/>
+                                        </p:tgtEl>
+                                        <p:attrNameLst>
+                                          <p:attrName>style.visibility</p:attrName>
+                                        </p:attrNameLst>
+                                      </p:cBhvr>
+                                      <p:to>
+                                        <p:strVal val="visible"/>
+                                      </p:to>
+                                    </p:set>
+                                    <p:animEffect transition="in" filter="fade">
+                                      <p:cBhvr>
+                                        <p:cTn id="23" dur="1000"/>
+                                        <p:tgtEl>
+                                          <p:spTgt spid="8"/>
+                                        </p:tgtEl>
+                                      </p:cBhvr>
+                                    </p:animEffect>
+                                    <p:anim calcmode="lin" valueType="num">
+                                      <p:cBhvr>
+                                        <p:cTn id="24" dur="1000" fill="hold"/>
+                                        <p:tgtEl>
+                                          <p:spTgt spid="8"/>
+                                        </p:tgtEl>
+                                        <p:attrNameLst>
+                                          <p:attrName>ppt_x</p:attrName>
+                                        </p:attrNameLst>
+                                      </p:cBhvr>
+                                      <p:tavLst>
+                                        <p:tav tm="0">
+                                          <p:val>
+                                            <p:strVal val="#ppt_x"/>
+                                          </p:val>
+                                        </p:tav>
+                                        <p:tav tm="100000">
+                                          <p:val>
+                                            <p:strVal val="#ppt_x"/>
+                                          </p:val>
+                                        </p:tav>
+                                      </p:tavLst>
+                                    </p:anim>
+                                    <p:anim calcmode="lin" valueType="num">
+                                      <p:cBhvr>
+                                        <p:cTn id="25" dur="1000" fill="hold"/>
+                                        <p:tgtEl>
+                                          <p:spTgt spid="8"/>
+                                        </p:tgtEl>
+                                        <p:attrNameLst>
+                                          <p:attrName>ppt_y</p:attrName>
+                                        </p:attrNameLst>
+                                      </p:cBhvr>
+                                      <p:tavLst>
+                                        <p:tav tm="0">
+                                          <p:val>
+                                            <p:strVal val="#ppt_y+.1"/>
+                                          </p:val>
+                                        </p:tav>
+                                        <p:tav tm="100000">
+                                          <p:val>
+                                            <p:strVal val="#ppt_y"/>
+                                          </p:val>
+                                        </p:tav>
+                                      </p:tavLst>
+                                    </p:anim>
+                                  </p:childTnLst>
+                                </p:cTn>
+                              </p:par>
+                            </p:childTnLst>
+                          </p:cTn>
+                        </p:par>
+                      </p:childTnLst>
+                    </p:cTn>
+                  </p:par>
+                  <p:par>
+                    <p:cTn id="26" fill="hold">
+                      <p:stCondLst>
+                        <p:cond delay="indefinite"/>
+                      </p:stCondLst>
+                      <p:childTnLst>
+                        <p:par>
+                          <p:cTn id="27" fill="hold">
+                            <p:stCondLst>
+                              <p:cond delay="0"/>
+                            </p:stCondLst>
+                            <p:childTnLst>
+                              <p:par>
+                                <p:cTn id="28" presetID="10" presetClass="entr" presetSubtype="0" fill="hold" grpId="0" nodeType="clickEffect">
+                                  <p:stCondLst>
+                                    <p:cond delay="0"/>
+                                  </p:stCondLst>
+                                  <p:childTnLst>
+                                    <p:set>
+                                      <p:cBhvr>
+                                        <p:cTn id="29" dur="1" fill="hold">
+                                          <p:stCondLst>
+                                            <p:cond delay="0"/>
+                                          </p:stCondLst>
+                                        </p:cTn>
+                                        <p:tgtEl>
+                                          <p:spTgt spid="16"/>
+                                        </p:tgtEl>
+                                        <p:attrNameLst>
+                                          <p:attrName>style.visibility</p:attrName>
+                                        </p:attrNameLst>
+                                      </p:cBhvr>
+                                      <p:to>
+                                        <p:strVal val="visible"/>
+                                      </p:to>
+                                    </p:set>
+                                    <p:animEffect transition="in" filter="fade">
+                                      <p:cBhvr>
+                                        <p:cTn id="30" dur="500"/>
+                                        <p:tgtEl>
+                                          <p:spTgt spid="16"/>
+                                        </p:tgtEl>
+                                      </p:cBhvr>
+                                    </p:animEffect>
+                                  </p:childTnLst>
+                                </p:cTn>
+                              </p:par>
+                            </p:childTnLst>
+                          </p:cTn>
+                        </p:par>
+                        <p:par>
+                          <p:cTn id="31" fill="hold">
+                            <p:stCondLst>
+                              <p:cond delay="500"/>
+                            </p:stCondLst>
+                            <p:childTnLst>
+                              <p:par>
+                                <p:cTn id="32" presetID="47" presetClass="entr" presetSubtype="0" fill="hold" nodeType="afterEffect">
+                                  <p:stCondLst>
+                                    <p:cond delay="0"/>
+                                  </p:stCondLst>
+                                  <p:childTnLst>
+                                    <p:set>
+                                      <p:cBhvr>
+                                        <p:cTn id="33" dur="1" fill="hold">
+                                          <p:stCondLst>
+                                            <p:cond delay="0"/>
+                                          </p:stCondLst>
+                                        </p:cTn>
+                                        <p:tgtEl>
+                                          <p:spTgt spid="10"/>
+                                        </p:tgtEl>
+                                        <p:attrNameLst>
+                                          <p:attrName>style.visibility</p:attrName>
+                                        </p:attrNameLst>
+                                      </p:cBhvr>
+                                      <p:to>
+                                        <p:strVal val="visible"/>
+                                      </p:to>
+                                    </p:set>
+                                    <p:animEffect transition="in" filter="fade">
+                                      <p:cBhvr>
+                                        <p:cTn id="34" dur="1000"/>
+                                        <p:tgtEl>
+                                          <p:spTgt spid="10"/>
+                                        </p:tgtEl>
+                                      </p:cBhvr>
+                                    </p:animEffect>
+                                    <p:anim calcmode="lin" valueType="num">
+                                      <p:cBhvr>
+                                        <p:cTn id="35" dur="1000" fill="hold"/>
+                                        <p:tgtEl>
+                                          <p:spTgt spid="10"/>
+                                        </p:tgtEl>
+                                        <p:attrNameLst>
+                                          <p:attrName>ppt_x</p:attrName>
+                                        </p:attrNameLst>
+                                      </p:cBhvr>
+                                      <p:tavLst>
+                                        <p:tav tm="0">
+                                          <p:val>
+                                            <p:strVal val="#ppt_x"/>
+                                          </p:val>
+                                        </p:tav>
+                                        <p:tav tm="100000">
+                                          <p:val>
+                                            <p:strVal val="#ppt_x"/>
+                                          </p:val>
+                                        </p:tav>
+                                      </p:tavLst>
+                                    </p:anim>
+                                    <p:anim calcmode="lin" valueType="num">
+                                      <p:cBhvr>
+                                        <p:cTn id="36" dur="1000" fill="hold"/>
+                                        <p:tgtEl>
+                                          <p:spTgt spid="10"/>
+                                        </p:tgtEl>
+                                        <p:attrNameLst>
+                                          <p:attrName>ppt_y</p:attrName>
+                                        </p:attrNameLst>
+                                      </p:cBhvr>
+                                      <p:tavLst>
+                                        <p:tav tm="0">
+                                          <p:val>
+                                            <p:strVal val="#ppt_y-.1"/>
+                                          </p:val>
+                                        </p:tav>
+                                        <p:tav tm="100000">
+                                          <p:val>
+                                            <p:strVal val="#ppt_y"/>
+                                          </p:val>
+                                        </p:tav>
+                                      </p:tavLst>
+                                    </p:anim>
+                                  </p:childTnLst>
+                                </p:cTn>
+                              </p:par>
+                            </p:childTnLst>
+                          </p:cTn>
+                        </p:par>
+                      </p:childTnLst>
+                    </p:cTn>
+                  </p:par>
+                  <p:par>
+                    <p:cTn id="37" fill="hold">
+                      <p:stCondLst>
+                        <p:cond delay="indefinite"/>
+                      </p:stCondLst>
+                      <p:childTnLst>
+                        <p:par>
+                          <p:cTn id="38" fill="hold">
+                            <p:stCondLst>
+                              <p:cond delay="0"/>
+                            </p:stCondLst>
+                            <p:childTnLst>
+                              <p:par>
+                                <p:cTn id="39" presetID="10" presetClass="entr" presetSubtype="0" fill="hold" grpId="0" nodeType="clickEffect">
+                                  <p:stCondLst>
+                                    <p:cond delay="0"/>
+                                  </p:stCondLst>
+                                  <p:childTnLst>
+                                    <p:set>
+                                      <p:cBhvr>
+                                        <p:cTn id="40" dur="1" fill="hold">
+                                          <p:stCondLst>
+                                            <p:cond delay="0"/>
+                                          </p:stCondLst>
+                                        </p:cTn>
+                                        <p:tgtEl>
+                                          <p:spTgt spid="23"/>
+                                        </p:tgtEl>
+                                        <p:attrNameLst>
+                                          <p:attrName>style.visibility</p:attrName>
+                                        </p:attrNameLst>
+                                      </p:cBhvr>
+                                      <p:to>
+                                        <p:strVal val="visible"/>
+                                      </p:to>
+                                    </p:set>
+                                    <p:animEffect transition="in" filter="fade">
+                                      <p:cBhvr>
+                                        <p:cTn id="41" dur="500"/>
+                                        <p:tgtEl>
+                                          <p:spTgt spid="23"/>
+                                        </p:tgtEl>
+                                      </p:cBhvr>
+                                    </p:animEffect>
+                                  </p:childTnLst>
+                                </p:cTn>
+                              </p:par>
+                            </p:childTnLst>
+                          </p:cTn>
+                        </p:par>
+                        <p:par>
+                          <p:cTn id="42" fill="hold">
+                            <p:stCondLst>
+                              <p:cond delay="500"/>
+                            </p:stCondLst>
+                            <p:childTnLst>
+                              <p:par>
+                                <p:cTn id="43" presetID="42" presetClass="entr" presetSubtype="0" fill="hold" nodeType="afterEffect">
+                                  <p:stCondLst>
+                                    <p:cond delay="0"/>
+                                  </p:stCondLst>
+                                  <p:childTnLst>
+                                    <p:set>
+                                      <p:cBhvr>
+                                        <p:cTn id="44" dur="1" fill="hold">
+                                          <p:stCondLst>
+                                            <p:cond delay="0"/>
+                                          </p:stCondLst>
+                                        </p:cTn>
+                                        <p:tgtEl>
+                                          <p:spTgt spid="19"/>
+                                        </p:tgtEl>
+                                        <p:attrNameLst>
+                                          <p:attrName>style.visibility</p:attrName>
+                                        </p:attrNameLst>
+                                      </p:cBhvr>
+                                      <p:to>
+                                        <p:strVal val="visible"/>
+                                      </p:to>
+                                    </p:set>
+                                    <p:animEffect transition="in" filter="fade">
+                                      <p:cBhvr>
+                                        <p:cTn id="45" dur="1000"/>
+                                        <p:tgtEl>
+                                          <p:spTgt spid="19"/>
+                                        </p:tgtEl>
+                                      </p:cBhvr>
+                                    </p:animEffect>
+                                    <p:anim calcmode="lin" valueType="num">
+                                      <p:cBhvr>
+                                        <p:cTn id="46" dur="1000" fill="hold"/>
+                                        <p:tgtEl>
+                                          <p:spTgt spid="19"/>
+                                        </p:tgtEl>
+                                        <p:attrNameLst>
+                                          <p:attrName>ppt_x</p:attrName>
+                                        </p:attrNameLst>
+                                      </p:cBhvr>
+                                      <p:tavLst>
+                                        <p:tav tm="0">
+                                          <p:val>
+                                            <p:strVal val="#ppt_x"/>
+                                          </p:val>
+                                        </p:tav>
+                                        <p:tav tm="100000">
+                                          <p:val>
+                                            <p:strVal val="#ppt_x"/>
+                                          </p:val>
+                                        </p:tav>
+                                      </p:tavLst>
+                                    </p:anim>
+                                    <p:anim calcmode="lin" valueType="num">
+                                      <p:cBhvr>
+                                        <p:cTn id="47" dur="1000" fill="hold"/>
+                                        <p:tgtEl>
+                                          <p:spTgt spid="19"/>
+                                        </p:tgtEl>
+                                        <p:attrNameLst>
+                                          <p:attrName>ppt_y</p:attrName>
+                                        </p:attrNameLst>
+                                      </p:cBhvr>
+                                      <p:tavLst>
+                                        <p:tav tm="0">
+                                          <p:val>
+                                            <p:strVal val="#ppt_y+.1"/>
+                                          </p:val>
+                                        </p:tav>
+                                        <p:tav tm="100000">
+                                          <p:val>
+                                            <p:strVal val="#ppt_y"/>
+                                          </p:val>
+                                        </p:tav>
+                                      </p:tavLst>
+                                    </p:anim>
+                                  </p:childTnLst>
+                                </p:cTn>
+                              </p:par>
+                            </p:childTnLst>
+                          </p:cTn>
+                        </p:par>
+                      </p:childTnLst>
+                    </p:cTn>
+                  </p:par>
+                  <p:par>
+                    <p:cTn id="48" fill="hold">
+                      <p:stCondLst>
+                        <p:cond delay="indefinite"/>
+                      </p:stCondLst>
+                      <p:childTnLst>
+                        <p:par>
+                          <p:cTn id="49" fill="hold">
+                            <p:stCondLst>
+                              <p:cond delay="0"/>
+                            </p:stCondLst>
+                            <p:childTnLst>
+                              <p:par>
+                                <p:cTn id="50" presetID="10" presetClass="entr" presetSubtype="0" fill="hold" grpId="0" nodeType="clickEffect">
+                                  <p:stCondLst>
+                                    <p:cond delay="0"/>
+                                  </p:stCondLst>
+                                  <p:childTnLst>
+                                    <p:set>
+                                      <p:cBhvr>
+                                        <p:cTn id="51" dur="1" fill="hold">
+                                          <p:stCondLst>
+                                            <p:cond delay="0"/>
+                                          </p:stCondLst>
+                                        </p:cTn>
+                                        <p:tgtEl>
+                                          <p:spTgt spid="26"/>
+                                        </p:tgtEl>
+                                        <p:attrNameLst>
+                                          <p:attrName>style.visibility</p:attrName>
+                                        </p:attrNameLst>
+                                      </p:cBhvr>
+                                      <p:to>
+                                        <p:strVal val="visible"/>
+                                      </p:to>
+                                    </p:set>
+                                    <p:animEffect transition="in" filter="fade">
+                                      <p:cBhvr>
+                                        <p:cTn id="52" dur="500"/>
+                                        <p:tgtEl>
+                                          <p:spTgt spid="26"/>
+                                        </p:tgtEl>
+                                      </p:cBhvr>
+                                    </p:animEffect>
+                                  </p:childTnLst>
+                                </p:cTn>
+                              </p:par>
+                            </p:childTnLst>
+                          </p:cTn>
+                        </p:par>
+                        <p:par>
+                          <p:cTn id="53" fill="hold">
+                            <p:stCondLst>
+                              <p:cond delay="500"/>
+                            </p:stCondLst>
+                            <p:childTnLst>
+                              <p:par>
+                                <p:cTn id="54" presetID="47" presetClass="entr" presetSubtype="0" fill="hold" nodeType="afterEffect">
+                                  <p:stCondLst>
+                                    <p:cond delay="0"/>
+                                  </p:stCondLst>
+                                  <p:childTnLst>
+                                    <p:set>
+                                      <p:cBhvr>
+                                        <p:cTn id="55" dur="1" fill="hold">
+                                          <p:stCondLst>
+                                            <p:cond delay="0"/>
+                                          </p:stCondLst>
+                                        </p:cTn>
+                                        <p:tgtEl>
+                                          <p:spTgt spid="25"/>
+                                        </p:tgtEl>
+                                        <p:attrNameLst>
+                                          <p:attrName>style.visibility</p:attrName>
+                                        </p:attrNameLst>
+                                      </p:cBhvr>
+                                      <p:to>
+                                        <p:strVal val="visible"/>
+                                      </p:to>
+                                    </p:set>
+                                    <p:animEffect transition="in" filter="fade">
+                                      <p:cBhvr>
+                                        <p:cTn id="56" dur="1000"/>
+                                        <p:tgtEl>
+                                          <p:spTgt spid="25"/>
+                                        </p:tgtEl>
+                                      </p:cBhvr>
+                                    </p:animEffect>
+                                    <p:anim calcmode="lin" valueType="num">
+                                      <p:cBhvr>
+                                        <p:cTn id="57" dur="1000" fill="hold"/>
+                                        <p:tgtEl>
+                                          <p:spTgt spid="25"/>
+                                        </p:tgtEl>
+                                        <p:attrNameLst>
+                                          <p:attrName>ppt_x</p:attrName>
+                                        </p:attrNameLst>
+                                      </p:cBhvr>
+                                      <p:tavLst>
+                                        <p:tav tm="0">
+                                          <p:val>
+                                            <p:strVal val="#ppt_x"/>
+                                          </p:val>
+                                        </p:tav>
+                                        <p:tav tm="100000">
+                                          <p:val>
+                                            <p:strVal val="#ppt_x"/>
+                                          </p:val>
+                                        </p:tav>
+                                      </p:tavLst>
+                                    </p:anim>
+                                    <p:anim calcmode="lin" valueType="num">
+                                      <p:cBhvr>
+                                        <p:cTn id="58" dur="1000" fill="hold"/>
+                                        <p:tgtEl>
+                                          <p:spTgt spid="25"/>
+                                        </p:tgtEl>
+                                        <p:attrNameLst>
+                                          <p:attrName>ppt_y</p:attrName>
+                                        </p:attrNameLst>
+                                      </p:cBhvr>
+                                      <p:tavLst>
+                                        <p:tav tm="0">
+                                          <p:val>
+                                            <p:strVal val="#ppt_y-.1"/>
+                                          </p:val>
+                                        </p:tav>
+                                        <p:tav tm="100000">
+                                          <p:val>
+                                            <p:strVal val="#ppt_y"/>
+                                          </p:val>
+                                        </p:tav>
+                                      </p:tavLst>
+                                    </p:anim>
+                                  </p:childTnLst>
+                                </p:cTn>
+                              </p:par>
+                            </p:childTnLst>
+                          </p:cTn>
+                        </p:par>
+                      </p:childTnLst>
+                    </p:cTn>
+                  </p:par>
+                  <p:par>
+                    <p:cTn id="59" fill="hold">
+                      <p:stCondLst>
+                        <p:cond delay="indefinite"/>
+                      </p:stCondLst>
+                      <p:childTnLst>
+                        <p:par>
+                          <p:cTn id="60" fill="hold">
+                            <p:stCondLst>
+                              <p:cond delay="0"/>
+                            </p:stCondLst>
+                            <p:childTnLst>
+                              <p:par>
+                                <p:cTn id="61" presetID="10" presetClass="entr" presetSubtype="0" fill="hold" grpId="0" nodeType="clickEffect">
+                                  <p:stCondLst>
+                                    <p:cond delay="0"/>
+                                  </p:stCondLst>
+                                  <p:childTnLst>
+                                    <p:set>
+                                      <p:cBhvr>
+                                        <p:cTn id="62" dur="1" fill="hold">
+                                          <p:stCondLst>
+                                            <p:cond delay="0"/>
+                                          </p:stCondLst>
+                                        </p:cTn>
+                                        <p:tgtEl>
+                                          <p:spTgt spid="20"/>
+                                        </p:tgtEl>
+                                        <p:attrNameLst>
+                                          <p:attrName>style.visibility</p:attrName>
+                                        </p:attrNameLst>
+                                      </p:cBhvr>
+                                      <p:to>
+                                        <p:strVal val="visible"/>
+                                      </p:to>
+                                    </p:set>
+                                    <p:animEffect transition="in" filter="fade">
+                                      <p:cBhvr>
+                                        <p:cTn id="63" dur="500"/>
+                                        <p:tgtEl>
+                                          <p:spTgt spid="20"/>
+                                        </p:tgtEl>
+                                      </p:cBhvr>
+                                    </p:animEffect>
+                                  </p:childTnLst>
+                                </p:cTn>
+                              </p:par>
+                            </p:childTnLst>
+                          </p:cTn>
+                        </p:par>
+                        <p:par>
+                          <p:cTn id="64" fill="hold">
+                            <p:stCondLst>
+                              <p:cond delay="500"/>
+                            </p:stCondLst>
+                            <p:childTnLst>
+                              <p:par>
+                                <p:cTn id="65" presetID="42" presetClass="entr" presetSubtype="0" fill="hold" nodeType="afterEffect">
+                                  <p:stCondLst>
+                                    <p:cond delay="0"/>
+                                  </p:stCondLst>
+                                  <p:childTnLst>
+                                    <p:set>
+                                      <p:cBhvr>
+                                        <p:cTn id="66" dur="1" fill="hold">
+                                          <p:stCondLst>
+                                            <p:cond delay="0"/>
+                                          </p:stCondLst>
+                                        </p:cTn>
+                                        <p:tgtEl>
+                                          <p:spTgt spid="14"/>
+                                        </p:tgtEl>
+                                        <p:attrNameLst>
+                                          <p:attrName>style.visibility</p:attrName>
+                                        </p:attrNameLst>
+                                      </p:cBhvr>
+                                      <p:to>
+                                        <p:strVal val="visible"/>
+                                      </p:to>
+                                    </p:set>
+                                    <p:animEffect transition="in" filter="fade">
+                                      <p:cBhvr>
+                                        <p:cTn id="67" dur="1000"/>
+                                        <p:tgtEl>
+                                          <p:spTgt spid="14"/>
+                                        </p:tgtEl>
+                                      </p:cBhvr>
+                                    </p:animEffect>
+                                    <p:anim calcmode="lin" valueType="num">
+                                      <p:cBhvr>
+                                        <p:cTn id="68" dur="1000" fill="hold"/>
+                                        <p:tgtEl>
+                                          <p:spTgt spid="14"/>
+                                        </p:tgtEl>
+                                        <p:attrNameLst>
+                                          <p:attrName>ppt_x</p:attrName>
+                                        </p:attrNameLst>
+                                      </p:cBhvr>
+                                      <p:tavLst>
+                                        <p:tav tm="0">
+                                          <p:val>
+                                            <p:strVal val="#ppt_x"/>
+                                          </p:val>
+                                        </p:tav>
+                                        <p:tav tm="100000">
+                                          <p:val>
+                                            <p:strVal val="#ppt_x"/>
+                                          </p:val>
+                                        </p:tav>
+                                      </p:tavLst>
+                                    </p:anim>
+                                    <p:anim calcmode="lin" valueType="num">
+                                      <p:cBhvr>
+                                        <p:cTn id="69" dur="1000" fill="hold"/>
+                                        <p:tgtEl>
+                                          <p:spTgt spid="14"/>
+                                        </p:tgtEl>
+                                        <p:attrNameLst>
+                                          <p:attrName>ppt_y</p:attrName>
+                                        </p:attrNameLst>
+                                      </p:cBhvr>
+                                      <p:tavLst>
+                                        <p:tav tm="0">
+                                          <p:val>
+                                            <p:strVal val="#ppt_y+.1"/>
+                                          </p:val>
+                                        </p:tav>
+                                        <p:tav tm="100000">
+                                          <p:val>
+                                            <p:strVal val="#ppt_y"/>
+                                          </p:val>
+                                        </p:tav>
+                                      </p:tavLst>
+                                    </p:anim>
                                   </p:childTnLst>
                                 </p:cTn>
                               </p:par>
@@ -16530,7 +17913,16 @@
       </p:par>
     </p:tnLst>
     <p:bldLst>
-      <p:bldP spid="24" grpId="0"/>
+      <p:bldGraphic spid="2" grpId="0">
+        <p:bldAsOne/>
+      </p:bldGraphic>
+      <p:bldP spid="3" grpId="0"/>
+      <p:bldP spid="16" grpId="0"/>
+      <p:bldP spid="20" grpId="0"/>
+      <p:bldP spid="23" grpId="0"/>
+      <p:bldP spid="26" grpId="0"/>
+      <p:bldP spid="27" grpId="0"/>
+      <p:bldP spid="27" grpId="1"/>
     </p:bldLst>
   </p:timing>
 </p:sld>
@@ -17500,6 +18892,9 @@
   <p:clrMapOvr>
     <a:masterClrMapping/>
   </p:clrMapOvr>
+  <p:transition spd="slow">
+    <p:wipe/>
+  </p:transition>
   <p:timing>
     <p:tnLst>
       <p:par>
@@ -17531,7 +18926,7 @@
                                   <p:childTnLst>
                                     <p:animMotion origin="layout" path="M 3.05556E-6 -2.96296E-6 L 3.05556E-6 -0.08819 " pathEditMode="relative" rAng="0" ptsTypes="AA">
                                       <p:cBhvr>
-                                        <p:cTn id="6" dur="2000" fill="hold"/>
+                                        <p:cTn id="6" dur="1000" fill="hold"/>
                                         <p:tgtEl>
                                           <p:spTgt spid="6"/>
                                         </p:tgtEl>
@@ -17551,7 +18946,7 @@
                         <p:par>
                           <p:cTn id="7" fill="hold">
                             <p:stCondLst>
-                              <p:cond delay="2000"/>
+                              <p:cond delay="1000"/>
                             </p:stCondLst>
                             <p:childTnLst>
                               <p:par>
@@ -17615,7 +19010,7 @@
                                   <p:childTnLst>
                                     <p:animMotion origin="layout" path="M 1.11022E-16 -2.96296E-6 L 0.12257 -0.02777 " pathEditMode="relative" rAng="0" ptsTypes="AA">
                                       <p:cBhvr>
-                                        <p:cTn id="14" dur="2000" fill="hold"/>
+                                        <p:cTn id="14" dur="1000" fill="hold"/>
                                         <p:tgtEl>
                                           <p:spTgt spid="34"/>
                                         </p:tgtEl>
@@ -17635,7 +19030,7 @@
                         <p:par>
                           <p:cTn id="15" fill="hold">
                             <p:stCondLst>
-                              <p:cond delay="2000"/>
+                              <p:cond delay="1000"/>
                             </p:stCondLst>
                             <p:childTnLst>
                               <p:par>
@@ -17699,7 +19094,7 @@
                                   <p:childTnLst>
                                     <p:animMotion origin="layout" path="M 1.11022E-16 -3.7037E-7 L 0.12257 0.02778 " pathEditMode="relative" rAng="0" ptsTypes="AA">
                                       <p:cBhvr>
-                                        <p:cTn id="22" dur="2000" fill="hold"/>
+                                        <p:cTn id="22" dur="1000" fill="hold"/>
                                         <p:tgtEl>
                                           <p:spTgt spid="40"/>
                                         </p:tgtEl>
@@ -17719,7 +19114,7 @@
                         <p:par>
                           <p:cTn id="23" fill="hold">
                             <p:stCondLst>
-                              <p:cond delay="2000"/>
+                              <p:cond delay="1000"/>
                             </p:stCondLst>
                             <p:childTnLst>
                               <p:par>
@@ -17783,7 +19178,7 @@
                                   <p:childTnLst>
                                     <p:animMotion origin="layout" path="M 3.05556E-6 2.22222E-6 L 3.05556E-6 0.09977 " pathEditMode="relative" rAng="0" ptsTypes="AA">
                                       <p:cBhvr>
-                                        <p:cTn id="30" dur="2000" fill="hold"/>
+                                        <p:cTn id="30" dur="1000" fill="hold"/>
                                         <p:tgtEl>
                                           <p:spTgt spid="36"/>
                                         </p:tgtEl>
@@ -17803,7 +19198,7 @@
                         <p:par>
                           <p:cTn id="31" fill="hold">
                             <p:stCondLst>
-                              <p:cond delay="2000"/>
+                              <p:cond delay="1000"/>
                             </p:stCondLst>
                             <p:childTnLst>
                               <p:par>
@@ -17867,7 +19262,7 @@
                                   <p:childTnLst>
                                     <p:animMotion origin="layout" path="M 8.33333E-7 -3.7037E-7 L -0.11424 0.02778 " pathEditMode="relative" rAng="0" ptsTypes="AA">
                                       <p:cBhvr>
-                                        <p:cTn id="38" dur="2000" fill="hold"/>
+                                        <p:cTn id="38" dur="1000" fill="hold"/>
                                         <p:tgtEl>
                                           <p:spTgt spid="37"/>
                                         </p:tgtEl>
@@ -17887,7 +19282,7 @@
                         <p:par>
                           <p:cTn id="39" fill="hold">
                             <p:stCondLst>
-                              <p:cond delay="2000"/>
+                              <p:cond delay="1000"/>
                             </p:stCondLst>
                             <p:childTnLst>
                               <p:par>
@@ -17951,7 +19346,7 @@
                                   <p:childTnLst>
                                     <p:animMotion origin="layout" path="M 8.33333E-7 -2.96296E-6 L -0.11424 -0.03727 " pathEditMode="relative" rAng="0" ptsTypes="AA">
                                       <p:cBhvr>
-                                        <p:cTn id="46" dur="2000" fill="hold"/>
+                                        <p:cTn id="46" dur="1000" fill="hold"/>
                                         <p:tgtEl>
                                           <p:spTgt spid="38"/>
                                         </p:tgtEl>
@@ -17971,7 +19366,7 @@
                         <p:par>
                           <p:cTn id="47" fill="hold">
                             <p:stCondLst>
-                              <p:cond delay="2000"/>
+                              <p:cond delay="1000"/>
                             </p:stCondLst>
                             <p:childTnLst>
                               <p:par>
@@ -18015,7 +19410,7 @@
                         <p:par>
                           <p:cTn id="51" fill="hold">
                             <p:stCondLst>
-                              <p:cond delay="2500"/>
+                              <p:cond delay="1500"/>
                             </p:stCondLst>
                             <p:childTnLst>
                               <p:par>
